--- a/Reactjs.pptx
+++ b/Reactjs.pptx
@@ -8,6 +8,9 @@
     <p:sldId id="256" r:id="rId2"/>
     <p:sldId id="257" r:id="rId3"/>
     <p:sldId id="258" r:id="rId4"/>
+    <p:sldId id="259" r:id="rId5"/>
+    <p:sldId id="260" r:id="rId6"/>
+    <p:sldId id="261" r:id="rId7"/>
   </p:sldIdLst>
   <p:sldSz cx="12192000" cy="6858000"/>
   <p:notesSz cx="6858000" cy="9144000"/>
@@ -106,6 +109,11 @@
       </a:defRPr>
     </a:lvl9pPr>
   </p:defaultTextStyle>
+  <p:extLst>
+    <p:ext uri="{EFAFB233-063F-42B5-8137-9DF3F51BA10A}">
+      <p15:sldGuideLst xmlns:p15="http://schemas.microsoft.com/office/powerpoint/2012/main"/>
+    </p:ext>
+  </p:extLst>
 </p:presentation>
 </file>
 
@@ -256,7 +264,7 @@
           <a:p>
             <a:fld id="{56E86694-C861-44A8-AB30-CAA32AC2D8F5}" type="datetimeFigureOut">
               <a:rPr lang="en-US" smtClean="0"/>
-              <a:t>7/24/2023</a:t>
+              <a:t>7/25/2023</a:t>
             </a:fld>
             <a:endParaRPr lang="en-US"/>
           </a:p>
@@ -454,7 +462,7 @@
           <a:p>
             <a:fld id="{56E86694-C861-44A8-AB30-CAA32AC2D8F5}" type="datetimeFigureOut">
               <a:rPr lang="en-US" smtClean="0"/>
-              <a:t>7/24/2023</a:t>
+              <a:t>7/25/2023</a:t>
             </a:fld>
             <a:endParaRPr lang="en-US"/>
           </a:p>
@@ -662,7 +670,7 @@
           <a:p>
             <a:fld id="{56E86694-C861-44A8-AB30-CAA32AC2D8F5}" type="datetimeFigureOut">
               <a:rPr lang="en-US" smtClean="0"/>
-              <a:t>7/24/2023</a:t>
+              <a:t>7/25/2023</a:t>
             </a:fld>
             <a:endParaRPr lang="en-US"/>
           </a:p>
@@ -860,7 +868,7 @@
           <a:p>
             <a:fld id="{56E86694-C861-44A8-AB30-CAA32AC2D8F5}" type="datetimeFigureOut">
               <a:rPr lang="en-US" smtClean="0"/>
-              <a:t>7/24/2023</a:t>
+              <a:t>7/25/2023</a:t>
             </a:fld>
             <a:endParaRPr lang="en-US"/>
           </a:p>
@@ -1135,7 +1143,7 @@
           <a:p>
             <a:fld id="{56E86694-C861-44A8-AB30-CAA32AC2D8F5}" type="datetimeFigureOut">
               <a:rPr lang="en-US" smtClean="0"/>
-              <a:t>7/24/2023</a:t>
+              <a:t>7/25/2023</a:t>
             </a:fld>
             <a:endParaRPr lang="en-US"/>
           </a:p>
@@ -1400,7 +1408,7 @@
           <a:p>
             <a:fld id="{56E86694-C861-44A8-AB30-CAA32AC2D8F5}" type="datetimeFigureOut">
               <a:rPr lang="en-US" smtClean="0"/>
-              <a:t>7/24/2023</a:t>
+              <a:t>7/25/2023</a:t>
             </a:fld>
             <a:endParaRPr lang="en-US"/>
           </a:p>
@@ -1812,7 +1820,7 @@
           <a:p>
             <a:fld id="{56E86694-C861-44A8-AB30-CAA32AC2D8F5}" type="datetimeFigureOut">
               <a:rPr lang="en-US" smtClean="0"/>
-              <a:t>7/24/2023</a:t>
+              <a:t>7/25/2023</a:t>
             </a:fld>
             <a:endParaRPr lang="en-US"/>
           </a:p>
@@ -1953,7 +1961,7 @@
           <a:p>
             <a:fld id="{56E86694-C861-44A8-AB30-CAA32AC2D8F5}" type="datetimeFigureOut">
               <a:rPr lang="en-US" smtClean="0"/>
-              <a:t>7/24/2023</a:t>
+              <a:t>7/25/2023</a:t>
             </a:fld>
             <a:endParaRPr lang="en-US"/>
           </a:p>
@@ -2066,7 +2074,7 @@
           <a:p>
             <a:fld id="{56E86694-C861-44A8-AB30-CAA32AC2D8F5}" type="datetimeFigureOut">
               <a:rPr lang="en-US" smtClean="0"/>
-              <a:t>7/24/2023</a:t>
+              <a:t>7/25/2023</a:t>
             </a:fld>
             <a:endParaRPr lang="en-US"/>
           </a:p>
@@ -2377,7 +2385,7 @@
           <a:p>
             <a:fld id="{56E86694-C861-44A8-AB30-CAA32AC2D8F5}" type="datetimeFigureOut">
               <a:rPr lang="en-US" smtClean="0"/>
-              <a:t>7/24/2023</a:t>
+              <a:t>7/25/2023</a:t>
             </a:fld>
             <a:endParaRPr lang="en-US"/>
           </a:p>
@@ -2665,7 +2673,7 @@
           <a:p>
             <a:fld id="{56E86694-C861-44A8-AB30-CAA32AC2D8F5}" type="datetimeFigureOut">
               <a:rPr lang="en-US" smtClean="0"/>
-              <a:t>7/24/2023</a:t>
+              <a:t>7/25/2023</a:t>
             </a:fld>
             <a:endParaRPr lang="en-US"/>
           </a:p>
@@ -2906,7 +2914,7 @@
           <a:p>
             <a:fld id="{56E86694-C861-44A8-AB30-CAA32AC2D8F5}" type="datetimeFigureOut">
               <a:rPr lang="en-US" smtClean="0"/>
-              <a:t>7/24/2023</a:t>
+              <a:t>7/25/2023</a:t>
             </a:fld>
             <a:endParaRPr lang="en-US"/>
           </a:p>
@@ -3477,13 +3485,8 @@
           <a:p>
             <a:r>
               <a:rPr lang="en-US" dirty="0"/>
-              <a:t>The Concept of Composition </a:t>
-            </a:r>
-            <a:r>
-              <a:rPr lang="en-US"/>
-              <a:t>(children props)</a:t>
-            </a:r>
-            <a:endParaRPr lang="en-US" dirty="0"/>
+              <a:t>The Concept of Composition (children props)</a:t>
+            </a:r>
           </a:p>
         </p:txBody>
       </p:sp>
@@ -3540,15 +3543,7 @@
           <a:p>
             <a:r>
               <a:rPr lang="en-US" dirty="0"/>
-              <a:t>Why </a:t>
-            </a:r>
-            <a:r>
-              <a:rPr lang="en-US" dirty="0" err="1"/>
-              <a:t>Compnents</a:t>
-            </a:r>
-            <a:r>
-              <a:rPr lang="en-US" dirty="0"/>
-              <a:t>?</a:t>
+              <a:t>Why Components?</a:t>
             </a:r>
           </a:p>
         </p:txBody>
@@ -3591,6 +3586,256 @@
     <p:extLst>
       <p:ext uri="{BB962C8B-B14F-4D97-AF65-F5344CB8AC3E}">
         <p14:creationId xmlns:p14="http://schemas.microsoft.com/office/powerpoint/2010/main" val="4294400871"/>
+      </p:ext>
+    </p:extLst>
+  </p:cSld>
+  <p:clrMapOvr>
+    <a:masterClrMapping/>
+  </p:clrMapOvr>
+</p:sld>
+</file>
+
+<file path=ppt/slides/slide4.xml><?xml version="1.0" encoding="utf-8"?>
+<p:sld xmlns:a="http://schemas.openxmlformats.org/drawingml/2006/main" xmlns:r="http://schemas.openxmlformats.org/officeDocument/2006/relationships" xmlns:p="http://schemas.openxmlformats.org/presentationml/2006/main">
+  <p:cSld>
+    <p:spTree>
+      <p:nvGrpSpPr>
+        <p:cNvPr id="1" name=""/>
+        <p:cNvGrpSpPr/>
+        <p:nvPr/>
+      </p:nvGrpSpPr>
+      <p:grpSpPr>
+        <a:xfrm>
+          <a:off x="0" y="0"/>
+          <a:ext cx="0" cy="0"/>
+          <a:chOff x="0" y="0"/>
+          <a:chExt cx="0" cy="0"/>
+        </a:xfrm>
+      </p:grpSpPr>
+      <p:sp>
+        <p:nvSpPr>
+          <p:cNvPr id="3" name="Content Placeholder 2">
+            <a:extLst>
+              <a:ext uri="{FF2B5EF4-FFF2-40B4-BE49-F238E27FC236}">
+                <a16:creationId xmlns:a16="http://schemas.microsoft.com/office/drawing/2014/main" id="{7D691466-9D2D-54E4-C3FD-12CB0DF921FB}"/>
+              </a:ext>
+            </a:extLst>
+          </p:cNvPr>
+          <p:cNvSpPr>
+            <a:spLocks noGrp="1"/>
+          </p:cNvSpPr>
+          <p:nvPr>
+            <p:ph idx="1"/>
+          </p:nvPr>
+        </p:nvSpPr>
+        <p:spPr/>
+        <p:txBody>
+          <a:bodyPr/>
+          <a:lstStyle/>
+          <a:p>
+            <a:r>
+              <a:rPr lang="en-US" dirty="0"/>
+              <a:t>React Core Syntax &amp; JSX</a:t>
+            </a:r>
+          </a:p>
+          <a:p>
+            <a:r>
+              <a:rPr lang="en-US" dirty="0"/>
+              <a:t>Working with Components</a:t>
+            </a:r>
+          </a:p>
+          <a:p>
+            <a:r>
+              <a:rPr lang="en-US" dirty="0"/>
+              <a:t>Working with Data</a:t>
+            </a:r>
+          </a:p>
+          <a:p>
+            <a:r>
+              <a:rPr lang="en-US" dirty="0"/>
+              <a:t>A closer look at JSX</a:t>
+            </a:r>
+          </a:p>
+          <a:p>
+            <a:r>
+              <a:rPr lang="en-US" dirty="0"/>
+              <a:t>Organizing component files</a:t>
+            </a:r>
+          </a:p>
+          <a:p>
+            <a:r>
+              <a:rPr lang="en-US" dirty="0"/>
+              <a:t>An alternative Function Syntax</a:t>
+            </a:r>
+          </a:p>
+        </p:txBody>
+      </p:sp>
+    </p:spTree>
+    <p:extLst>
+      <p:ext uri="{BB962C8B-B14F-4D97-AF65-F5344CB8AC3E}">
+        <p14:creationId xmlns:p14="http://schemas.microsoft.com/office/powerpoint/2010/main" val="2166656055"/>
+      </p:ext>
+    </p:extLst>
+  </p:cSld>
+  <p:clrMapOvr>
+    <a:masterClrMapping/>
+  </p:clrMapOvr>
+</p:sld>
+</file>
+
+<file path=ppt/slides/slide5.xml><?xml version="1.0" encoding="utf-8"?>
+<p:sld xmlns:a="http://schemas.openxmlformats.org/drawingml/2006/main" xmlns:r="http://schemas.openxmlformats.org/officeDocument/2006/relationships" xmlns:p="http://schemas.openxmlformats.org/presentationml/2006/main">
+  <p:cSld>
+    <p:spTree>
+      <p:nvGrpSpPr>
+        <p:cNvPr id="1" name=""/>
+        <p:cNvGrpSpPr/>
+        <p:nvPr/>
+      </p:nvGrpSpPr>
+      <p:grpSpPr>
+        <a:xfrm>
+          <a:off x="0" y="0"/>
+          <a:ext cx="0" cy="0"/>
+          <a:chOff x="0" y="0"/>
+          <a:chExt cx="0" cy="0"/>
+        </a:xfrm>
+      </p:grpSpPr>
+      <p:sp>
+        <p:nvSpPr>
+          <p:cNvPr id="3" name="Content Placeholder 2">
+            <a:extLst>
+              <a:ext uri="{FF2B5EF4-FFF2-40B4-BE49-F238E27FC236}">
+                <a16:creationId xmlns:a16="http://schemas.microsoft.com/office/drawing/2014/main" id="{C21E0931-654D-5432-BD2F-E1984FD3475B}"/>
+              </a:ext>
+            </a:extLst>
+          </p:cNvPr>
+          <p:cNvSpPr>
+            <a:spLocks noGrp="1"/>
+          </p:cNvSpPr>
+          <p:nvPr>
+            <p:ph idx="1"/>
+          </p:nvPr>
+        </p:nvSpPr>
+        <p:spPr/>
+        <p:txBody>
+          <a:bodyPr/>
+          <a:lstStyle/>
+          <a:p>
+            <a:pPr marL="0" indent="0">
+              <a:buNone/>
+            </a:pPr>
+            <a:r>
+              <a:rPr lang="en-US" dirty="0"/>
+              <a:t>Handling Events</a:t>
+            </a:r>
+          </a:p>
+          <a:p>
+            <a:pPr marL="0" indent="0">
+              <a:buNone/>
+            </a:pPr>
+            <a:r>
+              <a:rPr lang="en-US" dirty="0"/>
+              <a:t>Updating the UI &amp; Working with “State”</a:t>
+            </a:r>
+          </a:p>
+          <a:p>
+            <a:pPr marL="0" indent="0">
+              <a:buNone/>
+            </a:pPr>
+            <a:r>
+              <a:rPr lang="en-US" dirty="0"/>
+              <a:t>A closer look at Components &amp; State</a:t>
+            </a:r>
+          </a:p>
+        </p:txBody>
+      </p:sp>
+    </p:spTree>
+    <p:extLst>
+      <p:ext uri="{BB962C8B-B14F-4D97-AF65-F5344CB8AC3E}">
+        <p14:creationId xmlns:p14="http://schemas.microsoft.com/office/powerpoint/2010/main" val="3989314741"/>
+      </p:ext>
+    </p:extLst>
+  </p:cSld>
+  <p:clrMapOvr>
+    <a:masterClrMapping/>
+  </p:clrMapOvr>
+</p:sld>
+</file>
+
+<file path=ppt/slides/slide6.xml><?xml version="1.0" encoding="utf-8"?>
+<p:sld xmlns:a="http://schemas.openxmlformats.org/drawingml/2006/main" xmlns:r="http://schemas.openxmlformats.org/officeDocument/2006/relationships" xmlns:p="http://schemas.openxmlformats.org/presentationml/2006/main">
+  <p:cSld>
+    <p:spTree>
+      <p:nvGrpSpPr>
+        <p:cNvPr id="1" name=""/>
+        <p:cNvGrpSpPr/>
+        <p:nvPr/>
+      </p:nvGrpSpPr>
+      <p:grpSpPr>
+        <a:xfrm>
+          <a:off x="0" y="0"/>
+          <a:ext cx="0" cy="0"/>
+          <a:chOff x="0" y="0"/>
+          <a:chExt cx="0" cy="0"/>
+        </a:xfrm>
+      </p:grpSpPr>
+      <p:sp>
+        <p:nvSpPr>
+          <p:cNvPr id="2" name="Title 1">
+            <a:extLst>
+              <a:ext uri="{FF2B5EF4-FFF2-40B4-BE49-F238E27FC236}">
+                <a16:creationId xmlns:a16="http://schemas.microsoft.com/office/drawing/2014/main" id="{34CFB546-35B4-D71F-1AEE-F79AC42676F0}"/>
+              </a:ext>
+            </a:extLst>
+          </p:cNvPr>
+          <p:cNvSpPr>
+            <a:spLocks noGrp="1"/>
+          </p:cNvSpPr>
+          <p:nvPr>
+            <p:ph type="title"/>
+          </p:nvPr>
+        </p:nvSpPr>
+        <p:spPr/>
+        <p:txBody>
+          <a:bodyPr/>
+          <a:lstStyle/>
+          <a:p>
+            <a:endParaRPr lang="en-US"/>
+          </a:p>
+        </p:txBody>
+      </p:sp>
+      <p:sp>
+        <p:nvSpPr>
+          <p:cNvPr id="3" name="Content Placeholder 2">
+            <a:extLst>
+              <a:ext uri="{FF2B5EF4-FFF2-40B4-BE49-F238E27FC236}">
+                <a16:creationId xmlns:a16="http://schemas.microsoft.com/office/drawing/2014/main" id="{DF9C003A-E513-FC28-B495-4DA1B362C18A}"/>
+              </a:ext>
+            </a:extLst>
+          </p:cNvPr>
+          <p:cNvSpPr>
+            <a:spLocks noGrp="1"/>
+          </p:cNvSpPr>
+          <p:nvPr>
+            <p:ph idx="1"/>
+          </p:nvPr>
+        </p:nvSpPr>
+        <p:spPr/>
+        <p:txBody>
+          <a:bodyPr/>
+          <a:lstStyle/>
+          <a:p>
+            <a:r>
+              <a:rPr lang="en-US" dirty="0"/>
+              <a:t>Listening to Events &amp; Working with Event Handlers</a:t>
+            </a:r>
+          </a:p>
+        </p:txBody>
+      </p:sp>
+    </p:spTree>
+    <p:extLst>
+      <p:ext uri="{BB962C8B-B14F-4D97-AF65-F5344CB8AC3E}">
+        <p14:creationId xmlns:p14="http://schemas.microsoft.com/office/powerpoint/2010/main" val="3096689351"/>
       </p:ext>
     </p:extLst>
   </p:cSld>

--- a/Reactjs.pptx
+++ b/Reactjs.pptx
@@ -264,7 +264,7 @@
           <a:p>
             <a:fld id="{56E86694-C861-44A8-AB30-CAA32AC2D8F5}" type="datetimeFigureOut">
               <a:rPr lang="en-US" smtClean="0"/>
-              <a:t>7/25/2023</a:t>
+              <a:t>7/26/2023</a:t>
             </a:fld>
             <a:endParaRPr lang="en-US"/>
           </a:p>
@@ -462,7 +462,7 @@
           <a:p>
             <a:fld id="{56E86694-C861-44A8-AB30-CAA32AC2D8F5}" type="datetimeFigureOut">
               <a:rPr lang="en-US" smtClean="0"/>
-              <a:t>7/25/2023</a:t>
+              <a:t>7/26/2023</a:t>
             </a:fld>
             <a:endParaRPr lang="en-US"/>
           </a:p>
@@ -670,7 +670,7 @@
           <a:p>
             <a:fld id="{56E86694-C861-44A8-AB30-CAA32AC2D8F5}" type="datetimeFigureOut">
               <a:rPr lang="en-US" smtClean="0"/>
-              <a:t>7/25/2023</a:t>
+              <a:t>7/26/2023</a:t>
             </a:fld>
             <a:endParaRPr lang="en-US"/>
           </a:p>
@@ -868,7 +868,7 @@
           <a:p>
             <a:fld id="{56E86694-C861-44A8-AB30-CAA32AC2D8F5}" type="datetimeFigureOut">
               <a:rPr lang="en-US" smtClean="0"/>
-              <a:t>7/25/2023</a:t>
+              <a:t>7/26/2023</a:t>
             </a:fld>
             <a:endParaRPr lang="en-US"/>
           </a:p>
@@ -1143,7 +1143,7 @@
           <a:p>
             <a:fld id="{56E86694-C861-44A8-AB30-CAA32AC2D8F5}" type="datetimeFigureOut">
               <a:rPr lang="en-US" smtClean="0"/>
-              <a:t>7/25/2023</a:t>
+              <a:t>7/26/2023</a:t>
             </a:fld>
             <a:endParaRPr lang="en-US"/>
           </a:p>
@@ -1408,7 +1408,7 @@
           <a:p>
             <a:fld id="{56E86694-C861-44A8-AB30-CAA32AC2D8F5}" type="datetimeFigureOut">
               <a:rPr lang="en-US" smtClean="0"/>
-              <a:t>7/25/2023</a:t>
+              <a:t>7/26/2023</a:t>
             </a:fld>
             <a:endParaRPr lang="en-US"/>
           </a:p>
@@ -1820,7 +1820,7 @@
           <a:p>
             <a:fld id="{56E86694-C861-44A8-AB30-CAA32AC2D8F5}" type="datetimeFigureOut">
               <a:rPr lang="en-US" smtClean="0"/>
-              <a:t>7/25/2023</a:t>
+              <a:t>7/26/2023</a:t>
             </a:fld>
             <a:endParaRPr lang="en-US"/>
           </a:p>
@@ -1961,7 +1961,7 @@
           <a:p>
             <a:fld id="{56E86694-C861-44A8-AB30-CAA32AC2D8F5}" type="datetimeFigureOut">
               <a:rPr lang="en-US" smtClean="0"/>
-              <a:t>7/25/2023</a:t>
+              <a:t>7/26/2023</a:t>
             </a:fld>
             <a:endParaRPr lang="en-US"/>
           </a:p>
@@ -2074,7 +2074,7 @@
           <a:p>
             <a:fld id="{56E86694-C861-44A8-AB30-CAA32AC2D8F5}" type="datetimeFigureOut">
               <a:rPr lang="en-US" smtClean="0"/>
-              <a:t>7/25/2023</a:t>
+              <a:t>7/26/2023</a:t>
             </a:fld>
             <a:endParaRPr lang="en-US"/>
           </a:p>
@@ -2385,7 +2385,7 @@
           <a:p>
             <a:fld id="{56E86694-C861-44A8-AB30-CAA32AC2D8F5}" type="datetimeFigureOut">
               <a:rPr lang="en-US" smtClean="0"/>
-              <a:t>7/25/2023</a:t>
+              <a:t>7/26/2023</a:t>
             </a:fld>
             <a:endParaRPr lang="en-US"/>
           </a:p>
@@ -2673,7 +2673,7 @@
           <a:p>
             <a:fld id="{56E86694-C861-44A8-AB30-CAA32AC2D8F5}" type="datetimeFigureOut">
               <a:rPr lang="en-US" smtClean="0"/>
-              <a:t>7/25/2023</a:t>
+              <a:t>7/26/2023</a:t>
             </a:fld>
             <a:endParaRPr lang="en-US"/>
           </a:p>
@@ -2914,7 +2914,7 @@
           <a:p>
             <a:fld id="{56E86694-C861-44A8-AB30-CAA32AC2D8F5}" type="datetimeFigureOut">
               <a:rPr lang="en-US" smtClean="0"/>
-              <a:t>7/25/2023</a:t>
+              <a:t>7/26/2023</a:t>
             </a:fld>
             <a:endParaRPr lang="en-US"/>
           </a:p>
@@ -3830,6 +3830,48 @@
               <a:t>Listening to Events &amp; Working with Event Handlers</a:t>
             </a:r>
           </a:p>
+          <a:p>
+            <a:r>
+              <a:rPr lang="en-US" dirty="0"/>
+              <a:t>Working with State</a:t>
+            </a:r>
+          </a:p>
+          <a:p>
+            <a:r>
+              <a:rPr lang="en-US" dirty="0"/>
+              <a:t>Adding Form Inputs</a:t>
+            </a:r>
+          </a:p>
+          <a:p>
+            <a:r>
+              <a:rPr lang="en-US" dirty="0"/>
+              <a:t>Listening to User Input</a:t>
+            </a:r>
+          </a:p>
+          <a:p>
+            <a:r>
+              <a:rPr lang="en-US" dirty="0"/>
+              <a:t>Working with Multiple States</a:t>
+            </a:r>
+          </a:p>
+          <a:p>
+            <a:r>
+              <a:rPr lang="en-US" dirty="0"/>
+              <a:t>Using One State Instead (And What’s Better)</a:t>
+            </a:r>
+          </a:p>
+          <a:p>
+            <a:r>
+              <a:rPr lang="en-US" dirty="0"/>
+              <a:t>Updating State That Depends on the previous state</a:t>
+            </a:r>
+          </a:p>
+          <a:p>
+            <a:r>
+              <a:rPr lang="en-US" dirty="0"/>
+              <a:t>Handling form submission</a:t>
+            </a:r>
+          </a:p>
         </p:txBody>
       </p:sp>
     </p:spTree>

--- a/Reactjs.pptx
+++ b/Reactjs.pptx
@@ -11,6 +11,7 @@
     <p:sldId id="259" r:id="rId5"/>
     <p:sldId id="260" r:id="rId6"/>
     <p:sldId id="261" r:id="rId7"/>
+    <p:sldId id="262" r:id="rId8"/>
   </p:sldIdLst>
   <p:sldSz cx="12192000" cy="6858000"/>
   <p:notesSz cx="6858000" cy="9144000"/>
@@ -117,6 +118,3627 @@
 </p:presentation>
 </file>
 
+<file path=ppt/diagrams/colors1.xml><?xml version="1.0" encoding="utf-8"?>
+<dgm:colorsDef xmlns:dgm="http://schemas.openxmlformats.org/drawingml/2006/diagram" xmlns:a="http://schemas.openxmlformats.org/drawingml/2006/main" uniqueId="urn:microsoft.com/office/officeart/2005/8/colors/accent1_2">
+  <dgm:title val=""/>
+  <dgm:desc val=""/>
+  <dgm:catLst>
+    <dgm:cat type="accent1" pri="11200"/>
+  </dgm:catLst>
+  <dgm:styleLbl name="node0">
+    <dgm:fillClrLst meth="repeat">
+      <a:schemeClr val="accent1"/>
+    </dgm:fillClrLst>
+    <dgm:linClrLst meth="repeat">
+      <a:schemeClr val="lt1"/>
+    </dgm:linClrLst>
+    <dgm:effectClrLst/>
+    <dgm:txLinClrLst/>
+    <dgm:txFillClrLst/>
+    <dgm:txEffectClrLst/>
+  </dgm:styleLbl>
+  <dgm:styleLbl name="alignNode1">
+    <dgm:fillClrLst meth="repeat">
+      <a:schemeClr val="accent1"/>
+    </dgm:fillClrLst>
+    <dgm:linClrLst meth="repeat">
+      <a:schemeClr val="accent1"/>
+    </dgm:linClrLst>
+    <dgm:effectClrLst/>
+    <dgm:txLinClrLst/>
+    <dgm:txFillClrLst/>
+    <dgm:txEffectClrLst/>
+  </dgm:styleLbl>
+  <dgm:styleLbl name="node1">
+    <dgm:fillClrLst meth="repeat">
+      <a:schemeClr val="accent1"/>
+    </dgm:fillClrLst>
+    <dgm:linClrLst meth="repeat">
+      <a:schemeClr val="lt1"/>
+    </dgm:linClrLst>
+    <dgm:effectClrLst/>
+    <dgm:txLinClrLst/>
+    <dgm:txFillClrLst/>
+    <dgm:txEffectClrLst/>
+  </dgm:styleLbl>
+  <dgm:styleLbl name="lnNode1">
+    <dgm:fillClrLst meth="repeat">
+      <a:schemeClr val="accent1"/>
+    </dgm:fillClrLst>
+    <dgm:linClrLst meth="repeat">
+      <a:schemeClr val="lt1"/>
+    </dgm:linClrLst>
+    <dgm:effectClrLst/>
+    <dgm:txLinClrLst/>
+    <dgm:txFillClrLst/>
+    <dgm:txEffectClrLst/>
+  </dgm:styleLbl>
+  <dgm:styleLbl name="vennNode1">
+    <dgm:fillClrLst meth="repeat">
+      <a:schemeClr val="accent1">
+        <a:alpha val="50000"/>
+      </a:schemeClr>
+    </dgm:fillClrLst>
+    <dgm:linClrLst meth="repeat">
+      <a:schemeClr val="lt1"/>
+    </dgm:linClrLst>
+    <dgm:effectClrLst/>
+    <dgm:txLinClrLst/>
+    <dgm:txFillClrLst/>
+    <dgm:txEffectClrLst/>
+  </dgm:styleLbl>
+  <dgm:styleLbl name="node2">
+    <dgm:fillClrLst meth="repeat">
+      <a:schemeClr val="accent1"/>
+    </dgm:fillClrLst>
+    <dgm:linClrLst meth="repeat">
+      <a:schemeClr val="lt1"/>
+    </dgm:linClrLst>
+    <dgm:effectClrLst/>
+    <dgm:txLinClrLst/>
+    <dgm:txFillClrLst/>
+    <dgm:txEffectClrLst/>
+  </dgm:styleLbl>
+  <dgm:styleLbl name="node3">
+    <dgm:fillClrLst meth="repeat">
+      <a:schemeClr val="accent1"/>
+    </dgm:fillClrLst>
+    <dgm:linClrLst meth="repeat">
+      <a:schemeClr val="lt1"/>
+    </dgm:linClrLst>
+    <dgm:effectClrLst/>
+    <dgm:txLinClrLst/>
+    <dgm:txFillClrLst/>
+    <dgm:txEffectClrLst/>
+  </dgm:styleLbl>
+  <dgm:styleLbl name="node4">
+    <dgm:fillClrLst meth="repeat">
+      <a:schemeClr val="accent1"/>
+    </dgm:fillClrLst>
+    <dgm:linClrLst meth="repeat">
+      <a:schemeClr val="lt1"/>
+    </dgm:linClrLst>
+    <dgm:effectClrLst/>
+    <dgm:txLinClrLst/>
+    <dgm:txFillClrLst/>
+    <dgm:txEffectClrLst/>
+  </dgm:styleLbl>
+  <dgm:styleLbl name="fgImgPlace1">
+    <dgm:fillClrLst meth="repeat">
+      <a:schemeClr val="accent1">
+        <a:tint val="50000"/>
+      </a:schemeClr>
+    </dgm:fillClrLst>
+    <dgm:linClrLst meth="repeat">
+      <a:schemeClr val="lt1"/>
+    </dgm:linClrLst>
+    <dgm:effectClrLst/>
+    <dgm:txLinClrLst/>
+    <dgm:txFillClrLst meth="repeat">
+      <a:schemeClr val="lt1"/>
+    </dgm:txFillClrLst>
+    <dgm:txEffectClrLst/>
+  </dgm:styleLbl>
+  <dgm:styleLbl name="alignImgPlace1">
+    <dgm:fillClrLst meth="repeat">
+      <a:schemeClr val="accent1">
+        <a:tint val="50000"/>
+      </a:schemeClr>
+    </dgm:fillClrLst>
+    <dgm:linClrLst meth="repeat">
+      <a:schemeClr val="lt1"/>
+    </dgm:linClrLst>
+    <dgm:effectClrLst/>
+    <dgm:txLinClrLst/>
+    <dgm:txFillClrLst meth="repeat">
+      <a:schemeClr val="lt1"/>
+    </dgm:txFillClrLst>
+    <dgm:txEffectClrLst/>
+  </dgm:styleLbl>
+  <dgm:styleLbl name="bgImgPlace1">
+    <dgm:fillClrLst meth="repeat">
+      <a:schemeClr val="accent1">
+        <a:tint val="50000"/>
+      </a:schemeClr>
+    </dgm:fillClrLst>
+    <dgm:linClrLst meth="repeat">
+      <a:schemeClr val="lt1"/>
+    </dgm:linClrLst>
+    <dgm:effectClrLst/>
+    <dgm:txLinClrLst/>
+    <dgm:txFillClrLst meth="repeat">
+      <a:schemeClr val="lt1"/>
+    </dgm:txFillClrLst>
+    <dgm:txEffectClrLst/>
+  </dgm:styleLbl>
+  <dgm:styleLbl name="sibTrans2D1">
+    <dgm:fillClrLst meth="repeat">
+      <a:schemeClr val="accent1">
+        <a:tint val="60000"/>
+      </a:schemeClr>
+    </dgm:fillClrLst>
+    <dgm:linClrLst meth="repeat">
+      <a:schemeClr val="accent1">
+        <a:tint val="60000"/>
+      </a:schemeClr>
+    </dgm:linClrLst>
+    <dgm:effectClrLst/>
+    <dgm:txLinClrLst/>
+    <dgm:txFillClrLst/>
+    <dgm:txEffectClrLst/>
+  </dgm:styleLbl>
+  <dgm:styleLbl name="fgSibTrans2D1">
+    <dgm:fillClrLst meth="repeat">
+      <a:schemeClr val="accent1">
+        <a:tint val="60000"/>
+      </a:schemeClr>
+    </dgm:fillClrLst>
+    <dgm:linClrLst meth="repeat">
+      <a:schemeClr val="accent1">
+        <a:tint val="60000"/>
+      </a:schemeClr>
+    </dgm:linClrLst>
+    <dgm:effectClrLst/>
+    <dgm:txLinClrLst/>
+    <dgm:txFillClrLst/>
+    <dgm:txEffectClrLst/>
+  </dgm:styleLbl>
+  <dgm:styleLbl name="bgSibTrans2D1">
+    <dgm:fillClrLst meth="repeat">
+      <a:schemeClr val="accent1">
+        <a:tint val="60000"/>
+      </a:schemeClr>
+    </dgm:fillClrLst>
+    <dgm:linClrLst meth="repeat">
+      <a:schemeClr val="accent1">
+        <a:tint val="60000"/>
+      </a:schemeClr>
+    </dgm:linClrLst>
+    <dgm:effectClrLst/>
+    <dgm:txLinClrLst/>
+    <dgm:txFillClrLst/>
+    <dgm:txEffectClrLst/>
+  </dgm:styleLbl>
+  <dgm:styleLbl name="sibTrans1D1">
+    <dgm:fillClrLst meth="repeat">
+      <a:schemeClr val="accent1"/>
+    </dgm:fillClrLst>
+    <dgm:linClrLst meth="repeat">
+      <a:schemeClr val="accent1"/>
+    </dgm:linClrLst>
+    <dgm:effectClrLst/>
+    <dgm:txLinClrLst/>
+    <dgm:txFillClrLst meth="repeat">
+      <a:schemeClr val="tx1"/>
+    </dgm:txFillClrLst>
+    <dgm:txEffectClrLst/>
+  </dgm:styleLbl>
+  <dgm:styleLbl name="callout">
+    <dgm:fillClrLst meth="repeat">
+      <a:schemeClr val="accent1"/>
+    </dgm:fillClrLst>
+    <dgm:linClrLst meth="repeat">
+      <a:schemeClr val="accent1">
+        <a:tint val="50000"/>
+      </a:schemeClr>
+    </dgm:linClrLst>
+    <dgm:effectClrLst/>
+    <dgm:txLinClrLst/>
+    <dgm:txFillClrLst meth="repeat">
+      <a:schemeClr val="tx1"/>
+    </dgm:txFillClrLst>
+    <dgm:txEffectClrLst/>
+  </dgm:styleLbl>
+  <dgm:styleLbl name="asst0">
+    <dgm:fillClrLst meth="repeat">
+      <a:schemeClr val="accent1"/>
+    </dgm:fillClrLst>
+    <dgm:linClrLst meth="repeat">
+      <a:schemeClr val="lt1"/>
+    </dgm:linClrLst>
+    <dgm:effectClrLst/>
+    <dgm:txLinClrLst/>
+    <dgm:txFillClrLst/>
+    <dgm:txEffectClrLst/>
+  </dgm:styleLbl>
+  <dgm:styleLbl name="asst1">
+    <dgm:fillClrLst meth="repeat">
+      <a:schemeClr val="accent1"/>
+    </dgm:fillClrLst>
+    <dgm:linClrLst meth="repeat">
+      <a:schemeClr val="lt1"/>
+    </dgm:linClrLst>
+    <dgm:effectClrLst/>
+    <dgm:txLinClrLst/>
+    <dgm:txFillClrLst/>
+    <dgm:txEffectClrLst/>
+  </dgm:styleLbl>
+  <dgm:styleLbl name="asst2">
+    <dgm:fillClrLst meth="repeat">
+      <a:schemeClr val="accent1"/>
+    </dgm:fillClrLst>
+    <dgm:linClrLst meth="repeat">
+      <a:schemeClr val="lt1"/>
+    </dgm:linClrLst>
+    <dgm:effectClrLst/>
+    <dgm:txLinClrLst/>
+    <dgm:txFillClrLst/>
+    <dgm:txEffectClrLst/>
+  </dgm:styleLbl>
+  <dgm:styleLbl name="asst3">
+    <dgm:fillClrLst meth="repeat">
+      <a:schemeClr val="accent1"/>
+    </dgm:fillClrLst>
+    <dgm:linClrLst meth="repeat">
+      <a:schemeClr val="lt1"/>
+    </dgm:linClrLst>
+    <dgm:effectClrLst/>
+    <dgm:txLinClrLst/>
+    <dgm:txFillClrLst/>
+    <dgm:txEffectClrLst/>
+  </dgm:styleLbl>
+  <dgm:styleLbl name="asst4">
+    <dgm:fillClrLst meth="repeat">
+      <a:schemeClr val="accent1"/>
+    </dgm:fillClrLst>
+    <dgm:linClrLst meth="repeat">
+      <a:schemeClr val="lt1"/>
+    </dgm:linClrLst>
+    <dgm:effectClrLst/>
+    <dgm:txLinClrLst/>
+    <dgm:txFillClrLst/>
+    <dgm:txEffectClrLst/>
+  </dgm:styleLbl>
+  <dgm:styleLbl name="parChTrans2D1">
+    <dgm:fillClrLst meth="repeat">
+      <a:schemeClr val="accent1">
+        <a:tint val="60000"/>
+      </a:schemeClr>
+    </dgm:fillClrLst>
+    <dgm:linClrLst meth="repeat">
+      <a:schemeClr val="accent1">
+        <a:tint val="60000"/>
+      </a:schemeClr>
+    </dgm:linClrLst>
+    <dgm:effectClrLst/>
+    <dgm:txLinClrLst/>
+    <dgm:txFillClrLst meth="repeat">
+      <a:schemeClr val="lt1"/>
+    </dgm:txFillClrLst>
+    <dgm:txEffectClrLst/>
+  </dgm:styleLbl>
+  <dgm:styleLbl name="parChTrans2D2">
+    <dgm:fillClrLst meth="repeat">
+      <a:schemeClr val="accent1"/>
+    </dgm:fillClrLst>
+    <dgm:linClrLst meth="repeat">
+      <a:schemeClr val="accent1"/>
+    </dgm:linClrLst>
+    <dgm:effectClrLst/>
+    <dgm:txLinClrLst/>
+    <dgm:txFillClrLst meth="repeat">
+      <a:schemeClr val="lt1"/>
+    </dgm:txFillClrLst>
+    <dgm:txEffectClrLst/>
+  </dgm:styleLbl>
+  <dgm:styleLbl name="parChTrans2D3">
+    <dgm:fillClrLst meth="repeat">
+      <a:schemeClr val="accent1"/>
+    </dgm:fillClrLst>
+    <dgm:linClrLst meth="repeat">
+      <a:schemeClr val="accent1"/>
+    </dgm:linClrLst>
+    <dgm:effectClrLst/>
+    <dgm:txLinClrLst/>
+    <dgm:txFillClrLst meth="repeat">
+      <a:schemeClr val="lt1"/>
+    </dgm:txFillClrLst>
+    <dgm:txEffectClrLst/>
+  </dgm:styleLbl>
+  <dgm:styleLbl name="parChTrans2D4">
+    <dgm:fillClrLst meth="repeat">
+      <a:schemeClr val="accent1"/>
+    </dgm:fillClrLst>
+    <dgm:linClrLst meth="repeat">
+      <a:schemeClr val="accent1"/>
+    </dgm:linClrLst>
+    <dgm:effectClrLst/>
+    <dgm:txLinClrLst/>
+    <dgm:txFillClrLst meth="repeat">
+      <a:schemeClr val="lt1"/>
+    </dgm:txFillClrLst>
+    <dgm:txEffectClrLst/>
+  </dgm:styleLbl>
+  <dgm:styleLbl name="parChTrans1D1">
+    <dgm:fillClrLst meth="repeat">
+      <a:schemeClr val="accent1"/>
+    </dgm:fillClrLst>
+    <dgm:linClrLst meth="repeat">
+      <a:schemeClr val="accent1">
+        <a:shade val="60000"/>
+      </a:schemeClr>
+    </dgm:linClrLst>
+    <dgm:effectClrLst/>
+    <dgm:txLinClrLst/>
+    <dgm:txFillClrLst meth="repeat">
+      <a:schemeClr val="tx1"/>
+    </dgm:txFillClrLst>
+    <dgm:txEffectClrLst/>
+  </dgm:styleLbl>
+  <dgm:styleLbl name="parChTrans1D2">
+    <dgm:fillClrLst meth="repeat">
+      <a:schemeClr val="accent1"/>
+    </dgm:fillClrLst>
+    <dgm:linClrLst meth="repeat">
+      <a:schemeClr val="accent1">
+        <a:shade val="60000"/>
+      </a:schemeClr>
+    </dgm:linClrLst>
+    <dgm:effectClrLst/>
+    <dgm:txLinClrLst/>
+    <dgm:txFillClrLst meth="repeat">
+      <a:schemeClr val="tx1"/>
+    </dgm:txFillClrLst>
+    <dgm:txEffectClrLst/>
+  </dgm:styleLbl>
+  <dgm:styleLbl name="parChTrans1D3">
+    <dgm:fillClrLst meth="repeat">
+      <a:schemeClr val="accent1"/>
+    </dgm:fillClrLst>
+    <dgm:linClrLst meth="repeat">
+      <a:schemeClr val="accent1">
+        <a:shade val="80000"/>
+      </a:schemeClr>
+    </dgm:linClrLst>
+    <dgm:effectClrLst/>
+    <dgm:txLinClrLst/>
+    <dgm:txFillClrLst meth="repeat">
+      <a:schemeClr val="tx1"/>
+    </dgm:txFillClrLst>
+    <dgm:txEffectClrLst/>
+  </dgm:styleLbl>
+  <dgm:styleLbl name="parChTrans1D4">
+    <dgm:fillClrLst meth="repeat">
+      <a:schemeClr val="accent1"/>
+    </dgm:fillClrLst>
+    <dgm:linClrLst meth="repeat">
+      <a:schemeClr val="accent1">
+        <a:shade val="80000"/>
+      </a:schemeClr>
+    </dgm:linClrLst>
+    <dgm:effectClrLst/>
+    <dgm:txLinClrLst/>
+    <dgm:txFillClrLst meth="repeat">
+      <a:schemeClr val="tx1"/>
+    </dgm:txFillClrLst>
+    <dgm:txEffectClrLst/>
+  </dgm:styleLbl>
+  <dgm:styleLbl name="fgAcc1">
+    <dgm:fillClrLst meth="repeat">
+      <a:schemeClr val="lt1">
+        <a:alpha val="90000"/>
+      </a:schemeClr>
+    </dgm:fillClrLst>
+    <dgm:linClrLst meth="repeat">
+      <a:schemeClr val="accent1"/>
+    </dgm:linClrLst>
+    <dgm:effectClrLst/>
+    <dgm:txLinClrLst/>
+    <dgm:txFillClrLst meth="repeat">
+      <a:schemeClr val="dk1"/>
+    </dgm:txFillClrLst>
+    <dgm:txEffectClrLst/>
+  </dgm:styleLbl>
+  <dgm:styleLbl name="conFgAcc1">
+    <dgm:fillClrLst meth="repeat">
+      <a:schemeClr val="lt1">
+        <a:alpha val="90000"/>
+      </a:schemeClr>
+    </dgm:fillClrLst>
+    <dgm:linClrLst meth="repeat">
+      <a:schemeClr val="accent1"/>
+    </dgm:linClrLst>
+    <dgm:effectClrLst/>
+    <dgm:txLinClrLst/>
+    <dgm:txFillClrLst meth="repeat">
+      <a:schemeClr val="dk1"/>
+    </dgm:txFillClrLst>
+    <dgm:txEffectClrLst/>
+  </dgm:styleLbl>
+  <dgm:styleLbl name="alignAcc1">
+    <dgm:fillClrLst meth="repeat">
+      <a:schemeClr val="lt1">
+        <a:alpha val="90000"/>
+      </a:schemeClr>
+    </dgm:fillClrLst>
+    <dgm:linClrLst meth="repeat">
+      <a:schemeClr val="accent1"/>
+    </dgm:linClrLst>
+    <dgm:effectClrLst/>
+    <dgm:txLinClrLst/>
+    <dgm:txFillClrLst meth="repeat">
+      <a:schemeClr val="dk1"/>
+    </dgm:txFillClrLst>
+    <dgm:txEffectClrLst/>
+  </dgm:styleLbl>
+  <dgm:styleLbl name="trAlignAcc1">
+    <dgm:fillClrLst meth="repeat">
+      <a:schemeClr val="lt1">
+        <a:alpha val="40000"/>
+      </a:schemeClr>
+    </dgm:fillClrLst>
+    <dgm:linClrLst meth="repeat">
+      <a:schemeClr val="accent1"/>
+    </dgm:linClrLst>
+    <dgm:effectClrLst/>
+    <dgm:txLinClrLst/>
+    <dgm:txFillClrLst meth="repeat">
+      <a:schemeClr val="dk1"/>
+    </dgm:txFillClrLst>
+    <dgm:txEffectClrLst/>
+  </dgm:styleLbl>
+  <dgm:styleLbl name="bgAcc1">
+    <dgm:fillClrLst meth="repeat">
+      <a:schemeClr val="lt1">
+        <a:alpha val="90000"/>
+      </a:schemeClr>
+    </dgm:fillClrLst>
+    <dgm:linClrLst meth="repeat">
+      <a:schemeClr val="accent1"/>
+    </dgm:linClrLst>
+    <dgm:effectClrLst/>
+    <dgm:txLinClrLst/>
+    <dgm:txFillClrLst meth="repeat">
+      <a:schemeClr val="dk1"/>
+    </dgm:txFillClrLst>
+    <dgm:txEffectClrLst/>
+  </dgm:styleLbl>
+  <dgm:styleLbl name="solidFgAcc1">
+    <dgm:fillClrLst meth="repeat">
+      <a:schemeClr val="lt1"/>
+    </dgm:fillClrLst>
+    <dgm:linClrLst meth="repeat">
+      <a:schemeClr val="accent1"/>
+    </dgm:linClrLst>
+    <dgm:effectClrLst/>
+    <dgm:txLinClrLst/>
+    <dgm:txFillClrLst meth="repeat">
+      <a:schemeClr val="dk1"/>
+    </dgm:txFillClrLst>
+    <dgm:txEffectClrLst/>
+  </dgm:styleLbl>
+  <dgm:styleLbl name="solidAlignAcc1">
+    <dgm:fillClrLst meth="repeat">
+      <a:schemeClr val="lt1"/>
+    </dgm:fillClrLst>
+    <dgm:linClrLst meth="repeat">
+      <a:schemeClr val="accent1"/>
+    </dgm:linClrLst>
+    <dgm:effectClrLst/>
+    <dgm:txLinClrLst/>
+    <dgm:txFillClrLst meth="repeat">
+      <a:schemeClr val="dk1"/>
+    </dgm:txFillClrLst>
+    <dgm:txEffectClrLst/>
+  </dgm:styleLbl>
+  <dgm:styleLbl name="solidBgAcc1">
+    <dgm:fillClrLst meth="repeat">
+      <a:schemeClr val="lt1"/>
+    </dgm:fillClrLst>
+    <dgm:linClrLst meth="repeat">
+      <a:schemeClr val="accent1"/>
+    </dgm:linClrLst>
+    <dgm:effectClrLst/>
+    <dgm:txLinClrLst/>
+    <dgm:txFillClrLst meth="repeat">
+      <a:schemeClr val="dk1"/>
+    </dgm:txFillClrLst>
+    <dgm:txEffectClrLst/>
+  </dgm:styleLbl>
+  <dgm:styleLbl name="fgAccFollowNode1">
+    <dgm:fillClrLst meth="repeat">
+      <a:schemeClr val="accent1">
+        <a:alpha val="90000"/>
+        <a:tint val="40000"/>
+      </a:schemeClr>
+    </dgm:fillClrLst>
+    <dgm:linClrLst meth="repeat">
+      <a:schemeClr val="accent1">
+        <a:alpha val="90000"/>
+        <a:tint val="40000"/>
+      </a:schemeClr>
+    </dgm:linClrLst>
+    <dgm:effectClrLst/>
+    <dgm:txLinClrLst/>
+    <dgm:txFillClrLst meth="repeat">
+      <a:schemeClr val="dk1"/>
+    </dgm:txFillClrLst>
+    <dgm:txEffectClrLst/>
+  </dgm:styleLbl>
+  <dgm:styleLbl name="alignAccFollowNode1">
+    <dgm:fillClrLst meth="repeat">
+      <a:schemeClr val="accent1">
+        <a:alpha val="90000"/>
+        <a:tint val="40000"/>
+      </a:schemeClr>
+    </dgm:fillClrLst>
+    <dgm:linClrLst meth="repeat">
+      <a:schemeClr val="accent1">
+        <a:alpha val="90000"/>
+        <a:tint val="40000"/>
+      </a:schemeClr>
+    </dgm:linClrLst>
+    <dgm:effectClrLst/>
+    <dgm:txLinClrLst/>
+    <dgm:txFillClrLst meth="repeat">
+      <a:schemeClr val="dk1"/>
+    </dgm:txFillClrLst>
+    <dgm:txEffectClrLst/>
+  </dgm:styleLbl>
+  <dgm:styleLbl name="bgAccFollowNode1">
+    <dgm:fillClrLst meth="repeat">
+      <a:schemeClr val="accent1">
+        <a:alpha val="90000"/>
+        <a:tint val="40000"/>
+      </a:schemeClr>
+    </dgm:fillClrLst>
+    <dgm:linClrLst meth="repeat">
+      <a:schemeClr val="accent1">
+        <a:alpha val="90000"/>
+        <a:tint val="40000"/>
+      </a:schemeClr>
+    </dgm:linClrLst>
+    <dgm:effectClrLst/>
+    <dgm:txLinClrLst/>
+    <dgm:txFillClrLst meth="repeat">
+      <a:schemeClr val="dk1"/>
+    </dgm:txFillClrLst>
+    <dgm:txEffectClrLst/>
+  </dgm:styleLbl>
+  <dgm:styleLbl name="fgAcc0">
+    <dgm:fillClrLst meth="repeat">
+      <a:schemeClr val="lt1">
+        <a:alpha val="90000"/>
+      </a:schemeClr>
+    </dgm:fillClrLst>
+    <dgm:linClrLst meth="repeat">
+      <a:schemeClr val="accent1"/>
+    </dgm:linClrLst>
+    <dgm:effectClrLst/>
+    <dgm:txLinClrLst/>
+    <dgm:txFillClrLst meth="repeat">
+      <a:schemeClr val="dk1"/>
+    </dgm:txFillClrLst>
+    <dgm:txEffectClrLst/>
+  </dgm:styleLbl>
+  <dgm:styleLbl name="fgAcc2">
+    <dgm:fillClrLst meth="repeat">
+      <a:schemeClr val="lt1">
+        <a:alpha val="90000"/>
+      </a:schemeClr>
+    </dgm:fillClrLst>
+    <dgm:linClrLst meth="repeat">
+      <a:schemeClr val="accent1"/>
+    </dgm:linClrLst>
+    <dgm:effectClrLst/>
+    <dgm:txLinClrLst/>
+    <dgm:txFillClrLst meth="repeat">
+      <a:schemeClr val="dk1"/>
+    </dgm:txFillClrLst>
+    <dgm:txEffectClrLst/>
+  </dgm:styleLbl>
+  <dgm:styleLbl name="fgAcc3">
+    <dgm:fillClrLst meth="repeat">
+      <a:schemeClr val="lt1">
+        <a:alpha val="90000"/>
+      </a:schemeClr>
+    </dgm:fillClrLst>
+    <dgm:linClrLst meth="repeat">
+      <a:schemeClr val="accent1"/>
+    </dgm:linClrLst>
+    <dgm:effectClrLst/>
+    <dgm:txLinClrLst/>
+    <dgm:txFillClrLst meth="repeat">
+      <a:schemeClr val="dk1"/>
+    </dgm:txFillClrLst>
+    <dgm:txEffectClrLst/>
+  </dgm:styleLbl>
+  <dgm:styleLbl name="fgAcc4">
+    <dgm:fillClrLst meth="repeat">
+      <a:schemeClr val="lt1">
+        <a:alpha val="90000"/>
+      </a:schemeClr>
+    </dgm:fillClrLst>
+    <dgm:linClrLst meth="repeat">
+      <a:schemeClr val="accent1"/>
+    </dgm:linClrLst>
+    <dgm:effectClrLst/>
+    <dgm:txLinClrLst/>
+    <dgm:txFillClrLst meth="repeat">
+      <a:schemeClr val="dk1"/>
+    </dgm:txFillClrLst>
+    <dgm:txEffectClrLst/>
+  </dgm:styleLbl>
+  <dgm:styleLbl name="bgShp">
+    <dgm:fillClrLst meth="repeat">
+      <a:schemeClr val="accent1">
+        <a:tint val="40000"/>
+      </a:schemeClr>
+    </dgm:fillClrLst>
+    <dgm:linClrLst meth="repeat">
+      <a:schemeClr val="accent1"/>
+    </dgm:linClrLst>
+    <dgm:effectClrLst/>
+    <dgm:txLinClrLst/>
+    <dgm:txFillClrLst meth="repeat">
+      <a:schemeClr val="dk1"/>
+    </dgm:txFillClrLst>
+    <dgm:txEffectClrLst/>
+  </dgm:styleLbl>
+  <dgm:styleLbl name="dkBgShp">
+    <dgm:fillClrLst meth="repeat">
+      <a:schemeClr val="accent1">
+        <a:shade val="80000"/>
+      </a:schemeClr>
+    </dgm:fillClrLst>
+    <dgm:linClrLst meth="repeat">
+      <a:schemeClr val="accent1"/>
+    </dgm:linClrLst>
+    <dgm:effectClrLst/>
+    <dgm:txLinClrLst/>
+    <dgm:txFillClrLst meth="repeat">
+      <a:schemeClr val="lt1"/>
+    </dgm:txFillClrLst>
+    <dgm:txEffectClrLst/>
+  </dgm:styleLbl>
+  <dgm:styleLbl name="trBgShp">
+    <dgm:fillClrLst meth="repeat">
+      <a:schemeClr val="accent1">
+        <a:tint val="50000"/>
+        <a:alpha val="40000"/>
+      </a:schemeClr>
+    </dgm:fillClrLst>
+    <dgm:linClrLst meth="repeat">
+      <a:schemeClr val="accent1"/>
+    </dgm:linClrLst>
+    <dgm:effectClrLst/>
+    <dgm:txLinClrLst/>
+    <dgm:txFillClrLst meth="repeat">
+      <a:schemeClr val="lt1"/>
+    </dgm:txFillClrLst>
+    <dgm:txEffectClrLst/>
+  </dgm:styleLbl>
+  <dgm:styleLbl name="fgShp">
+    <dgm:fillClrLst meth="repeat">
+      <a:schemeClr val="accent1">
+        <a:tint val="60000"/>
+      </a:schemeClr>
+    </dgm:fillClrLst>
+    <dgm:linClrLst meth="repeat">
+      <a:schemeClr val="lt1"/>
+    </dgm:linClrLst>
+    <dgm:effectClrLst/>
+    <dgm:txLinClrLst/>
+    <dgm:txFillClrLst meth="repeat">
+      <a:schemeClr val="dk1"/>
+    </dgm:txFillClrLst>
+    <dgm:txEffectClrLst/>
+  </dgm:styleLbl>
+  <dgm:styleLbl name="revTx">
+    <dgm:fillClrLst meth="repeat">
+      <a:schemeClr val="lt1">
+        <a:alpha val="0"/>
+      </a:schemeClr>
+    </dgm:fillClrLst>
+    <dgm:linClrLst meth="repeat">
+      <a:schemeClr val="dk1">
+        <a:alpha val="0"/>
+      </a:schemeClr>
+    </dgm:linClrLst>
+    <dgm:effectClrLst/>
+    <dgm:txLinClrLst/>
+    <dgm:txFillClrLst meth="repeat">
+      <a:schemeClr val="tx1"/>
+    </dgm:txFillClrLst>
+    <dgm:txEffectClrLst/>
+  </dgm:styleLbl>
+</dgm:colorsDef>
+</file>
+
+<file path=ppt/diagrams/data1.xml><?xml version="1.0" encoding="utf-8"?>
+<dgm:dataModel xmlns:dgm="http://schemas.openxmlformats.org/drawingml/2006/diagram" xmlns:a="http://schemas.openxmlformats.org/drawingml/2006/main">
+  <dgm:ptLst>
+    <dgm:pt modelId="{CD62ECF3-FD65-4488-BF34-E534B35D0502}" type="doc">
+      <dgm:prSet loTypeId="urn:microsoft.com/office/officeart/2005/8/layout/orgChart1" loCatId="hierarchy" qsTypeId="urn:microsoft.com/office/officeart/2005/8/quickstyle/simple1" qsCatId="simple" csTypeId="urn:microsoft.com/office/officeart/2005/8/colors/accent1_2" csCatId="accent1" phldr="1"/>
+      <dgm:spPr/>
+      <dgm:t>
+        <a:bodyPr/>
+        <a:lstStyle/>
+        <a:p>
+          <a:endParaRPr lang="en-US"/>
+        </a:p>
+      </dgm:t>
+    </dgm:pt>
+    <dgm:pt modelId="{D11C7E48-1CDE-4F77-ACFC-DC791122E926}">
+      <dgm:prSet phldrT="[Text]"/>
+      <dgm:spPr/>
+      <dgm:t>
+        <a:bodyPr/>
+        <a:lstStyle/>
+        <a:p>
+          <a:r>
+            <a:rPr lang="en-US" dirty="0"/>
+            <a:t>&lt;App /&gt;</a:t>
+          </a:r>
+        </a:p>
+        <a:p>
+          <a:r>
+            <a:rPr lang="en-US" dirty="0"/>
+            <a:t>State</a:t>
+          </a:r>
+        </a:p>
+      </dgm:t>
+    </dgm:pt>
+    <dgm:pt modelId="{764267D2-C4D8-4647-B4E9-652E71DB10C7}" type="parTrans" cxnId="{5A59538B-2CE3-4077-AF40-BA0CA33E8223}">
+      <dgm:prSet/>
+      <dgm:spPr/>
+      <dgm:t>
+        <a:bodyPr/>
+        <a:lstStyle/>
+        <a:p>
+          <a:endParaRPr lang="en-US"/>
+        </a:p>
+      </dgm:t>
+    </dgm:pt>
+    <dgm:pt modelId="{8B855CF6-4378-49A9-9D44-913F99EE7128}" type="sibTrans" cxnId="{5A59538B-2CE3-4077-AF40-BA0CA33E8223}">
+      <dgm:prSet/>
+      <dgm:spPr/>
+      <dgm:t>
+        <a:bodyPr/>
+        <a:lstStyle/>
+        <a:p>
+          <a:endParaRPr lang="en-US"/>
+        </a:p>
+      </dgm:t>
+    </dgm:pt>
+    <dgm:pt modelId="{1335BA29-3FFA-4DDB-8626-E68A21118F9E}">
+      <dgm:prSet phldrT="[Text]" custT="1"/>
+      <dgm:spPr/>
+      <dgm:t>
+        <a:bodyPr/>
+        <a:lstStyle/>
+        <a:p>
+          <a:r>
+            <a:rPr lang="en-US" sz="3600" dirty="0"/>
+            <a:t>&lt;Expenses /&gt;</a:t>
+          </a:r>
+        </a:p>
+      </dgm:t>
+    </dgm:pt>
+    <dgm:pt modelId="{9E80D345-CBB0-4A62-873E-3EE53F817B2D}" type="parTrans" cxnId="{152F5DCB-FFCF-446B-9873-A7C348582DCD}">
+      <dgm:prSet/>
+      <dgm:spPr/>
+      <dgm:t>
+        <a:bodyPr/>
+        <a:lstStyle/>
+        <a:p>
+          <a:endParaRPr lang="en-US"/>
+        </a:p>
+      </dgm:t>
+    </dgm:pt>
+    <dgm:pt modelId="{9F66776D-D529-4746-957A-13E52505D255}" type="sibTrans" cxnId="{152F5DCB-FFCF-446B-9873-A7C348582DCD}">
+      <dgm:prSet/>
+      <dgm:spPr/>
+      <dgm:t>
+        <a:bodyPr/>
+        <a:lstStyle/>
+        <a:p>
+          <a:endParaRPr lang="en-US"/>
+        </a:p>
+      </dgm:t>
+    </dgm:pt>
+    <dgm:pt modelId="{576C8794-4B93-4807-B221-22BB6F549076}">
+      <dgm:prSet phldrT="[Text]" custT="1"/>
+      <dgm:spPr/>
+      <dgm:t>
+        <a:bodyPr/>
+        <a:lstStyle/>
+        <a:p>
+          <a:r>
+            <a:rPr lang="en-US" sz="3600" dirty="0"/>
+            <a:t>&lt;</a:t>
+          </a:r>
+          <a:r>
+            <a:rPr lang="en-US" sz="3600" dirty="0" err="1"/>
+            <a:t>NewExpense</a:t>
+          </a:r>
+          <a:r>
+            <a:rPr lang="en-US" sz="3600" dirty="0"/>
+            <a:t> /&gt;</a:t>
+          </a:r>
+        </a:p>
+      </dgm:t>
+    </dgm:pt>
+    <dgm:pt modelId="{6A40CDEA-4697-437D-819A-8997D7514C2E}" type="parTrans" cxnId="{5F23450F-451E-486D-94E4-2C52DD16DDD6}">
+      <dgm:prSet/>
+      <dgm:spPr/>
+      <dgm:t>
+        <a:bodyPr/>
+        <a:lstStyle/>
+        <a:p>
+          <a:endParaRPr lang="en-US"/>
+        </a:p>
+      </dgm:t>
+    </dgm:pt>
+    <dgm:pt modelId="{088DA9A2-6877-4DCB-A9B5-623DB5DBCF1E}" type="sibTrans" cxnId="{5F23450F-451E-486D-94E4-2C52DD16DDD6}">
+      <dgm:prSet/>
+      <dgm:spPr/>
+      <dgm:t>
+        <a:bodyPr/>
+        <a:lstStyle/>
+        <a:p>
+          <a:endParaRPr lang="en-US"/>
+        </a:p>
+      </dgm:t>
+    </dgm:pt>
+    <dgm:pt modelId="{F0C9CE0D-869E-46BE-BB62-EAA235FFD051}" type="pres">
+      <dgm:prSet presAssocID="{CD62ECF3-FD65-4488-BF34-E534B35D0502}" presName="hierChild1" presStyleCnt="0">
+        <dgm:presLayoutVars>
+          <dgm:orgChart val="1"/>
+          <dgm:chPref val="1"/>
+          <dgm:dir/>
+          <dgm:animOne val="branch"/>
+          <dgm:animLvl val="lvl"/>
+          <dgm:resizeHandles/>
+        </dgm:presLayoutVars>
+      </dgm:prSet>
+      <dgm:spPr/>
+    </dgm:pt>
+    <dgm:pt modelId="{84E131F9-9E82-4826-82EE-65609AD51995}" type="pres">
+      <dgm:prSet presAssocID="{D11C7E48-1CDE-4F77-ACFC-DC791122E926}" presName="hierRoot1" presStyleCnt="0">
+        <dgm:presLayoutVars>
+          <dgm:hierBranch val="init"/>
+        </dgm:presLayoutVars>
+      </dgm:prSet>
+      <dgm:spPr/>
+    </dgm:pt>
+    <dgm:pt modelId="{3897CB34-3B64-4B9E-82AC-3917CCB93872}" type="pres">
+      <dgm:prSet presAssocID="{D11C7E48-1CDE-4F77-ACFC-DC791122E926}" presName="rootComposite1" presStyleCnt="0"/>
+      <dgm:spPr/>
+    </dgm:pt>
+    <dgm:pt modelId="{C8B78C88-944C-43F0-B215-50DA4CB5C50E}" type="pres">
+      <dgm:prSet presAssocID="{D11C7E48-1CDE-4F77-ACFC-DC791122E926}" presName="rootText1" presStyleLbl="node0" presStyleIdx="0" presStyleCnt="1" custScaleX="44064" custScaleY="33710">
+        <dgm:presLayoutVars>
+          <dgm:chPref val="3"/>
+        </dgm:presLayoutVars>
+      </dgm:prSet>
+      <dgm:spPr/>
+    </dgm:pt>
+    <dgm:pt modelId="{0BB4E230-7437-486B-8B7A-73FDC083F5BD}" type="pres">
+      <dgm:prSet presAssocID="{D11C7E48-1CDE-4F77-ACFC-DC791122E926}" presName="rootConnector1" presStyleLbl="node1" presStyleIdx="0" presStyleCnt="0"/>
+      <dgm:spPr/>
+    </dgm:pt>
+    <dgm:pt modelId="{17757205-9E97-4F4F-8E05-E44C56744FEB}" type="pres">
+      <dgm:prSet presAssocID="{D11C7E48-1CDE-4F77-ACFC-DC791122E926}" presName="hierChild2" presStyleCnt="0"/>
+      <dgm:spPr/>
+    </dgm:pt>
+    <dgm:pt modelId="{5A2075EA-2669-4082-917F-6298E11EBAD6}" type="pres">
+      <dgm:prSet presAssocID="{9E80D345-CBB0-4A62-873E-3EE53F817B2D}" presName="Name37" presStyleLbl="parChTrans1D2" presStyleIdx="0" presStyleCnt="2"/>
+      <dgm:spPr/>
+    </dgm:pt>
+    <dgm:pt modelId="{E98BE03C-ECD5-41E9-9635-7DD3493B8AED}" type="pres">
+      <dgm:prSet presAssocID="{1335BA29-3FFA-4DDB-8626-E68A21118F9E}" presName="hierRoot2" presStyleCnt="0">
+        <dgm:presLayoutVars>
+          <dgm:hierBranch val="init"/>
+        </dgm:presLayoutVars>
+      </dgm:prSet>
+      <dgm:spPr/>
+    </dgm:pt>
+    <dgm:pt modelId="{E8EC20F4-E109-40C3-99A2-D6BA20052391}" type="pres">
+      <dgm:prSet presAssocID="{1335BA29-3FFA-4DDB-8626-E68A21118F9E}" presName="rootComposite" presStyleCnt="0"/>
+      <dgm:spPr/>
+    </dgm:pt>
+    <dgm:pt modelId="{F335094B-A654-41BF-9CA5-0FBCF2165B7C}" type="pres">
+      <dgm:prSet presAssocID="{1335BA29-3FFA-4DDB-8626-E68A21118F9E}" presName="rootText" presStyleLbl="node2" presStyleIdx="0" presStyleCnt="2" custScaleX="54308" custScaleY="32221" custLinFactNeighborX="-6509" custLinFactNeighborY="-3240">
+        <dgm:presLayoutVars>
+          <dgm:chPref val="3"/>
+        </dgm:presLayoutVars>
+      </dgm:prSet>
+      <dgm:spPr/>
+    </dgm:pt>
+    <dgm:pt modelId="{BEE8883A-FD3F-477A-A7BE-090319DB95BD}" type="pres">
+      <dgm:prSet presAssocID="{1335BA29-3FFA-4DDB-8626-E68A21118F9E}" presName="rootConnector" presStyleLbl="node2" presStyleIdx="0" presStyleCnt="2"/>
+      <dgm:spPr/>
+    </dgm:pt>
+    <dgm:pt modelId="{2259D1F8-8551-425B-9075-826D5C27DF0E}" type="pres">
+      <dgm:prSet presAssocID="{1335BA29-3FFA-4DDB-8626-E68A21118F9E}" presName="hierChild4" presStyleCnt="0"/>
+      <dgm:spPr/>
+    </dgm:pt>
+    <dgm:pt modelId="{0BB4580A-7401-4664-B9B7-BB254942E808}" type="pres">
+      <dgm:prSet presAssocID="{1335BA29-3FFA-4DDB-8626-E68A21118F9E}" presName="hierChild5" presStyleCnt="0"/>
+      <dgm:spPr/>
+    </dgm:pt>
+    <dgm:pt modelId="{E9FA7BD1-8C69-4DC6-B8DF-F946076A7D6F}" type="pres">
+      <dgm:prSet presAssocID="{6A40CDEA-4697-437D-819A-8997D7514C2E}" presName="Name37" presStyleLbl="parChTrans1D2" presStyleIdx="1" presStyleCnt="2"/>
+      <dgm:spPr/>
+    </dgm:pt>
+    <dgm:pt modelId="{0775A3FD-512D-414C-9064-C900EF22B707}" type="pres">
+      <dgm:prSet presAssocID="{576C8794-4B93-4807-B221-22BB6F549076}" presName="hierRoot2" presStyleCnt="0">
+        <dgm:presLayoutVars>
+          <dgm:hierBranch val="init"/>
+        </dgm:presLayoutVars>
+      </dgm:prSet>
+      <dgm:spPr/>
+    </dgm:pt>
+    <dgm:pt modelId="{5BC495EB-A06E-456C-9426-96DD5157A3D9}" type="pres">
+      <dgm:prSet presAssocID="{576C8794-4B93-4807-B221-22BB6F549076}" presName="rootComposite" presStyleCnt="0"/>
+      <dgm:spPr/>
+    </dgm:pt>
+    <dgm:pt modelId="{566778B8-BF8A-488D-9872-817C44A3A118}" type="pres">
+      <dgm:prSet presAssocID="{576C8794-4B93-4807-B221-22BB6F549076}" presName="rootText" presStyleLbl="node2" presStyleIdx="1" presStyleCnt="2" custScaleX="51513" custScaleY="32247">
+        <dgm:presLayoutVars>
+          <dgm:chPref val="3"/>
+        </dgm:presLayoutVars>
+      </dgm:prSet>
+      <dgm:spPr/>
+    </dgm:pt>
+    <dgm:pt modelId="{682D3356-811A-4BD6-AE9C-F2362A790032}" type="pres">
+      <dgm:prSet presAssocID="{576C8794-4B93-4807-B221-22BB6F549076}" presName="rootConnector" presStyleLbl="node2" presStyleIdx="1" presStyleCnt="2"/>
+      <dgm:spPr/>
+    </dgm:pt>
+    <dgm:pt modelId="{4603DBC8-AF08-4B77-8761-319695854853}" type="pres">
+      <dgm:prSet presAssocID="{576C8794-4B93-4807-B221-22BB6F549076}" presName="hierChild4" presStyleCnt="0"/>
+      <dgm:spPr/>
+    </dgm:pt>
+    <dgm:pt modelId="{104B351E-8A19-4E30-BF27-A2424EF413F8}" type="pres">
+      <dgm:prSet presAssocID="{576C8794-4B93-4807-B221-22BB6F549076}" presName="hierChild5" presStyleCnt="0"/>
+      <dgm:spPr/>
+    </dgm:pt>
+    <dgm:pt modelId="{DC0F3545-17E3-4C58-850B-CE5E9E64D860}" type="pres">
+      <dgm:prSet presAssocID="{D11C7E48-1CDE-4F77-ACFC-DC791122E926}" presName="hierChild3" presStyleCnt="0"/>
+      <dgm:spPr/>
+    </dgm:pt>
+  </dgm:ptLst>
+  <dgm:cxnLst>
+    <dgm:cxn modelId="{5F23450F-451E-486D-94E4-2C52DD16DDD6}" srcId="{D11C7E48-1CDE-4F77-ACFC-DC791122E926}" destId="{576C8794-4B93-4807-B221-22BB6F549076}" srcOrd="1" destOrd="0" parTransId="{6A40CDEA-4697-437D-819A-8997D7514C2E}" sibTransId="{088DA9A2-6877-4DCB-A9B5-623DB5DBCF1E}"/>
+    <dgm:cxn modelId="{367A2629-9DE3-493B-B5A7-2E650F486601}" type="presOf" srcId="{6A40CDEA-4697-437D-819A-8997D7514C2E}" destId="{E9FA7BD1-8C69-4DC6-B8DF-F946076A7D6F}" srcOrd="0" destOrd="0" presId="urn:microsoft.com/office/officeart/2005/8/layout/orgChart1"/>
+    <dgm:cxn modelId="{8284023D-5C23-4F90-8BD1-B3AF83795A8D}" type="presOf" srcId="{576C8794-4B93-4807-B221-22BB6F549076}" destId="{682D3356-811A-4BD6-AE9C-F2362A790032}" srcOrd="1" destOrd="0" presId="urn:microsoft.com/office/officeart/2005/8/layout/orgChart1"/>
+    <dgm:cxn modelId="{85933D79-0396-4A04-A183-C95F323D5DE5}" type="presOf" srcId="{1335BA29-3FFA-4DDB-8626-E68A21118F9E}" destId="{BEE8883A-FD3F-477A-A7BE-090319DB95BD}" srcOrd="1" destOrd="0" presId="urn:microsoft.com/office/officeart/2005/8/layout/orgChart1"/>
+    <dgm:cxn modelId="{C579057B-ADC8-4134-A047-45DB1649FF90}" type="presOf" srcId="{576C8794-4B93-4807-B221-22BB6F549076}" destId="{566778B8-BF8A-488D-9872-817C44A3A118}" srcOrd="0" destOrd="0" presId="urn:microsoft.com/office/officeart/2005/8/layout/orgChart1"/>
+    <dgm:cxn modelId="{B45A5989-A951-4497-A21A-F3FA3E5413E3}" type="presOf" srcId="{9E80D345-CBB0-4A62-873E-3EE53F817B2D}" destId="{5A2075EA-2669-4082-917F-6298E11EBAD6}" srcOrd="0" destOrd="0" presId="urn:microsoft.com/office/officeart/2005/8/layout/orgChart1"/>
+    <dgm:cxn modelId="{5A59538B-2CE3-4077-AF40-BA0CA33E8223}" srcId="{CD62ECF3-FD65-4488-BF34-E534B35D0502}" destId="{D11C7E48-1CDE-4F77-ACFC-DC791122E926}" srcOrd="0" destOrd="0" parTransId="{764267D2-C4D8-4647-B4E9-652E71DB10C7}" sibTransId="{8B855CF6-4378-49A9-9D44-913F99EE7128}"/>
+    <dgm:cxn modelId="{5723BAAC-B7F4-4ACC-976A-93E1F9113E88}" type="presOf" srcId="{D11C7E48-1CDE-4F77-ACFC-DC791122E926}" destId="{C8B78C88-944C-43F0-B215-50DA4CB5C50E}" srcOrd="0" destOrd="0" presId="urn:microsoft.com/office/officeart/2005/8/layout/orgChart1"/>
+    <dgm:cxn modelId="{FADBE5C5-79AC-4A70-8577-E95666536EA6}" type="presOf" srcId="{D11C7E48-1CDE-4F77-ACFC-DC791122E926}" destId="{0BB4E230-7437-486B-8B7A-73FDC083F5BD}" srcOrd="1" destOrd="0" presId="urn:microsoft.com/office/officeart/2005/8/layout/orgChart1"/>
+    <dgm:cxn modelId="{2986FCCA-3FA2-4A3B-82F4-7E024CBD5CF5}" type="presOf" srcId="{1335BA29-3FFA-4DDB-8626-E68A21118F9E}" destId="{F335094B-A654-41BF-9CA5-0FBCF2165B7C}" srcOrd="0" destOrd="0" presId="urn:microsoft.com/office/officeart/2005/8/layout/orgChart1"/>
+    <dgm:cxn modelId="{152F5DCB-FFCF-446B-9873-A7C348582DCD}" srcId="{D11C7E48-1CDE-4F77-ACFC-DC791122E926}" destId="{1335BA29-3FFA-4DDB-8626-E68A21118F9E}" srcOrd="0" destOrd="0" parTransId="{9E80D345-CBB0-4A62-873E-3EE53F817B2D}" sibTransId="{9F66776D-D529-4746-957A-13E52505D255}"/>
+    <dgm:cxn modelId="{A46DA4EF-FB5C-4AE8-96E0-1FE5BA281445}" type="presOf" srcId="{CD62ECF3-FD65-4488-BF34-E534B35D0502}" destId="{F0C9CE0D-869E-46BE-BB62-EAA235FFD051}" srcOrd="0" destOrd="0" presId="urn:microsoft.com/office/officeart/2005/8/layout/orgChart1"/>
+    <dgm:cxn modelId="{E63ECF54-495A-4E57-AD29-63605BED9BC0}" type="presParOf" srcId="{F0C9CE0D-869E-46BE-BB62-EAA235FFD051}" destId="{84E131F9-9E82-4826-82EE-65609AD51995}" srcOrd="0" destOrd="0" presId="urn:microsoft.com/office/officeart/2005/8/layout/orgChart1"/>
+    <dgm:cxn modelId="{84948300-AB0C-46C9-A3FF-45A198B1D3F2}" type="presParOf" srcId="{84E131F9-9E82-4826-82EE-65609AD51995}" destId="{3897CB34-3B64-4B9E-82AC-3917CCB93872}" srcOrd="0" destOrd="0" presId="urn:microsoft.com/office/officeart/2005/8/layout/orgChart1"/>
+    <dgm:cxn modelId="{F08E53D1-20D3-46EE-83F1-CEB582DAAFE4}" type="presParOf" srcId="{3897CB34-3B64-4B9E-82AC-3917CCB93872}" destId="{C8B78C88-944C-43F0-B215-50DA4CB5C50E}" srcOrd="0" destOrd="0" presId="urn:microsoft.com/office/officeart/2005/8/layout/orgChart1"/>
+    <dgm:cxn modelId="{482D355E-2D35-42CB-AB46-DF4EF7B71D54}" type="presParOf" srcId="{3897CB34-3B64-4B9E-82AC-3917CCB93872}" destId="{0BB4E230-7437-486B-8B7A-73FDC083F5BD}" srcOrd="1" destOrd="0" presId="urn:microsoft.com/office/officeart/2005/8/layout/orgChart1"/>
+    <dgm:cxn modelId="{D01F1256-8639-4EAA-AC2E-A8424EBA0FAC}" type="presParOf" srcId="{84E131F9-9E82-4826-82EE-65609AD51995}" destId="{17757205-9E97-4F4F-8E05-E44C56744FEB}" srcOrd="1" destOrd="0" presId="urn:microsoft.com/office/officeart/2005/8/layout/orgChart1"/>
+    <dgm:cxn modelId="{04B8EFB2-F5F5-4889-902F-F47B42DDB392}" type="presParOf" srcId="{17757205-9E97-4F4F-8E05-E44C56744FEB}" destId="{5A2075EA-2669-4082-917F-6298E11EBAD6}" srcOrd="0" destOrd="0" presId="urn:microsoft.com/office/officeart/2005/8/layout/orgChart1"/>
+    <dgm:cxn modelId="{78E74119-06EC-490C-8654-C018BECA0E68}" type="presParOf" srcId="{17757205-9E97-4F4F-8E05-E44C56744FEB}" destId="{E98BE03C-ECD5-41E9-9635-7DD3493B8AED}" srcOrd="1" destOrd="0" presId="urn:microsoft.com/office/officeart/2005/8/layout/orgChart1"/>
+    <dgm:cxn modelId="{273460CF-7D36-49A8-8DB3-AFE8A3E90EA6}" type="presParOf" srcId="{E98BE03C-ECD5-41E9-9635-7DD3493B8AED}" destId="{E8EC20F4-E109-40C3-99A2-D6BA20052391}" srcOrd="0" destOrd="0" presId="urn:microsoft.com/office/officeart/2005/8/layout/orgChart1"/>
+    <dgm:cxn modelId="{70352DCF-9991-41B1-B17A-2E8112E811B2}" type="presParOf" srcId="{E8EC20F4-E109-40C3-99A2-D6BA20052391}" destId="{F335094B-A654-41BF-9CA5-0FBCF2165B7C}" srcOrd="0" destOrd="0" presId="urn:microsoft.com/office/officeart/2005/8/layout/orgChart1"/>
+    <dgm:cxn modelId="{A781FE7B-D153-4AFB-8C3F-420373471840}" type="presParOf" srcId="{E8EC20F4-E109-40C3-99A2-D6BA20052391}" destId="{BEE8883A-FD3F-477A-A7BE-090319DB95BD}" srcOrd="1" destOrd="0" presId="urn:microsoft.com/office/officeart/2005/8/layout/orgChart1"/>
+    <dgm:cxn modelId="{174829F2-BCC5-4E7B-A269-2748CCF79262}" type="presParOf" srcId="{E98BE03C-ECD5-41E9-9635-7DD3493B8AED}" destId="{2259D1F8-8551-425B-9075-826D5C27DF0E}" srcOrd="1" destOrd="0" presId="urn:microsoft.com/office/officeart/2005/8/layout/orgChart1"/>
+    <dgm:cxn modelId="{2D496D91-C003-499A-B2B5-73059B7DCE87}" type="presParOf" srcId="{E98BE03C-ECD5-41E9-9635-7DD3493B8AED}" destId="{0BB4580A-7401-4664-B9B7-BB254942E808}" srcOrd="2" destOrd="0" presId="urn:microsoft.com/office/officeart/2005/8/layout/orgChart1"/>
+    <dgm:cxn modelId="{8B3355CB-F164-4C86-9B52-EEB62138AF37}" type="presParOf" srcId="{17757205-9E97-4F4F-8E05-E44C56744FEB}" destId="{E9FA7BD1-8C69-4DC6-B8DF-F946076A7D6F}" srcOrd="2" destOrd="0" presId="urn:microsoft.com/office/officeart/2005/8/layout/orgChart1"/>
+    <dgm:cxn modelId="{9B171F89-BC1B-4BF0-B5A3-A0FA84AFC00E}" type="presParOf" srcId="{17757205-9E97-4F4F-8E05-E44C56744FEB}" destId="{0775A3FD-512D-414C-9064-C900EF22B707}" srcOrd="3" destOrd="0" presId="urn:microsoft.com/office/officeart/2005/8/layout/orgChart1"/>
+    <dgm:cxn modelId="{A59B526B-EF04-4A6F-B797-5E516E60127D}" type="presParOf" srcId="{0775A3FD-512D-414C-9064-C900EF22B707}" destId="{5BC495EB-A06E-456C-9426-96DD5157A3D9}" srcOrd="0" destOrd="0" presId="urn:microsoft.com/office/officeart/2005/8/layout/orgChart1"/>
+    <dgm:cxn modelId="{96EB8ECB-0C0A-4309-8BDD-4D4E3CD766F7}" type="presParOf" srcId="{5BC495EB-A06E-456C-9426-96DD5157A3D9}" destId="{566778B8-BF8A-488D-9872-817C44A3A118}" srcOrd="0" destOrd="0" presId="urn:microsoft.com/office/officeart/2005/8/layout/orgChart1"/>
+    <dgm:cxn modelId="{AF8BC2F7-74F0-4197-A819-DDB51955B288}" type="presParOf" srcId="{5BC495EB-A06E-456C-9426-96DD5157A3D9}" destId="{682D3356-811A-4BD6-AE9C-F2362A790032}" srcOrd="1" destOrd="0" presId="urn:microsoft.com/office/officeart/2005/8/layout/orgChart1"/>
+    <dgm:cxn modelId="{EE062BF9-6A47-493A-93F2-0877B77EE67D}" type="presParOf" srcId="{0775A3FD-512D-414C-9064-C900EF22B707}" destId="{4603DBC8-AF08-4B77-8761-319695854853}" srcOrd="1" destOrd="0" presId="urn:microsoft.com/office/officeart/2005/8/layout/orgChart1"/>
+    <dgm:cxn modelId="{D65BC78C-5189-4B71-AF5A-DDBCE7AE19C7}" type="presParOf" srcId="{0775A3FD-512D-414C-9064-C900EF22B707}" destId="{104B351E-8A19-4E30-BF27-A2424EF413F8}" srcOrd="2" destOrd="0" presId="urn:microsoft.com/office/officeart/2005/8/layout/orgChart1"/>
+    <dgm:cxn modelId="{3C646E30-F386-4871-8BAF-E62D273ECAD3}" type="presParOf" srcId="{84E131F9-9E82-4826-82EE-65609AD51995}" destId="{DC0F3545-17E3-4C58-850B-CE5E9E64D860}" srcOrd="2" destOrd="0" presId="urn:microsoft.com/office/officeart/2005/8/layout/orgChart1"/>
+  </dgm:cxnLst>
+  <dgm:bg/>
+  <dgm:whole/>
+  <dgm:extLst>
+    <a:ext uri="http://schemas.microsoft.com/office/drawing/2008/diagram">
+      <dsp:dataModelExt xmlns:dsp="http://schemas.microsoft.com/office/drawing/2008/diagram" relId="rId6" minVer="http://schemas.openxmlformats.org/drawingml/2006/diagram"/>
+    </a:ext>
+  </dgm:extLst>
+</dgm:dataModel>
+</file>
+
+<file path=ppt/diagrams/drawing1.xml><?xml version="1.0" encoding="utf-8"?>
+<dsp:drawing xmlns:dgm="http://schemas.openxmlformats.org/drawingml/2006/diagram" xmlns:dsp="http://schemas.microsoft.com/office/drawing/2008/diagram" xmlns:a="http://schemas.openxmlformats.org/drawingml/2006/main">
+  <dsp:spTree>
+    <dsp:nvGrpSpPr>
+      <dsp:cNvPr id="0" name=""/>
+      <dsp:cNvGrpSpPr/>
+    </dsp:nvGrpSpPr>
+    <dsp:grpSpPr/>
+    <dsp:sp modelId="{E9FA7BD1-8C69-4DC6-B8DF-F946076A7D6F}">
+      <dsp:nvSpPr>
+        <dsp:cNvPr id="0" name=""/>
+        <dsp:cNvSpPr/>
+      </dsp:nvSpPr>
+      <dsp:spPr>
+        <a:xfrm>
+          <a:off x="5257800" y="1360020"/>
+          <a:ext cx="3030559" cy="1690172"/>
+        </a:xfrm>
+        <a:custGeom>
+          <a:avLst/>
+          <a:gdLst/>
+          <a:ahLst/>
+          <a:cxnLst/>
+          <a:rect l="0" t="0" r="0" b="0"/>
+          <a:pathLst>
+            <a:path>
+              <a:moveTo>
+                <a:pt x="0" y="0"/>
+              </a:moveTo>
+              <a:lnTo>
+                <a:pt x="0" y="845086"/>
+              </a:lnTo>
+              <a:lnTo>
+                <a:pt x="3030559" y="845086"/>
+              </a:lnTo>
+              <a:lnTo>
+                <a:pt x="3030559" y="1690172"/>
+              </a:lnTo>
+            </a:path>
+          </a:pathLst>
+        </a:custGeom>
+        <a:noFill/>
+        <a:ln w="12700" cap="flat" cmpd="sng" algn="ctr">
+          <a:solidFill>
+            <a:schemeClr val="accent1">
+              <a:shade val="60000"/>
+              <a:hueOff val="0"/>
+              <a:satOff val="0"/>
+              <a:lumOff val="0"/>
+              <a:alphaOff val="0"/>
+            </a:schemeClr>
+          </a:solidFill>
+          <a:prstDash val="solid"/>
+          <a:miter lim="800000"/>
+        </a:ln>
+        <a:effectLst/>
+      </dsp:spPr>
+      <dsp:style>
+        <a:lnRef idx="2">
+          <a:scrgbClr r="0" g="0" b="0"/>
+        </a:lnRef>
+        <a:fillRef idx="0">
+          <a:scrgbClr r="0" g="0" b="0"/>
+        </a:fillRef>
+        <a:effectRef idx="0">
+          <a:scrgbClr r="0" g="0" b="0"/>
+        </a:effectRef>
+        <a:fontRef idx="minor"/>
+      </dsp:style>
+    </dsp:sp>
+    <dsp:sp modelId="{5A2075EA-2669-4082-917F-6298E11EBAD6}">
+      <dsp:nvSpPr>
+        <dsp:cNvPr id="0" name=""/>
+        <dsp:cNvSpPr/>
+      </dsp:nvSpPr>
+      <dsp:spPr>
+        <a:xfrm>
+          <a:off x="2185473" y="1360020"/>
+          <a:ext cx="3072326" cy="1559787"/>
+        </a:xfrm>
+        <a:custGeom>
+          <a:avLst/>
+          <a:gdLst/>
+          <a:ahLst/>
+          <a:cxnLst/>
+          <a:rect l="0" t="0" r="0" b="0"/>
+          <a:pathLst>
+            <a:path>
+              <a:moveTo>
+                <a:pt x="3072326" y="0"/>
+              </a:moveTo>
+              <a:lnTo>
+                <a:pt x="3072326" y="714701"/>
+              </a:lnTo>
+              <a:lnTo>
+                <a:pt x="0" y="714701"/>
+              </a:lnTo>
+              <a:lnTo>
+                <a:pt x="0" y="1559787"/>
+              </a:lnTo>
+            </a:path>
+          </a:pathLst>
+        </a:custGeom>
+        <a:noFill/>
+        <a:ln w="12700" cap="flat" cmpd="sng" algn="ctr">
+          <a:solidFill>
+            <a:schemeClr val="accent1">
+              <a:shade val="60000"/>
+              <a:hueOff val="0"/>
+              <a:satOff val="0"/>
+              <a:lumOff val="0"/>
+              <a:alphaOff val="0"/>
+            </a:schemeClr>
+          </a:solidFill>
+          <a:prstDash val="solid"/>
+          <a:miter lim="800000"/>
+        </a:ln>
+        <a:effectLst/>
+      </dsp:spPr>
+      <dsp:style>
+        <a:lnRef idx="2">
+          <a:scrgbClr r="0" g="0" b="0"/>
+        </a:lnRef>
+        <a:fillRef idx="0">
+          <a:scrgbClr r="0" g="0" b="0"/>
+        </a:fillRef>
+        <a:effectRef idx="0">
+          <a:scrgbClr r="0" g="0" b="0"/>
+        </a:effectRef>
+        <a:fontRef idx="minor"/>
+      </dsp:style>
+    </dsp:sp>
+    <dsp:sp modelId="{C8B78C88-944C-43F0-B215-50DA4CB5C50E}">
+      <dsp:nvSpPr>
+        <dsp:cNvPr id="0" name=""/>
+        <dsp:cNvSpPr/>
+      </dsp:nvSpPr>
+      <dsp:spPr>
+        <a:xfrm>
+          <a:off x="3484567" y="3455"/>
+          <a:ext cx="3546464" cy="1356564"/>
+        </a:xfrm>
+        <a:prstGeom prst="rect">
+          <a:avLst/>
+        </a:prstGeom>
+        <a:solidFill>
+          <a:schemeClr val="accent1">
+            <a:hueOff val="0"/>
+            <a:satOff val="0"/>
+            <a:lumOff val="0"/>
+            <a:alphaOff val="0"/>
+          </a:schemeClr>
+        </a:solidFill>
+        <a:ln w="12700" cap="flat" cmpd="sng" algn="ctr">
+          <a:solidFill>
+            <a:schemeClr val="lt1">
+              <a:hueOff val="0"/>
+              <a:satOff val="0"/>
+              <a:lumOff val="0"/>
+              <a:alphaOff val="0"/>
+            </a:schemeClr>
+          </a:solidFill>
+          <a:prstDash val="solid"/>
+          <a:miter lim="800000"/>
+        </a:ln>
+        <a:effectLst/>
+      </dsp:spPr>
+      <dsp:style>
+        <a:lnRef idx="2">
+          <a:scrgbClr r="0" g="0" b="0"/>
+        </a:lnRef>
+        <a:fillRef idx="1">
+          <a:scrgbClr r="0" g="0" b="0"/>
+        </a:fillRef>
+        <a:effectRef idx="0">
+          <a:scrgbClr r="0" g="0" b="0"/>
+        </a:effectRef>
+        <a:fontRef idx="minor">
+          <a:schemeClr val="lt1"/>
+        </a:fontRef>
+      </dsp:style>
+      <dsp:txBody>
+        <a:bodyPr spcFirstLastPara="0" vert="horz" wrap="square" lIns="24765" tIns="24765" rIns="24765" bIns="24765" numCol="1" spcCol="1270" anchor="ctr" anchorCtr="0">
+          <a:noAutofit/>
+        </a:bodyPr>
+        <a:lstStyle/>
+        <a:p>
+          <a:pPr marL="0" lvl="0" indent="0" algn="ctr" defTabSz="1733550">
+            <a:lnSpc>
+              <a:spcPct val="90000"/>
+            </a:lnSpc>
+            <a:spcBef>
+              <a:spcPct val="0"/>
+            </a:spcBef>
+            <a:spcAft>
+              <a:spcPct val="35000"/>
+            </a:spcAft>
+            <a:buNone/>
+          </a:pPr>
+          <a:r>
+            <a:rPr lang="en-US" sz="3900" kern="1200" dirty="0"/>
+            <a:t>&lt;App /&gt;</a:t>
+          </a:r>
+        </a:p>
+        <a:p>
+          <a:pPr marL="0" lvl="0" indent="0" algn="ctr" defTabSz="1733550">
+            <a:lnSpc>
+              <a:spcPct val="90000"/>
+            </a:lnSpc>
+            <a:spcBef>
+              <a:spcPct val="0"/>
+            </a:spcBef>
+            <a:spcAft>
+              <a:spcPct val="35000"/>
+            </a:spcAft>
+            <a:buNone/>
+          </a:pPr>
+          <a:r>
+            <a:rPr lang="en-US" sz="3900" kern="1200" dirty="0"/>
+            <a:t>State</a:t>
+          </a:r>
+        </a:p>
+      </dsp:txBody>
+      <dsp:txXfrm>
+        <a:off x="3484567" y="3455"/>
+        <a:ext cx="3546464" cy="1356564"/>
+      </dsp:txXfrm>
+    </dsp:sp>
+    <dsp:sp modelId="{F335094B-A654-41BF-9CA5-0FBCF2165B7C}">
+      <dsp:nvSpPr>
+        <dsp:cNvPr id="0" name=""/>
+        <dsp:cNvSpPr/>
+      </dsp:nvSpPr>
+      <dsp:spPr>
+        <a:xfrm>
+          <a:off x="0" y="2919807"/>
+          <a:ext cx="4370946" cy="1296643"/>
+        </a:xfrm>
+        <a:prstGeom prst="rect">
+          <a:avLst/>
+        </a:prstGeom>
+        <a:solidFill>
+          <a:schemeClr val="accent1">
+            <a:hueOff val="0"/>
+            <a:satOff val="0"/>
+            <a:lumOff val="0"/>
+            <a:alphaOff val="0"/>
+          </a:schemeClr>
+        </a:solidFill>
+        <a:ln w="12700" cap="flat" cmpd="sng" algn="ctr">
+          <a:solidFill>
+            <a:schemeClr val="lt1">
+              <a:hueOff val="0"/>
+              <a:satOff val="0"/>
+              <a:lumOff val="0"/>
+              <a:alphaOff val="0"/>
+            </a:schemeClr>
+          </a:solidFill>
+          <a:prstDash val="solid"/>
+          <a:miter lim="800000"/>
+        </a:ln>
+        <a:effectLst/>
+      </dsp:spPr>
+      <dsp:style>
+        <a:lnRef idx="2">
+          <a:scrgbClr r="0" g="0" b="0"/>
+        </a:lnRef>
+        <a:fillRef idx="1">
+          <a:scrgbClr r="0" g="0" b="0"/>
+        </a:fillRef>
+        <a:effectRef idx="0">
+          <a:scrgbClr r="0" g="0" b="0"/>
+        </a:effectRef>
+        <a:fontRef idx="minor">
+          <a:schemeClr val="lt1"/>
+        </a:fontRef>
+      </dsp:style>
+      <dsp:txBody>
+        <a:bodyPr spcFirstLastPara="0" vert="horz" wrap="square" lIns="22860" tIns="22860" rIns="22860" bIns="22860" numCol="1" spcCol="1270" anchor="ctr" anchorCtr="0">
+          <a:noAutofit/>
+        </a:bodyPr>
+        <a:lstStyle/>
+        <a:p>
+          <a:pPr marL="0" lvl="0" indent="0" algn="ctr" defTabSz="1600200">
+            <a:lnSpc>
+              <a:spcPct val="90000"/>
+            </a:lnSpc>
+            <a:spcBef>
+              <a:spcPct val="0"/>
+            </a:spcBef>
+            <a:spcAft>
+              <a:spcPct val="35000"/>
+            </a:spcAft>
+            <a:buNone/>
+          </a:pPr>
+          <a:r>
+            <a:rPr lang="en-US" sz="3600" kern="1200" dirty="0"/>
+            <a:t>&lt;Expenses /&gt;</a:t>
+          </a:r>
+        </a:p>
+      </dsp:txBody>
+      <dsp:txXfrm>
+        <a:off x="0" y="2919807"/>
+        <a:ext cx="4370946" cy="1296643"/>
+      </dsp:txXfrm>
+    </dsp:sp>
+    <dsp:sp modelId="{566778B8-BF8A-488D-9872-817C44A3A118}">
+      <dsp:nvSpPr>
+        <dsp:cNvPr id="0" name=""/>
+        <dsp:cNvSpPr/>
+      </dsp:nvSpPr>
+      <dsp:spPr>
+        <a:xfrm>
+          <a:off x="6215363" y="3050192"/>
+          <a:ext cx="4145992" cy="1297690"/>
+        </a:xfrm>
+        <a:prstGeom prst="rect">
+          <a:avLst/>
+        </a:prstGeom>
+        <a:solidFill>
+          <a:schemeClr val="accent1">
+            <a:hueOff val="0"/>
+            <a:satOff val="0"/>
+            <a:lumOff val="0"/>
+            <a:alphaOff val="0"/>
+          </a:schemeClr>
+        </a:solidFill>
+        <a:ln w="12700" cap="flat" cmpd="sng" algn="ctr">
+          <a:solidFill>
+            <a:schemeClr val="lt1">
+              <a:hueOff val="0"/>
+              <a:satOff val="0"/>
+              <a:lumOff val="0"/>
+              <a:alphaOff val="0"/>
+            </a:schemeClr>
+          </a:solidFill>
+          <a:prstDash val="solid"/>
+          <a:miter lim="800000"/>
+        </a:ln>
+        <a:effectLst/>
+      </dsp:spPr>
+      <dsp:style>
+        <a:lnRef idx="2">
+          <a:scrgbClr r="0" g="0" b="0"/>
+        </a:lnRef>
+        <a:fillRef idx="1">
+          <a:scrgbClr r="0" g="0" b="0"/>
+        </a:fillRef>
+        <a:effectRef idx="0">
+          <a:scrgbClr r="0" g="0" b="0"/>
+        </a:effectRef>
+        <a:fontRef idx="minor">
+          <a:schemeClr val="lt1"/>
+        </a:fontRef>
+      </dsp:style>
+      <dsp:txBody>
+        <a:bodyPr spcFirstLastPara="0" vert="horz" wrap="square" lIns="22860" tIns="22860" rIns="22860" bIns="22860" numCol="1" spcCol="1270" anchor="ctr" anchorCtr="0">
+          <a:noAutofit/>
+        </a:bodyPr>
+        <a:lstStyle/>
+        <a:p>
+          <a:pPr marL="0" lvl="0" indent="0" algn="ctr" defTabSz="1600200">
+            <a:lnSpc>
+              <a:spcPct val="90000"/>
+            </a:lnSpc>
+            <a:spcBef>
+              <a:spcPct val="0"/>
+            </a:spcBef>
+            <a:spcAft>
+              <a:spcPct val="35000"/>
+            </a:spcAft>
+            <a:buNone/>
+          </a:pPr>
+          <a:r>
+            <a:rPr lang="en-US" sz="3600" kern="1200" dirty="0"/>
+            <a:t>&lt;</a:t>
+          </a:r>
+          <a:r>
+            <a:rPr lang="en-US" sz="3600" kern="1200" dirty="0" err="1"/>
+            <a:t>NewExpense</a:t>
+          </a:r>
+          <a:r>
+            <a:rPr lang="en-US" sz="3600" kern="1200" dirty="0"/>
+            <a:t> /&gt;</a:t>
+          </a:r>
+        </a:p>
+      </dsp:txBody>
+      <dsp:txXfrm>
+        <a:off x="6215363" y="3050192"/>
+        <a:ext cx="4145992" cy="1297690"/>
+      </dsp:txXfrm>
+    </dsp:sp>
+  </dsp:spTree>
+</dsp:drawing>
+</file>
+
+<file path=ppt/diagrams/layout1.xml><?xml version="1.0" encoding="utf-8"?>
+<dgm:layoutDef xmlns:dgm="http://schemas.openxmlformats.org/drawingml/2006/diagram" xmlns:a="http://schemas.openxmlformats.org/drawingml/2006/main" uniqueId="urn:microsoft.com/office/officeart/2005/8/layout/orgChart1">
+  <dgm:title val=""/>
+  <dgm:desc val=""/>
+  <dgm:catLst>
+    <dgm:cat type="hierarchy" pri="1000"/>
+    <dgm:cat type="convert" pri="6000"/>
+  </dgm:catLst>
+  <dgm:sampData>
+    <dgm:dataModel>
+      <dgm:ptLst>
+        <dgm:pt modelId="0" type="doc"/>
+        <dgm:pt modelId="1">
+          <dgm:prSet phldr="1"/>
+        </dgm:pt>
+        <dgm:pt modelId="2" type="asst">
+          <dgm:prSet phldr="1"/>
+        </dgm:pt>
+        <dgm:pt modelId="3">
+          <dgm:prSet phldr="1"/>
+        </dgm:pt>
+        <dgm:pt modelId="4">
+          <dgm:prSet phldr="1"/>
+        </dgm:pt>
+        <dgm:pt modelId="5">
+          <dgm:prSet phldr="1"/>
+        </dgm:pt>
+      </dgm:ptLst>
+      <dgm:cxnLst>
+        <dgm:cxn modelId="5" srcId="0" destId="1" srcOrd="0" destOrd="0"/>
+        <dgm:cxn modelId="6" srcId="1" destId="2" srcOrd="0" destOrd="0"/>
+        <dgm:cxn modelId="7" srcId="1" destId="3" srcOrd="1" destOrd="0"/>
+        <dgm:cxn modelId="8" srcId="1" destId="4" srcOrd="2" destOrd="0"/>
+        <dgm:cxn modelId="9" srcId="1" destId="5" srcOrd="3" destOrd="0"/>
+      </dgm:cxnLst>
+      <dgm:bg/>
+      <dgm:whole/>
+    </dgm:dataModel>
+  </dgm:sampData>
+  <dgm:styleData>
+    <dgm:dataModel>
+      <dgm:ptLst>
+        <dgm:pt modelId="0" type="doc"/>
+        <dgm:pt modelId="1"/>
+        <dgm:pt modelId="12"/>
+        <dgm:pt modelId="13"/>
+      </dgm:ptLst>
+      <dgm:cxnLst>
+        <dgm:cxn modelId="2" srcId="0" destId="1" srcOrd="0" destOrd="0"/>
+        <dgm:cxn modelId="16" srcId="1" destId="12" srcOrd="1" destOrd="0"/>
+        <dgm:cxn modelId="17" srcId="1" destId="13" srcOrd="2" destOrd="0"/>
+      </dgm:cxnLst>
+      <dgm:bg/>
+      <dgm:whole/>
+    </dgm:dataModel>
+  </dgm:styleData>
+  <dgm:clrData>
+    <dgm:dataModel>
+      <dgm:ptLst>
+        <dgm:pt modelId="0" type="doc"/>
+        <dgm:pt modelId="1"/>
+        <dgm:pt modelId="11" type="asst"/>
+        <dgm:pt modelId="12"/>
+        <dgm:pt modelId="13"/>
+        <dgm:pt modelId="14"/>
+      </dgm:ptLst>
+      <dgm:cxnLst>
+        <dgm:cxn modelId="2" srcId="0" destId="1" srcOrd="0" destOrd="0"/>
+        <dgm:cxn modelId="15" srcId="1" destId="11" srcOrd="0" destOrd="0"/>
+        <dgm:cxn modelId="16" srcId="1" destId="12" srcOrd="1" destOrd="0"/>
+        <dgm:cxn modelId="17" srcId="1" destId="13" srcOrd="2" destOrd="0"/>
+        <dgm:cxn modelId="18" srcId="1" destId="14" srcOrd="2" destOrd="0"/>
+      </dgm:cxnLst>
+      <dgm:bg/>
+      <dgm:whole/>
+    </dgm:dataModel>
+  </dgm:clrData>
+  <dgm:layoutNode name="hierChild1">
+    <dgm:varLst>
+      <dgm:orgChart val="1"/>
+      <dgm:chPref val="1"/>
+      <dgm:dir/>
+      <dgm:animOne val="branch"/>
+      <dgm:animLvl val="lvl"/>
+      <dgm:resizeHandles/>
+    </dgm:varLst>
+    <dgm:choose name="Name0">
+      <dgm:if name="Name1" func="var" arg="dir" op="equ" val="norm">
+        <dgm:alg type="hierChild">
+          <dgm:param type="linDir" val="fromL"/>
+        </dgm:alg>
+      </dgm:if>
+      <dgm:else name="Name2">
+        <dgm:alg type="hierChild">
+          <dgm:param type="linDir" val="fromR"/>
+        </dgm:alg>
+      </dgm:else>
+    </dgm:choose>
+    <dgm:shape xmlns:r="http://schemas.openxmlformats.org/officeDocument/2006/relationships" r:blip="">
+      <dgm:adjLst/>
+    </dgm:shape>
+    <dgm:presOf/>
+    <dgm:constrLst>
+      <dgm:constr type="w" for="des" forName="rootComposite1" refType="w" fact="10"/>
+      <dgm:constr type="h" for="des" forName="rootComposite1" refType="w" refFor="des" refForName="rootComposite1" fact="0.5"/>
+      <dgm:constr type="w" for="des" forName="rootComposite" refType="w" fact="10"/>
+      <dgm:constr type="h" for="des" forName="rootComposite" refType="w" refFor="des" refForName="rootComposite1" fact="0.5"/>
+      <dgm:constr type="w" for="des" forName="rootComposite3" refType="w" fact="10"/>
+      <dgm:constr type="h" for="des" forName="rootComposite3" refType="w" refFor="des" refForName="rootComposite1" fact="0.5"/>
+      <dgm:constr type="primFontSz" for="des" ptType="node" op="equ"/>
+      <dgm:constr type="sp" for="des" op="equ"/>
+      <dgm:constr type="sp" for="des" forName="hierRoot1" refType="w" refFor="des" refForName="rootComposite1" fact="0.21"/>
+      <dgm:constr type="sp" for="des" forName="hierRoot2" refType="sp" refFor="des" refForName="hierRoot1"/>
+      <dgm:constr type="sp" for="des" forName="hierRoot3" refType="sp" refFor="des" refForName="hierRoot1"/>
+      <dgm:constr type="sibSp" refType="w" refFor="des" refForName="rootComposite1" fact="0.21"/>
+      <dgm:constr type="sibSp" for="des" forName="hierChild2" refType="sibSp"/>
+      <dgm:constr type="sibSp" for="des" forName="hierChild3" refType="sibSp"/>
+      <dgm:constr type="sibSp" for="des" forName="hierChild4" refType="sibSp"/>
+      <dgm:constr type="sibSp" for="des" forName="hierChild5" refType="sibSp"/>
+      <dgm:constr type="sibSp" for="des" forName="hierChild6" refType="sibSp"/>
+      <dgm:constr type="sibSp" for="des" forName="hierChild7" refType="sibSp"/>
+      <dgm:constr type="secSibSp" refType="w" refFor="des" refForName="rootComposite1" fact="0.21"/>
+      <dgm:constr type="secSibSp" for="des" forName="hierChild2" refType="secSibSp"/>
+      <dgm:constr type="secSibSp" for="des" forName="hierChild3" refType="secSibSp"/>
+      <dgm:constr type="secSibSp" for="des" forName="hierChild4" refType="secSibSp"/>
+      <dgm:constr type="secSibSp" for="des" forName="hierChild5" refType="secSibSp"/>
+      <dgm:constr type="secSibSp" for="des" forName="hierChild6" refType="secSibSp"/>
+      <dgm:constr type="secSibSp" for="des" forName="hierChild7" refType="secSibSp"/>
+    </dgm:constrLst>
+    <dgm:ruleLst/>
+    <dgm:forEach name="Name3" axis="ch">
+      <dgm:forEach name="Name4" axis="self" ptType="node">
+        <dgm:layoutNode name="hierRoot1">
+          <dgm:varLst>
+            <dgm:hierBranch val="init"/>
+          </dgm:varLst>
+          <dgm:choose name="Name5">
+            <dgm:if name="Name6" func="var" arg="hierBranch" op="equ" val="l">
+              <dgm:choose name="Name7">
+                <dgm:if name="Name8" axis="ch" ptType="asst" func="cnt" op="gte" val="1">
+                  <dgm:alg type="hierRoot">
+                    <dgm:param type="hierAlign" val="tR"/>
+                  </dgm:alg>
+                  <dgm:constrLst>
+                    <dgm:constr type="alignOff" val="0.65"/>
+                  </dgm:constrLst>
+                </dgm:if>
+                <dgm:else name="Name9">
+                  <dgm:alg type="hierRoot">
+                    <dgm:param type="hierAlign" val="tR"/>
+                  </dgm:alg>
+                  <dgm:constrLst>
+                    <dgm:constr type="alignOff" val="0.25"/>
+                  </dgm:constrLst>
+                </dgm:else>
+              </dgm:choose>
+            </dgm:if>
+            <dgm:if name="Name10" func="var" arg="hierBranch" op="equ" val="r">
+              <dgm:choose name="Name11">
+                <dgm:if name="Name12" axis="ch" ptType="asst" func="cnt" op="gte" val="1">
+                  <dgm:alg type="hierRoot">
+                    <dgm:param type="hierAlign" val="tL"/>
+                  </dgm:alg>
+                  <dgm:constrLst>
+                    <dgm:constr type="alignOff" val="0.65"/>
+                  </dgm:constrLst>
+                </dgm:if>
+                <dgm:else name="Name13">
+                  <dgm:alg type="hierRoot">
+                    <dgm:param type="hierAlign" val="tL"/>
+                  </dgm:alg>
+                  <dgm:constrLst>
+                    <dgm:constr type="alignOff" val="0.25"/>
+                  </dgm:constrLst>
+                </dgm:else>
+              </dgm:choose>
+            </dgm:if>
+            <dgm:if name="Name14" func="var" arg="hierBranch" op="equ" val="hang">
+              <dgm:alg type="hierRoot"/>
+              <dgm:constrLst>
+                <dgm:constr type="alignOff" val="0.65"/>
+              </dgm:constrLst>
+            </dgm:if>
+            <dgm:else name="Name15">
+              <dgm:alg type="hierRoot"/>
+              <dgm:constrLst>
+                <dgm:constr type="alignOff"/>
+                <dgm:constr type="bendDist" for="des" ptType="parTrans" refType="sp" fact="0.5"/>
+              </dgm:constrLst>
+            </dgm:else>
+          </dgm:choose>
+          <dgm:shape xmlns:r="http://schemas.openxmlformats.org/officeDocument/2006/relationships" r:blip="">
+            <dgm:adjLst/>
+          </dgm:shape>
+          <dgm:presOf/>
+          <dgm:ruleLst/>
+          <dgm:layoutNode name="rootComposite1">
+            <dgm:alg type="composite"/>
+            <dgm:shape xmlns:r="http://schemas.openxmlformats.org/officeDocument/2006/relationships" r:blip="">
+              <dgm:adjLst/>
+            </dgm:shape>
+            <dgm:presOf axis="self" ptType="node" cnt="1"/>
+            <dgm:choose name="Name16">
+              <dgm:if name="Name17" func="var" arg="hierBranch" op="equ" val="init">
+                <dgm:constrLst>
+                  <dgm:constr type="l" for="ch" forName="rootText1"/>
+                  <dgm:constr type="t" for="ch" forName="rootText1"/>
+                  <dgm:constr type="w" for="ch" forName="rootText1" refType="w"/>
+                  <dgm:constr type="h" for="ch" forName="rootText1" refType="h"/>
+                  <dgm:constr type="l" for="ch" forName="rootConnector1"/>
+                  <dgm:constr type="t" for="ch" forName="rootConnector1"/>
+                  <dgm:constr type="w" for="ch" forName="rootConnector1" refType="w" refFor="ch" refForName="rootText1" fact="0.2"/>
+                  <dgm:constr type="h" for="ch" forName="rootConnector1" refType="h" refFor="ch" refForName="rootText1"/>
+                </dgm:constrLst>
+              </dgm:if>
+              <dgm:if name="Name18" func="var" arg="hierBranch" op="equ" val="l">
+                <dgm:constrLst>
+                  <dgm:constr type="l" for="ch" forName="rootText1"/>
+                  <dgm:constr type="t" for="ch" forName="rootText1"/>
+                  <dgm:constr type="w" for="ch" forName="rootText1" refType="w"/>
+                  <dgm:constr type="h" for="ch" forName="rootText1" refType="h"/>
+                  <dgm:constr type="r" for="ch" forName="rootConnector1" refType="w"/>
+                  <dgm:constr type="t" for="ch" forName="rootConnector1"/>
+                  <dgm:constr type="w" for="ch" forName="rootConnector1" refType="w" refFor="ch" refForName="rootText1" fact="0.2"/>
+                  <dgm:constr type="h" for="ch" forName="rootConnector1" refType="h" refFor="ch" refForName="rootText1"/>
+                </dgm:constrLst>
+              </dgm:if>
+              <dgm:if name="Name19" func="var" arg="hierBranch" op="equ" val="r">
+                <dgm:constrLst>
+                  <dgm:constr type="l" for="ch" forName="rootText1"/>
+                  <dgm:constr type="t" for="ch" forName="rootText1"/>
+                  <dgm:constr type="w" for="ch" forName="rootText1" refType="w"/>
+                  <dgm:constr type="h" for="ch" forName="rootText1" refType="h"/>
+                  <dgm:constr type="l" for="ch" forName="rootConnector1"/>
+                  <dgm:constr type="t" for="ch" forName="rootConnector1"/>
+                  <dgm:constr type="w" for="ch" forName="rootConnector1" refType="w" refFor="ch" refForName="rootText1" fact="0.2"/>
+                  <dgm:constr type="h" for="ch" forName="rootConnector1" refType="h" refFor="ch" refForName="rootText1"/>
+                </dgm:constrLst>
+              </dgm:if>
+              <dgm:else name="Name20">
+                <dgm:constrLst>
+                  <dgm:constr type="l" for="ch" forName="rootText1"/>
+                  <dgm:constr type="t" for="ch" forName="rootText1"/>
+                  <dgm:constr type="w" for="ch" forName="rootText1" refType="w"/>
+                  <dgm:constr type="h" for="ch" forName="rootText1" refType="h"/>
+                  <dgm:constr type="r" for="ch" forName="rootConnector1" refType="w"/>
+                  <dgm:constr type="t" for="ch" forName="rootConnector1"/>
+                  <dgm:constr type="w" for="ch" forName="rootConnector1" refType="w" refFor="ch" refForName="rootText1" fact="0.2"/>
+                  <dgm:constr type="h" for="ch" forName="rootConnector1" refType="h" refFor="ch" refForName="rootText1"/>
+                </dgm:constrLst>
+              </dgm:else>
+            </dgm:choose>
+            <dgm:ruleLst/>
+            <dgm:layoutNode name="rootText1" styleLbl="node0">
+              <dgm:varLst>
+                <dgm:chPref val="3"/>
+              </dgm:varLst>
+              <dgm:alg type="tx"/>
+              <dgm:shape xmlns:r="http://schemas.openxmlformats.org/officeDocument/2006/relationships" type="rect" r:blip="">
+                <dgm:adjLst/>
+              </dgm:shape>
+              <dgm:presOf axis="self" ptType="node" cnt="1"/>
+              <dgm:constrLst>
+                <dgm:constr type="primFontSz" val="65"/>
+                <dgm:constr type="lMarg" refType="primFontSz" fact="0.05"/>
+                <dgm:constr type="rMarg" refType="primFontSz" fact="0.05"/>
+                <dgm:constr type="tMarg" refType="primFontSz" fact="0.05"/>
+                <dgm:constr type="bMarg" refType="primFontSz" fact="0.05"/>
+              </dgm:constrLst>
+              <dgm:ruleLst>
+                <dgm:rule type="primFontSz" val="5" fact="NaN" max="NaN"/>
+              </dgm:ruleLst>
+            </dgm:layoutNode>
+            <dgm:layoutNode name="rootConnector1" moveWith="rootText1">
+              <dgm:alg type="sp"/>
+              <dgm:shape xmlns:r="http://schemas.openxmlformats.org/officeDocument/2006/relationships" type="rect" r:blip="" hideGeom="1">
+                <dgm:adjLst/>
+              </dgm:shape>
+              <dgm:presOf axis="self" ptType="node" cnt="1"/>
+              <dgm:constrLst/>
+              <dgm:ruleLst/>
+            </dgm:layoutNode>
+          </dgm:layoutNode>
+          <dgm:layoutNode name="hierChild2">
+            <dgm:choose name="Name21">
+              <dgm:if name="Name22" func="var" arg="hierBranch" op="equ" val="l">
+                <dgm:alg type="hierChild">
+                  <dgm:param type="chAlign" val="r"/>
+                  <dgm:param type="linDir" val="fromT"/>
+                </dgm:alg>
+              </dgm:if>
+              <dgm:if name="Name23" func="var" arg="hierBranch" op="equ" val="r">
+                <dgm:alg type="hierChild">
+                  <dgm:param type="chAlign" val="l"/>
+                  <dgm:param type="linDir" val="fromT"/>
+                </dgm:alg>
+              </dgm:if>
+              <dgm:if name="Name24" func="var" arg="hierBranch" op="equ" val="hang">
+                <dgm:choose name="Name25">
+                  <dgm:if name="Name26" func="var" arg="dir" op="equ" val="norm">
+                    <dgm:alg type="hierChild">
+                      <dgm:param type="chAlign" val="l"/>
+                      <dgm:param type="linDir" val="fromL"/>
+                      <dgm:param type="secChAlign" val="t"/>
+                      <dgm:param type="secLinDir" val="fromT"/>
+                    </dgm:alg>
+                  </dgm:if>
+                  <dgm:else name="Name27">
+                    <dgm:alg type="hierChild">
+                      <dgm:param type="chAlign" val="l"/>
+                      <dgm:param type="linDir" val="fromR"/>
+                      <dgm:param type="secChAlign" val="t"/>
+                      <dgm:param type="secLinDir" val="fromT"/>
+                    </dgm:alg>
+                  </dgm:else>
+                </dgm:choose>
+              </dgm:if>
+              <dgm:else name="Name28">
+                <dgm:choose name="Name29">
+                  <dgm:if name="Name30" func="var" arg="dir" op="equ" val="norm">
+                    <dgm:alg type="hierChild"/>
+                  </dgm:if>
+                  <dgm:else name="Name31">
+                    <dgm:alg type="hierChild">
+                      <dgm:param type="linDir" val="fromR"/>
+                    </dgm:alg>
+                  </dgm:else>
+                </dgm:choose>
+              </dgm:else>
+            </dgm:choose>
+            <dgm:shape xmlns:r="http://schemas.openxmlformats.org/officeDocument/2006/relationships" r:blip="">
+              <dgm:adjLst/>
+            </dgm:shape>
+            <dgm:presOf/>
+            <dgm:constrLst/>
+            <dgm:ruleLst/>
+            <dgm:forEach name="rep2a" axis="ch" ptType="nonAsst">
+              <dgm:forEach name="Name32" axis="precedSib" ptType="parTrans" st="-1" cnt="1">
+                <dgm:choose name="Name33">
+                  <dgm:if name="Name34" func="var" arg="hierBranch" op="equ" val="std">
+                    <dgm:layoutNode name="Name35">
+                      <dgm:alg type="conn">
+                        <dgm:param type="connRout" val="bend"/>
+                        <dgm:param type="dim" val="1D"/>
+                        <dgm:param type="endSty" val="noArr"/>
+                        <dgm:param type="begPts" val="bCtr"/>
+                        <dgm:param type="endPts" val="tCtr"/>
+                        <dgm:param type="bendPt" val="end"/>
+                      </dgm:alg>
+                      <dgm:shape xmlns:r="http://schemas.openxmlformats.org/officeDocument/2006/relationships" type="conn" r:blip="" zOrderOff="-99999">
+                        <dgm:adjLst/>
+                      </dgm:shape>
+                      <dgm:presOf axis="self"/>
+                      <dgm:constrLst>
+                        <dgm:constr type="begPad"/>
+                        <dgm:constr type="endPad"/>
+                      </dgm:constrLst>
+                      <dgm:ruleLst/>
+                    </dgm:layoutNode>
+                  </dgm:if>
+                  <dgm:if name="Name36" func="var" arg="hierBranch" op="equ" val="init">
+                    <dgm:layoutNode name="Name37">
+                      <dgm:choose name="Name38">
+                        <dgm:if name="Name39" axis="self" func="depth" op="lte" val="2">
+                          <dgm:alg type="conn">
+                            <dgm:param type="connRout" val="bend"/>
+                            <dgm:param type="dim" val="1D"/>
+                            <dgm:param type="endSty" val="noArr"/>
+                            <dgm:param type="begPts" val="bCtr"/>
+                            <dgm:param type="endPts" val="tCtr"/>
+                            <dgm:param type="bendPt" val="end"/>
+                          </dgm:alg>
+                        </dgm:if>
+                        <dgm:else name="Name40">
+                          <dgm:choose name="Name41">
+                            <dgm:if name="Name42" axis="par des" func="maxDepth" op="lte" val="1">
+                              <dgm:choose name="Name43">
+                                <dgm:if name="Name44" axis="par ch" ptType="node asst" func="cnt" op="gte" val="1">
+                                  <dgm:alg type="conn">
+                                    <dgm:param type="connRout" val="bend"/>
+                                    <dgm:param type="dim" val="1D"/>
+                                    <dgm:param type="endSty" val="noArr"/>
+                                    <dgm:param type="begPts" val="bCtr"/>
+                                    <dgm:param type="endPts" val="midL midR"/>
+                                  </dgm:alg>
+                                </dgm:if>
+                                <dgm:else name="Name45">
+                                  <dgm:alg type="conn">
+                                    <dgm:param type="connRout" val="bend"/>
+                                    <dgm:param type="dim" val="1D"/>
+                                    <dgm:param type="endSty" val="noArr"/>
+                                    <dgm:param type="begPts" val="bCtr"/>
+                                    <dgm:param type="endPts" val="midL midR"/>
+                                    <dgm:param type="srcNode" val="rootConnector"/>
+                                  </dgm:alg>
+                                </dgm:else>
+                              </dgm:choose>
+                            </dgm:if>
+                            <dgm:else name="Name46">
+                              <dgm:alg type="conn">
+                                <dgm:param type="connRout" val="bend"/>
+                                <dgm:param type="dim" val="1D"/>
+                                <dgm:param type="endSty" val="noArr"/>
+                                <dgm:param type="begPts" val="bCtr"/>
+                                <dgm:param type="endPts" val="tCtr"/>
+                                <dgm:param type="bendPt" val="end"/>
+                              </dgm:alg>
+                            </dgm:else>
+                          </dgm:choose>
+                        </dgm:else>
+                      </dgm:choose>
+                      <dgm:shape xmlns:r="http://schemas.openxmlformats.org/officeDocument/2006/relationships" type="conn" r:blip="" zOrderOff="-99999">
+                        <dgm:adjLst/>
+                      </dgm:shape>
+                      <dgm:presOf axis="self"/>
+                      <dgm:constrLst>
+                        <dgm:constr type="begPad"/>
+                        <dgm:constr type="endPad"/>
+                      </dgm:constrLst>
+                      <dgm:ruleLst/>
+                    </dgm:layoutNode>
+                  </dgm:if>
+                  <dgm:if name="Name47" func="var" arg="hierBranch" op="equ" val="hang">
+                    <dgm:layoutNode name="Name48">
+                      <dgm:alg type="conn">
+                        <dgm:param type="connRout" val="bend"/>
+                        <dgm:param type="dim" val="1D"/>
+                        <dgm:param type="endSty" val="noArr"/>
+                        <dgm:param type="begPts" val="bCtr"/>
+                        <dgm:param type="endPts" val="midL midR"/>
+                      </dgm:alg>
+                      <dgm:shape xmlns:r="http://schemas.openxmlformats.org/officeDocument/2006/relationships" type="conn" r:blip="" zOrderOff="-99999">
+                        <dgm:adjLst/>
+                      </dgm:shape>
+                      <dgm:presOf axis="self"/>
+                      <dgm:constrLst>
+                        <dgm:constr type="begPad"/>
+                        <dgm:constr type="endPad"/>
+                      </dgm:constrLst>
+                      <dgm:ruleLst/>
+                    </dgm:layoutNode>
+                  </dgm:if>
+                  <dgm:else name="Name49">
+                    <dgm:layoutNode name="Name50">
+                      <dgm:choose name="Name51">
+                        <dgm:if name="Name52" axis="self" func="depth" op="lte" val="2">
+                          <dgm:choose name="Name53">
+                            <dgm:if name="Name54" axis="par ch" ptType="node asst" func="cnt" op="gte" val="1">
+                              <dgm:alg type="conn">
+                                <dgm:param type="connRout" val="bend"/>
+                                <dgm:param type="dim" val="1D"/>
+                                <dgm:param type="endSty" val="noArr"/>
+                                <dgm:param type="begPts" val="bCtr"/>
+                                <dgm:param type="endPts" val="midL midR"/>
+                              </dgm:alg>
+                            </dgm:if>
+                            <dgm:else name="Name55">
+                              <dgm:alg type="conn">
+                                <dgm:param type="connRout" val="bend"/>
+                                <dgm:param type="dim" val="1D"/>
+                                <dgm:param type="endSty" val="noArr"/>
+                                <dgm:param type="begPts" val="bCtr"/>
+                                <dgm:param type="endPts" val="midL midR"/>
+                                <dgm:param type="srcNode" val="rootConnector1"/>
+                              </dgm:alg>
+                            </dgm:else>
+                          </dgm:choose>
+                        </dgm:if>
+                        <dgm:else name="Name56">
+                          <dgm:choose name="Name57">
+                            <dgm:if name="Name58" axis="par ch" ptType="node asst" func="cnt" op="gte" val="1">
+                              <dgm:alg type="conn">
+                                <dgm:param type="connRout" val="bend"/>
+                                <dgm:param type="dim" val="1D"/>
+                                <dgm:param type="endSty" val="noArr"/>
+                                <dgm:param type="begPts" val="bCtr"/>
+                                <dgm:param type="endPts" val="midL midR"/>
+                              </dgm:alg>
+                            </dgm:if>
+                            <dgm:else name="Name59">
+                              <dgm:alg type="conn">
+                                <dgm:param type="connRout" val="bend"/>
+                                <dgm:param type="dim" val="1D"/>
+                                <dgm:param type="endSty" val="noArr"/>
+                                <dgm:param type="begPts" val="bCtr"/>
+                                <dgm:param type="endPts" val="midL midR"/>
+                                <dgm:param type="srcNode" val="rootConnector"/>
+                              </dgm:alg>
+                            </dgm:else>
+                          </dgm:choose>
+                        </dgm:else>
+                      </dgm:choose>
+                      <dgm:shape xmlns:r="http://schemas.openxmlformats.org/officeDocument/2006/relationships" type="conn" r:blip="" zOrderOff="-99999">
+                        <dgm:adjLst/>
+                      </dgm:shape>
+                      <dgm:presOf axis="self"/>
+                      <dgm:constrLst>
+                        <dgm:constr type="begPad"/>
+                        <dgm:constr type="endPad"/>
+                      </dgm:constrLst>
+                      <dgm:ruleLst/>
+                    </dgm:layoutNode>
+                  </dgm:else>
+                </dgm:choose>
+              </dgm:forEach>
+              <dgm:layoutNode name="hierRoot2">
+                <dgm:varLst>
+                  <dgm:hierBranch val="init"/>
+                </dgm:varLst>
+                <dgm:choose name="Name60">
+                  <dgm:if name="Name61" func="var" arg="hierBranch" op="equ" val="l">
+                    <dgm:choose name="Name62">
+                      <dgm:if name="Name63" axis="ch" ptType="asst" func="cnt" op="gte" val="1">
+                        <dgm:alg type="hierRoot">
+                          <dgm:param type="hierAlign" val="tR"/>
+                        </dgm:alg>
+                        <dgm:shape xmlns:r="http://schemas.openxmlformats.org/officeDocument/2006/relationships" r:blip="">
+                          <dgm:adjLst/>
+                        </dgm:shape>
+                        <dgm:presOf/>
+                        <dgm:constrLst>
+                          <dgm:constr type="alignOff" val="0.65"/>
+                        </dgm:constrLst>
+                      </dgm:if>
+                      <dgm:else name="Name64">
+                        <dgm:alg type="hierRoot">
+                          <dgm:param type="hierAlign" val="tR"/>
+                        </dgm:alg>
+                        <dgm:shape xmlns:r="http://schemas.openxmlformats.org/officeDocument/2006/relationships" r:blip="">
+                          <dgm:adjLst/>
+                        </dgm:shape>
+                        <dgm:presOf/>
+                        <dgm:constrLst>
+                          <dgm:constr type="alignOff" val="0.25"/>
+                        </dgm:constrLst>
+                      </dgm:else>
+                    </dgm:choose>
+                  </dgm:if>
+                  <dgm:if name="Name65" func="var" arg="hierBranch" op="equ" val="r">
+                    <dgm:choose name="Name66">
+                      <dgm:if name="Name67" axis="ch" ptType="asst" func="cnt" op="gte" val="1">
+                        <dgm:alg type="hierRoot">
+                          <dgm:param type="hierAlign" val="tL"/>
+                        </dgm:alg>
+                        <dgm:shape xmlns:r="http://schemas.openxmlformats.org/officeDocument/2006/relationships" r:blip="">
+                          <dgm:adjLst/>
+                        </dgm:shape>
+                        <dgm:presOf/>
+                        <dgm:constrLst>
+                          <dgm:constr type="alignOff" val="0.65"/>
+                        </dgm:constrLst>
+                      </dgm:if>
+                      <dgm:else name="Name68">
+                        <dgm:alg type="hierRoot">
+                          <dgm:param type="hierAlign" val="tL"/>
+                        </dgm:alg>
+                        <dgm:shape xmlns:r="http://schemas.openxmlformats.org/officeDocument/2006/relationships" r:blip="">
+                          <dgm:adjLst/>
+                        </dgm:shape>
+                        <dgm:presOf/>
+                        <dgm:constrLst>
+                          <dgm:constr type="alignOff" val="0.25"/>
+                        </dgm:constrLst>
+                      </dgm:else>
+                    </dgm:choose>
+                  </dgm:if>
+                  <dgm:if name="Name69" func="var" arg="hierBranch" op="equ" val="std">
+                    <dgm:alg type="hierRoot"/>
+                    <dgm:shape xmlns:r="http://schemas.openxmlformats.org/officeDocument/2006/relationships" r:blip="">
+                      <dgm:adjLst/>
+                    </dgm:shape>
+                    <dgm:presOf/>
+                    <dgm:constrLst>
+                      <dgm:constr type="alignOff"/>
+                      <dgm:constr type="bendDist" for="des" ptType="parTrans" refType="sp" fact="0.5"/>
+                    </dgm:constrLst>
+                  </dgm:if>
+                  <dgm:if name="Name70" func="var" arg="hierBranch" op="equ" val="init">
+                    <dgm:choose name="Name71">
+                      <dgm:if name="Name72" axis="des" func="maxDepth" op="lte" val="1">
+                        <dgm:choose name="Name73">
+                          <dgm:if name="Name74" axis="ch" ptType="asst" func="cnt" op="gte" val="1">
+                            <dgm:alg type="hierRoot">
+                              <dgm:param type="hierAlign" val="tL"/>
+                            </dgm:alg>
+                            <dgm:shape xmlns:r="http://schemas.openxmlformats.org/officeDocument/2006/relationships" r:blip="">
+                              <dgm:adjLst/>
+                            </dgm:shape>
+                            <dgm:presOf/>
+                            <dgm:constrLst>
+                              <dgm:constr type="alignOff" val="0.65"/>
+                            </dgm:constrLst>
+                          </dgm:if>
+                          <dgm:else name="Name75">
+                            <dgm:alg type="hierRoot">
+                              <dgm:param type="hierAlign" val="tL"/>
+                            </dgm:alg>
+                            <dgm:shape xmlns:r="http://schemas.openxmlformats.org/officeDocument/2006/relationships" r:blip="">
+                              <dgm:adjLst/>
+                            </dgm:shape>
+                            <dgm:presOf/>
+                            <dgm:constrLst>
+                              <dgm:constr type="alignOff" val="0.25"/>
+                            </dgm:constrLst>
+                          </dgm:else>
+                        </dgm:choose>
+                      </dgm:if>
+                      <dgm:else name="Name76">
+                        <dgm:alg type="hierRoot"/>
+                        <dgm:shape xmlns:r="http://schemas.openxmlformats.org/officeDocument/2006/relationships" r:blip="">
+                          <dgm:adjLst/>
+                        </dgm:shape>
+                        <dgm:presOf/>
+                        <dgm:constrLst>
+                          <dgm:constr type="alignOff"/>
+                          <dgm:constr type="bendDist" for="des" ptType="parTrans" refType="sp" fact="0.5"/>
+                        </dgm:constrLst>
+                      </dgm:else>
+                    </dgm:choose>
+                  </dgm:if>
+                  <dgm:else name="Name77">
+                    <dgm:alg type="hierRoot"/>
+                    <dgm:shape xmlns:r="http://schemas.openxmlformats.org/officeDocument/2006/relationships" r:blip="">
+                      <dgm:adjLst/>
+                    </dgm:shape>
+                    <dgm:presOf/>
+                    <dgm:constrLst>
+                      <dgm:constr type="alignOff" val="0.65"/>
+                    </dgm:constrLst>
+                  </dgm:else>
+                </dgm:choose>
+                <dgm:ruleLst/>
+                <dgm:layoutNode name="rootComposite">
+                  <dgm:alg type="composite"/>
+                  <dgm:shape xmlns:r="http://schemas.openxmlformats.org/officeDocument/2006/relationships" r:blip="">
+                    <dgm:adjLst/>
+                  </dgm:shape>
+                  <dgm:presOf axis="self" ptType="node" cnt="1"/>
+                  <dgm:choose name="Name78">
+                    <dgm:if name="Name79" func="var" arg="hierBranch" op="equ" val="init">
+                      <dgm:constrLst>
+                        <dgm:constr type="l" for="ch" forName="rootText"/>
+                        <dgm:constr type="t" for="ch" forName="rootText"/>
+                        <dgm:constr type="w" for="ch" forName="rootText" refType="w"/>
+                        <dgm:constr type="h" for="ch" forName="rootText" refType="h"/>
+                        <dgm:constr type="l" for="ch" forName="rootConnector"/>
+                        <dgm:constr type="t" for="ch" forName="rootConnector"/>
+                        <dgm:constr type="w" for="ch" forName="rootConnector" refType="w" refFor="ch" refForName="rootText" fact="0.2"/>
+                        <dgm:constr type="h" for="ch" forName="rootConnector" refType="h" refFor="ch" refForName="rootText"/>
+                      </dgm:constrLst>
+                    </dgm:if>
+                    <dgm:if name="Name80" func="var" arg="hierBranch" op="equ" val="l">
+                      <dgm:constrLst>
+                        <dgm:constr type="l" for="ch" forName="rootText"/>
+                        <dgm:constr type="t" for="ch" forName="rootText"/>
+                        <dgm:constr type="w" for="ch" forName="rootText" refType="w"/>
+                        <dgm:constr type="h" for="ch" forName="rootText" refType="h"/>
+                        <dgm:constr type="r" for="ch" forName="rootConnector" refType="w"/>
+                        <dgm:constr type="t" for="ch" forName="rootConnector"/>
+                        <dgm:constr type="w" for="ch" forName="rootConnector" refType="w" refFor="ch" refForName="rootText" fact="0.2"/>
+                        <dgm:constr type="h" for="ch" forName="rootConnector" refType="h" refFor="ch" refForName="rootText"/>
+                      </dgm:constrLst>
+                    </dgm:if>
+                    <dgm:if name="Name81" func="var" arg="hierBranch" op="equ" val="r">
+                      <dgm:constrLst>
+                        <dgm:constr type="l" for="ch" forName="rootText"/>
+                        <dgm:constr type="t" for="ch" forName="rootText"/>
+                        <dgm:constr type="w" for="ch" forName="rootText" refType="w"/>
+                        <dgm:constr type="h" for="ch" forName="rootText" refType="h"/>
+                        <dgm:constr type="l" for="ch" forName="rootConnector"/>
+                        <dgm:constr type="t" for="ch" forName="rootConnector"/>
+                        <dgm:constr type="w" for="ch" forName="rootConnector" refType="w" refFor="ch" refForName="rootText" fact="0.2"/>
+                        <dgm:constr type="h" for="ch" forName="rootConnector" refType="h" refFor="ch" refForName="rootText"/>
+                      </dgm:constrLst>
+                    </dgm:if>
+                    <dgm:else name="Name82">
+                      <dgm:constrLst>
+                        <dgm:constr type="l" for="ch" forName="rootText"/>
+                        <dgm:constr type="t" for="ch" forName="rootText"/>
+                        <dgm:constr type="w" for="ch" forName="rootText" refType="w"/>
+                        <dgm:constr type="h" for="ch" forName="rootText" refType="h"/>
+                        <dgm:constr type="r" for="ch" forName="rootConnector" refType="w"/>
+                        <dgm:constr type="t" for="ch" forName="rootConnector"/>
+                        <dgm:constr type="w" for="ch" forName="rootConnector" refType="w" refFor="ch" refForName="rootText" fact="0.2"/>
+                        <dgm:constr type="h" for="ch" forName="rootConnector" refType="h" refFor="ch" refForName="rootText"/>
+                      </dgm:constrLst>
+                    </dgm:else>
+                  </dgm:choose>
+                  <dgm:ruleLst/>
+                  <dgm:layoutNode name="rootText">
+                    <dgm:varLst>
+                      <dgm:chPref val="3"/>
+                    </dgm:varLst>
+                    <dgm:alg type="tx"/>
+                    <dgm:shape xmlns:r="http://schemas.openxmlformats.org/officeDocument/2006/relationships" type="rect" r:blip="">
+                      <dgm:adjLst/>
+                    </dgm:shape>
+                    <dgm:presOf axis="self" ptType="node" cnt="1"/>
+                    <dgm:constrLst>
+                      <dgm:constr type="primFontSz" val="65"/>
+                      <dgm:constr type="lMarg" refType="primFontSz" fact="0.05"/>
+                      <dgm:constr type="rMarg" refType="primFontSz" fact="0.05"/>
+                      <dgm:constr type="tMarg" refType="primFontSz" fact="0.05"/>
+                      <dgm:constr type="bMarg" refType="primFontSz" fact="0.05"/>
+                    </dgm:constrLst>
+                    <dgm:ruleLst>
+                      <dgm:rule type="primFontSz" val="5" fact="NaN" max="NaN"/>
+                    </dgm:ruleLst>
+                  </dgm:layoutNode>
+                  <dgm:layoutNode name="rootConnector" moveWith="rootText">
+                    <dgm:alg type="sp"/>
+                    <dgm:shape xmlns:r="http://schemas.openxmlformats.org/officeDocument/2006/relationships" type="rect" r:blip="" hideGeom="1">
+                      <dgm:adjLst/>
+                    </dgm:shape>
+                    <dgm:presOf axis="self" ptType="node" cnt="1"/>
+                    <dgm:constrLst/>
+                    <dgm:ruleLst/>
+                  </dgm:layoutNode>
+                </dgm:layoutNode>
+                <dgm:layoutNode name="hierChild4">
+                  <dgm:choose name="Name83">
+                    <dgm:if name="Name84" func="var" arg="hierBranch" op="equ" val="l">
+                      <dgm:alg type="hierChild">
+                        <dgm:param type="chAlign" val="r"/>
+                        <dgm:param type="linDir" val="fromT"/>
+                      </dgm:alg>
+                    </dgm:if>
+                    <dgm:if name="Name85" func="var" arg="hierBranch" op="equ" val="r">
+                      <dgm:alg type="hierChild">
+                        <dgm:param type="chAlign" val="l"/>
+                        <dgm:param type="linDir" val="fromT"/>
+                      </dgm:alg>
+                    </dgm:if>
+                    <dgm:if name="Name86" func="var" arg="hierBranch" op="equ" val="hang">
+                      <dgm:choose name="Name87">
+                        <dgm:if name="Name88" func="var" arg="dir" op="equ" val="norm">
+                          <dgm:alg type="hierChild">
+                            <dgm:param type="chAlign" val="l"/>
+                            <dgm:param type="linDir" val="fromL"/>
+                            <dgm:param type="secChAlign" val="t"/>
+                            <dgm:param type="secLinDir" val="fromT"/>
+                          </dgm:alg>
+                        </dgm:if>
+                        <dgm:else name="Name89">
+                          <dgm:alg type="hierChild">
+                            <dgm:param type="chAlign" val="l"/>
+                            <dgm:param type="linDir" val="fromR"/>
+                            <dgm:param type="secChAlign" val="t"/>
+                            <dgm:param type="secLinDir" val="fromT"/>
+                          </dgm:alg>
+                        </dgm:else>
+                      </dgm:choose>
+                    </dgm:if>
+                    <dgm:if name="Name90" func="var" arg="hierBranch" op="equ" val="std">
+                      <dgm:choose name="Name91">
+                        <dgm:if name="Name92" func="var" arg="dir" op="equ" val="norm">
+                          <dgm:alg type="hierChild"/>
+                        </dgm:if>
+                        <dgm:else name="Name93">
+                          <dgm:alg type="hierChild">
+                            <dgm:param type="linDir" val="fromR"/>
+                          </dgm:alg>
+                        </dgm:else>
+                      </dgm:choose>
+                    </dgm:if>
+                    <dgm:if name="Name94" func="var" arg="hierBranch" op="equ" val="init">
+                      <dgm:choose name="Name95">
+                        <dgm:if name="Name96" axis="des" func="maxDepth" op="lte" val="1">
+                          <dgm:alg type="hierChild">
+                            <dgm:param type="chAlign" val="l"/>
+                            <dgm:param type="linDir" val="fromT"/>
+                          </dgm:alg>
+                        </dgm:if>
+                        <dgm:else name="Name97">
+                          <dgm:choose name="Name98">
+                            <dgm:if name="Name99" func="var" arg="dir" op="equ" val="norm">
+                              <dgm:alg type="hierChild"/>
+                            </dgm:if>
+                            <dgm:else name="Name100">
+                              <dgm:alg type="hierChild">
+                                <dgm:param type="linDir" val="fromR"/>
+                              </dgm:alg>
+                            </dgm:else>
+                          </dgm:choose>
+                        </dgm:else>
+                      </dgm:choose>
+                    </dgm:if>
+                    <dgm:else name="Name101"/>
+                  </dgm:choose>
+                  <dgm:shape xmlns:r="http://schemas.openxmlformats.org/officeDocument/2006/relationships" r:blip="">
+                    <dgm:adjLst/>
+                  </dgm:shape>
+                  <dgm:presOf/>
+                  <dgm:constrLst/>
+                  <dgm:ruleLst/>
+                  <dgm:forEach name="Name102" ref="rep2a"/>
+                </dgm:layoutNode>
+                <dgm:layoutNode name="hierChild5">
+                  <dgm:choose name="Name103">
+                    <dgm:if name="Name104" func="var" arg="dir" op="equ" val="norm">
+                      <dgm:alg type="hierChild">
+                        <dgm:param type="chAlign" val="l"/>
+                        <dgm:param type="linDir" val="fromL"/>
+                        <dgm:param type="secChAlign" val="t"/>
+                        <dgm:param type="secLinDir" val="fromT"/>
+                      </dgm:alg>
+                    </dgm:if>
+                    <dgm:else name="Name105">
+                      <dgm:alg type="hierChild">
+                        <dgm:param type="chAlign" val="l"/>
+                        <dgm:param type="linDir" val="fromR"/>
+                        <dgm:param type="secChAlign" val="t"/>
+                        <dgm:param type="secLinDir" val="fromT"/>
+                      </dgm:alg>
+                    </dgm:else>
+                  </dgm:choose>
+                  <dgm:shape xmlns:r="http://schemas.openxmlformats.org/officeDocument/2006/relationships" r:blip="">
+                    <dgm:adjLst/>
+                  </dgm:shape>
+                  <dgm:presOf/>
+                  <dgm:constrLst/>
+                  <dgm:ruleLst/>
+                  <dgm:forEach name="Name106" ref="rep2b"/>
+                </dgm:layoutNode>
+              </dgm:layoutNode>
+            </dgm:forEach>
+          </dgm:layoutNode>
+          <dgm:layoutNode name="hierChild3">
+            <dgm:choose name="Name107">
+              <dgm:if name="Name108" func="var" arg="dir" op="equ" val="norm">
+                <dgm:alg type="hierChild">
+                  <dgm:param type="chAlign" val="l"/>
+                  <dgm:param type="linDir" val="fromL"/>
+                  <dgm:param type="secChAlign" val="t"/>
+                  <dgm:param type="secLinDir" val="fromT"/>
+                </dgm:alg>
+              </dgm:if>
+              <dgm:else name="Name109">
+                <dgm:alg type="hierChild">
+                  <dgm:param type="chAlign" val="l"/>
+                  <dgm:param type="linDir" val="fromR"/>
+                  <dgm:param type="secChAlign" val="t"/>
+                  <dgm:param type="secLinDir" val="fromT"/>
+                </dgm:alg>
+              </dgm:else>
+            </dgm:choose>
+            <dgm:shape xmlns:r="http://schemas.openxmlformats.org/officeDocument/2006/relationships" r:blip="">
+              <dgm:adjLst/>
+            </dgm:shape>
+            <dgm:presOf/>
+            <dgm:constrLst/>
+            <dgm:ruleLst/>
+            <dgm:forEach name="rep2b" axis="ch" ptType="asst">
+              <dgm:forEach name="Name110" axis="precedSib" ptType="parTrans" st="-1" cnt="1">
+                <dgm:layoutNode name="Name111">
+                  <dgm:alg type="conn">
+                    <dgm:param type="connRout" val="bend"/>
+                    <dgm:param type="dim" val="1D"/>
+                    <dgm:param type="endSty" val="noArr"/>
+                    <dgm:param type="begPts" val="bCtr"/>
+                    <dgm:param type="endPts" val="midL midR"/>
+                  </dgm:alg>
+                  <dgm:shape xmlns:r="http://schemas.openxmlformats.org/officeDocument/2006/relationships" type="conn" r:blip="" zOrderOff="-99999">
+                    <dgm:adjLst/>
+                  </dgm:shape>
+                  <dgm:presOf axis="self"/>
+                  <dgm:constrLst>
+                    <dgm:constr type="begPad"/>
+                    <dgm:constr type="endPad"/>
+                  </dgm:constrLst>
+                  <dgm:ruleLst/>
+                </dgm:layoutNode>
+              </dgm:forEach>
+              <dgm:layoutNode name="hierRoot3">
+                <dgm:varLst>
+                  <dgm:hierBranch val="init"/>
+                </dgm:varLst>
+                <dgm:choose name="Name112">
+                  <dgm:if name="Name113" func="var" arg="hierBranch" op="equ" val="l">
+                    <dgm:alg type="hierRoot">
+                      <dgm:param type="hierAlign" val="tR"/>
+                    </dgm:alg>
+                    <dgm:shape xmlns:r="http://schemas.openxmlformats.org/officeDocument/2006/relationships" r:blip="">
+                      <dgm:adjLst/>
+                    </dgm:shape>
+                    <dgm:presOf/>
+                    <dgm:constrLst>
+                      <dgm:constr type="alignOff" val="0.65"/>
+                    </dgm:constrLst>
+                  </dgm:if>
+                  <dgm:if name="Name114" func="var" arg="hierBranch" op="equ" val="r">
+                    <dgm:alg type="hierRoot">
+                      <dgm:param type="hierAlign" val="tL"/>
+                    </dgm:alg>
+                    <dgm:shape xmlns:r="http://schemas.openxmlformats.org/officeDocument/2006/relationships" r:blip="">
+                      <dgm:adjLst/>
+                    </dgm:shape>
+                    <dgm:presOf/>
+                    <dgm:constrLst>
+                      <dgm:constr type="alignOff" val="0.65"/>
+                    </dgm:constrLst>
+                  </dgm:if>
+                  <dgm:if name="Name115" func="var" arg="hierBranch" op="equ" val="hang">
+                    <dgm:alg type="hierRoot"/>
+                    <dgm:shape xmlns:r="http://schemas.openxmlformats.org/officeDocument/2006/relationships" r:blip="">
+                      <dgm:adjLst/>
+                    </dgm:shape>
+                    <dgm:presOf/>
+                    <dgm:constrLst>
+                      <dgm:constr type="alignOff" val="0.65"/>
+                    </dgm:constrLst>
+                  </dgm:if>
+                  <dgm:if name="Name116" func="var" arg="hierBranch" op="equ" val="std">
+                    <dgm:alg type="hierRoot"/>
+                    <dgm:shape xmlns:r="http://schemas.openxmlformats.org/officeDocument/2006/relationships" r:blip="">
+                      <dgm:adjLst/>
+                    </dgm:shape>
+                    <dgm:presOf/>
+                    <dgm:constrLst>
+                      <dgm:constr type="alignOff"/>
+                      <dgm:constr type="bendDist" for="des" ptType="parTrans" refType="sp" fact="0.5"/>
+                    </dgm:constrLst>
+                  </dgm:if>
+                  <dgm:if name="Name117" func="var" arg="hierBranch" op="equ" val="init">
+                    <dgm:choose name="Name118">
+                      <dgm:if name="Name119" axis="des" func="maxDepth" op="lte" val="1">
+                        <dgm:alg type="hierRoot">
+                          <dgm:param type="hierAlign" val="tL"/>
+                        </dgm:alg>
+                        <dgm:shape xmlns:r="http://schemas.openxmlformats.org/officeDocument/2006/relationships" r:blip="">
+                          <dgm:adjLst/>
+                        </dgm:shape>
+                        <dgm:presOf/>
+                        <dgm:constrLst>
+                          <dgm:constr type="alignOff" val="0.65"/>
+                        </dgm:constrLst>
+                      </dgm:if>
+                      <dgm:else name="Name120">
+                        <dgm:alg type="hierRoot"/>
+                        <dgm:shape xmlns:r="http://schemas.openxmlformats.org/officeDocument/2006/relationships" r:blip="">
+                          <dgm:adjLst/>
+                        </dgm:shape>
+                        <dgm:presOf/>
+                        <dgm:constrLst>
+                          <dgm:constr type="alignOff"/>
+                          <dgm:constr type="bendDist" for="des" ptType="parTrans" refType="sp" fact="0.5"/>
+                        </dgm:constrLst>
+                      </dgm:else>
+                    </dgm:choose>
+                  </dgm:if>
+                  <dgm:else name="Name121"/>
+                </dgm:choose>
+                <dgm:ruleLst/>
+                <dgm:layoutNode name="rootComposite3">
+                  <dgm:alg type="composite"/>
+                  <dgm:shape xmlns:r="http://schemas.openxmlformats.org/officeDocument/2006/relationships" r:blip="">
+                    <dgm:adjLst/>
+                  </dgm:shape>
+                  <dgm:presOf axis="self" ptType="node" cnt="1"/>
+                  <dgm:choose name="Name122">
+                    <dgm:if name="Name123" func="var" arg="hierBranch" op="equ" val="init">
+                      <dgm:constrLst>
+                        <dgm:constr type="l" for="ch" forName="rootText3"/>
+                        <dgm:constr type="t" for="ch" forName="rootText3"/>
+                        <dgm:constr type="w" for="ch" forName="rootText3" refType="w"/>
+                        <dgm:constr type="h" for="ch" forName="rootText3" refType="h"/>
+                        <dgm:constr type="l" for="ch" forName="rootConnector3"/>
+                        <dgm:constr type="t" for="ch" forName="rootConnector3"/>
+                        <dgm:constr type="w" for="ch" forName="rootConnector3" refType="w" refFor="ch" refForName="rootText3" fact="0.2"/>
+                        <dgm:constr type="h" for="ch" forName="rootConnector3" refType="h" refFor="ch" refForName="rootText3"/>
+                      </dgm:constrLst>
+                    </dgm:if>
+                    <dgm:if name="Name124" func="var" arg="hierBranch" op="equ" val="l">
+                      <dgm:constrLst>
+                        <dgm:constr type="l" for="ch" forName="rootText3"/>
+                        <dgm:constr type="t" for="ch" forName="rootText3"/>
+                        <dgm:constr type="w" for="ch" forName="rootText3" refType="w"/>
+                        <dgm:constr type="h" for="ch" forName="rootText3" refType="h"/>
+                        <dgm:constr type="r" for="ch" forName="rootConnector3" refType="w"/>
+                        <dgm:constr type="t" for="ch" forName="rootConnector3"/>
+                        <dgm:constr type="w" for="ch" forName="rootConnector3" refType="w" refFor="ch" refForName="rootText3" fact="0.2"/>
+                        <dgm:constr type="h" for="ch" forName="rootConnector3" refType="h" refFor="ch" refForName="rootText3"/>
+                      </dgm:constrLst>
+                    </dgm:if>
+                    <dgm:if name="Name125" func="var" arg="hierBranch" op="equ" val="r">
+                      <dgm:constrLst>
+                        <dgm:constr type="l" for="ch" forName="rootText3"/>
+                        <dgm:constr type="t" for="ch" forName="rootText3"/>
+                        <dgm:constr type="w" for="ch" forName="rootText3" refType="w"/>
+                        <dgm:constr type="h" for="ch" forName="rootText3" refType="h"/>
+                        <dgm:constr type="l" for="ch" forName="rootConnector3"/>
+                        <dgm:constr type="t" for="ch" forName="rootConnector3"/>
+                        <dgm:constr type="w" for="ch" forName="rootConnector3" refType="w" refFor="ch" refForName="rootText3" fact="0.2"/>
+                        <dgm:constr type="h" for="ch" forName="rootConnector3" refType="h" refFor="ch" refForName="rootText3"/>
+                      </dgm:constrLst>
+                    </dgm:if>
+                    <dgm:else name="Name126">
+                      <dgm:constrLst>
+                        <dgm:constr type="l" for="ch" forName="rootText3"/>
+                        <dgm:constr type="t" for="ch" forName="rootText3"/>
+                        <dgm:constr type="w" for="ch" forName="rootText3" refType="w"/>
+                        <dgm:constr type="h" for="ch" forName="rootText3" refType="h"/>
+                        <dgm:constr type="r" for="ch" forName="rootConnector3" refType="w"/>
+                        <dgm:constr type="t" for="ch" forName="rootConnector3"/>
+                        <dgm:constr type="w" for="ch" forName="rootConnector3" refType="w" refFor="ch" refForName="rootText3" fact="0.2"/>
+                        <dgm:constr type="h" for="ch" forName="rootConnector3" refType="h" refFor="ch" refForName="rootText3"/>
+                      </dgm:constrLst>
+                    </dgm:else>
+                  </dgm:choose>
+                  <dgm:ruleLst/>
+                  <dgm:layoutNode name="rootText3">
+                    <dgm:varLst>
+                      <dgm:chPref val="3"/>
+                    </dgm:varLst>
+                    <dgm:alg type="tx"/>
+                    <dgm:shape xmlns:r="http://schemas.openxmlformats.org/officeDocument/2006/relationships" type="rect" r:blip="">
+                      <dgm:adjLst/>
+                    </dgm:shape>
+                    <dgm:presOf axis="self" ptType="node" cnt="1"/>
+                    <dgm:constrLst>
+                      <dgm:constr type="primFontSz" val="65"/>
+                      <dgm:constr type="lMarg" refType="primFontSz" fact="0.05"/>
+                      <dgm:constr type="rMarg" refType="primFontSz" fact="0.05"/>
+                      <dgm:constr type="tMarg" refType="primFontSz" fact="0.05"/>
+                      <dgm:constr type="bMarg" refType="primFontSz" fact="0.05"/>
+                    </dgm:constrLst>
+                    <dgm:ruleLst>
+                      <dgm:rule type="primFontSz" val="5" fact="NaN" max="NaN"/>
+                    </dgm:ruleLst>
+                  </dgm:layoutNode>
+                  <dgm:layoutNode name="rootConnector3" moveWith="rootText1">
+                    <dgm:alg type="sp"/>
+                    <dgm:shape xmlns:r="http://schemas.openxmlformats.org/officeDocument/2006/relationships" type="rect" r:blip="" hideGeom="1">
+                      <dgm:adjLst/>
+                    </dgm:shape>
+                    <dgm:presOf axis="self" ptType="node" cnt="1"/>
+                    <dgm:constrLst/>
+                    <dgm:ruleLst/>
+                  </dgm:layoutNode>
+                </dgm:layoutNode>
+                <dgm:layoutNode name="hierChild6">
+                  <dgm:choose name="Name127">
+                    <dgm:if name="Name128" func="var" arg="hierBranch" op="equ" val="l">
+                      <dgm:alg type="hierChild">
+                        <dgm:param type="chAlign" val="r"/>
+                        <dgm:param type="linDir" val="fromT"/>
+                      </dgm:alg>
+                    </dgm:if>
+                    <dgm:if name="Name129" func="var" arg="hierBranch" op="equ" val="r">
+                      <dgm:alg type="hierChild">
+                        <dgm:param type="chAlign" val="l"/>
+                        <dgm:param type="linDir" val="fromT"/>
+                      </dgm:alg>
+                    </dgm:if>
+                    <dgm:if name="Name130" func="var" arg="hierBranch" op="equ" val="hang">
+                      <dgm:choose name="Name131">
+                        <dgm:if name="Name132" func="var" arg="dir" op="equ" val="norm">
+                          <dgm:alg type="hierChild">
+                            <dgm:param type="chAlign" val="l"/>
+                            <dgm:param type="linDir" val="fromL"/>
+                            <dgm:param type="secChAlign" val="t"/>
+                            <dgm:param type="secLinDir" val="fromT"/>
+                          </dgm:alg>
+                        </dgm:if>
+                        <dgm:else name="Name133">
+                          <dgm:alg type="hierChild">
+                            <dgm:param type="chAlign" val="l"/>
+                            <dgm:param type="linDir" val="fromR"/>
+                            <dgm:param type="secChAlign" val="t"/>
+                            <dgm:param type="secLinDir" val="fromT"/>
+                          </dgm:alg>
+                        </dgm:else>
+                      </dgm:choose>
+                    </dgm:if>
+                    <dgm:if name="Name134" func="var" arg="hierBranch" op="equ" val="std">
+                      <dgm:choose name="Name135">
+                        <dgm:if name="Name136" func="var" arg="dir" op="equ" val="norm">
+                          <dgm:alg type="hierChild"/>
+                        </dgm:if>
+                        <dgm:else name="Name137">
+                          <dgm:alg type="hierChild">
+                            <dgm:param type="linDir" val="fromR"/>
+                          </dgm:alg>
+                        </dgm:else>
+                      </dgm:choose>
+                    </dgm:if>
+                    <dgm:if name="Name138" func="var" arg="hierBranch" op="equ" val="init">
+                      <dgm:choose name="Name139">
+                        <dgm:if name="Name140" axis="des" func="maxDepth" op="lte" val="1">
+                          <dgm:alg type="hierChild">
+                            <dgm:param type="chAlign" val="l"/>
+                            <dgm:param type="linDir" val="fromT"/>
+                          </dgm:alg>
+                        </dgm:if>
+                        <dgm:else name="Name141">
+                          <dgm:alg type="hierChild"/>
+                        </dgm:else>
+                      </dgm:choose>
+                    </dgm:if>
+                    <dgm:else name="Name142"/>
+                  </dgm:choose>
+                  <dgm:shape xmlns:r="http://schemas.openxmlformats.org/officeDocument/2006/relationships" r:blip="">
+                    <dgm:adjLst/>
+                  </dgm:shape>
+                  <dgm:presOf/>
+                  <dgm:constrLst/>
+                  <dgm:ruleLst/>
+                  <dgm:forEach name="Name143" ref="rep2a"/>
+                </dgm:layoutNode>
+                <dgm:layoutNode name="hierChild7">
+                  <dgm:choose name="Name144">
+                    <dgm:if name="Name145" func="var" arg="dir" op="equ" val="norm">
+                      <dgm:alg type="hierChild">
+                        <dgm:param type="chAlign" val="l"/>
+                        <dgm:param type="linDir" val="fromL"/>
+                        <dgm:param type="secChAlign" val="t"/>
+                        <dgm:param type="secLinDir" val="fromT"/>
+                      </dgm:alg>
+                    </dgm:if>
+                    <dgm:else name="Name146">
+                      <dgm:alg type="hierChild">
+                        <dgm:param type="chAlign" val="l"/>
+                        <dgm:param type="linDir" val="fromR"/>
+                        <dgm:param type="secChAlign" val="t"/>
+                        <dgm:param type="secLinDir" val="fromT"/>
+                      </dgm:alg>
+                    </dgm:else>
+                  </dgm:choose>
+                  <dgm:shape xmlns:r="http://schemas.openxmlformats.org/officeDocument/2006/relationships" r:blip="">
+                    <dgm:adjLst/>
+                  </dgm:shape>
+                  <dgm:presOf/>
+                  <dgm:constrLst/>
+                  <dgm:ruleLst/>
+                  <dgm:forEach name="Name147" ref="rep2b"/>
+                </dgm:layoutNode>
+              </dgm:layoutNode>
+            </dgm:forEach>
+          </dgm:layoutNode>
+        </dgm:layoutNode>
+      </dgm:forEach>
+    </dgm:forEach>
+  </dgm:layoutNode>
+</dgm:layoutDef>
+</file>
+
+<file path=ppt/diagrams/quickStyle1.xml><?xml version="1.0" encoding="utf-8"?>
+<dgm:styleDef xmlns:dgm="http://schemas.openxmlformats.org/drawingml/2006/diagram" xmlns:a="http://schemas.openxmlformats.org/drawingml/2006/main" uniqueId="urn:microsoft.com/office/officeart/2005/8/quickstyle/simple1">
+  <dgm:title val=""/>
+  <dgm:desc val=""/>
+  <dgm:catLst>
+    <dgm:cat type="simple" pri="10100"/>
+  </dgm:catLst>
+  <dgm:scene3d>
+    <a:camera prst="orthographicFront"/>
+    <a:lightRig rig="threePt" dir="t"/>
+  </dgm:scene3d>
+  <dgm:styleLbl name="node0">
+    <dgm:scene3d>
+      <a:camera prst="orthographicFront"/>
+      <a:lightRig rig="threePt" dir="t"/>
+    </dgm:scene3d>
+    <dgm:sp3d/>
+    <dgm:txPr/>
+    <dgm:style>
+      <a:lnRef idx="2">
+        <a:scrgbClr r="0" g="0" b="0"/>
+      </a:lnRef>
+      <a:fillRef idx="1">
+        <a:scrgbClr r="0" g="0" b="0"/>
+      </a:fillRef>
+      <a:effectRef idx="0">
+        <a:scrgbClr r="0" g="0" b="0"/>
+      </a:effectRef>
+      <a:fontRef idx="minor">
+        <a:schemeClr val="lt1"/>
+      </a:fontRef>
+    </dgm:style>
+  </dgm:styleLbl>
+  <dgm:styleLbl name="lnNode1">
+    <dgm:scene3d>
+      <a:camera prst="orthographicFront"/>
+      <a:lightRig rig="threePt" dir="t"/>
+    </dgm:scene3d>
+    <dgm:sp3d/>
+    <dgm:txPr/>
+    <dgm:style>
+      <a:lnRef idx="2">
+        <a:scrgbClr r="0" g="0" b="0"/>
+      </a:lnRef>
+      <a:fillRef idx="1">
+        <a:scrgbClr r="0" g="0" b="0"/>
+      </a:fillRef>
+      <a:effectRef idx="0">
+        <a:scrgbClr r="0" g="0" b="0"/>
+      </a:effectRef>
+      <a:fontRef idx="minor">
+        <a:schemeClr val="lt1"/>
+      </a:fontRef>
+    </dgm:style>
+  </dgm:styleLbl>
+  <dgm:styleLbl name="vennNode1">
+    <dgm:scene3d>
+      <a:camera prst="orthographicFront"/>
+      <a:lightRig rig="threePt" dir="t"/>
+    </dgm:scene3d>
+    <dgm:sp3d/>
+    <dgm:txPr/>
+    <dgm:style>
+      <a:lnRef idx="2">
+        <a:scrgbClr r="0" g="0" b="0"/>
+      </a:lnRef>
+      <a:fillRef idx="1">
+        <a:scrgbClr r="0" g="0" b="0"/>
+      </a:fillRef>
+      <a:effectRef idx="0">
+        <a:scrgbClr r="0" g="0" b="0"/>
+      </a:effectRef>
+      <a:fontRef idx="minor">
+        <a:schemeClr val="tx1"/>
+      </a:fontRef>
+    </dgm:style>
+  </dgm:styleLbl>
+  <dgm:styleLbl name="alignNode1">
+    <dgm:scene3d>
+      <a:camera prst="orthographicFront"/>
+      <a:lightRig rig="threePt" dir="t"/>
+    </dgm:scene3d>
+    <dgm:sp3d/>
+    <dgm:txPr/>
+    <dgm:style>
+      <a:lnRef idx="2">
+        <a:scrgbClr r="0" g="0" b="0"/>
+      </a:lnRef>
+      <a:fillRef idx="1">
+        <a:scrgbClr r="0" g="0" b="0"/>
+      </a:fillRef>
+      <a:effectRef idx="0">
+        <a:scrgbClr r="0" g="0" b="0"/>
+      </a:effectRef>
+      <a:fontRef idx="minor">
+        <a:schemeClr val="lt1"/>
+      </a:fontRef>
+    </dgm:style>
+  </dgm:styleLbl>
+  <dgm:styleLbl name="node1">
+    <dgm:scene3d>
+      <a:camera prst="orthographicFront"/>
+      <a:lightRig rig="threePt" dir="t"/>
+    </dgm:scene3d>
+    <dgm:sp3d/>
+    <dgm:txPr/>
+    <dgm:style>
+      <a:lnRef idx="2">
+        <a:scrgbClr r="0" g="0" b="0"/>
+      </a:lnRef>
+      <a:fillRef idx="1">
+        <a:scrgbClr r="0" g="0" b="0"/>
+      </a:fillRef>
+      <a:effectRef idx="0">
+        <a:scrgbClr r="0" g="0" b="0"/>
+      </a:effectRef>
+      <a:fontRef idx="minor">
+        <a:schemeClr val="lt1"/>
+      </a:fontRef>
+    </dgm:style>
+  </dgm:styleLbl>
+  <dgm:styleLbl name="node2">
+    <dgm:scene3d>
+      <a:camera prst="orthographicFront"/>
+      <a:lightRig rig="threePt" dir="t"/>
+    </dgm:scene3d>
+    <dgm:sp3d/>
+    <dgm:txPr/>
+    <dgm:style>
+      <a:lnRef idx="2">
+        <a:scrgbClr r="0" g="0" b="0"/>
+      </a:lnRef>
+      <a:fillRef idx="1">
+        <a:scrgbClr r="0" g="0" b="0"/>
+      </a:fillRef>
+      <a:effectRef idx="0">
+        <a:scrgbClr r="0" g="0" b="0"/>
+      </a:effectRef>
+      <a:fontRef idx="minor">
+        <a:schemeClr val="lt1"/>
+      </a:fontRef>
+    </dgm:style>
+  </dgm:styleLbl>
+  <dgm:styleLbl name="node3">
+    <dgm:scene3d>
+      <a:camera prst="orthographicFront"/>
+      <a:lightRig rig="threePt" dir="t"/>
+    </dgm:scene3d>
+    <dgm:sp3d/>
+    <dgm:txPr/>
+    <dgm:style>
+      <a:lnRef idx="2">
+        <a:scrgbClr r="0" g="0" b="0"/>
+      </a:lnRef>
+      <a:fillRef idx="1">
+        <a:scrgbClr r="0" g="0" b="0"/>
+      </a:fillRef>
+      <a:effectRef idx="0">
+        <a:scrgbClr r="0" g="0" b="0"/>
+      </a:effectRef>
+      <a:fontRef idx="minor">
+        <a:schemeClr val="lt1"/>
+      </a:fontRef>
+    </dgm:style>
+  </dgm:styleLbl>
+  <dgm:styleLbl name="node4">
+    <dgm:scene3d>
+      <a:camera prst="orthographicFront"/>
+      <a:lightRig rig="threePt" dir="t"/>
+    </dgm:scene3d>
+    <dgm:sp3d/>
+    <dgm:txPr/>
+    <dgm:style>
+      <a:lnRef idx="2">
+        <a:scrgbClr r="0" g="0" b="0"/>
+      </a:lnRef>
+      <a:fillRef idx="1">
+        <a:scrgbClr r="0" g="0" b="0"/>
+      </a:fillRef>
+      <a:effectRef idx="0">
+        <a:scrgbClr r="0" g="0" b="0"/>
+      </a:effectRef>
+      <a:fontRef idx="minor">
+        <a:schemeClr val="lt1"/>
+      </a:fontRef>
+    </dgm:style>
+  </dgm:styleLbl>
+  <dgm:styleLbl name="fgImgPlace1">
+    <dgm:scene3d>
+      <a:camera prst="orthographicFront"/>
+      <a:lightRig rig="threePt" dir="t"/>
+    </dgm:scene3d>
+    <dgm:sp3d/>
+    <dgm:txPr/>
+    <dgm:style>
+      <a:lnRef idx="2">
+        <a:scrgbClr r="0" g="0" b="0"/>
+      </a:lnRef>
+      <a:fillRef idx="1">
+        <a:scrgbClr r="0" g="0" b="0"/>
+      </a:fillRef>
+      <a:effectRef idx="0">
+        <a:scrgbClr r="0" g="0" b="0"/>
+      </a:effectRef>
+      <a:fontRef idx="minor"/>
+    </dgm:style>
+  </dgm:styleLbl>
+  <dgm:styleLbl name="alignImgPlace1">
+    <dgm:scene3d>
+      <a:camera prst="orthographicFront"/>
+      <a:lightRig rig="threePt" dir="t"/>
+    </dgm:scene3d>
+    <dgm:sp3d/>
+    <dgm:txPr/>
+    <dgm:style>
+      <a:lnRef idx="2">
+        <a:scrgbClr r="0" g="0" b="0"/>
+      </a:lnRef>
+      <a:fillRef idx="1">
+        <a:scrgbClr r="0" g="0" b="0"/>
+      </a:fillRef>
+      <a:effectRef idx="0">
+        <a:scrgbClr r="0" g="0" b="0"/>
+      </a:effectRef>
+      <a:fontRef idx="minor"/>
+    </dgm:style>
+  </dgm:styleLbl>
+  <dgm:styleLbl name="bgImgPlace1">
+    <dgm:scene3d>
+      <a:camera prst="orthographicFront"/>
+      <a:lightRig rig="threePt" dir="t"/>
+    </dgm:scene3d>
+    <dgm:sp3d/>
+    <dgm:txPr/>
+    <dgm:style>
+      <a:lnRef idx="2">
+        <a:scrgbClr r="0" g="0" b="0"/>
+      </a:lnRef>
+      <a:fillRef idx="1">
+        <a:scrgbClr r="0" g="0" b="0"/>
+      </a:fillRef>
+      <a:effectRef idx="0">
+        <a:scrgbClr r="0" g="0" b="0"/>
+      </a:effectRef>
+      <a:fontRef idx="minor"/>
+    </dgm:style>
+  </dgm:styleLbl>
+  <dgm:styleLbl name="sibTrans2D1">
+    <dgm:scene3d>
+      <a:camera prst="orthographicFront"/>
+      <a:lightRig rig="threePt" dir="t"/>
+    </dgm:scene3d>
+    <dgm:sp3d/>
+    <dgm:txPr/>
+    <dgm:style>
+      <a:lnRef idx="0">
+        <a:scrgbClr r="0" g="0" b="0"/>
+      </a:lnRef>
+      <a:fillRef idx="1">
+        <a:scrgbClr r="0" g="0" b="0"/>
+      </a:fillRef>
+      <a:effectRef idx="0">
+        <a:scrgbClr r="0" g="0" b="0"/>
+      </a:effectRef>
+      <a:fontRef idx="minor">
+        <a:schemeClr val="lt1"/>
+      </a:fontRef>
+    </dgm:style>
+  </dgm:styleLbl>
+  <dgm:styleLbl name="fgSibTrans2D1">
+    <dgm:scene3d>
+      <a:camera prst="orthographicFront"/>
+      <a:lightRig rig="threePt" dir="t"/>
+    </dgm:scene3d>
+    <dgm:sp3d/>
+    <dgm:txPr/>
+    <dgm:style>
+      <a:lnRef idx="0">
+        <a:scrgbClr r="0" g="0" b="0"/>
+      </a:lnRef>
+      <a:fillRef idx="1">
+        <a:scrgbClr r="0" g="0" b="0"/>
+      </a:fillRef>
+      <a:effectRef idx="0">
+        <a:scrgbClr r="0" g="0" b="0"/>
+      </a:effectRef>
+      <a:fontRef idx="minor">
+        <a:schemeClr val="lt1"/>
+      </a:fontRef>
+    </dgm:style>
+  </dgm:styleLbl>
+  <dgm:styleLbl name="bgSibTrans2D1">
+    <dgm:scene3d>
+      <a:camera prst="orthographicFront"/>
+      <a:lightRig rig="threePt" dir="t"/>
+    </dgm:scene3d>
+    <dgm:sp3d/>
+    <dgm:txPr/>
+    <dgm:style>
+      <a:lnRef idx="0">
+        <a:scrgbClr r="0" g="0" b="0"/>
+      </a:lnRef>
+      <a:fillRef idx="1">
+        <a:scrgbClr r="0" g="0" b="0"/>
+      </a:fillRef>
+      <a:effectRef idx="0">
+        <a:scrgbClr r="0" g="0" b="0"/>
+      </a:effectRef>
+      <a:fontRef idx="minor">
+        <a:schemeClr val="lt1"/>
+      </a:fontRef>
+    </dgm:style>
+  </dgm:styleLbl>
+  <dgm:styleLbl name="sibTrans1D1">
+    <dgm:scene3d>
+      <a:camera prst="orthographicFront"/>
+      <a:lightRig rig="threePt" dir="t"/>
+    </dgm:scene3d>
+    <dgm:sp3d/>
+    <dgm:txPr/>
+    <dgm:style>
+      <a:lnRef idx="1">
+        <a:scrgbClr r="0" g="0" b="0"/>
+      </a:lnRef>
+      <a:fillRef idx="0">
+        <a:scrgbClr r="0" g="0" b="0"/>
+      </a:fillRef>
+      <a:effectRef idx="0">
+        <a:scrgbClr r="0" g="0" b="0"/>
+      </a:effectRef>
+      <a:fontRef idx="minor"/>
+    </dgm:style>
+  </dgm:styleLbl>
+  <dgm:styleLbl name="callout">
+    <dgm:scene3d>
+      <a:camera prst="orthographicFront"/>
+      <a:lightRig rig="threePt" dir="t"/>
+    </dgm:scene3d>
+    <dgm:sp3d/>
+    <dgm:txPr/>
+    <dgm:style>
+      <a:lnRef idx="2">
+        <a:scrgbClr r="0" g="0" b="0"/>
+      </a:lnRef>
+      <a:fillRef idx="1">
+        <a:scrgbClr r="0" g="0" b="0"/>
+      </a:fillRef>
+      <a:effectRef idx="0">
+        <a:scrgbClr r="0" g="0" b="0"/>
+      </a:effectRef>
+      <a:fontRef idx="minor"/>
+    </dgm:style>
+  </dgm:styleLbl>
+  <dgm:styleLbl name="asst0">
+    <dgm:scene3d>
+      <a:camera prst="orthographicFront"/>
+      <a:lightRig rig="threePt" dir="t"/>
+    </dgm:scene3d>
+    <dgm:sp3d/>
+    <dgm:txPr/>
+    <dgm:style>
+      <a:lnRef idx="2">
+        <a:scrgbClr r="0" g="0" b="0"/>
+      </a:lnRef>
+      <a:fillRef idx="1">
+        <a:scrgbClr r="0" g="0" b="0"/>
+      </a:fillRef>
+      <a:effectRef idx="0">
+        <a:scrgbClr r="0" g="0" b="0"/>
+      </a:effectRef>
+      <a:fontRef idx="minor">
+        <a:schemeClr val="lt1"/>
+      </a:fontRef>
+    </dgm:style>
+  </dgm:styleLbl>
+  <dgm:styleLbl name="asst1">
+    <dgm:scene3d>
+      <a:camera prst="orthographicFront"/>
+      <a:lightRig rig="threePt" dir="t"/>
+    </dgm:scene3d>
+    <dgm:sp3d/>
+    <dgm:txPr/>
+    <dgm:style>
+      <a:lnRef idx="2">
+        <a:scrgbClr r="0" g="0" b="0"/>
+      </a:lnRef>
+      <a:fillRef idx="1">
+        <a:scrgbClr r="0" g="0" b="0"/>
+      </a:fillRef>
+      <a:effectRef idx="0">
+        <a:scrgbClr r="0" g="0" b="0"/>
+      </a:effectRef>
+      <a:fontRef idx="minor">
+        <a:schemeClr val="lt1"/>
+      </a:fontRef>
+    </dgm:style>
+  </dgm:styleLbl>
+  <dgm:styleLbl name="asst2">
+    <dgm:scene3d>
+      <a:camera prst="orthographicFront"/>
+      <a:lightRig rig="threePt" dir="t"/>
+    </dgm:scene3d>
+    <dgm:sp3d/>
+    <dgm:txPr/>
+    <dgm:style>
+      <a:lnRef idx="2">
+        <a:scrgbClr r="0" g="0" b="0"/>
+      </a:lnRef>
+      <a:fillRef idx="1">
+        <a:scrgbClr r="0" g="0" b="0"/>
+      </a:fillRef>
+      <a:effectRef idx="0">
+        <a:scrgbClr r="0" g="0" b="0"/>
+      </a:effectRef>
+      <a:fontRef idx="minor">
+        <a:schemeClr val="lt1"/>
+      </a:fontRef>
+    </dgm:style>
+  </dgm:styleLbl>
+  <dgm:styleLbl name="asst3">
+    <dgm:scene3d>
+      <a:camera prst="orthographicFront"/>
+      <a:lightRig rig="threePt" dir="t"/>
+    </dgm:scene3d>
+    <dgm:sp3d/>
+    <dgm:txPr/>
+    <dgm:style>
+      <a:lnRef idx="2">
+        <a:scrgbClr r="0" g="0" b="0"/>
+      </a:lnRef>
+      <a:fillRef idx="1">
+        <a:scrgbClr r="0" g="0" b="0"/>
+      </a:fillRef>
+      <a:effectRef idx="0">
+        <a:scrgbClr r="0" g="0" b="0"/>
+      </a:effectRef>
+      <a:fontRef idx="minor">
+        <a:schemeClr val="lt1"/>
+      </a:fontRef>
+    </dgm:style>
+  </dgm:styleLbl>
+  <dgm:styleLbl name="asst4">
+    <dgm:scene3d>
+      <a:camera prst="orthographicFront"/>
+      <a:lightRig rig="threePt" dir="t"/>
+    </dgm:scene3d>
+    <dgm:sp3d/>
+    <dgm:txPr/>
+    <dgm:style>
+      <a:lnRef idx="2">
+        <a:scrgbClr r="0" g="0" b="0"/>
+      </a:lnRef>
+      <a:fillRef idx="1">
+        <a:scrgbClr r="0" g="0" b="0"/>
+      </a:fillRef>
+      <a:effectRef idx="0">
+        <a:scrgbClr r="0" g="0" b="0"/>
+      </a:effectRef>
+      <a:fontRef idx="minor">
+        <a:schemeClr val="lt1"/>
+      </a:fontRef>
+    </dgm:style>
+  </dgm:styleLbl>
+  <dgm:styleLbl name="parChTrans2D1">
+    <dgm:scene3d>
+      <a:camera prst="orthographicFront"/>
+      <a:lightRig rig="threePt" dir="t"/>
+    </dgm:scene3d>
+    <dgm:sp3d/>
+    <dgm:txPr/>
+    <dgm:style>
+      <a:lnRef idx="2">
+        <a:scrgbClr r="0" g="0" b="0"/>
+      </a:lnRef>
+      <a:fillRef idx="1">
+        <a:scrgbClr r="0" g="0" b="0"/>
+      </a:fillRef>
+      <a:effectRef idx="0">
+        <a:scrgbClr r="0" g="0" b="0"/>
+      </a:effectRef>
+      <a:fontRef idx="minor">
+        <a:schemeClr val="lt1"/>
+      </a:fontRef>
+    </dgm:style>
+  </dgm:styleLbl>
+  <dgm:styleLbl name="parChTrans2D2">
+    <dgm:scene3d>
+      <a:camera prst="orthographicFront"/>
+      <a:lightRig rig="threePt" dir="t"/>
+    </dgm:scene3d>
+    <dgm:sp3d/>
+    <dgm:txPr/>
+    <dgm:style>
+      <a:lnRef idx="2">
+        <a:scrgbClr r="0" g="0" b="0"/>
+      </a:lnRef>
+      <a:fillRef idx="1">
+        <a:scrgbClr r="0" g="0" b="0"/>
+      </a:fillRef>
+      <a:effectRef idx="0">
+        <a:scrgbClr r="0" g="0" b="0"/>
+      </a:effectRef>
+      <a:fontRef idx="minor">
+        <a:schemeClr val="lt1"/>
+      </a:fontRef>
+    </dgm:style>
+  </dgm:styleLbl>
+  <dgm:styleLbl name="parChTrans2D3">
+    <dgm:scene3d>
+      <a:camera prst="orthographicFront"/>
+      <a:lightRig rig="threePt" dir="t"/>
+    </dgm:scene3d>
+    <dgm:sp3d/>
+    <dgm:txPr/>
+    <dgm:style>
+      <a:lnRef idx="2">
+        <a:scrgbClr r="0" g="0" b="0"/>
+      </a:lnRef>
+      <a:fillRef idx="1">
+        <a:scrgbClr r="0" g="0" b="0"/>
+      </a:fillRef>
+      <a:effectRef idx="0">
+        <a:scrgbClr r="0" g="0" b="0"/>
+      </a:effectRef>
+      <a:fontRef idx="minor">
+        <a:schemeClr val="lt1"/>
+      </a:fontRef>
+    </dgm:style>
+  </dgm:styleLbl>
+  <dgm:styleLbl name="parChTrans2D4">
+    <dgm:scene3d>
+      <a:camera prst="orthographicFront"/>
+      <a:lightRig rig="threePt" dir="t"/>
+    </dgm:scene3d>
+    <dgm:sp3d/>
+    <dgm:txPr/>
+    <dgm:style>
+      <a:lnRef idx="2">
+        <a:scrgbClr r="0" g="0" b="0"/>
+      </a:lnRef>
+      <a:fillRef idx="1">
+        <a:scrgbClr r="0" g="0" b="0"/>
+      </a:fillRef>
+      <a:effectRef idx="0">
+        <a:scrgbClr r="0" g="0" b="0"/>
+      </a:effectRef>
+      <a:fontRef idx="minor">
+        <a:schemeClr val="lt1"/>
+      </a:fontRef>
+    </dgm:style>
+  </dgm:styleLbl>
+  <dgm:styleLbl name="parChTrans1D1">
+    <dgm:scene3d>
+      <a:camera prst="orthographicFront"/>
+      <a:lightRig rig="threePt" dir="t"/>
+    </dgm:scene3d>
+    <dgm:sp3d/>
+    <dgm:txPr/>
+    <dgm:style>
+      <a:lnRef idx="2">
+        <a:scrgbClr r="0" g="0" b="0"/>
+      </a:lnRef>
+      <a:fillRef idx="0">
+        <a:scrgbClr r="0" g="0" b="0"/>
+      </a:fillRef>
+      <a:effectRef idx="0">
+        <a:scrgbClr r="0" g="0" b="0"/>
+      </a:effectRef>
+      <a:fontRef idx="minor"/>
+    </dgm:style>
+  </dgm:styleLbl>
+  <dgm:styleLbl name="parChTrans1D2">
+    <dgm:scene3d>
+      <a:camera prst="orthographicFront"/>
+      <a:lightRig rig="threePt" dir="t"/>
+    </dgm:scene3d>
+    <dgm:sp3d/>
+    <dgm:txPr/>
+    <dgm:style>
+      <a:lnRef idx="2">
+        <a:scrgbClr r="0" g="0" b="0"/>
+      </a:lnRef>
+      <a:fillRef idx="0">
+        <a:scrgbClr r="0" g="0" b="0"/>
+      </a:fillRef>
+      <a:effectRef idx="0">
+        <a:scrgbClr r="0" g="0" b="0"/>
+      </a:effectRef>
+      <a:fontRef idx="minor"/>
+    </dgm:style>
+  </dgm:styleLbl>
+  <dgm:styleLbl name="parChTrans1D3">
+    <dgm:scene3d>
+      <a:camera prst="orthographicFront"/>
+      <a:lightRig rig="threePt" dir="t"/>
+    </dgm:scene3d>
+    <dgm:sp3d/>
+    <dgm:txPr/>
+    <dgm:style>
+      <a:lnRef idx="2">
+        <a:scrgbClr r="0" g="0" b="0"/>
+      </a:lnRef>
+      <a:fillRef idx="0">
+        <a:scrgbClr r="0" g="0" b="0"/>
+      </a:fillRef>
+      <a:effectRef idx="0">
+        <a:scrgbClr r="0" g="0" b="0"/>
+      </a:effectRef>
+      <a:fontRef idx="minor"/>
+    </dgm:style>
+  </dgm:styleLbl>
+  <dgm:styleLbl name="parChTrans1D4">
+    <dgm:scene3d>
+      <a:camera prst="orthographicFront"/>
+      <a:lightRig rig="threePt" dir="t"/>
+    </dgm:scene3d>
+    <dgm:sp3d/>
+    <dgm:txPr/>
+    <dgm:style>
+      <a:lnRef idx="2">
+        <a:scrgbClr r="0" g="0" b="0"/>
+      </a:lnRef>
+      <a:fillRef idx="0">
+        <a:scrgbClr r="0" g="0" b="0"/>
+      </a:fillRef>
+      <a:effectRef idx="0">
+        <a:scrgbClr r="0" g="0" b="0"/>
+      </a:effectRef>
+      <a:fontRef idx="minor"/>
+    </dgm:style>
+  </dgm:styleLbl>
+  <dgm:styleLbl name="fgAcc1">
+    <dgm:scene3d>
+      <a:camera prst="orthographicFront"/>
+      <a:lightRig rig="threePt" dir="t"/>
+    </dgm:scene3d>
+    <dgm:sp3d/>
+    <dgm:txPr/>
+    <dgm:style>
+      <a:lnRef idx="2">
+        <a:scrgbClr r="0" g="0" b="0"/>
+      </a:lnRef>
+      <a:fillRef idx="1">
+        <a:scrgbClr r="0" g="0" b="0"/>
+      </a:fillRef>
+      <a:effectRef idx="0">
+        <a:scrgbClr r="0" g="0" b="0"/>
+      </a:effectRef>
+      <a:fontRef idx="minor"/>
+    </dgm:style>
+  </dgm:styleLbl>
+  <dgm:styleLbl name="conFgAcc1">
+    <dgm:scene3d>
+      <a:camera prst="orthographicFront"/>
+      <a:lightRig rig="threePt" dir="t"/>
+    </dgm:scene3d>
+    <dgm:sp3d/>
+    <dgm:txPr/>
+    <dgm:style>
+      <a:lnRef idx="2">
+        <a:scrgbClr r="0" g="0" b="0"/>
+      </a:lnRef>
+      <a:fillRef idx="1">
+        <a:scrgbClr r="0" g="0" b="0"/>
+      </a:fillRef>
+      <a:effectRef idx="0">
+        <a:scrgbClr r="0" g="0" b="0"/>
+      </a:effectRef>
+      <a:fontRef idx="minor"/>
+    </dgm:style>
+  </dgm:styleLbl>
+  <dgm:styleLbl name="alignAcc1">
+    <dgm:scene3d>
+      <a:camera prst="orthographicFront"/>
+      <a:lightRig rig="threePt" dir="t"/>
+    </dgm:scene3d>
+    <dgm:sp3d/>
+    <dgm:txPr/>
+    <dgm:style>
+      <a:lnRef idx="2">
+        <a:scrgbClr r="0" g="0" b="0"/>
+      </a:lnRef>
+      <a:fillRef idx="1">
+        <a:scrgbClr r="0" g="0" b="0"/>
+      </a:fillRef>
+      <a:effectRef idx="0">
+        <a:scrgbClr r="0" g="0" b="0"/>
+      </a:effectRef>
+      <a:fontRef idx="minor"/>
+    </dgm:style>
+  </dgm:styleLbl>
+  <dgm:styleLbl name="trAlignAcc1">
+    <dgm:scene3d>
+      <a:camera prst="orthographicFront"/>
+      <a:lightRig rig="threePt" dir="t"/>
+    </dgm:scene3d>
+    <dgm:sp3d/>
+    <dgm:txPr/>
+    <dgm:style>
+      <a:lnRef idx="1">
+        <a:scrgbClr r="0" g="0" b="0"/>
+      </a:lnRef>
+      <a:fillRef idx="1">
+        <a:scrgbClr r="0" g="0" b="0"/>
+      </a:fillRef>
+      <a:effectRef idx="0">
+        <a:scrgbClr r="0" g="0" b="0"/>
+      </a:effectRef>
+      <a:fontRef idx="minor"/>
+    </dgm:style>
+  </dgm:styleLbl>
+  <dgm:styleLbl name="bgAcc1">
+    <dgm:scene3d>
+      <a:camera prst="orthographicFront"/>
+      <a:lightRig rig="threePt" dir="t"/>
+    </dgm:scene3d>
+    <dgm:sp3d/>
+    <dgm:txPr/>
+    <dgm:style>
+      <a:lnRef idx="2">
+        <a:scrgbClr r="0" g="0" b="0"/>
+      </a:lnRef>
+      <a:fillRef idx="1">
+        <a:scrgbClr r="0" g="0" b="0"/>
+      </a:fillRef>
+      <a:effectRef idx="0">
+        <a:scrgbClr r="0" g="0" b="0"/>
+      </a:effectRef>
+      <a:fontRef idx="minor"/>
+    </dgm:style>
+  </dgm:styleLbl>
+  <dgm:styleLbl name="solidFgAcc1">
+    <dgm:scene3d>
+      <a:camera prst="orthographicFront"/>
+      <a:lightRig rig="threePt" dir="t"/>
+    </dgm:scene3d>
+    <dgm:sp3d/>
+    <dgm:txPr/>
+    <dgm:style>
+      <a:lnRef idx="2">
+        <a:scrgbClr r="0" g="0" b="0"/>
+      </a:lnRef>
+      <a:fillRef idx="1">
+        <a:scrgbClr r="0" g="0" b="0"/>
+      </a:fillRef>
+      <a:effectRef idx="0">
+        <a:scrgbClr r="0" g="0" b="0"/>
+      </a:effectRef>
+      <a:fontRef idx="minor"/>
+    </dgm:style>
+  </dgm:styleLbl>
+  <dgm:styleLbl name="solidAlignAcc1">
+    <dgm:scene3d>
+      <a:camera prst="orthographicFront"/>
+      <a:lightRig rig="threePt" dir="t"/>
+    </dgm:scene3d>
+    <dgm:sp3d/>
+    <dgm:txPr/>
+    <dgm:style>
+      <a:lnRef idx="2">
+        <a:scrgbClr r="0" g="0" b="0"/>
+      </a:lnRef>
+      <a:fillRef idx="1">
+        <a:scrgbClr r="0" g="0" b="0"/>
+      </a:fillRef>
+      <a:effectRef idx="0">
+        <a:scrgbClr r="0" g="0" b="0"/>
+      </a:effectRef>
+      <a:fontRef idx="minor"/>
+    </dgm:style>
+  </dgm:styleLbl>
+  <dgm:styleLbl name="solidBgAcc1">
+    <dgm:scene3d>
+      <a:camera prst="orthographicFront"/>
+      <a:lightRig rig="threePt" dir="t"/>
+    </dgm:scene3d>
+    <dgm:sp3d/>
+    <dgm:txPr/>
+    <dgm:style>
+      <a:lnRef idx="2">
+        <a:scrgbClr r="0" g="0" b="0"/>
+      </a:lnRef>
+      <a:fillRef idx="1">
+        <a:scrgbClr r="0" g="0" b="0"/>
+      </a:fillRef>
+      <a:effectRef idx="0">
+        <a:scrgbClr r="0" g="0" b="0"/>
+      </a:effectRef>
+      <a:fontRef idx="minor"/>
+    </dgm:style>
+  </dgm:styleLbl>
+  <dgm:styleLbl name="fgAccFollowNode1">
+    <dgm:scene3d>
+      <a:camera prst="orthographicFront"/>
+      <a:lightRig rig="threePt" dir="t"/>
+    </dgm:scene3d>
+    <dgm:sp3d/>
+    <dgm:txPr/>
+    <dgm:style>
+      <a:lnRef idx="2">
+        <a:scrgbClr r="0" g="0" b="0"/>
+      </a:lnRef>
+      <a:fillRef idx="1">
+        <a:scrgbClr r="0" g="0" b="0"/>
+      </a:fillRef>
+      <a:effectRef idx="0">
+        <a:scrgbClr r="0" g="0" b="0"/>
+      </a:effectRef>
+      <a:fontRef idx="minor"/>
+    </dgm:style>
+  </dgm:styleLbl>
+  <dgm:styleLbl name="alignAccFollowNode1">
+    <dgm:scene3d>
+      <a:camera prst="orthographicFront"/>
+      <a:lightRig rig="threePt" dir="t"/>
+    </dgm:scene3d>
+    <dgm:sp3d/>
+    <dgm:txPr/>
+    <dgm:style>
+      <a:lnRef idx="2">
+        <a:scrgbClr r="0" g="0" b="0"/>
+      </a:lnRef>
+      <a:fillRef idx="1">
+        <a:scrgbClr r="0" g="0" b="0"/>
+      </a:fillRef>
+      <a:effectRef idx="0">
+        <a:scrgbClr r="0" g="0" b="0"/>
+      </a:effectRef>
+      <a:fontRef idx="minor"/>
+    </dgm:style>
+  </dgm:styleLbl>
+  <dgm:styleLbl name="bgAccFollowNode1">
+    <dgm:scene3d>
+      <a:camera prst="orthographicFront"/>
+      <a:lightRig rig="threePt" dir="t"/>
+    </dgm:scene3d>
+    <dgm:sp3d/>
+    <dgm:txPr/>
+    <dgm:style>
+      <a:lnRef idx="2">
+        <a:scrgbClr r="0" g="0" b="0"/>
+      </a:lnRef>
+      <a:fillRef idx="1">
+        <a:scrgbClr r="0" g="0" b="0"/>
+      </a:fillRef>
+      <a:effectRef idx="0">
+        <a:scrgbClr r="0" g="0" b="0"/>
+      </a:effectRef>
+      <a:fontRef idx="minor"/>
+    </dgm:style>
+  </dgm:styleLbl>
+  <dgm:styleLbl name="fgAcc0">
+    <dgm:scene3d>
+      <a:camera prst="orthographicFront"/>
+      <a:lightRig rig="threePt" dir="t"/>
+    </dgm:scene3d>
+    <dgm:sp3d/>
+    <dgm:txPr/>
+    <dgm:style>
+      <a:lnRef idx="2">
+        <a:scrgbClr r="0" g="0" b="0"/>
+      </a:lnRef>
+      <a:fillRef idx="1">
+        <a:scrgbClr r="0" g="0" b="0"/>
+      </a:fillRef>
+      <a:effectRef idx="0">
+        <a:scrgbClr r="0" g="0" b="0"/>
+      </a:effectRef>
+      <a:fontRef idx="minor"/>
+    </dgm:style>
+  </dgm:styleLbl>
+  <dgm:styleLbl name="fgAcc2">
+    <dgm:scene3d>
+      <a:camera prst="orthographicFront"/>
+      <a:lightRig rig="threePt" dir="t"/>
+    </dgm:scene3d>
+    <dgm:sp3d/>
+    <dgm:txPr/>
+    <dgm:style>
+      <a:lnRef idx="2">
+        <a:scrgbClr r="0" g="0" b="0"/>
+      </a:lnRef>
+      <a:fillRef idx="1">
+        <a:scrgbClr r="0" g="0" b="0"/>
+      </a:fillRef>
+      <a:effectRef idx="0">
+        <a:scrgbClr r="0" g="0" b="0"/>
+      </a:effectRef>
+      <a:fontRef idx="minor"/>
+    </dgm:style>
+  </dgm:styleLbl>
+  <dgm:styleLbl name="fgAcc3">
+    <dgm:scene3d>
+      <a:camera prst="orthographicFront"/>
+      <a:lightRig rig="threePt" dir="t"/>
+    </dgm:scene3d>
+    <dgm:sp3d/>
+    <dgm:txPr/>
+    <dgm:style>
+      <a:lnRef idx="2">
+        <a:scrgbClr r="0" g="0" b="0"/>
+      </a:lnRef>
+      <a:fillRef idx="1">
+        <a:scrgbClr r="0" g="0" b="0"/>
+      </a:fillRef>
+      <a:effectRef idx="0">
+        <a:scrgbClr r="0" g="0" b="0"/>
+      </a:effectRef>
+      <a:fontRef idx="minor"/>
+    </dgm:style>
+  </dgm:styleLbl>
+  <dgm:styleLbl name="fgAcc4">
+    <dgm:scene3d>
+      <a:camera prst="orthographicFront"/>
+      <a:lightRig rig="threePt" dir="t"/>
+    </dgm:scene3d>
+    <dgm:sp3d/>
+    <dgm:txPr/>
+    <dgm:style>
+      <a:lnRef idx="2">
+        <a:scrgbClr r="0" g="0" b="0"/>
+      </a:lnRef>
+      <a:fillRef idx="1">
+        <a:scrgbClr r="0" g="0" b="0"/>
+      </a:fillRef>
+      <a:effectRef idx="0">
+        <a:scrgbClr r="0" g="0" b="0"/>
+      </a:effectRef>
+      <a:fontRef idx="minor"/>
+    </dgm:style>
+  </dgm:styleLbl>
+  <dgm:styleLbl name="bgShp">
+    <dgm:scene3d>
+      <a:camera prst="orthographicFront"/>
+      <a:lightRig rig="threePt" dir="t"/>
+    </dgm:scene3d>
+    <dgm:sp3d/>
+    <dgm:txPr/>
+    <dgm:style>
+      <a:lnRef idx="0">
+        <a:scrgbClr r="0" g="0" b="0"/>
+      </a:lnRef>
+      <a:fillRef idx="1">
+        <a:scrgbClr r="0" g="0" b="0"/>
+      </a:fillRef>
+      <a:effectRef idx="0">
+        <a:scrgbClr r="0" g="0" b="0"/>
+      </a:effectRef>
+      <a:fontRef idx="minor"/>
+    </dgm:style>
+  </dgm:styleLbl>
+  <dgm:styleLbl name="dkBgShp">
+    <dgm:scene3d>
+      <a:camera prst="orthographicFront"/>
+      <a:lightRig rig="threePt" dir="t"/>
+    </dgm:scene3d>
+    <dgm:sp3d/>
+    <dgm:txPr/>
+    <dgm:style>
+      <a:lnRef idx="0">
+        <a:scrgbClr r="0" g="0" b="0"/>
+      </a:lnRef>
+      <a:fillRef idx="1">
+        <a:scrgbClr r="0" g="0" b="0"/>
+      </a:fillRef>
+      <a:effectRef idx="0">
+        <a:scrgbClr r="0" g="0" b="0"/>
+      </a:effectRef>
+      <a:fontRef idx="minor"/>
+    </dgm:style>
+  </dgm:styleLbl>
+  <dgm:styleLbl name="trBgShp">
+    <dgm:scene3d>
+      <a:camera prst="orthographicFront"/>
+      <a:lightRig rig="threePt" dir="t"/>
+    </dgm:scene3d>
+    <dgm:sp3d/>
+    <dgm:txPr/>
+    <dgm:style>
+      <a:lnRef idx="0">
+        <a:scrgbClr r="0" g="0" b="0"/>
+      </a:lnRef>
+      <a:fillRef idx="1">
+        <a:scrgbClr r="0" g="0" b="0"/>
+      </a:fillRef>
+      <a:effectRef idx="0">
+        <a:scrgbClr r="0" g="0" b="0"/>
+      </a:effectRef>
+      <a:fontRef idx="minor"/>
+    </dgm:style>
+  </dgm:styleLbl>
+  <dgm:styleLbl name="fgShp">
+    <dgm:scene3d>
+      <a:camera prst="orthographicFront"/>
+      <a:lightRig rig="threePt" dir="t"/>
+    </dgm:scene3d>
+    <dgm:sp3d/>
+    <dgm:txPr/>
+    <dgm:style>
+      <a:lnRef idx="2">
+        <a:scrgbClr r="0" g="0" b="0"/>
+      </a:lnRef>
+      <a:fillRef idx="1">
+        <a:scrgbClr r="0" g="0" b="0"/>
+      </a:fillRef>
+      <a:effectRef idx="0">
+        <a:scrgbClr r="0" g="0" b="0"/>
+      </a:effectRef>
+      <a:fontRef idx="minor"/>
+    </dgm:style>
+  </dgm:styleLbl>
+  <dgm:styleLbl name="revTx">
+    <dgm:scene3d>
+      <a:camera prst="orthographicFront"/>
+      <a:lightRig rig="threePt" dir="t"/>
+    </dgm:scene3d>
+    <dgm:sp3d/>
+    <dgm:txPr/>
+    <dgm:style>
+      <a:lnRef idx="0">
+        <a:scrgbClr r="0" g="0" b="0"/>
+      </a:lnRef>
+      <a:fillRef idx="0">
+        <a:scrgbClr r="0" g="0" b="0"/>
+      </a:fillRef>
+      <a:effectRef idx="0">
+        <a:scrgbClr r="0" g="0" b="0"/>
+      </a:effectRef>
+      <a:fontRef idx="minor"/>
+    </dgm:style>
+  </dgm:styleLbl>
+</dgm:styleDef>
+</file>
+
 <file path=ppt/slideLayouts/slideLayout1.xml><?xml version="1.0" encoding="utf-8"?>
 <p:sldLayout xmlns:a="http://schemas.openxmlformats.org/drawingml/2006/main" xmlns:r="http://schemas.openxmlformats.org/officeDocument/2006/relationships" xmlns:p="http://schemas.openxmlformats.org/presentationml/2006/main" type="title" preserve="1">
   <p:cSld name="Title Slide">
@@ -264,7 +3886,7 @@
           <a:p>
             <a:fld id="{56E86694-C861-44A8-AB30-CAA32AC2D8F5}" type="datetimeFigureOut">
               <a:rPr lang="en-US" smtClean="0"/>
-              <a:t>7/26/2023</a:t>
+              <a:t>7/27/2023</a:t>
             </a:fld>
             <a:endParaRPr lang="en-US"/>
           </a:p>
@@ -462,7 +4084,7 @@
           <a:p>
             <a:fld id="{56E86694-C861-44A8-AB30-CAA32AC2D8F5}" type="datetimeFigureOut">
               <a:rPr lang="en-US" smtClean="0"/>
-              <a:t>7/26/2023</a:t>
+              <a:t>7/27/2023</a:t>
             </a:fld>
             <a:endParaRPr lang="en-US"/>
           </a:p>
@@ -670,7 +4292,7 @@
           <a:p>
             <a:fld id="{56E86694-C861-44A8-AB30-CAA32AC2D8F5}" type="datetimeFigureOut">
               <a:rPr lang="en-US" smtClean="0"/>
-              <a:t>7/26/2023</a:t>
+              <a:t>7/27/2023</a:t>
             </a:fld>
             <a:endParaRPr lang="en-US"/>
           </a:p>
@@ -868,7 +4490,7 @@
           <a:p>
             <a:fld id="{56E86694-C861-44A8-AB30-CAA32AC2D8F5}" type="datetimeFigureOut">
               <a:rPr lang="en-US" smtClean="0"/>
-              <a:t>7/26/2023</a:t>
+              <a:t>7/27/2023</a:t>
             </a:fld>
             <a:endParaRPr lang="en-US"/>
           </a:p>
@@ -1143,7 +4765,7 @@
           <a:p>
             <a:fld id="{56E86694-C861-44A8-AB30-CAA32AC2D8F5}" type="datetimeFigureOut">
               <a:rPr lang="en-US" smtClean="0"/>
-              <a:t>7/26/2023</a:t>
+              <a:t>7/27/2023</a:t>
             </a:fld>
             <a:endParaRPr lang="en-US"/>
           </a:p>
@@ -1408,7 +5030,7 @@
           <a:p>
             <a:fld id="{56E86694-C861-44A8-AB30-CAA32AC2D8F5}" type="datetimeFigureOut">
               <a:rPr lang="en-US" smtClean="0"/>
-              <a:t>7/26/2023</a:t>
+              <a:t>7/27/2023</a:t>
             </a:fld>
             <a:endParaRPr lang="en-US"/>
           </a:p>
@@ -1820,7 +5442,7 @@
           <a:p>
             <a:fld id="{56E86694-C861-44A8-AB30-CAA32AC2D8F5}" type="datetimeFigureOut">
               <a:rPr lang="en-US" smtClean="0"/>
-              <a:t>7/26/2023</a:t>
+              <a:t>7/27/2023</a:t>
             </a:fld>
             <a:endParaRPr lang="en-US"/>
           </a:p>
@@ -1961,7 +5583,7 @@
           <a:p>
             <a:fld id="{56E86694-C861-44A8-AB30-CAA32AC2D8F5}" type="datetimeFigureOut">
               <a:rPr lang="en-US" smtClean="0"/>
-              <a:t>7/26/2023</a:t>
+              <a:t>7/27/2023</a:t>
             </a:fld>
             <a:endParaRPr lang="en-US"/>
           </a:p>
@@ -2074,7 +5696,7 @@
           <a:p>
             <a:fld id="{56E86694-C861-44A8-AB30-CAA32AC2D8F5}" type="datetimeFigureOut">
               <a:rPr lang="en-US" smtClean="0"/>
-              <a:t>7/26/2023</a:t>
+              <a:t>7/27/2023</a:t>
             </a:fld>
             <a:endParaRPr lang="en-US"/>
           </a:p>
@@ -2385,7 +6007,7 @@
           <a:p>
             <a:fld id="{56E86694-C861-44A8-AB30-CAA32AC2D8F5}" type="datetimeFigureOut">
               <a:rPr lang="en-US" smtClean="0"/>
-              <a:t>7/26/2023</a:t>
+              <a:t>7/27/2023</a:t>
             </a:fld>
             <a:endParaRPr lang="en-US"/>
           </a:p>
@@ -2673,7 +6295,7 @@
           <a:p>
             <a:fld id="{56E86694-C861-44A8-AB30-CAA32AC2D8F5}" type="datetimeFigureOut">
               <a:rPr lang="en-US" smtClean="0"/>
-              <a:t>7/26/2023</a:t>
+              <a:t>7/27/2023</a:t>
             </a:fld>
             <a:endParaRPr lang="en-US"/>
           </a:p>
@@ -2914,7 +6536,7 @@
           <a:p>
             <a:fld id="{56E86694-C861-44A8-AB30-CAA32AC2D8F5}" type="datetimeFigureOut">
               <a:rPr lang="en-US" smtClean="0"/>
-              <a:t>7/26/2023</a:t>
+              <a:t>7/27/2023</a:t>
             </a:fld>
             <a:endParaRPr lang="en-US"/>
           </a:p>
@@ -3781,10 +7403,141 @@
       </p:grpSpPr>
       <p:sp>
         <p:nvSpPr>
+          <p:cNvPr id="3" name="Content Placeholder 2">
+            <a:extLst>
+              <a:ext uri="{FF2B5EF4-FFF2-40B4-BE49-F238E27FC236}">
+                <a16:creationId xmlns:a16="http://schemas.microsoft.com/office/drawing/2014/main" id="{DF9C003A-E513-FC28-B495-4DA1B362C18A}"/>
+              </a:ext>
+            </a:extLst>
+          </p:cNvPr>
+          <p:cNvSpPr>
+            <a:spLocks noGrp="1"/>
+          </p:cNvSpPr>
+          <p:nvPr>
+            <p:ph idx="1"/>
+          </p:nvPr>
+        </p:nvSpPr>
+        <p:spPr>
+          <a:xfrm>
+            <a:off x="838200" y="409433"/>
+            <a:ext cx="10515600" cy="5767530"/>
+          </a:xfrm>
+        </p:spPr>
+        <p:txBody>
+          <a:bodyPr>
+            <a:normAutofit lnSpcReduction="10000"/>
+          </a:bodyPr>
+          <a:lstStyle/>
+          <a:p>
+            <a:r>
+              <a:rPr lang="en-US" dirty="0"/>
+              <a:t>Listening to Events &amp; Working with Event Handlers</a:t>
+            </a:r>
+          </a:p>
+          <a:p>
+            <a:r>
+              <a:rPr lang="en-US" dirty="0"/>
+              <a:t>Working with State</a:t>
+            </a:r>
+          </a:p>
+          <a:p>
+            <a:r>
+              <a:rPr lang="en-US" dirty="0"/>
+              <a:t>Adding Form Inputs</a:t>
+            </a:r>
+          </a:p>
+          <a:p>
+            <a:r>
+              <a:rPr lang="en-US" dirty="0"/>
+              <a:t>Listening to User Input</a:t>
+            </a:r>
+          </a:p>
+          <a:p>
+            <a:r>
+              <a:rPr lang="en-US" dirty="0"/>
+              <a:t>Working with Multiple States</a:t>
+            </a:r>
+          </a:p>
+          <a:p>
+            <a:r>
+              <a:rPr lang="en-US" dirty="0"/>
+              <a:t>Using One State Instead (And What’s Better)</a:t>
+            </a:r>
+          </a:p>
+          <a:p>
+            <a:r>
+              <a:rPr lang="en-US" dirty="0"/>
+              <a:t>Updating State That Depends on the previous state</a:t>
+            </a:r>
+          </a:p>
+          <a:p>
+            <a:r>
+              <a:rPr lang="en-US" dirty="0"/>
+              <a:t>Handling form submission</a:t>
+            </a:r>
+          </a:p>
+          <a:p>
+            <a:r>
+              <a:rPr lang="en-US" dirty="0"/>
+              <a:t>Adding Two-Way Binding</a:t>
+            </a:r>
+          </a:p>
+          <a:p>
+            <a:r>
+              <a:rPr lang="en-US" dirty="0"/>
+              <a:t>Child to Parent Component Communication(bottom-up)</a:t>
+            </a:r>
+          </a:p>
+          <a:p>
+            <a:r>
+              <a:rPr lang="en-US" dirty="0"/>
+              <a:t>Lifting State Up</a:t>
+            </a:r>
+          </a:p>
+          <a:p>
+            <a:r>
+              <a:rPr lang="en-US" dirty="0"/>
+              <a:t>Using Stateful Lists</a:t>
+            </a:r>
+          </a:p>
+        </p:txBody>
+      </p:sp>
+    </p:spTree>
+    <p:extLst>
+      <p:ext uri="{BB962C8B-B14F-4D97-AF65-F5344CB8AC3E}">
+        <p14:creationId xmlns:p14="http://schemas.microsoft.com/office/powerpoint/2010/main" val="3096689351"/>
+      </p:ext>
+    </p:extLst>
+  </p:cSld>
+  <p:clrMapOvr>
+    <a:masterClrMapping/>
+  </p:clrMapOvr>
+</p:sld>
+</file>
+
+<file path=ppt/slides/slide7.xml><?xml version="1.0" encoding="utf-8"?>
+<p:sld xmlns:a="http://schemas.openxmlformats.org/drawingml/2006/main" xmlns:r="http://schemas.openxmlformats.org/officeDocument/2006/relationships" xmlns:p="http://schemas.openxmlformats.org/presentationml/2006/main">
+  <p:cSld>
+    <p:spTree>
+      <p:nvGrpSpPr>
+        <p:cNvPr id="1" name=""/>
+        <p:cNvGrpSpPr/>
+        <p:nvPr/>
+      </p:nvGrpSpPr>
+      <p:grpSpPr>
+        <a:xfrm>
+          <a:off x="0" y="0"/>
+          <a:ext cx="0" cy="0"/>
+          <a:chOff x="0" y="0"/>
+          <a:chExt cx="0" cy="0"/>
+        </a:xfrm>
+      </p:grpSpPr>
+      <p:sp>
+        <p:nvSpPr>
           <p:cNvPr id="2" name="Title 1">
             <a:extLst>
               <a:ext uri="{FF2B5EF4-FFF2-40B4-BE49-F238E27FC236}">
-                <a16:creationId xmlns:a16="http://schemas.microsoft.com/office/drawing/2014/main" id="{34CFB546-35B4-D71F-1AEE-F79AC42676F0}"/>
+                <a16:creationId xmlns:a16="http://schemas.microsoft.com/office/drawing/2014/main" id="{5878F810-FF83-C595-0451-2D51B8A0AB7E}"/>
               </a:ext>
             </a:extLst>
           </p:cNvPr>
@@ -3800,76 +7553,387 @@
           <a:bodyPr/>
           <a:lstStyle/>
           <a:p>
-            <a:endParaRPr lang="en-US"/>
+            <a:r>
+              <a:rPr lang="en-US" dirty="0"/>
+              <a:t>Lifting State Up</a:t>
+            </a:r>
+          </a:p>
+        </p:txBody>
+      </p:sp>
+      <p:graphicFrame>
+        <p:nvGraphicFramePr>
+          <p:cNvPr id="4" name="Content Placeholder 3">
+            <a:extLst>
+              <a:ext uri="{FF2B5EF4-FFF2-40B4-BE49-F238E27FC236}">
+                <a16:creationId xmlns:a16="http://schemas.microsoft.com/office/drawing/2014/main" id="{E476915A-BF60-1B91-F0F5-0DF36C7BBE3B}"/>
+              </a:ext>
+            </a:extLst>
+          </p:cNvPr>
+          <p:cNvGraphicFramePr>
+            <a:graphicFrameLocks noGrp="1"/>
+          </p:cNvGraphicFramePr>
+          <p:nvPr>
+            <p:ph idx="1"/>
+            <p:extLst>
+              <p:ext uri="{D42A27DB-BD31-4B8C-83A1-F6EECF244321}">
+                <p14:modId xmlns:p14="http://schemas.microsoft.com/office/powerpoint/2010/main" val="2917060889"/>
+              </p:ext>
+            </p:extLst>
+          </p:nvPr>
+        </p:nvGraphicFramePr>
+        <p:xfrm>
+          <a:off x="838200" y="1253331"/>
+          <a:ext cx="10515600" cy="4351338"/>
+        </p:xfrm>
+        <a:graphic>
+          <a:graphicData uri="http://schemas.openxmlformats.org/drawingml/2006/diagram">
+            <dgm:relIds xmlns:dgm="http://schemas.openxmlformats.org/drawingml/2006/diagram" xmlns:r="http://schemas.openxmlformats.org/officeDocument/2006/relationships" r:dm="rId2" r:lo="rId3" r:qs="rId4" r:cs="rId5"/>
+          </a:graphicData>
+        </a:graphic>
+      </p:graphicFrame>
+      <p:sp>
+        <p:nvSpPr>
+          <p:cNvPr id="5" name="Rectangle: Rounded Corners 4">
+            <a:extLst>
+              <a:ext uri="{FF2B5EF4-FFF2-40B4-BE49-F238E27FC236}">
+                <a16:creationId xmlns:a16="http://schemas.microsoft.com/office/drawing/2014/main" id="{BB286BA6-F218-1BAC-5E52-705BD334B2ED}"/>
+              </a:ext>
+            </a:extLst>
+          </p:cNvPr>
+          <p:cNvSpPr/>
+          <p:nvPr/>
+        </p:nvSpPr>
+        <p:spPr>
+          <a:xfrm>
+            <a:off x="973540" y="5361291"/>
+            <a:ext cx="3994244" cy="818866"/>
+          </a:xfrm>
+          <a:prstGeom prst="roundRect">
+            <a:avLst/>
+          </a:prstGeom>
+          <a:solidFill>
+            <a:schemeClr val="accent2"/>
+          </a:solidFill>
+        </p:spPr>
+        <p:style>
+          <a:lnRef idx="2">
+            <a:schemeClr val="accent1">
+              <a:shade val="15000"/>
+            </a:schemeClr>
+          </a:lnRef>
+          <a:fillRef idx="1">
+            <a:schemeClr val="accent1"/>
+          </a:fillRef>
+          <a:effectRef idx="0">
+            <a:schemeClr val="accent1"/>
+          </a:effectRef>
+          <a:fontRef idx="minor">
+            <a:schemeClr val="lt1"/>
+          </a:fontRef>
+        </p:style>
+        <p:txBody>
+          <a:bodyPr rtlCol="0" anchor="ctr"/>
+          <a:lstStyle/>
+          <a:p>
+            <a:pPr algn="ctr"/>
+            <a:r>
+              <a:rPr lang="en-US" sz="2800" dirty="0"/>
+              <a:t>Data/State is needed here</a:t>
+            </a:r>
           </a:p>
         </p:txBody>
       </p:sp>
       <p:sp>
         <p:nvSpPr>
-          <p:cNvPr id="3" name="Content Placeholder 2">
+          <p:cNvPr id="6" name="Rectangle: Rounded Corners 5">
             <a:extLst>
               <a:ext uri="{FF2B5EF4-FFF2-40B4-BE49-F238E27FC236}">
-                <a16:creationId xmlns:a16="http://schemas.microsoft.com/office/drawing/2014/main" id="{DF9C003A-E513-FC28-B495-4DA1B362C18A}"/>
+                <a16:creationId xmlns:a16="http://schemas.microsoft.com/office/drawing/2014/main" id="{F66E5F78-26BF-B85A-D080-C6E781C2A265}"/>
               </a:ext>
             </a:extLst>
           </p:cNvPr>
-          <p:cNvSpPr>
-            <a:spLocks noGrp="1"/>
-          </p:cNvSpPr>
-          <p:nvPr>
-            <p:ph idx="1"/>
-          </p:nvPr>
+          <p:cNvSpPr/>
+          <p:nvPr/>
         </p:nvSpPr>
-        <p:spPr/>
+        <p:spPr>
+          <a:xfrm>
+            <a:off x="6955810" y="5484119"/>
+            <a:ext cx="3994244" cy="657373"/>
+          </a:xfrm>
+          <a:prstGeom prst="roundRect">
+            <a:avLst/>
+          </a:prstGeom>
+          <a:solidFill>
+            <a:schemeClr val="accent2"/>
+          </a:solidFill>
+        </p:spPr>
+        <p:style>
+          <a:lnRef idx="2">
+            <a:schemeClr val="accent1">
+              <a:shade val="15000"/>
+            </a:schemeClr>
+          </a:lnRef>
+          <a:fillRef idx="1">
+            <a:schemeClr val="accent1"/>
+          </a:fillRef>
+          <a:effectRef idx="0">
+            <a:schemeClr val="accent1"/>
+          </a:effectRef>
+          <a:fontRef idx="minor">
+            <a:schemeClr val="lt1"/>
+          </a:fontRef>
+        </p:style>
         <p:txBody>
-          <a:bodyPr/>
+          <a:bodyPr rtlCol="0" anchor="ctr"/>
           <a:lstStyle/>
           <a:p>
+            <a:pPr algn="ctr"/>
+            <a:r>
+              <a:rPr lang="en-US" sz="2800" dirty="0"/>
+              <a:t>Data/State is generated here</a:t>
+            </a:r>
+          </a:p>
+        </p:txBody>
+      </p:sp>
+      <p:cxnSp>
+        <p:nvCxnSpPr>
+          <p:cNvPr id="8" name="Straight Arrow Connector 7">
+            <a:extLst>
+              <a:ext uri="{FF2B5EF4-FFF2-40B4-BE49-F238E27FC236}">
+                <a16:creationId xmlns:a16="http://schemas.microsoft.com/office/drawing/2014/main" id="{7FE25406-00EF-DF1D-C297-6B4A4DD02EBA}"/>
+              </a:ext>
+            </a:extLst>
+          </p:cNvPr>
+          <p:cNvCxnSpPr>
+            <a:cxnSpLocks/>
+          </p:cNvCxnSpPr>
+          <p:nvPr/>
+        </p:nvCxnSpPr>
+        <p:spPr>
+          <a:xfrm flipH="1">
+            <a:off x="4967784" y="5063319"/>
+            <a:ext cx="1988026" cy="0"/>
+          </a:xfrm>
+          <a:prstGeom prst="straightConnector1">
+            <a:avLst/>
+          </a:prstGeom>
+          <a:ln>
+            <a:tailEnd type="triangle"/>
+          </a:ln>
+        </p:spPr>
+        <p:style>
+          <a:lnRef idx="1">
+            <a:schemeClr val="accent1"/>
+          </a:lnRef>
+          <a:fillRef idx="0">
+            <a:schemeClr val="accent1"/>
+          </a:fillRef>
+          <a:effectRef idx="0">
+            <a:schemeClr val="accent1"/>
+          </a:effectRef>
+          <a:fontRef idx="minor">
+            <a:schemeClr val="tx1"/>
+          </a:fontRef>
+        </p:style>
+      </p:cxnSp>
+      <p:sp>
+        <p:nvSpPr>
+          <p:cNvPr id="10" name="&quot;Not Allowed&quot; Symbol 9">
+            <a:extLst>
+              <a:ext uri="{FF2B5EF4-FFF2-40B4-BE49-F238E27FC236}">
+                <a16:creationId xmlns:a16="http://schemas.microsoft.com/office/drawing/2014/main" id="{2F5C17E5-BB65-42A3-8437-7B621E88C922}"/>
+              </a:ext>
+            </a:extLst>
+          </p:cNvPr>
+          <p:cNvSpPr/>
+          <p:nvPr/>
+        </p:nvSpPr>
+        <p:spPr>
+          <a:xfrm>
+            <a:off x="5650173" y="4722125"/>
+            <a:ext cx="696036" cy="657373"/>
+          </a:xfrm>
+          <a:prstGeom prst="noSmoking">
+            <a:avLst/>
+          </a:prstGeom>
+          <a:solidFill>
+            <a:srgbClr val="FF0000"/>
+          </a:solidFill>
+        </p:spPr>
+        <p:style>
+          <a:lnRef idx="2">
+            <a:schemeClr val="accent1">
+              <a:shade val="15000"/>
+            </a:schemeClr>
+          </a:lnRef>
+          <a:fillRef idx="1">
+            <a:schemeClr val="accent1"/>
+          </a:fillRef>
+          <a:effectRef idx="0">
+            <a:schemeClr val="accent1"/>
+          </a:effectRef>
+          <a:fontRef idx="minor">
+            <a:schemeClr val="lt1"/>
+          </a:fontRef>
+        </p:style>
+        <p:txBody>
+          <a:bodyPr rtlCol="0" anchor="ctr"/>
+          <a:lstStyle/>
+          <a:p>
+            <a:pPr algn="ctr"/>
+            <a:endParaRPr lang="en-US">
+              <a:solidFill>
+                <a:schemeClr val="tx1"/>
+              </a:solidFill>
+            </a:endParaRPr>
+          </a:p>
+        </p:txBody>
+      </p:sp>
+      <p:cxnSp>
+        <p:nvCxnSpPr>
+          <p:cNvPr id="12" name="Connector: Elbow 11">
+            <a:extLst>
+              <a:ext uri="{FF2B5EF4-FFF2-40B4-BE49-F238E27FC236}">
+                <a16:creationId xmlns:a16="http://schemas.microsoft.com/office/drawing/2014/main" id="{63A058F4-80BE-43E2-9E0C-CC878FC213F9}"/>
+              </a:ext>
+            </a:extLst>
+          </p:cNvPr>
+          <p:cNvCxnSpPr>
+            <a:stCxn id="6" idx="3"/>
+            <a:endCxn id="2" idx="3"/>
+          </p:cNvCxnSpPr>
+          <p:nvPr/>
+        </p:nvCxnSpPr>
+        <p:spPr>
+          <a:xfrm flipV="1">
+            <a:off x="10950054" y="1027907"/>
+            <a:ext cx="403746" cy="4784899"/>
+          </a:xfrm>
+          <a:prstGeom prst="bentConnector3">
+            <a:avLst>
+              <a:gd name="adj1" fmla="val 156620"/>
+            </a:avLst>
+          </a:prstGeom>
+          <a:ln>
+            <a:tailEnd type="triangle"/>
+          </a:ln>
+        </p:spPr>
+        <p:style>
+          <a:lnRef idx="1">
+            <a:schemeClr val="accent1"/>
+          </a:lnRef>
+          <a:fillRef idx="0">
+            <a:schemeClr val="accent1"/>
+          </a:fillRef>
+          <a:effectRef idx="0">
+            <a:schemeClr val="accent1"/>
+          </a:effectRef>
+          <a:fontRef idx="minor">
+            <a:schemeClr val="tx1"/>
+          </a:fontRef>
+        </p:style>
+      </p:cxnSp>
+      <p:sp>
+        <p:nvSpPr>
+          <p:cNvPr id="13" name="TextBox 12">
+            <a:extLst>
+              <a:ext uri="{FF2B5EF4-FFF2-40B4-BE49-F238E27FC236}">
+                <a16:creationId xmlns:a16="http://schemas.microsoft.com/office/drawing/2014/main" id="{3FA85127-29D2-494A-649E-9CF7D6E6EBF2}"/>
+              </a:ext>
+            </a:extLst>
+          </p:cNvPr>
+          <p:cNvSpPr txBox="1"/>
+          <p:nvPr/>
+        </p:nvSpPr>
+        <p:spPr>
+          <a:xfrm>
+            <a:off x="9414947" y="807676"/>
+            <a:ext cx="2131930" cy="369332"/>
+          </a:xfrm>
+          <a:prstGeom prst="rect">
+            <a:avLst/>
+          </a:prstGeom>
+          <a:noFill/>
+        </p:spPr>
+        <p:txBody>
+          <a:bodyPr wrap="none" rtlCol="0">
+            <a:spAutoFit/>
+          </a:bodyPr>
+          <a:lstStyle/>
+          <a:p>
             <a:r>
               <a:rPr lang="en-US" dirty="0"/>
-              <a:t>Listening to Events &amp; Working with Event Handlers</a:t>
-            </a:r>
-          </a:p>
+              <a:t>“Lifting the state up”</a:t>
+            </a:r>
+          </a:p>
+        </p:txBody>
+      </p:sp>
+      <p:sp>
+        <p:nvSpPr>
+          <p:cNvPr id="14" name="TextBox 13">
+            <a:extLst>
+              <a:ext uri="{FF2B5EF4-FFF2-40B4-BE49-F238E27FC236}">
+                <a16:creationId xmlns:a16="http://schemas.microsoft.com/office/drawing/2014/main" id="{F5580900-CE52-0F27-3A32-08776D96892A}"/>
+              </a:ext>
+            </a:extLst>
+          </p:cNvPr>
+          <p:cNvSpPr txBox="1"/>
+          <p:nvPr/>
+        </p:nvSpPr>
+        <p:spPr>
+          <a:xfrm>
+            <a:off x="1241946" y="1690687"/>
+            <a:ext cx="2934269" cy="646331"/>
+          </a:xfrm>
+          <a:prstGeom prst="rect">
+            <a:avLst/>
+          </a:prstGeom>
+          <a:noFill/>
+        </p:spPr>
+        <p:txBody>
+          <a:bodyPr wrap="square" rtlCol="0">
+            <a:spAutoFit/>
+          </a:bodyPr>
+          <a:lstStyle/>
           <a:p>
             <a:r>
               <a:rPr lang="en-US" dirty="0"/>
-              <a:t>Working with State</a:t>
-            </a:r>
-          </a:p>
+              <a:t>This component has access to both involved components</a:t>
+            </a:r>
+          </a:p>
+        </p:txBody>
+      </p:sp>
+      <p:sp>
+        <p:nvSpPr>
+          <p:cNvPr id="15" name="TextBox 14">
+            <a:extLst>
+              <a:ext uri="{FF2B5EF4-FFF2-40B4-BE49-F238E27FC236}">
+                <a16:creationId xmlns:a16="http://schemas.microsoft.com/office/drawing/2014/main" id="{841C8DB1-1213-EEF1-AA92-DF4A269D7F89}"/>
+              </a:ext>
+            </a:extLst>
+          </p:cNvPr>
+          <p:cNvSpPr txBox="1"/>
+          <p:nvPr/>
+        </p:nvSpPr>
+        <p:spPr>
+          <a:xfrm>
+            <a:off x="1241946" y="3903260"/>
+            <a:ext cx="2473049" cy="369332"/>
+          </a:xfrm>
+          <a:prstGeom prst="rect">
+            <a:avLst/>
+          </a:prstGeom>
+          <a:noFill/>
+        </p:spPr>
+        <p:txBody>
+          <a:bodyPr wrap="none" rtlCol="0">
+            <a:spAutoFit/>
+          </a:bodyPr>
+          <a:lstStyle/>
           <a:p>
             <a:r>
               <a:rPr lang="en-US" dirty="0"/>
-              <a:t>Adding Form Inputs</a:t>
-            </a:r>
-          </a:p>
-          <a:p>
-            <a:r>
-              <a:rPr lang="en-US" dirty="0"/>
-              <a:t>Listening to User Input</a:t>
-            </a:r>
-          </a:p>
-          <a:p>
-            <a:r>
-              <a:rPr lang="en-US" dirty="0"/>
-              <a:t>Working with Multiple States</a:t>
-            </a:r>
-          </a:p>
-          <a:p>
-            <a:r>
-              <a:rPr lang="en-US" dirty="0"/>
-              <a:t>Using One State Instead (And What’s Better)</a:t>
-            </a:r>
-          </a:p>
-          <a:p>
-            <a:r>
-              <a:rPr lang="en-US" dirty="0"/>
-              <a:t>Updating State That Depends on the previous state</a:t>
-            </a:r>
-          </a:p>
-          <a:p>
-            <a:r>
-              <a:rPr lang="en-US" dirty="0"/>
-              <a:t>Handling form submission</a:t>
+              <a:t>Pass state data via props</a:t>
             </a:r>
           </a:p>
         </p:txBody>
@@ -3877,7 +7941,7 @@
     </p:spTree>
     <p:extLst>
       <p:ext uri="{BB962C8B-B14F-4D97-AF65-F5344CB8AC3E}">
-        <p14:creationId xmlns:p14="http://schemas.microsoft.com/office/powerpoint/2010/main" val="3096689351"/>
+        <p14:creationId xmlns:p14="http://schemas.microsoft.com/office/powerpoint/2010/main" val="4204068840"/>
       </p:ext>
     </p:extLst>
   </p:cSld>

--- a/Reactjs.pptx
+++ b/Reactjs.pptx
@@ -12,6 +12,7 @@
     <p:sldId id="260" r:id="rId6"/>
     <p:sldId id="261" r:id="rId7"/>
     <p:sldId id="262" r:id="rId8"/>
+    <p:sldId id="263" r:id="rId9"/>
   </p:sldIdLst>
   <p:sldSz cx="12192000" cy="6858000"/>
   <p:notesSz cx="6858000" cy="9144000"/>
@@ -3886,7 +3887,7 @@
           <a:p>
             <a:fld id="{56E86694-C861-44A8-AB30-CAA32AC2D8F5}" type="datetimeFigureOut">
               <a:rPr lang="en-US" smtClean="0"/>
-              <a:t>7/27/2023</a:t>
+              <a:t>7/31/2023</a:t>
             </a:fld>
             <a:endParaRPr lang="en-US"/>
           </a:p>
@@ -4084,7 +4085,7 @@
           <a:p>
             <a:fld id="{56E86694-C861-44A8-AB30-CAA32AC2D8F5}" type="datetimeFigureOut">
               <a:rPr lang="en-US" smtClean="0"/>
-              <a:t>7/27/2023</a:t>
+              <a:t>7/31/2023</a:t>
             </a:fld>
             <a:endParaRPr lang="en-US"/>
           </a:p>
@@ -4292,7 +4293,7 @@
           <a:p>
             <a:fld id="{56E86694-C861-44A8-AB30-CAA32AC2D8F5}" type="datetimeFigureOut">
               <a:rPr lang="en-US" smtClean="0"/>
-              <a:t>7/27/2023</a:t>
+              <a:t>7/31/2023</a:t>
             </a:fld>
             <a:endParaRPr lang="en-US"/>
           </a:p>
@@ -4490,7 +4491,7 @@
           <a:p>
             <a:fld id="{56E86694-C861-44A8-AB30-CAA32AC2D8F5}" type="datetimeFigureOut">
               <a:rPr lang="en-US" smtClean="0"/>
-              <a:t>7/27/2023</a:t>
+              <a:t>7/31/2023</a:t>
             </a:fld>
             <a:endParaRPr lang="en-US"/>
           </a:p>
@@ -4765,7 +4766,7 @@
           <a:p>
             <a:fld id="{56E86694-C861-44A8-AB30-CAA32AC2D8F5}" type="datetimeFigureOut">
               <a:rPr lang="en-US" smtClean="0"/>
-              <a:t>7/27/2023</a:t>
+              <a:t>7/31/2023</a:t>
             </a:fld>
             <a:endParaRPr lang="en-US"/>
           </a:p>
@@ -5030,7 +5031,7 @@
           <a:p>
             <a:fld id="{56E86694-C861-44A8-AB30-CAA32AC2D8F5}" type="datetimeFigureOut">
               <a:rPr lang="en-US" smtClean="0"/>
-              <a:t>7/27/2023</a:t>
+              <a:t>7/31/2023</a:t>
             </a:fld>
             <a:endParaRPr lang="en-US"/>
           </a:p>
@@ -5442,7 +5443,7 @@
           <a:p>
             <a:fld id="{56E86694-C861-44A8-AB30-CAA32AC2D8F5}" type="datetimeFigureOut">
               <a:rPr lang="en-US" smtClean="0"/>
-              <a:t>7/27/2023</a:t>
+              <a:t>7/31/2023</a:t>
             </a:fld>
             <a:endParaRPr lang="en-US"/>
           </a:p>
@@ -5583,7 +5584,7 @@
           <a:p>
             <a:fld id="{56E86694-C861-44A8-AB30-CAA32AC2D8F5}" type="datetimeFigureOut">
               <a:rPr lang="en-US" smtClean="0"/>
-              <a:t>7/27/2023</a:t>
+              <a:t>7/31/2023</a:t>
             </a:fld>
             <a:endParaRPr lang="en-US"/>
           </a:p>
@@ -5696,7 +5697,7 @@
           <a:p>
             <a:fld id="{56E86694-C861-44A8-AB30-CAA32AC2D8F5}" type="datetimeFigureOut">
               <a:rPr lang="en-US" smtClean="0"/>
-              <a:t>7/27/2023</a:t>
+              <a:t>7/31/2023</a:t>
             </a:fld>
             <a:endParaRPr lang="en-US"/>
           </a:p>
@@ -6007,7 +6008,7 @@
           <a:p>
             <a:fld id="{56E86694-C861-44A8-AB30-CAA32AC2D8F5}" type="datetimeFigureOut">
               <a:rPr lang="en-US" smtClean="0"/>
-              <a:t>7/27/2023</a:t>
+              <a:t>7/31/2023</a:t>
             </a:fld>
             <a:endParaRPr lang="en-US"/>
           </a:p>
@@ -6295,7 +6296,7 @@
           <a:p>
             <a:fld id="{56E86694-C861-44A8-AB30-CAA32AC2D8F5}" type="datetimeFigureOut">
               <a:rPr lang="en-US" smtClean="0"/>
-              <a:t>7/27/2023</a:t>
+              <a:t>7/31/2023</a:t>
             </a:fld>
             <a:endParaRPr lang="en-US"/>
           </a:p>
@@ -6536,7 +6537,7 @@
           <a:p>
             <a:fld id="{56E86694-C861-44A8-AB30-CAA32AC2D8F5}" type="datetimeFigureOut">
               <a:rPr lang="en-US" smtClean="0"/>
-              <a:t>7/27/2023</a:t>
+              <a:t>7/31/2023</a:t>
             </a:fld>
             <a:endParaRPr lang="en-US"/>
           </a:p>
@@ -7951,6 +7952,72 @@
 </p:sld>
 </file>
 
+<file path=ppt/slides/slide8.xml><?xml version="1.0" encoding="utf-8"?>
+<p:sld xmlns:a="http://schemas.openxmlformats.org/drawingml/2006/main" xmlns:r="http://schemas.openxmlformats.org/officeDocument/2006/relationships" xmlns:p="http://schemas.openxmlformats.org/presentationml/2006/main">
+  <p:cSld>
+    <p:spTree>
+      <p:nvGrpSpPr>
+        <p:cNvPr id="1" name=""/>
+        <p:cNvGrpSpPr/>
+        <p:nvPr/>
+      </p:nvGrpSpPr>
+      <p:grpSpPr>
+        <a:xfrm>
+          <a:off x="0" y="0"/>
+          <a:ext cx="0" cy="0"/>
+          <a:chOff x="0" y="0"/>
+          <a:chExt cx="0" cy="0"/>
+        </a:xfrm>
+      </p:grpSpPr>
+      <p:sp>
+        <p:nvSpPr>
+          <p:cNvPr id="3" name="Content Placeholder 2">
+            <a:extLst>
+              <a:ext uri="{FF2B5EF4-FFF2-40B4-BE49-F238E27FC236}">
+                <a16:creationId xmlns:a16="http://schemas.microsoft.com/office/drawing/2014/main" id="{D11AEE85-08CB-7729-4B13-68FA92284822}"/>
+              </a:ext>
+            </a:extLst>
+          </p:cNvPr>
+          <p:cNvSpPr>
+            <a:spLocks noGrp="1"/>
+          </p:cNvSpPr>
+          <p:nvPr>
+            <p:ph idx="1"/>
+          </p:nvPr>
+        </p:nvSpPr>
+        <p:spPr>
+          <a:xfrm>
+            <a:off x="341194" y="300250"/>
+            <a:ext cx="11573302" cy="6332561"/>
+          </a:xfrm>
+        </p:spPr>
+        <p:txBody>
+          <a:bodyPr/>
+          <a:lstStyle/>
+          <a:p>
+            <a:r>
+              <a:rPr lang="en-US" dirty="0"/>
+              <a:t>Outputting Conditional Content</a:t>
+            </a:r>
+          </a:p>
+          <a:p>
+            <a:endParaRPr lang="en-US" dirty="0"/>
+          </a:p>
+        </p:txBody>
+      </p:sp>
+    </p:spTree>
+    <p:extLst>
+      <p:ext uri="{BB962C8B-B14F-4D97-AF65-F5344CB8AC3E}">
+        <p14:creationId xmlns:p14="http://schemas.microsoft.com/office/powerpoint/2010/main" val="1986981195"/>
+      </p:ext>
+    </p:extLst>
+  </p:cSld>
+  <p:clrMapOvr>
+    <a:masterClrMapping/>
+  </p:clrMapOvr>
+</p:sld>
+</file>
+
 <file path=ppt/theme/theme1.xml><?xml version="1.0" encoding="utf-8"?>
 <a:theme xmlns:a="http://schemas.openxmlformats.org/drawingml/2006/main" name="Office Theme">
   <a:themeElements>

--- a/Reactjs.pptx
+++ b/Reactjs.pptx
@@ -13,6 +13,7 @@
     <p:sldId id="261" r:id="rId7"/>
     <p:sldId id="262" r:id="rId8"/>
     <p:sldId id="263" r:id="rId9"/>
+    <p:sldId id="264" r:id="rId10"/>
   </p:sldIdLst>
   <p:sldSz cx="12192000" cy="6858000"/>
   <p:notesSz cx="6858000" cy="9144000"/>
@@ -3887,7 +3888,7 @@
           <a:p>
             <a:fld id="{56E86694-C861-44A8-AB30-CAA32AC2D8F5}" type="datetimeFigureOut">
               <a:rPr lang="en-US" smtClean="0"/>
-              <a:t>7/31/2023</a:t>
+              <a:t>8/1/2023</a:t>
             </a:fld>
             <a:endParaRPr lang="en-US"/>
           </a:p>
@@ -4085,7 +4086,7 @@
           <a:p>
             <a:fld id="{56E86694-C861-44A8-AB30-CAA32AC2D8F5}" type="datetimeFigureOut">
               <a:rPr lang="en-US" smtClean="0"/>
-              <a:t>7/31/2023</a:t>
+              <a:t>8/1/2023</a:t>
             </a:fld>
             <a:endParaRPr lang="en-US"/>
           </a:p>
@@ -4293,7 +4294,7 @@
           <a:p>
             <a:fld id="{56E86694-C861-44A8-AB30-CAA32AC2D8F5}" type="datetimeFigureOut">
               <a:rPr lang="en-US" smtClean="0"/>
-              <a:t>7/31/2023</a:t>
+              <a:t>8/1/2023</a:t>
             </a:fld>
             <a:endParaRPr lang="en-US"/>
           </a:p>
@@ -4491,7 +4492,7 @@
           <a:p>
             <a:fld id="{56E86694-C861-44A8-AB30-CAA32AC2D8F5}" type="datetimeFigureOut">
               <a:rPr lang="en-US" smtClean="0"/>
-              <a:t>7/31/2023</a:t>
+              <a:t>8/1/2023</a:t>
             </a:fld>
             <a:endParaRPr lang="en-US"/>
           </a:p>
@@ -4766,7 +4767,7 @@
           <a:p>
             <a:fld id="{56E86694-C861-44A8-AB30-CAA32AC2D8F5}" type="datetimeFigureOut">
               <a:rPr lang="en-US" smtClean="0"/>
-              <a:t>7/31/2023</a:t>
+              <a:t>8/1/2023</a:t>
             </a:fld>
             <a:endParaRPr lang="en-US"/>
           </a:p>
@@ -5031,7 +5032,7 @@
           <a:p>
             <a:fld id="{56E86694-C861-44A8-AB30-CAA32AC2D8F5}" type="datetimeFigureOut">
               <a:rPr lang="en-US" smtClean="0"/>
-              <a:t>7/31/2023</a:t>
+              <a:t>8/1/2023</a:t>
             </a:fld>
             <a:endParaRPr lang="en-US"/>
           </a:p>
@@ -5443,7 +5444,7 @@
           <a:p>
             <a:fld id="{56E86694-C861-44A8-AB30-CAA32AC2D8F5}" type="datetimeFigureOut">
               <a:rPr lang="en-US" smtClean="0"/>
-              <a:t>7/31/2023</a:t>
+              <a:t>8/1/2023</a:t>
             </a:fld>
             <a:endParaRPr lang="en-US"/>
           </a:p>
@@ -5584,7 +5585,7 @@
           <a:p>
             <a:fld id="{56E86694-C861-44A8-AB30-CAA32AC2D8F5}" type="datetimeFigureOut">
               <a:rPr lang="en-US" smtClean="0"/>
-              <a:t>7/31/2023</a:t>
+              <a:t>8/1/2023</a:t>
             </a:fld>
             <a:endParaRPr lang="en-US"/>
           </a:p>
@@ -5697,7 +5698,7 @@
           <a:p>
             <a:fld id="{56E86694-C861-44A8-AB30-CAA32AC2D8F5}" type="datetimeFigureOut">
               <a:rPr lang="en-US" smtClean="0"/>
-              <a:t>7/31/2023</a:t>
+              <a:t>8/1/2023</a:t>
             </a:fld>
             <a:endParaRPr lang="en-US"/>
           </a:p>
@@ -6008,7 +6009,7 @@
           <a:p>
             <a:fld id="{56E86694-C861-44A8-AB30-CAA32AC2D8F5}" type="datetimeFigureOut">
               <a:rPr lang="en-US" smtClean="0"/>
-              <a:t>7/31/2023</a:t>
+              <a:t>8/1/2023</a:t>
             </a:fld>
             <a:endParaRPr lang="en-US"/>
           </a:p>
@@ -6296,7 +6297,7 @@
           <a:p>
             <a:fld id="{56E86694-C861-44A8-AB30-CAA32AC2D8F5}" type="datetimeFigureOut">
               <a:rPr lang="en-US" smtClean="0"/>
-              <a:t>7/31/2023</a:t>
+              <a:t>8/1/2023</a:t>
             </a:fld>
             <a:endParaRPr lang="en-US"/>
           </a:p>
@@ -6537,7 +6538,7 @@
           <a:p>
             <a:fld id="{56E86694-C861-44A8-AB30-CAA32AC2D8F5}" type="datetimeFigureOut">
               <a:rPr lang="en-US" smtClean="0"/>
-              <a:t>7/31/2023</a:t>
+              <a:t>8/1/2023</a:t>
             </a:fld>
             <a:endParaRPr lang="en-US"/>
           </a:p>
@@ -8018,6 +8019,113 @@
 </p:sld>
 </file>
 
+<file path=ppt/slides/slide9.xml><?xml version="1.0" encoding="utf-8"?>
+<p:sld xmlns:a="http://schemas.openxmlformats.org/drawingml/2006/main" xmlns:r="http://schemas.openxmlformats.org/officeDocument/2006/relationships" xmlns:p="http://schemas.openxmlformats.org/presentationml/2006/main">
+  <p:cSld>
+    <p:spTree>
+      <p:nvGrpSpPr>
+        <p:cNvPr id="1" name=""/>
+        <p:cNvGrpSpPr/>
+        <p:nvPr/>
+      </p:nvGrpSpPr>
+      <p:grpSpPr>
+        <a:xfrm>
+          <a:off x="0" y="0"/>
+          <a:ext cx="0" cy="0"/>
+          <a:chOff x="0" y="0"/>
+          <a:chExt cx="0" cy="0"/>
+        </a:xfrm>
+      </p:grpSpPr>
+      <p:sp>
+        <p:nvSpPr>
+          <p:cNvPr id="2" name="Title 1">
+            <a:extLst>
+              <a:ext uri="{FF2B5EF4-FFF2-40B4-BE49-F238E27FC236}">
+                <a16:creationId xmlns:a16="http://schemas.microsoft.com/office/drawing/2014/main" id="{99505343-F995-6770-B6AF-E980D7A43B1C}"/>
+              </a:ext>
+            </a:extLst>
+          </p:cNvPr>
+          <p:cNvSpPr>
+            <a:spLocks noGrp="1"/>
+          </p:cNvSpPr>
+          <p:nvPr>
+            <p:ph type="title"/>
+          </p:nvPr>
+        </p:nvSpPr>
+        <p:spPr/>
+        <p:txBody>
+          <a:bodyPr/>
+          <a:lstStyle/>
+          <a:p>
+            <a:r>
+              <a:rPr lang="en-US" dirty="0"/>
+              <a:t>Styling React Components</a:t>
+            </a:r>
+          </a:p>
+        </p:txBody>
+      </p:sp>
+      <p:sp>
+        <p:nvSpPr>
+          <p:cNvPr id="3" name="Content Placeholder 2">
+            <a:extLst>
+              <a:ext uri="{FF2B5EF4-FFF2-40B4-BE49-F238E27FC236}">
+                <a16:creationId xmlns:a16="http://schemas.microsoft.com/office/drawing/2014/main" id="{0A77D719-B618-62B8-CDFE-42DDAA87D6E7}"/>
+              </a:ext>
+            </a:extLst>
+          </p:cNvPr>
+          <p:cNvSpPr>
+            <a:spLocks noGrp="1"/>
+          </p:cNvSpPr>
+          <p:nvPr>
+            <p:ph idx="1"/>
+          </p:nvPr>
+        </p:nvSpPr>
+        <p:spPr/>
+        <p:txBody>
+          <a:bodyPr/>
+          <a:lstStyle/>
+          <a:p>
+            <a:r>
+              <a:rPr lang="en-US" dirty="0"/>
+              <a:t>Setting styles dynamically</a:t>
+            </a:r>
+          </a:p>
+          <a:p>
+            <a:r>
+              <a:rPr lang="en-US" dirty="0"/>
+              <a:t>Setting class names dynamically</a:t>
+            </a:r>
+          </a:p>
+          <a:p>
+            <a:r>
+              <a:rPr lang="en-US" dirty="0"/>
+              <a:t>Introducing styled components.</a:t>
+            </a:r>
+          </a:p>
+          <a:p>
+            <a:r>
+              <a:rPr lang="en-US" dirty="0"/>
+              <a:t>More on styled components</a:t>
+            </a:r>
+          </a:p>
+          <a:p>
+            <a:endParaRPr lang="en-US" dirty="0"/>
+          </a:p>
+        </p:txBody>
+      </p:sp>
+    </p:spTree>
+    <p:extLst>
+      <p:ext uri="{BB962C8B-B14F-4D97-AF65-F5344CB8AC3E}">
+        <p14:creationId xmlns:p14="http://schemas.microsoft.com/office/powerpoint/2010/main" val="2565040553"/>
+      </p:ext>
+    </p:extLst>
+  </p:cSld>
+  <p:clrMapOvr>
+    <a:masterClrMapping/>
+  </p:clrMapOvr>
+</p:sld>
+</file>
+
 <file path=ppt/theme/theme1.xml><?xml version="1.0" encoding="utf-8"?>
 <a:theme xmlns:a="http://schemas.openxmlformats.org/drawingml/2006/main" name="Office Theme">
   <a:themeElements>

--- a/Reactjs.pptx
+++ b/Reactjs.pptx
@@ -14,6 +14,12 @@
     <p:sldId id="262" r:id="rId8"/>
     <p:sldId id="263" r:id="rId9"/>
     <p:sldId id="264" r:id="rId10"/>
+    <p:sldId id="265" r:id="rId11"/>
+    <p:sldId id="266" r:id="rId12"/>
+    <p:sldId id="267" r:id="rId13"/>
+    <p:sldId id="268" r:id="rId14"/>
+    <p:sldId id="269" r:id="rId15"/>
+    <p:sldId id="270" r:id="rId16"/>
   </p:sldIdLst>
   <p:sldSz cx="12192000" cy="6858000"/>
   <p:notesSz cx="6858000" cy="9144000"/>
@@ -3888,7 +3894,7 @@
           <a:p>
             <a:fld id="{56E86694-C861-44A8-AB30-CAA32AC2D8F5}" type="datetimeFigureOut">
               <a:rPr lang="en-US" smtClean="0"/>
-              <a:t>8/1/2023</a:t>
+              <a:t>8/7/2023</a:t>
             </a:fld>
             <a:endParaRPr lang="en-US"/>
           </a:p>
@@ -4086,7 +4092,7 @@
           <a:p>
             <a:fld id="{56E86694-C861-44A8-AB30-CAA32AC2D8F5}" type="datetimeFigureOut">
               <a:rPr lang="en-US" smtClean="0"/>
-              <a:t>8/1/2023</a:t>
+              <a:t>8/7/2023</a:t>
             </a:fld>
             <a:endParaRPr lang="en-US"/>
           </a:p>
@@ -4294,7 +4300,7 @@
           <a:p>
             <a:fld id="{56E86694-C861-44A8-AB30-CAA32AC2D8F5}" type="datetimeFigureOut">
               <a:rPr lang="en-US" smtClean="0"/>
-              <a:t>8/1/2023</a:t>
+              <a:t>8/7/2023</a:t>
             </a:fld>
             <a:endParaRPr lang="en-US"/>
           </a:p>
@@ -4492,7 +4498,7 @@
           <a:p>
             <a:fld id="{56E86694-C861-44A8-AB30-CAA32AC2D8F5}" type="datetimeFigureOut">
               <a:rPr lang="en-US" smtClean="0"/>
-              <a:t>8/1/2023</a:t>
+              <a:t>8/7/2023</a:t>
             </a:fld>
             <a:endParaRPr lang="en-US"/>
           </a:p>
@@ -4767,7 +4773,7 @@
           <a:p>
             <a:fld id="{56E86694-C861-44A8-AB30-CAA32AC2D8F5}" type="datetimeFigureOut">
               <a:rPr lang="en-US" smtClean="0"/>
-              <a:t>8/1/2023</a:t>
+              <a:t>8/7/2023</a:t>
             </a:fld>
             <a:endParaRPr lang="en-US"/>
           </a:p>
@@ -5032,7 +5038,7 @@
           <a:p>
             <a:fld id="{56E86694-C861-44A8-AB30-CAA32AC2D8F5}" type="datetimeFigureOut">
               <a:rPr lang="en-US" smtClean="0"/>
-              <a:t>8/1/2023</a:t>
+              <a:t>8/7/2023</a:t>
             </a:fld>
             <a:endParaRPr lang="en-US"/>
           </a:p>
@@ -5444,7 +5450,7 @@
           <a:p>
             <a:fld id="{56E86694-C861-44A8-AB30-CAA32AC2D8F5}" type="datetimeFigureOut">
               <a:rPr lang="en-US" smtClean="0"/>
-              <a:t>8/1/2023</a:t>
+              <a:t>8/7/2023</a:t>
             </a:fld>
             <a:endParaRPr lang="en-US"/>
           </a:p>
@@ -5585,7 +5591,7 @@
           <a:p>
             <a:fld id="{56E86694-C861-44A8-AB30-CAA32AC2D8F5}" type="datetimeFigureOut">
               <a:rPr lang="en-US" smtClean="0"/>
-              <a:t>8/1/2023</a:t>
+              <a:t>8/7/2023</a:t>
             </a:fld>
             <a:endParaRPr lang="en-US"/>
           </a:p>
@@ -5698,7 +5704,7 @@
           <a:p>
             <a:fld id="{56E86694-C861-44A8-AB30-CAA32AC2D8F5}" type="datetimeFigureOut">
               <a:rPr lang="en-US" smtClean="0"/>
-              <a:t>8/1/2023</a:t>
+              <a:t>8/7/2023</a:t>
             </a:fld>
             <a:endParaRPr lang="en-US"/>
           </a:p>
@@ -6009,7 +6015,7 @@
           <a:p>
             <a:fld id="{56E86694-C861-44A8-AB30-CAA32AC2D8F5}" type="datetimeFigureOut">
               <a:rPr lang="en-US" smtClean="0"/>
-              <a:t>8/1/2023</a:t>
+              <a:t>8/7/2023</a:t>
             </a:fld>
             <a:endParaRPr lang="en-US"/>
           </a:p>
@@ -6297,7 +6303,7 @@
           <a:p>
             <a:fld id="{56E86694-C861-44A8-AB30-CAA32AC2D8F5}" type="datetimeFigureOut">
               <a:rPr lang="en-US" smtClean="0"/>
-              <a:t>8/1/2023</a:t>
+              <a:t>8/7/2023</a:t>
             </a:fld>
             <a:endParaRPr lang="en-US"/>
           </a:p>
@@ -6538,7 +6544,7 @@
           <a:p>
             <a:fld id="{56E86694-C861-44A8-AB30-CAA32AC2D8F5}" type="datetimeFigureOut">
               <a:rPr lang="en-US" smtClean="0"/>
-              <a:t>8/1/2023</a:t>
+              <a:t>8/7/2023</a:t>
             </a:fld>
             <a:endParaRPr lang="en-US"/>
           </a:p>
@@ -7022,6 +7028,4589 @@
 </p:sld>
 </file>
 
+<file path=ppt/slides/slide10.xml><?xml version="1.0" encoding="utf-8"?>
+<p:sld xmlns:a="http://schemas.openxmlformats.org/drawingml/2006/main" xmlns:r="http://schemas.openxmlformats.org/officeDocument/2006/relationships" xmlns:p="http://schemas.openxmlformats.org/presentationml/2006/main">
+  <p:cSld>
+    <p:spTree>
+      <p:nvGrpSpPr>
+        <p:cNvPr id="1" name=""/>
+        <p:cNvGrpSpPr/>
+        <p:nvPr/>
+      </p:nvGrpSpPr>
+      <p:grpSpPr>
+        <a:xfrm>
+          <a:off x="0" y="0"/>
+          <a:ext cx="0" cy="0"/>
+          <a:chOff x="0" y="0"/>
+          <a:chExt cx="0" cy="0"/>
+        </a:xfrm>
+      </p:grpSpPr>
+      <p:sp>
+        <p:nvSpPr>
+          <p:cNvPr id="2" name="Title 1">
+            <a:extLst>
+              <a:ext uri="{FF2B5EF4-FFF2-40B4-BE49-F238E27FC236}">
+                <a16:creationId xmlns:a16="http://schemas.microsoft.com/office/drawing/2014/main" id="{067E7E1B-B28C-BBFF-3607-8083D83358FF}"/>
+              </a:ext>
+            </a:extLst>
+          </p:cNvPr>
+          <p:cNvSpPr>
+            <a:spLocks noGrp="1"/>
+          </p:cNvSpPr>
+          <p:nvPr>
+            <p:ph type="title"/>
+          </p:nvPr>
+        </p:nvSpPr>
+        <p:spPr/>
+        <p:txBody>
+          <a:bodyPr/>
+          <a:lstStyle/>
+          <a:p>
+            <a:pPr algn="ctr"/>
+            <a:r>
+              <a:rPr lang="en-US" dirty="0"/>
+              <a:t>Component Deep Dive</a:t>
+            </a:r>
+          </a:p>
+        </p:txBody>
+      </p:sp>
+      <p:sp>
+        <p:nvSpPr>
+          <p:cNvPr id="3" name="Content Placeholder 2">
+            <a:extLst>
+              <a:ext uri="{FF2B5EF4-FFF2-40B4-BE49-F238E27FC236}">
+                <a16:creationId xmlns:a16="http://schemas.microsoft.com/office/drawing/2014/main" id="{BDB46C0A-923B-2839-EBB3-6756C6C85ED8}"/>
+              </a:ext>
+            </a:extLst>
+          </p:cNvPr>
+          <p:cNvSpPr>
+            <a:spLocks noGrp="1"/>
+          </p:cNvSpPr>
+          <p:nvPr>
+            <p:ph idx="1"/>
+          </p:nvPr>
+        </p:nvSpPr>
+        <p:spPr>
+          <a:xfrm>
+            <a:off x="838200" y="1825624"/>
+            <a:ext cx="10515600" cy="562733"/>
+          </a:xfrm>
+        </p:spPr>
+        <p:txBody>
+          <a:bodyPr>
+            <a:normAutofit/>
+          </a:bodyPr>
+          <a:lstStyle/>
+          <a:p>
+            <a:pPr marL="0" indent="0" algn="ctr">
+              <a:buNone/>
+            </a:pPr>
+            <a:r>
+              <a:rPr lang="en-US" dirty="0"/>
+              <a:t>Beyond the Basics</a:t>
+            </a:r>
+          </a:p>
+        </p:txBody>
+      </p:sp>
+    </p:spTree>
+    <p:extLst>
+      <p:ext uri="{BB962C8B-B14F-4D97-AF65-F5344CB8AC3E}">
+        <p14:creationId xmlns:p14="http://schemas.microsoft.com/office/powerpoint/2010/main" val="402642634"/>
+      </p:ext>
+    </p:extLst>
+  </p:cSld>
+  <p:clrMapOvr>
+    <a:masterClrMapping/>
+  </p:clrMapOvr>
+</p:sld>
+</file>
+
+<file path=ppt/slides/slide11.xml><?xml version="1.0" encoding="utf-8"?>
+<p:sld xmlns:a="http://schemas.openxmlformats.org/drawingml/2006/main" xmlns:r="http://schemas.openxmlformats.org/officeDocument/2006/relationships" xmlns:p="http://schemas.openxmlformats.org/presentationml/2006/main">
+  <p:cSld>
+    <p:spTree>
+      <p:nvGrpSpPr>
+        <p:cNvPr id="1" name=""/>
+        <p:cNvGrpSpPr/>
+        <p:nvPr/>
+      </p:nvGrpSpPr>
+      <p:grpSpPr>
+        <a:xfrm>
+          <a:off x="0" y="0"/>
+          <a:ext cx="0" cy="0"/>
+          <a:chOff x="0" y="0"/>
+          <a:chExt cx="0" cy="0"/>
+        </a:xfrm>
+      </p:grpSpPr>
+      <p:sp>
+        <p:nvSpPr>
+          <p:cNvPr id="3" name="Content Placeholder 2">
+            <a:extLst>
+              <a:ext uri="{FF2B5EF4-FFF2-40B4-BE49-F238E27FC236}">
+                <a16:creationId xmlns:a16="http://schemas.microsoft.com/office/drawing/2014/main" id="{04C35938-4B9A-BE32-544B-97D12B397E10}"/>
+              </a:ext>
+            </a:extLst>
+          </p:cNvPr>
+          <p:cNvSpPr>
+            <a:spLocks noGrp="1"/>
+          </p:cNvSpPr>
+          <p:nvPr>
+            <p:ph idx="1"/>
+          </p:nvPr>
+        </p:nvSpPr>
+        <p:spPr>
+          <a:xfrm>
+            <a:off x="838200" y="395785"/>
+            <a:ext cx="10515600" cy="5781178"/>
+          </a:xfrm>
+        </p:spPr>
+        <p:txBody>
+          <a:bodyPr/>
+          <a:lstStyle/>
+          <a:p>
+            <a:r>
+              <a:rPr lang="en-US" dirty="0"/>
+              <a:t>A better project structure</a:t>
+            </a:r>
+          </a:p>
+          <a:p>
+            <a:r>
+              <a:rPr lang="en-US" dirty="0"/>
+              <a:t>Splitting an app into components</a:t>
+            </a:r>
+          </a:p>
+          <a:p>
+            <a:r>
+              <a:rPr lang="en-US" dirty="0"/>
+              <a:t>Stateful vs Stateless</a:t>
+            </a:r>
+          </a:p>
+          <a:p>
+            <a:r>
+              <a:rPr lang="en-US" dirty="0"/>
+              <a:t>Class-based vs Functional Components</a:t>
+            </a:r>
+          </a:p>
+          <a:p>
+            <a:r>
+              <a:rPr lang="en-US" dirty="0"/>
+              <a:t>Component creation lifecycle</a:t>
+            </a:r>
+          </a:p>
+          <a:p>
+            <a:r>
+              <a:rPr lang="en-US" dirty="0"/>
+              <a:t>Component update lifecycle prop changes</a:t>
+            </a:r>
+          </a:p>
+          <a:p>
+            <a:r>
+              <a:rPr lang="en-US" dirty="0"/>
+              <a:t>Component update lifecycle state changes</a:t>
+            </a:r>
+          </a:p>
+        </p:txBody>
+      </p:sp>
+    </p:spTree>
+    <p:extLst>
+      <p:ext uri="{BB962C8B-B14F-4D97-AF65-F5344CB8AC3E}">
+        <p14:creationId xmlns:p14="http://schemas.microsoft.com/office/powerpoint/2010/main" val="960742727"/>
+      </p:ext>
+    </p:extLst>
+  </p:cSld>
+  <p:clrMapOvr>
+    <a:masterClrMapping/>
+  </p:clrMapOvr>
+</p:sld>
+</file>
+
+<file path=ppt/slides/slide12.xml><?xml version="1.0" encoding="utf-8"?>
+<p:sld xmlns:a="http://schemas.openxmlformats.org/drawingml/2006/main" xmlns:r="http://schemas.openxmlformats.org/officeDocument/2006/relationships" xmlns:p="http://schemas.openxmlformats.org/presentationml/2006/main">
+  <p:cSld>
+    <p:spTree>
+      <p:nvGrpSpPr>
+        <p:cNvPr id="1" name=""/>
+        <p:cNvGrpSpPr/>
+        <p:nvPr/>
+      </p:nvGrpSpPr>
+      <p:grpSpPr>
+        <a:xfrm>
+          <a:off x="0" y="0"/>
+          <a:ext cx="0" cy="0"/>
+          <a:chOff x="0" y="0"/>
+          <a:chExt cx="0" cy="0"/>
+        </a:xfrm>
+      </p:grpSpPr>
+      <p:sp>
+        <p:nvSpPr>
+          <p:cNvPr id="2" name="Title 1">
+            <a:extLst>
+              <a:ext uri="{FF2B5EF4-FFF2-40B4-BE49-F238E27FC236}">
+                <a16:creationId xmlns:a16="http://schemas.microsoft.com/office/drawing/2014/main" id="{1866A56A-4DC5-A079-181A-58E6B5F5FC63}"/>
+              </a:ext>
+            </a:extLst>
+          </p:cNvPr>
+          <p:cNvSpPr>
+            <a:spLocks noGrp="1"/>
+          </p:cNvSpPr>
+          <p:nvPr>
+            <p:ph type="title"/>
+          </p:nvPr>
+        </p:nvSpPr>
+        <p:spPr>
+          <a:xfrm>
+            <a:off x="838200" y="365126"/>
+            <a:ext cx="10515600" cy="481036"/>
+          </a:xfrm>
+        </p:spPr>
+        <p:txBody>
+          <a:bodyPr>
+            <a:normAutofit fontScale="90000"/>
+          </a:bodyPr>
+          <a:lstStyle/>
+          <a:p>
+            <a:r>
+              <a:rPr lang="en-US" dirty="0"/>
+              <a:t>Class-based vs Functional Components</a:t>
+            </a:r>
+          </a:p>
+        </p:txBody>
+      </p:sp>
+      <p:sp>
+        <p:nvSpPr>
+          <p:cNvPr id="4" name="Rectangle 3">
+            <a:extLst>
+              <a:ext uri="{FF2B5EF4-FFF2-40B4-BE49-F238E27FC236}">
+                <a16:creationId xmlns:a16="http://schemas.microsoft.com/office/drawing/2014/main" id="{EB77E7BC-E682-C55A-FF3D-FD22F5B78618}"/>
+              </a:ext>
+            </a:extLst>
+          </p:cNvPr>
+          <p:cNvSpPr/>
+          <p:nvPr/>
+        </p:nvSpPr>
+        <p:spPr>
+          <a:xfrm>
+            <a:off x="382137" y="1054339"/>
+            <a:ext cx="3193576" cy="682388"/>
+          </a:xfrm>
+          <a:prstGeom prst="rect">
+            <a:avLst/>
+          </a:prstGeom>
+          <a:solidFill>
+            <a:schemeClr val="accent2">
+              <a:lumMod val="50000"/>
+            </a:schemeClr>
+          </a:solidFill>
+        </p:spPr>
+        <p:style>
+          <a:lnRef idx="2">
+            <a:schemeClr val="accent1">
+              <a:shade val="15000"/>
+            </a:schemeClr>
+          </a:lnRef>
+          <a:fillRef idx="1">
+            <a:schemeClr val="accent1"/>
+          </a:fillRef>
+          <a:effectRef idx="0">
+            <a:schemeClr val="accent1"/>
+          </a:effectRef>
+          <a:fontRef idx="minor">
+            <a:schemeClr val="lt1"/>
+          </a:fontRef>
+        </p:style>
+        <p:txBody>
+          <a:bodyPr rtlCol="0" anchor="ctr"/>
+          <a:lstStyle/>
+          <a:p>
+            <a:pPr algn="ctr"/>
+            <a:r>
+              <a:rPr lang="en-US" dirty="0"/>
+              <a:t>Class-based</a:t>
+            </a:r>
+          </a:p>
+        </p:txBody>
+      </p:sp>
+      <p:sp>
+        <p:nvSpPr>
+          <p:cNvPr id="5" name="Rectangle 4">
+            <a:extLst>
+              <a:ext uri="{FF2B5EF4-FFF2-40B4-BE49-F238E27FC236}">
+                <a16:creationId xmlns:a16="http://schemas.microsoft.com/office/drawing/2014/main" id="{91356641-96A3-4171-4E05-D5CB179F560E}"/>
+              </a:ext>
+            </a:extLst>
+          </p:cNvPr>
+          <p:cNvSpPr/>
+          <p:nvPr/>
+        </p:nvSpPr>
+        <p:spPr>
+          <a:xfrm>
+            <a:off x="7656393" y="1061019"/>
+            <a:ext cx="3193576" cy="682388"/>
+          </a:xfrm>
+          <a:prstGeom prst="rect">
+            <a:avLst/>
+          </a:prstGeom>
+          <a:solidFill>
+            <a:schemeClr val="accent6">
+              <a:lumMod val="50000"/>
+            </a:schemeClr>
+          </a:solidFill>
+        </p:spPr>
+        <p:style>
+          <a:lnRef idx="2">
+            <a:schemeClr val="accent1">
+              <a:shade val="15000"/>
+            </a:schemeClr>
+          </a:lnRef>
+          <a:fillRef idx="1">
+            <a:schemeClr val="accent1"/>
+          </a:fillRef>
+          <a:effectRef idx="0">
+            <a:schemeClr val="accent1"/>
+          </a:effectRef>
+          <a:fontRef idx="minor">
+            <a:schemeClr val="lt1"/>
+          </a:fontRef>
+        </p:style>
+        <p:txBody>
+          <a:bodyPr rtlCol="0" anchor="ctr"/>
+          <a:lstStyle/>
+          <a:p>
+            <a:pPr algn="ctr"/>
+            <a:r>
+              <a:rPr lang="en-US" dirty="0"/>
+              <a:t>Functional</a:t>
+            </a:r>
+          </a:p>
+        </p:txBody>
+      </p:sp>
+      <p:sp>
+        <p:nvSpPr>
+          <p:cNvPr id="6" name="Rectangle 5">
+            <a:extLst>
+              <a:ext uri="{FF2B5EF4-FFF2-40B4-BE49-F238E27FC236}">
+                <a16:creationId xmlns:a16="http://schemas.microsoft.com/office/drawing/2014/main" id="{4783BC69-3E21-6786-F109-C79C4536F397}"/>
+              </a:ext>
+            </a:extLst>
+          </p:cNvPr>
+          <p:cNvSpPr/>
+          <p:nvPr/>
+        </p:nvSpPr>
+        <p:spPr>
+          <a:xfrm>
+            <a:off x="382137" y="1844178"/>
+            <a:ext cx="3193576" cy="682388"/>
+          </a:xfrm>
+          <a:prstGeom prst="rect">
+            <a:avLst/>
+          </a:prstGeom>
+          <a:solidFill>
+            <a:schemeClr val="accent2">
+              <a:lumMod val="60000"/>
+              <a:lumOff val="40000"/>
+            </a:schemeClr>
+          </a:solidFill>
+        </p:spPr>
+        <p:style>
+          <a:lnRef idx="2">
+            <a:schemeClr val="accent1">
+              <a:shade val="15000"/>
+            </a:schemeClr>
+          </a:lnRef>
+          <a:fillRef idx="1">
+            <a:schemeClr val="accent1"/>
+          </a:fillRef>
+          <a:effectRef idx="0">
+            <a:schemeClr val="accent1"/>
+          </a:effectRef>
+          <a:fontRef idx="minor">
+            <a:schemeClr val="lt1"/>
+          </a:fontRef>
+        </p:style>
+        <p:txBody>
+          <a:bodyPr rtlCol="0" anchor="ctr"/>
+          <a:lstStyle/>
+          <a:p>
+            <a:pPr algn="ctr"/>
+            <a:r>
+              <a:rPr lang="en-US" dirty="0">
+                <a:ln w="0"/>
+                <a:solidFill>
+                  <a:schemeClr val="tx1"/>
+                </a:solidFill>
+                <a:effectLst>
+                  <a:outerShdw blurRad="38100" dist="19050" dir="2700000" algn="tl" rotWithShape="0">
+                    <a:schemeClr val="dk1">
+                      <a:alpha val="40000"/>
+                    </a:schemeClr>
+                  </a:outerShdw>
+                </a:effectLst>
+              </a:rPr>
+              <a:t>Class XY extends Component</a:t>
+            </a:r>
+          </a:p>
+        </p:txBody>
+      </p:sp>
+      <p:sp>
+        <p:nvSpPr>
+          <p:cNvPr id="7" name="Rectangle 6">
+            <a:extLst>
+              <a:ext uri="{FF2B5EF4-FFF2-40B4-BE49-F238E27FC236}">
+                <a16:creationId xmlns:a16="http://schemas.microsoft.com/office/drawing/2014/main" id="{0B519954-DB9C-14D8-204C-F0197EF5180F}"/>
+              </a:ext>
+            </a:extLst>
+          </p:cNvPr>
+          <p:cNvSpPr/>
+          <p:nvPr/>
+        </p:nvSpPr>
+        <p:spPr>
+          <a:xfrm>
+            <a:off x="7656393" y="1848408"/>
+            <a:ext cx="3193576" cy="682388"/>
+          </a:xfrm>
+          <a:prstGeom prst="rect">
+            <a:avLst/>
+          </a:prstGeom>
+          <a:solidFill>
+            <a:schemeClr val="accent6">
+              <a:lumMod val="60000"/>
+              <a:lumOff val="40000"/>
+            </a:schemeClr>
+          </a:solidFill>
+        </p:spPr>
+        <p:style>
+          <a:lnRef idx="2">
+            <a:schemeClr val="accent1">
+              <a:shade val="15000"/>
+            </a:schemeClr>
+          </a:lnRef>
+          <a:fillRef idx="1">
+            <a:schemeClr val="accent1"/>
+          </a:fillRef>
+          <a:effectRef idx="0">
+            <a:schemeClr val="accent1"/>
+          </a:effectRef>
+          <a:fontRef idx="minor">
+            <a:schemeClr val="lt1"/>
+          </a:fontRef>
+        </p:style>
+        <p:txBody>
+          <a:bodyPr rtlCol="0" anchor="ctr"/>
+          <a:lstStyle/>
+          <a:p>
+            <a:pPr algn="ctr"/>
+            <a:r>
+              <a:rPr lang="en-US" dirty="0">
+                <a:ln w="0"/>
+                <a:solidFill>
+                  <a:schemeClr val="tx1"/>
+                </a:solidFill>
+                <a:effectLst>
+                  <a:outerShdw blurRad="38100" dist="19050" dir="2700000" algn="tl" rotWithShape="0">
+                    <a:schemeClr val="dk1">
+                      <a:alpha val="40000"/>
+                    </a:schemeClr>
+                  </a:outerShdw>
+                </a:effectLst>
+              </a:rPr>
+              <a:t>const XY = props =&gt; { … }</a:t>
+            </a:r>
+          </a:p>
+        </p:txBody>
+      </p:sp>
+      <p:sp>
+        <p:nvSpPr>
+          <p:cNvPr id="8" name="Rectangle 7">
+            <a:extLst>
+              <a:ext uri="{FF2B5EF4-FFF2-40B4-BE49-F238E27FC236}">
+                <a16:creationId xmlns:a16="http://schemas.microsoft.com/office/drawing/2014/main" id="{CEF811A5-E611-9D7F-A745-FFA249D4EC53}"/>
+              </a:ext>
+            </a:extLst>
+          </p:cNvPr>
+          <p:cNvSpPr/>
+          <p:nvPr/>
+        </p:nvSpPr>
+        <p:spPr>
+          <a:xfrm>
+            <a:off x="382137" y="2611818"/>
+            <a:ext cx="3193576" cy="682388"/>
+          </a:xfrm>
+          <a:prstGeom prst="rect">
+            <a:avLst/>
+          </a:prstGeom>
+          <a:solidFill>
+            <a:schemeClr val="accent2">
+              <a:lumMod val="60000"/>
+              <a:lumOff val="40000"/>
+            </a:schemeClr>
+          </a:solidFill>
+        </p:spPr>
+        <p:style>
+          <a:lnRef idx="2">
+            <a:schemeClr val="accent1">
+              <a:shade val="15000"/>
+            </a:schemeClr>
+          </a:lnRef>
+          <a:fillRef idx="1">
+            <a:schemeClr val="accent1"/>
+          </a:fillRef>
+          <a:effectRef idx="0">
+            <a:schemeClr val="accent1"/>
+          </a:effectRef>
+          <a:fontRef idx="minor">
+            <a:schemeClr val="lt1"/>
+          </a:fontRef>
+        </p:style>
+        <p:txBody>
+          <a:bodyPr rtlCol="0" anchor="ctr"/>
+          <a:lstStyle/>
+          <a:p>
+            <a:pPr algn="ctr"/>
+            <a:r>
+              <a:rPr lang="en-US" dirty="0">
+                <a:ln w="0"/>
+                <a:solidFill>
+                  <a:schemeClr val="tx1"/>
+                </a:solidFill>
+                <a:effectLst>
+                  <a:outerShdw blurRad="38100" dist="19050" dir="2700000" algn="tl" rotWithShape="0">
+                    <a:schemeClr val="dk1">
+                      <a:alpha val="40000"/>
+                    </a:schemeClr>
+                  </a:outerShdw>
+                </a:effectLst>
+              </a:rPr>
+              <a:t>Access to State</a:t>
+            </a:r>
+          </a:p>
+        </p:txBody>
+      </p:sp>
+      <p:sp>
+        <p:nvSpPr>
+          <p:cNvPr id="9" name="Rectangle 8">
+            <a:extLst>
+              <a:ext uri="{FF2B5EF4-FFF2-40B4-BE49-F238E27FC236}">
+                <a16:creationId xmlns:a16="http://schemas.microsoft.com/office/drawing/2014/main" id="{657A0463-50B9-0160-1AF1-6648C69E101F}"/>
+              </a:ext>
+            </a:extLst>
+          </p:cNvPr>
+          <p:cNvSpPr/>
+          <p:nvPr/>
+        </p:nvSpPr>
+        <p:spPr>
+          <a:xfrm>
+            <a:off x="7656393" y="2611818"/>
+            <a:ext cx="3193576" cy="682388"/>
+          </a:xfrm>
+          <a:prstGeom prst="rect">
+            <a:avLst/>
+          </a:prstGeom>
+          <a:solidFill>
+            <a:schemeClr val="accent6">
+              <a:lumMod val="60000"/>
+              <a:lumOff val="40000"/>
+            </a:schemeClr>
+          </a:solidFill>
+        </p:spPr>
+        <p:style>
+          <a:lnRef idx="2">
+            <a:schemeClr val="accent1">
+              <a:shade val="15000"/>
+            </a:schemeClr>
+          </a:lnRef>
+          <a:fillRef idx="1">
+            <a:schemeClr val="accent1"/>
+          </a:fillRef>
+          <a:effectRef idx="0">
+            <a:schemeClr val="accent1"/>
+          </a:effectRef>
+          <a:fontRef idx="minor">
+            <a:schemeClr val="lt1"/>
+          </a:fontRef>
+        </p:style>
+        <p:txBody>
+          <a:bodyPr rtlCol="0" anchor="ctr"/>
+          <a:lstStyle/>
+          <a:p>
+            <a:pPr algn="ctr"/>
+            <a:r>
+              <a:rPr lang="en-US" dirty="0">
+                <a:ln w="0"/>
+                <a:solidFill>
+                  <a:schemeClr val="tx1"/>
+                </a:solidFill>
+                <a:effectLst>
+                  <a:outerShdw blurRad="38100" dist="19050" dir="2700000" algn="tl" rotWithShape="0">
+                    <a:schemeClr val="dk1">
+                      <a:alpha val="40000"/>
+                    </a:schemeClr>
+                  </a:outerShdw>
+                </a:effectLst>
+              </a:rPr>
+              <a:t>Access to State (</a:t>
+            </a:r>
+            <a:r>
+              <a:rPr lang="en-US" dirty="0" err="1">
+                <a:ln w="0"/>
+                <a:solidFill>
+                  <a:schemeClr val="tx1"/>
+                </a:solidFill>
+                <a:effectLst>
+                  <a:outerShdw blurRad="38100" dist="19050" dir="2700000" algn="tl" rotWithShape="0">
+                    <a:schemeClr val="dk1">
+                      <a:alpha val="40000"/>
+                    </a:schemeClr>
+                  </a:outerShdw>
+                </a:effectLst>
+              </a:rPr>
+              <a:t>useState</a:t>
+            </a:r>
+            <a:r>
+              <a:rPr lang="en-US" dirty="0">
+                <a:ln w="0"/>
+                <a:solidFill>
+                  <a:schemeClr val="tx1"/>
+                </a:solidFill>
+                <a:effectLst>
+                  <a:outerShdw blurRad="38100" dist="19050" dir="2700000" algn="tl" rotWithShape="0">
+                    <a:schemeClr val="dk1">
+                      <a:alpha val="40000"/>
+                    </a:schemeClr>
+                  </a:outerShdw>
+                </a:effectLst>
+              </a:rPr>
+              <a:t>())</a:t>
+            </a:r>
+          </a:p>
+        </p:txBody>
+      </p:sp>
+      <p:sp>
+        <p:nvSpPr>
+          <p:cNvPr id="10" name="Rectangle 9">
+            <a:extLst>
+              <a:ext uri="{FF2B5EF4-FFF2-40B4-BE49-F238E27FC236}">
+                <a16:creationId xmlns:a16="http://schemas.microsoft.com/office/drawing/2014/main" id="{7A3BED84-CBB9-EBFC-797D-03236978B23B}"/>
+              </a:ext>
+            </a:extLst>
+          </p:cNvPr>
+          <p:cNvSpPr/>
+          <p:nvPr/>
+        </p:nvSpPr>
+        <p:spPr>
+          <a:xfrm>
+            <a:off x="382137" y="3401657"/>
+            <a:ext cx="3193576" cy="682388"/>
+          </a:xfrm>
+          <a:prstGeom prst="rect">
+            <a:avLst/>
+          </a:prstGeom>
+          <a:solidFill>
+            <a:schemeClr val="accent2">
+              <a:lumMod val="60000"/>
+              <a:lumOff val="40000"/>
+            </a:schemeClr>
+          </a:solidFill>
+        </p:spPr>
+        <p:style>
+          <a:lnRef idx="2">
+            <a:schemeClr val="accent1">
+              <a:shade val="15000"/>
+            </a:schemeClr>
+          </a:lnRef>
+          <a:fillRef idx="1">
+            <a:schemeClr val="accent1"/>
+          </a:fillRef>
+          <a:effectRef idx="0">
+            <a:schemeClr val="accent1"/>
+          </a:effectRef>
+          <a:fontRef idx="minor">
+            <a:schemeClr val="lt1"/>
+          </a:fontRef>
+        </p:style>
+        <p:txBody>
+          <a:bodyPr rtlCol="0" anchor="ctr"/>
+          <a:lstStyle/>
+          <a:p>
+            <a:pPr algn="ctr"/>
+            <a:r>
+              <a:rPr lang="en-US" dirty="0">
+                <a:ln w="0"/>
+                <a:solidFill>
+                  <a:schemeClr val="tx1"/>
+                </a:solidFill>
+                <a:effectLst>
+                  <a:outerShdw blurRad="38100" dist="19050" dir="2700000" algn="tl" rotWithShape="0">
+                    <a:schemeClr val="dk1">
+                      <a:alpha val="40000"/>
+                    </a:schemeClr>
+                  </a:outerShdw>
+                </a:effectLst>
+              </a:rPr>
+              <a:t>Lifecycle Hooks</a:t>
+            </a:r>
+          </a:p>
+        </p:txBody>
+      </p:sp>
+      <p:sp>
+        <p:nvSpPr>
+          <p:cNvPr id="11" name="Rectangle 10">
+            <a:extLst>
+              <a:ext uri="{FF2B5EF4-FFF2-40B4-BE49-F238E27FC236}">
+                <a16:creationId xmlns:a16="http://schemas.microsoft.com/office/drawing/2014/main" id="{27C00494-560D-9828-C716-7109B423BA26}"/>
+              </a:ext>
+            </a:extLst>
+          </p:cNvPr>
+          <p:cNvSpPr/>
+          <p:nvPr/>
+        </p:nvSpPr>
+        <p:spPr>
+          <a:xfrm>
+            <a:off x="7656393" y="3401657"/>
+            <a:ext cx="3193576" cy="682388"/>
+          </a:xfrm>
+          <a:prstGeom prst="rect">
+            <a:avLst/>
+          </a:prstGeom>
+          <a:solidFill>
+            <a:schemeClr val="accent6">
+              <a:lumMod val="60000"/>
+              <a:lumOff val="40000"/>
+            </a:schemeClr>
+          </a:solidFill>
+        </p:spPr>
+        <p:style>
+          <a:lnRef idx="2">
+            <a:schemeClr val="accent1">
+              <a:shade val="15000"/>
+            </a:schemeClr>
+          </a:lnRef>
+          <a:fillRef idx="1">
+            <a:schemeClr val="accent1"/>
+          </a:fillRef>
+          <a:effectRef idx="0">
+            <a:schemeClr val="accent1"/>
+          </a:effectRef>
+          <a:fontRef idx="minor">
+            <a:schemeClr val="lt1"/>
+          </a:fontRef>
+        </p:style>
+        <p:txBody>
+          <a:bodyPr rtlCol="0" anchor="ctr"/>
+          <a:lstStyle/>
+          <a:p>
+            <a:pPr algn="ctr"/>
+            <a:r>
+              <a:rPr lang="en-US" dirty="0">
+                <a:ln w="0"/>
+                <a:solidFill>
+                  <a:schemeClr val="tx1"/>
+                </a:solidFill>
+                <a:effectLst>
+                  <a:outerShdw blurRad="38100" dist="19050" dir="2700000" algn="tl" rotWithShape="0">
+                    <a:schemeClr val="dk1">
+                      <a:alpha val="40000"/>
+                    </a:schemeClr>
+                  </a:outerShdw>
+                </a:effectLst>
+              </a:rPr>
+              <a:t>No Lifecycle Hooks</a:t>
+            </a:r>
+          </a:p>
+        </p:txBody>
+      </p:sp>
+      <p:sp>
+        <p:nvSpPr>
+          <p:cNvPr id="12" name="Rectangle 11">
+            <a:extLst>
+              <a:ext uri="{FF2B5EF4-FFF2-40B4-BE49-F238E27FC236}">
+                <a16:creationId xmlns:a16="http://schemas.microsoft.com/office/drawing/2014/main" id="{968B75A2-3C46-69AA-A693-3DA98A416F37}"/>
+              </a:ext>
+            </a:extLst>
+          </p:cNvPr>
+          <p:cNvSpPr/>
+          <p:nvPr/>
+        </p:nvSpPr>
+        <p:spPr>
+          <a:xfrm>
+            <a:off x="382137" y="4172660"/>
+            <a:ext cx="3193576" cy="682388"/>
+          </a:xfrm>
+          <a:prstGeom prst="rect">
+            <a:avLst/>
+          </a:prstGeom>
+          <a:solidFill>
+            <a:schemeClr val="accent2">
+              <a:lumMod val="60000"/>
+              <a:lumOff val="40000"/>
+            </a:schemeClr>
+          </a:solidFill>
+        </p:spPr>
+        <p:style>
+          <a:lnRef idx="2">
+            <a:schemeClr val="accent1">
+              <a:shade val="15000"/>
+            </a:schemeClr>
+          </a:lnRef>
+          <a:fillRef idx="1">
+            <a:schemeClr val="accent1"/>
+          </a:fillRef>
+          <a:effectRef idx="0">
+            <a:schemeClr val="accent1"/>
+          </a:effectRef>
+          <a:fontRef idx="minor">
+            <a:schemeClr val="lt1"/>
+          </a:fontRef>
+        </p:style>
+        <p:txBody>
+          <a:bodyPr rtlCol="0" anchor="ctr"/>
+          <a:lstStyle/>
+          <a:p>
+            <a:pPr algn="ctr"/>
+            <a:r>
+              <a:rPr lang="en-US" dirty="0">
+                <a:ln w="0"/>
+                <a:solidFill>
+                  <a:schemeClr val="tx1"/>
+                </a:solidFill>
+                <a:effectLst>
+                  <a:outerShdw blurRad="38100" dist="19050" dir="2700000" algn="tl" rotWithShape="0">
+                    <a:schemeClr val="dk1">
+                      <a:alpha val="40000"/>
+                    </a:schemeClr>
+                  </a:outerShdw>
+                </a:effectLst>
+              </a:rPr>
+              <a:t>Access State and Props via “this”</a:t>
+            </a:r>
+          </a:p>
+        </p:txBody>
+      </p:sp>
+      <p:sp>
+        <p:nvSpPr>
+          <p:cNvPr id="13" name="Rectangle 12">
+            <a:extLst>
+              <a:ext uri="{FF2B5EF4-FFF2-40B4-BE49-F238E27FC236}">
+                <a16:creationId xmlns:a16="http://schemas.microsoft.com/office/drawing/2014/main" id="{B003A452-E178-69AA-5764-ADC10F62EEBA}"/>
+              </a:ext>
+            </a:extLst>
+          </p:cNvPr>
+          <p:cNvSpPr/>
+          <p:nvPr/>
+        </p:nvSpPr>
+        <p:spPr>
+          <a:xfrm>
+            <a:off x="7656393" y="4172660"/>
+            <a:ext cx="3193576" cy="682388"/>
+          </a:xfrm>
+          <a:prstGeom prst="rect">
+            <a:avLst/>
+          </a:prstGeom>
+          <a:solidFill>
+            <a:schemeClr val="accent6">
+              <a:lumMod val="60000"/>
+              <a:lumOff val="40000"/>
+            </a:schemeClr>
+          </a:solidFill>
+        </p:spPr>
+        <p:style>
+          <a:lnRef idx="2">
+            <a:schemeClr val="accent1">
+              <a:shade val="15000"/>
+            </a:schemeClr>
+          </a:lnRef>
+          <a:fillRef idx="1">
+            <a:schemeClr val="accent1"/>
+          </a:fillRef>
+          <a:effectRef idx="0">
+            <a:schemeClr val="accent1"/>
+          </a:effectRef>
+          <a:fontRef idx="minor">
+            <a:schemeClr val="lt1"/>
+          </a:fontRef>
+        </p:style>
+        <p:txBody>
+          <a:bodyPr rtlCol="0" anchor="ctr"/>
+          <a:lstStyle/>
+          <a:p>
+            <a:pPr algn="ctr"/>
+            <a:r>
+              <a:rPr lang="en-US" dirty="0">
+                <a:ln w="0"/>
+                <a:solidFill>
+                  <a:schemeClr val="tx1"/>
+                </a:solidFill>
+                <a:effectLst>
+                  <a:outerShdw blurRad="38100" dist="19050" dir="2700000" algn="tl" rotWithShape="0">
+                    <a:schemeClr val="dk1">
+                      <a:alpha val="40000"/>
+                    </a:schemeClr>
+                  </a:outerShdw>
+                </a:effectLst>
+              </a:rPr>
+              <a:t>Access Props via “props”</a:t>
+            </a:r>
+          </a:p>
+        </p:txBody>
+      </p:sp>
+      <p:sp>
+        <p:nvSpPr>
+          <p:cNvPr id="14" name="Rectangle 13">
+            <a:extLst>
+              <a:ext uri="{FF2B5EF4-FFF2-40B4-BE49-F238E27FC236}">
+                <a16:creationId xmlns:a16="http://schemas.microsoft.com/office/drawing/2014/main" id="{0A2CFF40-2F52-1476-F948-CEBB90405039}"/>
+              </a:ext>
+            </a:extLst>
+          </p:cNvPr>
+          <p:cNvSpPr/>
+          <p:nvPr/>
+        </p:nvSpPr>
+        <p:spPr>
+          <a:xfrm>
+            <a:off x="382137" y="4943663"/>
+            <a:ext cx="3193576" cy="682388"/>
+          </a:xfrm>
+          <a:prstGeom prst="rect">
+            <a:avLst/>
+          </a:prstGeom>
+          <a:solidFill>
+            <a:schemeClr val="accent4">
+              <a:lumMod val="60000"/>
+              <a:lumOff val="40000"/>
+            </a:schemeClr>
+          </a:solidFill>
+        </p:spPr>
+        <p:style>
+          <a:lnRef idx="2">
+            <a:schemeClr val="accent1">
+              <a:shade val="15000"/>
+            </a:schemeClr>
+          </a:lnRef>
+          <a:fillRef idx="1">
+            <a:schemeClr val="accent1"/>
+          </a:fillRef>
+          <a:effectRef idx="0">
+            <a:schemeClr val="accent1"/>
+          </a:effectRef>
+          <a:fontRef idx="minor">
+            <a:schemeClr val="lt1"/>
+          </a:fontRef>
+        </p:style>
+        <p:txBody>
+          <a:bodyPr rtlCol="0" anchor="ctr"/>
+          <a:lstStyle/>
+          <a:p>
+            <a:pPr algn="ctr"/>
+            <a:r>
+              <a:rPr lang="en-US" dirty="0" err="1">
+                <a:ln w="0"/>
+                <a:solidFill>
+                  <a:schemeClr val="tx1"/>
+                </a:solidFill>
+                <a:effectLst>
+                  <a:outerShdw blurRad="38100" dist="19050" dir="2700000" algn="tl" rotWithShape="0">
+                    <a:schemeClr val="dk1">
+                      <a:alpha val="40000"/>
+                    </a:schemeClr>
+                  </a:outerShdw>
+                </a:effectLst>
+              </a:rPr>
+              <a:t>This.state.XY</a:t>
+            </a:r>
+            <a:r>
+              <a:rPr lang="en-US" dirty="0">
+                <a:ln w="0"/>
+                <a:solidFill>
+                  <a:schemeClr val="tx1"/>
+                </a:solidFill>
+                <a:effectLst>
+                  <a:outerShdw blurRad="38100" dist="19050" dir="2700000" algn="tl" rotWithShape="0">
+                    <a:schemeClr val="dk1">
+                      <a:alpha val="40000"/>
+                    </a:schemeClr>
+                  </a:outerShdw>
+                </a:effectLst>
+              </a:rPr>
+              <a:t> &amp; </a:t>
+            </a:r>
+            <a:r>
+              <a:rPr lang="en-US" dirty="0" err="1">
+                <a:ln w="0"/>
+                <a:solidFill>
+                  <a:schemeClr val="tx1"/>
+                </a:solidFill>
+                <a:effectLst>
+                  <a:outerShdw blurRad="38100" dist="19050" dir="2700000" algn="tl" rotWithShape="0">
+                    <a:schemeClr val="dk1">
+                      <a:alpha val="40000"/>
+                    </a:schemeClr>
+                  </a:outerShdw>
+                </a:effectLst>
+              </a:rPr>
+              <a:t>this.props.XY</a:t>
+            </a:r>
+            <a:endParaRPr lang="en-US" dirty="0">
+              <a:ln w="0"/>
+              <a:solidFill>
+                <a:schemeClr val="tx1"/>
+              </a:solidFill>
+              <a:effectLst>
+                <a:outerShdw blurRad="38100" dist="19050" dir="2700000" algn="tl" rotWithShape="0">
+                  <a:schemeClr val="dk1">
+                    <a:alpha val="40000"/>
+                  </a:schemeClr>
+                </a:outerShdw>
+              </a:effectLst>
+            </a:endParaRPr>
+          </a:p>
+        </p:txBody>
+      </p:sp>
+      <p:sp>
+        <p:nvSpPr>
+          <p:cNvPr id="15" name="Rectangle 14">
+            <a:extLst>
+              <a:ext uri="{FF2B5EF4-FFF2-40B4-BE49-F238E27FC236}">
+                <a16:creationId xmlns:a16="http://schemas.microsoft.com/office/drawing/2014/main" id="{B46E762F-F3F2-403B-6CEE-E9CBF457BFC8}"/>
+              </a:ext>
+            </a:extLst>
+          </p:cNvPr>
+          <p:cNvSpPr/>
+          <p:nvPr/>
+        </p:nvSpPr>
+        <p:spPr>
+          <a:xfrm>
+            <a:off x="7656393" y="4943663"/>
+            <a:ext cx="3193576" cy="682388"/>
+          </a:xfrm>
+          <a:prstGeom prst="rect">
+            <a:avLst/>
+          </a:prstGeom>
+          <a:solidFill>
+            <a:schemeClr val="accent4">
+              <a:lumMod val="60000"/>
+              <a:lumOff val="40000"/>
+            </a:schemeClr>
+          </a:solidFill>
+        </p:spPr>
+        <p:style>
+          <a:lnRef idx="2">
+            <a:schemeClr val="accent1">
+              <a:shade val="15000"/>
+            </a:schemeClr>
+          </a:lnRef>
+          <a:fillRef idx="1">
+            <a:schemeClr val="accent1"/>
+          </a:fillRef>
+          <a:effectRef idx="0">
+            <a:schemeClr val="accent1"/>
+          </a:effectRef>
+          <a:fontRef idx="minor">
+            <a:schemeClr val="lt1"/>
+          </a:fontRef>
+        </p:style>
+        <p:txBody>
+          <a:bodyPr rtlCol="0" anchor="ctr"/>
+          <a:lstStyle/>
+          <a:p>
+            <a:pPr algn="ctr"/>
+            <a:r>
+              <a:rPr lang="en-US" dirty="0" err="1">
+                <a:ln w="0"/>
+                <a:solidFill>
+                  <a:schemeClr val="tx1"/>
+                </a:solidFill>
+                <a:effectLst>
+                  <a:outerShdw blurRad="38100" dist="19050" dir="2700000" algn="tl" rotWithShape="0">
+                    <a:schemeClr val="dk1">
+                      <a:alpha val="40000"/>
+                    </a:schemeClr>
+                  </a:outerShdw>
+                </a:effectLst>
+              </a:rPr>
+              <a:t>props.XY</a:t>
+            </a:r>
+            <a:endParaRPr lang="en-US" dirty="0">
+              <a:ln w="0"/>
+              <a:solidFill>
+                <a:schemeClr val="tx1"/>
+              </a:solidFill>
+              <a:effectLst>
+                <a:outerShdw blurRad="38100" dist="19050" dir="2700000" algn="tl" rotWithShape="0">
+                  <a:schemeClr val="dk1">
+                    <a:alpha val="40000"/>
+                  </a:schemeClr>
+                </a:outerShdw>
+              </a:effectLst>
+            </a:endParaRPr>
+          </a:p>
+        </p:txBody>
+      </p:sp>
+      <p:sp>
+        <p:nvSpPr>
+          <p:cNvPr id="16" name="Rectangle 15">
+            <a:extLst>
+              <a:ext uri="{FF2B5EF4-FFF2-40B4-BE49-F238E27FC236}">
+                <a16:creationId xmlns:a16="http://schemas.microsoft.com/office/drawing/2014/main" id="{2B848449-EAE5-6288-F823-AF1EB47DE837}"/>
+              </a:ext>
+            </a:extLst>
+          </p:cNvPr>
+          <p:cNvSpPr/>
+          <p:nvPr/>
+        </p:nvSpPr>
+        <p:spPr>
+          <a:xfrm>
+            <a:off x="382136" y="5714665"/>
+            <a:ext cx="3521123" cy="986385"/>
+          </a:xfrm>
+          <a:prstGeom prst="rect">
+            <a:avLst/>
+          </a:prstGeom>
+          <a:solidFill>
+            <a:srgbClr val="FFFF00"/>
+          </a:solidFill>
+        </p:spPr>
+        <p:style>
+          <a:lnRef idx="2">
+            <a:schemeClr val="accent1">
+              <a:shade val="15000"/>
+            </a:schemeClr>
+          </a:lnRef>
+          <a:fillRef idx="1">
+            <a:schemeClr val="accent1"/>
+          </a:fillRef>
+          <a:effectRef idx="0">
+            <a:schemeClr val="accent1"/>
+          </a:effectRef>
+          <a:fontRef idx="minor">
+            <a:schemeClr val="lt1"/>
+          </a:fontRef>
+        </p:style>
+        <p:txBody>
+          <a:bodyPr rtlCol="0" anchor="ctr"/>
+          <a:lstStyle/>
+          <a:p>
+            <a:pPr algn="ctr"/>
+            <a:r>
+              <a:rPr lang="en-US" dirty="0">
+                <a:ln w="0"/>
+                <a:solidFill>
+                  <a:schemeClr val="tx1"/>
+                </a:solidFill>
+                <a:effectLst>
+                  <a:outerShdw blurRad="38100" dist="19050" dir="2700000" algn="tl" rotWithShape="0">
+                    <a:schemeClr val="dk1">
+                      <a:alpha val="40000"/>
+                    </a:schemeClr>
+                  </a:outerShdw>
+                </a:effectLst>
+              </a:rPr>
+              <a:t>Use if you need to manage State or access to Lifecycle Hooks and you don’t want to use React Hooks!</a:t>
+            </a:r>
+          </a:p>
+        </p:txBody>
+      </p:sp>
+      <p:sp>
+        <p:nvSpPr>
+          <p:cNvPr id="17" name="Rectangle 16">
+            <a:extLst>
+              <a:ext uri="{FF2B5EF4-FFF2-40B4-BE49-F238E27FC236}">
+                <a16:creationId xmlns:a16="http://schemas.microsoft.com/office/drawing/2014/main" id="{45ADBAEC-D4A3-7308-86CF-FBC23CA98FCB}"/>
+              </a:ext>
+            </a:extLst>
+          </p:cNvPr>
+          <p:cNvSpPr/>
+          <p:nvPr/>
+        </p:nvSpPr>
+        <p:spPr>
+          <a:xfrm>
+            <a:off x="7656393" y="5714666"/>
+            <a:ext cx="3193576" cy="682388"/>
+          </a:xfrm>
+          <a:prstGeom prst="rect">
+            <a:avLst/>
+          </a:prstGeom>
+          <a:solidFill>
+            <a:srgbClr val="00B050"/>
+          </a:solidFill>
+        </p:spPr>
+        <p:style>
+          <a:lnRef idx="2">
+            <a:schemeClr val="accent1">
+              <a:shade val="15000"/>
+            </a:schemeClr>
+          </a:lnRef>
+          <a:fillRef idx="1">
+            <a:schemeClr val="accent1"/>
+          </a:fillRef>
+          <a:effectRef idx="0">
+            <a:schemeClr val="accent1"/>
+          </a:effectRef>
+          <a:fontRef idx="minor">
+            <a:schemeClr val="lt1"/>
+          </a:fontRef>
+        </p:style>
+        <p:txBody>
+          <a:bodyPr rtlCol="0" anchor="ctr"/>
+          <a:lstStyle/>
+          <a:p>
+            <a:pPr algn="ctr"/>
+            <a:r>
+              <a:rPr lang="en-US" dirty="0">
+                <a:ln w="0"/>
+                <a:solidFill>
+                  <a:schemeClr val="tx1"/>
+                </a:solidFill>
+                <a:effectLst>
+                  <a:outerShdw blurRad="38100" dist="19050" dir="2700000" algn="tl" rotWithShape="0">
+                    <a:schemeClr val="dk1">
+                      <a:alpha val="40000"/>
+                    </a:schemeClr>
+                  </a:outerShdw>
+                </a:effectLst>
+              </a:rPr>
+              <a:t>Use in all other Cases</a:t>
+            </a:r>
+          </a:p>
+        </p:txBody>
+      </p:sp>
+    </p:spTree>
+    <p:extLst>
+      <p:ext uri="{BB962C8B-B14F-4D97-AF65-F5344CB8AC3E}">
+        <p14:creationId xmlns:p14="http://schemas.microsoft.com/office/powerpoint/2010/main" val="4038441395"/>
+      </p:ext>
+    </p:extLst>
+  </p:cSld>
+  <p:clrMapOvr>
+    <a:masterClrMapping/>
+  </p:clrMapOvr>
+</p:sld>
+</file>
+
+<file path=ppt/slides/slide13.xml><?xml version="1.0" encoding="utf-8"?>
+<p:sld xmlns:a="http://schemas.openxmlformats.org/drawingml/2006/main" xmlns:r="http://schemas.openxmlformats.org/officeDocument/2006/relationships" xmlns:p="http://schemas.openxmlformats.org/presentationml/2006/main">
+  <p:cSld>
+    <p:spTree>
+      <p:nvGrpSpPr>
+        <p:cNvPr id="1" name=""/>
+        <p:cNvGrpSpPr/>
+        <p:nvPr/>
+      </p:nvGrpSpPr>
+      <p:grpSpPr>
+        <a:xfrm>
+          <a:off x="0" y="0"/>
+          <a:ext cx="0" cy="0"/>
+          <a:chOff x="0" y="0"/>
+          <a:chExt cx="0" cy="0"/>
+        </a:xfrm>
+      </p:grpSpPr>
+      <p:sp>
+        <p:nvSpPr>
+          <p:cNvPr id="2" name="Title 1">
+            <a:extLst>
+              <a:ext uri="{FF2B5EF4-FFF2-40B4-BE49-F238E27FC236}">
+                <a16:creationId xmlns:a16="http://schemas.microsoft.com/office/drawing/2014/main" id="{07E1490F-17DD-505F-A2C7-2AA6CA951A9C}"/>
+              </a:ext>
+            </a:extLst>
+          </p:cNvPr>
+          <p:cNvSpPr>
+            <a:spLocks noGrp="1"/>
+          </p:cNvSpPr>
+          <p:nvPr>
+            <p:ph type="title"/>
+          </p:nvPr>
+        </p:nvSpPr>
+        <p:spPr/>
+        <p:txBody>
+          <a:bodyPr/>
+          <a:lstStyle/>
+          <a:p>
+            <a:r>
+              <a:rPr lang="en-US" dirty="0"/>
+              <a:t>Component Lifecycle</a:t>
+            </a:r>
+          </a:p>
+        </p:txBody>
+      </p:sp>
+      <p:sp>
+        <p:nvSpPr>
+          <p:cNvPr id="3" name="Rectangle 2">
+            <a:extLst>
+              <a:ext uri="{FF2B5EF4-FFF2-40B4-BE49-F238E27FC236}">
+                <a16:creationId xmlns:a16="http://schemas.microsoft.com/office/drawing/2014/main" id="{11422418-28BC-6AD1-4C88-AFB317E7183F}"/>
+              </a:ext>
+            </a:extLst>
+          </p:cNvPr>
+          <p:cNvSpPr/>
+          <p:nvPr/>
+        </p:nvSpPr>
+        <p:spPr>
+          <a:xfrm>
+            <a:off x="6864824" y="365125"/>
+            <a:ext cx="4995080" cy="685753"/>
+          </a:xfrm>
+          <a:prstGeom prst="rect">
+            <a:avLst/>
+          </a:prstGeom>
+          <a:solidFill>
+            <a:schemeClr val="accent4">
+              <a:lumMod val="75000"/>
+            </a:schemeClr>
+          </a:solidFill>
+        </p:spPr>
+        <p:style>
+          <a:lnRef idx="2">
+            <a:schemeClr val="accent1">
+              <a:shade val="15000"/>
+            </a:schemeClr>
+          </a:lnRef>
+          <a:fillRef idx="1">
+            <a:schemeClr val="accent1"/>
+          </a:fillRef>
+          <a:effectRef idx="0">
+            <a:schemeClr val="accent1"/>
+          </a:effectRef>
+          <a:fontRef idx="minor">
+            <a:schemeClr val="lt1"/>
+          </a:fontRef>
+        </p:style>
+        <p:txBody>
+          <a:bodyPr rtlCol="0" anchor="ctr"/>
+          <a:lstStyle/>
+          <a:p>
+            <a:pPr algn="ctr"/>
+            <a:r>
+              <a:rPr lang="en-US" dirty="0">
+                <a:ln w="0"/>
+                <a:solidFill>
+                  <a:schemeClr val="tx1"/>
+                </a:solidFill>
+                <a:effectLst>
+                  <a:outerShdw blurRad="38100" dist="19050" dir="2700000" algn="tl" rotWithShape="0">
+                    <a:schemeClr val="dk1">
+                      <a:alpha val="40000"/>
+                    </a:schemeClr>
+                  </a:outerShdw>
+                </a:effectLst>
+              </a:rPr>
+              <a:t>Only available in Class-based Components!</a:t>
+            </a:r>
+          </a:p>
+        </p:txBody>
+      </p:sp>
+      <p:sp>
+        <p:nvSpPr>
+          <p:cNvPr id="4" name="Rectangle 3">
+            <a:extLst>
+              <a:ext uri="{FF2B5EF4-FFF2-40B4-BE49-F238E27FC236}">
+                <a16:creationId xmlns:a16="http://schemas.microsoft.com/office/drawing/2014/main" id="{1E44588A-0D6B-22CC-35C8-B199A2682019}"/>
+              </a:ext>
+            </a:extLst>
+          </p:cNvPr>
+          <p:cNvSpPr/>
+          <p:nvPr/>
+        </p:nvSpPr>
+        <p:spPr>
+          <a:xfrm>
+            <a:off x="1537644" y="2016777"/>
+            <a:ext cx="3766783" cy="574840"/>
+          </a:xfrm>
+          <a:prstGeom prst="rect">
+            <a:avLst/>
+          </a:prstGeom>
+          <a:solidFill>
+            <a:schemeClr val="accent6">
+              <a:lumMod val="60000"/>
+              <a:lumOff val="40000"/>
+            </a:schemeClr>
+          </a:solidFill>
+        </p:spPr>
+        <p:style>
+          <a:lnRef idx="2">
+            <a:schemeClr val="accent1">
+              <a:shade val="15000"/>
+            </a:schemeClr>
+          </a:lnRef>
+          <a:fillRef idx="1">
+            <a:schemeClr val="accent1"/>
+          </a:fillRef>
+          <a:effectRef idx="0">
+            <a:schemeClr val="accent1"/>
+          </a:effectRef>
+          <a:fontRef idx="minor">
+            <a:schemeClr val="lt1"/>
+          </a:fontRef>
+        </p:style>
+        <p:txBody>
+          <a:bodyPr rtlCol="0" anchor="ctr"/>
+          <a:lstStyle/>
+          <a:p>
+            <a:pPr algn="ctr"/>
+            <a:r>
+              <a:rPr lang="en-US" dirty="0">
+                <a:ln w="0"/>
+                <a:solidFill>
+                  <a:schemeClr val="tx1"/>
+                </a:solidFill>
+                <a:effectLst>
+                  <a:outerShdw blurRad="38100" dist="19050" dir="2700000" algn="tl" rotWithShape="0">
+                    <a:schemeClr val="dk1">
+                      <a:alpha val="40000"/>
+                    </a:schemeClr>
+                  </a:outerShdw>
+                </a:effectLst>
+              </a:rPr>
+              <a:t>constructor()</a:t>
+            </a:r>
+          </a:p>
+        </p:txBody>
+      </p:sp>
+      <p:sp>
+        <p:nvSpPr>
+          <p:cNvPr id="5" name="Rectangle 4">
+            <a:extLst>
+              <a:ext uri="{FF2B5EF4-FFF2-40B4-BE49-F238E27FC236}">
+                <a16:creationId xmlns:a16="http://schemas.microsoft.com/office/drawing/2014/main" id="{2961DF3B-8D19-FF80-D830-74E73EC231A0}"/>
+              </a:ext>
+            </a:extLst>
+          </p:cNvPr>
+          <p:cNvSpPr/>
+          <p:nvPr/>
+        </p:nvSpPr>
+        <p:spPr>
+          <a:xfrm>
+            <a:off x="1523996" y="2812088"/>
+            <a:ext cx="3766783" cy="574840"/>
+          </a:xfrm>
+          <a:prstGeom prst="rect">
+            <a:avLst/>
+          </a:prstGeom>
+          <a:solidFill>
+            <a:schemeClr val="accent6">
+              <a:lumMod val="60000"/>
+              <a:lumOff val="40000"/>
+            </a:schemeClr>
+          </a:solidFill>
+        </p:spPr>
+        <p:style>
+          <a:lnRef idx="2">
+            <a:schemeClr val="accent1">
+              <a:shade val="15000"/>
+            </a:schemeClr>
+          </a:lnRef>
+          <a:fillRef idx="1">
+            <a:schemeClr val="accent1"/>
+          </a:fillRef>
+          <a:effectRef idx="0">
+            <a:schemeClr val="accent1"/>
+          </a:effectRef>
+          <a:fontRef idx="minor">
+            <a:schemeClr val="lt1"/>
+          </a:fontRef>
+        </p:style>
+        <p:txBody>
+          <a:bodyPr rtlCol="0" anchor="ctr"/>
+          <a:lstStyle/>
+          <a:p>
+            <a:pPr algn="ctr"/>
+            <a:r>
+              <a:rPr lang="en-US" dirty="0" err="1">
+                <a:ln w="0"/>
+                <a:solidFill>
+                  <a:schemeClr val="tx1"/>
+                </a:solidFill>
+                <a:effectLst>
+                  <a:outerShdw blurRad="38100" dist="19050" dir="2700000" algn="tl" rotWithShape="0">
+                    <a:schemeClr val="dk1">
+                      <a:alpha val="40000"/>
+                    </a:schemeClr>
+                  </a:outerShdw>
+                </a:effectLst>
+              </a:rPr>
+              <a:t>getDerivedStateFromProps</a:t>
+            </a:r>
+            <a:r>
+              <a:rPr lang="en-US" dirty="0">
+                <a:ln w="0"/>
+                <a:solidFill>
+                  <a:schemeClr val="tx1"/>
+                </a:solidFill>
+                <a:effectLst>
+                  <a:outerShdw blurRad="38100" dist="19050" dir="2700000" algn="tl" rotWithShape="0">
+                    <a:schemeClr val="dk1">
+                      <a:alpha val="40000"/>
+                    </a:schemeClr>
+                  </a:outerShdw>
+                </a:effectLst>
+              </a:rPr>
+              <a:t>()</a:t>
+            </a:r>
+          </a:p>
+        </p:txBody>
+      </p:sp>
+      <p:sp>
+        <p:nvSpPr>
+          <p:cNvPr id="6" name="Rectangle 5">
+            <a:extLst>
+              <a:ext uri="{FF2B5EF4-FFF2-40B4-BE49-F238E27FC236}">
+                <a16:creationId xmlns:a16="http://schemas.microsoft.com/office/drawing/2014/main" id="{AB896FDD-0607-A2FA-C60B-9F2B3E3CF89F}"/>
+              </a:ext>
+            </a:extLst>
+          </p:cNvPr>
+          <p:cNvSpPr/>
+          <p:nvPr/>
+        </p:nvSpPr>
+        <p:spPr>
+          <a:xfrm>
+            <a:off x="1523996" y="3605936"/>
+            <a:ext cx="3766783" cy="574840"/>
+          </a:xfrm>
+          <a:prstGeom prst="rect">
+            <a:avLst/>
+          </a:prstGeom>
+          <a:solidFill>
+            <a:schemeClr val="accent6">
+              <a:lumMod val="60000"/>
+              <a:lumOff val="40000"/>
+            </a:schemeClr>
+          </a:solidFill>
+        </p:spPr>
+        <p:style>
+          <a:lnRef idx="2">
+            <a:schemeClr val="accent1">
+              <a:shade val="15000"/>
+            </a:schemeClr>
+          </a:lnRef>
+          <a:fillRef idx="1">
+            <a:schemeClr val="accent1"/>
+          </a:fillRef>
+          <a:effectRef idx="0">
+            <a:schemeClr val="accent1"/>
+          </a:effectRef>
+          <a:fontRef idx="minor">
+            <a:schemeClr val="lt1"/>
+          </a:fontRef>
+        </p:style>
+        <p:txBody>
+          <a:bodyPr rtlCol="0" anchor="ctr"/>
+          <a:lstStyle/>
+          <a:p>
+            <a:pPr algn="ctr"/>
+            <a:r>
+              <a:rPr lang="en-US" dirty="0" err="1">
+                <a:ln w="0"/>
+                <a:solidFill>
+                  <a:schemeClr val="tx1"/>
+                </a:solidFill>
+                <a:effectLst>
+                  <a:outerShdw blurRad="38100" dist="19050" dir="2700000" algn="tl" rotWithShape="0">
+                    <a:schemeClr val="dk1">
+                      <a:alpha val="40000"/>
+                    </a:schemeClr>
+                  </a:outerShdw>
+                </a:effectLst>
+              </a:rPr>
+              <a:t>getSnapshotBeforeUpdate</a:t>
+            </a:r>
+            <a:r>
+              <a:rPr lang="en-US" dirty="0">
+                <a:ln w="0"/>
+                <a:solidFill>
+                  <a:schemeClr val="tx1"/>
+                </a:solidFill>
+                <a:effectLst>
+                  <a:outerShdw blurRad="38100" dist="19050" dir="2700000" algn="tl" rotWithShape="0">
+                    <a:schemeClr val="dk1">
+                      <a:alpha val="40000"/>
+                    </a:schemeClr>
+                  </a:outerShdw>
+                </a:effectLst>
+              </a:rPr>
+              <a:t>()</a:t>
+            </a:r>
+          </a:p>
+        </p:txBody>
+      </p:sp>
+      <p:sp>
+        <p:nvSpPr>
+          <p:cNvPr id="7" name="Rectangle 6">
+            <a:extLst>
+              <a:ext uri="{FF2B5EF4-FFF2-40B4-BE49-F238E27FC236}">
+                <a16:creationId xmlns:a16="http://schemas.microsoft.com/office/drawing/2014/main" id="{B3BD3DE1-BBCC-E0F8-CA8E-E0A0F8C37167}"/>
+              </a:ext>
+            </a:extLst>
+          </p:cNvPr>
+          <p:cNvSpPr/>
+          <p:nvPr/>
+        </p:nvSpPr>
+        <p:spPr>
+          <a:xfrm>
+            <a:off x="1501248" y="4399784"/>
+            <a:ext cx="3766783" cy="574840"/>
+          </a:xfrm>
+          <a:prstGeom prst="rect">
+            <a:avLst/>
+          </a:prstGeom>
+          <a:solidFill>
+            <a:schemeClr val="accent6">
+              <a:lumMod val="60000"/>
+              <a:lumOff val="40000"/>
+            </a:schemeClr>
+          </a:solidFill>
+        </p:spPr>
+        <p:style>
+          <a:lnRef idx="2">
+            <a:schemeClr val="accent1">
+              <a:shade val="15000"/>
+            </a:schemeClr>
+          </a:lnRef>
+          <a:fillRef idx="1">
+            <a:schemeClr val="accent1"/>
+          </a:fillRef>
+          <a:effectRef idx="0">
+            <a:schemeClr val="accent1"/>
+          </a:effectRef>
+          <a:fontRef idx="minor">
+            <a:schemeClr val="lt1"/>
+          </a:fontRef>
+        </p:style>
+        <p:txBody>
+          <a:bodyPr rtlCol="0" anchor="ctr"/>
+          <a:lstStyle/>
+          <a:p>
+            <a:pPr algn="ctr"/>
+            <a:r>
+              <a:rPr lang="en-US" dirty="0" err="1">
+                <a:ln w="0"/>
+                <a:solidFill>
+                  <a:schemeClr val="tx1"/>
+                </a:solidFill>
+                <a:effectLst>
+                  <a:outerShdw blurRad="38100" dist="19050" dir="2700000" algn="tl" rotWithShape="0">
+                    <a:schemeClr val="dk1">
+                      <a:alpha val="40000"/>
+                    </a:schemeClr>
+                  </a:outerShdw>
+                </a:effectLst>
+              </a:rPr>
+              <a:t>componentdidCatch</a:t>
+            </a:r>
+            <a:r>
+              <a:rPr lang="en-US" dirty="0">
+                <a:ln w="0"/>
+                <a:solidFill>
+                  <a:schemeClr val="tx1"/>
+                </a:solidFill>
+                <a:effectLst>
+                  <a:outerShdw blurRad="38100" dist="19050" dir="2700000" algn="tl" rotWithShape="0">
+                    <a:schemeClr val="dk1">
+                      <a:alpha val="40000"/>
+                    </a:schemeClr>
+                  </a:outerShdw>
+                </a:effectLst>
+              </a:rPr>
+              <a:t>()</a:t>
+            </a:r>
+          </a:p>
+        </p:txBody>
+      </p:sp>
+      <p:sp>
+        <p:nvSpPr>
+          <p:cNvPr id="8" name="Rectangle 7">
+            <a:extLst>
+              <a:ext uri="{FF2B5EF4-FFF2-40B4-BE49-F238E27FC236}">
+                <a16:creationId xmlns:a16="http://schemas.microsoft.com/office/drawing/2014/main" id="{5D3249CF-DE3B-16E1-14C6-A1DBC269765A}"/>
+              </a:ext>
+            </a:extLst>
+          </p:cNvPr>
+          <p:cNvSpPr/>
+          <p:nvPr/>
+        </p:nvSpPr>
+        <p:spPr>
+          <a:xfrm>
+            <a:off x="1501247" y="5193632"/>
+            <a:ext cx="3766783" cy="574840"/>
+          </a:xfrm>
+          <a:prstGeom prst="rect">
+            <a:avLst/>
+          </a:prstGeom>
+          <a:solidFill>
+            <a:schemeClr val="accent6">
+              <a:lumMod val="60000"/>
+              <a:lumOff val="40000"/>
+            </a:schemeClr>
+          </a:solidFill>
+        </p:spPr>
+        <p:style>
+          <a:lnRef idx="2">
+            <a:schemeClr val="accent1">
+              <a:shade val="15000"/>
+            </a:schemeClr>
+          </a:lnRef>
+          <a:fillRef idx="1">
+            <a:schemeClr val="accent1"/>
+          </a:fillRef>
+          <a:effectRef idx="0">
+            <a:schemeClr val="accent1"/>
+          </a:effectRef>
+          <a:fontRef idx="minor">
+            <a:schemeClr val="lt1"/>
+          </a:fontRef>
+        </p:style>
+        <p:txBody>
+          <a:bodyPr rtlCol="0" anchor="ctr"/>
+          <a:lstStyle/>
+          <a:p>
+            <a:pPr algn="ctr"/>
+            <a:r>
+              <a:rPr lang="en-US" dirty="0" err="1">
+                <a:ln w="0"/>
+                <a:solidFill>
+                  <a:schemeClr val="tx1"/>
+                </a:solidFill>
+                <a:effectLst>
+                  <a:outerShdw blurRad="38100" dist="19050" dir="2700000" algn="tl" rotWithShape="0">
+                    <a:schemeClr val="dk1">
+                      <a:alpha val="40000"/>
+                    </a:schemeClr>
+                  </a:outerShdw>
+                </a:effectLst>
+              </a:rPr>
+              <a:t>componentWillUnmount</a:t>
+            </a:r>
+            <a:r>
+              <a:rPr lang="en-US" dirty="0">
+                <a:ln w="0"/>
+                <a:solidFill>
+                  <a:schemeClr val="tx1"/>
+                </a:solidFill>
+                <a:effectLst>
+                  <a:outerShdw blurRad="38100" dist="19050" dir="2700000" algn="tl" rotWithShape="0">
+                    <a:schemeClr val="dk1">
+                      <a:alpha val="40000"/>
+                    </a:schemeClr>
+                  </a:outerShdw>
+                </a:effectLst>
+              </a:rPr>
+              <a:t>()</a:t>
+            </a:r>
+          </a:p>
+        </p:txBody>
+      </p:sp>
+      <p:sp>
+        <p:nvSpPr>
+          <p:cNvPr id="9" name="Rectangle 8">
+            <a:extLst>
+              <a:ext uri="{FF2B5EF4-FFF2-40B4-BE49-F238E27FC236}">
+                <a16:creationId xmlns:a16="http://schemas.microsoft.com/office/drawing/2014/main" id="{618AC640-74F4-BABF-1E0C-545F049C1EFA}"/>
+              </a:ext>
+            </a:extLst>
+          </p:cNvPr>
+          <p:cNvSpPr/>
+          <p:nvPr/>
+        </p:nvSpPr>
+        <p:spPr>
+          <a:xfrm>
+            <a:off x="6887573" y="2812088"/>
+            <a:ext cx="3766783" cy="574840"/>
+          </a:xfrm>
+          <a:prstGeom prst="rect">
+            <a:avLst/>
+          </a:prstGeom>
+          <a:solidFill>
+            <a:schemeClr val="accent6">
+              <a:lumMod val="60000"/>
+              <a:lumOff val="40000"/>
+            </a:schemeClr>
+          </a:solidFill>
+        </p:spPr>
+        <p:style>
+          <a:lnRef idx="2">
+            <a:schemeClr val="accent1">
+              <a:shade val="15000"/>
+            </a:schemeClr>
+          </a:lnRef>
+          <a:fillRef idx="1">
+            <a:schemeClr val="accent1"/>
+          </a:fillRef>
+          <a:effectRef idx="0">
+            <a:schemeClr val="accent1"/>
+          </a:effectRef>
+          <a:fontRef idx="minor">
+            <a:schemeClr val="lt1"/>
+          </a:fontRef>
+        </p:style>
+        <p:txBody>
+          <a:bodyPr rtlCol="0" anchor="ctr"/>
+          <a:lstStyle/>
+          <a:p>
+            <a:pPr algn="ctr"/>
+            <a:r>
+              <a:rPr lang="en-US" dirty="0" err="1">
+                <a:ln w="0"/>
+                <a:solidFill>
+                  <a:schemeClr val="tx1"/>
+                </a:solidFill>
+                <a:effectLst>
+                  <a:outerShdw blurRad="38100" dist="19050" dir="2700000" algn="tl" rotWithShape="0">
+                    <a:schemeClr val="dk1">
+                      <a:alpha val="40000"/>
+                    </a:schemeClr>
+                  </a:outerShdw>
+                </a:effectLst>
+              </a:rPr>
+              <a:t>shouldComponentUpdate</a:t>
+            </a:r>
+            <a:r>
+              <a:rPr lang="en-US" dirty="0">
+                <a:ln w="0"/>
+                <a:solidFill>
+                  <a:schemeClr val="tx1"/>
+                </a:solidFill>
+                <a:effectLst>
+                  <a:outerShdw blurRad="38100" dist="19050" dir="2700000" algn="tl" rotWithShape="0">
+                    <a:schemeClr val="dk1">
+                      <a:alpha val="40000"/>
+                    </a:schemeClr>
+                  </a:outerShdw>
+                </a:effectLst>
+              </a:rPr>
+              <a:t>()</a:t>
+            </a:r>
+          </a:p>
+        </p:txBody>
+      </p:sp>
+      <p:sp>
+        <p:nvSpPr>
+          <p:cNvPr id="10" name="Rectangle 9">
+            <a:extLst>
+              <a:ext uri="{FF2B5EF4-FFF2-40B4-BE49-F238E27FC236}">
+                <a16:creationId xmlns:a16="http://schemas.microsoft.com/office/drawing/2014/main" id="{ACFA9501-3C6F-6BD0-83BD-DD96B73342B9}"/>
+              </a:ext>
+            </a:extLst>
+          </p:cNvPr>
+          <p:cNvSpPr/>
+          <p:nvPr/>
+        </p:nvSpPr>
+        <p:spPr>
+          <a:xfrm>
+            <a:off x="6887573" y="3605936"/>
+            <a:ext cx="3766783" cy="574840"/>
+          </a:xfrm>
+          <a:prstGeom prst="rect">
+            <a:avLst/>
+          </a:prstGeom>
+          <a:solidFill>
+            <a:schemeClr val="accent6">
+              <a:lumMod val="60000"/>
+              <a:lumOff val="40000"/>
+            </a:schemeClr>
+          </a:solidFill>
+        </p:spPr>
+        <p:style>
+          <a:lnRef idx="2">
+            <a:schemeClr val="accent1">
+              <a:shade val="15000"/>
+            </a:schemeClr>
+          </a:lnRef>
+          <a:fillRef idx="1">
+            <a:schemeClr val="accent1"/>
+          </a:fillRef>
+          <a:effectRef idx="0">
+            <a:schemeClr val="accent1"/>
+          </a:effectRef>
+          <a:fontRef idx="minor">
+            <a:schemeClr val="lt1"/>
+          </a:fontRef>
+        </p:style>
+        <p:txBody>
+          <a:bodyPr rtlCol="0" anchor="ctr"/>
+          <a:lstStyle/>
+          <a:p>
+            <a:pPr algn="ctr"/>
+            <a:r>
+              <a:rPr lang="en-US" dirty="0" err="1">
+                <a:ln w="0"/>
+                <a:solidFill>
+                  <a:schemeClr val="tx1"/>
+                </a:solidFill>
+                <a:effectLst>
+                  <a:outerShdw blurRad="38100" dist="19050" dir="2700000" algn="tl" rotWithShape="0">
+                    <a:schemeClr val="dk1">
+                      <a:alpha val="40000"/>
+                    </a:schemeClr>
+                  </a:outerShdw>
+                </a:effectLst>
+              </a:rPr>
+              <a:t>componentdidUpdate</a:t>
+            </a:r>
+            <a:r>
+              <a:rPr lang="en-US" dirty="0">
+                <a:ln w="0"/>
+                <a:solidFill>
+                  <a:schemeClr val="tx1"/>
+                </a:solidFill>
+                <a:effectLst>
+                  <a:outerShdw blurRad="38100" dist="19050" dir="2700000" algn="tl" rotWithShape="0">
+                    <a:schemeClr val="dk1">
+                      <a:alpha val="40000"/>
+                    </a:schemeClr>
+                  </a:outerShdw>
+                </a:effectLst>
+              </a:rPr>
+              <a:t>()</a:t>
+            </a:r>
+          </a:p>
+        </p:txBody>
+      </p:sp>
+      <p:sp>
+        <p:nvSpPr>
+          <p:cNvPr id="11" name="Rectangle 10">
+            <a:extLst>
+              <a:ext uri="{FF2B5EF4-FFF2-40B4-BE49-F238E27FC236}">
+                <a16:creationId xmlns:a16="http://schemas.microsoft.com/office/drawing/2014/main" id="{2B2570FB-EB56-7F4E-0147-91BFE5C52A6B}"/>
+              </a:ext>
+            </a:extLst>
+          </p:cNvPr>
+          <p:cNvSpPr/>
+          <p:nvPr/>
+        </p:nvSpPr>
+        <p:spPr>
+          <a:xfrm>
+            <a:off x="6864825" y="4399784"/>
+            <a:ext cx="3766783" cy="574840"/>
+          </a:xfrm>
+          <a:prstGeom prst="rect">
+            <a:avLst/>
+          </a:prstGeom>
+          <a:solidFill>
+            <a:schemeClr val="accent6">
+              <a:lumMod val="60000"/>
+              <a:lumOff val="40000"/>
+            </a:schemeClr>
+          </a:solidFill>
+        </p:spPr>
+        <p:style>
+          <a:lnRef idx="2">
+            <a:schemeClr val="accent1">
+              <a:shade val="15000"/>
+            </a:schemeClr>
+          </a:lnRef>
+          <a:fillRef idx="1">
+            <a:schemeClr val="accent1"/>
+          </a:fillRef>
+          <a:effectRef idx="0">
+            <a:schemeClr val="accent1"/>
+          </a:effectRef>
+          <a:fontRef idx="minor">
+            <a:schemeClr val="lt1"/>
+          </a:fontRef>
+        </p:style>
+        <p:txBody>
+          <a:bodyPr rtlCol="0" anchor="ctr"/>
+          <a:lstStyle/>
+          <a:p>
+            <a:pPr algn="ctr"/>
+            <a:r>
+              <a:rPr lang="en-US" dirty="0" err="1">
+                <a:ln w="0"/>
+                <a:solidFill>
+                  <a:schemeClr val="tx1"/>
+                </a:solidFill>
+                <a:effectLst>
+                  <a:outerShdw blurRad="38100" dist="19050" dir="2700000" algn="tl" rotWithShape="0">
+                    <a:schemeClr val="dk1">
+                      <a:alpha val="40000"/>
+                    </a:schemeClr>
+                  </a:outerShdw>
+                </a:effectLst>
+              </a:rPr>
+              <a:t>componentdidMount</a:t>
+            </a:r>
+            <a:r>
+              <a:rPr lang="en-US" dirty="0">
+                <a:ln w="0"/>
+                <a:solidFill>
+                  <a:schemeClr val="tx1"/>
+                </a:solidFill>
+                <a:effectLst>
+                  <a:outerShdw blurRad="38100" dist="19050" dir="2700000" algn="tl" rotWithShape="0">
+                    <a:schemeClr val="dk1">
+                      <a:alpha val="40000"/>
+                    </a:schemeClr>
+                  </a:outerShdw>
+                </a:effectLst>
+              </a:rPr>
+              <a:t>()</a:t>
+            </a:r>
+          </a:p>
+        </p:txBody>
+      </p:sp>
+      <p:sp>
+        <p:nvSpPr>
+          <p:cNvPr id="12" name="Rectangle 11">
+            <a:extLst>
+              <a:ext uri="{FF2B5EF4-FFF2-40B4-BE49-F238E27FC236}">
+                <a16:creationId xmlns:a16="http://schemas.microsoft.com/office/drawing/2014/main" id="{B8ED3D53-74D7-E930-38FF-84157D349AD6}"/>
+              </a:ext>
+            </a:extLst>
+          </p:cNvPr>
+          <p:cNvSpPr/>
+          <p:nvPr/>
+        </p:nvSpPr>
+        <p:spPr>
+          <a:xfrm>
+            <a:off x="6864824" y="5193632"/>
+            <a:ext cx="3766783" cy="574840"/>
+          </a:xfrm>
+          <a:prstGeom prst="rect">
+            <a:avLst/>
+          </a:prstGeom>
+          <a:solidFill>
+            <a:schemeClr val="accent6">
+              <a:lumMod val="60000"/>
+              <a:lumOff val="40000"/>
+            </a:schemeClr>
+          </a:solidFill>
+        </p:spPr>
+        <p:style>
+          <a:lnRef idx="2">
+            <a:schemeClr val="accent1">
+              <a:shade val="15000"/>
+            </a:schemeClr>
+          </a:lnRef>
+          <a:fillRef idx="1">
+            <a:schemeClr val="accent1"/>
+          </a:fillRef>
+          <a:effectRef idx="0">
+            <a:schemeClr val="accent1"/>
+          </a:effectRef>
+          <a:fontRef idx="minor">
+            <a:schemeClr val="lt1"/>
+          </a:fontRef>
+        </p:style>
+        <p:txBody>
+          <a:bodyPr rtlCol="0" anchor="ctr"/>
+          <a:lstStyle/>
+          <a:p>
+            <a:pPr algn="ctr"/>
+            <a:r>
+              <a:rPr lang="en-US" dirty="0">
+                <a:ln w="0"/>
+                <a:solidFill>
+                  <a:schemeClr val="tx1"/>
+                </a:solidFill>
+                <a:effectLst>
+                  <a:outerShdw blurRad="38100" dist="19050" dir="2700000" algn="tl" rotWithShape="0">
+                    <a:schemeClr val="dk1">
+                      <a:alpha val="40000"/>
+                    </a:schemeClr>
+                  </a:outerShdw>
+                </a:effectLst>
+              </a:rPr>
+              <a:t>render()</a:t>
+            </a:r>
+          </a:p>
+        </p:txBody>
+      </p:sp>
+    </p:spTree>
+    <p:extLst>
+      <p:ext uri="{BB962C8B-B14F-4D97-AF65-F5344CB8AC3E}">
+        <p14:creationId xmlns:p14="http://schemas.microsoft.com/office/powerpoint/2010/main" val="1347176254"/>
+      </p:ext>
+    </p:extLst>
+  </p:cSld>
+  <p:clrMapOvr>
+    <a:masterClrMapping/>
+  </p:clrMapOvr>
+</p:sld>
+</file>
+
+<file path=ppt/slides/slide14.xml><?xml version="1.0" encoding="utf-8"?>
+<p:sld xmlns:a="http://schemas.openxmlformats.org/drawingml/2006/main" xmlns:r="http://schemas.openxmlformats.org/officeDocument/2006/relationships" xmlns:p="http://schemas.openxmlformats.org/presentationml/2006/main">
+  <p:cSld>
+    <p:spTree>
+      <p:nvGrpSpPr>
+        <p:cNvPr id="1" name=""/>
+        <p:cNvGrpSpPr/>
+        <p:nvPr/>
+      </p:nvGrpSpPr>
+      <p:grpSpPr>
+        <a:xfrm>
+          <a:off x="0" y="0"/>
+          <a:ext cx="0" cy="0"/>
+          <a:chOff x="0" y="0"/>
+          <a:chExt cx="0" cy="0"/>
+        </a:xfrm>
+      </p:grpSpPr>
+      <p:sp>
+        <p:nvSpPr>
+          <p:cNvPr id="4" name="Title 1">
+            <a:extLst>
+              <a:ext uri="{FF2B5EF4-FFF2-40B4-BE49-F238E27FC236}">
+                <a16:creationId xmlns:a16="http://schemas.microsoft.com/office/drawing/2014/main" id="{E9AF1BCB-3879-F06A-664F-C1636B80D6AF}"/>
+              </a:ext>
+            </a:extLst>
+          </p:cNvPr>
+          <p:cNvSpPr>
+            <a:spLocks noGrp="1"/>
+          </p:cNvSpPr>
+          <p:nvPr>
+            <p:ph type="title"/>
+          </p:nvPr>
+        </p:nvSpPr>
+        <p:spPr>
+          <a:xfrm>
+            <a:off x="838200" y="365125"/>
+            <a:ext cx="10515600" cy="1325563"/>
+          </a:xfrm>
+        </p:spPr>
+        <p:txBody>
+          <a:bodyPr>
+            <a:normAutofit/>
+          </a:bodyPr>
+          <a:lstStyle/>
+          <a:p>
+            <a:r>
+              <a:rPr lang="en-US" sz="3600" dirty="0"/>
+              <a:t>Component Lifecycle - Creation</a:t>
+            </a:r>
+          </a:p>
+        </p:txBody>
+      </p:sp>
+      <p:sp>
+        <p:nvSpPr>
+          <p:cNvPr id="5" name="Rectangle 4">
+            <a:extLst>
+              <a:ext uri="{FF2B5EF4-FFF2-40B4-BE49-F238E27FC236}">
+                <a16:creationId xmlns:a16="http://schemas.microsoft.com/office/drawing/2014/main" id="{49365679-562D-F65C-0575-ABE427F65A9B}"/>
+              </a:ext>
+            </a:extLst>
+          </p:cNvPr>
+          <p:cNvSpPr/>
+          <p:nvPr/>
+        </p:nvSpPr>
+        <p:spPr>
+          <a:xfrm>
+            <a:off x="6864824" y="365125"/>
+            <a:ext cx="4995080" cy="685753"/>
+          </a:xfrm>
+          <a:prstGeom prst="rect">
+            <a:avLst/>
+          </a:prstGeom>
+          <a:solidFill>
+            <a:schemeClr val="accent4">
+              <a:lumMod val="75000"/>
+            </a:schemeClr>
+          </a:solidFill>
+        </p:spPr>
+        <p:style>
+          <a:lnRef idx="2">
+            <a:schemeClr val="accent1">
+              <a:shade val="15000"/>
+            </a:schemeClr>
+          </a:lnRef>
+          <a:fillRef idx="1">
+            <a:schemeClr val="accent1"/>
+          </a:fillRef>
+          <a:effectRef idx="0">
+            <a:schemeClr val="accent1"/>
+          </a:effectRef>
+          <a:fontRef idx="minor">
+            <a:schemeClr val="lt1"/>
+          </a:fontRef>
+        </p:style>
+        <p:txBody>
+          <a:bodyPr rtlCol="0" anchor="ctr"/>
+          <a:lstStyle/>
+          <a:p>
+            <a:pPr algn="ctr"/>
+            <a:r>
+              <a:rPr lang="en-US" dirty="0">
+                <a:ln w="0"/>
+                <a:solidFill>
+                  <a:schemeClr val="tx1"/>
+                </a:solidFill>
+                <a:effectLst>
+                  <a:outerShdw blurRad="38100" dist="19050" dir="2700000" algn="tl" rotWithShape="0">
+                    <a:schemeClr val="dk1">
+                      <a:alpha val="40000"/>
+                    </a:schemeClr>
+                  </a:outerShdw>
+                </a:effectLst>
+              </a:rPr>
+              <a:t>Only available in Class-based Components!</a:t>
+            </a:r>
+          </a:p>
+        </p:txBody>
+      </p:sp>
+      <p:sp>
+        <p:nvSpPr>
+          <p:cNvPr id="6" name="Rectangle 5">
+            <a:extLst>
+              <a:ext uri="{FF2B5EF4-FFF2-40B4-BE49-F238E27FC236}">
+                <a16:creationId xmlns:a16="http://schemas.microsoft.com/office/drawing/2014/main" id="{421E84A6-6BEE-AE1A-325E-E78C65FF119B}"/>
+              </a:ext>
+            </a:extLst>
+          </p:cNvPr>
+          <p:cNvSpPr/>
+          <p:nvPr/>
+        </p:nvSpPr>
+        <p:spPr>
+          <a:xfrm>
+            <a:off x="3830467" y="1597438"/>
+            <a:ext cx="3766783" cy="574840"/>
+          </a:xfrm>
+          <a:prstGeom prst="rect">
+            <a:avLst/>
+          </a:prstGeom>
+          <a:solidFill>
+            <a:schemeClr val="accent2">
+              <a:lumMod val="60000"/>
+              <a:lumOff val="40000"/>
+            </a:schemeClr>
+          </a:solidFill>
+        </p:spPr>
+        <p:style>
+          <a:lnRef idx="2">
+            <a:schemeClr val="accent1">
+              <a:shade val="15000"/>
+            </a:schemeClr>
+          </a:lnRef>
+          <a:fillRef idx="1">
+            <a:schemeClr val="accent1"/>
+          </a:fillRef>
+          <a:effectRef idx="0">
+            <a:schemeClr val="accent1"/>
+          </a:effectRef>
+          <a:fontRef idx="minor">
+            <a:schemeClr val="lt1"/>
+          </a:fontRef>
+        </p:style>
+        <p:txBody>
+          <a:bodyPr rtlCol="0" anchor="ctr"/>
+          <a:lstStyle/>
+          <a:p>
+            <a:pPr algn="ctr"/>
+            <a:r>
+              <a:rPr lang="en-US" dirty="0">
+                <a:ln w="0"/>
+                <a:solidFill>
+                  <a:schemeClr val="tx1"/>
+                </a:solidFill>
+                <a:effectLst>
+                  <a:outerShdw blurRad="38100" dist="19050" dir="2700000" algn="tl" rotWithShape="0">
+                    <a:schemeClr val="dk1">
+                      <a:alpha val="40000"/>
+                    </a:schemeClr>
+                  </a:outerShdw>
+                </a:effectLst>
+              </a:rPr>
+              <a:t>constructor(props)</a:t>
+            </a:r>
+          </a:p>
+        </p:txBody>
+      </p:sp>
+      <p:sp>
+        <p:nvSpPr>
+          <p:cNvPr id="7" name="Rectangle 6">
+            <a:extLst>
+              <a:ext uri="{FF2B5EF4-FFF2-40B4-BE49-F238E27FC236}">
+                <a16:creationId xmlns:a16="http://schemas.microsoft.com/office/drawing/2014/main" id="{874CD6EA-C69C-A32A-1A5E-D09D2F187F2E}"/>
+              </a:ext>
+            </a:extLst>
+          </p:cNvPr>
+          <p:cNvSpPr/>
+          <p:nvPr/>
+        </p:nvSpPr>
+        <p:spPr>
+          <a:xfrm>
+            <a:off x="3830466" y="2416124"/>
+            <a:ext cx="3766783" cy="574840"/>
+          </a:xfrm>
+          <a:prstGeom prst="rect">
+            <a:avLst/>
+          </a:prstGeom>
+          <a:solidFill>
+            <a:schemeClr val="accent2">
+              <a:lumMod val="60000"/>
+              <a:lumOff val="40000"/>
+            </a:schemeClr>
+          </a:solidFill>
+        </p:spPr>
+        <p:style>
+          <a:lnRef idx="2">
+            <a:schemeClr val="accent1">
+              <a:shade val="15000"/>
+            </a:schemeClr>
+          </a:lnRef>
+          <a:fillRef idx="1">
+            <a:schemeClr val="accent1"/>
+          </a:fillRef>
+          <a:effectRef idx="0">
+            <a:schemeClr val="accent1"/>
+          </a:effectRef>
+          <a:fontRef idx="minor">
+            <a:schemeClr val="lt1"/>
+          </a:fontRef>
+        </p:style>
+        <p:txBody>
+          <a:bodyPr rtlCol="0" anchor="ctr"/>
+          <a:lstStyle/>
+          <a:p>
+            <a:pPr algn="ctr"/>
+            <a:r>
+              <a:rPr lang="en-US" sz="1600" dirty="0" err="1">
+                <a:ln w="0"/>
+                <a:solidFill>
+                  <a:schemeClr val="tx1"/>
+                </a:solidFill>
+                <a:effectLst>
+                  <a:outerShdw blurRad="38100" dist="19050" dir="2700000" algn="tl" rotWithShape="0">
+                    <a:schemeClr val="dk1">
+                      <a:alpha val="40000"/>
+                    </a:schemeClr>
+                  </a:outerShdw>
+                </a:effectLst>
+              </a:rPr>
+              <a:t>getDerivedStateFromProps</a:t>
+            </a:r>
+            <a:r>
+              <a:rPr lang="en-US" sz="1600" dirty="0">
+                <a:ln w="0"/>
+                <a:solidFill>
+                  <a:schemeClr val="tx1"/>
+                </a:solidFill>
+                <a:effectLst>
+                  <a:outerShdw blurRad="38100" dist="19050" dir="2700000" algn="tl" rotWithShape="0">
+                    <a:schemeClr val="dk1">
+                      <a:alpha val="40000"/>
+                    </a:schemeClr>
+                  </a:outerShdw>
+                </a:effectLst>
+              </a:rPr>
+              <a:t>(props, state)</a:t>
+            </a:r>
+          </a:p>
+        </p:txBody>
+      </p:sp>
+      <p:sp>
+        <p:nvSpPr>
+          <p:cNvPr id="11" name="Rectangle 10">
+            <a:extLst>
+              <a:ext uri="{FF2B5EF4-FFF2-40B4-BE49-F238E27FC236}">
+                <a16:creationId xmlns:a16="http://schemas.microsoft.com/office/drawing/2014/main" id="{C7A760AE-9F5B-4344-C19A-71C1A4A8E9F2}"/>
+              </a:ext>
+            </a:extLst>
+          </p:cNvPr>
+          <p:cNvSpPr/>
+          <p:nvPr/>
+        </p:nvSpPr>
+        <p:spPr>
+          <a:xfrm>
+            <a:off x="8201164" y="1276084"/>
+            <a:ext cx="3766783" cy="893416"/>
+          </a:xfrm>
+          <a:prstGeom prst="rect">
+            <a:avLst/>
+          </a:prstGeom>
+          <a:solidFill>
+            <a:srgbClr val="FFFF00"/>
+          </a:solidFill>
+        </p:spPr>
+        <p:style>
+          <a:lnRef idx="2">
+            <a:schemeClr val="accent1">
+              <a:shade val="15000"/>
+            </a:schemeClr>
+          </a:lnRef>
+          <a:fillRef idx="1">
+            <a:schemeClr val="accent1"/>
+          </a:fillRef>
+          <a:effectRef idx="0">
+            <a:schemeClr val="accent1"/>
+          </a:effectRef>
+          <a:fontRef idx="minor">
+            <a:schemeClr val="lt1"/>
+          </a:fontRef>
+        </p:style>
+        <p:txBody>
+          <a:bodyPr rtlCol="0" anchor="ctr"/>
+          <a:lstStyle/>
+          <a:p>
+            <a:pPr algn="ctr"/>
+            <a:r>
+              <a:rPr lang="en-US" dirty="0">
+                <a:ln w="0"/>
+                <a:solidFill>
+                  <a:schemeClr val="tx1"/>
+                </a:solidFill>
+                <a:effectLst>
+                  <a:outerShdw blurRad="38100" dist="19050" dir="2700000" algn="tl" rotWithShape="0">
+                    <a:schemeClr val="dk1">
+                      <a:alpha val="40000"/>
+                    </a:schemeClr>
+                  </a:outerShdw>
+                </a:effectLst>
+              </a:rPr>
+              <a:t>Call super(props)</a:t>
+            </a:r>
+          </a:p>
+          <a:p>
+            <a:pPr algn="ctr"/>
+            <a:r>
+              <a:rPr lang="en-US" dirty="0">
+                <a:ln w="0"/>
+                <a:solidFill>
+                  <a:schemeClr val="tx1"/>
+                </a:solidFill>
+                <a:effectLst>
+                  <a:outerShdw blurRad="38100" dist="19050" dir="2700000" algn="tl" rotWithShape="0">
+                    <a:schemeClr val="dk1">
+                      <a:alpha val="40000"/>
+                    </a:schemeClr>
+                  </a:outerShdw>
+                </a:effectLst>
+              </a:rPr>
+              <a:t>DO: Set up State</a:t>
+            </a:r>
+          </a:p>
+          <a:p>
+            <a:pPr algn="ctr"/>
+            <a:r>
+              <a:rPr lang="en-US" dirty="0">
+                <a:ln w="0"/>
+                <a:solidFill>
+                  <a:schemeClr val="tx1"/>
+                </a:solidFill>
+                <a:effectLst>
+                  <a:outerShdw blurRad="38100" dist="19050" dir="2700000" algn="tl" rotWithShape="0">
+                    <a:schemeClr val="dk1">
+                      <a:alpha val="40000"/>
+                    </a:schemeClr>
+                  </a:outerShdw>
+                </a:effectLst>
+              </a:rPr>
+              <a:t>DON’T: Cause Side-Effects</a:t>
+            </a:r>
+          </a:p>
+        </p:txBody>
+      </p:sp>
+      <p:sp>
+        <p:nvSpPr>
+          <p:cNvPr id="12" name="Rectangle 11">
+            <a:extLst>
+              <a:ext uri="{FF2B5EF4-FFF2-40B4-BE49-F238E27FC236}">
+                <a16:creationId xmlns:a16="http://schemas.microsoft.com/office/drawing/2014/main" id="{B3369EFA-42CD-C0EA-937B-BDAC4639D31D}"/>
+              </a:ext>
+            </a:extLst>
+          </p:cNvPr>
+          <p:cNvSpPr/>
+          <p:nvPr/>
+        </p:nvSpPr>
+        <p:spPr>
+          <a:xfrm>
+            <a:off x="3830464" y="4223654"/>
+            <a:ext cx="3766783" cy="574840"/>
+          </a:xfrm>
+          <a:prstGeom prst="rect">
+            <a:avLst/>
+          </a:prstGeom>
+          <a:solidFill>
+            <a:schemeClr val="accent6">
+              <a:lumMod val="60000"/>
+              <a:lumOff val="40000"/>
+            </a:schemeClr>
+          </a:solidFill>
+        </p:spPr>
+        <p:style>
+          <a:lnRef idx="2">
+            <a:schemeClr val="accent1">
+              <a:shade val="15000"/>
+            </a:schemeClr>
+          </a:lnRef>
+          <a:fillRef idx="1">
+            <a:schemeClr val="accent1"/>
+          </a:fillRef>
+          <a:effectRef idx="0">
+            <a:schemeClr val="accent1"/>
+          </a:effectRef>
+          <a:fontRef idx="minor">
+            <a:schemeClr val="lt1"/>
+          </a:fontRef>
+        </p:style>
+        <p:txBody>
+          <a:bodyPr rtlCol="0" anchor="ctr"/>
+          <a:lstStyle/>
+          <a:p>
+            <a:pPr algn="ctr"/>
+            <a:r>
+              <a:rPr lang="en-US" dirty="0">
+                <a:ln w="0"/>
+                <a:solidFill>
+                  <a:schemeClr val="tx1"/>
+                </a:solidFill>
+                <a:effectLst>
+                  <a:outerShdw blurRad="38100" dist="19050" dir="2700000" algn="tl" rotWithShape="0">
+                    <a:schemeClr val="dk1">
+                      <a:alpha val="40000"/>
+                    </a:schemeClr>
+                  </a:outerShdw>
+                </a:effectLst>
+              </a:rPr>
+              <a:t>Render child components</a:t>
+            </a:r>
+          </a:p>
+        </p:txBody>
+      </p:sp>
+      <p:sp>
+        <p:nvSpPr>
+          <p:cNvPr id="13" name="Rectangle 12">
+            <a:extLst>
+              <a:ext uri="{FF2B5EF4-FFF2-40B4-BE49-F238E27FC236}">
+                <a16:creationId xmlns:a16="http://schemas.microsoft.com/office/drawing/2014/main" id="{610BD414-1E69-1EF0-6F1B-112D2B0F53E5}"/>
+              </a:ext>
+            </a:extLst>
+          </p:cNvPr>
+          <p:cNvSpPr/>
+          <p:nvPr/>
+        </p:nvSpPr>
+        <p:spPr>
+          <a:xfrm>
+            <a:off x="3830463" y="5168313"/>
+            <a:ext cx="3766783" cy="574840"/>
+          </a:xfrm>
+          <a:prstGeom prst="rect">
+            <a:avLst/>
+          </a:prstGeom>
+          <a:solidFill>
+            <a:schemeClr val="accent2">
+              <a:lumMod val="60000"/>
+              <a:lumOff val="40000"/>
+            </a:schemeClr>
+          </a:solidFill>
+        </p:spPr>
+        <p:style>
+          <a:lnRef idx="2">
+            <a:schemeClr val="accent1">
+              <a:shade val="15000"/>
+            </a:schemeClr>
+          </a:lnRef>
+          <a:fillRef idx="1">
+            <a:schemeClr val="accent1"/>
+          </a:fillRef>
+          <a:effectRef idx="0">
+            <a:schemeClr val="accent1"/>
+          </a:effectRef>
+          <a:fontRef idx="minor">
+            <a:schemeClr val="lt1"/>
+          </a:fontRef>
+        </p:style>
+        <p:txBody>
+          <a:bodyPr rtlCol="0" anchor="ctr"/>
+          <a:lstStyle/>
+          <a:p>
+            <a:pPr algn="ctr"/>
+            <a:r>
+              <a:rPr lang="en-US" dirty="0" err="1">
+                <a:ln w="0"/>
+                <a:solidFill>
+                  <a:schemeClr val="tx1"/>
+                </a:solidFill>
+                <a:effectLst>
+                  <a:outerShdw blurRad="38100" dist="19050" dir="2700000" algn="tl" rotWithShape="0">
+                    <a:schemeClr val="dk1">
+                      <a:alpha val="40000"/>
+                    </a:schemeClr>
+                  </a:outerShdw>
+                </a:effectLst>
+              </a:rPr>
+              <a:t>componentDidMount</a:t>
+            </a:r>
+            <a:r>
+              <a:rPr lang="en-US" dirty="0">
+                <a:ln w="0"/>
+                <a:solidFill>
+                  <a:schemeClr val="tx1"/>
+                </a:solidFill>
+                <a:effectLst>
+                  <a:outerShdw blurRad="38100" dist="19050" dir="2700000" algn="tl" rotWithShape="0">
+                    <a:schemeClr val="dk1">
+                      <a:alpha val="40000"/>
+                    </a:schemeClr>
+                  </a:outerShdw>
+                </a:effectLst>
+              </a:rPr>
+              <a:t>()</a:t>
+            </a:r>
+          </a:p>
+        </p:txBody>
+      </p:sp>
+      <p:sp>
+        <p:nvSpPr>
+          <p:cNvPr id="14" name="Rectangle 13">
+            <a:extLst>
+              <a:ext uri="{FF2B5EF4-FFF2-40B4-BE49-F238E27FC236}">
+                <a16:creationId xmlns:a16="http://schemas.microsoft.com/office/drawing/2014/main" id="{1D30DBBD-CB51-C0C7-C1EF-F92EF43B84AF}"/>
+              </a:ext>
+            </a:extLst>
+          </p:cNvPr>
+          <p:cNvSpPr/>
+          <p:nvPr/>
+        </p:nvSpPr>
+        <p:spPr>
+          <a:xfrm>
+            <a:off x="3830466" y="3298703"/>
+            <a:ext cx="3766783" cy="574840"/>
+          </a:xfrm>
+          <a:prstGeom prst="rect">
+            <a:avLst/>
+          </a:prstGeom>
+          <a:solidFill>
+            <a:schemeClr val="accent2">
+              <a:lumMod val="60000"/>
+              <a:lumOff val="40000"/>
+            </a:schemeClr>
+          </a:solidFill>
+        </p:spPr>
+        <p:style>
+          <a:lnRef idx="2">
+            <a:schemeClr val="accent1">
+              <a:shade val="15000"/>
+            </a:schemeClr>
+          </a:lnRef>
+          <a:fillRef idx="1">
+            <a:schemeClr val="accent1"/>
+          </a:fillRef>
+          <a:effectRef idx="0">
+            <a:schemeClr val="accent1"/>
+          </a:effectRef>
+          <a:fontRef idx="minor">
+            <a:schemeClr val="lt1"/>
+          </a:fontRef>
+        </p:style>
+        <p:txBody>
+          <a:bodyPr rtlCol="0" anchor="ctr"/>
+          <a:lstStyle/>
+          <a:p>
+            <a:pPr algn="ctr"/>
+            <a:r>
+              <a:rPr lang="en-US" dirty="0">
+                <a:ln w="0"/>
+                <a:solidFill>
+                  <a:schemeClr val="tx1"/>
+                </a:solidFill>
+                <a:effectLst>
+                  <a:outerShdw blurRad="38100" dist="19050" dir="2700000" algn="tl" rotWithShape="0">
+                    <a:schemeClr val="dk1">
+                      <a:alpha val="40000"/>
+                    </a:schemeClr>
+                  </a:outerShdw>
+                </a:effectLst>
+              </a:rPr>
+              <a:t>render()</a:t>
+            </a:r>
+          </a:p>
+        </p:txBody>
+      </p:sp>
+      <p:sp>
+        <p:nvSpPr>
+          <p:cNvPr id="15" name="Rectangle 14">
+            <a:extLst>
+              <a:ext uri="{FF2B5EF4-FFF2-40B4-BE49-F238E27FC236}">
+                <a16:creationId xmlns:a16="http://schemas.microsoft.com/office/drawing/2014/main" id="{8DFC2FCA-5C08-E6D7-9051-C369B0E82B52}"/>
+              </a:ext>
+            </a:extLst>
+          </p:cNvPr>
+          <p:cNvSpPr/>
+          <p:nvPr/>
+        </p:nvSpPr>
+        <p:spPr>
+          <a:xfrm>
+            <a:off x="838200" y="1594660"/>
+            <a:ext cx="2027830" cy="821464"/>
+          </a:xfrm>
+          <a:prstGeom prst="rect">
+            <a:avLst/>
+          </a:prstGeom>
+        </p:spPr>
+        <p:style>
+          <a:lnRef idx="2">
+            <a:schemeClr val="accent1">
+              <a:shade val="15000"/>
+            </a:schemeClr>
+          </a:lnRef>
+          <a:fillRef idx="1">
+            <a:schemeClr val="accent1"/>
+          </a:fillRef>
+          <a:effectRef idx="0">
+            <a:schemeClr val="accent1"/>
+          </a:effectRef>
+          <a:fontRef idx="minor">
+            <a:schemeClr val="lt1"/>
+          </a:fontRef>
+        </p:style>
+        <p:txBody>
+          <a:bodyPr rtlCol="0" anchor="ctr"/>
+          <a:lstStyle/>
+          <a:p>
+            <a:pPr algn="ctr"/>
+            <a:r>
+              <a:rPr lang="en-US" dirty="0"/>
+              <a:t>Default ES6 class feature</a:t>
+            </a:r>
+          </a:p>
+        </p:txBody>
+      </p:sp>
+      <p:sp>
+        <p:nvSpPr>
+          <p:cNvPr id="16" name="Rectangle 15">
+            <a:extLst>
+              <a:ext uri="{FF2B5EF4-FFF2-40B4-BE49-F238E27FC236}">
+                <a16:creationId xmlns:a16="http://schemas.microsoft.com/office/drawing/2014/main" id="{1749D430-6F3B-9C9C-94A1-112B8B9A47A0}"/>
+              </a:ext>
+            </a:extLst>
+          </p:cNvPr>
+          <p:cNvSpPr/>
+          <p:nvPr/>
+        </p:nvSpPr>
+        <p:spPr>
+          <a:xfrm>
+            <a:off x="8201164" y="2394706"/>
+            <a:ext cx="3766783" cy="893416"/>
+          </a:xfrm>
+          <a:prstGeom prst="rect">
+            <a:avLst/>
+          </a:prstGeom>
+          <a:solidFill>
+            <a:srgbClr val="FFFF00"/>
+          </a:solidFill>
+        </p:spPr>
+        <p:style>
+          <a:lnRef idx="2">
+            <a:schemeClr val="accent1">
+              <a:shade val="15000"/>
+            </a:schemeClr>
+          </a:lnRef>
+          <a:fillRef idx="1">
+            <a:schemeClr val="accent1"/>
+          </a:fillRef>
+          <a:effectRef idx="0">
+            <a:schemeClr val="accent1"/>
+          </a:effectRef>
+          <a:fontRef idx="minor">
+            <a:schemeClr val="lt1"/>
+          </a:fontRef>
+        </p:style>
+        <p:txBody>
+          <a:bodyPr rtlCol="0" anchor="ctr"/>
+          <a:lstStyle/>
+          <a:p>
+            <a:pPr algn="ctr"/>
+            <a:r>
+              <a:rPr lang="en-US" dirty="0">
+                <a:ln w="0"/>
+                <a:solidFill>
+                  <a:schemeClr val="tx1"/>
+                </a:solidFill>
+                <a:effectLst>
+                  <a:outerShdw blurRad="38100" dist="19050" dir="2700000" algn="tl" rotWithShape="0">
+                    <a:schemeClr val="dk1">
+                      <a:alpha val="40000"/>
+                    </a:schemeClr>
+                  </a:outerShdw>
+                </a:effectLst>
+              </a:rPr>
+              <a:t>DO: Sync State</a:t>
+            </a:r>
+          </a:p>
+          <a:p>
+            <a:pPr algn="ctr"/>
+            <a:r>
+              <a:rPr lang="en-US" dirty="0">
+                <a:ln w="0"/>
+                <a:solidFill>
+                  <a:schemeClr val="tx1"/>
+                </a:solidFill>
+                <a:effectLst>
+                  <a:outerShdw blurRad="38100" dist="19050" dir="2700000" algn="tl" rotWithShape="0">
+                    <a:schemeClr val="dk1">
+                      <a:alpha val="40000"/>
+                    </a:schemeClr>
+                  </a:outerShdw>
+                </a:effectLst>
+              </a:rPr>
+              <a:t>DON’T: Cause Side-Effects</a:t>
+            </a:r>
+          </a:p>
+        </p:txBody>
+      </p:sp>
+      <p:sp>
+        <p:nvSpPr>
+          <p:cNvPr id="17" name="Rectangle 16">
+            <a:extLst>
+              <a:ext uri="{FF2B5EF4-FFF2-40B4-BE49-F238E27FC236}">
+                <a16:creationId xmlns:a16="http://schemas.microsoft.com/office/drawing/2014/main" id="{850E633B-DE74-6D38-6CE7-DD4C0AEE1A1D}"/>
+              </a:ext>
+            </a:extLst>
+          </p:cNvPr>
+          <p:cNvSpPr/>
+          <p:nvPr/>
+        </p:nvSpPr>
+        <p:spPr>
+          <a:xfrm>
+            <a:off x="8201164" y="3504320"/>
+            <a:ext cx="3766783" cy="893416"/>
+          </a:xfrm>
+          <a:prstGeom prst="rect">
+            <a:avLst/>
+          </a:prstGeom>
+          <a:solidFill>
+            <a:srgbClr val="FFFF00"/>
+          </a:solidFill>
+        </p:spPr>
+        <p:style>
+          <a:lnRef idx="2">
+            <a:schemeClr val="accent1">
+              <a:shade val="15000"/>
+            </a:schemeClr>
+          </a:lnRef>
+          <a:fillRef idx="1">
+            <a:schemeClr val="accent1"/>
+          </a:fillRef>
+          <a:effectRef idx="0">
+            <a:schemeClr val="accent1"/>
+          </a:effectRef>
+          <a:fontRef idx="minor">
+            <a:schemeClr val="lt1"/>
+          </a:fontRef>
+        </p:style>
+        <p:txBody>
+          <a:bodyPr rtlCol="0" anchor="ctr"/>
+          <a:lstStyle/>
+          <a:p>
+            <a:pPr algn="ctr"/>
+            <a:r>
+              <a:rPr lang="en-US" dirty="0">
+                <a:ln w="0"/>
+                <a:solidFill>
+                  <a:schemeClr val="tx1"/>
+                </a:solidFill>
+                <a:effectLst>
+                  <a:outerShdw blurRad="38100" dist="19050" dir="2700000" algn="tl" rotWithShape="0">
+                    <a:schemeClr val="dk1">
+                      <a:alpha val="40000"/>
+                    </a:schemeClr>
+                  </a:outerShdw>
+                </a:effectLst>
+              </a:rPr>
+              <a:t>Prepare &amp; structure you JSX  code</a:t>
+            </a:r>
+          </a:p>
+        </p:txBody>
+      </p:sp>
+      <p:sp>
+        <p:nvSpPr>
+          <p:cNvPr id="18" name="Rectangle 17">
+            <a:extLst>
+              <a:ext uri="{FF2B5EF4-FFF2-40B4-BE49-F238E27FC236}">
+                <a16:creationId xmlns:a16="http://schemas.microsoft.com/office/drawing/2014/main" id="{3D0CD859-8550-D5D3-27FB-2A41C14509B5}"/>
+              </a:ext>
+            </a:extLst>
+          </p:cNvPr>
+          <p:cNvSpPr/>
+          <p:nvPr/>
+        </p:nvSpPr>
+        <p:spPr>
+          <a:xfrm>
+            <a:off x="8201164" y="5168313"/>
+            <a:ext cx="3766783" cy="893416"/>
+          </a:xfrm>
+          <a:prstGeom prst="rect">
+            <a:avLst/>
+          </a:prstGeom>
+          <a:solidFill>
+            <a:srgbClr val="FFFF00"/>
+          </a:solidFill>
+        </p:spPr>
+        <p:style>
+          <a:lnRef idx="2">
+            <a:schemeClr val="accent1">
+              <a:shade val="15000"/>
+            </a:schemeClr>
+          </a:lnRef>
+          <a:fillRef idx="1">
+            <a:schemeClr val="accent1"/>
+          </a:fillRef>
+          <a:effectRef idx="0">
+            <a:schemeClr val="accent1"/>
+          </a:effectRef>
+          <a:fontRef idx="minor">
+            <a:schemeClr val="lt1"/>
+          </a:fontRef>
+        </p:style>
+        <p:txBody>
+          <a:bodyPr rtlCol="0" anchor="ctr"/>
+          <a:lstStyle/>
+          <a:p>
+            <a:pPr algn="ctr"/>
+            <a:r>
+              <a:rPr lang="en-US" dirty="0">
+                <a:ln w="0"/>
+                <a:solidFill>
+                  <a:schemeClr val="tx1"/>
+                </a:solidFill>
+                <a:effectLst>
+                  <a:outerShdw blurRad="38100" dist="19050" dir="2700000" algn="tl" rotWithShape="0">
+                    <a:schemeClr val="dk1">
+                      <a:alpha val="40000"/>
+                    </a:schemeClr>
+                  </a:outerShdw>
+                </a:effectLst>
+              </a:rPr>
+              <a:t>DO: Cause Side-Effects</a:t>
+            </a:r>
+          </a:p>
+          <a:p>
+            <a:pPr algn="ctr"/>
+            <a:r>
+              <a:rPr lang="en-US" dirty="0">
+                <a:ln w="0"/>
+                <a:solidFill>
+                  <a:schemeClr val="tx1"/>
+                </a:solidFill>
+                <a:effectLst>
+                  <a:outerShdw blurRad="38100" dist="19050" dir="2700000" algn="tl" rotWithShape="0">
+                    <a:schemeClr val="dk1">
+                      <a:alpha val="40000"/>
+                    </a:schemeClr>
+                  </a:outerShdw>
+                </a:effectLst>
+              </a:rPr>
+              <a:t>DON’T: Update State</a:t>
+            </a:r>
+          </a:p>
+          <a:p>
+            <a:pPr algn="ctr"/>
+            <a:r>
+              <a:rPr lang="en-US" dirty="0">
+                <a:ln w="0"/>
+                <a:solidFill>
+                  <a:schemeClr val="tx1"/>
+                </a:solidFill>
+                <a:effectLst>
+                  <a:outerShdw blurRad="38100" dist="19050" dir="2700000" algn="tl" rotWithShape="0">
+                    <a:schemeClr val="dk1">
+                      <a:alpha val="40000"/>
+                    </a:schemeClr>
+                  </a:outerShdw>
+                </a:effectLst>
+              </a:rPr>
+              <a:t>(triggers re-render)</a:t>
+            </a:r>
+          </a:p>
+        </p:txBody>
+      </p:sp>
+      <p:sp>
+        <p:nvSpPr>
+          <p:cNvPr id="19" name="Arrow: Down 18">
+            <a:extLst>
+              <a:ext uri="{FF2B5EF4-FFF2-40B4-BE49-F238E27FC236}">
+                <a16:creationId xmlns:a16="http://schemas.microsoft.com/office/drawing/2014/main" id="{A8AC8D61-5FB5-A3F7-0160-107BE3DA803A}"/>
+              </a:ext>
+            </a:extLst>
+          </p:cNvPr>
+          <p:cNvSpPr/>
+          <p:nvPr/>
+        </p:nvSpPr>
+        <p:spPr>
+          <a:xfrm>
+            <a:off x="5431809" y="2005392"/>
+            <a:ext cx="464024" cy="474625"/>
+          </a:xfrm>
+          <a:prstGeom prst="downArrow">
+            <a:avLst/>
+          </a:prstGeom>
+        </p:spPr>
+        <p:style>
+          <a:lnRef idx="2">
+            <a:schemeClr val="accent1">
+              <a:shade val="15000"/>
+            </a:schemeClr>
+          </a:lnRef>
+          <a:fillRef idx="1">
+            <a:schemeClr val="accent1"/>
+          </a:fillRef>
+          <a:effectRef idx="0">
+            <a:schemeClr val="accent1"/>
+          </a:effectRef>
+          <a:fontRef idx="minor">
+            <a:schemeClr val="lt1"/>
+          </a:fontRef>
+        </p:style>
+        <p:txBody>
+          <a:bodyPr rtlCol="0" anchor="ctr"/>
+          <a:lstStyle/>
+          <a:p>
+            <a:pPr algn="ctr"/>
+            <a:endParaRPr lang="en-US"/>
+          </a:p>
+        </p:txBody>
+      </p:sp>
+      <p:sp>
+        <p:nvSpPr>
+          <p:cNvPr id="20" name="Arrow: Down 19">
+            <a:extLst>
+              <a:ext uri="{FF2B5EF4-FFF2-40B4-BE49-F238E27FC236}">
+                <a16:creationId xmlns:a16="http://schemas.microsoft.com/office/drawing/2014/main" id="{1A493CFA-BF15-44C3-EF8B-4F28CB2D996E}"/>
+              </a:ext>
+            </a:extLst>
+          </p:cNvPr>
+          <p:cNvSpPr/>
+          <p:nvPr/>
+        </p:nvSpPr>
+        <p:spPr>
+          <a:xfrm>
+            <a:off x="5481842" y="3822928"/>
+            <a:ext cx="464024" cy="474625"/>
+          </a:xfrm>
+          <a:prstGeom prst="downArrow">
+            <a:avLst/>
+          </a:prstGeom>
+        </p:spPr>
+        <p:style>
+          <a:lnRef idx="2">
+            <a:schemeClr val="accent1">
+              <a:shade val="15000"/>
+            </a:schemeClr>
+          </a:lnRef>
+          <a:fillRef idx="1">
+            <a:schemeClr val="accent1"/>
+          </a:fillRef>
+          <a:effectRef idx="0">
+            <a:schemeClr val="accent1"/>
+          </a:effectRef>
+          <a:fontRef idx="minor">
+            <a:schemeClr val="lt1"/>
+          </a:fontRef>
+        </p:style>
+        <p:txBody>
+          <a:bodyPr rtlCol="0" anchor="ctr"/>
+          <a:lstStyle/>
+          <a:p>
+            <a:pPr algn="ctr"/>
+            <a:endParaRPr lang="en-US"/>
+          </a:p>
+        </p:txBody>
+      </p:sp>
+      <p:sp>
+        <p:nvSpPr>
+          <p:cNvPr id="21" name="Arrow: Down 20">
+            <a:extLst>
+              <a:ext uri="{FF2B5EF4-FFF2-40B4-BE49-F238E27FC236}">
+                <a16:creationId xmlns:a16="http://schemas.microsoft.com/office/drawing/2014/main" id="{A81BDACC-6661-34F3-79E0-8188BA067876}"/>
+              </a:ext>
+            </a:extLst>
+          </p:cNvPr>
+          <p:cNvSpPr/>
+          <p:nvPr/>
+        </p:nvSpPr>
+        <p:spPr>
+          <a:xfrm>
+            <a:off x="5481842" y="2923001"/>
+            <a:ext cx="464024" cy="474625"/>
+          </a:xfrm>
+          <a:prstGeom prst="downArrow">
+            <a:avLst/>
+          </a:prstGeom>
+        </p:spPr>
+        <p:style>
+          <a:lnRef idx="2">
+            <a:schemeClr val="accent1">
+              <a:shade val="15000"/>
+            </a:schemeClr>
+          </a:lnRef>
+          <a:fillRef idx="1">
+            <a:schemeClr val="accent1"/>
+          </a:fillRef>
+          <a:effectRef idx="0">
+            <a:schemeClr val="accent1"/>
+          </a:effectRef>
+          <a:fontRef idx="minor">
+            <a:schemeClr val="lt1"/>
+          </a:fontRef>
+        </p:style>
+        <p:txBody>
+          <a:bodyPr rtlCol="0" anchor="ctr"/>
+          <a:lstStyle/>
+          <a:p>
+            <a:pPr algn="ctr"/>
+            <a:endParaRPr lang="en-US"/>
+          </a:p>
+        </p:txBody>
+      </p:sp>
+      <p:sp>
+        <p:nvSpPr>
+          <p:cNvPr id="22" name="Arrow: Down 21">
+            <a:extLst>
+              <a:ext uri="{FF2B5EF4-FFF2-40B4-BE49-F238E27FC236}">
+                <a16:creationId xmlns:a16="http://schemas.microsoft.com/office/drawing/2014/main" id="{35F44913-52D7-C14E-1B49-2502740009BF}"/>
+              </a:ext>
+            </a:extLst>
+          </p:cNvPr>
+          <p:cNvSpPr/>
+          <p:nvPr/>
+        </p:nvSpPr>
+        <p:spPr>
+          <a:xfrm>
+            <a:off x="5481842" y="4798494"/>
+            <a:ext cx="464024" cy="474625"/>
+          </a:xfrm>
+          <a:prstGeom prst="downArrow">
+            <a:avLst/>
+          </a:prstGeom>
+        </p:spPr>
+        <p:style>
+          <a:lnRef idx="2">
+            <a:schemeClr val="accent1">
+              <a:shade val="15000"/>
+            </a:schemeClr>
+          </a:lnRef>
+          <a:fillRef idx="1">
+            <a:schemeClr val="accent1"/>
+          </a:fillRef>
+          <a:effectRef idx="0">
+            <a:schemeClr val="accent1"/>
+          </a:effectRef>
+          <a:fontRef idx="minor">
+            <a:schemeClr val="lt1"/>
+          </a:fontRef>
+        </p:style>
+        <p:txBody>
+          <a:bodyPr rtlCol="0" anchor="ctr"/>
+          <a:lstStyle/>
+          <a:p>
+            <a:pPr algn="ctr"/>
+            <a:endParaRPr lang="en-US"/>
+          </a:p>
+        </p:txBody>
+      </p:sp>
+    </p:spTree>
+    <p:extLst>
+      <p:ext uri="{BB962C8B-B14F-4D97-AF65-F5344CB8AC3E}">
+        <p14:creationId xmlns:p14="http://schemas.microsoft.com/office/powerpoint/2010/main" val="2946465485"/>
+      </p:ext>
+    </p:extLst>
+  </p:cSld>
+  <p:clrMapOvr>
+    <a:masterClrMapping/>
+  </p:clrMapOvr>
+</p:sld>
+</file>
+
+<file path=ppt/slides/slide15.xml><?xml version="1.0" encoding="utf-8"?>
+<p:sld xmlns:a="http://schemas.openxmlformats.org/drawingml/2006/main" xmlns:r="http://schemas.openxmlformats.org/officeDocument/2006/relationships" xmlns:p="http://schemas.openxmlformats.org/presentationml/2006/main">
+  <p:cSld>
+    <p:spTree>
+      <p:nvGrpSpPr>
+        <p:cNvPr id="1" name=""/>
+        <p:cNvGrpSpPr/>
+        <p:nvPr/>
+      </p:nvGrpSpPr>
+      <p:grpSpPr>
+        <a:xfrm>
+          <a:off x="0" y="0"/>
+          <a:ext cx="0" cy="0"/>
+          <a:chOff x="0" y="0"/>
+          <a:chExt cx="0" cy="0"/>
+        </a:xfrm>
+      </p:grpSpPr>
+      <p:sp>
+        <p:nvSpPr>
+          <p:cNvPr id="4" name="Title 1">
+            <a:extLst>
+              <a:ext uri="{FF2B5EF4-FFF2-40B4-BE49-F238E27FC236}">
+                <a16:creationId xmlns:a16="http://schemas.microsoft.com/office/drawing/2014/main" id="{E9AF1BCB-3879-F06A-664F-C1636B80D6AF}"/>
+              </a:ext>
+            </a:extLst>
+          </p:cNvPr>
+          <p:cNvSpPr>
+            <a:spLocks noGrp="1"/>
+          </p:cNvSpPr>
+          <p:nvPr>
+            <p:ph type="title"/>
+          </p:nvPr>
+        </p:nvSpPr>
+        <p:spPr>
+          <a:xfrm>
+            <a:off x="838200" y="365125"/>
+            <a:ext cx="10515600" cy="1325563"/>
+          </a:xfrm>
+        </p:spPr>
+        <p:txBody>
+          <a:bodyPr>
+            <a:normAutofit/>
+          </a:bodyPr>
+          <a:lstStyle/>
+          <a:p>
+            <a:r>
+              <a:rPr lang="en-US" sz="3600" dirty="0"/>
+              <a:t>Component Lifecycle - Update</a:t>
+            </a:r>
+          </a:p>
+        </p:txBody>
+      </p:sp>
+      <p:sp>
+        <p:nvSpPr>
+          <p:cNvPr id="5" name="Rectangle 4">
+            <a:extLst>
+              <a:ext uri="{FF2B5EF4-FFF2-40B4-BE49-F238E27FC236}">
+                <a16:creationId xmlns:a16="http://schemas.microsoft.com/office/drawing/2014/main" id="{49365679-562D-F65C-0575-ABE427F65A9B}"/>
+              </a:ext>
+            </a:extLst>
+          </p:cNvPr>
+          <p:cNvSpPr/>
+          <p:nvPr/>
+        </p:nvSpPr>
+        <p:spPr>
+          <a:xfrm>
+            <a:off x="6864824" y="365125"/>
+            <a:ext cx="4995080" cy="685753"/>
+          </a:xfrm>
+          <a:prstGeom prst="rect">
+            <a:avLst/>
+          </a:prstGeom>
+          <a:solidFill>
+            <a:schemeClr val="accent4">
+              <a:lumMod val="75000"/>
+            </a:schemeClr>
+          </a:solidFill>
+        </p:spPr>
+        <p:style>
+          <a:lnRef idx="2">
+            <a:schemeClr val="accent1">
+              <a:shade val="15000"/>
+            </a:schemeClr>
+          </a:lnRef>
+          <a:fillRef idx="1">
+            <a:schemeClr val="accent1"/>
+          </a:fillRef>
+          <a:effectRef idx="0">
+            <a:schemeClr val="accent1"/>
+          </a:effectRef>
+          <a:fontRef idx="minor">
+            <a:schemeClr val="lt1"/>
+          </a:fontRef>
+        </p:style>
+        <p:txBody>
+          <a:bodyPr rtlCol="0" anchor="ctr"/>
+          <a:lstStyle/>
+          <a:p>
+            <a:pPr algn="ctr"/>
+            <a:r>
+              <a:rPr lang="en-US" dirty="0">
+                <a:ln w="0"/>
+                <a:solidFill>
+                  <a:schemeClr val="tx1"/>
+                </a:solidFill>
+                <a:effectLst>
+                  <a:outerShdw blurRad="38100" dist="19050" dir="2700000" algn="tl" rotWithShape="0">
+                    <a:schemeClr val="dk1">
+                      <a:alpha val="40000"/>
+                    </a:schemeClr>
+                  </a:outerShdw>
+                </a:effectLst>
+              </a:rPr>
+              <a:t>Only available in Class-based Components!</a:t>
+            </a:r>
+          </a:p>
+        </p:txBody>
+      </p:sp>
+      <p:sp>
+        <p:nvSpPr>
+          <p:cNvPr id="6" name="Rectangle 5">
+            <a:extLst>
+              <a:ext uri="{FF2B5EF4-FFF2-40B4-BE49-F238E27FC236}">
+                <a16:creationId xmlns:a16="http://schemas.microsoft.com/office/drawing/2014/main" id="{421E84A6-6BEE-AE1A-325E-E78C65FF119B}"/>
+              </a:ext>
+            </a:extLst>
+          </p:cNvPr>
+          <p:cNvSpPr/>
+          <p:nvPr/>
+        </p:nvSpPr>
+        <p:spPr>
+          <a:xfrm>
+            <a:off x="3830467" y="1597438"/>
+            <a:ext cx="3766783" cy="574840"/>
+          </a:xfrm>
+          <a:prstGeom prst="rect">
+            <a:avLst/>
+          </a:prstGeom>
+          <a:solidFill>
+            <a:schemeClr val="accent1">
+              <a:lumMod val="60000"/>
+              <a:lumOff val="40000"/>
+            </a:schemeClr>
+          </a:solidFill>
+        </p:spPr>
+        <p:style>
+          <a:lnRef idx="2">
+            <a:schemeClr val="accent1">
+              <a:shade val="15000"/>
+            </a:schemeClr>
+          </a:lnRef>
+          <a:fillRef idx="1">
+            <a:schemeClr val="accent1"/>
+          </a:fillRef>
+          <a:effectRef idx="0">
+            <a:schemeClr val="accent1"/>
+          </a:effectRef>
+          <a:fontRef idx="minor">
+            <a:schemeClr val="lt1"/>
+          </a:fontRef>
+        </p:style>
+        <p:txBody>
+          <a:bodyPr rtlCol="0" anchor="ctr"/>
+          <a:lstStyle/>
+          <a:p>
+            <a:pPr algn="ctr"/>
+            <a:r>
+              <a:rPr lang="en-US" dirty="0" err="1">
+                <a:ln w="0"/>
+                <a:solidFill>
+                  <a:schemeClr val="tx1"/>
+                </a:solidFill>
+                <a:effectLst>
+                  <a:outerShdw blurRad="38100" dist="19050" dir="2700000" algn="tl" rotWithShape="0">
+                    <a:schemeClr val="dk1">
+                      <a:alpha val="40000"/>
+                    </a:schemeClr>
+                  </a:outerShdw>
+                </a:effectLst>
+              </a:rPr>
+              <a:t>getDerivedStateFromPros</a:t>
+            </a:r>
+            <a:r>
+              <a:rPr lang="en-US" dirty="0">
+                <a:ln w="0"/>
+                <a:solidFill>
+                  <a:schemeClr val="tx1"/>
+                </a:solidFill>
+                <a:effectLst>
+                  <a:outerShdw blurRad="38100" dist="19050" dir="2700000" algn="tl" rotWithShape="0">
+                    <a:schemeClr val="dk1">
+                      <a:alpha val="40000"/>
+                    </a:schemeClr>
+                  </a:outerShdw>
+                </a:effectLst>
+              </a:rPr>
+              <a:t>(</a:t>
+            </a:r>
+            <a:r>
+              <a:rPr lang="en-US" dirty="0" err="1">
+                <a:ln w="0"/>
+                <a:solidFill>
+                  <a:schemeClr val="tx1"/>
+                </a:solidFill>
+                <a:effectLst>
+                  <a:outerShdw blurRad="38100" dist="19050" dir="2700000" algn="tl" rotWithShape="0">
+                    <a:schemeClr val="dk1">
+                      <a:alpha val="40000"/>
+                    </a:schemeClr>
+                  </a:outerShdw>
+                </a:effectLst>
+              </a:rPr>
+              <a:t>props,state</a:t>
+            </a:r>
+            <a:r>
+              <a:rPr lang="en-US" dirty="0">
+                <a:ln w="0"/>
+                <a:solidFill>
+                  <a:schemeClr val="tx1"/>
+                </a:solidFill>
+                <a:effectLst>
+                  <a:outerShdw blurRad="38100" dist="19050" dir="2700000" algn="tl" rotWithShape="0">
+                    <a:schemeClr val="dk1">
+                      <a:alpha val="40000"/>
+                    </a:schemeClr>
+                  </a:outerShdw>
+                </a:effectLst>
+              </a:rPr>
+              <a:t>)</a:t>
+            </a:r>
+          </a:p>
+        </p:txBody>
+      </p:sp>
+      <p:sp>
+        <p:nvSpPr>
+          <p:cNvPr id="7" name="Rectangle 6">
+            <a:extLst>
+              <a:ext uri="{FF2B5EF4-FFF2-40B4-BE49-F238E27FC236}">
+                <a16:creationId xmlns:a16="http://schemas.microsoft.com/office/drawing/2014/main" id="{874CD6EA-C69C-A32A-1A5E-D09D2F187F2E}"/>
+              </a:ext>
+            </a:extLst>
+          </p:cNvPr>
+          <p:cNvSpPr/>
+          <p:nvPr/>
+        </p:nvSpPr>
+        <p:spPr>
+          <a:xfrm>
+            <a:off x="3830466" y="2416124"/>
+            <a:ext cx="3766783" cy="574840"/>
+          </a:xfrm>
+          <a:prstGeom prst="rect">
+            <a:avLst/>
+          </a:prstGeom>
+          <a:solidFill>
+            <a:schemeClr val="accent1">
+              <a:lumMod val="60000"/>
+              <a:lumOff val="40000"/>
+            </a:schemeClr>
+          </a:solidFill>
+        </p:spPr>
+        <p:style>
+          <a:lnRef idx="2">
+            <a:schemeClr val="accent1">
+              <a:shade val="15000"/>
+            </a:schemeClr>
+          </a:lnRef>
+          <a:fillRef idx="1">
+            <a:schemeClr val="accent1"/>
+          </a:fillRef>
+          <a:effectRef idx="0">
+            <a:schemeClr val="accent1"/>
+          </a:effectRef>
+          <a:fontRef idx="minor">
+            <a:schemeClr val="lt1"/>
+          </a:fontRef>
+        </p:style>
+        <p:txBody>
+          <a:bodyPr rtlCol="0" anchor="ctr"/>
+          <a:lstStyle/>
+          <a:p>
+            <a:pPr algn="ctr"/>
+            <a:r>
+              <a:rPr lang="en-US" sz="1600" dirty="0" err="1">
+                <a:ln w="0"/>
+                <a:solidFill>
+                  <a:schemeClr val="tx1"/>
+                </a:solidFill>
+                <a:effectLst>
+                  <a:outerShdw blurRad="38100" dist="19050" dir="2700000" algn="tl" rotWithShape="0">
+                    <a:schemeClr val="dk1">
+                      <a:alpha val="40000"/>
+                    </a:schemeClr>
+                  </a:outerShdw>
+                </a:effectLst>
+              </a:rPr>
+              <a:t>shouldComponentUpdate</a:t>
+            </a:r>
+            <a:r>
+              <a:rPr lang="en-US" sz="1600" dirty="0">
+                <a:ln w="0"/>
+                <a:solidFill>
+                  <a:schemeClr val="tx1"/>
+                </a:solidFill>
+                <a:effectLst>
+                  <a:outerShdw blurRad="38100" dist="19050" dir="2700000" algn="tl" rotWithShape="0">
+                    <a:schemeClr val="dk1">
+                      <a:alpha val="40000"/>
+                    </a:schemeClr>
+                  </a:outerShdw>
+                </a:effectLst>
+              </a:rPr>
+              <a:t>(</a:t>
+            </a:r>
+            <a:r>
+              <a:rPr lang="en-US" sz="1600" dirty="0" err="1">
+                <a:ln w="0"/>
+                <a:solidFill>
+                  <a:schemeClr val="tx1"/>
+                </a:solidFill>
+                <a:effectLst>
+                  <a:outerShdw blurRad="38100" dist="19050" dir="2700000" algn="tl" rotWithShape="0">
+                    <a:schemeClr val="dk1">
+                      <a:alpha val="40000"/>
+                    </a:schemeClr>
+                  </a:outerShdw>
+                </a:effectLst>
+              </a:rPr>
+              <a:t>nextProps</a:t>
+            </a:r>
+            <a:r>
+              <a:rPr lang="en-US" sz="1600" dirty="0">
+                <a:ln w="0"/>
+                <a:solidFill>
+                  <a:schemeClr val="tx1"/>
+                </a:solidFill>
+                <a:effectLst>
+                  <a:outerShdw blurRad="38100" dist="19050" dir="2700000" algn="tl" rotWithShape="0">
+                    <a:schemeClr val="dk1">
+                      <a:alpha val="40000"/>
+                    </a:schemeClr>
+                  </a:outerShdw>
+                </a:effectLst>
+              </a:rPr>
+              <a:t>, </a:t>
+            </a:r>
+            <a:r>
+              <a:rPr lang="en-US" sz="1600" dirty="0" err="1">
+                <a:ln w="0"/>
+                <a:solidFill>
+                  <a:schemeClr val="tx1"/>
+                </a:solidFill>
+                <a:effectLst>
+                  <a:outerShdw blurRad="38100" dist="19050" dir="2700000" algn="tl" rotWithShape="0">
+                    <a:schemeClr val="dk1">
+                      <a:alpha val="40000"/>
+                    </a:schemeClr>
+                  </a:outerShdw>
+                </a:effectLst>
+              </a:rPr>
+              <a:t>nextState</a:t>
+            </a:r>
+            <a:r>
+              <a:rPr lang="en-US" sz="1600" dirty="0">
+                <a:ln w="0"/>
+                <a:solidFill>
+                  <a:schemeClr val="tx1"/>
+                </a:solidFill>
+                <a:effectLst>
+                  <a:outerShdw blurRad="38100" dist="19050" dir="2700000" algn="tl" rotWithShape="0">
+                    <a:schemeClr val="dk1">
+                      <a:alpha val="40000"/>
+                    </a:schemeClr>
+                  </a:outerShdw>
+                </a:effectLst>
+              </a:rPr>
+              <a:t>)</a:t>
+            </a:r>
+          </a:p>
+        </p:txBody>
+      </p:sp>
+      <p:sp>
+        <p:nvSpPr>
+          <p:cNvPr id="11" name="Rectangle 10">
+            <a:extLst>
+              <a:ext uri="{FF2B5EF4-FFF2-40B4-BE49-F238E27FC236}">
+                <a16:creationId xmlns:a16="http://schemas.microsoft.com/office/drawing/2014/main" id="{C7A760AE-9F5B-4344-C19A-71C1A4A8E9F2}"/>
+              </a:ext>
+            </a:extLst>
+          </p:cNvPr>
+          <p:cNvSpPr/>
+          <p:nvPr/>
+        </p:nvSpPr>
+        <p:spPr>
+          <a:xfrm>
+            <a:off x="8201164" y="1276084"/>
+            <a:ext cx="3766783" cy="893416"/>
+          </a:xfrm>
+          <a:prstGeom prst="rect">
+            <a:avLst/>
+          </a:prstGeom>
+          <a:solidFill>
+            <a:srgbClr val="FFFF00"/>
+          </a:solidFill>
+        </p:spPr>
+        <p:style>
+          <a:lnRef idx="2">
+            <a:schemeClr val="accent1">
+              <a:shade val="15000"/>
+            </a:schemeClr>
+          </a:lnRef>
+          <a:fillRef idx="1">
+            <a:schemeClr val="accent1"/>
+          </a:fillRef>
+          <a:effectRef idx="0">
+            <a:schemeClr val="accent1"/>
+          </a:effectRef>
+          <a:fontRef idx="minor">
+            <a:schemeClr val="lt1"/>
+          </a:fontRef>
+        </p:style>
+        <p:txBody>
+          <a:bodyPr rtlCol="0" anchor="ctr"/>
+          <a:lstStyle/>
+          <a:p>
+            <a:pPr algn="ctr"/>
+            <a:r>
+              <a:rPr lang="en-US" dirty="0">
+                <a:ln w="0"/>
+                <a:solidFill>
+                  <a:schemeClr val="tx1"/>
+                </a:solidFill>
+                <a:effectLst>
+                  <a:outerShdw blurRad="38100" dist="19050" dir="2700000" algn="tl" rotWithShape="0">
+                    <a:schemeClr val="dk1">
+                      <a:alpha val="40000"/>
+                    </a:schemeClr>
+                  </a:outerShdw>
+                </a:effectLst>
+              </a:rPr>
+              <a:t>DO: Sync State to Props</a:t>
+            </a:r>
+          </a:p>
+          <a:p>
+            <a:pPr algn="ctr"/>
+            <a:r>
+              <a:rPr lang="en-US" dirty="0">
+                <a:ln w="0"/>
+                <a:solidFill>
+                  <a:schemeClr val="tx1"/>
+                </a:solidFill>
+                <a:effectLst>
+                  <a:outerShdw blurRad="38100" dist="19050" dir="2700000" algn="tl" rotWithShape="0">
+                    <a:schemeClr val="dk1">
+                      <a:alpha val="40000"/>
+                    </a:schemeClr>
+                  </a:outerShdw>
+                </a:effectLst>
+              </a:rPr>
+              <a:t>DON’T: Cause Side-Effects</a:t>
+            </a:r>
+          </a:p>
+        </p:txBody>
+      </p:sp>
+      <p:sp>
+        <p:nvSpPr>
+          <p:cNvPr id="12" name="Rectangle 11">
+            <a:extLst>
+              <a:ext uri="{FF2B5EF4-FFF2-40B4-BE49-F238E27FC236}">
+                <a16:creationId xmlns:a16="http://schemas.microsoft.com/office/drawing/2014/main" id="{B3369EFA-42CD-C0EA-937B-BDAC4639D31D}"/>
+              </a:ext>
+            </a:extLst>
+          </p:cNvPr>
+          <p:cNvSpPr/>
+          <p:nvPr/>
+        </p:nvSpPr>
+        <p:spPr>
+          <a:xfrm>
+            <a:off x="3830464" y="4223654"/>
+            <a:ext cx="3766783" cy="574840"/>
+          </a:xfrm>
+          <a:prstGeom prst="rect">
+            <a:avLst/>
+          </a:prstGeom>
+          <a:solidFill>
+            <a:schemeClr val="tx2">
+              <a:lumMod val="60000"/>
+              <a:lumOff val="40000"/>
+            </a:schemeClr>
+          </a:solidFill>
+        </p:spPr>
+        <p:style>
+          <a:lnRef idx="2">
+            <a:schemeClr val="accent1">
+              <a:shade val="15000"/>
+            </a:schemeClr>
+          </a:lnRef>
+          <a:fillRef idx="1">
+            <a:schemeClr val="accent1"/>
+          </a:fillRef>
+          <a:effectRef idx="0">
+            <a:schemeClr val="accent1"/>
+          </a:effectRef>
+          <a:fontRef idx="minor">
+            <a:schemeClr val="lt1"/>
+          </a:fontRef>
+        </p:style>
+        <p:txBody>
+          <a:bodyPr rtlCol="0" anchor="ctr"/>
+          <a:lstStyle/>
+          <a:p>
+            <a:pPr algn="ctr"/>
+            <a:r>
+              <a:rPr lang="en-US" dirty="0">
+                <a:ln w="0"/>
+                <a:solidFill>
+                  <a:schemeClr val="tx1"/>
+                </a:solidFill>
+                <a:effectLst>
+                  <a:outerShdw blurRad="38100" dist="19050" dir="2700000" algn="tl" rotWithShape="0">
+                    <a:schemeClr val="dk1">
+                      <a:alpha val="40000"/>
+                    </a:schemeClr>
+                  </a:outerShdw>
+                </a:effectLst>
+              </a:rPr>
+              <a:t>Update child component Props</a:t>
+            </a:r>
+          </a:p>
+        </p:txBody>
+      </p:sp>
+      <p:sp>
+        <p:nvSpPr>
+          <p:cNvPr id="13" name="Rectangle 12">
+            <a:extLst>
+              <a:ext uri="{FF2B5EF4-FFF2-40B4-BE49-F238E27FC236}">
+                <a16:creationId xmlns:a16="http://schemas.microsoft.com/office/drawing/2014/main" id="{610BD414-1E69-1EF0-6F1B-112D2B0F53E5}"/>
+              </a:ext>
+            </a:extLst>
+          </p:cNvPr>
+          <p:cNvSpPr/>
+          <p:nvPr/>
+        </p:nvSpPr>
+        <p:spPr>
+          <a:xfrm>
+            <a:off x="3830463" y="5168313"/>
+            <a:ext cx="3766783" cy="574840"/>
+          </a:xfrm>
+          <a:prstGeom prst="rect">
+            <a:avLst/>
+          </a:prstGeom>
+          <a:solidFill>
+            <a:schemeClr val="accent1">
+              <a:lumMod val="60000"/>
+              <a:lumOff val="40000"/>
+            </a:schemeClr>
+          </a:solidFill>
+        </p:spPr>
+        <p:style>
+          <a:lnRef idx="2">
+            <a:schemeClr val="accent1">
+              <a:shade val="15000"/>
+            </a:schemeClr>
+          </a:lnRef>
+          <a:fillRef idx="1">
+            <a:schemeClr val="accent1"/>
+          </a:fillRef>
+          <a:effectRef idx="0">
+            <a:schemeClr val="accent1"/>
+          </a:effectRef>
+          <a:fontRef idx="minor">
+            <a:schemeClr val="lt1"/>
+          </a:fontRef>
+        </p:style>
+        <p:txBody>
+          <a:bodyPr rtlCol="0" anchor="ctr"/>
+          <a:lstStyle/>
+          <a:p>
+            <a:pPr algn="ctr"/>
+            <a:r>
+              <a:rPr lang="en-US" dirty="0" err="1">
+                <a:ln w="0"/>
+                <a:solidFill>
+                  <a:schemeClr val="tx1"/>
+                </a:solidFill>
+                <a:effectLst>
+                  <a:outerShdw blurRad="38100" dist="19050" dir="2700000" algn="tl" rotWithShape="0">
+                    <a:schemeClr val="dk1">
+                      <a:alpha val="40000"/>
+                    </a:schemeClr>
+                  </a:outerShdw>
+                </a:effectLst>
+              </a:rPr>
+              <a:t>getSnapshotBeforeUpdate</a:t>
+            </a:r>
+            <a:r>
+              <a:rPr lang="en-US" dirty="0">
+                <a:ln w="0"/>
+                <a:solidFill>
+                  <a:schemeClr val="tx1"/>
+                </a:solidFill>
+                <a:effectLst>
+                  <a:outerShdw blurRad="38100" dist="19050" dir="2700000" algn="tl" rotWithShape="0">
+                    <a:schemeClr val="dk1">
+                      <a:alpha val="40000"/>
+                    </a:schemeClr>
+                  </a:outerShdw>
+                </a:effectLst>
+              </a:rPr>
+              <a:t>(</a:t>
+            </a:r>
+            <a:r>
+              <a:rPr lang="en-US" dirty="0" err="1">
+                <a:ln w="0"/>
+                <a:solidFill>
+                  <a:schemeClr val="tx1"/>
+                </a:solidFill>
+                <a:effectLst>
+                  <a:outerShdw blurRad="38100" dist="19050" dir="2700000" algn="tl" rotWithShape="0">
+                    <a:schemeClr val="dk1">
+                      <a:alpha val="40000"/>
+                    </a:schemeClr>
+                  </a:outerShdw>
+                </a:effectLst>
+              </a:rPr>
+              <a:t>prevProps</a:t>
+            </a:r>
+            <a:r>
+              <a:rPr lang="en-US" dirty="0">
+                <a:ln w="0"/>
+                <a:solidFill>
+                  <a:schemeClr val="tx1"/>
+                </a:solidFill>
+                <a:effectLst>
+                  <a:outerShdw blurRad="38100" dist="19050" dir="2700000" algn="tl" rotWithShape="0">
+                    <a:schemeClr val="dk1">
+                      <a:alpha val="40000"/>
+                    </a:schemeClr>
+                  </a:outerShdw>
+                </a:effectLst>
+              </a:rPr>
+              <a:t>, </a:t>
+            </a:r>
+            <a:r>
+              <a:rPr lang="en-US" dirty="0" err="1">
+                <a:ln w="0"/>
+                <a:solidFill>
+                  <a:schemeClr val="tx1"/>
+                </a:solidFill>
+                <a:effectLst>
+                  <a:outerShdw blurRad="38100" dist="19050" dir="2700000" algn="tl" rotWithShape="0">
+                    <a:schemeClr val="dk1">
+                      <a:alpha val="40000"/>
+                    </a:schemeClr>
+                  </a:outerShdw>
+                </a:effectLst>
+              </a:rPr>
+              <a:t>prevState</a:t>
+            </a:r>
+            <a:r>
+              <a:rPr lang="en-US" dirty="0">
+                <a:ln w="0"/>
+                <a:solidFill>
+                  <a:schemeClr val="tx1"/>
+                </a:solidFill>
+                <a:effectLst>
+                  <a:outerShdw blurRad="38100" dist="19050" dir="2700000" algn="tl" rotWithShape="0">
+                    <a:schemeClr val="dk1">
+                      <a:alpha val="40000"/>
+                    </a:schemeClr>
+                  </a:outerShdw>
+                </a:effectLst>
+              </a:rPr>
+              <a:t>)</a:t>
+            </a:r>
+          </a:p>
+        </p:txBody>
+      </p:sp>
+      <p:sp>
+        <p:nvSpPr>
+          <p:cNvPr id="14" name="Rectangle 13">
+            <a:extLst>
+              <a:ext uri="{FF2B5EF4-FFF2-40B4-BE49-F238E27FC236}">
+                <a16:creationId xmlns:a16="http://schemas.microsoft.com/office/drawing/2014/main" id="{1D30DBBD-CB51-C0C7-C1EF-F92EF43B84AF}"/>
+              </a:ext>
+            </a:extLst>
+          </p:cNvPr>
+          <p:cNvSpPr/>
+          <p:nvPr/>
+        </p:nvSpPr>
+        <p:spPr>
+          <a:xfrm>
+            <a:off x="3830466" y="3298703"/>
+            <a:ext cx="3766783" cy="574840"/>
+          </a:xfrm>
+          <a:prstGeom prst="rect">
+            <a:avLst/>
+          </a:prstGeom>
+          <a:solidFill>
+            <a:schemeClr val="accent1">
+              <a:lumMod val="60000"/>
+              <a:lumOff val="40000"/>
+            </a:schemeClr>
+          </a:solidFill>
+        </p:spPr>
+        <p:style>
+          <a:lnRef idx="2">
+            <a:schemeClr val="accent1">
+              <a:shade val="15000"/>
+            </a:schemeClr>
+          </a:lnRef>
+          <a:fillRef idx="1">
+            <a:schemeClr val="accent1"/>
+          </a:fillRef>
+          <a:effectRef idx="0">
+            <a:schemeClr val="accent1"/>
+          </a:effectRef>
+          <a:fontRef idx="minor">
+            <a:schemeClr val="lt1"/>
+          </a:fontRef>
+        </p:style>
+        <p:txBody>
+          <a:bodyPr rtlCol="0" anchor="ctr"/>
+          <a:lstStyle/>
+          <a:p>
+            <a:pPr algn="ctr"/>
+            <a:r>
+              <a:rPr lang="en-US" dirty="0">
+                <a:ln w="0"/>
+                <a:solidFill>
+                  <a:schemeClr val="tx1"/>
+                </a:solidFill>
+                <a:effectLst>
+                  <a:outerShdw blurRad="38100" dist="19050" dir="2700000" algn="tl" rotWithShape="0">
+                    <a:schemeClr val="dk1">
+                      <a:alpha val="40000"/>
+                    </a:schemeClr>
+                  </a:outerShdw>
+                </a:effectLst>
+              </a:rPr>
+              <a:t>render()</a:t>
+            </a:r>
+          </a:p>
+        </p:txBody>
+      </p:sp>
+      <p:sp>
+        <p:nvSpPr>
+          <p:cNvPr id="15" name="Rectangle 14">
+            <a:extLst>
+              <a:ext uri="{FF2B5EF4-FFF2-40B4-BE49-F238E27FC236}">
+                <a16:creationId xmlns:a16="http://schemas.microsoft.com/office/drawing/2014/main" id="{8DFC2FCA-5C08-E6D7-9051-C369B0E82B52}"/>
+              </a:ext>
+            </a:extLst>
+          </p:cNvPr>
+          <p:cNvSpPr/>
+          <p:nvPr/>
+        </p:nvSpPr>
+        <p:spPr>
+          <a:xfrm>
+            <a:off x="838200" y="1594660"/>
+            <a:ext cx="2027830" cy="821464"/>
+          </a:xfrm>
+          <a:prstGeom prst="rect">
+            <a:avLst/>
+          </a:prstGeom>
+        </p:spPr>
+        <p:style>
+          <a:lnRef idx="2">
+            <a:schemeClr val="accent1">
+              <a:shade val="15000"/>
+            </a:schemeClr>
+          </a:lnRef>
+          <a:fillRef idx="1">
+            <a:schemeClr val="accent1"/>
+          </a:fillRef>
+          <a:effectRef idx="0">
+            <a:schemeClr val="accent1"/>
+          </a:effectRef>
+          <a:fontRef idx="minor">
+            <a:schemeClr val="lt1"/>
+          </a:fontRef>
+        </p:style>
+        <p:txBody>
+          <a:bodyPr rtlCol="0" anchor="ctr"/>
+          <a:lstStyle/>
+          <a:p>
+            <a:pPr algn="ctr"/>
+            <a:r>
+              <a:rPr lang="en-US" dirty="0"/>
+              <a:t>May cancel updating process!</a:t>
+            </a:r>
+          </a:p>
+        </p:txBody>
+      </p:sp>
+      <p:sp>
+        <p:nvSpPr>
+          <p:cNvPr id="16" name="Rectangle 15">
+            <a:extLst>
+              <a:ext uri="{FF2B5EF4-FFF2-40B4-BE49-F238E27FC236}">
+                <a16:creationId xmlns:a16="http://schemas.microsoft.com/office/drawing/2014/main" id="{1749D430-6F3B-9C9C-94A1-112B8B9A47A0}"/>
+              </a:ext>
+            </a:extLst>
+          </p:cNvPr>
+          <p:cNvSpPr/>
+          <p:nvPr/>
+        </p:nvSpPr>
+        <p:spPr>
+          <a:xfrm>
+            <a:off x="8201164" y="2394706"/>
+            <a:ext cx="3766783" cy="893416"/>
+          </a:xfrm>
+          <a:prstGeom prst="rect">
+            <a:avLst/>
+          </a:prstGeom>
+          <a:solidFill>
+            <a:srgbClr val="FFFF00"/>
+          </a:solidFill>
+        </p:spPr>
+        <p:style>
+          <a:lnRef idx="2">
+            <a:schemeClr val="accent1">
+              <a:shade val="15000"/>
+            </a:schemeClr>
+          </a:lnRef>
+          <a:fillRef idx="1">
+            <a:schemeClr val="accent1"/>
+          </a:fillRef>
+          <a:effectRef idx="0">
+            <a:schemeClr val="accent1"/>
+          </a:effectRef>
+          <a:fontRef idx="minor">
+            <a:schemeClr val="lt1"/>
+          </a:fontRef>
+        </p:style>
+        <p:txBody>
+          <a:bodyPr rtlCol="0" anchor="ctr"/>
+          <a:lstStyle/>
+          <a:p>
+            <a:pPr algn="ctr"/>
+            <a:r>
+              <a:rPr lang="en-US" dirty="0">
+                <a:ln w="0"/>
+                <a:solidFill>
+                  <a:schemeClr val="tx1"/>
+                </a:solidFill>
+                <a:effectLst>
+                  <a:outerShdw blurRad="38100" dist="19050" dir="2700000" algn="tl" rotWithShape="0">
+                    <a:schemeClr val="dk1">
+                      <a:alpha val="40000"/>
+                    </a:schemeClr>
+                  </a:outerShdw>
+                </a:effectLst>
+              </a:rPr>
+              <a:t>DO: Decide whether to Continue or Not</a:t>
+            </a:r>
+          </a:p>
+          <a:p>
+            <a:pPr algn="ctr"/>
+            <a:r>
+              <a:rPr lang="en-US" dirty="0">
+                <a:ln w="0"/>
+                <a:solidFill>
+                  <a:schemeClr val="tx1"/>
+                </a:solidFill>
+                <a:effectLst>
+                  <a:outerShdw blurRad="38100" dist="19050" dir="2700000" algn="tl" rotWithShape="0">
+                    <a:schemeClr val="dk1">
+                      <a:alpha val="40000"/>
+                    </a:schemeClr>
+                  </a:outerShdw>
+                </a:effectLst>
+              </a:rPr>
+              <a:t>DON’T: Cause Side-Effects</a:t>
+            </a:r>
+          </a:p>
+        </p:txBody>
+      </p:sp>
+      <p:sp>
+        <p:nvSpPr>
+          <p:cNvPr id="17" name="Rectangle 16">
+            <a:extLst>
+              <a:ext uri="{FF2B5EF4-FFF2-40B4-BE49-F238E27FC236}">
+                <a16:creationId xmlns:a16="http://schemas.microsoft.com/office/drawing/2014/main" id="{850E633B-DE74-6D38-6CE7-DD4C0AEE1A1D}"/>
+              </a:ext>
+            </a:extLst>
+          </p:cNvPr>
+          <p:cNvSpPr/>
+          <p:nvPr/>
+        </p:nvSpPr>
+        <p:spPr>
+          <a:xfrm>
+            <a:off x="8201164" y="3504320"/>
+            <a:ext cx="3766783" cy="893416"/>
+          </a:xfrm>
+          <a:prstGeom prst="rect">
+            <a:avLst/>
+          </a:prstGeom>
+          <a:solidFill>
+            <a:srgbClr val="FFFF00"/>
+          </a:solidFill>
+        </p:spPr>
+        <p:style>
+          <a:lnRef idx="2">
+            <a:schemeClr val="accent1">
+              <a:shade val="15000"/>
+            </a:schemeClr>
+          </a:lnRef>
+          <a:fillRef idx="1">
+            <a:schemeClr val="accent1"/>
+          </a:fillRef>
+          <a:effectRef idx="0">
+            <a:schemeClr val="accent1"/>
+          </a:effectRef>
+          <a:fontRef idx="minor">
+            <a:schemeClr val="lt1"/>
+          </a:fontRef>
+        </p:style>
+        <p:txBody>
+          <a:bodyPr rtlCol="0" anchor="ctr"/>
+          <a:lstStyle/>
+          <a:p>
+            <a:pPr algn="ctr"/>
+            <a:r>
+              <a:rPr lang="en-US" dirty="0">
+                <a:ln w="0"/>
+                <a:solidFill>
+                  <a:schemeClr val="tx1"/>
+                </a:solidFill>
+                <a:effectLst>
+                  <a:outerShdw blurRad="38100" dist="19050" dir="2700000" algn="tl" rotWithShape="0">
+                    <a:schemeClr val="dk1">
+                      <a:alpha val="40000"/>
+                    </a:schemeClr>
+                  </a:outerShdw>
+                </a:effectLst>
+              </a:rPr>
+              <a:t>Prepare &amp; structure you JSX  code</a:t>
+            </a:r>
+          </a:p>
+        </p:txBody>
+      </p:sp>
+      <p:sp>
+        <p:nvSpPr>
+          <p:cNvPr id="18" name="Rectangle 17">
+            <a:extLst>
+              <a:ext uri="{FF2B5EF4-FFF2-40B4-BE49-F238E27FC236}">
+                <a16:creationId xmlns:a16="http://schemas.microsoft.com/office/drawing/2014/main" id="{3D0CD859-8550-D5D3-27FB-2A41C14509B5}"/>
+              </a:ext>
+            </a:extLst>
+          </p:cNvPr>
+          <p:cNvSpPr/>
+          <p:nvPr/>
+        </p:nvSpPr>
+        <p:spPr>
+          <a:xfrm>
+            <a:off x="8201163" y="5891604"/>
+            <a:ext cx="3766783" cy="893416"/>
+          </a:xfrm>
+          <a:prstGeom prst="rect">
+            <a:avLst/>
+          </a:prstGeom>
+          <a:solidFill>
+            <a:srgbClr val="FFFF00"/>
+          </a:solidFill>
+        </p:spPr>
+        <p:style>
+          <a:lnRef idx="2">
+            <a:schemeClr val="accent1">
+              <a:shade val="15000"/>
+            </a:schemeClr>
+          </a:lnRef>
+          <a:fillRef idx="1">
+            <a:schemeClr val="accent1"/>
+          </a:fillRef>
+          <a:effectRef idx="0">
+            <a:schemeClr val="accent1"/>
+          </a:effectRef>
+          <a:fontRef idx="minor">
+            <a:schemeClr val="lt1"/>
+          </a:fontRef>
+        </p:style>
+        <p:txBody>
+          <a:bodyPr rtlCol="0" anchor="ctr"/>
+          <a:lstStyle/>
+          <a:p>
+            <a:pPr algn="ctr"/>
+            <a:r>
+              <a:rPr lang="en-US" dirty="0">
+                <a:ln w="0"/>
+                <a:solidFill>
+                  <a:schemeClr val="tx1"/>
+                </a:solidFill>
+                <a:effectLst>
+                  <a:outerShdw blurRad="38100" dist="19050" dir="2700000" algn="tl" rotWithShape="0">
+                    <a:schemeClr val="dk1">
+                      <a:alpha val="40000"/>
+                    </a:schemeClr>
+                  </a:outerShdw>
+                </a:effectLst>
+              </a:rPr>
+              <a:t>DO: Cause Side-Effects</a:t>
+            </a:r>
+          </a:p>
+          <a:p>
+            <a:pPr algn="ctr"/>
+            <a:r>
+              <a:rPr lang="en-US" dirty="0">
+                <a:ln w="0"/>
+                <a:solidFill>
+                  <a:schemeClr val="tx1"/>
+                </a:solidFill>
+                <a:effectLst>
+                  <a:outerShdw blurRad="38100" dist="19050" dir="2700000" algn="tl" rotWithShape="0">
+                    <a:schemeClr val="dk1">
+                      <a:alpha val="40000"/>
+                    </a:schemeClr>
+                  </a:outerShdw>
+                </a:effectLst>
+              </a:rPr>
+              <a:t>DON’T: Update State</a:t>
+            </a:r>
+          </a:p>
+          <a:p>
+            <a:pPr algn="ctr"/>
+            <a:r>
+              <a:rPr lang="en-US" dirty="0">
+                <a:ln w="0"/>
+                <a:solidFill>
+                  <a:schemeClr val="tx1"/>
+                </a:solidFill>
+                <a:effectLst>
+                  <a:outerShdw blurRad="38100" dist="19050" dir="2700000" algn="tl" rotWithShape="0">
+                    <a:schemeClr val="dk1">
+                      <a:alpha val="40000"/>
+                    </a:schemeClr>
+                  </a:outerShdw>
+                </a:effectLst>
+              </a:rPr>
+              <a:t>(triggers re-render)</a:t>
+            </a:r>
+          </a:p>
+        </p:txBody>
+      </p:sp>
+      <p:sp>
+        <p:nvSpPr>
+          <p:cNvPr id="19" name="Arrow: Down 18">
+            <a:extLst>
+              <a:ext uri="{FF2B5EF4-FFF2-40B4-BE49-F238E27FC236}">
+                <a16:creationId xmlns:a16="http://schemas.microsoft.com/office/drawing/2014/main" id="{A8AC8D61-5FB5-A3F7-0160-107BE3DA803A}"/>
+              </a:ext>
+            </a:extLst>
+          </p:cNvPr>
+          <p:cNvSpPr/>
+          <p:nvPr/>
+        </p:nvSpPr>
+        <p:spPr>
+          <a:xfrm>
+            <a:off x="5431809" y="2005392"/>
+            <a:ext cx="464024" cy="474625"/>
+          </a:xfrm>
+          <a:prstGeom prst="downArrow">
+            <a:avLst/>
+          </a:prstGeom>
+        </p:spPr>
+        <p:style>
+          <a:lnRef idx="2">
+            <a:schemeClr val="accent1">
+              <a:shade val="15000"/>
+            </a:schemeClr>
+          </a:lnRef>
+          <a:fillRef idx="1">
+            <a:schemeClr val="accent1"/>
+          </a:fillRef>
+          <a:effectRef idx="0">
+            <a:schemeClr val="accent1"/>
+          </a:effectRef>
+          <a:fontRef idx="minor">
+            <a:schemeClr val="lt1"/>
+          </a:fontRef>
+        </p:style>
+        <p:txBody>
+          <a:bodyPr rtlCol="0" anchor="ctr"/>
+          <a:lstStyle/>
+          <a:p>
+            <a:pPr algn="ctr"/>
+            <a:endParaRPr lang="en-US"/>
+          </a:p>
+        </p:txBody>
+      </p:sp>
+      <p:sp>
+        <p:nvSpPr>
+          <p:cNvPr id="20" name="Arrow: Down 19">
+            <a:extLst>
+              <a:ext uri="{FF2B5EF4-FFF2-40B4-BE49-F238E27FC236}">
+                <a16:creationId xmlns:a16="http://schemas.microsoft.com/office/drawing/2014/main" id="{1A493CFA-BF15-44C3-EF8B-4F28CB2D996E}"/>
+              </a:ext>
+            </a:extLst>
+          </p:cNvPr>
+          <p:cNvSpPr/>
+          <p:nvPr/>
+        </p:nvSpPr>
+        <p:spPr>
+          <a:xfrm>
+            <a:off x="5481842" y="3822928"/>
+            <a:ext cx="464024" cy="474625"/>
+          </a:xfrm>
+          <a:prstGeom prst="downArrow">
+            <a:avLst/>
+          </a:prstGeom>
+        </p:spPr>
+        <p:style>
+          <a:lnRef idx="2">
+            <a:schemeClr val="accent1">
+              <a:shade val="15000"/>
+            </a:schemeClr>
+          </a:lnRef>
+          <a:fillRef idx="1">
+            <a:schemeClr val="accent1"/>
+          </a:fillRef>
+          <a:effectRef idx="0">
+            <a:schemeClr val="accent1"/>
+          </a:effectRef>
+          <a:fontRef idx="minor">
+            <a:schemeClr val="lt1"/>
+          </a:fontRef>
+        </p:style>
+        <p:txBody>
+          <a:bodyPr rtlCol="0" anchor="ctr"/>
+          <a:lstStyle/>
+          <a:p>
+            <a:pPr algn="ctr"/>
+            <a:endParaRPr lang="en-US"/>
+          </a:p>
+        </p:txBody>
+      </p:sp>
+      <p:sp>
+        <p:nvSpPr>
+          <p:cNvPr id="21" name="Arrow: Down 20">
+            <a:extLst>
+              <a:ext uri="{FF2B5EF4-FFF2-40B4-BE49-F238E27FC236}">
+                <a16:creationId xmlns:a16="http://schemas.microsoft.com/office/drawing/2014/main" id="{A81BDACC-6661-34F3-79E0-8188BA067876}"/>
+              </a:ext>
+            </a:extLst>
+          </p:cNvPr>
+          <p:cNvSpPr/>
+          <p:nvPr/>
+        </p:nvSpPr>
+        <p:spPr>
+          <a:xfrm>
+            <a:off x="5481842" y="2923001"/>
+            <a:ext cx="464024" cy="474625"/>
+          </a:xfrm>
+          <a:prstGeom prst="downArrow">
+            <a:avLst/>
+          </a:prstGeom>
+        </p:spPr>
+        <p:style>
+          <a:lnRef idx="2">
+            <a:schemeClr val="accent1">
+              <a:shade val="15000"/>
+            </a:schemeClr>
+          </a:lnRef>
+          <a:fillRef idx="1">
+            <a:schemeClr val="accent1"/>
+          </a:fillRef>
+          <a:effectRef idx="0">
+            <a:schemeClr val="accent1"/>
+          </a:effectRef>
+          <a:fontRef idx="minor">
+            <a:schemeClr val="lt1"/>
+          </a:fontRef>
+        </p:style>
+        <p:txBody>
+          <a:bodyPr rtlCol="0" anchor="ctr"/>
+          <a:lstStyle/>
+          <a:p>
+            <a:pPr algn="ctr"/>
+            <a:endParaRPr lang="en-US"/>
+          </a:p>
+        </p:txBody>
+      </p:sp>
+      <p:sp>
+        <p:nvSpPr>
+          <p:cNvPr id="22" name="Arrow: Down 21">
+            <a:extLst>
+              <a:ext uri="{FF2B5EF4-FFF2-40B4-BE49-F238E27FC236}">
+                <a16:creationId xmlns:a16="http://schemas.microsoft.com/office/drawing/2014/main" id="{35F44913-52D7-C14E-1B49-2502740009BF}"/>
+              </a:ext>
+            </a:extLst>
+          </p:cNvPr>
+          <p:cNvSpPr/>
+          <p:nvPr/>
+        </p:nvSpPr>
+        <p:spPr>
+          <a:xfrm>
+            <a:off x="5481842" y="4798494"/>
+            <a:ext cx="464024" cy="474625"/>
+          </a:xfrm>
+          <a:prstGeom prst="downArrow">
+            <a:avLst/>
+          </a:prstGeom>
+        </p:spPr>
+        <p:style>
+          <a:lnRef idx="2">
+            <a:schemeClr val="accent1">
+              <a:shade val="15000"/>
+            </a:schemeClr>
+          </a:lnRef>
+          <a:fillRef idx="1">
+            <a:schemeClr val="accent1"/>
+          </a:fillRef>
+          <a:effectRef idx="0">
+            <a:schemeClr val="accent1"/>
+          </a:effectRef>
+          <a:fontRef idx="minor">
+            <a:schemeClr val="lt1"/>
+          </a:fontRef>
+        </p:style>
+        <p:txBody>
+          <a:bodyPr rtlCol="0" anchor="ctr"/>
+          <a:lstStyle/>
+          <a:p>
+            <a:pPr algn="ctr"/>
+            <a:endParaRPr lang="en-US"/>
+          </a:p>
+        </p:txBody>
+      </p:sp>
+      <p:sp>
+        <p:nvSpPr>
+          <p:cNvPr id="2" name="Rectangle 1">
+            <a:extLst>
+              <a:ext uri="{FF2B5EF4-FFF2-40B4-BE49-F238E27FC236}">
+                <a16:creationId xmlns:a16="http://schemas.microsoft.com/office/drawing/2014/main" id="{2D268027-D74D-BC0B-F050-37A622AB597D}"/>
+              </a:ext>
+            </a:extLst>
+          </p:cNvPr>
+          <p:cNvSpPr/>
+          <p:nvPr/>
+        </p:nvSpPr>
+        <p:spPr>
+          <a:xfrm>
+            <a:off x="3830463" y="6050892"/>
+            <a:ext cx="3766783" cy="574840"/>
+          </a:xfrm>
+          <a:prstGeom prst="rect">
+            <a:avLst/>
+          </a:prstGeom>
+          <a:solidFill>
+            <a:schemeClr val="accent1">
+              <a:lumMod val="60000"/>
+              <a:lumOff val="40000"/>
+            </a:schemeClr>
+          </a:solidFill>
+        </p:spPr>
+        <p:style>
+          <a:lnRef idx="2">
+            <a:schemeClr val="accent1">
+              <a:shade val="15000"/>
+            </a:schemeClr>
+          </a:lnRef>
+          <a:fillRef idx="1">
+            <a:schemeClr val="accent1"/>
+          </a:fillRef>
+          <a:effectRef idx="0">
+            <a:schemeClr val="accent1"/>
+          </a:effectRef>
+          <a:fontRef idx="minor">
+            <a:schemeClr val="lt1"/>
+          </a:fontRef>
+        </p:style>
+        <p:txBody>
+          <a:bodyPr rtlCol="0" anchor="ctr"/>
+          <a:lstStyle/>
+          <a:p>
+            <a:pPr algn="ctr"/>
+            <a:r>
+              <a:rPr lang="en-US" dirty="0" err="1">
+                <a:ln w="0"/>
+                <a:solidFill>
+                  <a:schemeClr val="tx1"/>
+                </a:solidFill>
+                <a:effectLst>
+                  <a:outerShdw blurRad="38100" dist="19050" dir="2700000" algn="tl" rotWithShape="0">
+                    <a:schemeClr val="dk1">
+                      <a:alpha val="40000"/>
+                    </a:schemeClr>
+                  </a:outerShdw>
+                </a:effectLst>
+              </a:rPr>
+              <a:t>componentDidUpdate</a:t>
+            </a:r>
+            <a:r>
+              <a:rPr lang="en-US" dirty="0">
+                <a:ln w="0"/>
+                <a:solidFill>
+                  <a:schemeClr val="tx1"/>
+                </a:solidFill>
+                <a:effectLst>
+                  <a:outerShdw blurRad="38100" dist="19050" dir="2700000" algn="tl" rotWithShape="0">
+                    <a:schemeClr val="dk1">
+                      <a:alpha val="40000"/>
+                    </a:schemeClr>
+                  </a:outerShdw>
+                </a:effectLst>
+              </a:rPr>
+              <a:t>()</a:t>
+            </a:r>
+          </a:p>
+        </p:txBody>
+      </p:sp>
+      <p:sp>
+        <p:nvSpPr>
+          <p:cNvPr id="3" name="Rectangle 2">
+            <a:extLst>
+              <a:ext uri="{FF2B5EF4-FFF2-40B4-BE49-F238E27FC236}">
+                <a16:creationId xmlns:a16="http://schemas.microsoft.com/office/drawing/2014/main" id="{2FCF6ABB-698F-2E83-77D6-82F6837BF19E}"/>
+              </a:ext>
+            </a:extLst>
+          </p:cNvPr>
+          <p:cNvSpPr/>
+          <p:nvPr/>
+        </p:nvSpPr>
+        <p:spPr>
+          <a:xfrm>
+            <a:off x="8201163" y="4849737"/>
+            <a:ext cx="3766783" cy="893416"/>
+          </a:xfrm>
+          <a:prstGeom prst="rect">
+            <a:avLst/>
+          </a:prstGeom>
+          <a:solidFill>
+            <a:srgbClr val="FFFF00"/>
+          </a:solidFill>
+        </p:spPr>
+        <p:style>
+          <a:lnRef idx="2">
+            <a:schemeClr val="accent1">
+              <a:shade val="15000"/>
+            </a:schemeClr>
+          </a:lnRef>
+          <a:fillRef idx="1">
+            <a:schemeClr val="accent1"/>
+          </a:fillRef>
+          <a:effectRef idx="0">
+            <a:schemeClr val="accent1"/>
+          </a:effectRef>
+          <a:fontRef idx="minor">
+            <a:schemeClr val="lt1"/>
+          </a:fontRef>
+        </p:style>
+        <p:txBody>
+          <a:bodyPr rtlCol="0" anchor="ctr"/>
+          <a:lstStyle/>
+          <a:p>
+            <a:pPr algn="ctr"/>
+            <a:r>
+              <a:rPr lang="en-US" dirty="0">
+                <a:ln w="0"/>
+                <a:solidFill>
+                  <a:schemeClr val="tx1"/>
+                </a:solidFill>
+                <a:effectLst>
+                  <a:outerShdw blurRad="38100" dist="19050" dir="2700000" algn="tl" rotWithShape="0">
+                    <a:schemeClr val="dk1">
+                      <a:alpha val="40000"/>
+                    </a:schemeClr>
+                  </a:outerShdw>
+                </a:effectLst>
+              </a:rPr>
+              <a:t>DO: Last-minute DOM ops</a:t>
+            </a:r>
+          </a:p>
+          <a:p>
+            <a:pPr algn="ctr"/>
+            <a:r>
+              <a:rPr lang="en-US" dirty="0">
+                <a:ln w="0"/>
+                <a:solidFill>
+                  <a:schemeClr val="tx1"/>
+                </a:solidFill>
+                <a:effectLst>
+                  <a:outerShdw blurRad="38100" dist="19050" dir="2700000" algn="tl" rotWithShape="0">
+                    <a:schemeClr val="dk1">
+                      <a:alpha val="40000"/>
+                    </a:schemeClr>
+                  </a:outerShdw>
+                </a:effectLst>
+              </a:rPr>
+              <a:t>DON’T: Cause Side-Effects</a:t>
+            </a:r>
+          </a:p>
+        </p:txBody>
+      </p:sp>
+    </p:spTree>
+    <p:extLst>
+      <p:ext uri="{BB962C8B-B14F-4D97-AF65-F5344CB8AC3E}">
+        <p14:creationId xmlns:p14="http://schemas.microsoft.com/office/powerpoint/2010/main" val="895433337"/>
+      </p:ext>
+    </p:extLst>
+  </p:cSld>
+  <p:clrMapOvr>
+    <a:masterClrMapping/>
+  </p:clrMapOvr>
+</p:sld>
+</file>
+
 <file path=ppt/slides/slide2.xml><?xml version="1.0" encoding="utf-8"?>
 <p:sld xmlns:a="http://schemas.openxmlformats.org/drawingml/2006/main" xmlns:r="http://schemas.openxmlformats.org/officeDocument/2006/relationships" xmlns:p="http://schemas.openxmlformats.org/presentationml/2006/main">
   <p:cSld>

--- a/Reactjs.pptx
+++ b/Reactjs.pptx
@@ -3894,7 +3894,7 @@
           <a:p>
             <a:fld id="{56E86694-C861-44A8-AB30-CAA32AC2D8F5}" type="datetimeFigureOut">
               <a:rPr lang="en-US" smtClean="0"/>
-              <a:t>8/7/2023</a:t>
+              <a:t>8/9/2023</a:t>
             </a:fld>
             <a:endParaRPr lang="en-US"/>
           </a:p>
@@ -4092,7 +4092,7 @@
           <a:p>
             <a:fld id="{56E86694-C861-44A8-AB30-CAA32AC2D8F5}" type="datetimeFigureOut">
               <a:rPr lang="en-US" smtClean="0"/>
-              <a:t>8/7/2023</a:t>
+              <a:t>8/9/2023</a:t>
             </a:fld>
             <a:endParaRPr lang="en-US"/>
           </a:p>
@@ -4300,7 +4300,7 @@
           <a:p>
             <a:fld id="{56E86694-C861-44A8-AB30-CAA32AC2D8F5}" type="datetimeFigureOut">
               <a:rPr lang="en-US" smtClean="0"/>
-              <a:t>8/7/2023</a:t>
+              <a:t>8/9/2023</a:t>
             </a:fld>
             <a:endParaRPr lang="en-US"/>
           </a:p>
@@ -4498,7 +4498,7 @@
           <a:p>
             <a:fld id="{56E86694-C861-44A8-AB30-CAA32AC2D8F5}" type="datetimeFigureOut">
               <a:rPr lang="en-US" smtClean="0"/>
-              <a:t>8/7/2023</a:t>
+              <a:t>8/9/2023</a:t>
             </a:fld>
             <a:endParaRPr lang="en-US"/>
           </a:p>
@@ -4773,7 +4773,7 @@
           <a:p>
             <a:fld id="{56E86694-C861-44A8-AB30-CAA32AC2D8F5}" type="datetimeFigureOut">
               <a:rPr lang="en-US" smtClean="0"/>
-              <a:t>8/7/2023</a:t>
+              <a:t>8/9/2023</a:t>
             </a:fld>
             <a:endParaRPr lang="en-US"/>
           </a:p>
@@ -5038,7 +5038,7 @@
           <a:p>
             <a:fld id="{56E86694-C861-44A8-AB30-CAA32AC2D8F5}" type="datetimeFigureOut">
               <a:rPr lang="en-US" smtClean="0"/>
-              <a:t>8/7/2023</a:t>
+              <a:t>8/9/2023</a:t>
             </a:fld>
             <a:endParaRPr lang="en-US"/>
           </a:p>
@@ -5450,7 +5450,7 @@
           <a:p>
             <a:fld id="{56E86694-C861-44A8-AB30-CAA32AC2D8F5}" type="datetimeFigureOut">
               <a:rPr lang="en-US" smtClean="0"/>
-              <a:t>8/7/2023</a:t>
+              <a:t>8/9/2023</a:t>
             </a:fld>
             <a:endParaRPr lang="en-US"/>
           </a:p>
@@ -5591,7 +5591,7 @@
           <a:p>
             <a:fld id="{56E86694-C861-44A8-AB30-CAA32AC2D8F5}" type="datetimeFigureOut">
               <a:rPr lang="en-US" smtClean="0"/>
-              <a:t>8/7/2023</a:t>
+              <a:t>8/9/2023</a:t>
             </a:fld>
             <a:endParaRPr lang="en-US"/>
           </a:p>
@@ -5704,7 +5704,7 @@
           <a:p>
             <a:fld id="{56E86694-C861-44A8-AB30-CAA32AC2D8F5}" type="datetimeFigureOut">
               <a:rPr lang="en-US" smtClean="0"/>
-              <a:t>8/7/2023</a:t>
+              <a:t>8/9/2023</a:t>
             </a:fld>
             <a:endParaRPr lang="en-US"/>
           </a:p>
@@ -6015,7 +6015,7 @@
           <a:p>
             <a:fld id="{56E86694-C861-44A8-AB30-CAA32AC2D8F5}" type="datetimeFigureOut">
               <a:rPr lang="en-US" smtClean="0"/>
-              <a:t>8/7/2023</a:t>
+              <a:t>8/9/2023</a:t>
             </a:fld>
             <a:endParaRPr lang="en-US"/>
           </a:p>
@@ -6303,7 +6303,7 @@
           <a:p>
             <a:fld id="{56E86694-C861-44A8-AB30-CAA32AC2D8F5}" type="datetimeFigureOut">
               <a:rPr lang="en-US" smtClean="0"/>
-              <a:t>8/7/2023</a:t>
+              <a:t>8/9/2023</a:t>
             </a:fld>
             <a:endParaRPr lang="en-US"/>
           </a:p>
@@ -6544,7 +6544,7 @@
           <a:p>
             <a:fld id="{56E86694-C861-44A8-AB30-CAA32AC2D8F5}" type="datetimeFigureOut">
               <a:rPr lang="en-US" smtClean="0"/>
-              <a:t>8/7/2023</a:t>
+              <a:t>8/9/2023</a:t>
             </a:fld>
             <a:endParaRPr lang="en-US"/>
           </a:p>
@@ -7209,6 +7209,30 @@
               <a:t>Component update lifecycle state changes</a:t>
             </a:r>
           </a:p>
+          <a:p>
+            <a:r>
+              <a:rPr lang="en-US" dirty="0"/>
+              <a:t>Use effect for functional components.</a:t>
+            </a:r>
+          </a:p>
+          <a:p>
+            <a:r>
+              <a:rPr lang="en-US" dirty="0"/>
+              <a:t>Controlling use effect behavior</a:t>
+            </a:r>
+          </a:p>
+          <a:p>
+            <a:r>
+              <a:rPr lang="en-US" dirty="0"/>
+              <a:t>Cleanup lifecycle hooks and use effect</a:t>
+            </a:r>
+          </a:p>
+          <a:p>
+            <a:r>
+              <a:rPr lang="en-US" dirty="0"/>
+              <a:t>Should component update for optimization</a:t>
+            </a:r>
+          </a:p>
         </p:txBody>
       </p:sp>
     </p:spTree>

--- a/Reactjs.pptx
+++ b/Reactjs.pptx
@@ -20,6 +20,8 @@
     <p:sldId id="268" r:id="rId14"/>
     <p:sldId id="269" r:id="rId15"/>
     <p:sldId id="270" r:id="rId16"/>
+    <p:sldId id="271" r:id="rId17"/>
+    <p:sldId id="272" r:id="rId18"/>
   </p:sldIdLst>
   <p:sldSz cx="12192000" cy="6858000"/>
   <p:notesSz cx="6858000" cy="9144000"/>
@@ -3894,7 +3896,7 @@
           <a:p>
             <a:fld id="{56E86694-C861-44A8-AB30-CAA32AC2D8F5}" type="datetimeFigureOut">
               <a:rPr lang="en-US" smtClean="0"/>
-              <a:t>8/9/2023</a:t>
+              <a:t>8/10/2023</a:t>
             </a:fld>
             <a:endParaRPr lang="en-US"/>
           </a:p>
@@ -4092,7 +4094,7 @@
           <a:p>
             <a:fld id="{56E86694-C861-44A8-AB30-CAA32AC2D8F5}" type="datetimeFigureOut">
               <a:rPr lang="en-US" smtClean="0"/>
-              <a:t>8/9/2023</a:t>
+              <a:t>8/10/2023</a:t>
             </a:fld>
             <a:endParaRPr lang="en-US"/>
           </a:p>
@@ -4300,7 +4302,7 @@
           <a:p>
             <a:fld id="{56E86694-C861-44A8-AB30-CAA32AC2D8F5}" type="datetimeFigureOut">
               <a:rPr lang="en-US" smtClean="0"/>
-              <a:t>8/9/2023</a:t>
+              <a:t>8/10/2023</a:t>
             </a:fld>
             <a:endParaRPr lang="en-US"/>
           </a:p>
@@ -4498,7 +4500,7 @@
           <a:p>
             <a:fld id="{56E86694-C861-44A8-AB30-CAA32AC2D8F5}" type="datetimeFigureOut">
               <a:rPr lang="en-US" smtClean="0"/>
-              <a:t>8/9/2023</a:t>
+              <a:t>8/10/2023</a:t>
             </a:fld>
             <a:endParaRPr lang="en-US"/>
           </a:p>
@@ -4773,7 +4775,7 @@
           <a:p>
             <a:fld id="{56E86694-C861-44A8-AB30-CAA32AC2D8F5}" type="datetimeFigureOut">
               <a:rPr lang="en-US" smtClean="0"/>
-              <a:t>8/9/2023</a:t>
+              <a:t>8/10/2023</a:t>
             </a:fld>
             <a:endParaRPr lang="en-US"/>
           </a:p>
@@ -5038,7 +5040,7 @@
           <a:p>
             <a:fld id="{56E86694-C861-44A8-AB30-CAA32AC2D8F5}" type="datetimeFigureOut">
               <a:rPr lang="en-US" smtClean="0"/>
-              <a:t>8/9/2023</a:t>
+              <a:t>8/10/2023</a:t>
             </a:fld>
             <a:endParaRPr lang="en-US"/>
           </a:p>
@@ -5450,7 +5452,7 @@
           <a:p>
             <a:fld id="{56E86694-C861-44A8-AB30-CAA32AC2D8F5}" type="datetimeFigureOut">
               <a:rPr lang="en-US" smtClean="0"/>
-              <a:t>8/9/2023</a:t>
+              <a:t>8/10/2023</a:t>
             </a:fld>
             <a:endParaRPr lang="en-US"/>
           </a:p>
@@ -5591,7 +5593,7 @@
           <a:p>
             <a:fld id="{56E86694-C861-44A8-AB30-CAA32AC2D8F5}" type="datetimeFigureOut">
               <a:rPr lang="en-US" smtClean="0"/>
-              <a:t>8/9/2023</a:t>
+              <a:t>8/10/2023</a:t>
             </a:fld>
             <a:endParaRPr lang="en-US"/>
           </a:p>
@@ -5704,7 +5706,7 @@
           <a:p>
             <a:fld id="{56E86694-C861-44A8-AB30-CAA32AC2D8F5}" type="datetimeFigureOut">
               <a:rPr lang="en-US" smtClean="0"/>
-              <a:t>8/9/2023</a:t>
+              <a:t>8/10/2023</a:t>
             </a:fld>
             <a:endParaRPr lang="en-US"/>
           </a:p>
@@ -6015,7 +6017,7 @@
           <a:p>
             <a:fld id="{56E86694-C861-44A8-AB30-CAA32AC2D8F5}" type="datetimeFigureOut">
               <a:rPr lang="en-US" smtClean="0"/>
-              <a:t>8/9/2023</a:t>
+              <a:t>8/10/2023</a:t>
             </a:fld>
             <a:endParaRPr lang="en-US"/>
           </a:p>
@@ -6303,7 +6305,7 @@
           <a:p>
             <a:fld id="{56E86694-C861-44A8-AB30-CAA32AC2D8F5}" type="datetimeFigureOut">
               <a:rPr lang="en-US" smtClean="0"/>
-              <a:t>8/9/2023</a:t>
+              <a:t>8/10/2023</a:t>
             </a:fld>
             <a:endParaRPr lang="en-US"/>
           </a:p>
@@ -6544,7 +6546,7 @@
           <a:p>
             <a:fld id="{56E86694-C861-44A8-AB30-CAA32AC2D8F5}" type="datetimeFigureOut">
               <a:rPr lang="en-US" smtClean="0"/>
-              <a:t>8/9/2023</a:t>
+              <a:t>8/10/2023</a:t>
             </a:fld>
             <a:endParaRPr lang="en-US"/>
           </a:p>
@@ -11635,6 +11637,966 @@
 </p:sld>
 </file>
 
+<file path=ppt/slides/slide16.xml><?xml version="1.0" encoding="utf-8"?>
+<p:sld xmlns:a="http://schemas.openxmlformats.org/drawingml/2006/main" xmlns:r="http://schemas.openxmlformats.org/officeDocument/2006/relationships" xmlns:p="http://schemas.openxmlformats.org/presentationml/2006/main">
+  <p:cSld>
+    <p:spTree>
+      <p:nvGrpSpPr>
+        <p:cNvPr id="1" name=""/>
+        <p:cNvGrpSpPr/>
+        <p:nvPr/>
+      </p:nvGrpSpPr>
+      <p:grpSpPr>
+        <a:xfrm>
+          <a:off x="0" y="0"/>
+          <a:ext cx="0" cy="0"/>
+          <a:chOff x="0" y="0"/>
+          <a:chExt cx="0" cy="0"/>
+        </a:xfrm>
+      </p:grpSpPr>
+      <p:sp>
+        <p:nvSpPr>
+          <p:cNvPr id="3" name="Content Placeholder 2">
+            <a:extLst>
+              <a:ext uri="{FF2B5EF4-FFF2-40B4-BE49-F238E27FC236}">
+                <a16:creationId xmlns:a16="http://schemas.microsoft.com/office/drawing/2014/main" id="{97E24626-8C4F-CA8F-F022-5C2D0BED6E18}"/>
+              </a:ext>
+            </a:extLst>
+          </p:cNvPr>
+          <p:cNvSpPr>
+            <a:spLocks noGrp="1"/>
+          </p:cNvSpPr>
+          <p:nvPr>
+            <p:ph idx="1"/>
+          </p:nvPr>
+        </p:nvSpPr>
+        <p:spPr>
+          <a:xfrm>
+            <a:off x="838200" y="245660"/>
+            <a:ext cx="10515600" cy="5931303"/>
+          </a:xfrm>
+        </p:spPr>
+        <p:txBody>
+          <a:bodyPr/>
+          <a:lstStyle/>
+          <a:p>
+            <a:r>
+              <a:rPr lang="en-US" dirty="0"/>
+              <a:t>React memo for functional component optimization</a:t>
+            </a:r>
+          </a:p>
+          <a:p>
+            <a:r>
+              <a:rPr lang="en-US" dirty="0" err="1"/>
+              <a:t>Purecomponent</a:t>
+            </a:r>
+            <a:endParaRPr lang="en-US" dirty="0"/>
+          </a:p>
+          <a:p>
+            <a:r>
+              <a:rPr lang="en-US" dirty="0"/>
+              <a:t>Understanding reacts </a:t>
+            </a:r>
+            <a:r>
+              <a:rPr lang="en-US" dirty="0" err="1"/>
+              <a:t>dom</a:t>
+            </a:r>
+            <a:r>
+              <a:rPr lang="en-US" dirty="0"/>
+              <a:t> rendering logic</a:t>
+            </a:r>
+          </a:p>
+          <a:p>
+            <a:r>
+              <a:rPr lang="en-US" dirty="0"/>
+              <a:t>Adjacent </a:t>
+            </a:r>
+            <a:r>
+              <a:rPr lang="en-US" dirty="0" err="1"/>
+              <a:t>jsx</a:t>
+            </a:r>
+            <a:r>
+              <a:rPr lang="en-US" dirty="0"/>
+              <a:t> elements</a:t>
+            </a:r>
+          </a:p>
+          <a:p>
+            <a:r>
+              <a:rPr lang="en-US" dirty="0"/>
+              <a:t>React fragment</a:t>
+            </a:r>
+          </a:p>
+          <a:p>
+            <a:r>
+              <a:rPr lang="en-US" dirty="0"/>
+              <a:t>Another form of </a:t>
+            </a:r>
+            <a:r>
+              <a:rPr lang="en-US" dirty="0" err="1"/>
+              <a:t>hocs</a:t>
+            </a:r>
+            <a:endParaRPr lang="en-US" dirty="0"/>
+          </a:p>
+          <a:p>
+            <a:r>
+              <a:rPr lang="en-US"/>
+              <a:t>Passing unknown </a:t>
+            </a:r>
+            <a:r>
+              <a:rPr lang="en-US" dirty="0"/>
+              <a:t>props</a:t>
+            </a:r>
+          </a:p>
+        </p:txBody>
+      </p:sp>
+    </p:spTree>
+    <p:extLst>
+      <p:ext uri="{BB962C8B-B14F-4D97-AF65-F5344CB8AC3E}">
+        <p14:creationId xmlns:p14="http://schemas.microsoft.com/office/powerpoint/2010/main" val="2305764417"/>
+      </p:ext>
+    </p:extLst>
+  </p:cSld>
+  <p:clrMapOvr>
+    <a:masterClrMapping/>
+  </p:clrMapOvr>
+</p:sld>
+</file>
+
+<file path=ppt/slides/slide17.xml><?xml version="1.0" encoding="utf-8"?>
+<p:sld xmlns:a="http://schemas.openxmlformats.org/drawingml/2006/main" xmlns:r="http://schemas.openxmlformats.org/officeDocument/2006/relationships" xmlns:p="http://schemas.openxmlformats.org/presentationml/2006/main">
+  <p:cSld>
+    <p:spTree>
+      <p:nvGrpSpPr>
+        <p:cNvPr id="1" name=""/>
+        <p:cNvGrpSpPr/>
+        <p:nvPr/>
+      </p:nvGrpSpPr>
+      <p:grpSpPr>
+        <a:xfrm>
+          <a:off x="0" y="0"/>
+          <a:ext cx="0" cy="0"/>
+          <a:chOff x="0" y="0"/>
+          <a:chExt cx="0" cy="0"/>
+        </a:xfrm>
+      </p:grpSpPr>
+      <p:sp>
+        <p:nvSpPr>
+          <p:cNvPr id="2" name="Title 1">
+            <a:extLst>
+              <a:ext uri="{FF2B5EF4-FFF2-40B4-BE49-F238E27FC236}">
+                <a16:creationId xmlns:a16="http://schemas.microsoft.com/office/drawing/2014/main" id="{C1028766-FBDF-6E98-59C4-8B6215305A91}"/>
+              </a:ext>
+            </a:extLst>
+          </p:cNvPr>
+          <p:cNvSpPr>
+            <a:spLocks noGrp="1"/>
+          </p:cNvSpPr>
+          <p:nvPr>
+            <p:ph type="title"/>
+          </p:nvPr>
+        </p:nvSpPr>
+        <p:spPr>
+          <a:xfrm>
+            <a:off x="838200" y="365125"/>
+            <a:ext cx="9847997" cy="576571"/>
+          </a:xfrm>
+        </p:spPr>
+        <p:txBody>
+          <a:bodyPr>
+            <a:normAutofit fontScale="90000"/>
+          </a:bodyPr>
+          <a:lstStyle/>
+          <a:p>
+            <a:r>
+              <a:rPr lang="en-US" dirty="0"/>
+              <a:t>How React Updates The DOM</a:t>
+            </a:r>
+          </a:p>
+        </p:txBody>
+      </p:sp>
+      <p:sp>
+        <p:nvSpPr>
+          <p:cNvPr id="4" name="Rectangle 3">
+            <a:extLst>
+              <a:ext uri="{FF2B5EF4-FFF2-40B4-BE49-F238E27FC236}">
+                <a16:creationId xmlns:a16="http://schemas.microsoft.com/office/drawing/2014/main" id="{40B7A84E-68BA-2E63-0A54-4B239864BD4A}"/>
+              </a:ext>
+            </a:extLst>
+          </p:cNvPr>
+          <p:cNvSpPr/>
+          <p:nvPr/>
+        </p:nvSpPr>
+        <p:spPr>
+          <a:xfrm>
+            <a:off x="354842" y="1228299"/>
+            <a:ext cx="4094328" cy="900752"/>
+          </a:xfrm>
+          <a:prstGeom prst="rect">
+            <a:avLst/>
+          </a:prstGeom>
+        </p:spPr>
+        <p:style>
+          <a:lnRef idx="2">
+            <a:schemeClr val="accent1">
+              <a:shade val="15000"/>
+            </a:schemeClr>
+          </a:lnRef>
+          <a:fillRef idx="1">
+            <a:schemeClr val="accent1"/>
+          </a:fillRef>
+          <a:effectRef idx="0">
+            <a:schemeClr val="accent1"/>
+          </a:effectRef>
+          <a:fontRef idx="minor">
+            <a:schemeClr val="lt1"/>
+          </a:fontRef>
+        </p:style>
+        <p:txBody>
+          <a:bodyPr rtlCol="0" anchor="ctr"/>
+          <a:lstStyle/>
+          <a:p>
+            <a:pPr algn="ctr"/>
+            <a:r>
+              <a:rPr lang="en-US" dirty="0" err="1"/>
+              <a:t>shouldComponentUpdate</a:t>
+            </a:r>
+            <a:r>
+              <a:rPr lang="en-US" dirty="0"/>
+              <a:t>()</a:t>
+            </a:r>
+          </a:p>
+          <a:p>
+            <a:pPr algn="ctr"/>
+            <a:r>
+              <a:rPr lang="en-US" dirty="0"/>
+              <a:t>Passed!</a:t>
+            </a:r>
+          </a:p>
+        </p:txBody>
+      </p:sp>
+      <p:sp>
+        <p:nvSpPr>
+          <p:cNvPr id="5" name="Arrow: Right 4">
+            <a:extLst>
+              <a:ext uri="{FF2B5EF4-FFF2-40B4-BE49-F238E27FC236}">
+                <a16:creationId xmlns:a16="http://schemas.microsoft.com/office/drawing/2014/main" id="{F7F91C42-B278-7A0F-DBB7-387F2E12D2A0}"/>
+              </a:ext>
+            </a:extLst>
+          </p:cNvPr>
+          <p:cNvSpPr/>
+          <p:nvPr/>
+        </p:nvSpPr>
+        <p:spPr>
+          <a:xfrm>
+            <a:off x="4667534" y="1228299"/>
+            <a:ext cx="2088108" cy="900752"/>
+          </a:xfrm>
+          <a:prstGeom prst="rightArrow">
+            <a:avLst/>
+          </a:prstGeom>
+        </p:spPr>
+        <p:style>
+          <a:lnRef idx="2">
+            <a:schemeClr val="accent1">
+              <a:shade val="15000"/>
+            </a:schemeClr>
+          </a:lnRef>
+          <a:fillRef idx="1">
+            <a:schemeClr val="accent1"/>
+          </a:fillRef>
+          <a:effectRef idx="0">
+            <a:schemeClr val="accent1"/>
+          </a:effectRef>
+          <a:fontRef idx="minor">
+            <a:schemeClr val="lt1"/>
+          </a:fontRef>
+        </p:style>
+        <p:txBody>
+          <a:bodyPr rtlCol="0" anchor="ctr"/>
+          <a:lstStyle/>
+          <a:p>
+            <a:pPr algn="ctr"/>
+            <a:endParaRPr lang="en-US"/>
+          </a:p>
+        </p:txBody>
+      </p:sp>
+      <p:sp>
+        <p:nvSpPr>
+          <p:cNvPr id="6" name="Rectangle 5">
+            <a:extLst>
+              <a:ext uri="{FF2B5EF4-FFF2-40B4-BE49-F238E27FC236}">
+                <a16:creationId xmlns:a16="http://schemas.microsoft.com/office/drawing/2014/main" id="{A58F4D4D-529A-E5DF-FA1A-A56EE2D9E53F}"/>
+              </a:ext>
+            </a:extLst>
+          </p:cNvPr>
+          <p:cNvSpPr/>
+          <p:nvPr/>
+        </p:nvSpPr>
+        <p:spPr>
+          <a:xfrm>
+            <a:off x="7124131" y="1228299"/>
+            <a:ext cx="4094328" cy="900752"/>
+          </a:xfrm>
+          <a:prstGeom prst="rect">
+            <a:avLst/>
+          </a:prstGeom>
+        </p:spPr>
+        <p:style>
+          <a:lnRef idx="2">
+            <a:schemeClr val="accent1">
+              <a:shade val="15000"/>
+            </a:schemeClr>
+          </a:lnRef>
+          <a:fillRef idx="1">
+            <a:schemeClr val="accent1"/>
+          </a:fillRef>
+          <a:effectRef idx="0">
+            <a:schemeClr val="accent1"/>
+          </a:effectRef>
+          <a:fontRef idx="minor">
+            <a:schemeClr val="lt1"/>
+          </a:fontRef>
+        </p:style>
+        <p:txBody>
+          <a:bodyPr rtlCol="0" anchor="ctr"/>
+          <a:lstStyle/>
+          <a:p>
+            <a:pPr algn="ctr"/>
+            <a:r>
+              <a:rPr lang="en-US" dirty="0"/>
+              <a:t>render() is called</a:t>
+            </a:r>
+          </a:p>
+        </p:txBody>
+      </p:sp>
+      <p:sp>
+        <p:nvSpPr>
+          <p:cNvPr id="7" name="Rectangle 6">
+            <a:extLst>
+              <a:ext uri="{FF2B5EF4-FFF2-40B4-BE49-F238E27FC236}">
+                <a16:creationId xmlns:a16="http://schemas.microsoft.com/office/drawing/2014/main" id="{12522E6D-80C9-3600-0616-CCEE0BB7F085}"/>
+              </a:ext>
+            </a:extLst>
+          </p:cNvPr>
+          <p:cNvSpPr/>
+          <p:nvPr/>
+        </p:nvSpPr>
+        <p:spPr>
+          <a:xfrm>
+            <a:off x="2388357" y="2415654"/>
+            <a:ext cx="2060813" cy="900752"/>
+          </a:xfrm>
+          <a:prstGeom prst="rect">
+            <a:avLst/>
+          </a:prstGeom>
+        </p:spPr>
+        <p:style>
+          <a:lnRef idx="2">
+            <a:schemeClr val="accent1">
+              <a:shade val="15000"/>
+            </a:schemeClr>
+          </a:lnRef>
+          <a:fillRef idx="1">
+            <a:schemeClr val="accent1"/>
+          </a:fillRef>
+          <a:effectRef idx="0">
+            <a:schemeClr val="accent1"/>
+          </a:effectRef>
+          <a:fontRef idx="minor">
+            <a:schemeClr val="lt1"/>
+          </a:fontRef>
+        </p:style>
+        <p:txBody>
+          <a:bodyPr rtlCol="0" anchor="ctr"/>
+          <a:lstStyle/>
+          <a:p>
+            <a:pPr algn="ctr"/>
+            <a:r>
+              <a:rPr lang="en-US" dirty="0"/>
+              <a:t>Old Virtual DOM</a:t>
+            </a:r>
+          </a:p>
+        </p:txBody>
+      </p:sp>
+      <p:sp>
+        <p:nvSpPr>
+          <p:cNvPr id="8" name="Rectangle 7">
+            <a:extLst>
+              <a:ext uri="{FF2B5EF4-FFF2-40B4-BE49-F238E27FC236}">
+                <a16:creationId xmlns:a16="http://schemas.microsoft.com/office/drawing/2014/main" id="{BFE59574-B481-6CBA-2694-FBB857023BDE}"/>
+              </a:ext>
+            </a:extLst>
+          </p:cNvPr>
+          <p:cNvSpPr/>
+          <p:nvPr/>
+        </p:nvSpPr>
+        <p:spPr>
+          <a:xfrm>
+            <a:off x="5158852" y="2415654"/>
+            <a:ext cx="2688610" cy="900752"/>
+          </a:xfrm>
+          <a:prstGeom prst="rect">
+            <a:avLst/>
+          </a:prstGeom>
+        </p:spPr>
+        <p:style>
+          <a:lnRef idx="2">
+            <a:schemeClr val="accent1">
+              <a:shade val="15000"/>
+            </a:schemeClr>
+          </a:lnRef>
+          <a:fillRef idx="1">
+            <a:schemeClr val="accent1"/>
+          </a:fillRef>
+          <a:effectRef idx="0">
+            <a:schemeClr val="accent1"/>
+          </a:effectRef>
+          <a:fontRef idx="minor">
+            <a:schemeClr val="lt1"/>
+          </a:fontRef>
+        </p:style>
+        <p:txBody>
+          <a:bodyPr rtlCol="0" anchor="ctr"/>
+          <a:lstStyle/>
+          <a:p>
+            <a:pPr algn="ctr"/>
+            <a:r>
+              <a:rPr lang="en-US" dirty="0"/>
+              <a:t>Re-rendered Virtual DOM</a:t>
+            </a:r>
+          </a:p>
+        </p:txBody>
+      </p:sp>
+      <p:sp>
+        <p:nvSpPr>
+          <p:cNvPr id="9" name="Arrow: Left-Right 8">
+            <a:extLst>
+              <a:ext uri="{FF2B5EF4-FFF2-40B4-BE49-F238E27FC236}">
+                <a16:creationId xmlns:a16="http://schemas.microsoft.com/office/drawing/2014/main" id="{A20454FB-3AF4-2588-71DC-D156B84A2042}"/>
+              </a:ext>
+            </a:extLst>
+          </p:cNvPr>
+          <p:cNvSpPr/>
+          <p:nvPr/>
+        </p:nvSpPr>
+        <p:spPr>
+          <a:xfrm>
+            <a:off x="3575713" y="3429000"/>
+            <a:ext cx="1828800" cy="446964"/>
+          </a:xfrm>
+          <a:prstGeom prst="leftRightArrow">
+            <a:avLst/>
+          </a:prstGeom>
+        </p:spPr>
+        <p:style>
+          <a:lnRef idx="2">
+            <a:schemeClr val="accent1">
+              <a:shade val="15000"/>
+            </a:schemeClr>
+          </a:lnRef>
+          <a:fillRef idx="1">
+            <a:schemeClr val="accent1"/>
+          </a:fillRef>
+          <a:effectRef idx="0">
+            <a:schemeClr val="accent1"/>
+          </a:effectRef>
+          <a:fontRef idx="minor">
+            <a:schemeClr val="lt1"/>
+          </a:fontRef>
+        </p:style>
+        <p:txBody>
+          <a:bodyPr rtlCol="0" anchor="ctr"/>
+          <a:lstStyle/>
+          <a:p>
+            <a:pPr algn="ctr"/>
+            <a:endParaRPr lang="en-US"/>
+          </a:p>
+        </p:txBody>
+      </p:sp>
+      <p:sp>
+        <p:nvSpPr>
+          <p:cNvPr id="11" name="TextBox 10">
+            <a:extLst>
+              <a:ext uri="{FF2B5EF4-FFF2-40B4-BE49-F238E27FC236}">
+                <a16:creationId xmlns:a16="http://schemas.microsoft.com/office/drawing/2014/main" id="{FBD17E80-AFD9-CD11-9634-48F4359438E6}"/>
+              </a:ext>
+            </a:extLst>
+          </p:cNvPr>
+          <p:cNvSpPr txBox="1"/>
+          <p:nvPr/>
+        </p:nvSpPr>
+        <p:spPr>
+          <a:xfrm>
+            <a:off x="3792580" y="3988558"/>
+            <a:ext cx="1313180" cy="369332"/>
+          </a:xfrm>
+          <a:prstGeom prst="rect">
+            <a:avLst/>
+          </a:prstGeom>
+          <a:noFill/>
+        </p:spPr>
+        <p:txBody>
+          <a:bodyPr wrap="none" rtlCol="0">
+            <a:spAutoFit/>
+          </a:bodyPr>
+          <a:lstStyle/>
+          <a:p>
+            <a:r>
+              <a:rPr lang="en-US" dirty="0"/>
+              <a:t>Comparison</a:t>
+            </a:r>
+          </a:p>
+        </p:txBody>
+      </p:sp>
+      <p:sp>
+        <p:nvSpPr>
+          <p:cNvPr id="12" name="Rectangle 11">
+            <a:extLst>
+              <a:ext uri="{FF2B5EF4-FFF2-40B4-BE49-F238E27FC236}">
+                <a16:creationId xmlns:a16="http://schemas.microsoft.com/office/drawing/2014/main" id="{94C63AAB-0695-2F3D-E3A7-F85419493ACA}"/>
+              </a:ext>
+            </a:extLst>
+          </p:cNvPr>
+          <p:cNvSpPr/>
+          <p:nvPr/>
+        </p:nvSpPr>
+        <p:spPr>
+          <a:xfrm>
+            <a:off x="129653" y="2415654"/>
+            <a:ext cx="2060813" cy="900752"/>
+          </a:xfrm>
+          <a:prstGeom prst="rect">
+            <a:avLst/>
+          </a:prstGeom>
+        </p:spPr>
+        <p:style>
+          <a:lnRef idx="2">
+            <a:schemeClr val="accent1">
+              <a:shade val="15000"/>
+            </a:schemeClr>
+          </a:lnRef>
+          <a:fillRef idx="1">
+            <a:schemeClr val="accent1"/>
+          </a:fillRef>
+          <a:effectRef idx="0">
+            <a:schemeClr val="accent1"/>
+          </a:effectRef>
+          <a:fontRef idx="minor">
+            <a:schemeClr val="lt1"/>
+          </a:fontRef>
+        </p:style>
+        <p:txBody>
+          <a:bodyPr rtlCol="0" anchor="ctr"/>
+          <a:lstStyle/>
+          <a:p>
+            <a:pPr algn="ctr"/>
+            <a:r>
+              <a:rPr lang="en-US" dirty="0"/>
+              <a:t>Faster than “real” DOM</a:t>
+            </a:r>
+          </a:p>
+        </p:txBody>
+      </p:sp>
+      <p:sp>
+        <p:nvSpPr>
+          <p:cNvPr id="13" name="Arrow: Right 12">
+            <a:extLst>
+              <a:ext uri="{FF2B5EF4-FFF2-40B4-BE49-F238E27FC236}">
+                <a16:creationId xmlns:a16="http://schemas.microsoft.com/office/drawing/2014/main" id="{426746F1-7DDF-692B-8119-3679774F2A2D}"/>
+              </a:ext>
+            </a:extLst>
+          </p:cNvPr>
+          <p:cNvSpPr/>
+          <p:nvPr/>
+        </p:nvSpPr>
+        <p:spPr>
+          <a:xfrm>
+            <a:off x="2190466" y="2739835"/>
+            <a:ext cx="197891" cy="208081"/>
+          </a:xfrm>
+          <a:prstGeom prst="rightArrow">
+            <a:avLst/>
+          </a:prstGeom>
+        </p:spPr>
+        <p:style>
+          <a:lnRef idx="2">
+            <a:schemeClr val="accent1">
+              <a:shade val="15000"/>
+            </a:schemeClr>
+          </a:lnRef>
+          <a:fillRef idx="1">
+            <a:schemeClr val="accent1"/>
+          </a:fillRef>
+          <a:effectRef idx="0">
+            <a:schemeClr val="accent1"/>
+          </a:effectRef>
+          <a:fontRef idx="minor">
+            <a:schemeClr val="lt1"/>
+          </a:fontRef>
+        </p:style>
+        <p:txBody>
+          <a:bodyPr rtlCol="0" anchor="ctr"/>
+          <a:lstStyle/>
+          <a:p>
+            <a:pPr algn="ctr"/>
+            <a:endParaRPr lang="en-US"/>
+          </a:p>
+        </p:txBody>
+      </p:sp>
+      <p:sp>
+        <p:nvSpPr>
+          <p:cNvPr id="14" name="Rectangle 13">
+            <a:extLst>
+              <a:ext uri="{FF2B5EF4-FFF2-40B4-BE49-F238E27FC236}">
+                <a16:creationId xmlns:a16="http://schemas.microsoft.com/office/drawing/2014/main" id="{4AE1DF93-6E40-6BF2-C465-AFB3AD587864}"/>
+              </a:ext>
+            </a:extLst>
+          </p:cNvPr>
+          <p:cNvSpPr/>
+          <p:nvPr/>
+        </p:nvSpPr>
+        <p:spPr>
+          <a:xfrm>
+            <a:off x="9157646" y="2415654"/>
+            <a:ext cx="2060813" cy="900752"/>
+          </a:xfrm>
+          <a:prstGeom prst="rect">
+            <a:avLst/>
+          </a:prstGeom>
+        </p:spPr>
+        <p:style>
+          <a:lnRef idx="2">
+            <a:schemeClr val="accent1">
+              <a:shade val="15000"/>
+            </a:schemeClr>
+          </a:lnRef>
+          <a:fillRef idx="1">
+            <a:schemeClr val="accent1"/>
+          </a:fillRef>
+          <a:effectRef idx="0">
+            <a:schemeClr val="accent1"/>
+          </a:effectRef>
+          <a:fontRef idx="minor">
+            <a:schemeClr val="lt1"/>
+          </a:fontRef>
+        </p:style>
+        <p:txBody>
+          <a:bodyPr rtlCol="0" anchor="ctr"/>
+          <a:lstStyle/>
+          <a:p>
+            <a:pPr algn="ctr"/>
+            <a:r>
+              <a:rPr lang="en-US" dirty="0"/>
+              <a:t>Render() doesn’t immediately update the “real” DOM!</a:t>
+            </a:r>
+          </a:p>
+        </p:txBody>
+      </p:sp>
+      <p:sp>
+        <p:nvSpPr>
+          <p:cNvPr id="15" name="Arrow: Right 14">
+            <a:extLst>
+              <a:ext uri="{FF2B5EF4-FFF2-40B4-BE49-F238E27FC236}">
+                <a16:creationId xmlns:a16="http://schemas.microsoft.com/office/drawing/2014/main" id="{AB069FFE-4B0E-293C-B92B-4522E3C0A49C}"/>
+              </a:ext>
+            </a:extLst>
+          </p:cNvPr>
+          <p:cNvSpPr/>
+          <p:nvPr/>
+        </p:nvSpPr>
+        <p:spPr>
+          <a:xfrm rot="10800000">
+            <a:off x="8761862" y="2739835"/>
+            <a:ext cx="197891" cy="208081"/>
+          </a:xfrm>
+          <a:prstGeom prst="rightArrow">
+            <a:avLst/>
+          </a:prstGeom>
+        </p:spPr>
+        <p:style>
+          <a:lnRef idx="2">
+            <a:schemeClr val="accent1">
+              <a:shade val="15000"/>
+            </a:schemeClr>
+          </a:lnRef>
+          <a:fillRef idx="1">
+            <a:schemeClr val="accent1"/>
+          </a:fillRef>
+          <a:effectRef idx="0">
+            <a:schemeClr val="accent1"/>
+          </a:effectRef>
+          <a:fontRef idx="minor">
+            <a:schemeClr val="lt1"/>
+          </a:fontRef>
+        </p:style>
+        <p:txBody>
+          <a:bodyPr rtlCol="0" anchor="ctr"/>
+          <a:lstStyle/>
+          <a:p>
+            <a:pPr algn="ctr"/>
+            <a:endParaRPr lang="en-US"/>
+          </a:p>
+        </p:txBody>
+      </p:sp>
+      <p:sp>
+        <p:nvSpPr>
+          <p:cNvPr id="16" name="Rectangle 15">
+            <a:extLst>
+              <a:ext uri="{FF2B5EF4-FFF2-40B4-BE49-F238E27FC236}">
+                <a16:creationId xmlns:a16="http://schemas.microsoft.com/office/drawing/2014/main" id="{3626B563-6AFC-59D8-6DEA-3CB2F4CF39EA}"/>
+              </a:ext>
+            </a:extLst>
+          </p:cNvPr>
+          <p:cNvSpPr/>
+          <p:nvPr/>
+        </p:nvSpPr>
+        <p:spPr>
+          <a:xfrm>
+            <a:off x="4128445" y="4902958"/>
+            <a:ext cx="2060813" cy="900752"/>
+          </a:xfrm>
+          <a:prstGeom prst="rect">
+            <a:avLst/>
+          </a:prstGeom>
+        </p:spPr>
+        <p:style>
+          <a:lnRef idx="2">
+            <a:schemeClr val="accent1">
+              <a:shade val="15000"/>
+            </a:schemeClr>
+          </a:lnRef>
+          <a:fillRef idx="1">
+            <a:schemeClr val="accent1"/>
+          </a:fillRef>
+          <a:effectRef idx="0">
+            <a:schemeClr val="accent1"/>
+          </a:effectRef>
+          <a:fontRef idx="minor">
+            <a:schemeClr val="lt1"/>
+          </a:fontRef>
+        </p:style>
+        <p:txBody>
+          <a:bodyPr rtlCol="0" anchor="ctr"/>
+          <a:lstStyle/>
+          <a:p>
+            <a:pPr algn="ctr"/>
+            <a:r>
+              <a:rPr lang="en-US" dirty="0"/>
+              <a:t>Differences?</a:t>
+            </a:r>
+          </a:p>
+        </p:txBody>
+      </p:sp>
+      <p:sp>
+        <p:nvSpPr>
+          <p:cNvPr id="17" name="Arrow: Right 16">
+            <a:extLst>
+              <a:ext uri="{FF2B5EF4-FFF2-40B4-BE49-F238E27FC236}">
+                <a16:creationId xmlns:a16="http://schemas.microsoft.com/office/drawing/2014/main" id="{E0969638-E99B-A945-EF52-C2F69A0FC34C}"/>
+              </a:ext>
+            </a:extLst>
+          </p:cNvPr>
+          <p:cNvSpPr/>
+          <p:nvPr/>
+        </p:nvSpPr>
+        <p:spPr>
+          <a:xfrm rot="10800000">
+            <a:off x="3220871" y="5249292"/>
+            <a:ext cx="571708" cy="369330"/>
+          </a:xfrm>
+          <a:prstGeom prst="rightArrow">
+            <a:avLst/>
+          </a:prstGeom>
+        </p:spPr>
+        <p:style>
+          <a:lnRef idx="2">
+            <a:schemeClr val="accent1">
+              <a:shade val="15000"/>
+            </a:schemeClr>
+          </a:lnRef>
+          <a:fillRef idx="1">
+            <a:schemeClr val="accent1"/>
+          </a:fillRef>
+          <a:effectRef idx="0">
+            <a:schemeClr val="accent1"/>
+          </a:effectRef>
+          <a:fontRef idx="minor">
+            <a:schemeClr val="lt1"/>
+          </a:fontRef>
+        </p:style>
+        <p:txBody>
+          <a:bodyPr rtlCol="0" anchor="ctr"/>
+          <a:lstStyle/>
+          <a:p>
+            <a:pPr algn="ctr"/>
+            <a:endParaRPr lang="en-US"/>
+          </a:p>
+        </p:txBody>
+      </p:sp>
+      <p:sp>
+        <p:nvSpPr>
+          <p:cNvPr id="18" name="Rectangle 17">
+            <a:extLst>
+              <a:ext uri="{FF2B5EF4-FFF2-40B4-BE49-F238E27FC236}">
+                <a16:creationId xmlns:a16="http://schemas.microsoft.com/office/drawing/2014/main" id="{FA7E6D43-04AF-B925-A4D9-C2BFB0E7166D}"/>
+              </a:ext>
+            </a:extLst>
+          </p:cNvPr>
+          <p:cNvSpPr/>
+          <p:nvPr/>
+        </p:nvSpPr>
+        <p:spPr>
+          <a:xfrm>
+            <a:off x="838200" y="4902958"/>
+            <a:ext cx="2060813" cy="900752"/>
+          </a:xfrm>
+          <a:prstGeom prst="rect">
+            <a:avLst/>
+          </a:prstGeom>
+        </p:spPr>
+        <p:style>
+          <a:lnRef idx="2">
+            <a:schemeClr val="accent1">
+              <a:shade val="15000"/>
+            </a:schemeClr>
+          </a:lnRef>
+          <a:fillRef idx="1">
+            <a:schemeClr val="accent1"/>
+          </a:fillRef>
+          <a:effectRef idx="0">
+            <a:schemeClr val="accent1"/>
+          </a:effectRef>
+          <a:fontRef idx="minor">
+            <a:schemeClr val="lt1"/>
+          </a:fontRef>
+        </p:style>
+        <p:txBody>
+          <a:bodyPr rtlCol="0" anchor="ctr"/>
+          <a:lstStyle/>
+          <a:p>
+            <a:pPr algn="ctr"/>
+            <a:r>
+              <a:rPr lang="en-US" dirty="0"/>
+              <a:t>No Differences? Don’t touch the “real” DOM!</a:t>
+            </a:r>
+          </a:p>
+        </p:txBody>
+      </p:sp>
+      <p:sp>
+        <p:nvSpPr>
+          <p:cNvPr id="19" name="Arrow: Right 18">
+            <a:extLst>
+              <a:ext uri="{FF2B5EF4-FFF2-40B4-BE49-F238E27FC236}">
+                <a16:creationId xmlns:a16="http://schemas.microsoft.com/office/drawing/2014/main" id="{B615BBB1-BFC8-1425-865D-5010F49159C6}"/>
+              </a:ext>
+            </a:extLst>
+          </p:cNvPr>
+          <p:cNvSpPr/>
+          <p:nvPr/>
+        </p:nvSpPr>
+        <p:spPr>
+          <a:xfrm>
+            <a:off x="6552423" y="5168669"/>
+            <a:ext cx="571708" cy="369330"/>
+          </a:xfrm>
+          <a:prstGeom prst="rightArrow">
+            <a:avLst/>
+          </a:prstGeom>
+        </p:spPr>
+        <p:style>
+          <a:lnRef idx="2">
+            <a:schemeClr val="accent1">
+              <a:shade val="15000"/>
+            </a:schemeClr>
+          </a:lnRef>
+          <a:fillRef idx="1">
+            <a:schemeClr val="accent1"/>
+          </a:fillRef>
+          <a:effectRef idx="0">
+            <a:schemeClr val="accent1"/>
+          </a:effectRef>
+          <a:fontRef idx="minor">
+            <a:schemeClr val="lt1"/>
+          </a:fontRef>
+        </p:style>
+        <p:txBody>
+          <a:bodyPr rtlCol="0" anchor="ctr"/>
+          <a:lstStyle/>
+          <a:p>
+            <a:pPr algn="ctr"/>
+            <a:endParaRPr lang="en-US"/>
+          </a:p>
+        </p:txBody>
+      </p:sp>
+      <p:sp>
+        <p:nvSpPr>
+          <p:cNvPr id="20" name="Rectangle 19">
+            <a:extLst>
+              <a:ext uri="{FF2B5EF4-FFF2-40B4-BE49-F238E27FC236}">
+                <a16:creationId xmlns:a16="http://schemas.microsoft.com/office/drawing/2014/main" id="{1E71103E-A0BC-0924-6C24-762FD76E634B}"/>
+              </a:ext>
+            </a:extLst>
+          </p:cNvPr>
+          <p:cNvSpPr/>
+          <p:nvPr/>
+        </p:nvSpPr>
+        <p:spPr>
+          <a:xfrm>
+            <a:off x="7731455" y="4902958"/>
+            <a:ext cx="2060813" cy="900752"/>
+          </a:xfrm>
+          <a:prstGeom prst="rect">
+            <a:avLst/>
+          </a:prstGeom>
+        </p:spPr>
+        <p:style>
+          <a:lnRef idx="2">
+            <a:schemeClr val="accent1">
+              <a:shade val="15000"/>
+            </a:schemeClr>
+          </a:lnRef>
+          <a:fillRef idx="1">
+            <a:schemeClr val="accent1"/>
+          </a:fillRef>
+          <a:effectRef idx="0">
+            <a:schemeClr val="accent1"/>
+          </a:effectRef>
+          <a:fontRef idx="minor">
+            <a:schemeClr val="lt1"/>
+          </a:fontRef>
+        </p:style>
+        <p:txBody>
+          <a:bodyPr rtlCol="0" anchor="ctr"/>
+          <a:lstStyle/>
+          <a:p>
+            <a:pPr algn="ctr"/>
+            <a:r>
+              <a:rPr lang="en-US" dirty="0"/>
+              <a:t>Differences found?</a:t>
+            </a:r>
+          </a:p>
+          <a:p>
+            <a:pPr algn="ctr"/>
+            <a:r>
+              <a:rPr lang="en-US" dirty="0"/>
+              <a:t>Update “real” DOM</a:t>
+            </a:r>
+          </a:p>
+        </p:txBody>
+      </p:sp>
+    </p:spTree>
+    <p:extLst>
+      <p:ext uri="{BB962C8B-B14F-4D97-AF65-F5344CB8AC3E}">
+        <p14:creationId xmlns:p14="http://schemas.microsoft.com/office/powerpoint/2010/main" val="2258148565"/>
+      </p:ext>
+    </p:extLst>
+  </p:cSld>
+  <p:clrMapOvr>
+    <a:masterClrMapping/>
+  </p:clrMapOvr>
+</p:sld>
+</file>
+
 <file path=ppt/slides/slide2.xml><?xml version="1.0" encoding="utf-8"?>
 <p:sld xmlns:a="http://schemas.openxmlformats.org/drawingml/2006/main" xmlns:r="http://schemas.openxmlformats.org/officeDocument/2006/relationships" xmlns:p="http://schemas.openxmlformats.org/presentationml/2006/main">
   <p:cSld>

--- a/Reactjs.pptx
+++ b/Reactjs.pptx
@@ -3896,7 +3896,7 @@
           <a:p>
             <a:fld id="{56E86694-C861-44A8-AB30-CAA32AC2D8F5}" type="datetimeFigureOut">
               <a:rPr lang="en-US" smtClean="0"/>
-              <a:t>8/10/2023</a:t>
+              <a:t>8/11/2023</a:t>
             </a:fld>
             <a:endParaRPr lang="en-US"/>
           </a:p>
@@ -4094,7 +4094,7 @@
           <a:p>
             <a:fld id="{56E86694-C861-44A8-AB30-CAA32AC2D8F5}" type="datetimeFigureOut">
               <a:rPr lang="en-US" smtClean="0"/>
-              <a:t>8/10/2023</a:t>
+              <a:t>8/11/2023</a:t>
             </a:fld>
             <a:endParaRPr lang="en-US"/>
           </a:p>
@@ -4302,7 +4302,7 @@
           <a:p>
             <a:fld id="{56E86694-C861-44A8-AB30-CAA32AC2D8F5}" type="datetimeFigureOut">
               <a:rPr lang="en-US" smtClean="0"/>
-              <a:t>8/10/2023</a:t>
+              <a:t>8/11/2023</a:t>
             </a:fld>
             <a:endParaRPr lang="en-US"/>
           </a:p>
@@ -4500,7 +4500,7 @@
           <a:p>
             <a:fld id="{56E86694-C861-44A8-AB30-CAA32AC2D8F5}" type="datetimeFigureOut">
               <a:rPr lang="en-US" smtClean="0"/>
-              <a:t>8/10/2023</a:t>
+              <a:t>8/11/2023</a:t>
             </a:fld>
             <a:endParaRPr lang="en-US"/>
           </a:p>
@@ -4775,7 +4775,7 @@
           <a:p>
             <a:fld id="{56E86694-C861-44A8-AB30-CAA32AC2D8F5}" type="datetimeFigureOut">
               <a:rPr lang="en-US" smtClean="0"/>
-              <a:t>8/10/2023</a:t>
+              <a:t>8/11/2023</a:t>
             </a:fld>
             <a:endParaRPr lang="en-US"/>
           </a:p>
@@ -5040,7 +5040,7 @@
           <a:p>
             <a:fld id="{56E86694-C861-44A8-AB30-CAA32AC2D8F5}" type="datetimeFigureOut">
               <a:rPr lang="en-US" smtClean="0"/>
-              <a:t>8/10/2023</a:t>
+              <a:t>8/11/2023</a:t>
             </a:fld>
             <a:endParaRPr lang="en-US"/>
           </a:p>
@@ -5452,7 +5452,7 @@
           <a:p>
             <a:fld id="{56E86694-C861-44A8-AB30-CAA32AC2D8F5}" type="datetimeFigureOut">
               <a:rPr lang="en-US" smtClean="0"/>
-              <a:t>8/10/2023</a:t>
+              <a:t>8/11/2023</a:t>
             </a:fld>
             <a:endParaRPr lang="en-US"/>
           </a:p>
@@ -5593,7 +5593,7 @@
           <a:p>
             <a:fld id="{56E86694-C861-44A8-AB30-CAA32AC2D8F5}" type="datetimeFigureOut">
               <a:rPr lang="en-US" smtClean="0"/>
-              <a:t>8/10/2023</a:t>
+              <a:t>8/11/2023</a:t>
             </a:fld>
             <a:endParaRPr lang="en-US"/>
           </a:p>
@@ -5706,7 +5706,7 @@
           <a:p>
             <a:fld id="{56E86694-C861-44A8-AB30-CAA32AC2D8F5}" type="datetimeFigureOut">
               <a:rPr lang="en-US" smtClean="0"/>
-              <a:t>8/10/2023</a:t>
+              <a:t>8/11/2023</a:t>
             </a:fld>
             <a:endParaRPr lang="en-US"/>
           </a:p>
@@ -6017,7 +6017,7 @@
           <a:p>
             <a:fld id="{56E86694-C861-44A8-AB30-CAA32AC2D8F5}" type="datetimeFigureOut">
               <a:rPr lang="en-US" smtClean="0"/>
-              <a:t>8/10/2023</a:t>
+              <a:t>8/11/2023</a:t>
             </a:fld>
             <a:endParaRPr lang="en-US"/>
           </a:p>
@@ -6305,7 +6305,7 @@
           <a:p>
             <a:fld id="{56E86694-C861-44A8-AB30-CAA32AC2D8F5}" type="datetimeFigureOut">
               <a:rPr lang="en-US" smtClean="0"/>
-              <a:t>8/10/2023</a:t>
+              <a:t>8/11/2023</a:t>
             </a:fld>
             <a:endParaRPr lang="en-US"/>
           </a:p>
@@ -6546,7 +6546,7 @@
           <a:p>
             <a:fld id="{56E86694-C861-44A8-AB30-CAA32AC2D8F5}" type="datetimeFigureOut">
               <a:rPr lang="en-US" smtClean="0"/>
-              <a:t>8/10/2023</a:t>
+              <a:t>8/11/2023</a:t>
             </a:fld>
             <a:endParaRPr lang="en-US"/>
           </a:p>
@@ -11739,12 +11739,32 @@
           </a:p>
           <a:p>
             <a:r>
-              <a:rPr lang="en-US"/>
-              <a:t>Passing unknown </a:t>
-            </a:r>
-            <a:r>
               <a:rPr lang="en-US" dirty="0"/>
-              <a:t>props</a:t>
+              <a:t>Passing unknown props</a:t>
+            </a:r>
+          </a:p>
+          <a:p>
+            <a:r>
+              <a:rPr lang="en-US" dirty="0"/>
+              <a:t>Setting state correctly</a:t>
+            </a:r>
+          </a:p>
+          <a:p>
+            <a:r>
+              <a:rPr lang="en-US" dirty="0"/>
+              <a:t>Proptypes</a:t>
+            </a:r>
+          </a:p>
+          <a:p>
+            <a:r>
+              <a:rPr lang="en-US" dirty="0"/>
+              <a:t>Using refs(focus)</a:t>
+            </a:r>
+          </a:p>
+          <a:p>
+            <a:r>
+              <a:rPr lang="en-US" dirty="0"/>
+              <a:t>Using refs with hooks</a:t>
             </a:r>
           </a:p>
         </p:txBody>

--- a/Reactjs.pptx
+++ b/Reactjs.pptx
@@ -22,6 +22,11 @@
     <p:sldId id="270" r:id="rId16"/>
     <p:sldId id="271" r:id="rId17"/>
     <p:sldId id="272" r:id="rId18"/>
+    <p:sldId id="273" r:id="rId19"/>
+    <p:sldId id="274" r:id="rId20"/>
+    <p:sldId id="275" r:id="rId21"/>
+    <p:sldId id="276" r:id="rId22"/>
+    <p:sldId id="277" r:id="rId23"/>
   </p:sldIdLst>
   <p:sldSz cx="12192000" cy="6858000"/>
   <p:notesSz cx="6858000" cy="9144000"/>
@@ -3749,6 +3754,1472 @@
 </dgm:styleDef>
 </file>
 
+<file path=ppt/ink/ink1.xml><?xml version="1.0" encoding="utf-8"?>
+<inkml:ink xmlns:inkml="http://www.w3.org/2003/InkML">
+  <inkml:definitions>
+    <inkml:context xml:id="ctx0">
+      <inkml:inkSource xml:id="inkSrc0">
+        <inkml:traceFormat>
+          <inkml:channel name="X" type="integer" min="-2.14748E9" max="2.14748E9" units="cm"/>
+          <inkml:channel name="Y" type="integer" min="-2.14748E9" max="2.14748E9" units="cm"/>
+          <inkml:channel name="F" type="integer" max="32767" units="dev"/>
+        </inkml:traceFormat>
+        <inkml:channelProperties>
+          <inkml:channelProperty channel="X" name="resolution" value="1000" units="1/cm"/>
+          <inkml:channelProperty channel="Y" name="resolution" value="1000" units="1/cm"/>
+          <inkml:channelProperty channel="F" name="resolution" value="0" units="1/dev"/>
+        </inkml:channelProperties>
+      </inkml:inkSource>
+      <inkml:timestamp xml:id="ts0" timeString="2023-08-15T11:52:49.401"/>
+    </inkml:context>
+    <inkml:brush xml:id="br0">
+      <inkml:brushProperty name="width" value="0.05" units="cm"/>
+      <inkml:brushProperty name="height" value="0.05" units="cm"/>
+      <inkml:brushProperty name="color" value="#E71224"/>
+    </inkml:brush>
+  </inkml:definitions>
+  <inkml:trace contextRef="#ctx0" brushRef="#br0">920 0 24575,'0'1655'0,"-38"-1149"0,3-128 0,15-157 0,-1 56 0,20-251 0,-1 0 0,-1 0 0,-1 0 0,-1-1 0,-1 1 0,-1-1 0,-2-1 0,0 1 0,-23 40 0,10-20 0,3 2 0,1 0 0,3 1 0,-11 54 0,-4 12 0,21-88 0,-2-1 0,0 0 0,-18 28 0,18-34 0,0 0 0,2 0 0,0 1 0,1 1 0,1-1 0,-5 25 0,10-23 0,0 0 0,3 24 0,0-32 0,-1 1 0,0 0 0,-1 0 0,-1-1 0,0 1 0,-5 19 0,-20 13 0,22-40 0,0 0 0,1 0 0,0 1 0,-6 13 0,5-7 0,0-1 0,-1-1 0,0 1 0,-1-1 0,0 0 0,-10 11 0,11-13 0,1 0 0,1 0 0,-1 1 0,1-1 0,1 1 0,0 0 0,1 0 0,0 0 0,0 0 0,1 1 0,1-1 0,0 0 0,3 22 0,-2-17 0,-1 0 0,0 0 0,-1 0 0,-1-1 0,-6 31 0,-1-27 0,-1-1 0,0 0 0,-1-1 0,-1-1 0,-1 1 0,0-2 0,-1 0 0,-31 26 0,7-10 0,22-19 0,0 1 0,2 1 0,-15 16 0,24-24 0,0 1 0,0 1 0,1-1 0,0 1 0,0-1 0,1 1 0,0 0 0,0 1 0,1-1 0,-2 14 0,-4 62 0,3 1 0,10 112 0,-1-54 0,-4 29 0,17 296 0,6 65 0,-22-517 0,1-1 0,0 0 0,1 0 0,1 0 0,0 0 0,13 28 0,-9-23 0,-1-1 0,7 34 0,-12-22-1365,-5-7-5461</inkml:trace>
+</inkml:ink>
+</file>
+
+<file path=ppt/ink/ink10.xml><?xml version="1.0" encoding="utf-8"?>
+<inkml:ink xmlns:inkml="http://www.w3.org/2003/InkML">
+  <inkml:definitions>
+    <inkml:context xml:id="ctx0">
+      <inkml:inkSource xml:id="inkSrc0">
+        <inkml:traceFormat>
+          <inkml:channel name="X" type="integer" min="-2.14748E9" max="2.14748E9" units="cm"/>
+          <inkml:channel name="Y" type="integer" min="-2.14748E9" max="2.14748E9" units="cm"/>
+          <inkml:channel name="F" type="integer" max="32767" units="dev"/>
+        </inkml:traceFormat>
+        <inkml:channelProperties>
+          <inkml:channelProperty channel="X" name="resolution" value="1000" units="1/cm"/>
+          <inkml:channelProperty channel="Y" name="resolution" value="1000" units="1/cm"/>
+          <inkml:channelProperty channel="F" name="resolution" value="0" units="1/dev"/>
+        </inkml:channelProperties>
+      </inkml:inkSource>
+      <inkml:timestamp xml:id="ts0" timeString="2023-08-15T11:53:04.649"/>
+    </inkml:context>
+    <inkml:brush xml:id="br0">
+      <inkml:brushProperty name="width" value="0.05" units="cm"/>
+      <inkml:brushProperty name="height" value="0.05" units="cm"/>
+      <inkml:brushProperty name="color" value="#E71224"/>
+    </inkml:brush>
+  </inkml:definitions>
+  <inkml:trace contextRef="#ctx0" brushRef="#br0">0 575 24575,'2'0'0,"0"-1"0,0 1 0,0-1 0,0 0 0,-1 1 0,1-1 0,0 0 0,0 0 0,-1 0 0,1 0 0,-1-1 0,1 1 0,-1 0 0,1-1 0,-1 1 0,0-1 0,0 1 0,0-1 0,2-3 0,19-38 0,-19 36 0,10-18 0,1 1 0,1 0 0,1 1 0,25-27 0,-18 22 0,-10 10 0,-1-1 0,11-20 0,-14 21 0,1 1 0,1 1 0,15-19 0,-19 25 0,1 0 0,-2 0 0,1-1 0,5-13 0,-7 14 0,0-1 0,1 1 0,13-17 0,-16 24 0,0 0 0,0-1 0,1 1 0,0 1 0,-1-1 0,1 0 0,0 1 0,0 0 0,0 0 0,1 0 0,-1 0 0,0 1 0,8-2 0,-5 2 0,1-1 0,-1 1 0,1 0 0,-1 1 0,1 0 0,0 0 0,-1 1 0,1 0 0,-1 0 0,12 4 0,-15-4 0,-1 1 0,1 0 0,-1 0 0,0 0 0,1 0 0,-1 0 0,0 1 0,-1 0 0,1-1 0,0 1 0,-1 0 0,1 0 0,-1 0 0,0 1 0,0-1 0,0 1 0,-1-1 0,1 1 0,-1-1 0,0 1 0,0 0 0,1 5 0,1 15 0,-1-1 0,-2 1 0,0 0 0,-1 0 0,-1 0 0,-2-1 0,0 1 0,-1-1 0,-16 41 0,17-55 0,-1-1 0,0-1 0,-1 1 0,1-1 0,-2 0 0,1 0 0,-1 0 0,0-1 0,0 0 0,0 0 0,-1-1 0,-12 6 0,-4 6 0,18-13 0,-1 0 0,0 2 0,0-1 0,0 1 0,1 0 0,-10 12 0,15-17 0,0 0 0,0 0 0,1 1 0,-1-1 0,0 0 0,1 0 0,0 1 0,-1-1 0,1 1 0,0-1 0,-1 0 0,1 1 0,0-1 0,0 1 0,0-1 0,0 0 0,1 1 0,-1-1 0,0 0 0,0 1 0,1-1 0,-1 0 0,1 1 0,-1-1 0,1 0 0,0 1 0,0-1 0,-1 0 0,1 0 0,0 0 0,0 0 0,0 0 0,0 0 0,0 0 0,0 0 0,0 0 0,1-1 0,-1 1 0,0 0 0,0-1 0,1 1 0,-1-1 0,0 1 0,3 0 0,53 25 0,-37-17 0,0 0 0,-1 0 0,0 2 0,19 15 0,190 140 0,-217-158 0,0-1 0,0 0 0,1-1 0,12 5 0,-12-6 0,-1 0 0,0 1 0,0 0 0,15 12 0,-4-3 0,-18-12 0,1 0 0,0 0 0,-1 1 0,0-1 0,0 1 0,7 7 0,-11-10 0,1 0 0,-1 0 0,1 0 0,-1 1 0,0-1 0,1 0 0,-1 0 0,0 0 0,0 0 0,0 0 0,0 1 0,0-1 0,0 0 0,0 0 0,0 0 0,0 0 0,0 1 0,-1-1 0,1 0 0,-1 0 0,1 0 0,0 0 0,-1 0 0,0 0 0,1 0 0,-1 0 0,0 0 0,1 0 0,-1 0 0,0 0 0,0-1 0,0 1 0,0 0 0,0-1 0,0 1 0,-2 1 0,-6 4 0,-1-1 0,0 0 0,-1 0 0,1-1 0,-1 0 0,0-1 0,0 0 0,0-1 0,0 0 0,-19 1 0,16-2 0,-1 1 0,0 1 0,1 0 0,0 1 0,-23 8 0,-3 6 0,0-3 0,-2-2 0,0-1 0,0-2 0,-1-2 0,-58 3 0,-78-8-954,169-3 543,-23 0-6415</inkml:trace>
+</inkml:ink>
+</file>
+
+<file path=ppt/ink/ink11.xml><?xml version="1.0" encoding="utf-8"?>
+<inkml:ink xmlns:inkml="http://www.w3.org/2003/InkML">
+  <inkml:definitions>
+    <inkml:context xml:id="ctx0">
+      <inkml:inkSource xml:id="inkSrc0">
+        <inkml:traceFormat>
+          <inkml:channel name="X" type="integer" min="-2.14748E9" max="2.14748E9" units="cm"/>
+          <inkml:channel name="Y" type="integer" min="-2.14748E9" max="2.14748E9" units="cm"/>
+          <inkml:channel name="F" type="integer" max="32767" units="dev"/>
+        </inkml:traceFormat>
+        <inkml:channelProperties>
+          <inkml:channelProperty channel="X" name="resolution" value="1000" units="1/cm"/>
+          <inkml:channelProperty channel="Y" name="resolution" value="1000" units="1/cm"/>
+          <inkml:channelProperty channel="F" name="resolution" value="0" units="1/dev"/>
+        </inkml:channelProperties>
+      </inkml:inkSource>
+      <inkml:timestamp xml:id="ts0" timeString="2023-08-15T11:53:07.499"/>
+    </inkml:context>
+    <inkml:brush xml:id="br0">
+      <inkml:brushProperty name="width" value="0.05" units="cm"/>
+      <inkml:brushProperty name="height" value="0.05" units="cm"/>
+      <inkml:brushProperty name="color" value="#E71224"/>
+    </inkml:brush>
+  </inkml:definitions>
+  <inkml:trace contextRef="#ctx0" brushRef="#br0">229 0 24575,'0'21'0,"1"48"0,-3 0 0,-2 0 0,-21 98 0,-68 179 0,59-188 0,12-45 0,21-106-151,-1-1-1,0 0 0,-1 0 0,1 1 1,-1-2-1,0 1 0,-1 0 1,-7 9-1,-7 4-6674</inkml:trace>
+</inkml:ink>
+</file>
+
+<file path=ppt/ink/ink12.xml><?xml version="1.0" encoding="utf-8"?>
+<inkml:ink xmlns:inkml="http://www.w3.org/2003/InkML">
+  <inkml:definitions>
+    <inkml:context xml:id="ctx0">
+      <inkml:inkSource xml:id="inkSrc0">
+        <inkml:traceFormat>
+          <inkml:channel name="X" type="integer" min="-2.14748E9" max="2.14748E9" units="cm"/>
+          <inkml:channel name="Y" type="integer" min="-2.14748E9" max="2.14748E9" units="cm"/>
+          <inkml:channel name="F" type="integer" max="32767" units="dev"/>
+        </inkml:traceFormat>
+        <inkml:channelProperties>
+          <inkml:channelProperty channel="X" name="resolution" value="1000" units="1/cm"/>
+          <inkml:channelProperty channel="Y" name="resolution" value="1000" units="1/cm"/>
+          <inkml:channelProperty channel="F" name="resolution" value="0" units="1/dev"/>
+        </inkml:channelProperties>
+      </inkml:inkSource>
+      <inkml:timestamp xml:id="ts0" timeString="2023-08-15T11:53:09.857"/>
+    </inkml:context>
+    <inkml:brush xml:id="br0">
+      <inkml:brushProperty name="width" value="0.05" units="cm"/>
+      <inkml:brushProperty name="height" value="0.05" units="cm"/>
+      <inkml:brushProperty name="color" value="#E71224"/>
+    </inkml:brush>
+  </inkml:definitions>
+  <inkml:trace contextRef="#ctx0" brushRef="#br0">389 119 24575,'-2'-3'0,"1"0"0,-1 0 0,0-1 0,0 1 0,0 0 0,-1 1 0,1-1 0,-1 0 0,0 1 0,1 0 0,-7-5 0,-11-10 0,15 11 0,-1 0 0,0 1 0,0 0 0,0 0 0,-1 1 0,0 0 0,0 0 0,0 0 0,0 1 0,-1 0 0,1 1 0,-1-1 0,0 1 0,-12-1 0,-1 0 0,-1 2 0,0 0 0,0 1 0,-24 4 0,42-4 0,0 1 0,1 0 0,-1 0 0,0 0 0,0 0 0,0 1 0,1 0 0,-1-1 0,0 1 0,1 0 0,0 1 0,-1-1 0,1 1 0,0-1 0,0 1 0,1 0 0,-1 0 0,1 0 0,-1 1 0,1-1 0,0 1 0,0-1 0,0 1 0,1 0 0,-1-1 0,1 1 0,0 0 0,0 0 0,0 7 0,-2 12 0,1 0 0,1-1 0,1 1 0,4 28 0,-1-10 0,-2-22 0,-1-8 0,0 0 0,1 0 0,0 1 0,1-1 0,5 19 0,-5-27 0,-1 0 0,1 1 0,0-1 0,0 0 0,0-1 0,0 1 0,0 0 0,0-1 0,1 1 0,0-1 0,-1 0 0,1 0 0,0 0 0,0 0 0,0 0 0,0 0 0,0-1 0,0 0 0,1 1 0,-1-1 0,0-1 0,1 1 0,3 0 0,15 2 0,-1-2 0,1 0 0,23-3 0,-32 1 0,0 0 0,0 0 0,0 1 0,0 1 0,0 0 0,0 1 0,0 0 0,0 1 0,0 1 0,22 9 0,-35-13 0,1 1 0,0-1 0,0 1 0,-1-1 0,1 1 0,0-1 0,0 1 0,0-1 0,0 0 0,-1 0 0,1 1 0,0-1 0,0 0 0,0 0 0,0 0 0,0 0 0,0 0 0,0 0 0,0 0 0,-1 0 0,1-1 0,0 1 0,0 0 0,0 0 0,0-1 0,0 1 0,-1 0 0,1-1 0,0 1 0,0-1 0,-1 1 0,1-1 0,0 0 0,0 1 0,-1-1 0,1 0 0,-1 1 0,1-1 0,-1 0 0,1 0 0,-1 1 0,1-1 0,-1 0 0,0 0 0,1 0 0,-1 0 0,0 0 0,0 1 0,0-1 0,0 0 0,0 0 0,0 0 0,0-1 0,1-9 0,0-1 0,-1 1 0,-2-19 0,1 15 0,-4-182-1365,5 164-5461</inkml:trace>
+</inkml:ink>
+</file>
+
+<file path=ppt/ink/ink13.xml><?xml version="1.0" encoding="utf-8"?>
+<inkml:ink xmlns:inkml="http://www.w3.org/2003/InkML">
+  <inkml:definitions>
+    <inkml:context xml:id="ctx0">
+      <inkml:inkSource xml:id="inkSrc0">
+        <inkml:traceFormat>
+          <inkml:channel name="X" type="integer" min="-2.14748E9" max="2.14748E9" units="cm"/>
+          <inkml:channel name="Y" type="integer" min="-2.14748E9" max="2.14748E9" units="cm"/>
+          <inkml:channel name="F" type="integer" max="32767" units="dev"/>
+        </inkml:traceFormat>
+        <inkml:channelProperties>
+          <inkml:channelProperty channel="X" name="resolution" value="1000" units="1/cm"/>
+          <inkml:channelProperty channel="Y" name="resolution" value="1000" units="1/cm"/>
+          <inkml:channelProperty channel="F" name="resolution" value="0" units="1/dev"/>
+        </inkml:channelProperties>
+      </inkml:inkSource>
+      <inkml:timestamp xml:id="ts0" timeString="2023-08-15T11:53:14.937"/>
+    </inkml:context>
+    <inkml:brush xml:id="br0">
+      <inkml:brushProperty name="width" value="0.05" units="cm"/>
+      <inkml:brushProperty name="height" value="0.05" units="cm"/>
+      <inkml:brushProperty name="color" value="#E71224"/>
+    </inkml:brush>
+  </inkml:definitions>
+  <inkml:trace contextRef="#ctx0" brushRef="#br0">224 1069 24575,'1'-7'0,"0"0"0,0 0 0,0 1 0,1-1 0,-1 1 0,2-1 0,-1 1 0,1 0 0,0 0 0,0 0 0,5-7 0,52-59 0,-34 41 0,181-234 0,-189 240 0,1 1 0,1 1 0,1 0 0,24-19 0,-9 6 0,-31 30 0,1-1 0,-1 1 0,1 1 0,1-1 0,-1 1 0,1 0 0,11-6 0,42-19 0,-3-2 0,0-4 0,91-73 0,-134 96 0,0 1 0,1 1 0,0 0 0,1 1 0,0 1 0,1 0 0,-1 1 0,29-9 0,42-16 0,-67 24 0,1 0 0,0 2 0,1 0 0,27-4 0,1 5 0,0 3 0,0 3 0,66 6 0,-107-4 0,0 0 0,-1 0 0,1 1 0,-1 0 0,0 0 0,0 1 0,0 1 0,0-1 0,-1 1 0,0 0 0,0 1 0,7 6 0,2 3 0,-1 1 0,-1 1 0,21 30 0,-24-27 0,-1 1 0,0 0 0,-2 0 0,-1 1 0,6 30 0,-2-12 0,-7-30 0,0-1 0,1 0 0,0-1 0,0 1 0,1-1 0,0 0 0,1 0 0,-1-1 0,2 0 0,7 7 0,-5-5 0,0 0 0,-1 2 0,0-1 0,-1 1 0,8 12 0,5 22 0,-16-32 0,1 0 0,0-1 0,1 0 0,1 0 0,0 0 0,13 14 0,-14-18 0,-1 0 0,0 1 0,0-1 0,-1 1 0,0 0 0,-1 1 0,1-1 0,-2 1 0,0 0 0,0 0 0,0 0 0,-1 0 0,-1 1 0,1 10 0,-1 17 0,-1-1 0,-7 58 0,7-91 0,-1 0 0,0 0 0,0 0 0,0-1 0,0 1 0,-1 0 0,0-1 0,1 1 0,-1-1 0,-1 1 0,1-1 0,0 0 0,-1 0 0,1 0 0,-1 0 0,0 0 0,0 0 0,0-1 0,-1 0 0,1 1 0,0-1 0,-1-1 0,1 1 0,-1 0 0,0-1 0,0 0 0,1 0 0,-1 0 0,-7 1 0,-11 1 0,-1-2 0,1 0 0,-1-1 0,-27-4 0,9 1 0,-880-3 0,512 9 0,-235-3-1365,611 0-5461</inkml:trace>
+</inkml:ink>
+</file>
+
+<file path=ppt/ink/ink14.xml><?xml version="1.0" encoding="utf-8"?>
+<inkml:ink xmlns:inkml="http://www.w3.org/2003/InkML">
+  <inkml:definitions>
+    <inkml:context xml:id="ctx0">
+      <inkml:inkSource xml:id="inkSrc0">
+        <inkml:traceFormat>
+          <inkml:channel name="X" type="integer" min="-2.14748E9" max="2.14748E9" units="cm"/>
+          <inkml:channel name="Y" type="integer" min="-2.14748E9" max="2.14748E9" units="cm"/>
+          <inkml:channel name="F" type="integer" max="32767" units="dev"/>
+        </inkml:traceFormat>
+        <inkml:channelProperties>
+          <inkml:channelProperty channel="X" name="resolution" value="1000" units="1/cm"/>
+          <inkml:channelProperty channel="Y" name="resolution" value="1000" units="1/cm"/>
+          <inkml:channelProperty channel="F" name="resolution" value="0" units="1/dev"/>
+        </inkml:channelProperties>
+      </inkml:inkSource>
+      <inkml:timestamp xml:id="ts0" timeString="2023-08-15T11:53:17.616"/>
+    </inkml:context>
+    <inkml:brush xml:id="br0">
+      <inkml:brushProperty name="width" value="0.05" units="cm"/>
+      <inkml:brushProperty name="height" value="0.05" units="cm"/>
+      <inkml:brushProperty name="color" value="#E71224"/>
+    </inkml:brush>
+  </inkml:definitions>
+  <inkml:trace contextRef="#ctx0" brushRef="#br0">34 7 24575,'3'4'0,"1"-1"0,0 0 0,0-1 0,1 1 0,-1-1 0,1 0 0,-1 0 0,1 0 0,0 0 0,-1-1 0,8 1 0,59 5 0,-32-4 0,57 9 0,163 13 0,805-22 0,-534-6 0,-493 4 0,-27 0 0,-1 0 0,1 0 0,0-1 0,0 0 0,-1-1 0,1 0 0,0-1 0,-1 0 0,1 0 0,-1-1 0,0 0 0,16-8 0,-13 3 0,1 0 0,0 1 0,0 1 0,0 0 0,1 1 0,0 1 0,0 0 0,0 1 0,1 0 0,16-1 0,20 2 0,80 5 0,-59 0 0,-199 67 0,82-43 0,27-14 0,-2-2 0,-31 14 0,26-13 0,-1 2 0,2 1 0,0 1 0,0 1 0,-30 29 0,4-4 0,28-24 0,-1 0 0,-1-2 0,-1 0 0,0-2 0,-1-1 0,0 0 0,-1-2 0,0-2 0,-48 12 0,-148 21 0,127-13 0,70-19 0,-1-2 0,-1 0 0,1-2 0,-35 3 0,-337-7 0,191-5 0,87 5 0,-136-5 0,238 0 0,-1 0 0,1-1 0,0-1 0,1-1 0,-29-12 0,-80-50 0,80 41 0,41 23 0,1 0 0,0-1 0,0 1 0,0-1 0,0 0 0,1 0 0,0-1 0,0 1 0,0-1 0,1 0 0,-1 0 0,1 0 0,1 0 0,-1-1 0,-1-10 0,-19-37 0,8 21-109,1 0 0,1-1 0,-11-54 0,15 55-820,2 7-5897</inkml:trace>
+</inkml:ink>
+</file>
+
+<file path=ppt/ink/ink15.xml><?xml version="1.0" encoding="utf-8"?>
+<inkml:ink xmlns:inkml="http://www.w3.org/2003/InkML">
+  <inkml:definitions>
+    <inkml:context xml:id="ctx0">
+      <inkml:inkSource xml:id="inkSrc0">
+        <inkml:traceFormat>
+          <inkml:channel name="X" type="integer" min="-2.14748E9" max="2.14748E9" units="cm"/>
+          <inkml:channel name="Y" type="integer" min="-2.14748E9" max="2.14748E9" units="cm"/>
+          <inkml:channel name="F" type="integer" max="32767" units="dev"/>
+        </inkml:traceFormat>
+        <inkml:channelProperties>
+          <inkml:channelProperty channel="X" name="resolution" value="1000" units="1/cm"/>
+          <inkml:channelProperty channel="Y" name="resolution" value="1000" units="1/cm"/>
+          <inkml:channelProperty channel="F" name="resolution" value="0" units="1/dev"/>
+        </inkml:channelProperties>
+      </inkml:inkSource>
+      <inkml:timestamp xml:id="ts0" timeString="2023-08-15T11:53:20.328"/>
+    </inkml:context>
+    <inkml:brush xml:id="br0">
+      <inkml:brushProperty name="width" value="0.05" units="cm"/>
+      <inkml:brushProperty name="height" value="0.05" units="cm"/>
+      <inkml:brushProperty name="color" value="#E71224"/>
+    </inkml:brush>
+  </inkml:definitions>
+  <inkml:trace contextRef="#ctx0" brushRef="#br0">141 46 24575,'2656'0'0,"-2637"2"0,1 0 0,-1 1 0,1 2 0,-1-1 0,-1 2 0,26 11 0,-18-7 0,52 13 0,-44-12 0,-28-2 0,-20 1 0,-5-4 0,0 1 0,1 0 0,0 2 0,0 0 0,0 1 0,1 1 0,-22 18 0,-22 23 0,-3-3 0,-2-3 0,-1-3 0,-136 63 0,150-81 0,20-8 0,0-2 0,-1-1 0,0-2 0,-1-1 0,-60 10 0,-188 20 0,119-4 0,121-25 0,-1-1 0,-85 8 0,104-18 0,-20 1 0,1 1 0,-62 14 0,61-9 0,-1-2 0,0-2 0,0-2 0,-1-2 0,-46-6 0,76 4 0,1-1 0,0-1 0,0-1 0,1 0 0,-1 0 0,1-2 0,0 0 0,-19-12 0,7 1 0,1-1 0,0-1 0,-28-31 0,37 37 0,0 0 0,-1 1 0,-24-13 0,-25-19 0,-35-30 0,-65-54 0,130 101 0,31 25 0,1 0 0,0 0 0,0-1 0,0 0 0,0 0 0,1 0 0,0-1 0,-1 1 0,2-1 0,-1 0 0,0 0 0,1-1 0,0 1 0,-2-7 0,-1-3 0,0 0 0,0 0 0,-2 0 0,-15-24 0,-13-33 12,22 43-1389,4 7-5449</inkml:trace>
+</inkml:ink>
+</file>
+
+<file path=ppt/ink/ink16.xml><?xml version="1.0" encoding="utf-8"?>
+<inkml:ink xmlns:inkml="http://www.w3.org/2003/InkML">
+  <inkml:definitions>
+    <inkml:context xml:id="ctx0">
+      <inkml:inkSource xml:id="inkSrc0">
+        <inkml:traceFormat>
+          <inkml:channel name="X" type="integer" min="-2.14748E9" max="2.14748E9" units="cm"/>
+          <inkml:channel name="Y" type="integer" min="-2.14748E9" max="2.14748E9" units="cm"/>
+          <inkml:channel name="F" type="integer" max="32767" units="dev"/>
+        </inkml:traceFormat>
+        <inkml:channelProperties>
+          <inkml:channelProperty channel="X" name="resolution" value="1000" units="1/cm"/>
+          <inkml:channelProperty channel="Y" name="resolution" value="1000" units="1/cm"/>
+          <inkml:channelProperty channel="F" name="resolution" value="0" units="1/dev"/>
+        </inkml:channelProperties>
+      </inkml:inkSource>
+      <inkml:timestamp xml:id="ts0" timeString="2023-08-15T11:53:23.320"/>
+    </inkml:context>
+    <inkml:brush xml:id="br0">
+      <inkml:brushProperty name="width" value="0.05" units="cm"/>
+      <inkml:brushProperty name="height" value="0.05" units="cm"/>
+      <inkml:brushProperty name="color" value="#E71224"/>
+    </inkml:brush>
+  </inkml:definitions>
+  <inkml:trace contextRef="#ctx0" brushRef="#br0">1 7 24575,'9'0'0,"-1"1"0,1 0 0,0 1 0,-1 0 0,1 0 0,-1 1 0,0 0 0,0 1 0,0-1 0,0 2 0,-1-1 0,1 1 0,-1 0 0,0 0 0,-1 1 0,1 0 0,6 8 0,9 13 0,-1 1 0,-1 1 0,17 31 0,-16-24 0,5 12 0,-20-35 0,1 0 0,1-1 0,0 0 0,15 19 0,2-7 0,1-2 0,2 0 0,0-2 0,1-1 0,34 17 0,-18-10 0,52 39 0,142 110 0,-87-87 0,15 30 0,-167-117 0,235 142 0,-146-90 0,-68-39 0,0 0 0,1-2 0,1 0 0,0-2 0,0 0 0,1-2 0,34 9 0,326 53 0,-356-63 0,0 0 0,41 18 0,-48-16 0,2-1 0,-1-1 0,1-1 0,34 5 0,349-6 0,-218-8 0,-173 4 0,1-1 0,-1 0 0,0-2 0,1 1 0,-1-2 0,0 0 0,0-1 0,-1 0 0,22-10 0,-2-3 0,-9 5 0,-1 0 0,26-19 0,-41 24 0,-1 1 0,0-1 0,-1-1 0,0 1 0,0-1 0,-1 0 0,1-1 0,-2 0 0,6-11 0,-3 3 0,-1-2 0,0 1 0,-2-1 0,0 0 0,-1 0 0,-1-1 0,0-20 0,-4-144 0,-3 83 0,5-3 0,-3-90 0,0 181 0,-1 1 0,0 0 0,0-1 0,-1 1 0,-1 1 0,0-1 0,-11-18 0,-10-21 0,24 46 0,0-1 0,-1 1 0,0-1 0,-1 1 0,1 0 0,-1 0 0,0 0 0,0 1 0,0 0 0,-1-1 0,0 1 0,0 1 0,0-1 0,0 1 0,-9-5 0,-1 3 0,0-1 0,-1 2 0,0 0 0,-21-2 0,-19-5 0,41 7 0,1-1 0,0-1 0,-17-9 0,20 9 0,-1 1 0,0 0 0,0 0 0,0 1 0,-20-4 0,-144-13 0,-253 1 0,-26 21 0,440-1 0,-1-1 0,1-1 0,0-1 0,0 0 0,0-1 0,-22-8 0,-82-45 0,118 56 0,-14-6 0,1 1 0,-1 0 0,0 2 0,0 0 0,-1 0 0,1 1 0,-27-1 0,-118 7 0,72 0 0,-898-2 0,979-1 10,1 0 0,-1 0 0,1 1 0,-1 0 0,1 0 0,0 1 0,-1 0 0,1 0 0,0 0 0,0 1 0,-7 4 0,1 1-381,1 1-1,0 1 1,-19 21 0,14-15-6455</inkml:trace>
+</inkml:ink>
+</file>
+
+<file path=ppt/ink/ink17.xml><?xml version="1.0" encoding="utf-8"?>
+<inkml:ink xmlns:inkml="http://www.w3.org/2003/InkML">
+  <inkml:definitions>
+    <inkml:context xml:id="ctx0">
+      <inkml:inkSource xml:id="inkSrc0">
+        <inkml:traceFormat>
+          <inkml:channel name="X" type="integer" min="-2.14748E9" max="2.14748E9" units="cm"/>
+          <inkml:channel name="Y" type="integer" min="-2.14748E9" max="2.14748E9" units="cm"/>
+          <inkml:channel name="F" type="integer" max="32767" units="dev"/>
+        </inkml:traceFormat>
+        <inkml:channelProperties>
+          <inkml:channelProperty channel="X" name="resolution" value="1000" units="1/cm"/>
+          <inkml:channelProperty channel="Y" name="resolution" value="1000" units="1/cm"/>
+          <inkml:channelProperty channel="F" name="resolution" value="0" units="1/dev"/>
+        </inkml:channelProperties>
+      </inkml:inkSource>
+      <inkml:timestamp xml:id="ts0" timeString="2023-08-15T11:53:27.641"/>
+    </inkml:context>
+    <inkml:brush xml:id="br0">
+      <inkml:brushProperty name="width" value="0.05" units="cm"/>
+      <inkml:brushProperty name="height" value="0.05" units="cm"/>
+      <inkml:brushProperty name="color" value="#E71224"/>
+    </inkml:brush>
+  </inkml:definitions>
+  <inkml:trace contextRef="#ctx0" brushRef="#br0">573 6 24575,'-59'-2'0,"41"0"0,-1 1 0,1 1 0,0 0 0,-1 1 0,1 1 0,-30 8 0,45-9 0,1 0 0,-1 0 0,0 1 0,0-1 0,0 1 0,1-1 0,-1 1 0,1 0 0,-1 0 0,1 0 0,0 1 0,0-1 0,0 1 0,0-1 0,0 1 0,0-1 0,1 1 0,-1 0 0,0 3 0,1-1 0,-1 0 0,2 0 0,-1 0 0,0 1 0,1-1 0,0 0 0,0 0 0,1 0 0,-1 0 0,3 9 0,2 2 0,0-1 0,1 0 0,1 0 0,0 0 0,1-1 0,14 20 0,-7-17 0,0-1 0,0 0 0,2-1 0,0-1 0,22 14 0,7 7 0,-45-34 0,0-1 0,0 1 0,0 0 0,-1-1 0,1 1 0,0 0 0,0-1 0,-1 1 0,1 0 0,-1 0 0,1 0 0,-1 0 0,1 0 0,-1 0 0,1 0 0,-1 0 0,0-1 0,1 2 0,-1-1 0,0 0 0,0 0 0,0 0 0,0 0 0,0 0 0,0 0 0,0 0 0,0 0 0,0 0 0,0 0 0,-1 0 0,1 0 0,-1 1 0,-1 1 0,0 0 0,0 0 0,-1 0 0,1-1 0,-1 1 0,1-1 0,-1 0 0,0 0 0,-6 4 0,-5 2 0,-1-1 0,0 0 0,-21 6 0,-7-4-16,0-3-1,-1-1 0,0-2 1,1-2-1,-57-6 0,1 2-1248,83 3-5561</inkml:trace>
+</inkml:ink>
+</file>
+
+<file path=ppt/ink/ink18.xml><?xml version="1.0" encoding="utf-8"?>
+<inkml:ink xmlns:inkml="http://www.w3.org/2003/InkML">
+  <inkml:definitions>
+    <inkml:context xml:id="ctx0">
+      <inkml:inkSource xml:id="inkSrc0">
+        <inkml:traceFormat>
+          <inkml:channel name="X" type="integer" min="-2.14748E9" max="2.14748E9" units="cm"/>
+          <inkml:channel name="Y" type="integer" min="-2.14748E9" max="2.14748E9" units="cm"/>
+          <inkml:channel name="F" type="integer" max="32767" units="dev"/>
+        </inkml:traceFormat>
+        <inkml:channelProperties>
+          <inkml:channelProperty channel="X" name="resolution" value="1000" units="1/cm"/>
+          <inkml:channelProperty channel="Y" name="resolution" value="1000" units="1/cm"/>
+          <inkml:channelProperty channel="F" name="resolution" value="0" units="1/dev"/>
+        </inkml:channelProperties>
+      </inkml:inkSource>
+      <inkml:timestamp xml:id="ts0" timeString="2023-08-15T11:53:29.632"/>
+    </inkml:context>
+    <inkml:brush xml:id="br0">
+      <inkml:brushProperty name="width" value="0.05" units="cm"/>
+      <inkml:brushProperty name="height" value="0.05" units="cm"/>
+      <inkml:brushProperty name="color" value="#E71224"/>
+    </inkml:brush>
+  </inkml:definitions>
+  <inkml:trace contextRef="#ctx0" brushRef="#br0">0 0 24575,'0'723'-1365,"0"-691"-5461</inkml:trace>
+</inkml:ink>
+</file>
+
+<file path=ppt/ink/ink19.xml><?xml version="1.0" encoding="utf-8"?>
+<inkml:ink xmlns:inkml="http://www.w3.org/2003/InkML">
+  <inkml:definitions>
+    <inkml:context xml:id="ctx0">
+      <inkml:inkSource xml:id="inkSrc0">
+        <inkml:traceFormat>
+          <inkml:channel name="X" type="integer" min="-2.14748E9" max="2.14748E9" units="cm"/>
+          <inkml:channel name="Y" type="integer" min="-2.14748E9" max="2.14748E9" units="cm"/>
+          <inkml:channel name="F" type="integer" max="32767" units="dev"/>
+        </inkml:traceFormat>
+        <inkml:channelProperties>
+          <inkml:channelProperty channel="X" name="resolution" value="1000" units="1/cm"/>
+          <inkml:channelProperty channel="Y" name="resolution" value="1000" units="1/cm"/>
+          <inkml:channelProperty channel="F" name="resolution" value="0" units="1/dev"/>
+        </inkml:channelProperties>
+      </inkml:inkSource>
+      <inkml:timestamp xml:id="ts0" timeString="2023-08-15T11:53:31.736"/>
+    </inkml:context>
+    <inkml:brush xml:id="br0">
+      <inkml:brushProperty name="width" value="0.05" units="cm"/>
+      <inkml:brushProperty name="height" value="0.05" units="cm"/>
+      <inkml:brushProperty name="color" value="#E71224"/>
+    </inkml:brush>
+  </inkml:definitions>
+  <inkml:trace contextRef="#ctx0" brushRef="#br0">0 84 24575,'8'-1'0,"0"0"0,-1 0 0,0-1 0,1 0 0,-1-1 0,0 1 0,0-1 0,0-1 0,0 1 0,11-9 0,-9 6 0,0 0 0,0 1 0,1 1 0,0 0 0,10-4 0,6 3 0,-1 0 0,32 0 0,-45 4 0,-1 1 0,1 0 0,-1 1 0,1 0 0,-1 1 0,0 0 0,15 5 0,-22-5 0,0 1 0,0 0 0,0 0 0,-1 0 0,1 0 0,-1 0 0,0 1 0,0-1 0,0 1 0,-1 0 0,1 0 0,-1 0 0,0 0 0,0 0 0,0 1 0,-1-1 0,1 1 0,-1-1 0,0 1 0,0-1 0,-1 1 0,1 0 0,-1 5 0,1 15 0,-1 0 0,-7 46 0,5-58 0,0 0 0,-2 0 0,1-1 0,-2 1 0,0-1 0,0 0 0,-1 0 0,-1 0 0,0-1 0,0 0 0,-1-1 0,0 1 0,-1-2 0,0 1 0,-16 11 0,5-5 0,-1-1 0,-1-1 0,0-1 0,-1-1 0,0-1 0,-49 15 0,65-24 0,1 1 0,-1 0 0,1 0 0,-1 0 0,1 1 0,0-1 0,-9 9 0,14-11 0,0-1 0,1 1 0,-1-1 0,1 1 0,-1 0 0,1-1 0,-1 1 0,1-1 0,0 1 0,-1 0 0,1-1 0,0 1 0,-1 0 0,1 0 0,0-1 0,0 1 0,0 0 0,0 0 0,-1-1 0,1 1 0,0 0 0,0 0 0,1-1 0,-1 1 0,0 0 0,0 0 0,0-1 0,1 2 0,0 0 0,1-1 0,-1 1 0,1-1 0,0 1 0,0-1 0,-1 0 0,1 0 0,0 1 0,0-2 0,0 1 0,0 0 0,1 0 0,-1 0 0,0-1 0,3 1 0,162 32 0,-107-24 0,-48-8 0,1 0 0,-1 1 0,1 0 0,-1 1 0,0 1 0,0 0 0,0 0 0,17 10 0,-4-1-195,1 0 0,0-2 0,0-1 0,1-2 0,0 0 0,41 5 0,-40-8-6631</inkml:trace>
+</inkml:ink>
+</file>
+
+<file path=ppt/ink/ink2.xml><?xml version="1.0" encoding="utf-8"?>
+<inkml:ink xmlns:inkml="http://www.w3.org/2003/InkML">
+  <inkml:definitions>
+    <inkml:context xml:id="ctx0">
+      <inkml:inkSource xml:id="inkSrc0">
+        <inkml:traceFormat>
+          <inkml:channel name="X" type="integer" min="-2.14748E9" max="2.14748E9" units="cm"/>
+          <inkml:channel name="Y" type="integer" min="-2.14748E9" max="2.14748E9" units="cm"/>
+          <inkml:channel name="F" type="integer" max="32767" units="dev"/>
+        </inkml:traceFormat>
+        <inkml:channelProperties>
+          <inkml:channelProperty channel="X" name="resolution" value="1000" units="1/cm"/>
+          <inkml:channelProperty channel="Y" name="resolution" value="1000" units="1/cm"/>
+          <inkml:channelProperty channel="F" name="resolution" value="0" units="1/dev"/>
+        </inkml:channelProperties>
+      </inkml:inkSource>
+      <inkml:timestamp xml:id="ts0" timeString="2023-08-15T11:53:42.166"/>
+    </inkml:context>
+    <inkml:brush xml:id="br0">
+      <inkml:brushProperty name="width" value="0.05" units="cm"/>
+      <inkml:brushProperty name="height" value="0.05" units="cm"/>
+      <inkml:brushProperty name="color" value="#E71224"/>
+    </inkml:brush>
+  </inkml:definitions>
+  <inkml:trace contextRef="#ctx0" brushRef="#br0">345 1 24575,'20'416'0,"-2"-89"0,-16 198 0,-3-272 0,-1-226 0,-1 0 0,-11 50 0,-2 16 0,-4 11 0,13-74 0,1 1 0,-2 33 0,4-36 0,0 0 0,-2 0 0,-17 51 0,13-50 0,1 0 0,2 1 0,-4 35 0,7 83 0,5-107 0,-1 0 0,-3 1 0,-1-1 0,-10 42 0,-66 171 0,75-230 0,0-1 0,2 1 0,-1 27 0,2-23 0,-9 48 0,6-55 0,-1 0 0,0 0 0,-2 0 0,-1-1 0,0 0 0,-14 21 0,17-31 0,1 0 0,1 1 0,0-1 0,0 1 0,1 0 0,1 0 0,0 0 0,-1 17 0,2 95 0,3-74 0,1-9-382,1 1-1,12 48 1,-15-84 164,6 29-6608</inkml:trace>
+</inkml:ink>
+</file>
+
+<file path=ppt/ink/ink20.xml><?xml version="1.0" encoding="utf-8"?>
+<inkml:ink xmlns:inkml="http://www.w3.org/2003/InkML">
+  <inkml:definitions>
+    <inkml:context xml:id="ctx0">
+      <inkml:inkSource xml:id="inkSrc0">
+        <inkml:traceFormat>
+          <inkml:channel name="X" type="integer" min="-2.14748E9" max="2.14748E9" units="cm"/>
+          <inkml:channel name="Y" type="integer" min="-2.14748E9" max="2.14748E9" units="cm"/>
+          <inkml:channel name="F" type="integer" max="32767" units="dev"/>
+        </inkml:traceFormat>
+        <inkml:channelProperties>
+          <inkml:channelProperty channel="X" name="resolution" value="1000" units="1/cm"/>
+          <inkml:channelProperty channel="Y" name="resolution" value="1000" units="1/cm"/>
+          <inkml:channelProperty channel="F" name="resolution" value="0" units="1/dev"/>
+        </inkml:channelProperties>
+      </inkml:inkSource>
+      <inkml:timestamp xml:id="ts0" timeString="2023-08-15T11:53:32.239"/>
+    </inkml:context>
+    <inkml:brush xml:id="br0">
+      <inkml:brushProperty name="width" value="0.05" units="cm"/>
+      <inkml:brushProperty name="height" value="0.05" units="cm"/>
+      <inkml:brushProperty name="color" value="#E71224"/>
+    </inkml:brush>
+  </inkml:definitions>
+  <inkml:trace contextRef="#ctx0" brushRef="#br0">0 0 24575,'0'0'-8191</inkml:trace>
+</inkml:ink>
+</file>
+
+<file path=ppt/ink/ink21.xml><?xml version="1.0" encoding="utf-8"?>
+<inkml:ink xmlns:inkml="http://www.w3.org/2003/InkML">
+  <inkml:definitions>
+    <inkml:context xml:id="ctx0">
+      <inkml:inkSource xml:id="inkSrc0">
+        <inkml:traceFormat>
+          <inkml:channel name="X" type="integer" min="-2.14748E9" max="2.14748E9" units="cm"/>
+          <inkml:channel name="Y" type="integer" min="-2.14748E9" max="2.14748E9" units="cm"/>
+          <inkml:channel name="F" type="integer" max="32767" units="dev"/>
+        </inkml:traceFormat>
+        <inkml:channelProperties>
+          <inkml:channelProperty channel="X" name="resolution" value="1000" units="1/cm"/>
+          <inkml:channelProperty channel="Y" name="resolution" value="1000" units="1/cm"/>
+          <inkml:channelProperty channel="F" name="resolution" value="0" units="1/dev"/>
+        </inkml:channelProperties>
+      </inkml:inkSource>
+      <inkml:timestamp xml:id="ts0" timeString="2023-08-15T11:53:35.726"/>
+    </inkml:context>
+    <inkml:brush xml:id="br0">
+      <inkml:brushProperty name="width" value="0.05" units="cm"/>
+      <inkml:brushProperty name="height" value="0.05" units="cm"/>
+      <inkml:brushProperty name="color" value="#E71224"/>
+    </inkml:brush>
+  </inkml:definitions>
+  <inkml:trace contextRef="#ctx0" brushRef="#br0">262 63 24575,'-31'0'0,"18"-1"0,0 0 0,0 2 0,-1-1 0,1 2 0,-18 4 0,27-5 0,1 0 0,0 0 0,-1 1 0,1 0 0,0 0 0,-1 0 0,1 0 0,0 0 0,1 0 0,-1 1 0,0-1 0,1 1 0,-1 0 0,1 0 0,0 0 0,0 0 0,0 0 0,0 1 0,1-1 0,-1 1 0,1-1 0,0 1 0,-2 6 0,-2 55 0,5-56 0,0-1 0,0 1 0,-1-1 0,0 1 0,0-1 0,-1 0 0,0 1 0,0-1 0,-1 0 0,-5 11 0,0-7 0,0 1 0,1-1 0,1 2 0,-8 23 0,13-35 0,0 1 0,1-1 0,-1 1 0,1-1 0,-1 1 0,1 0 0,0-1 0,0 1 0,0-1 0,0 1 0,0 0 0,1-1 0,-1 1 0,1-1 0,0 1 0,0-1 0,0 1 0,0-1 0,0 0 0,0 0 0,1 1 0,-1-1 0,1 0 0,-1 0 0,1 0 0,0 0 0,0-1 0,0 1 0,0 0 0,0-1 0,0 1 0,0-1 0,1 0 0,3 2 0,1 0 0,0-1 0,1 1 0,0-1 0,-1 0 0,1-1 0,0 0 0,0 0 0,0-1 0,0 0 0,-1 0 0,1-1 0,11-2 0,-15 2 0,0 0 0,0-1 0,0 1 0,0-1 0,0 0 0,-1 0 0,1 0 0,-1 0 0,1-1 0,-1 1 0,0-1 0,0 0 0,0 0 0,0 0 0,-1 0 0,1 0 0,-1-1 0,0 1 0,0-1 0,0 0 0,0 1 0,-1-1 0,1 0 0,0-8 0,3-19 0,-3 1 0,0-1 0,-2 0 0,-5-44 0,2 35 0,3-67 0,0 104 0,0 0 0,0 0 0,1 0 0,0 0 0,-1 0 0,1 0 0,0 1 0,0-1 0,1 0 0,-1 0 0,0 1 0,1-1 0,0 1 0,0 0 0,0-1 0,0 1 0,0 0 0,0 0 0,0 0 0,0 0 0,1 0 0,3-1 0,-4 2 0,0 1 0,0-1 0,0 1 0,0 0 0,0 0 0,0 0 0,0 0 0,0 0 0,0 0 0,-1 0 0,1 1 0,0-1 0,0 1 0,0-1 0,0 1 0,0 0 0,0 0 0,-1 0 0,1 0 0,0 0 0,-1 0 0,1 0 0,-1 0 0,1 1 0,-1-1 0,1 1 0,-1-1 0,0 1 0,0-1 0,0 1 0,0 0 0,0 0 0,0-1 0,0 3 0,10 23 0,-1 1 0,-2 0 0,-1 0 0,-1 1 0,4 50 0,-2 20 0,-8 127 0,-3-92 0,1-100 0,-1 1 0,-2-1 0,-15 52 0,18-78 0,-1 1 0,-1-1 0,1 1 0,-2-1 0,1 0 0,-1 0 0,0-1 0,0 1 0,-1-1 0,0 0 0,-1-1 0,1 0 0,-1 0 0,0 0 0,-1-1 0,0 0 0,1 0 0,-1-1 0,-1 0 0,1 0 0,-1-1 0,1 0 0,-1 0 0,0-1 0,0 0 0,0-1 0,-11 0 0,15 0-85,-1-1 0,1 1-1,0-1 1,-1-1 0,1 1-1,-1-1 1,1 0 0,0 0-1,0 0 1,-1-1 0,1 0-1,0 0 1,0 0 0,1-1-1,-9-5 1,-4-9-6741</inkml:trace>
+</inkml:ink>
+</file>
+
+<file path=ppt/ink/ink22.xml><?xml version="1.0" encoding="utf-8"?>
+<inkml:ink xmlns:inkml="http://www.w3.org/2003/InkML">
+  <inkml:definitions>
+    <inkml:context xml:id="ctx0">
+      <inkml:inkSource xml:id="inkSrc0">
+        <inkml:traceFormat>
+          <inkml:channel name="X" type="integer" min="-2.14748E9" max="2.14748E9" units="cm"/>
+          <inkml:channel name="Y" type="integer" min="-2.14748E9" max="2.14748E9" units="cm"/>
+          <inkml:channel name="F" type="integer" max="32767" units="dev"/>
+        </inkml:traceFormat>
+        <inkml:channelProperties>
+          <inkml:channelProperty channel="X" name="resolution" value="1000" units="1/cm"/>
+          <inkml:channelProperty channel="Y" name="resolution" value="1000" units="1/cm"/>
+          <inkml:channelProperty channel="F" name="resolution" value="0" units="1/dev"/>
+        </inkml:channelProperties>
+      </inkml:inkSource>
+      <inkml:timestamp xml:id="ts0" timeString="2023-08-15T11:53:38.584"/>
+    </inkml:context>
+    <inkml:brush xml:id="br0">
+      <inkml:brushProperty name="width" value="0.05" units="cm"/>
+      <inkml:brushProperty name="height" value="0.05" units="cm"/>
+      <inkml:brushProperty name="color" value="#E71224"/>
+    </inkml:brush>
+  </inkml:definitions>
+  <inkml:trace contextRef="#ctx0" brushRef="#br0">208 146 24575,'-6'0'0,"-1"-1"0,1 0 0,0-1 0,-1 0 0,-8-3 0,10 3 0,-1 0 0,1 0 0,-1 1 0,1-1 0,-1 2 0,-11-2 0,15 2 0,0 1 0,0-1 0,0 1 0,0-1 0,0 1 0,0 0 0,0 0 0,0 0 0,0 0 0,0 0 0,0 0 0,1 0 0,-1 1 0,0-1 0,1 1 0,-1-1 0,1 1 0,-1 0 0,1-1 0,0 1 0,0 0 0,0 0 0,-1 2 0,-2 5 0,0 1 0,1-1 0,0 1 0,1-1 0,0 1 0,1 0 0,-1 19 0,5 76 0,1-49 0,-4-25 0,0-13 0,0 0 0,1 0 0,1 0 0,0 0 0,8 24 0,-9-38 0,1 0 0,-1 0 0,1-1 0,0 1 0,0 0 0,1-1 0,-1 1 0,1-1 0,-1 0 0,1 0 0,0 0 0,0 0 0,0-1 0,1 1 0,-1-1 0,1 0 0,-1 0 0,1 0 0,0 0 0,0-1 0,0 1 0,0-1 0,0 0 0,0 0 0,0-1 0,0 1 0,0-1 0,8 0 0,-9 0 0,0 0 0,1-1 0,-1 1 0,0-1 0,1 0 0,-1 0 0,0 0 0,0 0 0,0 0 0,0-1 0,0 1 0,0-1 0,0 0 0,0 0 0,-1 0 0,1 0 0,-1-1 0,1 1 0,-1 0 0,0-1 0,0 0 0,0 0 0,0 1 0,-1-1 0,1 0 0,-1-1 0,0 1 0,0 0 0,0 0 0,0 0 0,1-6 0,1-11 0,0 1 0,-1-2 0,-2 1 0,-1-22 0,1 23 0,-4-62 0,2 50 0,0 0 0,2 0 0,1 0 0,2 0 0,9-45 0,-7 60 0,-3 4 0,2 1 0,-1-1 0,1 1 0,9-16 0,-12 24 0,0 1 0,1 0 0,-1 1 0,0-1 0,1 0 0,-1 0 0,1 1 0,0-1 0,-1 0 0,1 1 0,0 0 0,0-1 0,0 1 0,0 0 0,0 0 0,0 0 0,1 0 0,-1 1 0,0-1 0,0 1 0,1-1 0,-1 1 0,0 0 0,0 0 0,1 0 0,-1 0 0,0 0 0,1 0 0,3 1 0,-4 0 0,0 0 0,0 0 0,1 0 0,-1 0 0,0 1 0,0-1 0,0 0 0,0 1 0,0 0 0,-1-1 0,1 1 0,0 0 0,-1 0 0,0 0 0,1 0 0,-1 0 0,2 5 0,17 46 0,-9-18 0,0-11 0,-3-9 0,-1 1 0,0-1 0,-2 1 0,0 0 0,0 0 0,-2 1 0,3 26 0,-4 355 0,-5-185 0,3-207 0,0 1 0,0 0 0,-1 0 0,0-1 0,0 1 0,0 0 0,-1-1 0,0 1 0,-4 6 0,5-10 0,-1 0 0,0 0 0,0-1 0,-1 1 0,1-1 0,0 1 0,-1-1 0,0 0 0,1 0 0,-1 0 0,0 0 0,0-1 0,0 1 0,0-1 0,0 0 0,-1 0 0,1 0 0,0 0 0,-1 0 0,-4 0 0,-34 2 0,0-1 0,-77-7 0,16 0 0,92 5-341,-1 0 0,1-1-1,-23-5 1,10-3-6485</inkml:trace>
+</inkml:ink>
+</file>
+
+<file path=ppt/ink/ink23.xml><?xml version="1.0" encoding="utf-8"?>
+<inkml:ink xmlns:inkml="http://www.w3.org/2003/InkML">
+  <inkml:definitions>
+    <inkml:context xml:id="ctx0">
+      <inkml:inkSource xml:id="inkSrc0">
+        <inkml:traceFormat>
+          <inkml:channel name="X" type="integer" min="-2.14748E9" max="2.14748E9" units="cm"/>
+          <inkml:channel name="Y" type="integer" min="-2.14748E9" max="2.14748E9" units="cm"/>
+          <inkml:channel name="F" type="integer" max="32767" units="dev"/>
+        </inkml:traceFormat>
+        <inkml:channelProperties>
+          <inkml:channelProperty channel="X" name="resolution" value="1000" units="1/cm"/>
+          <inkml:channelProperty channel="Y" name="resolution" value="1000" units="1/cm"/>
+          <inkml:channelProperty channel="F" name="resolution" value="0" units="1/dev"/>
+        </inkml:channelProperties>
+      </inkml:inkSource>
+      <inkml:timestamp xml:id="ts0" timeString="2023-08-15T11:53:54.718"/>
+    </inkml:context>
+    <inkml:brush xml:id="br0">
+      <inkml:brushProperty name="width" value="0.05" units="cm"/>
+      <inkml:brushProperty name="height" value="0.05" units="cm"/>
+      <inkml:brushProperty name="color" value="#E71224"/>
+    </inkml:brush>
+  </inkml:definitions>
+  <inkml:trace contextRef="#ctx0" brushRef="#br0">10739 1097 24575,'2'0'0,"-1"1"0,1 0 0,-1 0 0,0-1 0,0 1 0,1 0 0,-1 0 0,0 0 0,0 0 0,0 0 0,0 1 0,0-1 0,0 0 0,0 0 0,-1 1 0,1-1 0,0 1 0,-1-1 0,1 0 0,-1 1 0,1-1 0,-1 1 0,0-1 0,0 1 0,1-1 0,-1 1 0,0 0 0,0-1 0,-1 3 0,2 3 0,10 112-994,-7 213 0,-12-237 1190,-36 170-1,28-187-171,-29 135-24,-25 143 0,-18 156 1573,60-364-1573,12-78 0,4 2 0,-5 131 0,13-132 0,-3 0 0,-2 0 0,-4-1 0,-35 111 0,37-139 0,3 0 0,1 1 0,-3 69 0,13 135 0,0-100 0,-3 1624 0,-2-1737 0,-1-1 0,-2 0 0,-2 0 0,-13 41 0,8-32 0,-10 70 0,14 6 0,8 149 0,4-95 0,-4-114 0,-2 72 0,2-126 0,-1 0 0,1 0 0,-1-1 0,-1 1 0,1 0 0,0-1 0,-1 1 0,0-1 0,1 1 0,-1-1 0,-1 0 0,1 0 0,0 0 0,-1 0 0,0 0 0,1 0 0,-1-1 0,0 1 0,-1-1 0,1 0 0,0 0 0,-1 0 0,1 0 0,-1-1 0,1 1 0,-1-1 0,0 0 0,1 0 0,-1-1 0,-5 1 0,-14 2 0,0-1 0,0-2 0,0 0 0,-25-4 0,7 1 0,19 1 0,0-1 0,-41-11 0,37 7 0,-46-5 0,-88-10 0,-301-82 0,330 70 0,71 21 0,-1 3 0,-112-6 0,-126 18 0,102 2 0,-675-4 0,849 1 0,-1 2 0,1 0 0,-30 9 0,26-5 0,-51 5 0,-15-10 0,61-2 0,1 1 0,0 1 0,0 1 0,-45 12 0,8 3 0,-139 19 0,-22-2 0,196-28 0,2 2 0,-36 15 0,-27 7 0,-7 5 0,81-27 0,-1 0 0,0-2 0,-1 0 0,0-2 0,-37 5 0,0-7 0,20-2 0,-1 2 0,0 2 0,-50 12 0,21-1 0,0-3 0,0-3 0,-77 2 0,-216-13 0,160-3 0,-1115 4 0,1273 3 0,-1 2 0,1 2 0,0 2 0,-62 21 0,52-14 0,0-2 0,-65 7 0,-499-9 0,379-16 0,-441 4 0,665-1 0,0-1 0,0-1 0,0 0 0,0-1 0,0 0 0,1-2 0,-21-9 0,19 8 0,-1 0 0,0 1 0,0 0 0,-1 2 0,-22-4 0,31 7 0,-8 1 0,0-2 0,1 0 0,-1-1 0,1 0 0,0-1 0,0-1 0,0-1 0,-28-13 0,28 11 0,-1 1 0,0 1 0,0 1 0,-1 0 0,-19-2 0,-35-10 0,6-4 0,-144-41 0,152 50 0,-181-47 0,235 58 0,-1-1 0,1 0 0,-1 0 0,1-1 0,0 1 0,0-1 0,0 0 0,0 0 0,0 0 0,1-1 0,0 1 0,-1-1 0,1 0 0,1 0 0,-1 0 0,0 0 0,1 0 0,0-1 0,0 1 0,0-1 0,1 1 0,-1-1 0,1 0 0,-1-5 0,0-13 0,0 0 0,1 1 0,1-1 0,4-24 0,-1 1 0,-2-242 0,2-66 0,7 269 0,4 0 0,32-108 0,-37 155 0,36-106 0,-30 104 0,-2-1 0,-2-1 0,-1 0 0,5-56 0,-11-201 0,-5 176 0,28-247 0,19-166 0,-42 462 0,2 7 0,27-119 0,-8 65 0,-22 94 0,0-46 0,-4 53 0,2 0 0,0 0 0,1 1 0,7-28 0,-4 35 0,0 1 0,1-1 0,0 1 0,0 0 0,15-17 0,-11 15 0,-1 0 0,0 0 0,7-18 0,1-9 0,-1 0 0,-2-2 0,-3 0 0,0 0 0,-3-1 0,-2 0 0,2-64 0,-11-1 0,4-64 0,2 157 0,0 1 0,1-1 0,0 1 0,2 0 0,-1 0 0,16-25 0,10-28 0,-18 28 0,-3 0 0,9-63 0,-1 5 0,-13 66 0,-2 0 0,0-53 0,-4 63 0,1 0 0,1 0 0,1 0 0,1-1 0,1 2 0,1-1 0,13-36 0,-3 16 0,-1-1 0,-2 0 0,12-75 0,-18 81 0,31-194 0,-30 175 0,-2-1 0,-4-101 0,0-32 0,4 157 0,1 0 0,16-52 0,-11 45 0,8-48 0,-12 10 0,-3-107 0,-1 0 0,15 46 0,-9 85 0,2-58 0,-9 86 45,1 0-1,9-36 0,4-21-1542,-13 53-5328</inkml:trace>
+</inkml:ink>
+</file>
+
+<file path=ppt/ink/ink24.xml><?xml version="1.0" encoding="utf-8"?>
+<inkml:ink xmlns:inkml="http://www.w3.org/2003/InkML">
+  <inkml:definitions>
+    <inkml:context xml:id="ctx0">
+      <inkml:inkSource xml:id="inkSrc0">
+        <inkml:traceFormat>
+          <inkml:channel name="X" type="integer" min="-2.14748E9" max="2.14748E9" units="cm"/>
+          <inkml:channel name="Y" type="integer" min="-2.14748E9" max="2.14748E9" units="cm"/>
+          <inkml:channel name="F" type="integer" max="32767" units="dev"/>
+        </inkml:traceFormat>
+        <inkml:channelProperties>
+          <inkml:channelProperty channel="X" name="resolution" value="1000" units="1/cm"/>
+          <inkml:channelProperty channel="Y" name="resolution" value="1000" units="1/cm"/>
+          <inkml:channelProperty channel="F" name="resolution" value="0" units="1/dev"/>
+        </inkml:channelProperties>
+      </inkml:inkSource>
+      <inkml:timestamp xml:id="ts0" timeString="2023-08-15T11:54:01.942"/>
+    </inkml:context>
+    <inkml:brush xml:id="br0">
+      <inkml:brushProperty name="width" value="0.05" units="cm"/>
+      <inkml:brushProperty name="height" value="0.05" units="cm"/>
+      <inkml:brushProperty name="color" value="#E71224"/>
+    </inkml:brush>
+  </inkml:definitions>
+  <inkml:trace contextRef="#ctx0" brushRef="#br0">265 289 24575,'0'12'0,"1"0"0,-2 1 0,1-1 0,-2 0 0,1 0 0,-2 0 0,0 0 0,0 0 0,-1 0 0,-1-1 0,1 0 0,-11 16 0,5-11 0,0 0 0,1 0 0,0 1 0,2 1 0,0-1 0,0 1 0,2 0 0,0 0 0,-3 38 0,7-34 0,-1-1 0,0 1 0,-1 0 0,-2-1 0,0 0 0,-13 31 0,18-50 0,0-1 0,-1 0 0,0 1 0,1-1 0,-1 0 0,0 0 0,0 1 0,0-1 0,0 0 0,0 0 0,0 0 0,0 0 0,0 0 0,0 0 0,0-1 0,0 1 0,-1 0 0,1 0 0,0-1 0,-1 1 0,1-1 0,0 1 0,-1-1 0,1 0 0,-1 0 0,1 1 0,0-1 0,-1 0 0,1 0 0,-1 0 0,1 0 0,-1-1 0,1 1 0,0 0 0,-1-1 0,1 1 0,-1-1 0,1 1 0,0-1 0,0 1 0,-1-1 0,1 0 0,0 0 0,0 0 0,0 0 0,-2-1 0,-1-2 0,-1 0 0,1-1 0,0 1 0,0-1 0,0 0 0,1 0 0,0 0 0,0-1 0,-4-9 0,3-2 0,0-1 0,1 1 0,1-1 0,1 0 0,0 0 0,1 0 0,1 0 0,1 0 0,1 0 0,7-29 0,-1 14 0,2 1 0,1 0 0,1 0 0,31-51 0,-37 73 0,1 1 0,0 0 0,0 0 0,1 1 0,0 0 0,1 1 0,0 0 0,0 0 0,0 1 0,1 1 0,0-1 0,13-3 0,21-13 0,-22 10 0,0 1 0,1 1 0,0 1 0,27-7 0,-49 16 0,1 0 0,-1 0 0,0 0 0,0 0 0,1 0 0,-1 0 0,0 0 0,1 1 0,-1-1 0,0 1 0,0 0 0,0 0 0,0-1 0,0 1 0,0 1 0,0-1 0,0 0 0,0 0 0,0 1 0,0-1 0,-1 1 0,1-1 0,-1 1 0,1 0 0,-1 0 0,0 0 0,1 0 0,-1 0 0,0 0 0,0 0 0,0 0 0,-1 0 0,1 0 0,-1 1 0,1-1 0,-1 0 0,1 4 0,1 12 0,0 0 0,-1 0 0,-1 32 0,-1-34 0,-1 20 0,2 32 0,0-68 0,0 0 0,0 1 0,0-1 0,0 1 0,0-1 0,0 0 0,0 1 0,0-1 0,0 0 0,0 1 0,1-1 0,-1 0 0,0 1 0,0-1 0,0 0 0,1 1 0,-1-1 0,0 0 0,0 1 0,1-1 0,-1 0 0,0 0 0,1 1 0,-1-1 0,0 0 0,1 0 0,-1 0 0,0 0 0,1 1 0,-1-1 0,0 0 0,1 0 0,-1 0 0,0 0 0,1 0 0,-1 0 0,1 0 0,-1 0 0,0 0 0,1 0 0,-1 0 0,1 0 0,-1 0 0,0 0 0,1-1 0,-1 1 0,0 0 0,1 0 0,-1 0 0,0 0 0,1-1 0,-1 1 0,0 0 0,1 0 0,-1-1 0,0 1 0,0 0 0,1-1 0,-1 1 0,0 0 0,0 0 0,0-1 0,1 1 0,-1-1 0,18-21 0,7-20 0,-4 4 0,48-62 0,-35 55 0,-2-2 0,40-78 0,-70 121 0,1 0 0,-1 0 0,1 0 0,0 0 0,0 0 0,0 1 0,1-1 0,-1 1 0,1 0 0,5-3 0,-8 5 0,0 1 0,0-1 0,0 1 0,0-1 0,0 1 0,0 0 0,1 0 0,-1-1 0,0 1 0,0 0 0,0 0 0,1 0 0,-1 0 0,0 0 0,0 0 0,0 1 0,0-1 0,1 0 0,-1 1 0,0-1 0,0 0 0,0 1 0,0 0 0,0-1 0,0 1 0,0-1 0,0 1 0,0 0 0,0 0 0,0 0 0,0 0 0,-1-1 0,1 1 0,0 0 0,-1 0 0,1 0 0,-1 1 0,1-1 0,-1 0 0,1 0 0,-1 0 0,0 0 0,1 0 0,-1 1 0,0 0 0,6 23 0,-1 1 0,-2-1 0,0 1 0,-2-1 0,-1 1 0,-4 41 0,0 6 0,3 431-1365,1-472-5461</inkml:trace>
+</inkml:ink>
+</file>
+
+<file path=ppt/ink/ink25.xml><?xml version="1.0" encoding="utf-8"?>
+<inkml:ink xmlns:inkml="http://www.w3.org/2003/InkML">
+  <inkml:definitions>
+    <inkml:context xml:id="ctx0">
+      <inkml:inkSource xml:id="inkSrc0">
+        <inkml:traceFormat>
+          <inkml:channel name="X" type="integer" min="-2.14748E9" max="2.14748E9" units="cm"/>
+          <inkml:channel name="Y" type="integer" min="-2.14748E9" max="2.14748E9" units="cm"/>
+          <inkml:channel name="F" type="integer" max="32767" units="dev"/>
+        </inkml:traceFormat>
+        <inkml:channelProperties>
+          <inkml:channelProperty channel="X" name="resolution" value="1000" units="1/cm"/>
+          <inkml:channelProperty channel="Y" name="resolution" value="1000" units="1/cm"/>
+          <inkml:channelProperty channel="F" name="resolution" value="0" units="1/dev"/>
+        </inkml:channelProperties>
+      </inkml:inkSource>
+      <inkml:timestamp xml:id="ts0" timeString="2023-08-15T11:54:03.856"/>
+    </inkml:context>
+    <inkml:brush xml:id="br0">
+      <inkml:brushProperty name="width" value="0.05" units="cm"/>
+      <inkml:brushProperty name="height" value="0.05" units="cm"/>
+      <inkml:brushProperty name="color" value="#E71224"/>
+    </inkml:brush>
+  </inkml:definitions>
+  <inkml:trace contextRef="#ctx0" brushRef="#br0">592 79 24575,'-30'-12'0,"8"1"0,-136-20 0,137 25 0,0 0 0,0 2 0,0 1 0,-1 0 0,1 2 0,-1 0 0,-21 3 0,37-2 0,0 1 0,0 0 0,0 0 0,1 0 0,-1 1 0,0 0 0,1 0 0,-1 0 0,1 1 0,0 0 0,0 0 0,0 0 0,0 1 0,1 0 0,-1 0 0,1 0 0,0 0 0,0 0 0,1 1 0,-1 0 0,1 0 0,0 0 0,0 0 0,0 0 0,1 1 0,0-1 0,0 1 0,1 0 0,-3 10 0,-10 78 0,-25 114 0,37-202 0,0 0 0,1 0 0,0 0 0,0 1 0,0-1 0,1 0 0,0 0 0,0 0 0,0 1 0,1-1 0,0 0 0,0 0 0,1 0 0,0 0 0,0 0 0,0 0 0,1 0 0,0-1 0,0 1 0,0-1 0,1 0 0,-1 0 0,1 0 0,0-1 0,1 1 0,-1-1 0,1 0 0,0 0 0,0 0 0,0-1 0,1 0 0,-1 0 0,1 0 0,0-1 0,-1 1 0,1-2 0,0 1 0,0 0 0,1-1 0,7 0 0,26 2-135,76-4 0,-81 0-960,-2 0-5731</inkml:trace>
+</inkml:ink>
+</file>
+
+<file path=ppt/ink/ink26.xml><?xml version="1.0" encoding="utf-8"?>
+<inkml:ink xmlns:inkml="http://www.w3.org/2003/InkML">
+  <inkml:definitions>
+    <inkml:context xml:id="ctx0">
+      <inkml:inkSource xml:id="inkSrc0">
+        <inkml:traceFormat>
+          <inkml:channel name="X" type="integer" min="-2.14748E9" max="2.14748E9" units="cm"/>
+          <inkml:channel name="Y" type="integer" min="-2.14748E9" max="2.14748E9" units="cm"/>
+          <inkml:channel name="F" type="integer" max="32767" units="dev"/>
+        </inkml:traceFormat>
+        <inkml:channelProperties>
+          <inkml:channelProperty channel="X" name="resolution" value="1000" units="1/cm"/>
+          <inkml:channelProperty channel="Y" name="resolution" value="1000" units="1/cm"/>
+          <inkml:channelProperty channel="F" name="resolution" value="0" units="1/dev"/>
+        </inkml:channelProperties>
+      </inkml:inkSource>
+      <inkml:timestamp xml:id="ts0" timeString="2023-08-15T11:54:08.167"/>
+    </inkml:context>
+    <inkml:brush xml:id="br0">
+      <inkml:brushProperty name="width" value="0.05" units="cm"/>
+      <inkml:brushProperty name="height" value="0.05" units="cm"/>
+      <inkml:brushProperty name="color" value="#E71224"/>
+    </inkml:brush>
+  </inkml:definitions>
+  <inkml:trace contextRef="#ctx0" brushRef="#br0">642 118 24575,'-1'-5'0,"1"1"0,-1-1 0,0 1 0,0-1 0,0 1 0,-1-1 0,0 1 0,0 0 0,0 0 0,0 0 0,0 0 0,-1 0 0,0 1 0,0-1 0,0 1 0,0 0 0,0-1 0,-1 1 0,1 1 0,-1-1 0,0 1 0,0-1 0,0 1 0,0 0 0,0 0 0,0 1 0,-1-1 0,-5 0 0,-10-4 0,-1 2 0,1 0 0,-1 1 0,-38 0 0,25 3 0,-163 4 0,194-4 0,-1 1 0,0-1 0,1 1 0,-1 0 0,1 0 0,0 0 0,-1 1 0,1-1 0,0 1 0,0 0 0,0 0 0,0 0 0,0 0 0,0 0 0,0 0 0,1 1 0,-1 0 0,1-1 0,0 1 0,-4 5 0,3-2 0,1-1 0,0 1 0,0-1 0,0 1 0,1 0 0,0-1 0,0 1 0,0 0 0,1 0 0,0 0 0,0 0 0,1 6 0,0-5 0,0 0 0,0 0 0,0 0 0,1 0 0,0 0 0,0-1 0,1 1 0,-1-1 0,2 1 0,-1-1 0,1 0 0,0 0 0,0-1 0,0 1 0,1-1 0,0 0 0,0 0 0,0 0 0,1-1 0,-1 0 0,1 0 0,8 4 0,33 2 0,-39-9 0,-1 0 0,1 0 0,-1 1 0,1 0 0,-1 0 0,0 1 0,0 0 0,8 5 0,-2 0 0,-1 1 0,1 0 0,-2 1 0,1 0 0,-1 1 0,12 15 0,-18-18 0,1 1 0,-1-1 0,-1 1 0,0 0 0,0 0 0,-1 0 0,0 0 0,0 1 0,-1 0 0,2 19 0,-4-25 0,1 1 0,-1-1 0,0 1 0,0-1 0,0 1 0,-1-1 0,1 1 0,-1-1 0,0 1 0,0-1 0,-1 1 0,0-1 0,1 0 0,-1 0 0,-1 0 0,1 0 0,0 0 0,-4 3 0,2-3 0,-1-1 0,1 0 0,-1 0 0,0 0 0,0 0 0,0-1 0,0 0 0,0 0 0,0 0 0,-1-1 0,1 1 0,0-1 0,-1-1 0,-10 1 0,-181-3 104,84-2-1573,81 4-5357</inkml:trace>
+</inkml:ink>
+</file>
+
+<file path=ppt/ink/ink27.xml><?xml version="1.0" encoding="utf-8"?>
+<inkml:ink xmlns:inkml="http://www.w3.org/2003/InkML">
+  <inkml:definitions>
+    <inkml:context xml:id="ctx0">
+      <inkml:inkSource xml:id="inkSrc0">
+        <inkml:traceFormat>
+          <inkml:channel name="X" type="integer" min="-2.14748E9" max="2.14748E9" units="cm"/>
+          <inkml:channel name="Y" type="integer" min="-2.14748E9" max="2.14748E9" units="cm"/>
+          <inkml:channel name="F" type="integer" max="32767" units="dev"/>
+        </inkml:traceFormat>
+        <inkml:channelProperties>
+          <inkml:channelProperty channel="X" name="resolution" value="1000" units="1/cm"/>
+          <inkml:channelProperty channel="Y" name="resolution" value="1000" units="1/cm"/>
+          <inkml:channelProperty channel="F" name="resolution" value="0" units="1/dev"/>
+        </inkml:channelProperties>
+      </inkml:inkSource>
+      <inkml:timestamp xml:id="ts0" timeString="2023-08-15T11:54:10.528"/>
+    </inkml:context>
+    <inkml:brush xml:id="br0">
+      <inkml:brushProperty name="width" value="0.05" units="cm"/>
+      <inkml:brushProperty name="height" value="0.05" units="cm"/>
+      <inkml:brushProperty name="color" value="#E71224"/>
+    </inkml:brush>
+  </inkml:definitions>
+  <inkml:trace contextRef="#ctx0" brushRef="#br0">1 1 24575,'6'0'0,"9"0"0,8 0 0,7 0 0,4 0 0,4 0 0,1 0 0,0 0 0,1 0 0,-1 0 0,-6 0-8191</inkml:trace>
+</inkml:ink>
+</file>
+
+<file path=ppt/ink/ink28.xml><?xml version="1.0" encoding="utf-8"?>
+<inkml:ink xmlns:inkml="http://www.w3.org/2003/InkML">
+  <inkml:definitions>
+    <inkml:context xml:id="ctx0">
+      <inkml:inkSource xml:id="inkSrc0">
+        <inkml:traceFormat>
+          <inkml:channel name="X" type="integer" min="-2.14748E9" max="2.14748E9" units="cm"/>
+          <inkml:channel name="Y" type="integer" min="-2.14748E9" max="2.14748E9" units="cm"/>
+          <inkml:channel name="F" type="integer" max="32767" units="dev"/>
+        </inkml:traceFormat>
+        <inkml:channelProperties>
+          <inkml:channelProperty channel="X" name="resolution" value="1000" units="1/cm"/>
+          <inkml:channelProperty channel="Y" name="resolution" value="1000" units="1/cm"/>
+          <inkml:channelProperty channel="F" name="resolution" value="0" units="1/dev"/>
+        </inkml:channelProperties>
+      </inkml:inkSource>
+      <inkml:timestamp xml:id="ts0" timeString="2023-08-15T11:54:11.696"/>
+    </inkml:context>
+    <inkml:brush xml:id="br0">
+      <inkml:brushProperty name="width" value="0.05" units="cm"/>
+      <inkml:brushProperty name="height" value="0.05" units="cm"/>
+      <inkml:brushProperty name="color" value="#E71224"/>
+    </inkml:brush>
+  </inkml:definitions>
+  <inkml:trace contextRef="#ctx0" brushRef="#br0">169 1 24575,'-2'36'0,"-2"0"0,-1 0 0,-2 0 0,-16 51 0,4-15 0,-29 165 0,46-231-111,-1 1-1,0-1 1,0 0-1,-1 0 1,1-1-1,-1 1 1,-1-1 0,1 0-1,-8 7 1,11-10-140,-15 15-6575</inkml:trace>
+</inkml:ink>
+</file>
+
+<file path=ppt/ink/ink29.xml><?xml version="1.0" encoding="utf-8"?>
+<inkml:ink xmlns:inkml="http://www.w3.org/2003/InkML">
+  <inkml:definitions>
+    <inkml:context xml:id="ctx0">
+      <inkml:inkSource xml:id="inkSrc0">
+        <inkml:traceFormat>
+          <inkml:channel name="X" type="integer" min="-2.14748E9" max="2.14748E9" units="cm"/>
+          <inkml:channel name="Y" type="integer" min="-2.14748E9" max="2.14748E9" units="cm"/>
+          <inkml:channel name="F" type="integer" max="32767" units="dev"/>
+        </inkml:traceFormat>
+        <inkml:channelProperties>
+          <inkml:channelProperty channel="X" name="resolution" value="1000" units="1/cm"/>
+          <inkml:channelProperty channel="Y" name="resolution" value="1000" units="1/cm"/>
+          <inkml:channelProperty channel="F" name="resolution" value="0" units="1/dev"/>
+        </inkml:channelProperties>
+      </inkml:inkSource>
+      <inkml:timestamp xml:id="ts0" timeString="2023-08-15T11:54:12.536"/>
+    </inkml:context>
+    <inkml:brush xml:id="br0">
+      <inkml:brushProperty name="width" value="0.05" units="cm"/>
+      <inkml:brushProperty name="height" value="0.05" units="cm"/>
+      <inkml:brushProperty name="color" value="#E71224"/>
+    </inkml:brush>
+  </inkml:definitions>
+  <inkml:trace contextRef="#ctx0" brushRef="#br0">0 1 24575,'62'2'0,"96"17"0,-108-11 0,-47-8 0,17 2 0,0 1 0,-1 1 0,1 0 0,-1 2 0,0 0 0,35 17 0,-23-9 0,0-1 0,2-1 0,-1-2 0,1-1 0,1-2 0,49 5 0,-22 3-1365,-36-7-5461</inkml:trace>
+</inkml:ink>
+</file>
+
+<file path=ppt/ink/ink3.xml><?xml version="1.0" encoding="utf-8"?>
+<inkml:ink xmlns:inkml="http://www.w3.org/2003/InkML">
+  <inkml:definitions>
+    <inkml:context xml:id="ctx0">
+      <inkml:inkSource xml:id="inkSrc0">
+        <inkml:traceFormat>
+          <inkml:channel name="X" type="integer" min="-2.14748E9" max="2.14748E9" units="cm"/>
+          <inkml:channel name="Y" type="integer" min="-2.14748E9" max="2.14748E9" units="cm"/>
+          <inkml:channel name="F" type="integer" max="32767" units="dev"/>
+        </inkml:traceFormat>
+        <inkml:channelProperties>
+          <inkml:channelProperty channel="X" name="resolution" value="1000" units="1/cm"/>
+          <inkml:channelProperty channel="Y" name="resolution" value="1000" units="1/cm"/>
+          <inkml:channelProperty channel="F" name="resolution" value="0" units="1/dev"/>
+        </inkml:channelProperties>
+      </inkml:inkSource>
+      <inkml:timestamp xml:id="ts0" timeString="2023-08-15T11:53:46.599"/>
+    </inkml:context>
+    <inkml:brush xml:id="br0">
+      <inkml:brushProperty name="width" value="0.05" units="cm"/>
+      <inkml:brushProperty name="height" value="0.05" units="cm"/>
+      <inkml:brushProperty name="color" value="#E71224"/>
+    </inkml:brush>
+  </inkml:definitions>
+  <inkml:trace contextRef="#ctx0" brushRef="#br0">70 0 24575,'5517'0'0,"-5468"2"0,85 16 0,-84-9 0,80 2 0,892-12 0,-1018 0 0,1 1 0,-1 0 0,0 1 0,0-1 0,0 1 0,1 0 0,-1 0 0,0 0 0,0 0 0,0 1 0,0-1 0,-1 1 0,6 3 0,-8-4 0,0 0 0,0 0 0,0 0 0,0 0 0,0 0 0,-1 0 0,1 1 0,0-1 0,-1 0 0,1 0 0,-1 1 0,1-1 0,-1 0 0,0 0 0,0 1 0,1-1 0,-1 0 0,0 2 0,-1 1 0,1-1 0,-1 0 0,1 1 0,-1-1 0,0 1 0,0-1 0,-1 0 0,1 0 0,-4 5 0,-130 249 0,111-202 0,2 0 0,-28 113 0,30-72 0,3 1 0,5 0 0,1 139 0,-8 93 0,0-32 0,20 1239 0,-3-1493 0,-14 79 0,-2 23 0,16-45 0,1-40 0,-9 72 0,7-111 0,-1-1 0,-1 0 0,-1 0 0,0-1 0,-2 0 0,0 0 0,-16 26 0,21-39 0,-1 0 0,1 0 0,-1 0 0,-1-1 0,1 1 0,-1-1 0,0 0 0,0 0 0,-1-1 0,1 0 0,-1 0 0,0 0 0,0 0 0,0-1 0,-1 0 0,1 0 0,-1-1 0,1 0 0,-1 0 0,0-1 0,0 1 0,0-1 0,0-1 0,-10 0 0,-261-1 0,94-3 0,99-1 0,0-4 0,0-4 0,-103-28 0,63 12 0,-469-83-807,-8 54 648,163 59 95,-32-1-8,288-19 557,120 9-176,-86 0-1,78 12-308,47 0 0,0 0 0,0-2 0,0-1 0,0-1 0,1-1 0,-1-1 0,-39-12 0,30 4 0,-1 1 0,0 2 0,0 1 0,-1 2 0,0 1 0,0 2 0,-66 2 0,-570 3 0,430-2 0,218-1 0,0-2 0,0 0 0,-30-9 0,27 5 0,-52-5 0,-304 9 0,196 5 0,153-4 0,1-1 0,-58-15 0,18 4 0,-4-3 0,52 10 0,-1 2 0,-40-5 0,-46 9-1365,78 1-5461</inkml:trace>
+</inkml:ink>
+</file>
+
+<file path=ppt/ink/ink30.xml><?xml version="1.0" encoding="utf-8"?>
+<inkml:ink xmlns:inkml="http://www.w3.org/2003/InkML">
+  <inkml:definitions>
+    <inkml:context xml:id="ctx0">
+      <inkml:inkSource xml:id="inkSrc0">
+        <inkml:traceFormat>
+          <inkml:channel name="X" type="integer" min="-2.14748E9" max="2.14748E9" units="cm"/>
+          <inkml:channel name="Y" type="integer" min="-2.14748E9" max="2.14748E9" units="cm"/>
+          <inkml:channel name="F" type="integer" max="32767" units="dev"/>
+        </inkml:traceFormat>
+        <inkml:channelProperties>
+          <inkml:channelProperty channel="X" name="resolution" value="1000" units="1/cm"/>
+          <inkml:channelProperty channel="Y" name="resolution" value="1000" units="1/cm"/>
+          <inkml:channelProperty channel="F" name="resolution" value="0" units="1/dev"/>
+        </inkml:channelProperties>
+      </inkml:inkSource>
+      <inkml:timestamp xml:id="ts0" timeString="2023-08-15T11:54:13.290"/>
+    </inkml:context>
+    <inkml:brush xml:id="br0">
+      <inkml:brushProperty name="width" value="0.05" units="cm"/>
+      <inkml:brushProperty name="height" value="0.05" units="cm"/>
+      <inkml:brushProperty name="color" value="#E71224"/>
+    </inkml:brush>
+  </inkml:definitions>
+  <inkml:trace contextRef="#ctx0" brushRef="#br0">0 1 24575,'7'0'0,"7"0"0,9 0 0,7 0 0,4 0 0,-3 6 0,0 2 0,0 0 0,-4-1-8191</inkml:trace>
+</inkml:ink>
+</file>
+
+<file path=ppt/ink/ink31.xml><?xml version="1.0" encoding="utf-8"?>
+<inkml:ink xmlns:inkml="http://www.w3.org/2003/InkML">
+  <inkml:definitions>
+    <inkml:context xml:id="ctx0">
+      <inkml:inkSource xml:id="inkSrc0">
+        <inkml:traceFormat>
+          <inkml:channel name="X" type="integer" min="-2.14748E9" max="2.14748E9" units="cm"/>
+          <inkml:channel name="Y" type="integer" min="-2.14748E9" max="2.14748E9" units="cm"/>
+          <inkml:channel name="F" type="integer" max="32767" units="dev"/>
+        </inkml:traceFormat>
+        <inkml:channelProperties>
+          <inkml:channelProperty channel="X" name="resolution" value="1000" units="1/cm"/>
+          <inkml:channelProperty channel="Y" name="resolution" value="1000" units="1/cm"/>
+          <inkml:channelProperty channel="F" name="resolution" value="0" units="1/dev"/>
+        </inkml:channelProperties>
+      </inkml:inkSource>
+      <inkml:timestamp xml:id="ts0" timeString="2023-08-15T11:54:14.229"/>
+    </inkml:context>
+    <inkml:brush xml:id="br0">
+      <inkml:brushProperty name="width" value="0.05" units="cm"/>
+      <inkml:brushProperty name="height" value="0.05" units="cm"/>
+      <inkml:brushProperty name="color" value="#E71224"/>
+    </inkml:brush>
+  </inkml:definitions>
+  <inkml:trace contextRef="#ctx0" brushRef="#br0">59 1 24575,'2'0'0,"-1"0"0,0 1 0,1-1 0,-1 1 0,0-1 0,0 1 0,1-1 0,-1 1 0,0 0 0,0 0 0,0 0 0,0-1 0,0 1 0,0 0 0,0 0 0,0 0 0,-1 1 0,1-1 0,0 0 0,-1 0 0,1 0 0,0 1 0,-1-1 0,0 0 0,1 0 0,-1 1 0,1 0 0,7 42 0,-8-39 0,8 107 0,-9 147 0,-2-94 0,1-133 0,-1 1 0,-11 44 0,7-39 0,-4 44 0,11-70-124,-2 0 0,1 0 0,-2 0 0,0 0 0,0 0 0,-1-1-1,0 1 1,-1-1 0,0 0 0,-11 17 0,3-9-6702</inkml:trace>
+</inkml:ink>
+</file>
+
+<file path=ppt/ink/ink32.xml><?xml version="1.0" encoding="utf-8"?>
+<inkml:ink xmlns:inkml="http://www.w3.org/2003/InkML">
+  <inkml:definitions>
+    <inkml:context xml:id="ctx0">
+      <inkml:inkSource xml:id="inkSrc0">
+        <inkml:traceFormat>
+          <inkml:channel name="X" type="integer" min="-2.14748E9" max="2.14748E9" units="cm"/>
+          <inkml:channel name="Y" type="integer" min="-2.14748E9" max="2.14748E9" units="cm"/>
+          <inkml:channel name="F" type="integer" max="32767" units="dev"/>
+        </inkml:traceFormat>
+        <inkml:channelProperties>
+          <inkml:channelProperty channel="X" name="resolution" value="1000" units="1/cm"/>
+          <inkml:channelProperty channel="Y" name="resolution" value="1000" units="1/cm"/>
+          <inkml:channelProperty channel="F" name="resolution" value="0" units="1/dev"/>
+        </inkml:channelProperties>
+      </inkml:inkSource>
+      <inkml:timestamp xml:id="ts0" timeString="2023-08-15T11:54:15.008"/>
+    </inkml:context>
+    <inkml:brush xml:id="br0">
+      <inkml:brushProperty name="width" value="0.05" units="cm"/>
+      <inkml:brushProperty name="height" value="0.05" units="cm"/>
+      <inkml:brushProperty name="color" value="#E71224"/>
+    </inkml:brush>
+  </inkml:definitions>
+  <inkml:trace contextRef="#ctx0" brushRef="#br0">0 0 24575,'7'0'0,"8"0"0,8 0 0,6 0 0,6 0 0,2 0 0,2 0 0,0 0 0,1 0 0,-1 0 0,0 0 0,0 0 0,-1 0 0,-6 0-8191</inkml:trace>
+</inkml:ink>
+</file>
+
+<file path=ppt/ink/ink33.xml><?xml version="1.0" encoding="utf-8"?>
+<inkml:ink xmlns:inkml="http://www.w3.org/2003/InkML">
+  <inkml:definitions>
+    <inkml:context xml:id="ctx0">
+      <inkml:inkSource xml:id="inkSrc0">
+        <inkml:traceFormat>
+          <inkml:channel name="X" type="integer" min="-2.14748E9" max="2.14748E9" units="cm"/>
+          <inkml:channel name="Y" type="integer" min="-2.14748E9" max="2.14748E9" units="cm"/>
+          <inkml:channel name="F" type="integer" max="32767" units="dev"/>
+        </inkml:traceFormat>
+        <inkml:channelProperties>
+          <inkml:channelProperty channel="X" name="resolution" value="1000" units="1/cm"/>
+          <inkml:channelProperty channel="Y" name="resolution" value="1000" units="1/cm"/>
+          <inkml:channelProperty channel="F" name="resolution" value="0" units="1/dev"/>
+        </inkml:channelProperties>
+      </inkml:inkSource>
+      <inkml:timestamp xml:id="ts0" timeString="2023-08-15T11:54:15.929"/>
+    </inkml:context>
+    <inkml:brush xml:id="br0">
+      <inkml:brushProperty name="width" value="0.05" units="cm"/>
+      <inkml:brushProperty name="height" value="0.05" units="cm"/>
+      <inkml:brushProperty name="color" value="#E71224"/>
+    </inkml:brush>
+  </inkml:definitions>
+  <inkml:trace contextRef="#ctx0" brushRef="#br0">0 0 24575,'0'7'0,"0"-1"0,0 0 0,1 0 0,-1 0 0,2 0 0,-1 0 0,0 0 0,1 0 0,0 0 0,3 5 0,-3-8 0,1 0 0,-1 0 0,1 0 0,-1-1 0,1 1 0,0-1 0,0 1 0,0-1 0,0 0 0,0 0 0,1 0 0,-1-1 0,1 1 0,-1-1 0,1 0 0,-1 0 0,7 1 0,73 8 0,8 2 0,-55-5 0,1-2 0,39 1 0,-18-1 0,-41-2 0,0 1 0,-1 0 0,1 2 0,-1 0 0,0 1 0,28 16 0,-26-13 0,0-1 0,0-1 0,1 0 0,38 9 0,47 6-1365,-72-14-5461</inkml:trace>
+</inkml:ink>
+</file>
+
+<file path=ppt/ink/ink34.xml><?xml version="1.0" encoding="utf-8"?>
+<inkml:ink xmlns:inkml="http://www.w3.org/2003/InkML">
+  <inkml:definitions>
+    <inkml:context xml:id="ctx0">
+      <inkml:inkSource xml:id="inkSrc0">
+        <inkml:traceFormat>
+          <inkml:channel name="X" type="integer" min="-2.14748E9" max="2.14748E9" units="cm"/>
+          <inkml:channel name="Y" type="integer" min="-2.14748E9" max="2.14748E9" units="cm"/>
+          <inkml:channel name="F" type="integer" max="32767" units="dev"/>
+        </inkml:traceFormat>
+        <inkml:channelProperties>
+          <inkml:channelProperty channel="X" name="resolution" value="1000" units="1/cm"/>
+          <inkml:channelProperty channel="Y" name="resolution" value="1000" units="1/cm"/>
+          <inkml:channelProperty channel="F" name="resolution" value="0" units="1/dev"/>
+        </inkml:channelProperties>
+      </inkml:inkSource>
+      <inkml:timestamp xml:id="ts0" timeString="2023-08-15T11:54:16.618"/>
+    </inkml:context>
+    <inkml:brush xml:id="br0">
+      <inkml:brushProperty name="width" value="0.05" units="cm"/>
+      <inkml:brushProperty name="height" value="0.05" units="cm"/>
+      <inkml:brushProperty name="color" value="#E71224"/>
+    </inkml:brush>
+  </inkml:definitions>
+  <inkml:trace contextRef="#ctx0" brushRef="#br0">168 0 24575,'2'100'0,"0"-38"0,-2 0 0,-3-1 0,-20 114 0,-70 310 0,89-459-273,-1 0 0,-1 0 0,-1 0 0,-12 26 0,8-32-6553</inkml:trace>
+</inkml:ink>
+</file>
+
+<file path=ppt/ink/ink35.xml><?xml version="1.0" encoding="utf-8"?>
+<inkml:ink xmlns:inkml="http://www.w3.org/2003/InkML">
+  <inkml:definitions>
+    <inkml:context xml:id="ctx0">
+      <inkml:inkSource xml:id="inkSrc0">
+        <inkml:traceFormat>
+          <inkml:channel name="X" type="integer" min="-2.14748E9" max="2.14748E9" units="cm"/>
+          <inkml:channel name="Y" type="integer" min="-2.14748E9" max="2.14748E9" units="cm"/>
+          <inkml:channel name="F" type="integer" max="32767" units="dev"/>
+        </inkml:traceFormat>
+        <inkml:channelProperties>
+          <inkml:channelProperty channel="X" name="resolution" value="1000" units="1/cm"/>
+          <inkml:channelProperty channel="Y" name="resolution" value="1000" units="1/cm"/>
+          <inkml:channelProperty channel="F" name="resolution" value="0" units="1/dev"/>
+        </inkml:channelProperties>
+      </inkml:inkSource>
+      <inkml:timestamp xml:id="ts0" timeString="2023-08-15T11:54:17.301"/>
+    </inkml:context>
+    <inkml:brush xml:id="br0">
+      <inkml:brushProperty name="width" value="0.05" units="cm"/>
+      <inkml:brushProperty name="height" value="0.05" units="cm"/>
+      <inkml:brushProperty name="color" value="#E71224"/>
+    </inkml:brush>
+  </inkml:definitions>
+  <inkml:trace contextRef="#ctx0" brushRef="#br0">0 1 24575,'533'0'0,"-504"1"0,0 2 0,0 2 0,29 8 0,25 4 0,-65-14-227,1 1-1,-1 1 1,-1 1-1,1 0 1,26 15-1,-20-8-6598</inkml:trace>
+</inkml:ink>
+</file>
+
+<file path=ppt/ink/ink36.xml><?xml version="1.0" encoding="utf-8"?>
+<inkml:ink xmlns:inkml="http://www.w3.org/2003/InkML">
+  <inkml:definitions>
+    <inkml:context xml:id="ctx0">
+      <inkml:inkSource xml:id="inkSrc0">
+        <inkml:traceFormat>
+          <inkml:channel name="X" type="integer" min="-2.14748E9" max="2.14748E9" units="cm"/>
+          <inkml:channel name="Y" type="integer" min="-2.14748E9" max="2.14748E9" units="cm"/>
+          <inkml:channel name="F" type="integer" max="32767" units="dev"/>
+        </inkml:traceFormat>
+        <inkml:channelProperties>
+          <inkml:channelProperty channel="X" name="resolution" value="1000" units="1/cm"/>
+          <inkml:channelProperty channel="Y" name="resolution" value="1000" units="1/cm"/>
+          <inkml:channelProperty channel="F" name="resolution" value="0" units="1/dev"/>
+        </inkml:channelProperties>
+      </inkml:inkSource>
+      <inkml:timestamp xml:id="ts0" timeString="2023-08-15T11:54:30.039"/>
+    </inkml:context>
+    <inkml:brush xml:id="br0">
+      <inkml:brushProperty name="width" value="0.05" units="cm"/>
+      <inkml:brushProperty name="height" value="0.05" units="cm"/>
+      <inkml:brushProperty name="color" value="#E71224"/>
+    </inkml:brush>
+  </inkml:definitions>
+  <inkml:trace contextRef="#ctx0" brushRef="#br0">38 0 24575,'0'1143'0,"0"-1143"-1,1 6-90,-1 0 0,1-1 0,-2 1 0,1-1 0,-1 1 0,1-1 0,-1 1 0,-1-1 1,1 0-1,-1 1 0,0-1 0,0 0 0,-1 0 0,-5 9 0,-9 1-6735</inkml:trace>
+</inkml:ink>
+</file>
+
+<file path=ppt/ink/ink37.xml><?xml version="1.0" encoding="utf-8"?>
+<inkml:ink xmlns:inkml="http://www.w3.org/2003/InkML">
+  <inkml:definitions>
+    <inkml:context xml:id="ctx0">
+      <inkml:inkSource xml:id="inkSrc0">
+        <inkml:traceFormat>
+          <inkml:channel name="X" type="integer" min="-2.14748E9" max="2.14748E9" units="cm"/>
+          <inkml:channel name="Y" type="integer" min="-2.14748E9" max="2.14748E9" units="cm"/>
+          <inkml:channel name="F" type="integer" max="32767" units="dev"/>
+        </inkml:traceFormat>
+        <inkml:channelProperties>
+          <inkml:channelProperty channel="X" name="resolution" value="1000" units="1/cm"/>
+          <inkml:channelProperty channel="Y" name="resolution" value="1000" units="1/cm"/>
+          <inkml:channelProperty channel="F" name="resolution" value="0" units="1/dev"/>
+        </inkml:channelProperties>
+      </inkml:inkSource>
+      <inkml:timestamp xml:id="ts0" timeString="2023-08-15T11:54:32.379"/>
+    </inkml:context>
+    <inkml:brush xml:id="br0">
+      <inkml:brushProperty name="width" value="0.05" units="cm"/>
+      <inkml:brushProperty name="height" value="0.05" units="cm"/>
+      <inkml:brushProperty name="color" value="#E71224"/>
+    </inkml:brush>
+  </inkml:definitions>
+  <inkml:trace contextRef="#ctx0" brushRef="#br0">110 2 24575,'92'-1'0,"96"3"0,-158 0 0,-2 1 0,1 2 0,0 1 0,39 14 0,60 20 0,209 37 0,13 2 0,-231-43 0,288 69 0,-309-87 0,-1 4 0,95 36 0,-172-51 0,1-2 0,0 0 0,1-1 0,39 1 0,91-7 0,-62-1 0,442 3 0,-526 0 0,1 0 0,0 1 0,-1-1 0,1 1 0,-1 1 0,1-1 0,-1 1 0,0 0 0,1 1 0,-1-1 0,9 7 0,-13-8 0,0 1 0,0 0 0,0 0 0,-1 0 0,1-1 0,-1 1 0,1 1 0,-1-1 0,0 0 0,0 0 0,0 0 0,0 1 0,0-1 0,0 1 0,-1-1 0,1 0 0,-1 1 0,0-1 0,0 1 0,0-1 0,0 1 0,0-1 0,0 1 0,0-1 0,-1 1 0,0-1 0,1 0 0,-1 1 0,0-1 0,0 0 0,0 1 0,0-1 0,-1 0 0,-2 3 0,-61 96 0,40-67 0,-22 43 0,31-48 0,-1 0 0,-1-1 0,-1-1 0,-1-1 0,-25 24 0,0 4 0,42-47 0,-1-1 0,0 0 0,-1 0 0,1-1 0,-1 1 0,-1-1 0,1 0 0,-1 0 0,1-1 0,-1 1 0,-1-1 0,1-1 0,0 1 0,-1-1 0,0 0 0,0-1 0,0 1 0,0-1 0,-10 1 0,-17 1 0,0-2 0,0-1 0,0-1 0,0-2 0,-54-10 0,12-17 0,60 22 0,0 0 0,-1 1 0,-24-6 0,-69-2 0,-32-7 0,22-7 0,-1 4 0,-220-13 0,-694 36 88,486 4-1541,516-3-5373</inkml:trace>
+</inkml:ink>
+</file>
+
+<file path=ppt/ink/ink38.xml><?xml version="1.0" encoding="utf-8"?>
+<inkml:ink xmlns:inkml="http://www.w3.org/2003/InkML">
+  <inkml:definitions>
+    <inkml:context xml:id="ctx0">
+      <inkml:inkSource xml:id="inkSrc0">
+        <inkml:traceFormat>
+          <inkml:channel name="X" type="integer" min="-2.14748E9" max="2.14748E9" units="cm"/>
+          <inkml:channel name="Y" type="integer" min="-2.14748E9" max="2.14748E9" units="cm"/>
+          <inkml:channel name="F" type="integer" max="32767" units="dev"/>
+        </inkml:traceFormat>
+        <inkml:channelProperties>
+          <inkml:channelProperty channel="X" name="resolution" value="1000" units="1/cm"/>
+          <inkml:channelProperty channel="Y" name="resolution" value="1000" units="1/cm"/>
+          <inkml:channelProperty channel="F" name="resolution" value="0" units="1/dev"/>
+        </inkml:channelProperties>
+      </inkml:inkSource>
+      <inkml:timestamp xml:id="ts0" timeString="2023-08-15T11:54:34.519"/>
+    </inkml:context>
+    <inkml:brush xml:id="br0">
+      <inkml:brushProperty name="width" value="0.05" units="cm"/>
+      <inkml:brushProperty name="height" value="0.05" units="cm"/>
+      <inkml:brushProperty name="color" value="#E71224"/>
+    </inkml:brush>
+  </inkml:definitions>
+  <inkml:trace contextRef="#ctx0" brushRef="#br0">467 3 24575,'-122'-2'0,"-136"5"0,254-3 0,0 1 0,1 0 0,-1-1 0,0 2 0,0-1 0,1 0 0,-1 1 0,1-1 0,-1 1 0,1 0 0,0 0 0,0 1 0,0-1 0,0 0 0,0 1 0,0 0 0,1 0 0,-1 0 0,1 0 0,0 0 0,0 0 0,0 1 0,0-1 0,1 1 0,-1-1 0,1 1 0,0 0 0,0-1 0,0 1 0,0 5 0,-2 14 0,2-1 0,0 1 0,1 0 0,4 26 0,-1-8 0,-2-30 0,-1-1 0,1 0 0,1 1 0,0-1 0,0 0 0,1 0 0,1-1 0,-1 1 0,1 0 0,1-1 0,7 12 0,-8-16 0,1 0 0,-1 0 0,1 0 0,0 0 0,0-1 0,1 0 0,-1 0 0,1-1 0,0 1 0,0-1 0,0 0 0,0-1 0,0 0 0,1 0 0,-1 0 0,1 0 0,-1-1 0,10 0 0,35 0 0,-42-2 0,0 1 0,-1 0 0,1 0 0,0 1 0,-1 0 0,1 0 0,0 1 0,-1 0 0,0 0 0,1 1 0,12 7 0,25 19-1365,-25-17-5461</inkml:trace>
+</inkml:ink>
+</file>
+
+<file path=ppt/ink/ink39.xml><?xml version="1.0" encoding="utf-8"?>
+<inkml:ink xmlns:inkml="http://www.w3.org/2003/InkML">
+  <inkml:definitions>
+    <inkml:context xml:id="ctx0">
+      <inkml:inkSource xml:id="inkSrc0">
+        <inkml:traceFormat>
+          <inkml:channel name="X" type="integer" min="-2.14748E9" max="2.14748E9" units="cm"/>
+          <inkml:channel name="Y" type="integer" min="-2.14748E9" max="2.14748E9" units="cm"/>
+          <inkml:channel name="F" type="integer" max="32767" units="dev"/>
+        </inkml:traceFormat>
+        <inkml:channelProperties>
+          <inkml:channelProperty channel="X" name="resolution" value="1000" units="1/cm"/>
+          <inkml:channelProperty channel="Y" name="resolution" value="1000" units="1/cm"/>
+          <inkml:channelProperty channel="F" name="resolution" value="0" units="1/dev"/>
+        </inkml:channelProperties>
+      </inkml:inkSource>
+      <inkml:timestamp xml:id="ts0" timeString="2023-08-15T11:54:37.536"/>
+    </inkml:context>
+    <inkml:brush xml:id="br0">
+      <inkml:brushProperty name="width" value="0.05" units="cm"/>
+      <inkml:brushProperty name="height" value="0.05" units="cm"/>
+      <inkml:brushProperty name="color" value="#E71224"/>
+    </inkml:brush>
+  </inkml:definitions>
+  <inkml:trace contextRef="#ctx0" brushRef="#br0">0 0 24575,'0'7'0,"0"8"0,0 8 0,0 7 0,0 4 0,0 3 0,0 2 0,0 1 0,0 0 0,0-1 0,0 0 0,0 0 0,0-1 0,0-7-8191</inkml:trace>
+</inkml:ink>
+</file>
+
+<file path=ppt/ink/ink4.xml><?xml version="1.0" encoding="utf-8"?>
+<inkml:ink xmlns:inkml="http://www.w3.org/2003/InkML">
+  <inkml:definitions>
+    <inkml:context xml:id="ctx0">
+      <inkml:inkSource xml:id="inkSrc0">
+        <inkml:traceFormat>
+          <inkml:channel name="X" type="integer" min="-2.14748E9" max="2.14748E9" units="cm"/>
+          <inkml:channel name="Y" type="integer" min="-2.14748E9" max="2.14748E9" units="cm"/>
+          <inkml:channel name="F" type="integer" max="32767" units="dev"/>
+        </inkml:traceFormat>
+        <inkml:channelProperties>
+          <inkml:channelProperty channel="X" name="resolution" value="1000" units="1/cm"/>
+          <inkml:channelProperty channel="Y" name="resolution" value="1000" units="1/cm"/>
+          <inkml:channelProperty channel="F" name="resolution" value="0" units="1/dev"/>
+        </inkml:channelProperties>
+      </inkml:inkSource>
+      <inkml:timestamp xml:id="ts0" timeString="2023-08-15T11:53:49.713"/>
+    </inkml:context>
+    <inkml:brush xml:id="br0">
+      <inkml:brushProperty name="width" value="0.05" units="cm"/>
+      <inkml:brushProperty name="height" value="0.05" units="cm"/>
+      <inkml:brushProperty name="color" value="#E71224"/>
+    </inkml:brush>
+  </inkml:definitions>
+  <inkml:trace contextRef="#ctx0" brushRef="#br0">55 0 24575,'0'724'0,"-3"-690"0,0 1 0,-3 0 0,-1-1 0,-20 58 0,21-72 0,6-18 0,-1-1 0,1 1 0,-1 0 0,1-1 0,0 1 0,0-1 0,0 1 0,0-1 0,0 1 0,0 0 0,0-1 0,0 1 0,1-1 0,-1 1 0,1 0 0,-1-1 0,1 0 0,-1 1 0,1-1 0,0 1 0,0-1 0,0 0 0,0 1 0,0-1 0,0 0 0,0 0 0,0 0 0,0 0 0,1 0 0,-1 0 0,0 0 0,1 0 0,-1 0 0,1-1 0,-1 1 0,1 0 0,-1-1 0,1 0 0,-1 1 0,1-1 0,1 0 0,11 3 0,-1-2 0,0 0 0,0 0 0,15-2 0,-12 1 0,74-6-1,-1-4-1,98-23 0,-55 9-152,183-19-224,3 14 1,352 14 0,449 19 1668,-1078-1-1291,0 2 0,0 1 0,0 3 0,40 13 0,12 3 0,23 10 0,-87-24 0,-1-2 0,1-1 0,0-1 0,46 5 0,-44-9 0,-1 2 0,-1 1 0,50 17 0,-50-13 0,1-2 0,1-1 0,53 6 0,-38-8 0,0 3 0,-1 1 0,0 3 0,65 25 0,-87-29 0,45 11 0,2-3 0,0-3 0,1-3 0,80 0 0,127 19 0,164 75 0,-156-33 0,-222-58 0,0-4 0,87 2 0,132-13 0,-94-1 0,-162 3 0,-1-2 0,1 0 0,-1-2 0,0-1 0,0 0 0,0-3 0,39-15 0,-19 6 0,76-15 0,-110 29 0,94-19 0,115-9 0,-208 28 0,1 0 0,-1-1 0,0 0 0,-1 0 0,24-13 0,-22 10 0,0 0 0,1 1 0,-1 1 0,22-5 0,0 6 0,1 2 0,62 3 0,27-2 0,-119 1 0,-1-1 0,1 0 0,-1-1 0,0 0 0,1 0 0,-1 0 0,0-1 0,0 0 0,0 0 0,0 0 0,-1-1 0,0 0 0,1 0 0,-1 0 0,-1-1 0,1 0 0,-1 0 0,5-6 0,-4 3 0,1 0 0,-1-1 0,-1 0 0,0 0 0,0 0 0,-1 0 0,0-1 0,0 0 0,-1 1 0,-1-1 0,1-12 0,0-51 0,-2 38 0,1-1 0,8-43 0,9-96 0,-12 79 0,0 63-1365,3 7-5461</inkml:trace>
+</inkml:ink>
+</file>
+
+<file path=ppt/ink/ink40.xml><?xml version="1.0" encoding="utf-8"?>
+<inkml:ink xmlns:inkml="http://www.w3.org/2003/InkML">
+  <inkml:definitions>
+    <inkml:context xml:id="ctx0">
+      <inkml:inkSource xml:id="inkSrc0">
+        <inkml:traceFormat>
+          <inkml:channel name="X" type="integer" min="-2.14748E9" max="2.14748E9" units="cm"/>
+          <inkml:channel name="Y" type="integer" min="-2.14748E9" max="2.14748E9" units="cm"/>
+          <inkml:channel name="F" type="integer" max="32767" units="dev"/>
+        </inkml:traceFormat>
+        <inkml:channelProperties>
+          <inkml:channelProperty channel="X" name="resolution" value="1000" units="1/cm"/>
+          <inkml:channelProperty channel="Y" name="resolution" value="1000" units="1/cm"/>
+          <inkml:channelProperty channel="F" name="resolution" value="0" units="1/dev"/>
+        </inkml:channelProperties>
+      </inkml:inkSource>
+      <inkml:timestamp xml:id="ts0" timeString="2023-08-15T11:54:39.309"/>
+    </inkml:context>
+    <inkml:brush xml:id="br0">
+      <inkml:brushProperty name="width" value="0.05" units="cm"/>
+      <inkml:brushProperty name="height" value="0.05" units="cm"/>
+      <inkml:brushProperty name="color" value="#E71224"/>
+    </inkml:brush>
+  </inkml:definitions>
+  <inkml:trace contextRef="#ctx0" brushRef="#br0">0 6 24575,'59'-2'0,"-41"0"0,1 1 0,-1 0 0,0 2 0,1 0 0,-1 1 0,30 8 0,10 22 0,-17-7 0,-34-21 9,1 0-1,-1 1 1,-1 0-1,1 1 1,-1-1 0,0 1-1,0 0 1,0 1-1,-1 0 1,0-1-1,-1 2 1,1-1-1,3 9 1,3 9-504,-1 1 0,10 44 0,-13-44-6331</inkml:trace>
+</inkml:ink>
+</file>
+
+<file path=ppt/ink/ink41.xml><?xml version="1.0" encoding="utf-8"?>
+<inkml:ink xmlns:inkml="http://www.w3.org/2003/InkML">
+  <inkml:definitions>
+    <inkml:context xml:id="ctx0">
+      <inkml:inkSource xml:id="inkSrc0">
+        <inkml:traceFormat>
+          <inkml:channel name="X" type="integer" min="-2.14748E9" max="2.14748E9" units="cm"/>
+          <inkml:channel name="Y" type="integer" min="-2.14748E9" max="2.14748E9" units="cm"/>
+          <inkml:channel name="F" type="integer" max="32767" units="dev"/>
+        </inkml:traceFormat>
+        <inkml:channelProperties>
+          <inkml:channelProperty channel="X" name="resolution" value="1000" units="1/cm"/>
+          <inkml:channelProperty channel="Y" name="resolution" value="1000" units="1/cm"/>
+          <inkml:channelProperty channel="F" name="resolution" value="0" units="1/dev"/>
+        </inkml:channelProperties>
+      </inkml:inkSource>
+      <inkml:timestamp xml:id="ts0" timeString="2023-08-15T11:54:43.571"/>
+    </inkml:context>
+    <inkml:brush xml:id="br0">
+      <inkml:brushProperty name="width" value="0.05" units="cm"/>
+      <inkml:brushProperty name="height" value="0.05" units="cm"/>
+      <inkml:brushProperty name="color" value="#E71224"/>
+    </inkml:brush>
+  </inkml:definitions>
+  <inkml:trace contextRef="#ctx0" brushRef="#br0">809 0 24575,'-25'55'0,"4"1"0,1 1 0,-20 103 0,15-56 0,-44 172-368,-142 500-1457,26-99 1778,43-143 619,129-490-1115,-24 54-1,16-58-4892</inkml:trace>
+</inkml:ink>
+</file>
+
+<file path=ppt/ink/ink42.xml><?xml version="1.0" encoding="utf-8"?>
+<inkml:ink xmlns:inkml="http://www.w3.org/2003/InkML">
+  <inkml:definitions>
+    <inkml:context xml:id="ctx0">
+      <inkml:inkSource xml:id="inkSrc0">
+        <inkml:traceFormat>
+          <inkml:channel name="X" type="integer" min="-2.14748E9" max="2.14748E9" units="cm"/>
+          <inkml:channel name="Y" type="integer" min="-2.14748E9" max="2.14748E9" units="cm"/>
+          <inkml:channel name="F" type="integer" max="32767" units="dev"/>
+        </inkml:traceFormat>
+        <inkml:channelProperties>
+          <inkml:channelProperty channel="X" name="resolution" value="1000" units="1/cm"/>
+          <inkml:channelProperty channel="Y" name="resolution" value="1000" units="1/cm"/>
+          <inkml:channelProperty channel="F" name="resolution" value="0" units="1/dev"/>
+        </inkml:channelProperties>
+      </inkml:inkSource>
+      <inkml:timestamp xml:id="ts0" timeString="2023-08-15T11:54:46.755"/>
+    </inkml:context>
+    <inkml:brush xml:id="br0">
+      <inkml:brushProperty name="width" value="0.05" units="cm"/>
+      <inkml:brushProperty name="height" value="0.05" units="cm"/>
+      <inkml:brushProperty name="color" value="#E71224"/>
+    </inkml:brush>
+  </inkml:definitions>
+  <inkml:trace contextRef="#ctx0" brushRef="#br0">1058 3 24575,'164'-2'0,"182"5"0,-301 3 0,-1 1 0,72 23 0,6 0 0,74 9 0,25 7 0,-81 1 0,-109-35 0,0 0 0,1-2 0,0-2 0,1-1 0,46 5 0,32-13 0,-81-1 0,0 1 0,0 2 0,0 1 0,0 1 0,35 8 0,-32-3 0,-1-3 0,1 0 0,61-1 0,-8 0 0,-73-1 0,1-1 0,-1 2 0,0 0 0,0 0 0,0 2 0,-1-1 0,0 1 0,21 15 0,-21-13 0,0 0 0,1-1 0,0-1 0,0 0 0,0-1 0,0-1 0,1 1 0,16 1 0,30 1 0,-1 2 0,86 26 0,-114-28 0,1 0 0,1-2 0,44 1 0,-23-2 0,-29 0 0,-1 1 0,1 1 0,34 13 0,-33-10 0,1-1 0,38 7 0,26-2 0,3 1 0,155 5 0,1194-21 0,-1431 2 0,-1 0 0,1-1 0,-1-1 0,18-4 0,-24 5 0,-1 0 0,0-1 0,1 0 0,-1 0 0,0 0 0,0-1 0,0 1 0,-1-1 0,1 0 0,0 0 0,-1 0 0,0 0 0,6-8 0,2 1 0,-5 20 0,-6 32 0,0-29 0,-13 455-267,2-312 130,-32 158 0,-6-87 137,21-113 0,5 2 0,-11 172 0,33-249 58,-9 50 1,7-76-6,0 1 0,0-1 0,-1 0 0,-1 0 0,0 0 0,-1-1 0,-8 15 0,7-17-53,0 0 0,1 1 0,0 0 0,1 1 0,0-1 0,1 1 0,0 0 0,1 0 0,0 0 0,1 1 0,0-1 0,1 1 0,1-1 0,0 1 0,0-1 0,2 0 0,-1 1 0,1-1 0,5 14 0,0-4 0,-2 1 0,0 0 0,-1 1 0,2 42 0,-7-59 0,1 0 0,-1 0 0,0-1 0,0 1 0,0-1 0,-1 1 0,0-1 0,-1 1 0,-4 8 0,5-12 0,-1 1 0,1-1 0,-1 0 0,0 0 0,1 0 0,-2 0 0,1 0 0,0 0 0,0-1 0,-1 0 0,1 0 0,-1 0 0,0 0 0,0 0 0,0-1 0,-6 2 0,-17 2 0,1-2 0,-1-1 0,1-1 0,-45-4 0,17 1 0,-21-4 0,0-3 0,0-4 0,-96-29 0,-43-8 0,26 18 0,-374-12 0,68 50 36,384 1-183,1 6 0,-160 38 0,-10 31-1875,-48 11 1297,-202 20 569,364-87 162,-209 6 0,-468-34-2413,771 0 3140,1-4 0,0-2 0,1-4 0,0-2 0,-93-34 0,139 41-572,0 1-1,-1 1 1,1 1-1,-1 2 0,0 0 1,-47 2-1,-28-1 22,95 0-182,0 1 0,0-1 0,0 0 0,0 0 0,1 0 0,-1 0 0,0-1 0,0 1 0,1-1 0,-1 0 0,1 0 0,0-1 0,0 1 0,-5-5 0,7 6 0,0-1 0,-1 1 0,1-1 0,0 1 0,0-1 0,1 1 0,-1-1 0,0 0 0,0 0 0,1 0 0,-1 1 0,1-1 0,-1 0 0,1 0 0,0 0 0,0 0 0,0 0 0,0 0 0,0 1 0,0-1 0,1 0 0,-1 0 0,1 0 0,-1 0 0,1 1 0,0-1 0,-1 0 0,1 0 0,0 1 0,0-1 0,2-2 0,180-221 0,-56 76 0,-22 21 40,51-66-17,-126 152-150,-2-1 0,42-86 0,-45 63-405,-2-1 1,27-138 0,-42 171 8,19-47 0,-16 51-4710</inkml:trace>
+</inkml:ink>
+</file>
+
+<file path=ppt/ink/ink43.xml><?xml version="1.0" encoding="utf-8"?>
+<inkml:ink xmlns:inkml="http://www.w3.org/2003/InkML">
+  <inkml:definitions>
+    <inkml:context xml:id="ctx0">
+      <inkml:inkSource xml:id="inkSrc0">
+        <inkml:traceFormat>
+          <inkml:channel name="X" type="integer" min="-2.14748E9" max="2.14748E9" units="cm"/>
+          <inkml:channel name="Y" type="integer" min="-2.14748E9" max="2.14748E9" units="cm"/>
+          <inkml:channel name="F" type="integer" max="32767" units="dev"/>
+        </inkml:traceFormat>
+        <inkml:channelProperties>
+          <inkml:channelProperty channel="X" name="resolution" value="1000" units="1/cm"/>
+          <inkml:channelProperty channel="Y" name="resolution" value="1000" units="1/cm"/>
+          <inkml:channelProperty channel="F" name="resolution" value="0" units="1/dev"/>
+        </inkml:channelProperties>
+      </inkml:inkSource>
+      <inkml:timestamp xml:id="ts0" timeString="2023-08-15T11:54:48.091"/>
+    </inkml:context>
+    <inkml:brush xml:id="br0">
+      <inkml:brushProperty name="width" value="0.05" units="cm"/>
+      <inkml:brushProperty name="height" value="0.05" units="cm"/>
+      <inkml:brushProperty name="color" value="#E71224"/>
+    </inkml:brush>
+  </inkml:definitions>
+  <inkml:trace contextRef="#ctx0" brushRef="#br0">196 1 24575,'1'7'0,"0"1"0,0-1 0,0 1 0,1-1 0,4 11 0,5 24 0,3 102 0,-9 253 0,-8-228 0,2-58 0,-18 129 0,13-198 0,-2-1 0,-2 1 0,-1-1 0,-2-1 0,-2 0 0,-25 45 0,39-81 0,-1-1 0,0 0 0,0 0 0,0 0 0,0 0 0,0 0 0,-1 0 0,1-1 0,-1 1 0,0-1 0,1 0 0,-1 1 0,0-1 0,-1-1 0,-5 4 0,8-5 0,0 0 0,0 0 0,0 1 0,0-1 0,0-1 0,0 1 0,0 0 0,0 0 0,0 0 0,0 0 0,0-1 0,0 1 0,0 0 0,0-1 0,0 1 0,0-1 0,0 1 0,1-1 0,-1 1 0,0-1 0,-1-1 0,0-1 0,0 0 0,0 1 0,0-1 0,0 0 0,1 0 0,-1-1 0,1 1 0,0 0 0,-2-5 0,-5-30 0,1 0 0,1-1 0,0-63 0,15-121 0,-1 151 0,4 1 0,2 0 0,4 0 0,38-98 0,-46 147 0,0 1 0,2 1 0,0 0 0,2 1 0,26-30 0,-15 18 0,8-26 0,-8 12 0,-5 14 0,-13 20 0,0-1 0,0 1 0,1 1 0,0 0 0,0 0 0,1 0 0,1 1 0,0 0 0,0 1 0,1 0 0,13-7 0,-5 6 0,1 1 0,0 0 0,0 2 0,1 0 0,0 2 0,0 0 0,0 1 0,0 1 0,0 1 0,26 2 0,-15-2 0,-15 1 0,0-1 0,-1 2 0,23 3 0,-36-4 0,1 1 0,-1 0 0,1 0 0,-1 0 0,1 0 0,-1 1 0,0-1 0,0 1 0,0 0 0,0-1 0,0 2 0,0-1 0,0 0 0,-1 1 0,1-1 0,-1 1 0,0-1 0,1 1 0,-1 0 0,3 6 0,8 25 0,11 51 0,-7-24 0,-8-28 0,-2 1 0,-1 0 0,3 62 0,-11 108 0,-1-83 0,3-67 0,2-16 0,-2 1 0,-2-1 0,-2 0 0,-16 71 0,19-104-124,-1 0 0,0 0 0,0 0 0,0 0 0,-1-1 0,0 1-1,0-1 1,0 0 0,0 0 0,-4 4 0,-13 8-6702</inkml:trace>
+</inkml:ink>
+</file>
+
+<file path=ppt/ink/ink44.xml><?xml version="1.0" encoding="utf-8"?>
+<inkml:ink xmlns:inkml="http://www.w3.org/2003/InkML">
+  <inkml:definitions>
+    <inkml:context xml:id="ctx0">
+      <inkml:inkSource xml:id="inkSrc0">
+        <inkml:traceFormat>
+          <inkml:channel name="X" type="integer" min="-2.14748E9" max="2.14748E9" units="cm"/>
+          <inkml:channel name="Y" type="integer" min="-2.14748E9" max="2.14748E9" units="cm"/>
+          <inkml:channel name="F" type="integer" max="32767" units="dev"/>
+        </inkml:traceFormat>
+        <inkml:channelProperties>
+          <inkml:channelProperty channel="X" name="resolution" value="1000" units="1/cm"/>
+          <inkml:channelProperty channel="Y" name="resolution" value="1000" units="1/cm"/>
+          <inkml:channelProperty channel="F" name="resolution" value="0" units="1/dev"/>
+        </inkml:channelProperties>
+      </inkml:inkSource>
+      <inkml:timestamp xml:id="ts0" timeString="2023-08-15T11:54:48.660"/>
+    </inkml:context>
+    <inkml:brush xml:id="br0">
+      <inkml:brushProperty name="width" value="0.05" units="cm"/>
+      <inkml:brushProperty name="height" value="0.05" units="cm"/>
+      <inkml:brushProperty name="color" value="#E71224"/>
+    </inkml:brush>
+  </inkml:definitions>
+  <inkml:trace contextRef="#ctx0" brushRef="#br0">0 404 24575,'275'2'0,"304"-5"0,-528-1 0,0-1 0,0-3 0,80-24 0,143-64 0,-123 49 0,-107 36 0,0-2 0,-2-2 0,67-33 0,-105 46-68,0-1 0,0 0-1,-1 0 1,1 0 0,-1 0 0,1 0-1,-1-1 1,0 0 0,0 1 0,-1-1-1,1 0 1,-1 0 0,0-1 0,0 1-1,0 0 1,0-1 0,-1 1-1,0-1 1,1-6 0,5-32-6758</inkml:trace>
+</inkml:ink>
+</file>
+
+<file path=ppt/ink/ink45.xml><?xml version="1.0" encoding="utf-8"?>
+<inkml:ink xmlns:inkml="http://www.w3.org/2003/InkML">
+  <inkml:definitions>
+    <inkml:context xml:id="ctx0">
+      <inkml:inkSource xml:id="inkSrc0">
+        <inkml:traceFormat>
+          <inkml:channel name="X" type="integer" min="-2.14748E9" max="2.14748E9" units="cm"/>
+          <inkml:channel name="Y" type="integer" min="-2.14748E9" max="2.14748E9" units="cm"/>
+          <inkml:channel name="F" type="integer" max="32767" units="dev"/>
+        </inkml:traceFormat>
+        <inkml:channelProperties>
+          <inkml:channelProperty channel="X" name="resolution" value="1000" units="1/cm"/>
+          <inkml:channelProperty channel="Y" name="resolution" value="1000" units="1/cm"/>
+          <inkml:channelProperty channel="F" name="resolution" value="0" units="1/dev"/>
+        </inkml:channelProperties>
+      </inkml:inkSource>
+      <inkml:timestamp xml:id="ts0" timeString="2023-08-15T11:54:50.100"/>
+    </inkml:context>
+    <inkml:brush xml:id="br0">
+      <inkml:brushProperty name="width" value="0.05" units="cm"/>
+      <inkml:brushProperty name="height" value="0.05" units="cm"/>
+      <inkml:brushProperty name="color" value="#E71224"/>
+    </inkml:brush>
+  </inkml:definitions>
+  <inkml:trace contextRef="#ctx0" brushRef="#br0">4 0 24575,'-1'97'0,"3"111"0,2-182 0,2 0 0,0-1 0,17 44 0,2 9 0,-16-44 0,2 4 0,-1 1 0,-2 0 0,-2 0 0,1 43 0,-9 606 0,2-688 0,-5 58 0,5-57 0,0 1 0,0-1 0,0 0 0,-1 1 0,1-1 0,0 1 0,-1-1 0,1 0 0,-1 1 0,1-1 0,-1 0 0,0 1 0,1-1 0,-1 0 0,0 0 0,0 0 0,0 0 0,0 0 0,0 0 0,0 0 0,0 0 0,0 0 0,0 0 0,-1 0 0,1-1 0,0 1 0,0 0 0,-1-1 0,1 1 0,-1-1 0,1 0 0,0 1 0,-1-1 0,1 0 0,-3 0 0,1-2 0,0 1 0,0-1 0,1 0 0,-1 0 0,1 0 0,-1-1 0,1 1 0,0-1 0,0 1 0,0-1 0,0 0 0,1 1 0,-1-1 0,1 0 0,-1 0 0,1 0 0,0 0 0,0-1 0,0 1 0,0-4 0,-9-32 0,2 0 0,1-1 0,-2-49 0,5-129 0,4 154 0,-1 18 0,5-195 0,0 192 0,1 0 0,24-89 0,80-259 0,-107 393 0,-1-1 0,1 1 0,0-1 0,0 1 0,0 0 0,0 0 0,1 0 0,0 0 0,0 0 0,0 1 0,0-1 0,0 1 0,1 0 0,-1 0 0,1 0 0,0 0 0,0 1 0,0-1 0,1 1 0,-1 0 0,0 1 0,1-1 0,-1 1 0,1 0 0,8-2 0,6 1 0,0 1 0,0 0 0,0 2 0,0 0 0,21 4 0,-36-5 0,0 1 0,-1 0 0,1 0 0,0 0 0,0 1 0,-1-1 0,1 1 0,-1 0 0,0 0 0,1 0 0,-1 1 0,0-1 0,0 1 0,0-1 0,-1 1 0,5 6 0,-3-3 0,0 0 0,-1 0 0,0 0 0,0 1 0,0-1 0,-1 1 0,0-1 0,-1 1 0,2 8 0,-2-5 0,0 0 0,-1-1 0,0 1 0,0 0 0,-1 0 0,0-1 0,-1 1 0,0-1 0,0 1 0,-1-1 0,0 0 0,-1 0 0,0 0 0,-6 9 0,6-14 8,0 1-1,0-1 0,-1 0 1,0 0-1,0-1 0,0 1 1,0-1-1,0 0 0,-1-1 1,1 1-1,-1-1 1,0 0-1,0-1 0,0 1 1,0-1-1,0 0 0,-8 0 1,6 0-175,0 0 1,1 0-1,-1 1 1,0 0 0,0 1-1,1 0 1,-1 0-1,-10 7 1,0 5-6660</inkml:trace>
+</inkml:ink>
+</file>
+
+<file path=ppt/ink/ink46.xml><?xml version="1.0" encoding="utf-8"?>
+<inkml:ink xmlns:inkml="http://www.w3.org/2003/InkML">
+  <inkml:definitions>
+    <inkml:context xml:id="ctx0">
+      <inkml:inkSource xml:id="inkSrc0">
+        <inkml:traceFormat>
+          <inkml:channel name="X" type="integer" min="-2.14748E9" max="2.14748E9" units="cm"/>
+          <inkml:channel name="Y" type="integer" min="-2.14748E9" max="2.14748E9" units="cm"/>
+          <inkml:channel name="F" type="integer" max="32767" units="dev"/>
+        </inkml:traceFormat>
+        <inkml:channelProperties>
+          <inkml:channelProperty channel="X" name="resolution" value="1000" units="1/cm"/>
+          <inkml:channelProperty channel="Y" name="resolution" value="1000" units="1/cm"/>
+          <inkml:channelProperty channel="F" name="resolution" value="0" units="1/dev"/>
+        </inkml:channelProperties>
+      </inkml:inkSource>
+      <inkml:timestamp xml:id="ts0" timeString="2023-08-15T11:54:51.676"/>
+    </inkml:context>
+    <inkml:brush xml:id="br0">
+      <inkml:brushProperty name="width" value="0.05" units="cm"/>
+      <inkml:brushProperty name="height" value="0.05" units="cm"/>
+      <inkml:brushProperty name="color" value="#E71224"/>
+    </inkml:brush>
+  </inkml:definitions>
+  <inkml:trace contextRef="#ctx0" brushRef="#br0">272 652 24575,'-4'77'0,"-3"-1"0,-23 100 0,3-28 0,-29 91 0,37-169 0,-29 100 0,46-162 0,-1-1 0,0 0 0,0 0 0,-1 0 0,0 0 0,0 0 0,-1-1 0,-6 7 0,-4 7 0,15-20 0,0 0 0,0-1 0,0 1 0,0-1 0,0 1 0,0 0 0,0-1 0,-1 1 0,1 0 0,0-1 0,0 1 0,0 0 0,-1-1 0,1 1 0,0 0 0,0-1 0,-1 1 0,1 0 0,0 0 0,0-1 0,-1 1 0,1 0 0,0 0 0,-1 0 0,1 0 0,0-1 0,-1 1 0,1 0 0,-1 0 0,1 0 0,0 0 0,-1 0 0,1 0 0,0 0 0,-1 0 0,1 0 0,-1 0 0,1 0 0,0 0 0,-1 0 0,1 0 0,-1 0 0,1 0 0,0 1 0,-1-1 0,1 0 0,0 0 0,-1 0 0,1 1 0,0-1 0,-1 0 0,1 0 0,0 1 0,0-1 0,-1 0 0,1 0 0,0 1 0,0-1 0,0 0 0,-1 1 0,1-1 0,0 0 0,0 1 0,0-1 0,0 1 0,0-1 0,0 1 0,-5-41 0,5 35 0,-4-153 0,7 0 0,6 1 0,8 0 0,55-236 0,-34 195 0,-27 126 0,3 1 0,41-118 0,-53 183 0,0 0 0,1 1 0,-1-1 0,1 1 0,0-1 0,1 1 0,-1 0 0,1 0 0,0 1 0,1-1 0,-1 1 0,1 0 0,-1 0 0,12-6 0,-8 6 0,1 1 0,0 0 0,0 1 0,0 0 0,0 0 0,0 1 0,0 0 0,0 1 0,11 0 0,-10-1 0,0 1 0,0 0 0,0 1 0,-1 0 0,1 1 0,0 0 0,-1 0 0,1 1 0,-1 0 0,0 0 0,1 1 0,-2 1 0,1-1 0,12 10 0,-15-10 0,0 1 0,0-1 0,0 1 0,-1 1 0,0-1 0,0 1 0,0 0 0,-1 0 0,0 0 0,0 0 0,0 1 0,-1 0 0,0 0 0,0 0 0,-1 0 0,0 0 0,0 0 0,-1 1 0,1-1 0,-2 1 0,1 12 0,2 59 0,-11 110 0,7-179 0,-1 1 0,-1-1 0,0 0 0,0 0 0,-1 0 0,0 0 0,-1 0 0,0-1 0,-7 10 0,-9 10 0,-35 37 0,40-49 0,0 0 0,2 1 0,0 1 0,1 0 0,-15 30 0,21-32 0,-1 0 0,-1-1 0,-1 0 0,0-1 0,-22 26 0,26-34 0,0-1 0,0 0 0,-1-1 0,0 1 0,0-1 0,0-1 0,-1 1 0,1-1 0,-1-1 0,0 1 0,0-1 0,0-1 0,-1 1 0,-11 1 0,-52-1-1365,40-4-5461</inkml:trace>
+</inkml:ink>
+</file>
+
+<file path=ppt/ink/ink47.xml><?xml version="1.0" encoding="utf-8"?>
+<inkml:ink xmlns:inkml="http://www.w3.org/2003/InkML">
+  <inkml:definitions>
+    <inkml:context xml:id="ctx0">
+      <inkml:inkSource xml:id="inkSrc0">
+        <inkml:traceFormat>
+          <inkml:channel name="X" type="integer" min="-2.14748E9" max="2.14748E9" units="cm"/>
+          <inkml:channel name="Y" type="integer" min="-2.14748E9" max="2.14748E9" units="cm"/>
+          <inkml:channel name="F" type="integer" max="32767" units="dev"/>
+        </inkml:traceFormat>
+        <inkml:channelProperties>
+          <inkml:channelProperty channel="X" name="resolution" value="1000" units="1/cm"/>
+          <inkml:channelProperty channel="Y" name="resolution" value="1000" units="1/cm"/>
+          <inkml:channelProperty channel="F" name="resolution" value="0" units="1/dev"/>
+        </inkml:channelProperties>
+      </inkml:inkSource>
+      <inkml:timestamp xml:id="ts0" timeString="2023-08-15T11:54:52.655"/>
+    </inkml:context>
+    <inkml:brush xml:id="br0">
+      <inkml:brushProperty name="width" value="0.05" units="cm"/>
+      <inkml:brushProperty name="height" value="0.05" units="cm"/>
+      <inkml:brushProperty name="color" value="#E71224"/>
+    </inkml:brush>
+  </inkml:definitions>
+  <inkml:trace contextRef="#ctx0" brushRef="#br0">1 1 24575,'4'0'0,"0"1"0,0-1 0,0 1 0,-1 0 0,1 0 0,0 1 0,0-1 0,-1 1 0,1 0 0,-1 0 0,0 0 0,1 1 0,-1-1 0,0 1 0,0-1 0,0 1 0,-1 0 0,5 6 0,4 7 0,0 0 0,13 29 0,-17-31 0,0 1 0,-1 1 0,-1-1 0,-1 1 0,0 0 0,-1 0 0,2 32 0,8 43 0,-6-61-455,-2 1 0,2 38 0,-5-38-6371</inkml:trace>
+</inkml:ink>
+</file>
+
+<file path=ppt/ink/ink48.xml><?xml version="1.0" encoding="utf-8"?>
+<inkml:ink xmlns:inkml="http://www.w3.org/2003/InkML">
+  <inkml:definitions>
+    <inkml:context xml:id="ctx0">
+      <inkml:inkSource xml:id="inkSrc0">
+        <inkml:traceFormat>
+          <inkml:channel name="X" type="integer" min="-2.14748E9" max="2.14748E9" units="cm"/>
+          <inkml:channel name="Y" type="integer" min="-2.14748E9" max="2.14748E9" units="cm"/>
+          <inkml:channel name="F" type="integer" max="32767" units="dev"/>
+        </inkml:traceFormat>
+        <inkml:channelProperties>
+          <inkml:channelProperty channel="X" name="resolution" value="1000" units="1/cm"/>
+          <inkml:channelProperty channel="Y" name="resolution" value="1000" units="1/cm"/>
+          <inkml:channelProperty channel="F" name="resolution" value="0" units="1/dev"/>
+        </inkml:channelProperties>
+      </inkml:inkSource>
+      <inkml:timestamp xml:id="ts0" timeString="2023-08-15T11:54:53.947"/>
+    </inkml:context>
+    <inkml:brush xml:id="br0">
+      <inkml:brushProperty name="width" value="0.05" units="cm"/>
+      <inkml:brushProperty name="height" value="0.05" units="cm"/>
+      <inkml:brushProperty name="color" value="#E71224"/>
+    </inkml:brush>
+  </inkml:definitions>
+  <inkml:trace contextRef="#ctx0" brushRef="#br0">0 1 24575,'12'30'0,"-1"-7"0,9 77 0,-8-28 0,-2-5-100,-2 0 0,-3 1 0,-6 86 1,0-89-867,1-32-5860</inkml:trace>
+</inkml:ink>
+</file>
+
+<file path=ppt/ink/ink49.xml><?xml version="1.0" encoding="utf-8"?>
+<inkml:ink xmlns:inkml="http://www.w3.org/2003/InkML">
+  <inkml:definitions>
+    <inkml:context xml:id="ctx0">
+      <inkml:inkSource xml:id="inkSrc0">
+        <inkml:traceFormat>
+          <inkml:channel name="X" type="integer" min="-2.14748E9" max="2.14748E9" units="cm"/>
+          <inkml:channel name="Y" type="integer" min="-2.14748E9" max="2.14748E9" units="cm"/>
+        </inkml:traceFormat>
+        <inkml:channelProperties>
+          <inkml:channelProperty channel="X" name="resolution" value="1000" units="1/cm"/>
+          <inkml:channelProperty channel="Y" name="resolution" value="1000" units="1/cm"/>
+        </inkml:channelProperties>
+      </inkml:inkSource>
+      <inkml:timestamp xml:id="ts0" timeString="2023-08-15T11:55:23.351"/>
+    </inkml:context>
+    <inkml:brush xml:id="br0">
+      <inkml:brushProperty name="width" value="0.3" units="cm"/>
+      <inkml:brushProperty name="height" value="0.6" units="cm"/>
+      <inkml:brushProperty name="color" value="#FFFC00"/>
+      <inkml:brushProperty name="tip" value="rectangle"/>
+      <inkml:brushProperty name="rasterOp" value="maskPen"/>
+      <inkml:brushProperty name="ignorePressure" value="1"/>
+    </inkml:brush>
+  </inkml:definitions>
+  <inkml:trace contextRef="#ctx0" brushRef="#br0">1 1,'0'0</inkml:trace>
+</inkml:ink>
+</file>
+
+<file path=ppt/ink/ink5.xml><?xml version="1.0" encoding="utf-8"?>
+<inkml:ink xmlns:inkml="http://www.w3.org/2003/InkML">
+  <inkml:definitions>
+    <inkml:context xml:id="ctx0">
+      <inkml:inkSource xml:id="inkSrc0">
+        <inkml:traceFormat>
+          <inkml:channel name="X" type="integer" min="-2.14748E9" max="2.14748E9" units="cm"/>
+          <inkml:channel name="Y" type="integer" min="-2.14748E9" max="2.14748E9" units="cm"/>
+          <inkml:channel name="F" type="integer" max="32767" units="dev"/>
+        </inkml:traceFormat>
+        <inkml:channelProperties>
+          <inkml:channelProperty channel="X" name="resolution" value="1000" units="1/cm"/>
+          <inkml:channelProperty channel="Y" name="resolution" value="1000" units="1/cm"/>
+          <inkml:channelProperty channel="F" name="resolution" value="0" units="1/dev"/>
+        </inkml:channelProperties>
+      </inkml:inkSource>
+      <inkml:timestamp xml:id="ts0" timeString="2023-08-15T11:52:52.542"/>
+    </inkml:context>
+    <inkml:brush xml:id="br0">
+      <inkml:brushProperty name="width" value="0.05" units="cm"/>
+      <inkml:brushProperty name="height" value="0.05" units="cm"/>
+      <inkml:brushProperty name="color" value="#E71224"/>
+    </inkml:brush>
+  </inkml:definitions>
+  <inkml:trace contextRef="#ctx0" brushRef="#br0">1 10 24575,'21'0'0,"1"-1"0,1 2 0,0 0 0,-1 1 0,30 7 0,-47-8 0,0 1 0,0-1 0,0 1 0,0 0 0,0 1 0,0-1 0,-1 1 0,1 0 0,-1 0 0,0 1 0,1-1 0,-2 1 0,1 0 0,0 0 0,-1 0 0,0 0 0,0 0 0,0 1 0,0 0 0,-1 0 0,0-1 0,0 1 0,2 8 0,-2-8 0,0-1 0,0 1 0,0-1 0,0 0 0,1 0 0,0 0 0,0 0 0,0 0 0,0-1 0,0 0 0,1 1 0,0-1 0,-1 0 0,1 0 0,0-1 0,1 1 0,7 3 0,-4-2 0,-1 0 0,1 1 0,-1 0 0,11 11 0,0 3 0,-11-11 0,0 0 0,0 0 0,1-1 0,0 0 0,0 0 0,1-1 0,0 0 0,0 0 0,0-1 0,20 8 0,-27-13 0,0 0 0,-1 0 0,1 1 0,0-1 0,-1 1 0,1 0 0,-1-1 0,1 1 0,-1 0 0,1 0 0,-1 0 0,1 0 0,-1 0 0,0 0 0,1 0 0,-1 1 0,2 2 0,-3-3 0,-1 1 0,0 0 0,1 0 0,-1-1 0,0 1 0,0 0 0,0-1 0,0 1 0,0-1 0,0 1 0,0-1 0,0 1 0,-1-1 0,-1 2 0,2-2 0,0 1 0,0-1 0,0 0 0,0 1 0,0-1 0,1 1 0,-1-1 0,1 1 0,-1-1 0,1 1 0,-1-1 0,1 1 0,0-1 0,0 1 0,0-1 0,0 1 0,0 0 0,0-1 0,0 1 0,0-1 0,1 1 0,-1-1 0,1 1 0,-1-1 0,1 1 0,0-1 0,-1 1 0,1-1 0,0 0 0,0 1 0,0-1 0,0 0 0,0 0 0,0 0 0,0 0 0,0 0 0,1 0 0,-1 0 0,0 0 0,1 0 0,-1 0 0,1-1 0,-1 1 0,1-1 0,-1 1 0,1-1 0,-1 1 0,1-1 0,-1 0 0,1 0 0,-1 0 0,1 0 0,0 0 0,-1 0 0,1 0 0,-1 0 0,1-1 0,-1 1 0,1-1 0,-1 1 0,1-1 0,-1 0 0,3-1 0,36-19 0,-27 13 0,0 1 0,1 0 0,-1 1 0,22-6 0,19 0 23,1 3-1,80-5 0,115 10-542,-181 4-157,168 0-4769,1 2 4727,167 0 2361,-395-2-712,0 0 1,0-1-1,-1-1 0,1 0 1,11-3-1,-6-1-916,0 0 0,-1-1 1,0-1-1,20-14 0,-19 13-14,0 1 0,0 1 0,1 0 0,0 1 0,0 1 0,0 0 0,1 1 0,-1 1 0,24-2 0,22 2 0,77 6 0,-56 0 0,22 0 0,233-5 0,-333 2 0,0-1 0,0 1 0,0-1 0,0 0 0,0 0 0,0 0 0,-1-1 0,1 0 0,0 0 0,-1 0 0,1 0 0,-1-1 0,0 1 0,1-1 0,3-5 0,-4 4 0,0-1 0,-1 0 0,0 0 0,0 0 0,0-1 0,-1 1 0,0-1 0,0 0 0,0 1 0,0-1 0,-1 0 0,1-7 0,-2 9 0,1 0 0,0-1 0,0 1 0,0 0 0,1 0 0,0 0 0,-1 1 0,1-1 0,1 0 0,-1 1 0,0-1 0,1 1 0,0 0 0,0 0 0,0 0 0,0 0 0,0 0 0,1 1 0,-1-1 0,1 1 0,-1 0 0,1 0 0,0 0 0,0 1 0,0-1 0,0 1 0,6-1 0,11-1 0,-1 1 0,0 0 0,0 2 0,35 3 0,-12 0 0,1249 3 0,-721-9 0,-451 1 0,133 5 0,-138 16 0,-77-12 0,73 6 0,510-12 0,-296-3 0,-316 1 0,-1 1 0,1 0 0,-1 0 0,0 1 0,1 0 0,-1 1 0,0 0 0,0 0 0,0 1 0,0 0 0,0 0 0,7 5 0,-13-6 0,0 1 0,-1 0 0,1 0 0,-1-1 0,0 1 0,0 0 0,0 0 0,0 1 0,-1-1 0,1 0 0,-1 0 0,0 0 0,0 0 0,0 0 0,0 1 0,0-1 0,-2 6 0,1 5 0,-39 484 0,27 814-988,17-774 734,-28 379 254,6 309 1027,21-787-812,-4-374-215,-1-27 0,2 0 0,1 1 0,2-1 0,2 0 0,19 73 0,-12-70 10,-2 0 0,-1 0 0,-2 1-1,1 43 1,-6 170-284,-4-126-866,2-97-5686</inkml:trace>
+</inkml:ink>
+</file>
+
+<file path=ppt/ink/ink50.xml><?xml version="1.0" encoding="utf-8"?>
+<inkml:ink xmlns:inkml="http://www.w3.org/2003/InkML">
+  <inkml:definitions>
+    <inkml:context xml:id="ctx0">
+      <inkml:inkSource xml:id="inkSrc0">
+        <inkml:traceFormat>
+          <inkml:channel name="X" type="integer" min="-2.14748E9" max="2.14748E9" units="cm"/>
+          <inkml:channel name="Y" type="integer" min="-2.14748E9" max="2.14748E9" units="cm"/>
+        </inkml:traceFormat>
+        <inkml:channelProperties>
+          <inkml:channelProperty channel="X" name="resolution" value="1000" units="1/cm"/>
+          <inkml:channelProperty channel="Y" name="resolution" value="1000" units="1/cm"/>
+        </inkml:channelProperties>
+      </inkml:inkSource>
+      <inkml:timestamp xml:id="ts0" timeString="2023-08-15T11:55:26.909"/>
+    </inkml:context>
+    <inkml:brush xml:id="br0">
+      <inkml:brushProperty name="width" value="0.3" units="cm"/>
+      <inkml:brushProperty name="height" value="0.6" units="cm"/>
+      <inkml:brushProperty name="color" value="#FFFC00"/>
+      <inkml:brushProperty name="tip" value="rectangle"/>
+      <inkml:brushProperty name="rasterOp" value="maskPen"/>
+      <inkml:brushProperty name="ignorePressure" value="1"/>
+    </inkml:brush>
+  </inkml:definitions>
+  <inkml:trace contextRef="#ctx0" brushRef="#br0">1 0,'0'0</inkml:trace>
+</inkml:ink>
+</file>
+
+<file path=ppt/ink/ink51.xml><?xml version="1.0" encoding="utf-8"?>
+<inkml:ink xmlns:inkml="http://www.w3.org/2003/InkML">
+  <inkml:definitions>
+    <inkml:context xml:id="ctx0">
+      <inkml:inkSource xml:id="inkSrc0">
+        <inkml:traceFormat>
+          <inkml:channel name="X" type="integer" min="-2.14748E9" max="2.14748E9" units="cm"/>
+          <inkml:channel name="Y" type="integer" min="-2.14748E9" max="2.14748E9" units="cm"/>
+          <inkml:channel name="F" type="integer" max="32767" units="dev"/>
+        </inkml:traceFormat>
+        <inkml:channelProperties>
+          <inkml:channelProperty channel="X" name="resolution" value="1000" units="1/cm"/>
+          <inkml:channelProperty channel="Y" name="resolution" value="1000" units="1/cm"/>
+          <inkml:channelProperty channel="F" name="resolution" value="0" units="1/dev"/>
+        </inkml:channelProperties>
+      </inkml:inkSource>
+      <inkml:timestamp xml:id="ts0" timeString="2023-08-15T12:03:27.412"/>
+    </inkml:context>
+    <inkml:brush xml:id="br0">
+      <inkml:brushProperty name="width" value="0.1" units="cm"/>
+      <inkml:brushProperty name="height" value="0.1" units="cm"/>
+      <inkml:brushProperty name="color" value="#AE198D"/>
+      <inkml:brushProperty name="inkEffects" value="galaxy"/>
+      <inkml:brushProperty name="anchorX" value="0"/>
+      <inkml:brushProperty name="anchorY" value="0"/>
+      <inkml:brushProperty name="scaleFactor" value="0.5"/>
+    </inkml:brush>
+  </inkml:definitions>
+  <inkml:trace contextRef="#ctx0" brushRef="#br0">1 2617 24575,'0'0'0,"6"0"0,11 0 0,6 0 0,7 0 0,4 0 0,3-7 0,1-9 0,2-15 0,7-13 0,15-21 0,-7-9 0,5-7 0,3-2 0,4 8 0,4 1 0,2 9 0,2 1 0,-7 0 0,0-3 0,1-3 0,1 5 0,-6-1 0,2 6 0,0 14 0,-4 5 0,1-2 0,-5 8 0,-5 2 0,2-8 0,-4 7 0,-3 0 0,-3 7 0,-3 0 0,-2-1 0,-1-2 0,-1 5 0,-1 6 0,0 6 0,1-2 0,-1-4 0,8-6 0,16-4 0,0-4 0,14-3 0,3-9 0,11 7 0,7-1 0,8-7 0,5 9 0,4 0-7914,1 2 10175,1 7-3392,0 0 924,8 7 266,0-1-88,-1-3 29,14-3 0,-2 3 0,6-8 0,-4 4 0,3-3 0,47-15-5224,-17 5 6716,-6-1-2238,-7 1 266,-27 2 617,-11 9-205,-8 0 5055,-4 9-6412,0 6 2137,1 6-712,1 5 0,10-5 0,9 2 0,2 2 0,6 1 198,28 1-255,5 3 5102,4 0-6478,5 0 2149,-4 2-716,-11-1 0,-6 0-17,-5 1 22,-9-1-203,-1 0 254,-8 0-84,9 0 28,-4 0 0,-4 0 0,1 0 0,4 0-777,-5 0 999,4 0-333,17 0 111,5 0 0,17 7 0,30 24 385,15 15-495,25 22 165,13 10-2217,0-2 2780,-18 1-927,-16 0 309,-22-16-5684,-27-9 7308,-23-7-2436,-25-6 941,-15-2-166,-14-8 56,-3-9-19,-1 0 1233,4 2-1586,4 4 2876,3 3-3193,3 4 1005,10 3-335,17 1 0,8 1 452,22 16-581,11 0-1184,1 0 1707,13-3-591,-6-3 197,1-4-4837,8 5 6219,-7-2 638,8-1-2794,-1-2 738,-7-3 157,-9-1-181,-2-1 307,-7 0-318,-13-9 106,-6-1-35,-3 1 0,-9-6 0,7 1 1751,2-5-2251,2 9 750,9 4-250,2 3 0,-1 2 0,-9 1 0,-1-7-1155,-3 0 1485,0-1-54,-6 2-402,-8-7 4713,-13 1-5880,-7 2 1940,-11-6-209,-10-5-563,-14 2 187,-13-5-62,-12-4 2338,-15 4-3006,-6-3 1763,-3-2-1312,0-4 2821,2-1-3317,1-3 1069,3-1-356,1 6 0,1 1 0,8 7 0,1-2 0,8-1 0,6 5 0,-1-3 0,3 4 0,-3-2 0,2 4 0,4-3 0,3 4 0,3 4 0,2-4 0,-6-3 0,1-6 0,-15 3 0,2-3 0,-7-3 0,-2-3 0,-4-2 0,-2 5 0,6 0 0,-1-1 0,0 5 0,-1-1 0,-2-2 0,5 6 0,1-3 0,-2-3 0,-2-2 0,6 4 0,-1 7 0,-3-3 0,-1-1 0,-3-5 0,-1-2 0,6 3 0,-1-2 0,-1 7 0,-1-2 0,-2-3 0,-1 5 0,-2-2 0,-1-3 0,0-3 0,0-3 0,-1-3 0,-7 7 0,0-1 0,0-1 0,9 6 0,2-1 0,9-2 0,1-2 0,-9 5 0,-3-3 0,-10 7 0,-1-2 0,-1-3 0,3-3 0,-6 4 0,2-2 0,2-2 0,-5 5 0,2-2 0,3 6 0,2-3 0,-4 5 0,1 5 0,2-4 0,3 4 0,1-5 0,3 3 0,1 3 0,0-4 0,-6 2 0,-1-4 0,1 3 0,1-6 0,1 5 0,-5 2 0,1 5 0,0-4 0,3-6 0,-6 2 0,1-4 0,2 2 0,2-3 0,-5 4 0,1-4 0,2 5 0,2-4 0,3 3 0,1 5 0,2 3 0,1 5 0,0-6 0,0 2 0,-7 2 0,0-7 0,-8 3 0,1-7 0,1 3 0,4-5 0,2-5 0,-4 3 0,1-3 0,-6 5 0,2-3 0,2-3 0,-4 4 0,2-3 0,-4 5 0,2-2 0,3-4 0,4-3 0,-4 4 0,2-2 0,2 6 0,3-3 0,1 5 0,-5 5 0,1-3 0,1-4 0,2-4 0,-5 2 0,0 5 0,2 4 0,2-2 0,3 4 0,1-5 0,-6 3 0,1-6 0,0-4 0,-5 4 0,-7 3 0,2-3 0,2 4 0,4-3 0,5-4 0,2-5 0,-4 3 0,1-2 0,0-2 0,-5 4 0,1 7 0,-5 5 0,1-3 0,4-3 0,2 2 0,4 3 0,3-3 0,1-5 0,-6 3 0,-7 3 0,0-3 0,1-3 0,4-5 0,-5 3 0,3-2 0,2-3 0,3 5 0,3-2 0,-6 5 0,1-2 0,1 5 0,2-3 0,1 4 0,-5 4 0,1 4 0,1-4 0,1-6 0,3-5 0,-6 2 0,-7 4 0,1-3 0,2-2 0,3 2 0,4 5 0,3-3 0,2-3 0,1-5 0,1 4 0,-7 4 0,0-2 0,-1-3 0,2-3 0,-6 3 0,2-2 0,-7 5 0,2-3 0,3-2 0,2 4 0,-3 5 0,2-2 0,-6-4 0</inkml:trace>
+</inkml:ink>
+</file>
+
+<file path=ppt/ink/ink52.xml><?xml version="1.0" encoding="utf-8"?>
+<inkml:ink xmlns:inkml="http://www.w3.org/2003/InkML">
+  <inkml:definitions>
+    <inkml:context xml:id="ctx0">
+      <inkml:inkSource xml:id="inkSrc0">
+        <inkml:traceFormat>
+          <inkml:channel name="X" type="integer" min="-2.14748E9" max="2.14748E9" units="cm"/>
+          <inkml:channel name="Y" type="integer" min="-2.14748E9" max="2.14748E9" units="cm"/>
+          <inkml:channel name="F" type="integer" max="32767" units="dev"/>
+        </inkml:traceFormat>
+        <inkml:channelProperties>
+          <inkml:channelProperty channel="X" name="resolution" value="1000" units="1/cm"/>
+          <inkml:channelProperty channel="Y" name="resolution" value="1000" units="1/cm"/>
+          <inkml:channelProperty channel="F" name="resolution" value="0" units="1/dev"/>
+        </inkml:channelProperties>
+      </inkml:inkSource>
+      <inkml:timestamp xml:id="ts0" timeString="2023-08-15T12:03:34.906"/>
+    </inkml:context>
+    <inkml:brush xml:id="br0">
+      <inkml:brushProperty name="width" value="0.1" units="cm"/>
+      <inkml:brushProperty name="height" value="0.1" units="cm"/>
+      <inkml:brushProperty name="color" value="#AE198D"/>
+      <inkml:brushProperty name="inkEffects" value="galaxy"/>
+      <inkml:brushProperty name="anchorX" value="-26753.08008"/>
+      <inkml:brushProperty name="anchorY" value="-4207.06152"/>
+      <inkml:brushProperty name="scaleFactor" value="0.5"/>
+    </inkml:brush>
+  </inkml:definitions>
+  <inkml:trace contextRef="#ctx0" brushRef="#br0">774 0 24575,'0'0'0,"7"0"0,9 0 0,0 8 0,6 7 0,4 1 0,5-2 0,-4 5 0,1-4 0,-5 5 0,1 4 0,-5 4 0,3-3 0,2-5 0,-3 2 0,-4 2 0,-5 3 0,-5 5 0,4-6 0,6-5 0,-2 1 0,-1 2 0,3-4 0,-2 3 0,-4 3 0,-3 4 0,-3 3 0,-2 2 0,5-5 0,0 0 0,-1 1 0,6-7 0,6-5 0,7-7 0,-2 3 0,-5 4 0,2-3 0,-4 5 0,-4 5 0,-5 3 0,-3 4 0,-3 2 0,6-5 0,-8-7 0,-8-7 0,-10-7 0,-7-5 0,-7-2 0,-4-3 0,5 8 0,8 6 0,-1 2 0,-2-2 0,-2-3 0,-3-2 0,-3-4 0,-2-2 0,-1-1 0,-1-1 0,-1-1 0,1 1 0,-1-1 0,1 1 0,-1-1 0,1 1 0,0 0 0,1 0 0,-1 0 0,0-8 0,0 0 0,0 1 0,0 0 0,0 2 0,0 2 0,0 2 0,0 0 0,1-6 0,6-9 0,1 1 0,0 1 0,-1 3 0,-3 4 0,-1-5 0,-1 2 0,-1 2 0,6-6 0,9 3 0</inkml:trace>
+</inkml:ink>
+</file>
+
+<file path=ppt/ink/ink6.xml><?xml version="1.0" encoding="utf-8"?>
+<inkml:ink xmlns:inkml="http://www.w3.org/2003/InkML">
+  <inkml:definitions>
+    <inkml:context xml:id="ctx0">
+      <inkml:inkSource xml:id="inkSrc0">
+        <inkml:traceFormat>
+          <inkml:channel name="X" type="integer" min="-2.14748E9" max="2.14748E9" units="cm"/>
+          <inkml:channel name="Y" type="integer" min="-2.14748E9" max="2.14748E9" units="cm"/>
+          <inkml:channel name="F" type="integer" max="32767" units="dev"/>
+        </inkml:traceFormat>
+        <inkml:channelProperties>
+          <inkml:channelProperty channel="X" name="resolution" value="1000" units="1/cm"/>
+          <inkml:channelProperty channel="Y" name="resolution" value="1000" units="1/cm"/>
+          <inkml:channelProperty channel="F" name="resolution" value="0" units="1/dev"/>
+        </inkml:channelProperties>
+      </inkml:inkSource>
+      <inkml:timestamp xml:id="ts0" timeString="2023-08-15T11:52:55.483"/>
+    </inkml:context>
+    <inkml:brush xml:id="br0">
+      <inkml:brushProperty name="width" value="0.05" units="cm"/>
+      <inkml:brushProperty name="height" value="0.05" units="cm"/>
+      <inkml:brushProperty name="color" value="#E71224"/>
+    </inkml:brush>
+  </inkml:definitions>
+  <inkml:trace contextRef="#ctx0" brushRef="#br0">1 1 24575,'6'-1'0,"-1"1"0,1 0 0,0 0 0,-1 1 0,1-1 0,-1 1 0,1 0 0,0 1 0,-1 0 0,0-1 0,1 2 0,-1-1 0,0 0 0,6 5 0,1 0 0,-1-1 0,1 0 0,0-1 0,0 0 0,1-1 0,-1 0 0,1-1 0,15 1 0,110 5 0,-98-8 0,543 0-860,242 11-922,728 53-323,-1415-64 2091,311 4-115,-4 31 223,-45 22 4501,-245-42-4487,70 12-15,759 176-93,-836-182 0,-20-4 0,-82-8 0,50 20 0,27 7 0,115 13 0,114 26 0,-266-58 0,1-3 0,0-4 0,0-4 0,104-5 0,537-5 0,-404 4 0,-290-4 0,-27 2 0,0-1 0,0 2 0,0-1 0,0 1 0,0 0 0,13 3 0,-19-3 0,1 1 0,-1-1 0,0 1 0,1 0 0,-1 0 0,0 0 0,1 0 0,-1 0 0,0 0 0,0 0 0,0 0 0,0 0 0,0 0 0,0 1 0,0-1 0,0 0 0,-1 1 0,1-1 0,0 1 0,-1-1 0,1 0 0,-1 1 0,0-1 0,1 1 0,-1 0 0,0-1 0,0 1 0,0-1 0,0 1 0,0-1 0,0 1 0,-1-1 0,1 1 0,0-1 0,-1 1 0,0 1 0,-38 154 0,7-37 0,1 17-55,-102 401-693,83-369 715,7 2 1,8 2 0,8 1 0,-6 185 0,34 459-35,4-323 938,-7-333-745,5 226-55,3-294-83,4-1 0,24 105-1,150 450-10532,-151-555 11027,-4-16 1310,-3 1 0,24 125 0,-42-125 3118,6 31-5133,1-44 223,37 97 0,-29-90 0,-4 1 0,14 103 0,-16-79 0,-11-52 0,-2-1 0,-3 68 0,2 26 0,0-122 0,0 1 0,1-1 0,1 0 0,0 0 0,12 21 0,-10-20 0,0 0 0,-1 0 0,-1 0 0,5 25 0,-5 32-1365,-4-41-5461</inkml:trace>
+</inkml:ink>
+</file>
+
+<file path=ppt/ink/ink7.xml><?xml version="1.0" encoding="utf-8"?>
+<inkml:ink xmlns:inkml="http://www.w3.org/2003/InkML">
+  <inkml:definitions>
+    <inkml:context xml:id="ctx0">
+      <inkml:inkSource xml:id="inkSrc0">
+        <inkml:traceFormat>
+          <inkml:channel name="X" type="integer" min="-2.14748E9" max="2.14748E9" units="cm"/>
+          <inkml:channel name="Y" type="integer" min="-2.14748E9" max="2.14748E9" units="cm"/>
+          <inkml:channel name="F" type="integer" max="32767" units="dev"/>
+        </inkml:traceFormat>
+        <inkml:channelProperties>
+          <inkml:channelProperty channel="X" name="resolution" value="1000" units="1/cm"/>
+          <inkml:channelProperty channel="Y" name="resolution" value="1000" units="1/cm"/>
+          <inkml:channelProperty channel="F" name="resolution" value="0" units="1/dev"/>
+        </inkml:channelProperties>
+      </inkml:inkSource>
+      <inkml:timestamp xml:id="ts0" timeString="2023-08-15T11:52:58.814"/>
+    </inkml:context>
+    <inkml:brush xml:id="br0">
+      <inkml:brushProperty name="width" value="0.05" units="cm"/>
+      <inkml:brushProperty name="height" value="0.05" units="cm"/>
+      <inkml:brushProperty name="color" value="#E71224"/>
+    </inkml:brush>
+  </inkml:definitions>
+  <inkml:trace contextRef="#ctx0" brushRef="#br0">123 1 24575,'-6'0'0,"0"0"0,0 0 0,-1 1 0,1-1 0,0 1 0,0 1 0,0-1 0,1 1 0,-1 0 0,-6 3 0,9-3 0,0 1 0,0-1 0,0 0 0,1 1 0,-1 0 0,1 0 0,-1 0 0,1 0 0,0 0 0,0 0 0,1 1 0,-1-1 0,0 1 0,1-1 0,0 1 0,0 0 0,-1 5 0,-3 31 0,1 1 0,1-1 0,3 0 0,5 43 0,-2 17 0,-4 33 0,4 112 0,-3-241 0,1 0 0,0 0 0,-1-1 0,2 1 0,-1 0 0,0-1 0,1 1 0,-1-1 0,1 1 0,0-1 0,0 0 0,1 0 0,-1 0 0,1 0 0,-1 0 0,1-1 0,0 1 0,0-1 0,0 1 0,0-1 0,1 0 0,-1-1 0,1 1 0,-1 0 0,1-1 0,-1 0 0,1 0 0,0 0 0,-1 0 0,7 0 0,13 2 0,0-2 0,0 0 0,0-1 0,24-4 0,-6 1 0,70 2 0,47-3 0,-154 4-105,0-1 0,0 1 0,0-1 0,0 0 0,0 0 0,0-1 0,0 1 0,-1-1 0,1 0 0,0 0 0,-1 0 0,4-3 0,9-11-6721</inkml:trace>
+</inkml:ink>
+</file>
+
+<file path=ppt/ink/ink8.xml><?xml version="1.0" encoding="utf-8"?>
+<inkml:ink xmlns:inkml="http://www.w3.org/2003/InkML">
+  <inkml:definitions>
+    <inkml:context xml:id="ctx0">
+      <inkml:inkSource xml:id="inkSrc0">
+        <inkml:traceFormat>
+          <inkml:channel name="X" type="integer" min="-2.14748E9" max="2.14748E9" units="cm"/>
+          <inkml:channel name="Y" type="integer" min="-2.14748E9" max="2.14748E9" units="cm"/>
+          <inkml:channel name="F" type="integer" max="32767" units="dev"/>
+        </inkml:traceFormat>
+        <inkml:channelProperties>
+          <inkml:channelProperty channel="X" name="resolution" value="1000" units="1/cm"/>
+          <inkml:channelProperty channel="Y" name="resolution" value="1000" units="1/cm"/>
+          <inkml:channelProperty channel="F" name="resolution" value="0" units="1/dev"/>
+        </inkml:channelProperties>
+      </inkml:inkSource>
+      <inkml:timestamp xml:id="ts0" timeString="2023-08-15T11:53:01.205"/>
+    </inkml:context>
+    <inkml:brush xml:id="br0">
+      <inkml:brushProperty name="width" value="0.05" units="cm"/>
+      <inkml:brushProperty name="height" value="0.05" units="cm"/>
+      <inkml:brushProperty name="color" value="#E71224"/>
+    </inkml:brush>
+  </inkml:definitions>
+  <inkml:trace contextRef="#ctx0" brushRef="#br0">2 0 24575,'-1'137'0,"3"154"0,5-234 0,20 83 0,2 14 0,-16 11-6,-11 231-1,-5-179-1345,3-185-5474</inkml:trace>
+</inkml:ink>
+</file>
+
+<file path=ppt/ink/ink9.xml><?xml version="1.0" encoding="utf-8"?>
+<inkml:ink xmlns:inkml="http://www.w3.org/2003/InkML">
+  <inkml:definitions>
+    <inkml:context xml:id="ctx0">
+      <inkml:inkSource xml:id="inkSrc0">
+        <inkml:traceFormat>
+          <inkml:channel name="X" type="integer" min="-2.14748E9" max="2.14748E9" units="cm"/>
+          <inkml:channel name="Y" type="integer" min="-2.14748E9" max="2.14748E9" units="cm"/>
+          <inkml:channel name="F" type="integer" max="32767" units="dev"/>
+        </inkml:traceFormat>
+        <inkml:channelProperties>
+          <inkml:channelProperty channel="X" name="resolution" value="1000" units="1/cm"/>
+          <inkml:channelProperty channel="Y" name="resolution" value="1000" units="1/cm"/>
+          <inkml:channelProperty channel="F" name="resolution" value="0" units="1/dev"/>
+        </inkml:channelProperties>
+      </inkml:inkSource>
+      <inkml:timestamp xml:id="ts0" timeString="2023-08-15T11:53:01.874"/>
+    </inkml:context>
+    <inkml:brush xml:id="br0">
+      <inkml:brushProperty name="width" value="0.05" units="cm"/>
+      <inkml:brushProperty name="height" value="0.05" units="cm"/>
+      <inkml:brushProperty name="color" value="#E71224"/>
+    </inkml:brush>
+  </inkml:definitions>
+  <inkml:trace contextRef="#ctx0" brushRef="#br0">1 0 24575,'0'1068'-1365,"0"-1036"-5461</inkml:trace>
+</inkml:ink>
+</file>
+
 <file path=ppt/slideLayouts/slideLayout1.xml><?xml version="1.0" encoding="utf-8"?>
 <p:sldLayout xmlns:a="http://schemas.openxmlformats.org/drawingml/2006/main" xmlns:r="http://schemas.openxmlformats.org/officeDocument/2006/relationships" xmlns:p="http://schemas.openxmlformats.org/presentationml/2006/main" type="title" preserve="1">
   <p:cSld name="Title Slide">
@@ -3896,7 +5367,7 @@
           <a:p>
             <a:fld id="{56E86694-C861-44A8-AB30-CAA32AC2D8F5}" type="datetimeFigureOut">
               <a:rPr lang="en-US" smtClean="0"/>
-              <a:t>8/11/2023</a:t>
+              <a:t>8/16/2023</a:t>
             </a:fld>
             <a:endParaRPr lang="en-US"/>
           </a:p>
@@ -4094,7 +5565,7 @@
           <a:p>
             <a:fld id="{56E86694-C861-44A8-AB30-CAA32AC2D8F5}" type="datetimeFigureOut">
               <a:rPr lang="en-US" smtClean="0"/>
-              <a:t>8/11/2023</a:t>
+              <a:t>8/16/2023</a:t>
             </a:fld>
             <a:endParaRPr lang="en-US"/>
           </a:p>
@@ -4302,7 +5773,7 @@
           <a:p>
             <a:fld id="{56E86694-C861-44A8-AB30-CAA32AC2D8F5}" type="datetimeFigureOut">
               <a:rPr lang="en-US" smtClean="0"/>
-              <a:t>8/11/2023</a:t>
+              <a:t>8/16/2023</a:t>
             </a:fld>
             <a:endParaRPr lang="en-US"/>
           </a:p>
@@ -4500,7 +5971,7 @@
           <a:p>
             <a:fld id="{56E86694-C861-44A8-AB30-CAA32AC2D8F5}" type="datetimeFigureOut">
               <a:rPr lang="en-US" smtClean="0"/>
-              <a:t>8/11/2023</a:t>
+              <a:t>8/16/2023</a:t>
             </a:fld>
             <a:endParaRPr lang="en-US"/>
           </a:p>
@@ -4775,7 +6246,7 @@
           <a:p>
             <a:fld id="{56E86694-C861-44A8-AB30-CAA32AC2D8F5}" type="datetimeFigureOut">
               <a:rPr lang="en-US" smtClean="0"/>
-              <a:t>8/11/2023</a:t>
+              <a:t>8/16/2023</a:t>
             </a:fld>
             <a:endParaRPr lang="en-US"/>
           </a:p>
@@ -5040,7 +6511,7 @@
           <a:p>
             <a:fld id="{56E86694-C861-44A8-AB30-CAA32AC2D8F5}" type="datetimeFigureOut">
               <a:rPr lang="en-US" smtClean="0"/>
-              <a:t>8/11/2023</a:t>
+              <a:t>8/16/2023</a:t>
             </a:fld>
             <a:endParaRPr lang="en-US"/>
           </a:p>
@@ -5452,7 +6923,7 @@
           <a:p>
             <a:fld id="{56E86694-C861-44A8-AB30-CAA32AC2D8F5}" type="datetimeFigureOut">
               <a:rPr lang="en-US" smtClean="0"/>
-              <a:t>8/11/2023</a:t>
+              <a:t>8/16/2023</a:t>
             </a:fld>
             <a:endParaRPr lang="en-US"/>
           </a:p>
@@ -5593,7 +7064,7 @@
           <a:p>
             <a:fld id="{56E86694-C861-44A8-AB30-CAA32AC2D8F5}" type="datetimeFigureOut">
               <a:rPr lang="en-US" smtClean="0"/>
-              <a:t>8/11/2023</a:t>
+              <a:t>8/16/2023</a:t>
             </a:fld>
             <a:endParaRPr lang="en-US"/>
           </a:p>
@@ -5706,7 +7177,7 @@
           <a:p>
             <a:fld id="{56E86694-C861-44A8-AB30-CAA32AC2D8F5}" type="datetimeFigureOut">
               <a:rPr lang="en-US" smtClean="0"/>
-              <a:t>8/11/2023</a:t>
+              <a:t>8/16/2023</a:t>
             </a:fld>
             <a:endParaRPr lang="en-US"/>
           </a:p>
@@ -6017,7 +7488,7 @@
           <a:p>
             <a:fld id="{56E86694-C861-44A8-AB30-CAA32AC2D8F5}" type="datetimeFigureOut">
               <a:rPr lang="en-US" smtClean="0"/>
-              <a:t>8/11/2023</a:t>
+              <a:t>8/16/2023</a:t>
             </a:fld>
             <a:endParaRPr lang="en-US"/>
           </a:p>
@@ -6305,7 +7776,7 @@
           <a:p>
             <a:fld id="{56E86694-C861-44A8-AB30-CAA32AC2D8F5}" type="datetimeFigureOut">
               <a:rPr lang="en-US" smtClean="0"/>
-              <a:t>8/11/2023</a:t>
+              <a:t>8/16/2023</a:t>
             </a:fld>
             <a:endParaRPr lang="en-US"/>
           </a:p>
@@ -6546,7 +8017,7 @@
           <a:p>
             <a:fld id="{56E86694-C861-44A8-AB30-CAA32AC2D8F5}" type="datetimeFigureOut">
               <a:rPr lang="en-US" smtClean="0"/>
-              <a:t>8/11/2023</a:t>
+              <a:t>8/16/2023</a:t>
             </a:fld>
             <a:endParaRPr lang="en-US"/>
           </a:p>
@@ -12617,6 +14088,2675 @@
 </p:sld>
 </file>
 
+<file path=ppt/slides/slide18.xml><?xml version="1.0" encoding="utf-8"?>
+<p:sld xmlns:a="http://schemas.openxmlformats.org/drawingml/2006/main" xmlns:r="http://schemas.openxmlformats.org/officeDocument/2006/relationships" xmlns:p="http://schemas.openxmlformats.org/presentationml/2006/main">
+  <p:cSld>
+    <p:spTree>
+      <p:nvGrpSpPr>
+        <p:cNvPr id="1" name=""/>
+        <p:cNvGrpSpPr/>
+        <p:nvPr/>
+      </p:nvGrpSpPr>
+      <p:grpSpPr>
+        <a:xfrm>
+          <a:off x="0" y="0"/>
+          <a:ext cx="0" cy="0"/>
+          <a:chOff x="0" y="0"/>
+          <a:chExt cx="0" cy="0"/>
+        </a:xfrm>
+      </p:grpSpPr>
+      <p:sp>
+        <p:nvSpPr>
+          <p:cNvPr id="2" name="Title 1">
+            <a:extLst>
+              <a:ext uri="{FF2B5EF4-FFF2-40B4-BE49-F238E27FC236}">
+                <a16:creationId xmlns:a16="http://schemas.microsoft.com/office/drawing/2014/main" id="{2A1FC933-AF8D-4573-5121-FCD228EA77AA}"/>
+              </a:ext>
+            </a:extLst>
+          </p:cNvPr>
+          <p:cNvSpPr>
+            <a:spLocks noGrp="1"/>
+          </p:cNvSpPr>
+          <p:nvPr>
+            <p:ph type="title"/>
+          </p:nvPr>
+        </p:nvSpPr>
+        <p:spPr/>
+        <p:txBody>
+          <a:bodyPr/>
+          <a:lstStyle/>
+          <a:p>
+            <a:r>
+              <a:rPr lang="en-US" dirty="0"/>
+              <a:t>Building a Burger</a:t>
+            </a:r>
+          </a:p>
+        </p:txBody>
+      </p:sp>
+      <p:sp>
+        <p:nvSpPr>
+          <p:cNvPr id="3" name="Content Placeholder 2">
+            <a:extLst>
+              <a:ext uri="{FF2B5EF4-FFF2-40B4-BE49-F238E27FC236}">
+                <a16:creationId xmlns:a16="http://schemas.microsoft.com/office/drawing/2014/main" id="{AD4948AB-0141-5C0B-7C1A-0647947336A0}"/>
+              </a:ext>
+            </a:extLst>
+          </p:cNvPr>
+          <p:cNvSpPr>
+            <a:spLocks noGrp="1"/>
+          </p:cNvSpPr>
+          <p:nvPr>
+            <p:ph idx="1"/>
+          </p:nvPr>
+        </p:nvSpPr>
+        <p:spPr/>
+        <p:txBody>
+          <a:bodyPr/>
+          <a:lstStyle/>
+          <a:p>
+            <a:pPr marL="514350" indent="-514350">
+              <a:buAutoNum type="arabicPeriod"/>
+            </a:pPr>
+            <a:r>
+              <a:rPr lang="en-US" dirty="0"/>
+              <a:t>Component Tree/ Component Structure</a:t>
+            </a:r>
+          </a:p>
+          <a:p>
+            <a:pPr marL="514350" indent="-514350">
+              <a:buAutoNum type="arabicPeriod"/>
+            </a:pPr>
+            <a:r>
+              <a:rPr lang="en-US" dirty="0"/>
+              <a:t>Application State (Data)</a:t>
+            </a:r>
+          </a:p>
+          <a:p>
+            <a:pPr marL="514350" indent="-514350">
+              <a:buAutoNum type="arabicPeriod"/>
+            </a:pPr>
+            <a:r>
+              <a:rPr lang="en-US" dirty="0"/>
+              <a:t>Components vs Containers</a:t>
+            </a:r>
+          </a:p>
+        </p:txBody>
+      </p:sp>
+    </p:spTree>
+    <p:extLst>
+      <p:ext uri="{BB962C8B-B14F-4D97-AF65-F5344CB8AC3E}">
+        <p14:creationId xmlns:p14="http://schemas.microsoft.com/office/powerpoint/2010/main" val="3290572087"/>
+      </p:ext>
+    </p:extLst>
+  </p:cSld>
+  <p:clrMapOvr>
+    <a:masterClrMapping/>
+  </p:clrMapOvr>
+</p:sld>
+</file>
+
+<file path=ppt/slides/slide19.xml><?xml version="1.0" encoding="utf-8"?>
+<p:sld xmlns:a="http://schemas.openxmlformats.org/drawingml/2006/main" xmlns:r="http://schemas.openxmlformats.org/officeDocument/2006/relationships" xmlns:p="http://schemas.openxmlformats.org/presentationml/2006/main">
+  <p:cSld>
+    <p:spTree>
+      <p:nvGrpSpPr>
+        <p:cNvPr id="1" name=""/>
+        <p:cNvGrpSpPr/>
+        <p:nvPr/>
+      </p:nvGrpSpPr>
+      <p:grpSpPr>
+        <a:xfrm>
+          <a:off x="0" y="0"/>
+          <a:ext cx="0" cy="0"/>
+          <a:chOff x="0" y="0"/>
+          <a:chExt cx="0" cy="0"/>
+        </a:xfrm>
+      </p:grpSpPr>
+      <mc:AlternateContent xmlns:mc="http://schemas.openxmlformats.org/markup-compatibility/2006" xmlns:p14="http://schemas.microsoft.com/office/powerpoint/2010/main">
+        <mc:Choice Requires="p14">
+          <p:contentPart p14:bwMode="auto" r:id="rId2">
+            <p14:nvContentPartPr>
+              <p14:cNvPr id="4" name="Ink 3">
+                <a:extLst>
+                  <a:ext uri="{FF2B5EF4-FFF2-40B4-BE49-F238E27FC236}">
+                    <a16:creationId xmlns:a16="http://schemas.microsoft.com/office/drawing/2014/main" id="{EAA3A98A-6877-672A-E8AF-0DC8DB018CCF}"/>
+                  </a:ext>
+                </a:extLst>
+              </p14:cNvPr>
+              <p14:cNvContentPartPr/>
+              <p14:nvPr/>
+            </p14:nvContentPartPr>
+            <p14:xfrm>
+              <a:off x="705546" y="545787"/>
+              <a:ext cx="331560" cy="2545200"/>
+            </p14:xfrm>
+          </p:contentPart>
+        </mc:Choice>
+        <mc:Fallback xmlns="">
+          <p:pic>
+            <p:nvPicPr>
+              <p:cNvPr id="4" name="Ink 3">
+                <a:extLst>
+                  <a:ext uri="{FF2B5EF4-FFF2-40B4-BE49-F238E27FC236}">
+                    <a16:creationId xmlns:a16="http://schemas.microsoft.com/office/drawing/2014/main" id="{EAA3A98A-6877-672A-E8AF-0DC8DB018CCF}"/>
+                  </a:ext>
+                </a:extLst>
+              </p:cNvPr>
+              <p:cNvPicPr/>
+              <p:nvPr/>
+            </p:nvPicPr>
+            <p:blipFill>
+              <a:blip r:embed="rId3"/>
+              <a:stretch>
+                <a:fillRect/>
+              </a:stretch>
+            </p:blipFill>
+            <p:spPr>
+              <a:xfrm>
+                <a:off x="696546" y="536787"/>
+                <a:ext cx="349200" cy="2562840"/>
+              </a:xfrm>
+              <a:prstGeom prst="rect">
+                <a:avLst/>
+              </a:prstGeom>
+            </p:spPr>
+          </p:pic>
+        </mc:Fallback>
+      </mc:AlternateContent>
+      <mc:AlternateContent xmlns:mc="http://schemas.openxmlformats.org/markup-compatibility/2006" xmlns:p14="http://schemas.microsoft.com/office/powerpoint/2010/main">
+        <mc:Choice Requires="p14">
+          <p:contentPart p14:bwMode="auto" r:id="rId4">
+            <p14:nvContentPartPr>
+              <p14:cNvPr id="33" name="Ink 32">
+                <a:extLst>
+                  <a:ext uri="{FF2B5EF4-FFF2-40B4-BE49-F238E27FC236}">
+                    <a16:creationId xmlns:a16="http://schemas.microsoft.com/office/drawing/2014/main" id="{D089F904-EDD6-B0DD-B2C5-6CCFF461608C}"/>
+                  </a:ext>
+                </a:extLst>
+              </p14:cNvPr>
+              <p14:cNvContentPartPr/>
+              <p14:nvPr/>
+            </p14:nvContentPartPr>
+            <p14:xfrm>
+              <a:off x="844506" y="3643587"/>
+              <a:ext cx="138600" cy="1377360"/>
+            </p14:xfrm>
+          </p:contentPart>
+        </mc:Choice>
+        <mc:Fallback xmlns="">
+          <p:pic>
+            <p:nvPicPr>
+              <p:cNvPr id="33" name="Ink 32">
+                <a:extLst>
+                  <a:ext uri="{FF2B5EF4-FFF2-40B4-BE49-F238E27FC236}">
+                    <a16:creationId xmlns:a16="http://schemas.microsoft.com/office/drawing/2014/main" id="{D089F904-EDD6-B0DD-B2C5-6CCFF461608C}"/>
+                  </a:ext>
+                </a:extLst>
+              </p:cNvPr>
+              <p:cNvPicPr/>
+              <p:nvPr/>
+            </p:nvPicPr>
+            <p:blipFill>
+              <a:blip r:embed="rId5"/>
+              <a:stretch>
+                <a:fillRect/>
+              </a:stretch>
+            </p:blipFill>
+            <p:spPr>
+              <a:xfrm>
+                <a:off x="835506" y="3634947"/>
+                <a:ext cx="156240" cy="1395000"/>
+              </a:xfrm>
+              <a:prstGeom prst="rect">
+                <a:avLst/>
+              </a:prstGeom>
+            </p:spPr>
+          </p:pic>
+        </mc:Fallback>
+      </mc:AlternateContent>
+      <mc:AlternateContent xmlns:mc="http://schemas.openxmlformats.org/markup-compatibility/2006" xmlns:p14="http://schemas.microsoft.com/office/powerpoint/2010/main">
+        <mc:Choice Requires="p14">
+          <p:contentPart p14:bwMode="auto" r:id="rId6">
+            <p14:nvContentPartPr>
+              <p14:cNvPr id="34" name="Ink 33">
+                <a:extLst>
+                  <a:ext uri="{FF2B5EF4-FFF2-40B4-BE49-F238E27FC236}">
+                    <a16:creationId xmlns:a16="http://schemas.microsoft.com/office/drawing/2014/main" id="{A2558EDA-0E57-324E-B4FD-76E3832EC43B}"/>
+                  </a:ext>
+                </a:extLst>
+              </p14:cNvPr>
+              <p14:cNvContentPartPr/>
+              <p14:nvPr/>
+            </p14:nvContentPartPr>
+            <p14:xfrm>
+              <a:off x="943506" y="3629907"/>
+              <a:ext cx="2536560" cy="1517040"/>
+            </p14:xfrm>
+          </p:contentPart>
+        </mc:Choice>
+        <mc:Fallback xmlns="">
+          <p:pic>
+            <p:nvPicPr>
+              <p:cNvPr id="34" name="Ink 33">
+                <a:extLst>
+                  <a:ext uri="{FF2B5EF4-FFF2-40B4-BE49-F238E27FC236}">
+                    <a16:creationId xmlns:a16="http://schemas.microsoft.com/office/drawing/2014/main" id="{A2558EDA-0E57-324E-B4FD-76E3832EC43B}"/>
+                  </a:ext>
+                </a:extLst>
+              </p:cNvPr>
+              <p:cNvPicPr/>
+              <p:nvPr/>
+            </p:nvPicPr>
+            <p:blipFill>
+              <a:blip r:embed="rId7"/>
+              <a:stretch>
+                <a:fillRect/>
+              </a:stretch>
+            </p:blipFill>
+            <p:spPr>
+              <a:xfrm>
+                <a:off x="934506" y="3620907"/>
+                <a:ext cx="2554200" cy="1534680"/>
+              </a:xfrm>
+              <a:prstGeom prst="rect">
+                <a:avLst/>
+              </a:prstGeom>
+            </p:spPr>
+          </p:pic>
+        </mc:Fallback>
+      </mc:AlternateContent>
+      <p:grpSp>
+        <p:nvGrpSpPr>
+          <p:cNvPr id="39" name="Group 38">
+            <a:extLst>
+              <a:ext uri="{FF2B5EF4-FFF2-40B4-BE49-F238E27FC236}">
+                <a16:creationId xmlns:a16="http://schemas.microsoft.com/office/drawing/2014/main" id="{DD61D86A-0C49-1CB4-8D92-8A2170F58C1F}"/>
+              </a:ext>
+            </a:extLst>
+          </p:cNvPr>
+          <p:cNvGrpSpPr/>
+          <p:nvPr/>
+        </p:nvGrpSpPr>
+        <p:grpSpPr>
+          <a:xfrm>
+            <a:off x="758106" y="600147"/>
+            <a:ext cx="3555360" cy="2963880"/>
+            <a:chOff x="758106" y="600147"/>
+            <a:chExt cx="3555360" cy="2963880"/>
+          </a:xfrm>
+        </p:grpSpPr>
+        <mc:AlternateContent xmlns:mc="http://schemas.openxmlformats.org/markup-compatibility/2006" xmlns:p14="http://schemas.microsoft.com/office/powerpoint/2010/main">
+          <mc:Choice Requires="p14">
+            <p:contentPart p14:bwMode="auto" r:id="rId8">
+              <p14:nvContentPartPr>
+                <p14:cNvPr id="36" name="Ink 35">
+                  <a:extLst>
+                    <a:ext uri="{FF2B5EF4-FFF2-40B4-BE49-F238E27FC236}">
+                      <a16:creationId xmlns:a16="http://schemas.microsoft.com/office/drawing/2014/main" id="{CD4B151A-19C5-5289-1C3A-2B79491FA6D3}"/>
+                    </a:ext>
+                  </a:extLst>
+                </p14:cNvPr>
+                <p14:cNvContentPartPr/>
+                <p14:nvPr/>
+              </p14:nvContentPartPr>
+              <p14:xfrm>
+                <a:off x="758106" y="3029427"/>
+                <a:ext cx="2877840" cy="534600"/>
+              </p14:xfrm>
+            </p:contentPart>
+          </mc:Choice>
+          <mc:Fallback xmlns="">
+            <p:pic>
+              <p:nvPicPr>
+                <p:cNvPr id="36" name="Ink 35">
+                  <a:extLst>
+                    <a:ext uri="{FF2B5EF4-FFF2-40B4-BE49-F238E27FC236}">
+                      <a16:creationId xmlns:a16="http://schemas.microsoft.com/office/drawing/2014/main" id="{CD4B151A-19C5-5289-1C3A-2B79491FA6D3}"/>
+                    </a:ext>
+                  </a:extLst>
+                </p:cNvPr>
+                <p:cNvPicPr/>
+                <p:nvPr/>
+              </p:nvPicPr>
+              <p:blipFill>
+                <a:blip r:embed="rId9"/>
+                <a:stretch>
+                  <a:fillRect/>
+                </a:stretch>
+              </p:blipFill>
+              <p:spPr>
+                <a:xfrm>
+                  <a:off x="749466" y="3020427"/>
+                  <a:ext cx="2895480" cy="552240"/>
+                </a:xfrm>
+                <a:prstGeom prst="rect">
+                  <a:avLst/>
+                </a:prstGeom>
+              </p:spPr>
+            </p:pic>
+          </mc:Fallback>
+        </mc:AlternateContent>
+        <mc:AlternateContent xmlns:mc="http://schemas.openxmlformats.org/markup-compatibility/2006" xmlns:p14="http://schemas.microsoft.com/office/powerpoint/2010/main">
+          <mc:Choice Requires="p14">
+            <p:contentPart p14:bwMode="auto" r:id="rId10">
+              <p14:nvContentPartPr>
+                <p14:cNvPr id="5" name="Ink 4">
+                  <a:extLst>
+                    <a:ext uri="{FF2B5EF4-FFF2-40B4-BE49-F238E27FC236}">
+                      <a16:creationId xmlns:a16="http://schemas.microsoft.com/office/drawing/2014/main" id="{5D11FAE1-811D-FC2E-A03D-6674D6AB7B81}"/>
+                    </a:ext>
+                  </a:extLst>
+                </p14:cNvPr>
+                <p14:cNvContentPartPr/>
+                <p14:nvPr/>
+              </p14:nvContentPartPr>
+              <p14:xfrm>
+                <a:off x="1050426" y="1128627"/>
+                <a:ext cx="2571480" cy="2199600"/>
+              </p14:xfrm>
+            </p:contentPart>
+          </mc:Choice>
+          <mc:Fallback xmlns="">
+            <p:pic>
+              <p:nvPicPr>
+                <p:cNvPr id="5" name="Ink 4">
+                  <a:extLst>
+                    <a:ext uri="{FF2B5EF4-FFF2-40B4-BE49-F238E27FC236}">
+                      <a16:creationId xmlns:a16="http://schemas.microsoft.com/office/drawing/2014/main" id="{5D11FAE1-811D-FC2E-A03D-6674D6AB7B81}"/>
+                    </a:ext>
+                  </a:extLst>
+                </p:cNvPr>
+                <p:cNvPicPr/>
+                <p:nvPr/>
+              </p:nvPicPr>
+              <p:blipFill>
+                <a:blip r:embed="rId11"/>
+                <a:stretch>
+                  <a:fillRect/>
+                </a:stretch>
+              </p:blipFill>
+              <p:spPr>
+                <a:xfrm>
+                  <a:off x="1041786" y="1119987"/>
+                  <a:ext cx="2589120" cy="2217240"/>
+                </a:xfrm>
+                <a:prstGeom prst="rect">
+                  <a:avLst/>
+                </a:prstGeom>
+              </p:spPr>
+            </p:pic>
+          </mc:Fallback>
+        </mc:AlternateContent>
+        <mc:AlternateContent xmlns:mc="http://schemas.openxmlformats.org/markup-compatibility/2006" xmlns:p14="http://schemas.microsoft.com/office/powerpoint/2010/main">
+          <mc:Choice Requires="p14">
+            <p:contentPart p14:bwMode="auto" r:id="rId12">
+              <p14:nvContentPartPr>
+                <p14:cNvPr id="6" name="Ink 5">
+                  <a:extLst>
+                    <a:ext uri="{FF2B5EF4-FFF2-40B4-BE49-F238E27FC236}">
+                      <a16:creationId xmlns:a16="http://schemas.microsoft.com/office/drawing/2014/main" id="{DCA1FC4C-2D0E-36EC-C484-D8AFAE634132}"/>
+                    </a:ext>
+                  </a:extLst>
+                </p14:cNvPr>
+                <p14:cNvContentPartPr/>
+                <p14:nvPr/>
+              </p14:nvContentPartPr>
+              <p14:xfrm>
+                <a:off x="995706" y="600147"/>
+                <a:ext cx="3317760" cy="2769120"/>
+              </p14:xfrm>
+            </p:contentPart>
+          </mc:Choice>
+          <mc:Fallback xmlns="">
+            <p:pic>
+              <p:nvPicPr>
+                <p:cNvPr id="6" name="Ink 5">
+                  <a:extLst>
+                    <a:ext uri="{FF2B5EF4-FFF2-40B4-BE49-F238E27FC236}">
+                      <a16:creationId xmlns:a16="http://schemas.microsoft.com/office/drawing/2014/main" id="{DCA1FC4C-2D0E-36EC-C484-D8AFAE634132}"/>
+                    </a:ext>
+                  </a:extLst>
+                </p:cNvPr>
+                <p:cNvPicPr/>
+                <p:nvPr/>
+              </p:nvPicPr>
+              <p:blipFill>
+                <a:blip r:embed="rId13"/>
+                <a:stretch>
+                  <a:fillRect/>
+                </a:stretch>
+              </p:blipFill>
+              <p:spPr>
+                <a:xfrm>
+                  <a:off x="987066" y="591147"/>
+                  <a:ext cx="3335400" cy="2786760"/>
+                </a:xfrm>
+                <a:prstGeom prst="rect">
+                  <a:avLst/>
+                </a:prstGeom>
+              </p:spPr>
+            </p:pic>
+          </mc:Fallback>
+        </mc:AlternateContent>
+        <mc:AlternateContent xmlns:mc="http://schemas.openxmlformats.org/markup-compatibility/2006" xmlns:p14="http://schemas.microsoft.com/office/powerpoint/2010/main">
+          <mc:Choice Requires="p14">
+            <p:contentPart p14:bwMode="auto" r:id="rId14">
+              <p14:nvContentPartPr>
+                <p14:cNvPr id="8" name="Ink 7">
+                  <a:extLst>
+                    <a:ext uri="{FF2B5EF4-FFF2-40B4-BE49-F238E27FC236}">
+                      <a16:creationId xmlns:a16="http://schemas.microsoft.com/office/drawing/2014/main" id="{EA1E5FDF-3234-98D3-1F76-D49104EEF353}"/>
+                    </a:ext>
+                  </a:extLst>
+                </p14:cNvPr>
+                <p14:cNvContentPartPr/>
+                <p14:nvPr/>
+              </p14:nvContentPartPr>
+              <p14:xfrm>
+                <a:off x="1252026" y="790947"/>
+                <a:ext cx="219960" cy="317880"/>
+              </p14:xfrm>
+            </p:contentPart>
+          </mc:Choice>
+          <mc:Fallback xmlns="">
+            <p:pic>
+              <p:nvPicPr>
+                <p:cNvPr id="8" name="Ink 7">
+                  <a:extLst>
+                    <a:ext uri="{FF2B5EF4-FFF2-40B4-BE49-F238E27FC236}">
+                      <a16:creationId xmlns:a16="http://schemas.microsoft.com/office/drawing/2014/main" id="{EA1E5FDF-3234-98D3-1F76-D49104EEF353}"/>
+                    </a:ext>
+                  </a:extLst>
+                </p:cNvPr>
+                <p:cNvPicPr/>
+                <p:nvPr/>
+              </p:nvPicPr>
+              <p:blipFill>
+                <a:blip r:embed="rId15"/>
+                <a:stretch>
+                  <a:fillRect/>
+                </a:stretch>
+              </p:blipFill>
+              <p:spPr>
+                <a:xfrm>
+                  <a:off x="1243386" y="782307"/>
+                  <a:ext cx="237600" cy="335520"/>
+                </a:xfrm>
+                <a:prstGeom prst="rect">
+                  <a:avLst/>
+                </a:prstGeom>
+              </p:spPr>
+            </p:pic>
+          </mc:Fallback>
+        </mc:AlternateContent>
+        <mc:AlternateContent xmlns:mc="http://schemas.openxmlformats.org/markup-compatibility/2006" xmlns:p14="http://schemas.microsoft.com/office/powerpoint/2010/main">
+          <mc:Choice Requires="p14">
+            <p:contentPart p14:bwMode="auto" r:id="rId16">
+              <p14:nvContentPartPr>
+                <p14:cNvPr id="10" name="Ink 9">
+                  <a:extLst>
+                    <a:ext uri="{FF2B5EF4-FFF2-40B4-BE49-F238E27FC236}">
+                      <a16:creationId xmlns:a16="http://schemas.microsoft.com/office/drawing/2014/main" id="{F3B3DEEE-FB75-FBDC-37C4-DD772C0D3BFF}"/>
+                    </a:ext>
+                  </a:extLst>
+                </p14:cNvPr>
+                <p14:cNvContentPartPr/>
+                <p14:nvPr/>
+              </p14:nvContentPartPr>
+              <p14:xfrm>
+                <a:off x="2360106" y="681867"/>
+                <a:ext cx="29520" cy="572400"/>
+              </p14:xfrm>
+            </p:contentPart>
+          </mc:Choice>
+          <mc:Fallback xmlns="">
+            <p:pic>
+              <p:nvPicPr>
+                <p:cNvPr id="10" name="Ink 9">
+                  <a:extLst>
+                    <a:ext uri="{FF2B5EF4-FFF2-40B4-BE49-F238E27FC236}">
+                      <a16:creationId xmlns:a16="http://schemas.microsoft.com/office/drawing/2014/main" id="{F3B3DEEE-FB75-FBDC-37C4-DD772C0D3BFF}"/>
+                    </a:ext>
+                  </a:extLst>
+                </p:cNvPr>
+                <p:cNvPicPr/>
+                <p:nvPr/>
+              </p:nvPicPr>
+              <p:blipFill>
+                <a:blip r:embed="rId17"/>
+                <a:stretch>
+                  <a:fillRect/>
+                </a:stretch>
+              </p:blipFill>
+              <p:spPr>
+                <a:xfrm>
+                  <a:off x="2351466" y="672867"/>
+                  <a:ext cx="47160" cy="590040"/>
+                </a:xfrm>
+                <a:prstGeom prst="rect">
+                  <a:avLst/>
+                </a:prstGeom>
+              </p:spPr>
+            </p:pic>
+          </mc:Fallback>
+        </mc:AlternateContent>
+        <mc:AlternateContent xmlns:mc="http://schemas.openxmlformats.org/markup-compatibility/2006" xmlns:p14="http://schemas.microsoft.com/office/powerpoint/2010/main">
+          <mc:Choice Requires="p14">
+            <p:contentPart p14:bwMode="auto" r:id="rId18">
+              <p14:nvContentPartPr>
+                <p14:cNvPr id="11" name="Ink 10">
+                  <a:extLst>
+                    <a:ext uri="{FF2B5EF4-FFF2-40B4-BE49-F238E27FC236}">
+                      <a16:creationId xmlns:a16="http://schemas.microsoft.com/office/drawing/2014/main" id="{D7422A21-482E-7711-90E5-402E509BAC0B}"/>
+                    </a:ext>
+                  </a:extLst>
+                </p14:cNvPr>
+                <p14:cNvContentPartPr/>
+                <p14:nvPr/>
+              </p14:nvContentPartPr>
+              <p14:xfrm>
+                <a:off x="2620026" y="777267"/>
+                <a:ext cx="360" cy="396360"/>
+              </p14:xfrm>
+            </p:contentPart>
+          </mc:Choice>
+          <mc:Fallback xmlns="">
+            <p:pic>
+              <p:nvPicPr>
+                <p:cNvPr id="11" name="Ink 10">
+                  <a:extLst>
+                    <a:ext uri="{FF2B5EF4-FFF2-40B4-BE49-F238E27FC236}">
+                      <a16:creationId xmlns:a16="http://schemas.microsoft.com/office/drawing/2014/main" id="{D7422A21-482E-7711-90E5-402E509BAC0B}"/>
+                    </a:ext>
+                  </a:extLst>
+                </p:cNvPr>
+                <p:cNvPicPr/>
+                <p:nvPr/>
+              </p:nvPicPr>
+              <p:blipFill>
+                <a:blip r:embed="rId19"/>
+                <a:stretch>
+                  <a:fillRect/>
+                </a:stretch>
+              </p:blipFill>
+              <p:spPr>
+                <a:xfrm>
+                  <a:off x="2611386" y="768267"/>
+                  <a:ext cx="18000" cy="414000"/>
+                </a:xfrm>
+                <a:prstGeom prst="rect">
+                  <a:avLst/>
+                </a:prstGeom>
+              </p:spPr>
+            </p:pic>
+          </mc:Fallback>
+        </mc:AlternateContent>
+        <mc:AlternateContent xmlns:mc="http://schemas.openxmlformats.org/markup-compatibility/2006" xmlns:p14="http://schemas.microsoft.com/office/powerpoint/2010/main">
+          <mc:Choice Requires="p14">
+            <p:contentPart p14:bwMode="auto" r:id="rId20">
+              <p14:nvContentPartPr>
+                <p14:cNvPr id="12" name="Ink 11">
+                  <a:extLst>
+                    <a:ext uri="{FF2B5EF4-FFF2-40B4-BE49-F238E27FC236}">
+                      <a16:creationId xmlns:a16="http://schemas.microsoft.com/office/drawing/2014/main" id="{394E5021-49C4-30D1-53A6-1924CD19768C}"/>
+                    </a:ext>
+                  </a:extLst>
+                </p14:cNvPr>
+                <p14:cNvContentPartPr/>
+                <p14:nvPr/>
+              </p14:nvContentPartPr>
+              <p14:xfrm>
+                <a:off x="2565666" y="679707"/>
+                <a:ext cx="355680" cy="412200"/>
+              </p14:xfrm>
+            </p:contentPart>
+          </mc:Choice>
+          <mc:Fallback xmlns="">
+            <p:pic>
+              <p:nvPicPr>
+                <p:cNvPr id="12" name="Ink 11">
+                  <a:extLst>
+                    <a:ext uri="{FF2B5EF4-FFF2-40B4-BE49-F238E27FC236}">
+                      <a16:creationId xmlns:a16="http://schemas.microsoft.com/office/drawing/2014/main" id="{394E5021-49C4-30D1-53A6-1924CD19768C}"/>
+                    </a:ext>
+                  </a:extLst>
+                </p:cNvPr>
+                <p:cNvPicPr/>
+                <p:nvPr/>
+              </p:nvPicPr>
+              <p:blipFill>
+                <a:blip r:embed="rId21"/>
+                <a:stretch>
+                  <a:fillRect/>
+                </a:stretch>
+              </p:blipFill>
+              <p:spPr>
+                <a:xfrm>
+                  <a:off x="2556666" y="671067"/>
+                  <a:ext cx="373320" cy="429840"/>
+                </a:xfrm>
+                <a:prstGeom prst="rect">
+                  <a:avLst/>
+                </a:prstGeom>
+              </p:spPr>
+            </p:pic>
+          </mc:Fallback>
+        </mc:AlternateContent>
+        <mc:AlternateContent xmlns:mc="http://schemas.openxmlformats.org/markup-compatibility/2006" xmlns:p14="http://schemas.microsoft.com/office/powerpoint/2010/main">
+          <mc:Choice Requires="p14">
+            <p:contentPart p14:bwMode="auto" r:id="rId22">
+              <p14:nvContentPartPr>
+                <p14:cNvPr id="14" name="Ink 13">
+                  <a:extLst>
+                    <a:ext uri="{FF2B5EF4-FFF2-40B4-BE49-F238E27FC236}">
+                      <a16:creationId xmlns:a16="http://schemas.microsoft.com/office/drawing/2014/main" id="{C25C1E94-8A6C-7F2B-4E3B-05D8889C4DE3}"/>
+                    </a:ext>
+                  </a:extLst>
+                </p14:cNvPr>
+                <p14:cNvContentPartPr/>
+                <p14:nvPr/>
+              </p14:nvContentPartPr>
+              <p14:xfrm>
+                <a:off x="3206466" y="791307"/>
+                <a:ext cx="83160" cy="394560"/>
+              </p14:xfrm>
+            </p:contentPart>
+          </mc:Choice>
+          <mc:Fallback xmlns="">
+            <p:pic>
+              <p:nvPicPr>
+                <p:cNvPr id="14" name="Ink 13">
+                  <a:extLst>
+                    <a:ext uri="{FF2B5EF4-FFF2-40B4-BE49-F238E27FC236}">
+                      <a16:creationId xmlns:a16="http://schemas.microsoft.com/office/drawing/2014/main" id="{C25C1E94-8A6C-7F2B-4E3B-05D8889C4DE3}"/>
+                    </a:ext>
+                  </a:extLst>
+                </p:cNvPr>
+                <p:cNvPicPr/>
+                <p:nvPr/>
+              </p:nvPicPr>
+              <p:blipFill>
+                <a:blip r:embed="rId23"/>
+                <a:stretch>
+                  <a:fillRect/>
+                </a:stretch>
+              </p:blipFill>
+              <p:spPr>
+                <a:xfrm>
+                  <a:off x="3197826" y="782307"/>
+                  <a:ext cx="100800" cy="412200"/>
+                </a:xfrm>
+                <a:prstGeom prst="rect">
+                  <a:avLst/>
+                </a:prstGeom>
+              </p:spPr>
+            </p:pic>
+          </mc:Fallback>
+        </mc:AlternateContent>
+        <mc:AlternateContent xmlns:mc="http://schemas.openxmlformats.org/markup-compatibility/2006" xmlns:p14="http://schemas.microsoft.com/office/powerpoint/2010/main">
+          <mc:Choice Requires="p14">
+            <p:contentPart p14:bwMode="auto" r:id="rId24">
+              <p14:nvContentPartPr>
+                <p14:cNvPr id="15" name="Ink 14">
+                  <a:extLst>
+                    <a:ext uri="{FF2B5EF4-FFF2-40B4-BE49-F238E27FC236}">
+                      <a16:creationId xmlns:a16="http://schemas.microsoft.com/office/drawing/2014/main" id="{B3F537B6-A7EF-1973-B14A-74068B4DFF8F}"/>
+                    </a:ext>
+                  </a:extLst>
+                </p14:cNvPr>
+                <p14:cNvContentPartPr/>
+                <p14:nvPr/>
+              </p14:nvContentPartPr>
+              <p14:xfrm>
+                <a:off x="3489786" y="939267"/>
+                <a:ext cx="143280" cy="164880"/>
+              </p14:xfrm>
+            </p:contentPart>
+          </mc:Choice>
+          <mc:Fallback xmlns="">
+            <p:pic>
+              <p:nvPicPr>
+                <p:cNvPr id="15" name="Ink 14">
+                  <a:extLst>
+                    <a:ext uri="{FF2B5EF4-FFF2-40B4-BE49-F238E27FC236}">
+                      <a16:creationId xmlns:a16="http://schemas.microsoft.com/office/drawing/2014/main" id="{B3F537B6-A7EF-1973-B14A-74068B4DFF8F}"/>
+                    </a:ext>
+                  </a:extLst>
+                </p:cNvPr>
+                <p:cNvPicPr/>
+                <p:nvPr/>
+              </p:nvPicPr>
+              <p:blipFill>
+                <a:blip r:embed="rId25"/>
+                <a:stretch>
+                  <a:fillRect/>
+                </a:stretch>
+              </p:blipFill>
+              <p:spPr>
+                <a:xfrm>
+                  <a:off x="3480786" y="930267"/>
+                  <a:ext cx="160920" cy="182520"/>
+                </a:xfrm>
+                <a:prstGeom prst="rect">
+                  <a:avLst/>
+                </a:prstGeom>
+              </p:spPr>
+            </p:pic>
+          </mc:Fallback>
+        </mc:AlternateContent>
+        <mc:AlternateContent xmlns:mc="http://schemas.openxmlformats.org/markup-compatibility/2006" xmlns:p14="http://schemas.microsoft.com/office/powerpoint/2010/main">
+          <mc:Choice Requires="p14">
+            <p:contentPart p14:bwMode="auto" r:id="rId26">
+              <p14:nvContentPartPr>
+                <p14:cNvPr id="17" name="Ink 16">
+                  <a:extLst>
+                    <a:ext uri="{FF2B5EF4-FFF2-40B4-BE49-F238E27FC236}">
+                      <a16:creationId xmlns:a16="http://schemas.microsoft.com/office/drawing/2014/main" id="{F59550E5-006E-4BC5-F2D0-19F3493AAE5C}"/>
+                    </a:ext>
+                  </a:extLst>
+                </p14:cNvPr>
+                <p14:cNvContentPartPr/>
+                <p14:nvPr/>
+              </p14:nvContentPartPr>
+              <p14:xfrm>
+                <a:off x="1707066" y="1443987"/>
+                <a:ext cx="820440" cy="388800"/>
+              </p14:xfrm>
+            </p:contentPart>
+          </mc:Choice>
+          <mc:Fallback xmlns="">
+            <p:pic>
+              <p:nvPicPr>
+                <p:cNvPr id="17" name="Ink 16">
+                  <a:extLst>
+                    <a:ext uri="{FF2B5EF4-FFF2-40B4-BE49-F238E27FC236}">
+                      <a16:creationId xmlns:a16="http://schemas.microsoft.com/office/drawing/2014/main" id="{F59550E5-006E-4BC5-F2D0-19F3493AAE5C}"/>
+                    </a:ext>
+                  </a:extLst>
+                </p:cNvPr>
+                <p:cNvPicPr/>
+                <p:nvPr/>
+              </p:nvPicPr>
+              <p:blipFill>
+                <a:blip r:embed="rId27"/>
+                <a:stretch>
+                  <a:fillRect/>
+                </a:stretch>
+              </p:blipFill>
+              <p:spPr>
+                <a:xfrm>
+                  <a:off x="1698066" y="1435347"/>
+                  <a:ext cx="838080" cy="406440"/>
+                </a:xfrm>
+                <a:prstGeom prst="rect">
+                  <a:avLst/>
+                </a:prstGeom>
+              </p:spPr>
+            </p:pic>
+          </mc:Fallback>
+        </mc:AlternateContent>
+        <mc:AlternateContent xmlns:mc="http://schemas.openxmlformats.org/markup-compatibility/2006" xmlns:p14="http://schemas.microsoft.com/office/powerpoint/2010/main">
+          <mc:Choice Requires="p14">
+            <p:contentPart p14:bwMode="auto" r:id="rId28">
+              <p14:nvContentPartPr>
+                <p14:cNvPr id="18" name="Ink 17">
+                  <a:extLst>
+                    <a:ext uri="{FF2B5EF4-FFF2-40B4-BE49-F238E27FC236}">
+                      <a16:creationId xmlns:a16="http://schemas.microsoft.com/office/drawing/2014/main" id="{C223E9B8-E557-0284-A26D-80BFA2C15DF8}"/>
+                    </a:ext>
+                  </a:extLst>
+                </p14:cNvPr>
+                <p14:cNvContentPartPr/>
+                <p14:nvPr/>
+              </p14:nvContentPartPr>
+              <p14:xfrm>
+                <a:off x="1693746" y="1908027"/>
+                <a:ext cx="990000" cy="208080"/>
+              </p14:xfrm>
+            </p:contentPart>
+          </mc:Choice>
+          <mc:Fallback xmlns="">
+            <p:pic>
+              <p:nvPicPr>
+                <p:cNvPr id="18" name="Ink 17">
+                  <a:extLst>
+                    <a:ext uri="{FF2B5EF4-FFF2-40B4-BE49-F238E27FC236}">
+                      <a16:creationId xmlns:a16="http://schemas.microsoft.com/office/drawing/2014/main" id="{C223E9B8-E557-0284-A26D-80BFA2C15DF8}"/>
+                    </a:ext>
+                  </a:extLst>
+                </p:cNvPr>
+                <p:cNvPicPr/>
+                <p:nvPr/>
+              </p:nvPicPr>
+              <p:blipFill>
+                <a:blip r:embed="rId29"/>
+                <a:stretch>
+                  <a:fillRect/>
+                </a:stretch>
+              </p:blipFill>
+              <p:spPr>
+                <a:xfrm>
+                  <a:off x="1684746" y="1899387"/>
+                  <a:ext cx="1007640" cy="225720"/>
+                </a:xfrm>
+                <a:prstGeom prst="rect">
+                  <a:avLst/>
+                </a:prstGeom>
+              </p:spPr>
+            </p:pic>
+          </mc:Fallback>
+        </mc:AlternateContent>
+        <mc:AlternateContent xmlns:mc="http://schemas.openxmlformats.org/markup-compatibility/2006" xmlns:p14="http://schemas.microsoft.com/office/powerpoint/2010/main">
+          <mc:Choice Requires="p14">
+            <p:contentPart p14:bwMode="auto" r:id="rId30">
+              <p14:nvContentPartPr>
+                <p14:cNvPr id="19" name="Ink 18">
+                  <a:extLst>
+                    <a:ext uri="{FF2B5EF4-FFF2-40B4-BE49-F238E27FC236}">
+                      <a16:creationId xmlns:a16="http://schemas.microsoft.com/office/drawing/2014/main" id="{D4D44D69-43AB-BC71-1732-B470240D3B15}"/>
+                    </a:ext>
+                  </a:extLst>
+                </p14:cNvPr>
+                <p14:cNvContentPartPr/>
+                <p14:nvPr/>
+              </p14:nvContentPartPr>
+              <p14:xfrm>
+                <a:off x="1573146" y="2194227"/>
+                <a:ext cx="1116000" cy="291600"/>
+              </p14:xfrm>
+            </p:contentPart>
+          </mc:Choice>
+          <mc:Fallback xmlns="">
+            <p:pic>
+              <p:nvPicPr>
+                <p:cNvPr id="19" name="Ink 18">
+                  <a:extLst>
+                    <a:ext uri="{FF2B5EF4-FFF2-40B4-BE49-F238E27FC236}">
+                      <a16:creationId xmlns:a16="http://schemas.microsoft.com/office/drawing/2014/main" id="{D4D44D69-43AB-BC71-1732-B470240D3B15}"/>
+                    </a:ext>
+                  </a:extLst>
+                </p:cNvPr>
+                <p:cNvPicPr/>
+                <p:nvPr/>
+              </p:nvPicPr>
+              <p:blipFill>
+                <a:blip r:embed="rId31"/>
+                <a:stretch>
+                  <a:fillRect/>
+                </a:stretch>
+              </p:blipFill>
+              <p:spPr>
+                <a:xfrm>
+                  <a:off x="1564506" y="2185587"/>
+                  <a:ext cx="1133640" cy="309240"/>
+                </a:xfrm>
+                <a:prstGeom prst="rect">
+                  <a:avLst/>
+                </a:prstGeom>
+              </p:spPr>
+            </p:pic>
+          </mc:Fallback>
+        </mc:AlternateContent>
+        <mc:AlternateContent xmlns:mc="http://schemas.openxmlformats.org/markup-compatibility/2006" xmlns:p14="http://schemas.microsoft.com/office/powerpoint/2010/main">
+          <mc:Choice Requires="p14">
+            <p:contentPart p14:bwMode="auto" r:id="rId32">
+              <p14:nvContentPartPr>
+                <p14:cNvPr id="21" name="Ink 20">
+                  <a:extLst>
+                    <a:ext uri="{FF2B5EF4-FFF2-40B4-BE49-F238E27FC236}">
+                      <a16:creationId xmlns:a16="http://schemas.microsoft.com/office/drawing/2014/main" id="{31E98E91-68B3-A880-CD35-A334D01021C2}"/>
+                    </a:ext>
+                  </a:extLst>
+                </p14:cNvPr>
+                <p14:cNvContentPartPr/>
+                <p14:nvPr/>
+              </p14:nvContentPartPr>
+              <p14:xfrm>
+                <a:off x="1568826" y="2412747"/>
+                <a:ext cx="1244520" cy="522720"/>
+              </p14:xfrm>
+            </p:contentPart>
+          </mc:Choice>
+          <mc:Fallback xmlns="">
+            <p:pic>
+              <p:nvPicPr>
+                <p:cNvPr id="21" name="Ink 20">
+                  <a:extLst>
+                    <a:ext uri="{FF2B5EF4-FFF2-40B4-BE49-F238E27FC236}">
+                      <a16:creationId xmlns:a16="http://schemas.microsoft.com/office/drawing/2014/main" id="{31E98E91-68B3-A880-CD35-A334D01021C2}"/>
+                    </a:ext>
+                  </a:extLst>
+                </p:cNvPr>
+                <p:cNvPicPr/>
+                <p:nvPr/>
+              </p:nvPicPr>
+              <p:blipFill>
+                <a:blip r:embed="rId33"/>
+                <a:stretch>
+                  <a:fillRect/>
+                </a:stretch>
+              </p:blipFill>
+              <p:spPr>
+                <a:xfrm>
+                  <a:off x="1560186" y="2403747"/>
+                  <a:ext cx="1262160" cy="540360"/>
+                </a:xfrm>
+                <a:prstGeom prst="rect">
+                  <a:avLst/>
+                </a:prstGeom>
+              </p:spPr>
+            </p:pic>
+          </mc:Fallback>
+        </mc:AlternateContent>
+        <mc:AlternateContent xmlns:mc="http://schemas.openxmlformats.org/markup-compatibility/2006" xmlns:p14="http://schemas.microsoft.com/office/powerpoint/2010/main">
+          <mc:Choice Requires="p14">
+            <p:contentPart p14:bwMode="auto" r:id="rId34">
+              <p14:nvContentPartPr>
+                <p14:cNvPr id="23" name="Ink 22">
+                  <a:extLst>
+                    <a:ext uri="{FF2B5EF4-FFF2-40B4-BE49-F238E27FC236}">
+                      <a16:creationId xmlns:a16="http://schemas.microsoft.com/office/drawing/2014/main" id="{B8094C1E-29E9-740B-8C15-6DC0CCCA7FB3}"/>
+                    </a:ext>
+                  </a:extLst>
+                </p14:cNvPr>
+                <p14:cNvContentPartPr/>
+                <p14:nvPr/>
+              </p14:nvContentPartPr>
+              <p14:xfrm>
+                <a:off x="1663146" y="2986587"/>
+                <a:ext cx="206280" cy="182880"/>
+              </p14:xfrm>
+            </p:contentPart>
+          </mc:Choice>
+          <mc:Fallback xmlns="">
+            <p:pic>
+              <p:nvPicPr>
+                <p:cNvPr id="23" name="Ink 22">
+                  <a:extLst>
+                    <a:ext uri="{FF2B5EF4-FFF2-40B4-BE49-F238E27FC236}">
+                      <a16:creationId xmlns:a16="http://schemas.microsoft.com/office/drawing/2014/main" id="{B8094C1E-29E9-740B-8C15-6DC0CCCA7FB3}"/>
+                    </a:ext>
+                  </a:extLst>
+                </p:cNvPr>
+                <p:cNvPicPr/>
+                <p:nvPr/>
+              </p:nvPicPr>
+              <p:blipFill>
+                <a:blip r:embed="rId35"/>
+                <a:stretch>
+                  <a:fillRect/>
+                </a:stretch>
+              </p:blipFill>
+              <p:spPr>
+                <a:xfrm>
+                  <a:off x="1654146" y="2977947"/>
+                  <a:ext cx="223920" cy="200520"/>
+                </a:xfrm>
+                <a:prstGeom prst="rect">
+                  <a:avLst/>
+                </a:prstGeom>
+              </p:spPr>
+            </p:pic>
+          </mc:Fallback>
+        </mc:AlternateContent>
+        <mc:AlternateContent xmlns:mc="http://schemas.openxmlformats.org/markup-compatibility/2006" xmlns:p14="http://schemas.microsoft.com/office/powerpoint/2010/main">
+          <mc:Choice Requires="p14">
+            <p:contentPart p14:bwMode="auto" r:id="rId36">
+              <p14:nvContentPartPr>
+                <p14:cNvPr id="25" name="Ink 24">
+                  <a:extLst>
+                    <a:ext uri="{FF2B5EF4-FFF2-40B4-BE49-F238E27FC236}">
+                      <a16:creationId xmlns:a16="http://schemas.microsoft.com/office/drawing/2014/main" id="{20C22623-33A1-8C7A-19F5-A3295E317BA9}"/>
+                    </a:ext>
+                  </a:extLst>
+                </p14:cNvPr>
+                <p14:cNvContentPartPr/>
+                <p14:nvPr/>
+              </p14:nvContentPartPr>
+              <p14:xfrm>
+                <a:off x="1815066" y="2947347"/>
+                <a:ext cx="360" cy="272160"/>
+              </p14:xfrm>
+            </p:contentPart>
+          </mc:Choice>
+          <mc:Fallback xmlns="">
+            <p:pic>
+              <p:nvPicPr>
+                <p:cNvPr id="25" name="Ink 24">
+                  <a:extLst>
+                    <a:ext uri="{FF2B5EF4-FFF2-40B4-BE49-F238E27FC236}">
+                      <a16:creationId xmlns:a16="http://schemas.microsoft.com/office/drawing/2014/main" id="{20C22623-33A1-8C7A-19F5-A3295E317BA9}"/>
+                    </a:ext>
+                  </a:extLst>
+                </p:cNvPr>
+                <p:cNvPicPr/>
+                <p:nvPr/>
+              </p:nvPicPr>
+              <p:blipFill>
+                <a:blip r:embed="rId37"/>
+                <a:stretch>
+                  <a:fillRect/>
+                </a:stretch>
+              </p:blipFill>
+              <p:spPr>
+                <a:xfrm>
+                  <a:off x="1806066" y="2938347"/>
+                  <a:ext cx="18000" cy="289800"/>
+                </a:xfrm>
+                <a:prstGeom prst="rect">
+                  <a:avLst/>
+                </a:prstGeom>
+              </p:spPr>
+            </p:pic>
+          </mc:Fallback>
+        </mc:AlternateContent>
+        <mc:AlternateContent xmlns:mc="http://schemas.openxmlformats.org/markup-compatibility/2006" xmlns:p14="http://schemas.microsoft.com/office/powerpoint/2010/main">
+          <mc:Choice Requires="p14">
+            <p:contentPart p14:bwMode="auto" r:id="rId38">
+              <p14:nvContentPartPr>
+                <p14:cNvPr id="27" name="Ink 26">
+                  <a:extLst>
+                    <a:ext uri="{FF2B5EF4-FFF2-40B4-BE49-F238E27FC236}">
+                      <a16:creationId xmlns:a16="http://schemas.microsoft.com/office/drawing/2014/main" id="{22D2F757-8B51-CDA9-2C54-A25A86DC2B0F}"/>
+                    </a:ext>
+                  </a:extLst>
+                </p14:cNvPr>
+                <p14:cNvContentPartPr/>
+                <p14:nvPr/>
+              </p14:nvContentPartPr>
+              <p14:xfrm>
+                <a:off x="1978506" y="3053907"/>
+                <a:ext cx="245160" cy="275400"/>
+              </p14:xfrm>
+            </p:contentPart>
+          </mc:Choice>
+          <mc:Fallback xmlns="">
+            <p:pic>
+              <p:nvPicPr>
+                <p:cNvPr id="27" name="Ink 26">
+                  <a:extLst>
+                    <a:ext uri="{FF2B5EF4-FFF2-40B4-BE49-F238E27FC236}">
+                      <a16:creationId xmlns:a16="http://schemas.microsoft.com/office/drawing/2014/main" id="{22D2F757-8B51-CDA9-2C54-A25A86DC2B0F}"/>
+                    </a:ext>
+                  </a:extLst>
+                </p:cNvPr>
+                <p:cNvPicPr/>
+                <p:nvPr/>
+              </p:nvPicPr>
+              <p:blipFill>
+                <a:blip r:embed="rId39"/>
+                <a:stretch>
+                  <a:fillRect/>
+                </a:stretch>
+              </p:blipFill>
+              <p:spPr>
+                <a:xfrm>
+                  <a:off x="1969506" y="3045267"/>
+                  <a:ext cx="262800" cy="293040"/>
+                </a:xfrm>
+                <a:prstGeom prst="rect">
+                  <a:avLst/>
+                </a:prstGeom>
+              </p:spPr>
+            </p:pic>
+          </mc:Fallback>
+        </mc:AlternateContent>
+        <mc:AlternateContent xmlns:mc="http://schemas.openxmlformats.org/markup-compatibility/2006" xmlns:p14="http://schemas.microsoft.com/office/powerpoint/2010/main">
+          <mc:Choice Requires="p14">
+            <p:contentPart p14:bwMode="auto" r:id="rId40">
+              <p14:nvContentPartPr>
+                <p14:cNvPr id="28" name="Ink 27">
+                  <a:extLst>
+                    <a:ext uri="{FF2B5EF4-FFF2-40B4-BE49-F238E27FC236}">
+                      <a16:creationId xmlns:a16="http://schemas.microsoft.com/office/drawing/2014/main" id="{4AE0CA00-2471-E384-FD04-765F18C429BC}"/>
+                    </a:ext>
+                  </a:extLst>
+                </p14:cNvPr>
+                <p14:cNvContentPartPr/>
+                <p14:nvPr/>
+              </p14:nvContentPartPr>
+              <p14:xfrm>
+                <a:off x="2265426" y="3274947"/>
+                <a:ext cx="360" cy="360"/>
+              </p14:xfrm>
+            </p:contentPart>
+          </mc:Choice>
+          <mc:Fallback xmlns="">
+            <p:pic>
+              <p:nvPicPr>
+                <p:cNvPr id="28" name="Ink 27">
+                  <a:extLst>
+                    <a:ext uri="{FF2B5EF4-FFF2-40B4-BE49-F238E27FC236}">
+                      <a16:creationId xmlns:a16="http://schemas.microsoft.com/office/drawing/2014/main" id="{4AE0CA00-2471-E384-FD04-765F18C429BC}"/>
+                    </a:ext>
+                  </a:extLst>
+                </p:cNvPr>
+                <p:cNvPicPr/>
+                <p:nvPr/>
+              </p:nvPicPr>
+              <p:blipFill>
+                <a:blip r:embed="rId41"/>
+                <a:stretch>
+                  <a:fillRect/>
+                </a:stretch>
+              </p:blipFill>
+              <p:spPr>
+                <a:xfrm>
+                  <a:off x="2256426" y="3265947"/>
+                  <a:ext cx="18000" cy="18000"/>
+                </a:xfrm>
+                <a:prstGeom prst="rect">
+                  <a:avLst/>
+                </a:prstGeom>
+              </p:spPr>
+            </p:pic>
+          </mc:Fallback>
+        </mc:AlternateContent>
+        <mc:AlternateContent xmlns:mc="http://schemas.openxmlformats.org/markup-compatibility/2006" xmlns:p14="http://schemas.microsoft.com/office/powerpoint/2010/main">
+          <mc:Choice Requires="p14">
+            <p:contentPart p14:bwMode="auto" r:id="rId42">
+              <p14:nvContentPartPr>
+                <p14:cNvPr id="30" name="Ink 29">
+                  <a:extLst>
+                    <a:ext uri="{FF2B5EF4-FFF2-40B4-BE49-F238E27FC236}">
+                      <a16:creationId xmlns:a16="http://schemas.microsoft.com/office/drawing/2014/main" id="{8B1A8978-C1BB-9720-467C-C0CC811D2EB9}"/>
+                    </a:ext>
+                  </a:extLst>
+                </p14:cNvPr>
+                <p14:cNvContentPartPr/>
+                <p14:nvPr/>
+              </p14:nvContentPartPr>
+              <p14:xfrm>
+                <a:off x="2416626" y="3034107"/>
+                <a:ext cx="136080" cy="379440"/>
+              </p14:xfrm>
+            </p:contentPart>
+          </mc:Choice>
+          <mc:Fallback xmlns="">
+            <p:pic>
+              <p:nvPicPr>
+                <p:cNvPr id="30" name="Ink 29">
+                  <a:extLst>
+                    <a:ext uri="{FF2B5EF4-FFF2-40B4-BE49-F238E27FC236}">
+                      <a16:creationId xmlns:a16="http://schemas.microsoft.com/office/drawing/2014/main" id="{8B1A8978-C1BB-9720-467C-C0CC811D2EB9}"/>
+                    </a:ext>
+                  </a:extLst>
+                </p:cNvPr>
+                <p:cNvPicPr/>
+                <p:nvPr/>
+              </p:nvPicPr>
+              <p:blipFill>
+                <a:blip r:embed="rId43"/>
+                <a:stretch>
+                  <a:fillRect/>
+                </a:stretch>
+              </p:blipFill>
+              <p:spPr>
+                <a:xfrm>
+                  <a:off x="2407986" y="3025467"/>
+                  <a:ext cx="153720" cy="397080"/>
+                </a:xfrm>
+                <a:prstGeom prst="rect">
+                  <a:avLst/>
+                </a:prstGeom>
+              </p:spPr>
+            </p:pic>
+          </mc:Fallback>
+        </mc:AlternateContent>
+        <mc:AlternateContent xmlns:mc="http://schemas.openxmlformats.org/markup-compatibility/2006" xmlns:p14="http://schemas.microsoft.com/office/powerpoint/2010/main">
+          <mc:Choice Requires="p14">
+            <p:contentPart p14:bwMode="auto" r:id="rId44">
+              <p14:nvContentPartPr>
+                <p14:cNvPr id="31" name="Ink 30">
+                  <a:extLst>
+                    <a:ext uri="{FF2B5EF4-FFF2-40B4-BE49-F238E27FC236}">
+                      <a16:creationId xmlns:a16="http://schemas.microsoft.com/office/drawing/2014/main" id="{6C4A918C-5B5E-BBE9-9094-1B651EFB7ACE}"/>
+                    </a:ext>
+                  </a:extLst>
+                </p14:cNvPr>
+                <p14:cNvContentPartPr/>
+                <p14:nvPr/>
+              </p14:nvContentPartPr>
+              <p14:xfrm>
+                <a:off x="2749626" y="3044907"/>
+                <a:ext cx="172080" cy="370440"/>
+              </p14:xfrm>
+            </p:contentPart>
+          </mc:Choice>
+          <mc:Fallback xmlns="">
+            <p:pic>
+              <p:nvPicPr>
+                <p:cNvPr id="31" name="Ink 30">
+                  <a:extLst>
+                    <a:ext uri="{FF2B5EF4-FFF2-40B4-BE49-F238E27FC236}">
+                      <a16:creationId xmlns:a16="http://schemas.microsoft.com/office/drawing/2014/main" id="{6C4A918C-5B5E-BBE9-9094-1B651EFB7ACE}"/>
+                    </a:ext>
+                  </a:extLst>
+                </p:cNvPr>
+                <p:cNvPicPr/>
+                <p:nvPr/>
+              </p:nvPicPr>
+              <p:blipFill>
+                <a:blip r:embed="rId45"/>
+                <a:stretch>
+                  <a:fillRect/>
+                </a:stretch>
+              </p:blipFill>
+              <p:spPr>
+                <a:xfrm>
+                  <a:off x="2740986" y="3036267"/>
+                  <a:ext cx="189720" cy="388080"/>
+                </a:xfrm>
+                <a:prstGeom prst="rect">
+                  <a:avLst/>
+                </a:prstGeom>
+              </p:spPr>
+            </p:pic>
+          </mc:Fallback>
+        </mc:AlternateContent>
+      </p:grpSp>
+      <mc:AlternateContent xmlns:mc="http://schemas.openxmlformats.org/markup-compatibility/2006" xmlns:p14="http://schemas.microsoft.com/office/powerpoint/2010/main">
+        <mc:Choice Requires="p14">
+          <p:contentPart p14:bwMode="auto" r:id="rId46">
+            <p14:nvContentPartPr>
+              <p14:cNvPr id="37" name="Ink 36">
+                <a:extLst>
+                  <a:ext uri="{FF2B5EF4-FFF2-40B4-BE49-F238E27FC236}">
+                    <a16:creationId xmlns:a16="http://schemas.microsoft.com/office/drawing/2014/main" id="{FA32DC9A-4844-373E-8568-F9E6E6D1DDC0}"/>
+                  </a:ext>
+                </a:extLst>
+              </p14:cNvPr>
+              <p14:cNvContentPartPr/>
+              <p14:nvPr/>
+            </p14:nvContentPartPr>
+            <p14:xfrm>
+              <a:off x="460026" y="2948787"/>
+              <a:ext cx="3880080" cy="2852640"/>
+            </p14:xfrm>
+          </p:contentPart>
+        </mc:Choice>
+        <mc:Fallback xmlns="">
+          <p:pic>
+            <p:nvPicPr>
+              <p:cNvPr id="37" name="Ink 36">
+                <a:extLst>
+                  <a:ext uri="{FF2B5EF4-FFF2-40B4-BE49-F238E27FC236}">
+                    <a16:creationId xmlns:a16="http://schemas.microsoft.com/office/drawing/2014/main" id="{FA32DC9A-4844-373E-8568-F9E6E6D1DDC0}"/>
+                  </a:ext>
+                </a:extLst>
+              </p:cNvPr>
+              <p:cNvPicPr/>
+              <p:nvPr/>
+            </p:nvPicPr>
+            <p:blipFill>
+              <a:blip r:embed="rId47"/>
+              <a:stretch>
+                <a:fillRect/>
+              </a:stretch>
+            </p:blipFill>
+            <p:spPr>
+              <a:xfrm>
+                <a:off x="451026" y="2939787"/>
+                <a:ext cx="3897720" cy="2870280"/>
+              </a:xfrm>
+              <a:prstGeom prst="rect">
+                <a:avLst/>
+              </a:prstGeom>
+            </p:spPr>
+          </p:pic>
+        </mc:Fallback>
+      </mc:AlternateContent>
+      <p:grpSp>
+        <p:nvGrpSpPr>
+          <p:cNvPr id="53" name="Group 52">
+            <a:extLst>
+              <a:ext uri="{FF2B5EF4-FFF2-40B4-BE49-F238E27FC236}">
+                <a16:creationId xmlns:a16="http://schemas.microsoft.com/office/drawing/2014/main" id="{8781B060-73A3-2EE0-B298-48E735EA4B8F}"/>
+              </a:ext>
+            </a:extLst>
+          </p:cNvPr>
+          <p:cNvGrpSpPr/>
+          <p:nvPr/>
+        </p:nvGrpSpPr>
+        <p:grpSpPr>
+          <a:xfrm>
+            <a:off x="1174626" y="3758067"/>
+            <a:ext cx="1394640" cy="1244880"/>
+            <a:chOff x="1174626" y="3758067"/>
+            <a:chExt cx="1394640" cy="1244880"/>
+          </a:xfrm>
+        </p:grpSpPr>
+        <mc:AlternateContent xmlns:mc="http://schemas.openxmlformats.org/markup-compatibility/2006" xmlns:p14="http://schemas.microsoft.com/office/powerpoint/2010/main">
+          <mc:Choice Requires="p14">
+            <p:contentPart p14:bwMode="auto" r:id="rId48">
+              <p14:nvContentPartPr>
+                <p14:cNvPr id="40" name="Ink 39">
+                  <a:extLst>
+                    <a:ext uri="{FF2B5EF4-FFF2-40B4-BE49-F238E27FC236}">
+                      <a16:creationId xmlns:a16="http://schemas.microsoft.com/office/drawing/2014/main" id="{2F4EAF3E-BE5F-89E4-E801-9C1A2023A0DC}"/>
+                    </a:ext>
+                  </a:extLst>
+                </p14:cNvPr>
+                <p14:cNvContentPartPr/>
+                <p14:nvPr/>
+              </p14:nvContentPartPr>
+              <p14:xfrm>
+                <a:off x="1187586" y="3758067"/>
+                <a:ext cx="317160" cy="315000"/>
+              </p14:xfrm>
+            </p:contentPart>
+          </mc:Choice>
+          <mc:Fallback xmlns="">
+            <p:pic>
+              <p:nvPicPr>
+                <p:cNvPr id="40" name="Ink 39">
+                  <a:extLst>
+                    <a:ext uri="{FF2B5EF4-FFF2-40B4-BE49-F238E27FC236}">
+                      <a16:creationId xmlns:a16="http://schemas.microsoft.com/office/drawing/2014/main" id="{2F4EAF3E-BE5F-89E4-E801-9C1A2023A0DC}"/>
+                    </a:ext>
+                  </a:extLst>
+                </p:cNvPr>
+                <p:cNvPicPr/>
+                <p:nvPr/>
+              </p:nvPicPr>
+              <p:blipFill>
+                <a:blip r:embed="rId49"/>
+                <a:stretch>
+                  <a:fillRect/>
+                </a:stretch>
+              </p:blipFill>
+              <p:spPr>
+                <a:xfrm>
+                  <a:off x="1178586" y="3749067"/>
+                  <a:ext cx="334800" cy="332640"/>
+                </a:xfrm>
+                <a:prstGeom prst="rect">
+                  <a:avLst/>
+                </a:prstGeom>
+              </p:spPr>
+            </p:pic>
+          </mc:Fallback>
+        </mc:AlternateContent>
+        <mc:AlternateContent xmlns:mc="http://schemas.openxmlformats.org/markup-compatibility/2006" xmlns:p14="http://schemas.microsoft.com/office/powerpoint/2010/main">
+          <mc:Choice Requires="p14">
+            <p:contentPart p14:bwMode="auto" r:id="rId50">
+              <p14:nvContentPartPr>
+                <p14:cNvPr id="41" name="Ink 40">
+                  <a:extLst>
+                    <a:ext uri="{FF2B5EF4-FFF2-40B4-BE49-F238E27FC236}">
+                      <a16:creationId xmlns:a16="http://schemas.microsoft.com/office/drawing/2014/main" id="{20D3A133-7D51-9A15-74BF-E610234045A5}"/>
+                    </a:ext>
+                  </a:extLst>
+                </p14:cNvPr>
+                <p14:cNvContentPartPr/>
+                <p14:nvPr/>
+              </p14:nvContentPartPr>
+              <p14:xfrm>
+                <a:off x="1246986" y="4229307"/>
+                <a:ext cx="213480" cy="221400"/>
+              </p14:xfrm>
+            </p:contentPart>
+          </mc:Choice>
+          <mc:Fallback xmlns="">
+            <p:pic>
+              <p:nvPicPr>
+                <p:cNvPr id="41" name="Ink 40">
+                  <a:extLst>
+                    <a:ext uri="{FF2B5EF4-FFF2-40B4-BE49-F238E27FC236}">
+                      <a16:creationId xmlns:a16="http://schemas.microsoft.com/office/drawing/2014/main" id="{20D3A133-7D51-9A15-74BF-E610234045A5}"/>
+                    </a:ext>
+                  </a:extLst>
+                </p:cNvPr>
+                <p:cNvPicPr/>
+                <p:nvPr/>
+              </p:nvPicPr>
+              <p:blipFill>
+                <a:blip r:embed="rId51"/>
+                <a:stretch>
+                  <a:fillRect/>
+                </a:stretch>
+              </p:blipFill>
+              <p:spPr>
+                <a:xfrm>
+                  <a:off x="1238346" y="4220667"/>
+                  <a:ext cx="231120" cy="239040"/>
+                </a:xfrm>
+                <a:prstGeom prst="rect">
+                  <a:avLst/>
+                </a:prstGeom>
+              </p:spPr>
+            </p:pic>
+          </mc:Fallback>
+        </mc:AlternateContent>
+        <mc:AlternateContent xmlns:mc="http://schemas.openxmlformats.org/markup-compatibility/2006" xmlns:p14="http://schemas.microsoft.com/office/powerpoint/2010/main">
+          <mc:Choice Requires="p14">
+            <p:contentPart p14:bwMode="auto" r:id="rId52">
+              <p14:nvContentPartPr>
+                <p14:cNvPr id="43" name="Ink 42">
+                  <a:extLst>
+                    <a:ext uri="{FF2B5EF4-FFF2-40B4-BE49-F238E27FC236}">
+                      <a16:creationId xmlns:a16="http://schemas.microsoft.com/office/drawing/2014/main" id="{BF2D1DED-D34D-8DBD-5349-B62336DC97FF}"/>
+                    </a:ext>
+                  </a:extLst>
+                </p14:cNvPr>
+                <p14:cNvContentPartPr/>
+                <p14:nvPr/>
+              </p14:nvContentPartPr>
+              <p14:xfrm>
+                <a:off x="1174626" y="4570227"/>
+                <a:ext cx="231120" cy="221760"/>
+              </p14:xfrm>
+            </p:contentPart>
+          </mc:Choice>
+          <mc:Fallback xmlns="">
+            <p:pic>
+              <p:nvPicPr>
+                <p:cNvPr id="43" name="Ink 42">
+                  <a:extLst>
+                    <a:ext uri="{FF2B5EF4-FFF2-40B4-BE49-F238E27FC236}">
+                      <a16:creationId xmlns:a16="http://schemas.microsoft.com/office/drawing/2014/main" id="{BF2D1DED-D34D-8DBD-5349-B62336DC97FF}"/>
+                    </a:ext>
+                  </a:extLst>
+                </p:cNvPr>
+                <p:cNvPicPr/>
+                <p:nvPr/>
+              </p:nvPicPr>
+              <p:blipFill>
+                <a:blip r:embed="rId53"/>
+                <a:stretch>
+                  <a:fillRect/>
+                </a:stretch>
+              </p:blipFill>
+              <p:spPr>
+                <a:xfrm>
+                  <a:off x="1165986" y="4561587"/>
+                  <a:ext cx="248760" cy="239400"/>
+                </a:xfrm>
+                <a:prstGeom prst="rect">
+                  <a:avLst/>
+                </a:prstGeom>
+              </p:spPr>
+            </p:pic>
+          </mc:Fallback>
+        </mc:AlternateContent>
+        <mc:AlternateContent xmlns:mc="http://schemas.openxmlformats.org/markup-compatibility/2006" xmlns:p14="http://schemas.microsoft.com/office/powerpoint/2010/main">
+          <mc:Choice Requires="p14">
+            <p:contentPart p14:bwMode="auto" r:id="rId54">
+              <p14:nvContentPartPr>
+                <p14:cNvPr id="44" name="Ink 43">
+                  <a:extLst>
+                    <a:ext uri="{FF2B5EF4-FFF2-40B4-BE49-F238E27FC236}">
+                      <a16:creationId xmlns:a16="http://schemas.microsoft.com/office/drawing/2014/main" id="{552B1E3C-44AC-7057-1D2F-EA699DA7ECC7}"/>
+                    </a:ext>
+                  </a:extLst>
+                </p14:cNvPr>
+                <p14:cNvContentPartPr/>
+                <p14:nvPr/>
+              </p14:nvContentPartPr>
+              <p14:xfrm>
+                <a:off x="1801026" y="3957147"/>
+                <a:ext cx="121320" cy="360"/>
+              </p14:xfrm>
+            </p:contentPart>
+          </mc:Choice>
+          <mc:Fallback xmlns="">
+            <p:pic>
+              <p:nvPicPr>
+                <p:cNvPr id="44" name="Ink 43">
+                  <a:extLst>
+                    <a:ext uri="{FF2B5EF4-FFF2-40B4-BE49-F238E27FC236}">
+                      <a16:creationId xmlns:a16="http://schemas.microsoft.com/office/drawing/2014/main" id="{552B1E3C-44AC-7057-1D2F-EA699DA7ECC7}"/>
+                    </a:ext>
+                  </a:extLst>
+                </p:cNvPr>
+                <p:cNvPicPr/>
+                <p:nvPr/>
+              </p:nvPicPr>
+              <p:blipFill>
+                <a:blip r:embed="rId55"/>
+                <a:stretch>
+                  <a:fillRect/>
+                </a:stretch>
+              </p:blipFill>
+              <p:spPr>
+                <a:xfrm>
+                  <a:off x="1792386" y="3948507"/>
+                  <a:ext cx="138960" cy="18000"/>
+                </a:xfrm>
+                <a:prstGeom prst="rect">
+                  <a:avLst/>
+                </a:prstGeom>
+              </p:spPr>
+            </p:pic>
+          </mc:Fallback>
+        </mc:AlternateContent>
+        <mc:AlternateContent xmlns:mc="http://schemas.openxmlformats.org/markup-compatibility/2006" xmlns:p14="http://schemas.microsoft.com/office/powerpoint/2010/main">
+          <mc:Choice Requires="p14">
+            <p:contentPart p14:bwMode="auto" r:id="rId56">
+              <p14:nvContentPartPr>
+                <p14:cNvPr id="45" name="Ink 44">
+                  <a:extLst>
+                    <a:ext uri="{FF2B5EF4-FFF2-40B4-BE49-F238E27FC236}">
+                      <a16:creationId xmlns:a16="http://schemas.microsoft.com/office/drawing/2014/main" id="{7B9A985B-8F46-E1EA-A7B7-559A7361522F}"/>
+                    </a:ext>
+                  </a:extLst>
+                </p14:cNvPr>
+                <p14:cNvContentPartPr/>
+                <p14:nvPr/>
+              </p14:nvContentPartPr>
+              <p14:xfrm>
+                <a:off x="1808586" y="3821067"/>
+                <a:ext cx="60840" cy="224640"/>
+              </p14:xfrm>
+            </p:contentPart>
+          </mc:Choice>
+          <mc:Fallback xmlns="">
+            <p:pic>
+              <p:nvPicPr>
+                <p:cNvPr id="45" name="Ink 44">
+                  <a:extLst>
+                    <a:ext uri="{FF2B5EF4-FFF2-40B4-BE49-F238E27FC236}">
+                      <a16:creationId xmlns:a16="http://schemas.microsoft.com/office/drawing/2014/main" id="{7B9A985B-8F46-E1EA-A7B7-559A7361522F}"/>
+                    </a:ext>
+                  </a:extLst>
+                </p:cNvPr>
+                <p:cNvPicPr/>
+                <p:nvPr/>
+              </p:nvPicPr>
+              <p:blipFill>
+                <a:blip r:embed="rId57"/>
+                <a:stretch>
+                  <a:fillRect/>
+                </a:stretch>
+              </p:blipFill>
+              <p:spPr>
+                <a:xfrm>
+                  <a:off x="1799946" y="3812427"/>
+                  <a:ext cx="78480" cy="242280"/>
+                </a:xfrm>
+                <a:prstGeom prst="rect">
+                  <a:avLst/>
+                </a:prstGeom>
+              </p:spPr>
+            </p:pic>
+          </mc:Fallback>
+        </mc:AlternateContent>
+        <mc:AlternateContent xmlns:mc="http://schemas.openxmlformats.org/markup-compatibility/2006" xmlns:p14="http://schemas.microsoft.com/office/powerpoint/2010/main">
+          <mc:Choice Requires="p14">
+            <p:contentPart p14:bwMode="auto" r:id="rId58">
+              <p14:nvContentPartPr>
+                <p14:cNvPr id="46" name="Ink 45">
+                  <a:extLst>
+                    <a:ext uri="{FF2B5EF4-FFF2-40B4-BE49-F238E27FC236}">
+                      <a16:creationId xmlns:a16="http://schemas.microsoft.com/office/drawing/2014/main" id="{34D0C6A7-62DF-B798-030C-6AFB49E01055}"/>
+                    </a:ext>
+                  </a:extLst>
+                </p14:cNvPr>
+                <p14:cNvContentPartPr/>
+                <p14:nvPr/>
+              </p14:nvContentPartPr>
+              <p14:xfrm>
+                <a:off x="2128626" y="3889107"/>
+                <a:ext cx="290520" cy="64080"/>
+              </p14:xfrm>
+            </p:contentPart>
+          </mc:Choice>
+          <mc:Fallback xmlns="">
+            <p:pic>
+              <p:nvPicPr>
+                <p:cNvPr id="46" name="Ink 45">
+                  <a:extLst>
+                    <a:ext uri="{FF2B5EF4-FFF2-40B4-BE49-F238E27FC236}">
+                      <a16:creationId xmlns:a16="http://schemas.microsoft.com/office/drawing/2014/main" id="{34D0C6A7-62DF-B798-030C-6AFB49E01055}"/>
+                    </a:ext>
+                  </a:extLst>
+                </p:cNvPr>
+                <p:cNvPicPr/>
+                <p:nvPr/>
+              </p:nvPicPr>
+              <p:blipFill>
+                <a:blip r:embed="rId59"/>
+                <a:stretch>
+                  <a:fillRect/>
+                </a:stretch>
+              </p:blipFill>
+              <p:spPr>
+                <a:xfrm>
+                  <a:off x="2119626" y="3880467"/>
+                  <a:ext cx="308160" cy="81720"/>
+                </a:xfrm>
+                <a:prstGeom prst="rect">
+                  <a:avLst/>
+                </a:prstGeom>
+              </p:spPr>
+            </p:pic>
+          </mc:Fallback>
+        </mc:AlternateContent>
+        <mc:AlternateContent xmlns:mc="http://schemas.openxmlformats.org/markup-compatibility/2006" xmlns:p14="http://schemas.microsoft.com/office/powerpoint/2010/main">
+          <mc:Choice Requires="p14">
+            <p:contentPart p14:bwMode="auto" r:id="rId60">
+              <p14:nvContentPartPr>
+                <p14:cNvPr id="47" name="Ink 46">
+                  <a:extLst>
+                    <a:ext uri="{FF2B5EF4-FFF2-40B4-BE49-F238E27FC236}">
+                      <a16:creationId xmlns:a16="http://schemas.microsoft.com/office/drawing/2014/main" id="{8A32F048-E69D-4975-2D09-D81DE20996DA}"/>
+                    </a:ext>
+                  </a:extLst>
+                </p14:cNvPr>
+                <p14:cNvContentPartPr/>
+                <p14:nvPr/>
+              </p14:nvContentPartPr>
+              <p14:xfrm>
+                <a:off x="1815066" y="4244067"/>
+                <a:ext cx="82080" cy="10800"/>
+              </p14:xfrm>
+            </p:contentPart>
+          </mc:Choice>
+          <mc:Fallback xmlns="">
+            <p:pic>
+              <p:nvPicPr>
+                <p:cNvPr id="47" name="Ink 46">
+                  <a:extLst>
+                    <a:ext uri="{FF2B5EF4-FFF2-40B4-BE49-F238E27FC236}">
+                      <a16:creationId xmlns:a16="http://schemas.microsoft.com/office/drawing/2014/main" id="{8A32F048-E69D-4975-2D09-D81DE20996DA}"/>
+                    </a:ext>
+                  </a:extLst>
+                </p:cNvPr>
+                <p:cNvPicPr/>
+                <p:nvPr/>
+              </p:nvPicPr>
+              <p:blipFill>
+                <a:blip r:embed="rId61"/>
+                <a:stretch>
+                  <a:fillRect/>
+                </a:stretch>
+              </p:blipFill>
+              <p:spPr>
+                <a:xfrm>
+                  <a:off x="1806066" y="4235427"/>
+                  <a:ext cx="99720" cy="28440"/>
+                </a:xfrm>
+                <a:prstGeom prst="rect">
+                  <a:avLst/>
+                </a:prstGeom>
+              </p:spPr>
+            </p:pic>
+          </mc:Fallback>
+        </mc:AlternateContent>
+        <mc:AlternateContent xmlns:mc="http://schemas.openxmlformats.org/markup-compatibility/2006" xmlns:p14="http://schemas.microsoft.com/office/powerpoint/2010/main">
+          <mc:Choice Requires="p14">
+            <p:contentPart p14:bwMode="auto" r:id="rId62">
+              <p14:nvContentPartPr>
+                <p14:cNvPr id="48" name="Ink 47">
+                  <a:extLst>
+                    <a:ext uri="{FF2B5EF4-FFF2-40B4-BE49-F238E27FC236}">
+                      <a16:creationId xmlns:a16="http://schemas.microsoft.com/office/drawing/2014/main" id="{C2E7147C-37A6-E528-3BBF-8DE82AF7548A}"/>
+                    </a:ext>
+                  </a:extLst>
+                </p14:cNvPr>
+                <p14:cNvContentPartPr/>
+                <p14:nvPr/>
+              </p14:nvContentPartPr>
+              <p14:xfrm>
+                <a:off x="1834506" y="4121307"/>
+                <a:ext cx="36360" cy="373680"/>
+              </p14:xfrm>
+            </p:contentPart>
+          </mc:Choice>
+          <mc:Fallback xmlns="">
+            <p:pic>
+              <p:nvPicPr>
+                <p:cNvPr id="48" name="Ink 47">
+                  <a:extLst>
+                    <a:ext uri="{FF2B5EF4-FFF2-40B4-BE49-F238E27FC236}">
+                      <a16:creationId xmlns:a16="http://schemas.microsoft.com/office/drawing/2014/main" id="{C2E7147C-37A6-E528-3BBF-8DE82AF7548A}"/>
+                    </a:ext>
+                  </a:extLst>
+                </p:cNvPr>
+                <p:cNvPicPr/>
+                <p:nvPr/>
+              </p:nvPicPr>
+              <p:blipFill>
+                <a:blip r:embed="rId63"/>
+                <a:stretch>
+                  <a:fillRect/>
+                </a:stretch>
+              </p:blipFill>
+              <p:spPr>
+                <a:xfrm>
+                  <a:off x="1825866" y="4112667"/>
+                  <a:ext cx="54000" cy="391320"/>
+                </a:xfrm>
+                <a:prstGeom prst="rect">
+                  <a:avLst/>
+                </a:prstGeom>
+              </p:spPr>
+            </p:pic>
+          </mc:Fallback>
+        </mc:AlternateContent>
+        <mc:AlternateContent xmlns:mc="http://schemas.openxmlformats.org/markup-compatibility/2006" xmlns:p14="http://schemas.microsoft.com/office/powerpoint/2010/main">
+          <mc:Choice Requires="p14">
+            <p:contentPart p14:bwMode="auto" r:id="rId64">
+              <p14:nvContentPartPr>
+                <p14:cNvPr id="49" name="Ink 48">
+                  <a:extLst>
+                    <a:ext uri="{FF2B5EF4-FFF2-40B4-BE49-F238E27FC236}">
+                      <a16:creationId xmlns:a16="http://schemas.microsoft.com/office/drawing/2014/main" id="{0C2FDEEF-8908-7141-57BE-FBB928F8AB0C}"/>
+                    </a:ext>
+                  </a:extLst>
+                </p14:cNvPr>
+                <p14:cNvContentPartPr/>
+                <p14:nvPr/>
+              </p14:nvContentPartPr>
+              <p14:xfrm>
+                <a:off x="2115306" y="4353507"/>
+                <a:ext cx="162720" cy="360"/>
+              </p14:xfrm>
+            </p:contentPart>
+          </mc:Choice>
+          <mc:Fallback xmlns="">
+            <p:pic>
+              <p:nvPicPr>
+                <p:cNvPr id="49" name="Ink 48">
+                  <a:extLst>
+                    <a:ext uri="{FF2B5EF4-FFF2-40B4-BE49-F238E27FC236}">
+                      <a16:creationId xmlns:a16="http://schemas.microsoft.com/office/drawing/2014/main" id="{0C2FDEEF-8908-7141-57BE-FBB928F8AB0C}"/>
+                    </a:ext>
+                  </a:extLst>
+                </p:cNvPr>
+                <p:cNvPicPr/>
+                <p:nvPr/>
+              </p:nvPicPr>
+              <p:blipFill>
+                <a:blip r:embed="rId65"/>
+                <a:stretch>
+                  <a:fillRect/>
+                </a:stretch>
+              </p:blipFill>
+              <p:spPr>
+                <a:xfrm>
+                  <a:off x="2106306" y="4344507"/>
+                  <a:ext cx="180360" cy="18000"/>
+                </a:xfrm>
+                <a:prstGeom prst="rect">
+                  <a:avLst/>
+                </a:prstGeom>
+              </p:spPr>
+            </p:pic>
+          </mc:Fallback>
+        </mc:AlternateContent>
+        <mc:AlternateContent xmlns:mc="http://schemas.openxmlformats.org/markup-compatibility/2006" xmlns:p14="http://schemas.microsoft.com/office/powerpoint/2010/main">
+          <mc:Choice Requires="p14">
+            <p:contentPart p14:bwMode="auto" r:id="rId66">
+              <p14:nvContentPartPr>
+                <p14:cNvPr id="50" name="Ink 49">
+                  <a:extLst>
+                    <a:ext uri="{FF2B5EF4-FFF2-40B4-BE49-F238E27FC236}">
+                      <a16:creationId xmlns:a16="http://schemas.microsoft.com/office/drawing/2014/main" id="{2F21C989-A183-54B7-C430-05560AE837A4}"/>
+                    </a:ext>
+                  </a:extLst>
+                </p14:cNvPr>
+                <p14:cNvContentPartPr/>
+                <p14:nvPr/>
+              </p14:nvContentPartPr>
+              <p14:xfrm>
+                <a:off x="1787706" y="4694427"/>
+                <a:ext cx="311760" cy="105120"/>
+              </p14:xfrm>
+            </p:contentPart>
+          </mc:Choice>
+          <mc:Fallback xmlns="">
+            <p:pic>
+              <p:nvPicPr>
+                <p:cNvPr id="50" name="Ink 49">
+                  <a:extLst>
+                    <a:ext uri="{FF2B5EF4-FFF2-40B4-BE49-F238E27FC236}">
+                      <a16:creationId xmlns:a16="http://schemas.microsoft.com/office/drawing/2014/main" id="{2F21C989-A183-54B7-C430-05560AE837A4}"/>
+                    </a:ext>
+                  </a:extLst>
+                </p:cNvPr>
+                <p:cNvPicPr/>
+                <p:nvPr/>
+              </p:nvPicPr>
+              <p:blipFill>
+                <a:blip r:embed="rId67"/>
+                <a:stretch>
+                  <a:fillRect/>
+                </a:stretch>
+              </p:blipFill>
+              <p:spPr>
+                <a:xfrm>
+                  <a:off x="1778706" y="4685427"/>
+                  <a:ext cx="329400" cy="122760"/>
+                </a:xfrm>
+                <a:prstGeom prst="rect">
+                  <a:avLst/>
+                </a:prstGeom>
+              </p:spPr>
+            </p:pic>
+          </mc:Fallback>
+        </mc:AlternateContent>
+        <mc:AlternateContent xmlns:mc="http://schemas.openxmlformats.org/markup-compatibility/2006" xmlns:p14="http://schemas.microsoft.com/office/powerpoint/2010/main">
+          <mc:Choice Requires="p14">
+            <p:contentPart p14:bwMode="auto" r:id="rId68">
+              <p14:nvContentPartPr>
+                <p14:cNvPr id="51" name="Ink 50">
+                  <a:extLst>
+                    <a:ext uri="{FF2B5EF4-FFF2-40B4-BE49-F238E27FC236}">
+                      <a16:creationId xmlns:a16="http://schemas.microsoft.com/office/drawing/2014/main" id="{900BC431-1CD8-9F76-DF6D-61252FE025B0}"/>
+                    </a:ext>
+                  </a:extLst>
+                </p14:cNvPr>
+                <p14:cNvContentPartPr/>
+                <p14:nvPr/>
+              </p14:nvContentPartPr>
+              <p14:xfrm>
+                <a:off x="1877346" y="4599027"/>
+                <a:ext cx="62280" cy="403920"/>
+              </p14:xfrm>
+            </p:contentPart>
+          </mc:Choice>
+          <mc:Fallback xmlns="">
+            <p:pic>
+              <p:nvPicPr>
+                <p:cNvPr id="51" name="Ink 50">
+                  <a:extLst>
+                    <a:ext uri="{FF2B5EF4-FFF2-40B4-BE49-F238E27FC236}">
+                      <a16:creationId xmlns:a16="http://schemas.microsoft.com/office/drawing/2014/main" id="{900BC431-1CD8-9F76-DF6D-61252FE025B0}"/>
+                    </a:ext>
+                  </a:extLst>
+                </p:cNvPr>
+                <p:cNvPicPr/>
+                <p:nvPr/>
+              </p:nvPicPr>
+              <p:blipFill>
+                <a:blip r:embed="rId69"/>
+                <a:stretch>
+                  <a:fillRect/>
+                </a:stretch>
+              </p:blipFill>
+              <p:spPr>
+                <a:xfrm>
+                  <a:off x="1868706" y="4590027"/>
+                  <a:ext cx="79920" cy="421560"/>
+                </a:xfrm>
+                <a:prstGeom prst="rect">
+                  <a:avLst/>
+                </a:prstGeom>
+              </p:spPr>
+            </p:pic>
+          </mc:Fallback>
+        </mc:AlternateContent>
+        <mc:AlternateContent xmlns:mc="http://schemas.openxmlformats.org/markup-compatibility/2006" xmlns:p14="http://schemas.microsoft.com/office/powerpoint/2010/main">
+          <mc:Choice Requires="p14">
+            <p:contentPart p14:bwMode="auto" r:id="rId70">
+              <p14:nvContentPartPr>
+                <p14:cNvPr id="52" name="Ink 51">
+                  <a:extLst>
+                    <a:ext uri="{FF2B5EF4-FFF2-40B4-BE49-F238E27FC236}">
+                      <a16:creationId xmlns:a16="http://schemas.microsoft.com/office/drawing/2014/main" id="{351ED380-77B0-85FD-39BB-4073848C50A2}"/>
+                    </a:ext>
+                  </a:extLst>
+                </p14:cNvPr>
+                <p14:cNvContentPartPr/>
+                <p14:nvPr/>
+              </p14:nvContentPartPr>
+              <p14:xfrm>
+                <a:off x="2238066" y="4762467"/>
+                <a:ext cx="331200" cy="35280"/>
+              </p14:xfrm>
+            </p:contentPart>
+          </mc:Choice>
+          <mc:Fallback xmlns="">
+            <p:pic>
+              <p:nvPicPr>
+                <p:cNvPr id="52" name="Ink 51">
+                  <a:extLst>
+                    <a:ext uri="{FF2B5EF4-FFF2-40B4-BE49-F238E27FC236}">
+                      <a16:creationId xmlns:a16="http://schemas.microsoft.com/office/drawing/2014/main" id="{351ED380-77B0-85FD-39BB-4073848C50A2}"/>
+                    </a:ext>
+                  </a:extLst>
+                </p:cNvPr>
+                <p:cNvPicPr/>
+                <p:nvPr/>
+              </p:nvPicPr>
+              <p:blipFill>
+                <a:blip r:embed="rId71"/>
+                <a:stretch>
+                  <a:fillRect/>
+                </a:stretch>
+              </p:blipFill>
+              <p:spPr>
+                <a:xfrm>
+                  <a:off x="2229066" y="4753827"/>
+                  <a:ext cx="348840" cy="52920"/>
+                </a:xfrm>
+                <a:prstGeom prst="rect">
+                  <a:avLst/>
+                </a:prstGeom>
+              </p:spPr>
+            </p:pic>
+          </mc:Fallback>
+        </mc:AlternateContent>
+      </p:grpSp>
+      <p:grpSp>
+        <p:nvGrpSpPr>
+          <p:cNvPr id="61" name="Group 60">
+            <a:extLst>
+              <a:ext uri="{FF2B5EF4-FFF2-40B4-BE49-F238E27FC236}">
+                <a16:creationId xmlns:a16="http://schemas.microsoft.com/office/drawing/2014/main" id="{CF39A961-D8AB-CB2B-122D-FD8E9378AAA5}"/>
+              </a:ext>
+            </a:extLst>
+          </p:cNvPr>
+          <p:cNvGrpSpPr/>
+          <p:nvPr/>
+        </p:nvGrpSpPr>
+        <p:grpSpPr>
+          <a:xfrm>
+            <a:off x="1719306" y="5240187"/>
+            <a:ext cx="1200240" cy="449640"/>
+            <a:chOff x="1719306" y="5240187"/>
+            <a:chExt cx="1200240" cy="449640"/>
+          </a:xfrm>
+        </p:grpSpPr>
+        <mc:AlternateContent xmlns:mc="http://schemas.openxmlformats.org/markup-compatibility/2006" xmlns:p14="http://schemas.microsoft.com/office/powerpoint/2010/main">
+          <mc:Choice Requires="p14">
+            <p:contentPart p14:bwMode="auto" r:id="rId72">
+              <p14:nvContentPartPr>
+                <p14:cNvPr id="54" name="Ink 53">
+                  <a:extLst>
+                    <a:ext uri="{FF2B5EF4-FFF2-40B4-BE49-F238E27FC236}">
+                      <a16:creationId xmlns:a16="http://schemas.microsoft.com/office/drawing/2014/main" id="{8825C03C-1DCE-A4F9-EFEB-48143F82A2CA}"/>
+                    </a:ext>
+                  </a:extLst>
+                </p14:cNvPr>
+                <p14:cNvContentPartPr/>
+                <p14:nvPr/>
+              </p14:nvContentPartPr>
+              <p14:xfrm>
+                <a:off x="1719306" y="5240187"/>
+                <a:ext cx="14760" cy="449640"/>
+              </p14:xfrm>
+            </p:contentPart>
+          </mc:Choice>
+          <mc:Fallback xmlns="">
+            <p:pic>
+              <p:nvPicPr>
+                <p:cNvPr id="54" name="Ink 53">
+                  <a:extLst>
+                    <a:ext uri="{FF2B5EF4-FFF2-40B4-BE49-F238E27FC236}">
+                      <a16:creationId xmlns:a16="http://schemas.microsoft.com/office/drawing/2014/main" id="{8825C03C-1DCE-A4F9-EFEB-48143F82A2CA}"/>
+                    </a:ext>
+                  </a:extLst>
+                </p:cNvPr>
+                <p:cNvPicPr/>
+                <p:nvPr/>
+              </p:nvPicPr>
+              <p:blipFill>
+                <a:blip r:embed="rId73"/>
+                <a:stretch>
+                  <a:fillRect/>
+                </a:stretch>
+              </p:blipFill>
+              <p:spPr>
+                <a:xfrm>
+                  <a:off x="1710306" y="5231187"/>
+                  <a:ext cx="32400" cy="467280"/>
+                </a:xfrm>
+                <a:prstGeom prst="rect">
+                  <a:avLst/>
+                </a:prstGeom>
+              </p:spPr>
+            </p:pic>
+          </mc:Fallback>
+        </mc:AlternateContent>
+        <mc:AlternateContent xmlns:mc="http://schemas.openxmlformats.org/markup-compatibility/2006" xmlns:p14="http://schemas.microsoft.com/office/powerpoint/2010/main">
+          <mc:Choice Requires="p14">
+            <p:contentPart p14:bwMode="auto" r:id="rId74">
+              <p14:nvContentPartPr>
+                <p14:cNvPr id="55" name="Ink 54">
+                  <a:extLst>
+                    <a:ext uri="{FF2B5EF4-FFF2-40B4-BE49-F238E27FC236}">
+                      <a16:creationId xmlns:a16="http://schemas.microsoft.com/office/drawing/2014/main" id="{E454C28B-8FD9-B589-DA9A-A0A173CC00CC}"/>
+                    </a:ext>
+                  </a:extLst>
+                </p14:cNvPr>
+                <p14:cNvContentPartPr/>
+                <p14:nvPr/>
+              </p14:nvContentPartPr>
+              <p14:xfrm>
+                <a:off x="1720746" y="5266827"/>
+                <a:ext cx="1198800" cy="413640"/>
+              </p14:xfrm>
+            </p:contentPart>
+          </mc:Choice>
+          <mc:Fallback xmlns="">
+            <p:pic>
+              <p:nvPicPr>
+                <p:cNvPr id="55" name="Ink 54">
+                  <a:extLst>
+                    <a:ext uri="{FF2B5EF4-FFF2-40B4-BE49-F238E27FC236}">
+                      <a16:creationId xmlns:a16="http://schemas.microsoft.com/office/drawing/2014/main" id="{E454C28B-8FD9-B589-DA9A-A0A173CC00CC}"/>
+                    </a:ext>
+                  </a:extLst>
+                </p:cNvPr>
+                <p:cNvPicPr/>
+                <p:nvPr/>
+              </p:nvPicPr>
+              <p:blipFill>
+                <a:blip r:embed="rId75"/>
+                <a:stretch>
+                  <a:fillRect/>
+                </a:stretch>
+              </p:blipFill>
+              <p:spPr>
+                <a:xfrm>
+                  <a:off x="1711746" y="5258187"/>
+                  <a:ext cx="1216440" cy="431280"/>
+                </a:xfrm>
+                <a:prstGeom prst="rect">
+                  <a:avLst/>
+                </a:prstGeom>
+              </p:spPr>
+            </p:pic>
+          </mc:Fallback>
+        </mc:AlternateContent>
+        <mc:AlternateContent xmlns:mc="http://schemas.openxmlformats.org/markup-compatibility/2006" xmlns:p14="http://schemas.microsoft.com/office/powerpoint/2010/main">
+          <mc:Choice Requires="p14">
+            <p:contentPart p14:bwMode="auto" r:id="rId76">
+              <p14:nvContentPartPr>
+                <p14:cNvPr id="57" name="Ink 56">
+                  <a:extLst>
+                    <a:ext uri="{FF2B5EF4-FFF2-40B4-BE49-F238E27FC236}">
+                      <a16:creationId xmlns:a16="http://schemas.microsoft.com/office/drawing/2014/main" id="{EED7086B-9D65-C600-B937-FA0A862453EA}"/>
+                    </a:ext>
+                  </a:extLst>
+                </p14:cNvPr>
+                <p14:cNvContentPartPr/>
+                <p14:nvPr/>
+              </p14:nvContentPartPr>
+              <p14:xfrm>
+                <a:off x="1892466" y="5335227"/>
+                <a:ext cx="168120" cy="187920"/>
+              </p14:xfrm>
+            </p:contentPart>
+          </mc:Choice>
+          <mc:Fallback xmlns="">
+            <p:pic>
+              <p:nvPicPr>
+                <p:cNvPr id="57" name="Ink 56">
+                  <a:extLst>
+                    <a:ext uri="{FF2B5EF4-FFF2-40B4-BE49-F238E27FC236}">
+                      <a16:creationId xmlns:a16="http://schemas.microsoft.com/office/drawing/2014/main" id="{EED7086B-9D65-C600-B937-FA0A862453EA}"/>
+                    </a:ext>
+                  </a:extLst>
+                </p:cNvPr>
+                <p:cNvPicPr/>
+                <p:nvPr/>
+              </p:nvPicPr>
+              <p:blipFill>
+                <a:blip r:embed="rId77"/>
+                <a:stretch>
+                  <a:fillRect/>
+                </a:stretch>
+              </p:blipFill>
+              <p:spPr>
+                <a:xfrm>
+                  <a:off x="1883826" y="5326587"/>
+                  <a:ext cx="185760" cy="205560"/>
+                </a:xfrm>
+                <a:prstGeom prst="rect">
+                  <a:avLst/>
+                </a:prstGeom>
+              </p:spPr>
+            </p:pic>
+          </mc:Fallback>
+        </mc:AlternateContent>
+        <mc:AlternateContent xmlns:mc="http://schemas.openxmlformats.org/markup-compatibility/2006" xmlns:p14="http://schemas.microsoft.com/office/powerpoint/2010/main">
+          <mc:Choice Requires="p14">
+            <p:contentPart p14:bwMode="auto" r:id="rId78">
+              <p14:nvContentPartPr>
+                <p14:cNvPr id="59" name="Ink 58">
+                  <a:extLst>
+                    <a:ext uri="{FF2B5EF4-FFF2-40B4-BE49-F238E27FC236}">
+                      <a16:creationId xmlns:a16="http://schemas.microsoft.com/office/drawing/2014/main" id="{AD9AC918-CA50-67BD-02A0-6A47C0F173AA}"/>
+                    </a:ext>
+                  </a:extLst>
+                </p14:cNvPr>
+                <p14:cNvContentPartPr/>
+                <p14:nvPr/>
+              </p14:nvContentPartPr>
+              <p14:xfrm>
+                <a:off x="2128626" y="5322267"/>
+                <a:ext cx="360" cy="162720"/>
+              </p14:xfrm>
+            </p:contentPart>
+          </mc:Choice>
+          <mc:Fallback xmlns="">
+            <p:pic>
+              <p:nvPicPr>
+                <p:cNvPr id="59" name="Ink 58">
+                  <a:extLst>
+                    <a:ext uri="{FF2B5EF4-FFF2-40B4-BE49-F238E27FC236}">
+                      <a16:creationId xmlns:a16="http://schemas.microsoft.com/office/drawing/2014/main" id="{AD9AC918-CA50-67BD-02A0-6A47C0F173AA}"/>
+                    </a:ext>
+                  </a:extLst>
+                </p:cNvPr>
+                <p:cNvPicPr/>
+                <p:nvPr/>
+              </p:nvPicPr>
+              <p:blipFill>
+                <a:blip r:embed="rId79"/>
+                <a:stretch>
+                  <a:fillRect/>
+                </a:stretch>
+              </p:blipFill>
+              <p:spPr>
+                <a:xfrm>
+                  <a:off x="2119626" y="5313267"/>
+                  <a:ext cx="18000" cy="180360"/>
+                </a:xfrm>
+                <a:prstGeom prst="rect">
+                  <a:avLst/>
+                </a:prstGeom>
+              </p:spPr>
+            </p:pic>
+          </mc:Fallback>
+        </mc:AlternateContent>
+        <mc:AlternateContent xmlns:mc="http://schemas.openxmlformats.org/markup-compatibility/2006" xmlns:p14="http://schemas.microsoft.com/office/powerpoint/2010/main">
+          <mc:Choice Requires="p14">
+            <p:contentPart p14:bwMode="auto" r:id="rId80">
+              <p14:nvContentPartPr>
+                <p14:cNvPr id="60" name="Ink 59">
+                  <a:extLst>
+                    <a:ext uri="{FF2B5EF4-FFF2-40B4-BE49-F238E27FC236}">
+                      <a16:creationId xmlns:a16="http://schemas.microsoft.com/office/drawing/2014/main" id="{07BAFE82-D481-A7D4-5F47-9BE822D45005}"/>
+                    </a:ext>
+                  </a:extLst>
+                </p14:cNvPr>
+                <p14:cNvContentPartPr/>
+                <p14:nvPr/>
+              </p14:nvContentPartPr>
+              <p14:xfrm>
+                <a:off x="2087946" y="5402187"/>
+                <a:ext cx="162360" cy="111600"/>
+              </p14:xfrm>
+            </p:contentPart>
+          </mc:Choice>
+          <mc:Fallback xmlns="">
+            <p:pic>
+              <p:nvPicPr>
+                <p:cNvPr id="60" name="Ink 59">
+                  <a:extLst>
+                    <a:ext uri="{FF2B5EF4-FFF2-40B4-BE49-F238E27FC236}">
+                      <a16:creationId xmlns:a16="http://schemas.microsoft.com/office/drawing/2014/main" id="{07BAFE82-D481-A7D4-5F47-9BE822D45005}"/>
+                    </a:ext>
+                  </a:extLst>
+                </p:cNvPr>
+                <p:cNvPicPr/>
+                <p:nvPr/>
+              </p:nvPicPr>
+              <p:blipFill>
+                <a:blip r:embed="rId81"/>
+                <a:stretch>
+                  <a:fillRect/>
+                </a:stretch>
+              </p:blipFill>
+              <p:spPr>
+                <a:xfrm>
+                  <a:off x="2078946" y="5393187"/>
+                  <a:ext cx="180000" cy="129240"/>
+                </a:xfrm>
+                <a:prstGeom prst="rect">
+                  <a:avLst/>
+                </a:prstGeom>
+              </p:spPr>
+            </p:pic>
+          </mc:Fallback>
+        </mc:AlternateContent>
+      </p:grpSp>
+      <p:grpSp>
+        <p:nvGrpSpPr>
+          <p:cNvPr id="71" name="Group 70">
+            <a:extLst>
+              <a:ext uri="{FF2B5EF4-FFF2-40B4-BE49-F238E27FC236}">
+                <a16:creationId xmlns:a16="http://schemas.microsoft.com/office/drawing/2014/main" id="{97D707ED-3D2A-5980-1E93-4965AD555D0D}"/>
+              </a:ext>
+            </a:extLst>
+          </p:cNvPr>
+          <p:cNvGrpSpPr/>
+          <p:nvPr/>
+        </p:nvGrpSpPr>
+        <p:grpSpPr>
+          <a:xfrm>
+            <a:off x="4777866" y="2974707"/>
+            <a:ext cx="2280240" cy="1297800"/>
+            <a:chOff x="4777866" y="2974707"/>
+            <a:chExt cx="2280240" cy="1297800"/>
+          </a:xfrm>
+        </p:grpSpPr>
+        <mc:AlternateContent xmlns:mc="http://schemas.openxmlformats.org/markup-compatibility/2006" xmlns:p14="http://schemas.microsoft.com/office/powerpoint/2010/main">
+          <mc:Choice Requires="p14">
+            <p:contentPart p14:bwMode="auto" r:id="rId82">
+              <p14:nvContentPartPr>
+                <p14:cNvPr id="62" name="Ink 61">
+                  <a:extLst>
+                    <a:ext uri="{FF2B5EF4-FFF2-40B4-BE49-F238E27FC236}">
+                      <a16:creationId xmlns:a16="http://schemas.microsoft.com/office/drawing/2014/main" id="{FB907DDA-F25B-76DF-D58A-22241508BDFC}"/>
+                    </a:ext>
+                  </a:extLst>
+                </p14:cNvPr>
+                <p14:cNvContentPartPr/>
+                <p14:nvPr/>
+              </p14:nvContentPartPr>
+              <p14:xfrm>
+                <a:off x="4922226" y="2974707"/>
+                <a:ext cx="291600" cy="1035720"/>
+              </p14:xfrm>
+            </p:contentPart>
+          </mc:Choice>
+          <mc:Fallback xmlns="">
+            <p:pic>
+              <p:nvPicPr>
+                <p:cNvPr id="62" name="Ink 61">
+                  <a:extLst>
+                    <a:ext uri="{FF2B5EF4-FFF2-40B4-BE49-F238E27FC236}">
+                      <a16:creationId xmlns:a16="http://schemas.microsoft.com/office/drawing/2014/main" id="{FB907DDA-F25B-76DF-D58A-22241508BDFC}"/>
+                    </a:ext>
+                  </a:extLst>
+                </p:cNvPr>
+                <p:cNvPicPr/>
+                <p:nvPr/>
+              </p:nvPicPr>
+              <p:blipFill>
+                <a:blip r:embed="rId83"/>
+                <a:stretch>
+                  <a:fillRect/>
+                </a:stretch>
+              </p:blipFill>
+              <p:spPr>
+                <a:xfrm>
+                  <a:off x="4913226" y="2965707"/>
+                  <a:ext cx="309240" cy="1053360"/>
+                </a:xfrm>
+                <a:prstGeom prst="rect">
+                  <a:avLst/>
+                </a:prstGeom>
+              </p:spPr>
+            </p:pic>
+          </mc:Fallback>
+        </mc:AlternateContent>
+        <mc:AlternateContent xmlns:mc="http://schemas.openxmlformats.org/markup-compatibility/2006" xmlns:p14="http://schemas.microsoft.com/office/powerpoint/2010/main">
+          <mc:Choice Requires="p14">
+            <p:contentPart p14:bwMode="auto" r:id="rId84">
+              <p14:nvContentPartPr>
+                <p14:cNvPr id="63" name="Ink 62">
+                  <a:extLst>
+                    <a:ext uri="{FF2B5EF4-FFF2-40B4-BE49-F238E27FC236}">
+                      <a16:creationId xmlns:a16="http://schemas.microsoft.com/office/drawing/2014/main" id="{824FB10A-A6DC-636B-DFA0-BA892BC9BB91}"/>
+                    </a:ext>
+                  </a:extLst>
+                </p14:cNvPr>
+                <p14:cNvContentPartPr/>
+                <p14:nvPr/>
+              </p14:nvContentPartPr>
+              <p14:xfrm>
+                <a:off x="4777866" y="3083067"/>
+                <a:ext cx="2280240" cy="1189440"/>
+              </p14:xfrm>
+            </p:contentPart>
+          </mc:Choice>
+          <mc:Fallback xmlns="">
+            <p:pic>
+              <p:nvPicPr>
+                <p:cNvPr id="63" name="Ink 62">
+                  <a:extLst>
+                    <a:ext uri="{FF2B5EF4-FFF2-40B4-BE49-F238E27FC236}">
+                      <a16:creationId xmlns:a16="http://schemas.microsoft.com/office/drawing/2014/main" id="{824FB10A-A6DC-636B-DFA0-BA892BC9BB91}"/>
+                    </a:ext>
+                  </a:extLst>
+                </p:cNvPr>
+                <p:cNvPicPr/>
+                <p:nvPr/>
+              </p:nvPicPr>
+              <p:blipFill>
+                <a:blip r:embed="rId85"/>
+                <a:stretch>
+                  <a:fillRect/>
+                </a:stretch>
+              </p:blipFill>
+              <p:spPr>
+                <a:xfrm>
+                  <a:off x="4769226" y="3074427"/>
+                  <a:ext cx="2297880" cy="1207080"/>
+                </a:xfrm>
+                <a:prstGeom prst="rect">
+                  <a:avLst/>
+                </a:prstGeom>
+              </p:spPr>
+            </p:pic>
+          </mc:Fallback>
+        </mc:AlternateContent>
+        <mc:AlternateContent xmlns:mc="http://schemas.openxmlformats.org/markup-compatibility/2006" xmlns:p14="http://schemas.microsoft.com/office/powerpoint/2010/main">
+          <mc:Choice Requires="p14">
+            <p:contentPart p14:bwMode="auto" r:id="rId86">
+              <p14:nvContentPartPr>
+                <p14:cNvPr id="64" name="Ink 63">
+                  <a:extLst>
+                    <a:ext uri="{FF2B5EF4-FFF2-40B4-BE49-F238E27FC236}">
+                      <a16:creationId xmlns:a16="http://schemas.microsoft.com/office/drawing/2014/main" id="{F3DD51FF-630C-0506-E022-78A864B8FFA3}"/>
+                    </a:ext>
+                  </a:extLst>
+                </p14:cNvPr>
+                <p14:cNvContentPartPr/>
+                <p14:nvPr/>
+              </p14:nvContentPartPr>
+              <p14:xfrm>
+                <a:off x="5429106" y="3548187"/>
+                <a:ext cx="345600" cy="552960"/>
+              </p14:xfrm>
+            </p:contentPart>
+          </mc:Choice>
+          <mc:Fallback xmlns="">
+            <p:pic>
+              <p:nvPicPr>
+                <p:cNvPr id="64" name="Ink 63">
+                  <a:extLst>
+                    <a:ext uri="{FF2B5EF4-FFF2-40B4-BE49-F238E27FC236}">
+                      <a16:creationId xmlns:a16="http://schemas.microsoft.com/office/drawing/2014/main" id="{F3DD51FF-630C-0506-E022-78A864B8FFA3}"/>
+                    </a:ext>
+                  </a:extLst>
+                </p:cNvPr>
+                <p:cNvPicPr/>
+                <p:nvPr/>
+              </p:nvPicPr>
+              <p:blipFill>
+                <a:blip r:embed="rId87"/>
+                <a:stretch>
+                  <a:fillRect/>
+                </a:stretch>
+              </p:blipFill>
+              <p:spPr>
+                <a:xfrm>
+                  <a:off x="5420106" y="3539547"/>
+                  <a:ext cx="363240" cy="570600"/>
+                </a:xfrm>
+                <a:prstGeom prst="rect">
+                  <a:avLst/>
+                </a:prstGeom>
+              </p:spPr>
+            </p:pic>
+          </mc:Fallback>
+        </mc:AlternateContent>
+        <mc:AlternateContent xmlns:mc="http://schemas.openxmlformats.org/markup-compatibility/2006" xmlns:p14="http://schemas.microsoft.com/office/powerpoint/2010/main">
+          <mc:Choice Requires="p14">
+            <p:contentPart p14:bwMode="auto" r:id="rId88">
+              <p14:nvContentPartPr>
+                <p14:cNvPr id="65" name="Ink 64">
+                  <a:extLst>
+                    <a:ext uri="{FF2B5EF4-FFF2-40B4-BE49-F238E27FC236}">
+                      <a16:creationId xmlns:a16="http://schemas.microsoft.com/office/drawing/2014/main" id="{9FB81663-4C90-7C5D-61C9-DFEB74F64D7A}"/>
+                    </a:ext>
+                  </a:extLst>
+                </p14:cNvPr>
+                <p14:cNvContentPartPr/>
+                <p14:nvPr/>
+              </p14:nvContentPartPr>
+              <p14:xfrm>
+                <a:off x="5376906" y="3866787"/>
+                <a:ext cx="671040" cy="146160"/>
+              </p14:xfrm>
+            </p:contentPart>
+          </mc:Choice>
+          <mc:Fallback xmlns="">
+            <p:pic>
+              <p:nvPicPr>
+                <p:cNvPr id="65" name="Ink 64">
+                  <a:extLst>
+                    <a:ext uri="{FF2B5EF4-FFF2-40B4-BE49-F238E27FC236}">
+                      <a16:creationId xmlns:a16="http://schemas.microsoft.com/office/drawing/2014/main" id="{9FB81663-4C90-7C5D-61C9-DFEB74F64D7A}"/>
+                    </a:ext>
+                  </a:extLst>
+                </p:cNvPr>
+                <p:cNvPicPr/>
+                <p:nvPr/>
+              </p:nvPicPr>
+              <p:blipFill>
+                <a:blip r:embed="rId89"/>
+                <a:stretch>
+                  <a:fillRect/>
+                </a:stretch>
+              </p:blipFill>
+              <p:spPr>
+                <a:xfrm>
+                  <a:off x="5367906" y="3857787"/>
+                  <a:ext cx="688680" cy="163800"/>
+                </a:xfrm>
+                <a:prstGeom prst="rect">
+                  <a:avLst/>
+                </a:prstGeom>
+              </p:spPr>
+            </p:pic>
+          </mc:Fallback>
+        </mc:AlternateContent>
+        <mc:AlternateContent xmlns:mc="http://schemas.openxmlformats.org/markup-compatibility/2006" xmlns:p14="http://schemas.microsoft.com/office/powerpoint/2010/main">
+          <mc:Choice Requires="p14">
+            <p:contentPart p14:bwMode="auto" r:id="rId90">
+              <p14:nvContentPartPr>
+                <p14:cNvPr id="66" name="Ink 65">
+                  <a:extLst>
+                    <a:ext uri="{FF2B5EF4-FFF2-40B4-BE49-F238E27FC236}">
+                      <a16:creationId xmlns:a16="http://schemas.microsoft.com/office/drawing/2014/main" id="{217D51B2-270F-B28B-24B7-51976586D86F}"/>
+                    </a:ext>
+                  </a:extLst>
+                </p14:cNvPr>
+                <p14:cNvContentPartPr/>
+                <p14:nvPr/>
+              </p14:nvContentPartPr>
+              <p14:xfrm>
+                <a:off x="6167106" y="3479787"/>
+                <a:ext cx="169920" cy="569160"/>
+              </p14:xfrm>
+            </p:contentPart>
+          </mc:Choice>
+          <mc:Fallback xmlns="">
+            <p:pic>
+              <p:nvPicPr>
+                <p:cNvPr id="66" name="Ink 65">
+                  <a:extLst>
+                    <a:ext uri="{FF2B5EF4-FFF2-40B4-BE49-F238E27FC236}">
+                      <a16:creationId xmlns:a16="http://schemas.microsoft.com/office/drawing/2014/main" id="{217D51B2-270F-B28B-24B7-51976586D86F}"/>
+                    </a:ext>
+                  </a:extLst>
+                </p:cNvPr>
+                <p:cNvPicPr/>
+                <p:nvPr/>
+              </p:nvPicPr>
+              <p:blipFill>
+                <a:blip r:embed="rId91"/>
+                <a:stretch>
+                  <a:fillRect/>
+                </a:stretch>
+              </p:blipFill>
+              <p:spPr>
+                <a:xfrm>
+                  <a:off x="6158106" y="3470787"/>
+                  <a:ext cx="187560" cy="586800"/>
+                </a:xfrm>
+                <a:prstGeom prst="rect">
+                  <a:avLst/>
+                </a:prstGeom>
+              </p:spPr>
+            </p:pic>
+          </mc:Fallback>
+        </mc:AlternateContent>
+        <mc:AlternateContent xmlns:mc="http://schemas.openxmlformats.org/markup-compatibility/2006" xmlns:p14="http://schemas.microsoft.com/office/powerpoint/2010/main">
+          <mc:Choice Requires="p14">
+            <p:contentPart p14:bwMode="auto" r:id="rId92">
+              <p14:nvContentPartPr>
+                <p14:cNvPr id="67" name="Ink 66">
+                  <a:extLst>
+                    <a:ext uri="{FF2B5EF4-FFF2-40B4-BE49-F238E27FC236}">
+                      <a16:creationId xmlns:a16="http://schemas.microsoft.com/office/drawing/2014/main" id="{4F22ECF7-AD7E-5947-B960-08026D43E1CF}"/>
+                    </a:ext>
+                  </a:extLst>
+                </p14:cNvPr>
+                <p14:cNvContentPartPr/>
+                <p14:nvPr/>
+              </p14:nvContentPartPr>
+              <p14:xfrm>
+                <a:off x="6575706" y="3409227"/>
+                <a:ext cx="223200" cy="611280"/>
+              </p14:xfrm>
+            </p:contentPart>
+          </mc:Choice>
+          <mc:Fallback xmlns="">
+            <p:pic>
+              <p:nvPicPr>
+                <p:cNvPr id="67" name="Ink 66">
+                  <a:extLst>
+                    <a:ext uri="{FF2B5EF4-FFF2-40B4-BE49-F238E27FC236}">
+                      <a16:creationId xmlns:a16="http://schemas.microsoft.com/office/drawing/2014/main" id="{4F22ECF7-AD7E-5947-B960-08026D43E1CF}"/>
+                    </a:ext>
+                  </a:extLst>
+                </p:cNvPr>
+                <p:cNvPicPr/>
+                <p:nvPr/>
+              </p:nvPicPr>
+              <p:blipFill>
+                <a:blip r:embed="rId93"/>
+                <a:stretch>
+                  <a:fillRect/>
+                </a:stretch>
+              </p:blipFill>
+              <p:spPr>
+                <a:xfrm>
+                  <a:off x="6567066" y="3400227"/>
+                  <a:ext cx="240840" cy="628920"/>
+                </a:xfrm>
+                <a:prstGeom prst="rect">
+                  <a:avLst/>
+                </a:prstGeom>
+              </p:spPr>
+            </p:pic>
+          </mc:Fallback>
+        </mc:AlternateContent>
+        <mc:AlternateContent xmlns:mc="http://schemas.openxmlformats.org/markup-compatibility/2006" xmlns:p14="http://schemas.microsoft.com/office/powerpoint/2010/main">
+          <mc:Choice Requires="p14">
+            <p:contentPart p14:bwMode="auto" r:id="rId94">
+              <p14:nvContentPartPr>
+                <p14:cNvPr id="68" name="Ink 67">
+                  <a:extLst>
+                    <a:ext uri="{FF2B5EF4-FFF2-40B4-BE49-F238E27FC236}">
+                      <a16:creationId xmlns:a16="http://schemas.microsoft.com/office/drawing/2014/main" id="{A080DD8E-29AD-05CD-A0E4-6E28C3422AF1}"/>
+                    </a:ext>
+                  </a:extLst>
+                </p14:cNvPr>
+                <p14:cNvContentPartPr/>
+                <p14:nvPr/>
+              </p14:nvContentPartPr>
+              <p14:xfrm>
+                <a:off x="5758866" y="3971187"/>
+                <a:ext cx="68760" cy="189360"/>
+              </p14:xfrm>
+            </p:contentPart>
+          </mc:Choice>
+          <mc:Fallback xmlns="">
+            <p:pic>
+              <p:nvPicPr>
+                <p:cNvPr id="68" name="Ink 67">
+                  <a:extLst>
+                    <a:ext uri="{FF2B5EF4-FFF2-40B4-BE49-F238E27FC236}">
+                      <a16:creationId xmlns:a16="http://schemas.microsoft.com/office/drawing/2014/main" id="{A080DD8E-29AD-05CD-A0E4-6E28C3422AF1}"/>
+                    </a:ext>
+                  </a:extLst>
+                </p:cNvPr>
+                <p:cNvPicPr/>
+                <p:nvPr/>
+              </p:nvPicPr>
+              <p:blipFill>
+                <a:blip r:embed="rId95"/>
+                <a:stretch>
+                  <a:fillRect/>
+                </a:stretch>
+              </p:blipFill>
+              <p:spPr>
+                <a:xfrm>
+                  <a:off x="5750226" y="3962547"/>
+                  <a:ext cx="86400" cy="207000"/>
+                </a:xfrm>
+                <a:prstGeom prst="rect">
+                  <a:avLst/>
+                </a:prstGeom>
+              </p:spPr>
+            </p:pic>
+          </mc:Fallback>
+        </mc:AlternateContent>
+        <mc:AlternateContent xmlns:mc="http://schemas.openxmlformats.org/markup-compatibility/2006" xmlns:p14="http://schemas.microsoft.com/office/powerpoint/2010/main">
+          <mc:Choice Requires="p14">
+            <p:contentPart p14:bwMode="auto" r:id="rId96">
+              <p14:nvContentPartPr>
+                <p14:cNvPr id="69" name="Ink 68">
+                  <a:extLst>
+                    <a:ext uri="{FF2B5EF4-FFF2-40B4-BE49-F238E27FC236}">
+                      <a16:creationId xmlns:a16="http://schemas.microsoft.com/office/drawing/2014/main" id="{2A6CB7DA-E99B-3A8A-D652-171E4D8CEAC0}"/>
+                    </a:ext>
+                  </a:extLst>
+                </p14:cNvPr>
+                <p14:cNvContentPartPr/>
+                <p14:nvPr/>
+              </p14:nvContentPartPr>
+              <p14:xfrm>
+                <a:off x="5499666" y="3957147"/>
+                <a:ext cx="28440" cy="244800"/>
+              </p14:xfrm>
+            </p:contentPart>
+          </mc:Choice>
+          <mc:Fallback xmlns="">
+            <p:pic>
+              <p:nvPicPr>
+                <p:cNvPr id="69" name="Ink 68">
+                  <a:extLst>
+                    <a:ext uri="{FF2B5EF4-FFF2-40B4-BE49-F238E27FC236}">
+                      <a16:creationId xmlns:a16="http://schemas.microsoft.com/office/drawing/2014/main" id="{2A6CB7DA-E99B-3A8A-D652-171E4D8CEAC0}"/>
+                    </a:ext>
+                  </a:extLst>
+                </p:cNvPr>
+                <p:cNvPicPr/>
+                <p:nvPr/>
+              </p:nvPicPr>
+              <p:blipFill>
+                <a:blip r:embed="rId97"/>
+                <a:stretch>
+                  <a:fillRect/>
+                </a:stretch>
+              </p:blipFill>
+              <p:spPr>
+                <a:xfrm>
+                  <a:off x="5490666" y="3948507"/>
+                  <a:ext cx="46080" cy="262440"/>
+                </a:xfrm>
+                <a:prstGeom prst="rect">
+                  <a:avLst/>
+                </a:prstGeom>
+              </p:spPr>
+            </p:pic>
+          </mc:Fallback>
+        </mc:AlternateContent>
+      </p:grpSp>
+    </p:spTree>
+    <p:extLst>
+      <p:ext uri="{BB962C8B-B14F-4D97-AF65-F5344CB8AC3E}">
+        <p14:creationId xmlns:p14="http://schemas.microsoft.com/office/powerpoint/2010/main" val="1138201891"/>
+      </p:ext>
+    </p:extLst>
+  </p:cSld>
+  <p:clrMapOvr>
+    <a:masterClrMapping/>
+  </p:clrMapOvr>
+</p:sld>
+</file>
+
 <file path=ppt/slides/slide2.xml><?xml version="1.0" encoding="utf-8"?>
 <p:sld xmlns:a="http://schemas.openxmlformats.org/drawingml/2006/main" xmlns:r="http://schemas.openxmlformats.org/officeDocument/2006/relationships" xmlns:p="http://schemas.openxmlformats.org/presentationml/2006/main">
   <p:cSld>
@@ -12713,6 +16853,2115 @@
     <p:extLst>
       <p:ext uri="{BB962C8B-B14F-4D97-AF65-F5344CB8AC3E}">
         <p14:creationId xmlns:p14="http://schemas.microsoft.com/office/powerpoint/2010/main" val="2004325166"/>
+      </p:ext>
+    </p:extLst>
+  </p:cSld>
+  <p:clrMapOvr>
+    <a:masterClrMapping/>
+  </p:clrMapOvr>
+</p:sld>
+</file>
+
+<file path=ppt/slides/slide20.xml><?xml version="1.0" encoding="utf-8"?>
+<p:sld xmlns:a="http://schemas.openxmlformats.org/drawingml/2006/main" xmlns:r="http://schemas.openxmlformats.org/officeDocument/2006/relationships" xmlns:p="http://schemas.openxmlformats.org/presentationml/2006/main">
+  <p:cSld>
+    <p:spTree>
+      <p:nvGrpSpPr>
+        <p:cNvPr id="1" name=""/>
+        <p:cNvGrpSpPr/>
+        <p:nvPr/>
+      </p:nvGrpSpPr>
+      <p:grpSpPr>
+        <a:xfrm>
+          <a:off x="0" y="0"/>
+          <a:ext cx="0" cy="0"/>
+          <a:chOff x="0" y="0"/>
+          <a:chExt cx="0" cy="0"/>
+        </a:xfrm>
+      </p:grpSpPr>
+      <mc:AlternateContent xmlns:mc="http://schemas.openxmlformats.org/markup-compatibility/2006" xmlns:p14="http://schemas.microsoft.com/office/powerpoint/2010/main">
+        <mc:Choice Requires="p14">
+          <p:contentPart p14:bwMode="auto" r:id="rId2">
+            <p14:nvContentPartPr>
+              <p14:cNvPr id="4" name="Ink 3">
+                <a:extLst>
+                  <a:ext uri="{FF2B5EF4-FFF2-40B4-BE49-F238E27FC236}">
+                    <a16:creationId xmlns:a16="http://schemas.microsoft.com/office/drawing/2014/main" id="{D2C25429-976D-02EA-D6ED-1B700393C226}"/>
+                  </a:ext>
+                </a:extLst>
+              </p14:cNvPr>
+              <p14:cNvContentPartPr/>
+              <p14:nvPr/>
+            </p14:nvContentPartPr>
+            <p14:xfrm>
+              <a:off x="-860094" y="4312107"/>
+              <a:ext cx="360" cy="360"/>
+            </p14:xfrm>
+          </p:contentPart>
+        </mc:Choice>
+        <mc:Fallback xmlns="">
+          <p:pic>
+            <p:nvPicPr>
+              <p:cNvPr id="4" name="Ink 3">
+                <a:extLst>
+                  <a:ext uri="{FF2B5EF4-FFF2-40B4-BE49-F238E27FC236}">
+                    <a16:creationId xmlns:a16="http://schemas.microsoft.com/office/drawing/2014/main" id="{D2C25429-976D-02EA-D6ED-1B700393C226}"/>
+                  </a:ext>
+                </a:extLst>
+              </p:cNvPr>
+              <p:cNvPicPr/>
+              <p:nvPr/>
+            </p:nvPicPr>
+            <p:blipFill>
+              <a:blip r:embed="rId3"/>
+              <a:stretch>
+                <a:fillRect/>
+              </a:stretch>
+            </p:blipFill>
+            <p:spPr>
+              <a:xfrm>
+                <a:off x="-913734" y="4204467"/>
+                <a:ext cx="108000" cy="216000"/>
+              </a:xfrm>
+              <a:prstGeom prst="rect">
+                <a:avLst/>
+              </a:prstGeom>
+            </p:spPr>
+          </p:pic>
+        </mc:Fallback>
+      </mc:AlternateContent>
+      <mc:AlternateContent xmlns:mc="http://schemas.openxmlformats.org/markup-compatibility/2006" xmlns:p14="http://schemas.microsoft.com/office/powerpoint/2010/main">
+        <mc:Choice Requires="p14">
+          <p:contentPart p14:bwMode="auto" r:id="rId4">
+            <p14:nvContentPartPr>
+              <p14:cNvPr id="5" name="Ink 4">
+                <a:extLst>
+                  <a:ext uri="{FF2B5EF4-FFF2-40B4-BE49-F238E27FC236}">
+                    <a16:creationId xmlns:a16="http://schemas.microsoft.com/office/drawing/2014/main" id="{51EAD813-0C7E-EF21-B9DA-94B815BDE064}"/>
+                  </a:ext>
+                </a:extLst>
+              </p14:cNvPr>
+              <p14:cNvContentPartPr/>
+              <p14:nvPr/>
+            </p14:nvContentPartPr>
+            <p14:xfrm>
+              <a:off x="-751374" y="2278827"/>
+              <a:ext cx="360" cy="360"/>
+            </p14:xfrm>
+          </p:contentPart>
+        </mc:Choice>
+        <mc:Fallback xmlns="">
+          <p:pic>
+            <p:nvPicPr>
+              <p:cNvPr id="5" name="Ink 4">
+                <a:extLst>
+                  <a:ext uri="{FF2B5EF4-FFF2-40B4-BE49-F238E27FC236}">
+                    <a16:creationId xmlns:a16="http://schemas.microsoft.com/office/drawing/2014/main" id="{51EAD813-0C7E-EF21-B9DA-94B815BDE064}"/>
+                  </a:ext>
+                </a:extLst>
+              </p:cNvPr>
+              <p:cNvPicPr/>
+              <p:nvPr/>
+            </p:nvPicPr>
+            <p:blipFill>
+              <a:blip r:embed="rId3"/>
+              <a:stretch>
+                <a:fillRect/>
+              </a:stretch>
+            </p:blipFill>
+            <p:spPr>
+              <a:xfrm>
+                <a:off x="-805014" y="2170827"/>
+                <a:ext cx="108000" cy="216000"/>
+              </a:xfrm>
+              <a:prstGeom prst="rect">
+                <a:avLst/>
+              </a:prstGeom>
+            </p:spPr>
+          </p:pic>
+        </mc:Fallback>
+      </mc:AlternateContent>
+      <p:sp>
+        <p:nvSpPr>
+          <p:cNvPr id="8" name="Rectangle 7">
+            <a:extLst>
+              <a:ext uri="{FF2B5EF4-FFF2-40B4-BE49-F238E27FC236}">
+                <a16:creationId xmlns:a16="http://schemas.microsoft.com/office/drawing/2014/main" id="{9AA5A2CF-1BAF-E4C1-E970-721824164C39}"/>
+              </a:ext>
+            </a:extLst>
+          </p:cNvPr>
+          <p:cNvSpPr/>
+          <p:nvPr/>
+        </p:nvSpPr>
+        <p:spPr>
+          <a:xfrm>
+            <a:off x="4203510" y="313899"/>
+            <a:ext cx="1892490" cy="641444"/>
+          </a:xfrm>
+          <a:prstGeom prst="rect">
+            <a:avLst/>
+          </a:prstGeom>
+        </p:spPr>
+        <p:style>
+          <a:lnRef idx="2">
+            <a:schemeClr val="accent1">
+              <a:shade val="15000"/>
+            </a:schemeClr>
+          </a:lnRef>
+          <a:fillRef idx="1">
+            <a:schemeClr val="accent1"/>
+          </a:fillRef>
+          <a:effectRef idx="0">
+            <a:schemeClr val="accent1"/>
+          </a:effectRef>
+          <a:fontRef idx="minor">
+            <a:schemeClr val="lt1"/>
+          </a:fontRef>
+        </p:style>
+        <p:txBody>
+          <a:bodyPr rtlCol="0" anchor="ctr"/>
+          <a:lstStyle/>
+          <a:p>
+            <a:pPr algn="ctr"/>
+            <a:r>
+              <a:rPr lang="en-US" dirty="0"/>
+              <a:t>App</a:t>
+            </a:r>
+          </a:p>
+        </p:txBody>
+      </p:sp>
+      <p:sp>
+        <p:nvSpPr>
+          <p:cNvPr id="9" name="Rectangle 8">
+            <a:extLst>
+              <a:ext uri="{FF2B5EF4-FFF2-40B4-BE49-F238E27FC236}">
+                <a16:creationId xmlns:a16="http://schemas.microsoft.com/office/drawing/2014/main" id="{C35BCAAD-2A33-2660-FEB4-ED75DF5410BE}"/>
+              </a:ext>
+            </a:extLst>
+          </p:cNvPr>
+          <p:cNvSpPr/>
+          <p:nvPr/>
+        </p:nvSpPr>
+        <p:spPr>
+          <a:xfrm>
+            <a:off x="4203510" y="1132765"/>
+            <a:ext cx="1892490" cy="641444"/>
+          </a:xfrm>
+          <a:prstGeom prst="rect">
+            <a:avLst/>
+          </a:prstGeom>
+        </p:spPr>
+        <p:style>
+          <a:lnRef idx="2">
+            <a:schemeClr val="accent1">
+              <a:shade val="15000"/>
+            </a:schemeClr>
+          </a:lnRef>
+          <a:fillRef idx="1">
+            <a:schemeClr val="accent1"/>
+          </a:fillRef>
+          <a:effectRef idx="0">
+            <a:schemeClr val="accent1"/>
+          </a:effectRef>
+          <a:fontRef idx="minor">
+            <a:schemeClr val="lt1"/>
+          </a:fontRef>
+        </p:style>
+        <p:txBody>
+          <a:bodyPr rtlCol="0" anchor="ctr"/>
+          <a:lstStyle/>
+          <a:p>
+            <a:pPr algn="ctr"/>
+            <a:r>
+              <a:rPr lang="en-US" dirty="0"/>
+              <a:t>Layout</a:t>
+            </a:r>
+          </a:p>
+        </p:txBody>
+      </p:sp>
+      <p:sp>
+        <p:nvSpPr>
+          <p:cNvPr id="10" name="Rectangle 9">
+            <a:extLst>
+              <a:ext uri="{FF2B5EF4-FFF2-40B4-BE49-F238E27FC236}">
+                <a16:creationId xmlns:a16="http://schemas.microsoft.com/office/drawing/2014/main" id="{388F9140-FB5B-EF3F-C9C9-9F6C571D5625}"/>
+              </a:ext>
+            </a:extLst>
+          </p:cNvPr>
+          <p:cNvSpPr/>
+          <p:nvPr/>
+        </p:nvSpPr>
+        <p:spPr>
+          <a:xfrm>
+            <a:off x="559558" y="2142699"/>
+            <a:ext cx="1892490" cy="641444"/>
+          </a:xfrm>
+          <a:prstGeom prst="rect">
+            <a:avLst/>
+          </a:prstGeom>
+        </p:spPr>
+        <p:style>
+          <a:lnRef idx="2">
+            <a:schemeClr val="accent1">
+              <a:shade val="15000"/>
+            </a:schemeClr>
+          </a:lnRef>
+          <a:fillRef idx="1">
+            <a:schemeClr val="accent1"/>
+          </a:fillRef>
+          <a:effectRef idx="0">
+            <a:schemeClr val="accent1"/>
+          </a:effectRef>
+          <a:fontRef idx="minor">
+            <a:schemeClr val="lt1"/>
+          </a:fontRef>
+        </p:style>
+        <p:txBody>
+          <a:bodyPr rtlCol="0" anchor="ctr"/>
+          <a:lstStyle/>
+          <a:p>
+            <a:pPr algn="ctr"/>
+            <a:r>
+              <a:rPr lang="en-US" dirty="0"/>
+              <a:t>Toolbar</a:t>
+            </a:r>
+          </a:p>
+        </p:txBody>
+      </p:sp>
+      <p:sp>
+        <p:nvSpPr>
+          <p:cNvPr id="11" name="Rectangle 10">
+            <a:extLst>
+              <a:ext uri="{FF2B5EF4-FFF2-40B4-BE49-F238E27FC236}">
+                <a16:creationId xmlns:a16="http://schemas.microsoft.com/office/drawing/2014/main" id="{A7561B6D-DD22-1F94-ACC7-18735C292788}"/>
+              </a:ext>
+            </a:extLst>
+          </p:cNvPr>
+          <p:cNvSpPr/>
+          <p:nvPr/>
+        </p:nvSpPr>
+        <p:spPr>
+          <a:xfrm>
+            <a:off x="2816375" y="2142699"/>
+            <a:ext cx="1892490" cy="641444"/>
+          </a:xfrm>
+          <a:prstGeom prst="rect">
+            <a:avLst/>
+          </a:prstGeom>
+        </p:spPr>
+        <p:style>
+          <a:lnRef idx="2">
+            <a:schemeClr val="accent1">
+              <a:shade val="15000"/>
+            </a:schemeClr>
+          </a:lnRef>
+          <a:fillRef idx="1">
+            <a:schemeClr val="accent1"/>
+          </a:fillRef>
+          <a:effectRef idx="0">
+            <a:schemeClr val="accent1"/>
+          </a:effectRef>
+          <a:fontRef idx="minor">
+            <a:schemeClr val="lt1"/>
+          </a:fontRef>
+        </p:style>
+        <p:txBody>
+          <a:bodyPr rtlCol="0" anchor="ctr"/>
+          <a:lstStyle/>
+          <a:p>
+            <a:pPr algn="ctr"/>
+            <a:r>
+              <a:rPr lang="en-US" dirty="0"/>
+              <a:t>SideDrawer</a:t>
+            </a:r>
+          </a:p>
+        </p:txBody>
+      </p:sp>
+      <p:sp>
+        <p:nvSpPr>
+          <p:cNvPr id="12" name="Rectangle 11">
+            <a:extLst>
+              <a:ext uri="{FF2B5EF4-FFF2-40B4-BE49-F238E27FC236}">
+                <a16:creationId xmlns:a16="http://schemas.microsoft.com/office/drawing/2014/main" id="{2C582743-A8C0-B895-46E4-34659168CD91}"/>
+              </a:ext>
+            </a:extLst>
+          </p:cNvPr>
+          <p:cNvSpPr/>
+          <p:nvPr/>
+        </p:nvSpPr>
+        <p:spPr>
+          <a:xfrm>
+            <a:off x="5149755" y="2142699"/>
+            <a:ext cx="1892490" cy="641444"/>
+          </a:xfrm>
+          <a:prstGeom prst="rect">
+            <a:avLst/>
+          </a:prstGeom>
+        </p:spPr>
+        <p:style>
+          <a:lnRef idx="2">
+            <a:schemeClr val="accent1">
+              <a:shade val="15000"/>
+            </a:schemeClr>
+          </a:lnRef>
+          <a:fillRef idx="1">
+            <a:schemeClr val="accent1"/>
+          </a:fillRef>
+          <a:effectRef idx="0">
+            <a:schemeClr val="accent1"/>
+          </a:effectRef>
+          <a:fontRef idx="minor">
+            <a:schemeClr val="lt1"/>
+          </a:fontRef>
+        </p:style>
+        <p:txBody>
+          <a:bodyPr rtlCol="0" anchor="ctr"/>
+          <a:lstStyle/>
+          <a:p>
+            <a:pPr algn="ctr"/>
+            <a:r>
+              <a:rPr lang="en-US" dirty="0"/>
+              <a:t>Backdrop</a:t>
+            </a:r>
+          </a:p>
+        </p:txBody>
+      </p:sp>
+      <p:sp>
+        <p:nvSpPr>
+          <p:cNvPr id="13" name="Rectangle 12">
+            <a:extLst>
+              <a:ext uri="{FF2B5EF4-FFF2-40B4-BE49-F238E27FC236}">
+                <a16:creationId xmlns:a16="http://schemas.microsoft.com/office/drawing/2014/main" id="{364384B4-765E-EF8E-12D7-3F13D111B217}"/>
+              </a:ext>
+            </a:extLst>
+          </p:cNvPr>
+          <p:cNvSpPr/>
+          <p:nvPr/>
+        </p:nvSpPr>
+        <p:spPr>
+          <a:xfrm>
+            <a:off x="7647295" y="2142699"/>
+            <a:ext cx="1892490" cy="641444"/>
+          </a:xfrm>
+          <a:prstGeom prst="rect">
+            <a:avLst/>
+          </a:prstGeom>
+        </p:spPr>
+        <p:style>
+          <a:lnRef idx="2">
+            <a:schemeClr val="accent1">
+              <a:shade val="15000"/>
+            </a:schemeClr>
+          </a:lnRef>
+          <a:fillRef idx="1">
+            <a:schemeClr val="accent1"/>
+          </a:fillRef>
+          <a:effectRef idx="0">
+            <a:schemeClr val="accent1"/>
+          </a:effectRef>
+          <a:fontRef idx="minor">
+            <a:schemeClr val="lt1"/>
+          </a:fontRef>
+        </p:style>
+        <p:txBody>
+          <a:bodyPr rtlCol="0" anchor="ctr"/>
+          <a:lstStyle/>
+          <a:p>
+            <a:pPr algn="ctr"/>
+            <a:r>
+              <a:rPr lang="en-US" dirty="0"/>
+              <a:t>{</a:t>
+            </a:r>
+            <a:r>
+              <a:rPr lang="en-US" dirty="0" err="1"/>
+              <a:t>props.children</a:t>
+            </a:r>
+            <a:r>
+              <a:rPr lang="en-US" dirty="0"/>
+              <a:t>}</a:t>
+            </a:r>
+          </a:p>
+        </p:txBody>
+      </p:sp>
+      <p:cxnSp>
+        <p:nvCxnSpPr>
+          <p:cNvPr id="15" name="Straight Connector 14">
+            <a:extLst>
+              <a:ext uri="{FF2B5EF4-FFF2-40B4-BE49-F238E27FC236}">
+                <a16:creationId xmlns:a16="http://schemas.microsoft.com/office/drawing/2014/main" id="{AE4C7B89-30E4-9B43-21C8-67BE1AFED3D4}"/>
+              </a:ext>
+            </a:extLst>
+          </p:cNvPr>
+          <p:cNvCxnSpPr>
+            <a:stCxn id="8" idx="2"/>
+            <a:endCxn id="9" idx="0"/>
+          </p:cNvCxnSpPr>
+          <p:nvPr/>
+        </p:nvCxnSpPr>
+        <p:spPr>
+          <a:xfrm>
+            <a:off x="5149755" y="955343"/>
+            <a:ext cx="0" cy="177422"/>
+          </a:xfrm>
+          <a:prstGeom prst="line">
+            <a:avLst/>
+          </a:prstGeom>
+        </p:spPr>
+        <p:style>
+          <a:lnRef idx="1">
+            <a:schemeClr val="accent1"/>
+          </a:lnRef>
+          <a:fillRef idx="0">
+            <a:schemeClr val="accent1"/>
+          </a:fillRef>
+          <a:effectRef idx="0">
+            <a:schemeClr val="accent1"/>
+          </a:effectRef>
+          <a:fontRef idx="minor">
+            <a:schemeClr val="tx1"/>
+          </a:fontRef>
+        </p:style>
+      </p:cxnSp>
+      <p:cxnSp>
+        <p:nvCxnSpPr>
+          <p:cNvPr id="17" name="Straight Connector 16">
+            <a:extLst>
+              <a:ext uri="{FF2B5EF4-FFF2-40B4-BE49-F238E27FC236}">
+                <a16:creationId xmlns:a16="http://schemas.microsoft.com/office/drawing/2014/main" id="{607CC410-FECC-E026-C382-8B376A2E58DF}"/>
+              </a:ext>
+            </a:extLst>
+          </p:cNvPr>
+          <p:cNvCxnSpPr>
+            <a:stCxn id="9" idx="2"/>
+            <a:endCxn id="10" idx="0"/>
+          </p:cNvCxnSpPr>
+          <p:nvPr/>
+        </p:nvCxnSpPr>
+        <p:spPr>
+          <a:xfrm flipH="1">
+            <a:off x="1505803" y="1774209"/>
+            <a:ext cx="3643952" cy="368490"/>
+          </a:xfrm>
+          <a:prstGeom prst="line">
+            <a:avLst/>
+          </a:prstGeom>
+        </p:spPr>
+        <p:style>
+          <a:lnRef idx="1">
+            <a:schemeClr val="accent1"/>
+          </a:lnRef>
+          <a:fillRef idx="0">
+            <a:schemeClr val="accent1"/>
+          </a:fillRef>
+          <a:effectRef idx="0">
+            <a:schemeClr val="accent1"/>
+          </a:effectRef>
+          <a:fontRef idx="minor">
+            <a:schemeClr val="tx1"/>
+          </a:fontRef>
+        </p:style>
+      </p:cxnSp>
+      <p:cxnSp>
+        <p:nvCxnSpPr>
+          <p:cNvPr id="19" name="Straight Connector 18">
+            <a:extLst>
+              <a:ext uri="{FF2B5EF4-FFF2-40B4-BE49-F238E27FC236}">
+                <a16:creationId xmlns:a16="http://schemas.microsoft.com/office/drawing/2014/main" id="{2EFA0843-CB40-F40C-64C9-BF3B3F9A406F}"/>
+              </a:ext>
+            </a:extLst>
+          </p:cNvPr>
+          <p:cNvCxnSpPr>
+            <a:stCxn id="9" idx="2"/>
+            <a:endCxn id="11" idx="0"/>
+          </p:cNvCxnSpPr>
+          <p:nvPr/>
+        </p:nvCxnSpPr>
+        <p:spPr>
+          <a:xfrm flipH="1">
+            <a:off x="3762620" y="1774209"/>
+            <a:ext cx="1387135" cy="368490"/>
+          </a:xfrm>
+          <a:prstGeom prst="line">
+            <a:avLst/>
+          </a:prstGeom>
+        </p:spPr>
+        <p:style>
+          <a:lnRef idx="1">
+            <a:schemeClr val="accent1"/>
+          </a:lnRef>
+          <a:fillRef idx="0">
+            <a:schemeClr val="accent1"/>
+          </a:fillRef>
+          <a:effectRef idx="0">
+            <a:schemeClr val="accent1"/>
+          </a:effectRef>
+          <a:fontRef idx="minor">
+            <a:schemeClr val="tx1"/>
+          </a:fontRef>
+        </p:style>
+      </p:cxnSp>
+      <p:cxnSp>
+        <p:nvCxnSpPr>
+          <p:cNvPr id="21" name="Straight Connector 20">
+            <a:extLst>
+              <a:ext uri="{FF2B5EF4-FFF2-40B4-BE49-F238E27FC236}">
+                <a16:creationId xmlns:a16="http://schemas.microsoft.com/office/drawing/2014/main" id="{9639B76A-F93D-B82B-BB57-D10E5506ADA9}"/>
+              </a:ext>
+            </a:extLst>
+          </p:cNvPr>
+          <p:cNvCxnSpPr>
+            <a:stCxn id="9" idx="2"/>
+            <a:endCxn id="12" idx="0"/>
+          </p:cNvCxnSpPr>
+          <p:nvPr/>
+        </p:nvCxnSpPr>
+        <p:spPr>
+          <a:xfrm>
+            <a:off x="5149755" y="1774209"/>
+            <a:ext cx="946245" cy="368490"/>
+          </a:xfrm>
+          <a:prstGeom prst="line">
+            <a:avLst/>
+          </a:prstGeom>
+        </p:spPr>
+        <p:style>
+          <a:lnRef idx="1">
+            <a:schemeClr val="accent1"/>
+          </a:lnRef>
+          <a:fillRef idx="0">
+            <a:schemeClr val="accent1"/>
+          </a:fillRef>
+          <a:effectRef idx="0">
+            <a:schemeClr val="accent1"/>
+          </a:effectRef>
+          <a:fontRef idx="minor">
+            <a:schemeClr val="tx1"/>
+          </a:fontRef>
+        </p:style>
+      </p:cxnSp>
+      <p:cxnSp>
+        <p:nvCxnSpPr>
+          <p:cNvPr id="23" name="Straight Connector 22">
+            <a:extLst>
+              <a:ext uri="{FF2B5EF4-FFF2-40B4-BE49-F238E27FC236}">
+                <a16:creationId xmlns:a16="http://schemas.microsoft.com/office/drawing/2014/main" id="{42D81590-22BD-DCBA-AEEB-18389D711016}"/>
+              </a:ext>
+            </a:extLst>
+          </p:cNvPr>
+          <p:cNvCxnSpPr>
+            <a:stCxn id="9" idx="2"/>
+            <a:endCxn id="13" idx="0"/>
+          </p:cNvCxnSpPr>
+          <p:nvPr/>
+        </p:nvCxnSpPr>
+        <p:spPr>
+          <a:xfrm>
+            <a:off x="5149755" y="1774209"/>
+            <a:ext cx="3443785" cy="368490"/>
+          </a:xfrm>
+          <a:prstGeom prst="line">
+            <a:avLst/>
+          </a:prstGeom>
+        </p:spPr>
+        <p:style>
+          <a:lnRef idx="1">
+            <a:schemeClr val="accent1"/>
+          </a:lnRef>
+          <a:fillRef idx="0">
+            <a:schemeClr val="accent1"/>
+          </a:fillRef>
+          <a:effectRef idx="0">
+            <a:schemeClr val="accent1"/>
+          </a:effectRef>
+          <a:fontRef idx="minor">
+            <a:schemeClr val="tx1"/>
+          </a:fontRef>
+        </p:style>
+      </p:cxnSp>
+      <p:sp>
+        <p:nvSpPr>
+          <p:cNvPr id="25" name="Rectangle 24">
+            <a:extLst>
+              <a:ext uri="{FF2B5EF4-FFF2-40B4-BE49-F238E27FC236}">
+                <a16:creationId xmlns:a16="http://schemas.microsoft.com/office/drawing/2014/main" id="{4379E3D8-1691-2238-BA7E-55B5FBA4B1C6}"/>
+              </a:ext>
+            </a:extLst>
+          </p:cNvPr>
+          <p:cNvSpPr/>
+          <p:nvPr/>
+        </p:nvSpPr>
+        <p:spPr>
+          <a:xfrm>
+            <a:off x="668740" y="3316406"/>
+            <a:ext cx="1783308" cy="641444"/>
+          </a:xfrm>
+          <a:prstGeom prst="rect">
+            <a:avLst/>
+          </a:prstGeom>
+        </p:spPr>
+        <p:style>
+          <a:lnRef idx="2">
+            <a:schemeClr val="accent1">
+              <a:shade val="15000"/>
+            </a:schemeClr>
+          </a:lnRef>
+          <a:fillRef idx="1">
+            <a:schemeClr val="accent1"/>
+          </a:fillRef>
+          <a:effectRef idx="0">
+            <a:schemeClr val="accent1"/>
+          </a:effectRef>
+          <a:fontRef idx="minor">
+            <a:schemeClr val="lt1"/>
+          </a:fontRef>
+        </p:style>
+        <p:txBody>
+          <a:bodyPr rtlCol="0" anchor="ctr"/>
+          <a:lstStyle/>
+          <a:p>
+            <a:pPr algn="ctr"/>
+            <a:r>
+              <a:rPr lang="en-US" dirty="0"/>
+              <a:t>Logo</a:t>
+            </a:r>
+          </a:p>
+        </p:txBody>
+      </p:sp>
+      <p:sp>
+        <p:nvSpPr>
+          <p:cNvPr id="26" name="Rectangle 25">
+            <a:extLst>
+              <a:ext uri="{FF2B5EF4-FFF2-40B4-BE49-F238E27FC236}">
+                <a16:creationId xmlns:a16="http://schemas.microsoft.com/office/drawing/2014/main" id="{4C74D2A9-E74F-E19C-23C8-EAAC12DBC5D4}"/>
+              </a:ext>
+            </a:extLst>
+          </p:cNvPr>
+          <p:cNvSpPr/>
+          <p:nvPr/>
+        </p:nvSpPr>
+        <p:spPr>
+          <a:xfrm>
+            <a:off x="668740" y="4073858"/>
+            <a:ext cx="1783308" cy="641444"/>
+          </a:xfrm>
+          <a:prstGeom prst="rect">
+            <a:avLst/>
+          </a:prstGeom>
+        </p:spPr>
+        <p:style>
+          <a:lnRef idx="2">
+            <a:schemeClr val="accent1">
+              <a:shade val="15000"/>
+            </a:schemeClr>
+          </a:lnRef>
+          <a:fillRef idx="1">
+            <a:schemeClr val="accent1"/>
+          </a:fillRef>
+          <a:effectRef idx="0">
+            <a:schemeClr val="accent1"/>
+          </a:effectRef>
+          <a:fontRef idx="minor">
+            <a:schemeClr val="lt1"/>
+          </a:fontRef>
+        </p:style>
+        <p:txBody>
+          <a:bodyPr rtlCol="0" anchor="ctr"/>
+          <a:lstStyle/>
+          <a:p>
+            <a:pPr algn="ctr"/>
+            <a:r>
+              <a:rPr lang="en-US" dirty="0"/>
+              <a:t>Navigation Items</a:t>
+            </a:r>
+          </a:p>
+        </p:txBody>
+      </p:sp>
+      <p:cxnSp>
+        <p:nvCxnSpPr>
+          <p:cNvPr id="29" name="Straight Connector 28">
+            <a:extLst>
+              <a:ext uri="{FF2B5EF4-FFF2-40B4-BE49-F238E27FC236}">
+                <a16:creationId xmlns:a16="http://schemas.microsoft.com/office/drawing/2014/main" id="{40E8132F-1B06-448E-97E5-FB4D8EE73B29}"/>
+              </a:ext>
+            </a:extLst>
+          </p:cNvPr>
+          <p:cNvCxnSpPr>
+            <a:stCxn id="10" idx="2"/>
+            <a:endCxn id="25" idx="0"/>
+          </p:cNvCxnSpPr>
+          <p:nvPr/>
+        </p:nvCxnSpPr>
+        <p:spPr>
+          <a:xfrm>
+            <a:off x="1505803" y="2784143"/>
+            <a:ext cx="54591" cy="532263"/>
+          </a:xfrm>
+          <a:prstGeom prst="line">
+            <a:avLst/>
+          </a:prstGeom>
+        </p:spPr>
+        <p:style>
+          <a:lnRef idx="1">
+            <a:schemeClr val="accent1"/>
+          </a:lnRef>
+          <a:fillRef idx="0">
+            <a:schemeClr val="accent1"/>
+          </a:fillRef>
+          <a:effectRef idx="0">
+            <a:schemeClr val="accent1"/>
+          </a:effectRef>
+          <a:fontRef idx="minor">
+            <a:schemeClr val="tx1"/>
+          </a:fontRef>
+        </p:style>
+      </p:cxnSp>
+      <p:cxnSp>
+        <p:nvCxnSpPr>
+          <p:cNvPr id="31" name="Straight Connector 30">
+            <a:extLst>
+              <a:ext uri="{FF2B5EF4-FFF2-40B4-BE49-F238E27FC236}">
+                <a16:creationId xmlns:a16="http://schemas.microsoft.com/office/drawing/2014/main" id="{072E771B-E7E6-D2D8-B835-C7F156ABFF6A}"/>
+              </a:ext>
+            </a:extLst>
+          </p:cNvPr>
+          <p:cNvCxnSpPr>
+            <a:stCxn id="25" idx="2"/>
+            <a:endCxn id="26" idx="0"/>
+          </p:cNvCxnSpPr>
+          <p:nvPr/>
+        </p:nvCxnSpPr>
+        <p:spPr>
+          <a:xfrm>
+            <a:off x="1560394" y="3957850"/>
+            <a:ext cx="0" cy="116008"/>
+          </a:xfrm>
+          <a:prstGeom prst="line">
+            <a:avLst/>
+          </a:prstGeom>
+        </p:spPr>
+        <p:style>
+          <a:lnRef idx="1">
+            <a:schemeClr val="accent1"/>
+          </a:lnRef>
+          <a:fillRef idx="0">
+            <a:schemeClr val="accent1"/>
+          </a:fillRef>
+          <a:effectRef idx="0">
+            <a:schemeClr val="accent1"/>
+          </a:effectRef>
+          <a:fontRef idx="minor">
+            <a:schemeClr val="tx1"/>
+          </a:fontRef>
+        </p:style>
+      </p:cxnSp>
+      <p:cxnSp>
+        <p:nvCxnSpPr>
+          <p:cNvPr id="33" name="Straight Connector 32">
+            <a:extLst>
+              <a:ext uri="{FF2B5EF4-FFF2-40B4-BE49-F238E27FC236}">
+                <a16:creationId xmlns:a16="http://schemas.microsoft.com/office/drawing/2014/main" id="{2CCD137F-18D5-EA03-720B-AF508C40D733}"/>
+              </a:ext>
+            </a:extLst>
+          </p:cNvPr>
+          <p:cNvCxnSpPr>
+            <a:stCxn id="13" idx="2"/>
+          </p:cNvCxnSpPr>
+          <p:nvPr/>
+        </p:nvCxnSpPr>
+        <p:spPr>
+          <a:xfrm>
+            <a:off x="8593540" y="2784143"/>
+            <a:ext cx="0" cy="852985"/>
+          </a:xfrm>
+          <a:prstGeom prst="line">
+            <a:avLst/>
+          </a:prstGeom>
+        </p:spPr>
+        <p:style>
+          <a:lnRef idx="1">
+            <a:schemeClr val="accent1"/>
+          </a:lnRef>
+          <a:fillRef idx="0">
+            <a:schemeClr val="accent1"/>
+          </a:fillRef>
+          <a:effectRef idx="0">
+            <a:schemeClr val="accent1"/>
+          </a:effectRef>
+          <a:fontRef idx="minor">
+            <a:schemeClr val="tx1"/>
+          </a:fontRef>
+        </p:style>
+      </p:cxnSp>
+      <p:sp>
+        <p:nvSpPr>
+          <p:cNvPr id="34" name="TextBox 33">
+            <a:extLst>
+              <a:ext uri="{FF2B5EF4-FFF2-40B4-BE49-F238E27FC236}">
+                <a16:creationId xmlns:a16="http://schemas.microsoft.com/office/drawing/2014/main" id="{27E476BD-1B4C-DAB8-5D18-1DD726B5A5C2}"/>
+              </a:ext>
+            </a:extLst>
+          </p:cNvPr>
+          <p:cNvSpPr txBox="1"/>
+          <p:nvPr/>
+        </p:nvSpPr>
+        <p:spPr>
+          <a:xfrm>
+            <a:off x="8106770" y="3862316"/>
+            <a:ext cx="1607363" cy="923330"/>
+          </a:xfrm>
+          <a:prstGeom prst="rect">
+            <a:avLst/>
+          </a:prstGeom>
+          <a:noFill/>
+        </p:spPr>
+        <p:txBody>
+          <a:bodyPr wrap="none" rtlCol="0">
+            <a:spAutoFit/>
+          </a:bodyPr>
+          <a:lstStyle/>
+          <a:p>
+            <a:r>
+              <a:rPr lang="en-US" dirty="0"/>
+              <a:t>Different Pages</a:t>
+            </a:r>
+          </a:p>
+          <a:p>
+            <a:endParaRPr lang="en-US" dirty="0"/>
+          </a:p>
+          <a:p>
+            <a:r>
+              <a:rPr lang="en-US" dirty="0"/>
+              <a:t>BurgerBuilder</a:t>
+            </a:r>
+          </a:p>
+        </p:txBody>
+      </p:sp>
+      <p:sp>
+        <p:nvSpPr>
+          <p:cNvPr id="35" name="Rectangle 34">
+            <a:extLst>
+              <a:ext uri="{FF2B5EF4-FFF2-40B4-BE49-F238E27FC236}">
+                <a16:creationId xmlns:a16="http://schemas.microsoft.com/office/drawing/2014/main" id="{457F6734-9C76-F361-5866-FB1633FF0696}"/>
+              </a:ext>
+            </a:extLst>
+          </p:cNvPr>
+          <p:cNvSpPr/>
+          <p:nvPr/>
+        </p:nvSpPr>
+        <p:spPr>
+          <a:xfrm>
+            <a:off x="3643952" y="4785646"/>
+            <a:ext cx="1719618" cy="368490"/>
+          </a:xfrm>
+          <a:prstGeom prst="rect">
+            <a:avLst/>
+          </a:prstGeom>
+        </p:spPr>
+        <p:style>
+          <a:lnRef idx="2">
+            <a:schemeClr val="accent1">
+              <a:shade val="15000"/>
+            </a:schemeClr>
+          </a:lnRef>
+          <a:fillRef idx="1">
+            <a:schemeClr val="accent1"/>
+          </a:fillRef>
+          <a:effectRef idx="0">
+            <a:schemeClr val="accent1"/>
+          </a:effectRef>
+          <a:fontRef idx="minor">
+            <a:schemeClr val="lt1"/>
+          </a:fontRef>
+        </p:style>
+        <p:txBody>
+          <a:bodyPr rtlCol="0" anchor="ctr"/>
+          <a:lstStyle/>
+          <a:p>
+            <a:pPr algn="ctr"/>
+            <a:r>
+              <a:rPr lang="en-US" dirty="0" err="1"/>
+              <a:t>BuildControls</a:t>
+            </a:r>
+            <a:endParaRPr lang="en-US" dirty="0"/>
+          </a:p>
+        </p:txBody>
+      </p:sp>
+      <p:sp>
+        <p:nvSpPr>
+          <p:cNvPr id="36" name="Rectangle 35">
+            <a:extLst>
+              <a:ext uri="{FF2B5EF4-FFF2-40B4-BE49-F238E27FC236}">
+                <a16:creationId xmlns:a16="http://schemas.microsoft.com/office/drawing/2014/main" id="{E61FE908-DEAB-0758-88E1-46D860CEBAF5}"/>
+              </a:ext>
+            </a:extLst>
+          </p:cNvPr>
+          <p:cNvSpPr/>
+          <p:nvPr/>
+        </p:nvSpPr>
+        <p:spPr>
+          <a:xfrm>
+            <a:off x="5732059" y="4792471"/>
+            <a:ext cx="1719618" cy="368490"/>
+          </a:xfrm>
+          <a:prstGeom prst="rect">
+            <a:avLst/>
+          </a:prstGeom>
+        </p:spPr>
+        <p:style>
+          <a:lnRef idx="2">
+            <a:schemeClr val="accent1">
+              <a:shade val="15000"/>
+            </a:schemeClr>
+          </a:lnRef>
+          <a:fillRef idx="1">
+            <a:schemeClr val="accent1"/>
+          </a:fillRef>
+          <a:effectRef idx="0">
+            <a:schemeClr val="accent1"/>
+          </a:effectRef>
+          <a:fontRef idx="minor">
+            <a:schemeClr val="lt1"/>
+          </a:fontRef>
+        </p:style>
+        <p:txBody>
+          <a:bodyPr rtlCol="0" anchor="ctr"/>
+          <a:lstStyle/>
+          <a:p>
+            <a:pPr algn="ctr"/>
+            <a:r>
+              <a:rPr lang="en-US" dirty="0"/>
+              <a:t>Burger</a:t>
+            </a:r>
+          </a:p>
+        </p:txBody>
+      </p:sp>
+      <p:sp>
+        <p:nvSpPr>
+          <p:cNvPr id="37" name="Rectangle 36">
+            <a:extLst>
+              <a:ext uri="{FF2B5EF4-FFF2-40B4-BE49-F238E27FC236}">
+                <a16:creationId xmlns:a16="http://schemas.microsoft.com/office/drawing/2014/main" id="{8063F1A7-45EB-F724-2C7B-41C576455669}"/>
+              </a:ext>
+            </a:extLst>
+          </p:cNvPr>
+          <p:cNvSpPr/>
+          <p:nvPr/>
+        </p:nvSpPr>
+        <p:spPr>
+          <a:xfrm>
+            <a:off x="7847463" y="4785646"/>
+            <a:ext cx="1719618" cy="368490"/>
+          </a:xfrm>
+          <a:prstGeom prst="rect">
+            <a:avLst/>
+          </a:prstGeom>
+        </p:spPr>
+        <p:style>
+          <a:lnRef idx="2">
+            <a:schemeClr val="accent1">
+              <a:shade val="15000"/>
+            </a:schemeClr>
+          </a:lnRef>
+          <a:fillRef idx="1">
+            <a:schemeClr val="accent1"/>
+          </a:fillRef>
+          <a:effectRef idx="0">
+            <a:schemeClr val="accent1"/>
+          </a:effectRef>
+          <a:fontRef idx="minor">
+            <a:schemeClr val="lt1"/>
+          </a:fontRef>
+        </p:style>
+        <p:txBody>
+          <a:bodyPr rtlCol="0" anchor="ctr"/>
+          <a:lstStyle/>
+          <a:p>
+            <a:pPr algn="ctr"/>
+            <a:r>
+              <a:rPr lang="en-US" dirty="0"/>
+              <a:t>Modal</a:t>
+            </a:r>
+          </a:p>
+        </p:txBody>
+      </p:sp>
+      <p:sp>
+        <p:nvSpPr>
+          <p:cNvPr id="38" name="Rectangle 37">
+            <a:extLst>
+              <a:ext uri="{FF2B5EF4-FFF2-40B4-BE49-F238E27FC236}">
+                <a16:creationId xmlns:a16="http://schemas.microsoft.com/office/drawing/2014/main" id="{84DA7765-E797-1B73-BC1C-F6887DE2DBD4}"/>
+              </a:ext>
+            </a:extLst>
+          </p:cNvPr>
+          <p:cNvSpPr/>
+          <p:nvPr/>
+        </p:nvSpPr>
+        <p:spPr>
+          <a:xfrm>
+            <a:off x="3643952" y="5356745"/>
+            <a:ext cx="1719618" cy="368490"/>
+          </a:xfrm>
+          <a:prstGeom prst="rect">
+            <a:avLst/>
+          </a:prstGeom>
+        </p:spPr>
+        <p:style>
+          <a:lnRef idx="2">
+            <a:schemeClr val="accent1">
+              <a:shade val="15000"/>
+            </a:schemeClr>
+          </a:lnRef>
+          <a:fillRef idx="1">
+            <a:schemeClr val="accent1"/>
+          </a:fillRef>
+          <a:effectRef idx="0">
+            <a:schemeClr val="accent1"/>
+          </a:effectRef>
+          <a:fontRef idx="minor">
+            <a:schemeClr val="lt1"/>
+          </a:fontRef>
+        </p:style>
+        <p:txBody>
+          <a:bodyPr rtlCol="0" anchor="ctr"/>
+          <a:lstStyle/>
+          <a:p>
+            <a:pPr algn="ctr"/>
+            <a:r>
+              <a:rPr lang="en-US" dirty="0" err="1"/>
+              <a:t>BuildControl</a:t>
+            </a:r>
+            <a:endParaRPr lang="en-US" dirty="0"/>
+          </a:p>
+        </p:txBody>
+      </p:sp>
+      <p:sp>
+        <p:nvSpPr>
+          <p:cNvPr id="39" name="Rectangle 38">
+            <a:extLst>
+              <a:ext uri="{FF2B5EF4-FFF2-40B4-BE49-F238E27FC236}">
+                <a16:creationId xmlns:a16="http://schemas.microsoft.com/office/drawing/2014/main" id="{1D104FC1-B806-9FA7-E602-0E40B37739BA}"/>
+              </a:ext>
+            </a:extLst>
+          </p:cNvPr>
+          <p:cNvSpPr/>
+          <p:nvPr/>
+        </p:nvSpPr>
+        <p:spPr>
+          <a:xfrm>
+            <a:off x="3643952" y="5934667"/>
+            <a:ext cx="1719618" cy="368490"/>
+          </a:xfrm>
+          <a:prstGeom prst="rect">
+            <a:avLst/>
+          </a:prstGeom>
+        </p:spPr>
+        <p:style>
+          <a:lnRef idx="2">
+            <a:schemeClr val="accent1">
+              <a:shade val="15000"/>
+            </a:schemeClr>
+          </a:lnRef>
+          <a:fillRef idx="1">
+            <a:schemeClr val="accent1"/>
+          </a:fillRef>
+          <a:effectRef idx="0">
+            <a:schemeClr val="accent1"/>
+          </a:effectRef>
+          <a:fontRef idx="minor">
+            <a:schemeClr val="lt1"/>
+          </a:fontRef>
+        </p:style>
+        <p:txBody>
+          <a:bodyPr rtlCol="0" anchor="ctr"/>
+          <a:lstStyle/>
+          <a:p>
+            <a:pPr algn="ctr"/>
+            <a:r>
+              <a:rPr lang="en-US" dirty="0" err="1"/>
+              <a:t>OrderButton</a:t>
+            </a:r>
+            <a:endParaRPr lang="en-US" dirty="0"/>
+          </a:p>
+        </p:txBody>
+      </p:sp>
+      <p:sp>
+        <p:nvSpPr>
+          <p:cNvPr id="40" name="Rectangle 39">
+            <a:extLst>
+              <a:ext uri="{FF2B5EF4-FFF2-40B4-BE49-F238E27FC236}">
+                <a16:creationId xmlns:a16="http://schemas.microsoft.com/office/drawing/2014/main" id="{85DE732C-78F9-C345-C813-C453918E4608}"/>
+              </a:ext>
+            </a:extLst>
+          </p:cNvPr>
+          <p:cNvSpPr/>
+          <p:nvPr/>
+        </p:nvSpPr>
+        <p:spPr>
+          <a:xfrm>
+            <a:off x="5732059" y="5374607"/>
+            <a:ext cx="1719618" cy="368490"/>
+          </a:xfrm>
+          <a:prstGeom prst="rect">
+            <a:avLst/>
+          </a:prstGeom>
+        </p:spPr>
+        <p:style>
+          <a:lnRef idx="2">
+            <a:schemeClr val="accent1">
+              <a:shade val="15000"/>
+            </a:schemeClr>
+          </a:lnRef>
+          <a:fillRef idx="1">
+            <a:schemeClr val="accent1"/>
+          </a:fillRef>
+          <a:effectRef idx="0">
+            <a:schemeClr val="accent1"/>
+          </a:effectRef>
+          <a:fontRef idx="minor">
+            <a:schemeClr val="lt1"/>
+          </a:fontRef>
+        </p:style>
+        <p:txBody>
+          <a:bodyPr rtlCol="0" anchor="ctr"/>
+          <a:lstStyle/>
+          <a:p>
+            <a:pPr algn="ctr"/>
+            <a:r>
+              <a:rPr lang="en-US" dirty="0"/>
+              <a:t>Ingredient</a:t>
+            </a:r>
+          </a:p>
+        </p:txBody>
+      </p:sp>
+      <p:sp>
+        <p:nvSpPr>
+          <p:cNvPr id="41" name="Rectangle 40">
+            <a:extLst>
+              <a:ext uri="{FF2B5EF4-FFF2-40B4-BE49-F238E27FC236}">
+                <a16:creationId xmlns:a16="http://schemas.microsoft.com/office/drawing/2014/main" id="{E2E7DD92-4841-12C8-D87B-542F03DF84C9}"/>
+              </a:ext>
+            </a:extLst>
+          </p:cNvPr>
+          <p:cNvSpPr/>
+          <p:nvPr/>
+        </p:nvSpPr>
+        <p:spPr>
+          <a:xfrm>
+            <a:off x="7847463" y="5340486"/>
+            <a:ext cx="1719618" cy="368490"/>
+          </a:xfrm>
+          <a:prstGeom prst="rect">
+            <a:avLst/>
+          </a:prstGeom>
+        </p:spPr>
+        <p:style>
+          <a:lnRef idx="2">
+            <a:schemeClr val="accent1">
+              <a:shade val="15000"/>
+            </a:schemeClr>
+          </a:lnRef>
+          <a:fillRef idx="1">
+            <a:schemeClr val="accent1"/>
+          </a:fillRef>
+          <a:effectRef idx="0">
+            <a:schemeClr val="accent1"/>
+          </a:effectRef>
+          <a:fontRef idx="minor">
+            <a:schemeClr val="lt1"/>
+          </a:fontRef>
+        </p:style>
+        <p:txBody>
+          <a:bodyPr rtlCol="0" anchor="ctr"/>
+          <a:lstStyle/>
+          <a:p>
+            <a:pPr algn="ctr"/>
+            <a:r>
+              <a:rPr lang="en-US" dirty="0"/>
+              <a:t>{props.children}</a:t>
+            </a:r>
+          </a:p>
+        </p:txBody>
+      </p:sp>
+    </p:spTree>
+    <p:extLst>
+      <p:ext uri="{BB962C8B-B14F-4D97-AF65-F5344CB8AC3E}">
+        <p14:creationId xmlns:p14="http://schemas.microsoft.com/office/powerpoint/2010/main" val="1850452814"/>
+      </p:ext>
+    </p:extLst>
+  </p:cSld>
+  <p:clrMapOvr>
+    <a:masterClrMapping/>
+  </p:clrMapOvr>
+</p:sld>
+</file>
+
+<file path=ppt/slides/slide21.xml><?xml version="1.0" encoding="utf-8"?>
+<p:sld xmlns:a="http://schemas.openxmlformats.org/drawingml/2006/main" xmlns:r="http://schemas.openxmlformats.org/officeDocument/2006/relationships" xmlns:p="http://schemas.openxmlformats.org/presentationml/2006/main">
+  <p:cSld>
+    <p:spTree>
+      <p:nvGrpSpPr>
+        <p:cNvPr id="1" name=""/>
+        <p:cNvGrpSpPr/>
+        <p:nvPr/>
+      </p:nvGrpSpPr>
+      <p:grpSpPr>
+        <a:xfrm>
+          <a:off x="0" y="0"/>
+          <a:ext cx="0" cy="0"/>
+          <a:chOff x="0" y="0"/>
+          <a:chExt cx="0" cy="0"/>
+        </a:xfrm>
+      </p:grpSpPr>
+      <p:sp>
+        <p:nvSpPr>
+          <p:cNvPr id="4" name="Rectangle 3">
+            <a:extLst>
+              <a:ext uri="{FF2B5EF4-FFF2-40B4-BE49-F238E27FC236}">
+                <a16:creationId xmlns:a16="http://schemas.microsoft.com/office/drawing/2014/main" id="{FB6085F5-947C-31CF-C17B-7D0BB754BE36}"/>
+              </a:ext>
+            </a:extLst>
+          </p:cNvPr>
+          <p:cNvSpPr/>
+          <p:nvPr/>
+        </p:nvSpPr>
+        <p:spPr>
+          <a:xfrm>
+            <a:off x="9912823" y="163774"/>
+            <a:ext cx="1892490" cy="641444"/>
+          </a:xfrm>
+          <a:prstGeom prst="rect">
+            <a:avLst/>
+          </a:prstGeom>
+        </p:spPr>
+        <p:style>
+          <a:lnRef idx="2">
+            <a:schemeClr val="accent1">
+              <a:shade val="15000"/>
+            </a:schemeClr>
+          </a:lnRef>
+          <a:fillRef idx="1">
+            <a:schemeClr val="accent1"/>
+          </a:fillRef>
+          <a:effectRef idx="0">
+            <a:schemeClr val="accent1"/>
+          </a:effectRef>
+          <a:fontRef idx="minor">
+            <a:schemeClr val="lt1"/>
+          </a:fontRef>
+        </p:style>
+        <p:txBody>
+          <a:bodyPr rtlCol="0" anchor="ctr"/>
+          <a:lstStyle/>
+          <a:p>
+            <a:pPr algn="ctr"/>
+            <a:r>
+              <a:rPr lang="en-US" dirty="0"/>
+              <a:t>{</a:t>
+            </a:r>
+            <a:r>
+              <a:rPr lang="en-US" dirty="0" err="1"/>
+              <a:t>props.children</a:t>
+            </a:r>
+            <a:r>
+              <a:rPr lang="en-US" dirty="0"/>
+              <a:t>}</a:t>
+            </a:r>
+          </a:p>
+        </p:txBody>
+      </p:sp>
+      <p:cxnSp>
+        <p:nvCxnSpPr>
+          <p:cNvPr id="5" name="Straight Connector 4">
+            <a:extLst>
+              <a:ext uri="{FF2B5EF4-FFF2-40B4-BE49-F238E27FC236}">
+                <a16:creationId xmlns:a16="http://schemas.microsoft.com/office/drawing/2014/main" id="{2B694D04-4E2D-2C29-C9D6-C4EB87AB553E}"/>
+              </a:ext>
+            </a:extLst>
+          </p:cNvPr>
+          <p:cNvCxnSpPr>
+            <a:stCxn id="4" idx="2"/>
+          </p:cNvCxnSpPr>
+          <p:nvPr/>
+        </p:nvCxnSpPr>
+        <p:spPr>
+          <a:xfrm>
+            <a:off x="10859068" y="805218"/>
+            <a:ext cx="0" cy="852985"/>
+          </a:xfrm>
+          <a:prstGeom prst="line">
+            <a:avLst/>
+          </a:prstGeom>
+        </p:spPr>
+        <p:style>
+          <a:lnRef idx="1">
+            <a:schemeClr val="accent1"/>
+          </a:lnRef>
+          <a:fillRef idx="0">
+            <a:schemeClr val="accent1"/>
+          </a:fillRef>
+          <a:effectRef idx="0">
+            <a:schemeClr val="accent1"/>
+          </a:effectRef>
+          <a:fontRef idx="minor">
+            <a:schemeClr val="tx1"/>
+          </a:fontRef>
+        </p:style>
+      </p:cxnSp>
+      <p:sp>
+        <p:nvSpPr>
+          <p:cNvPr id="6" name="TextBox 5">
+            <a:extLst>
+              <a:ext uri="{FF2B5EF4-FFF2-40B4-BE49-F238E27FC236}">
+                <a16:creationId xmlns:a16="http://schemas.microsoft.com/office/drawing/2014/main" id="{351EAABB-26CF-5823-8065-49CC34F3583B}"/>
+              </a:ext>
+            </a:extLst>
+          </p:cNvPr>
+          <p:cNvSpPr txBox="1"/>
+          <p:nvPr/>
+        </p:nvSpPr>
+        <p:spPr>
+          <a:xfrm>
+            <a:off x="10372298" y="1883391"/>
+            <a:ext cx="1607363" cy="923330"/>
+          </a:xfrm>
+          <a:prstGeom prst="rect">
+            <a:avLst/>
+          </a:prstGeom>
+          <a:noFill/>
+        </p:spPr>
+        <p:txBody>
+          <a:bodyPr wrap="none" rtlCol="0">
+            <a:spAutoFit/>
+          </a:bodyPr>
+          <a:lstStyle/>
+          <a:p>
+            <a:r>
+              <a:rPr lang="en-US" dirty="0"/>
+              <a:t>Different Pages</a:t>
+            </a:r>
+          </a:p>
+          <a:p>
+            <a:endParaRPr lang="en-US" dirty="0"/>
+          </a:p>
+          <a:p>
+            <a:r>
+              <a:rPr lang="en-US" dirty="0"/>
+              <a:t>BurgerBuilder</a:t>
+            </a:r>
+          </a:p>
+        </p:txBody>
+      </p:sp>
+      <p:sp>
+        <p:nvSpPr>
+          <p:cNvPr id="7" name="Rectangle 6">
+            <a:extLst>
+              <a:ext uri="{FF2B5EF4-FFF2-40B4-BE49-F238E27FC236}">
+                <a16:creationId xmlns:a16="http://schemas.microsoft.com/office/drawing/2014/main" id="{287E435B-B3BA-1FEE-7E95-41A61A3F5FC9}"/>
+              </a:ext>
+            </a:extLst>
+          </p:cNvPr>
+          <p:cNvSpPr/>
+          <p:nvPr/>
+        </p:nvSpPr>
+        <p:spPr>
+          <a:xfrm>
+            <a:off x="5909480" y="2806721"/>
+            <a:ext cx="1719618" cy="368490"/>
+          </a:xfrm>
+          <a:prstGeom prst="rect">
+            <a:avLst/>
+          </a:prstGeom>
+        </p:spPr>
+        <p:style>
+          <a:lnRef idx="2">
+            <a:schemeClr val="accent1">
+              <a:shade val="15000"/>
+            </a:schemeClr>
+          </a:lnRef>
+          <a:fillRef idx="1">
+            <a:schemeClr val="accent1"/>
+          </a:fillRef>
+          <a:effectRef idx="0">
+            <a:schemeClr val="accent1"/>
+          </a:effectRef>
+          <a:fontRef idx="minor">
+            <a:schemeClr val="lt1"/>
+          </a:fontRef>
+        </p:style>
+        <p:txBody>
+          <a:bodyPr rtlCol="0" anchor="ctr"/>
+          <a:lstStyle/>
+          <a:p>
+            <a:pPr algn="ctr"/>
+            <a:r>
+              <a:rPr lang="en-US" dirty="0" err="1"/>
+              <a:t>BuildControls</a:t>
+            </a:r>
+            <a:endParaRPr lang="en-US" dirty="0"/>
+          </a:p>
+        </p:txBody>
+      </p:sp>
+      <p:sp>
+        <p:nvSpPr>
+          <p:cNvPr id="8" name="Rectangle 7">
+            <a:extLst>
+              <a:ext uri="{FF2B5EF4-FFF2-40B4-BE49-F238E27FC236}">
+                <a16:creationId xmlns:a16="http://schemas.microsoft.com/office/drawing/2014/main" id="{D09C5BA6-603B-AF29-3EC1-C18000FB7AEA}"/>
+              </a:ext>
+            </a:extLst>
+          </p:cNvPr>
+          <p:cNvSpPr/>
+          <p:nvPr/>
+        </p:nvSpPr>
+        <p:spPr>
+          <a:xfrm>
+            <a:off x="7997587" y="2813546"/>
+            <a:ext cx="1719618" cy="368490"/>
+          </a:xfrm>
+          <a:prstGeom prst="rect">
+            <a:avLst/>
+          </a:prstGeom>
+        </p:spPr>
+        <p:style>
+          <a:lnRef idx="2">
+            <a:schemeClr val="accent1">
+              <a:shade val="15000"/>
+            </a:schemeClr>
+          </a:lnRef>
+          <a:fillRef idx="1">
+            <a:schemeClr val="accent1"/>
+          </a:fillRef>
+          <a:effectRef idx="0">
+            <a:schemeClr val="accent1"/>
+          </a:effectRef>
+          <a:fontRef idx="minor">
+            <a:schemeClr val="lt1"/>
+          </a:fontRef>
+        </p:style>
+        <p:txBody>
+          <a:bodyPr rtlCol="0" anchor="ctr"/>
+          <a:lstStyle/>
+          <a:p>
+            <a:pPr algn="ctr"/>
+            <a:r>
+              <a:rPr lang="en-US" dirty="0"/>
+              <a:t>Burger</a:t>
+            </a:r>
+          </a:p>
+        </p:txBody>
+      </p:sp>
+      <p:sp>
+        <p:nvSpPr>
+          <p:cNvPr id="9" name="Rectangle 8">
+            <a:extLst>
+              <a:ext uri="{FF2B5EF4-FFF2-40B4-BE49-F238E27FC236}">
+                <a16:creationId xmlns:a16="http://schemas.microsoft.com/office/drawing/2014/main" id="{D6C54578-B5A1-8114-0FB2-D51223E8209B}"/>
+              </a:ext>
+            </a:extLst>
+          </p:cNvPr>
+          <p:cNvSpPr/>
+          <p:nvPr/>
+        </p:nvSpPr>
+        <p:spPr>
+          <a:xfrm>
+            <a:off x="10112991" y="2806721"/>
+            <a:ext cx="1719618" cy="368490"/>
+          </a:xfrm>
+          <a:prstGeom prst="rect">
+            <a:avLst/>
+          </a:prstGeom>
+        </p:spPr>
+        <p:style>
+          <a:lnRef idx="2">
+            <a:schemeClr val="accent1">
+              <a:shade val="15000"/>
+            </a:schemeClr>
+          </a:lnRef>
+          <a:fillRef idx="1">
+            <a:schemeClr val="accent1"/>
+          </a:fillRef>
+          <a:effectRef idx="0">
+            <a:schemeClr val="accent1"/>
+          </a:effectRef>
+          <a:fontRef idx="minor">
+            <a:schemeClr val="lt1"/>
+          </a:fontRef>
+        </p:style>
+        <p:txBody>
+          <a:bodyPr rtlCol="0" anchor="ctr"/>
+          <a:lstStyle/>
+          <a:p>
+            <a:pPr algn="ctr"/>
+            <a:r>
+              <a:rPr lang="en-US" dirty="0"/>
+              <a:t>Modal</a:t>
+            </a:r>
+          </a:p>
+        </p:txBody>
+      </p:sp>
+      <p:sp>
+        <p:nvSpPr>
+          <p:cNvPr id="10" name="Rectangle 9">
+            <a:extLst>
+              <a:ext uri="{FF2B5EF4-FFF2-40B4-BE49-F238E27FC236}">
+                <a16:creationId xmlns:a16="http://schemas.microsoft.com/office/drawing/2014/main" id="{871AAFF5-D2D7-F586-7C83-DCD79790D66E}"/>
+              </a:ext>
+            </a:extLst>
+          </p:cNvPr>
+          <p:cNvSpPr/>
+          <p:nvPr/>
+        </p:nvSpPr>
+        <p:spPr>
+          <a:xfrm>
+            <a:off x="5909480" y="3377820"/>
+            <a:ext cx="1719618" cy="368490"/>
+          </a:xfrm>
+          <a:prstGeom prst="rect">
+            <a:avLst/>
+          </a:prstGeom>
+        </p:spPr>
+        <p:style>
+          <a:lnRef idx="2">
+            <a:schemeClr val="accent1">
+              <a:shade val="15000"/>
+            </a:schemeClr>
+          </a:lnRef>
+          <a:fillRef idx="1">
+            <a:schemeClr val="accent1"/>
+          </a:fillRef>
+          <a:effectRef idx="0">
+            <a:schemeClr val="accent1"/>
+          </a:effectRef>
+          <a:fontRef idx="minor">
+            <a:schemeClr val="lt1"/>
+          </a:fontRef>
+        </p:style>
+        <p:txBody>
+          <a:bodyPr rtlCol="0" anchor="ctr"/>
+          <a:lstStyle/>
+          <a:p>
+            <a:pPr algn="ctr"/>
+            <a:r>
+              <a:rPr lang="en-US" dirty="0" err="1"/>
+              <a:t>BuildControl</a:t>
+            </a:r>
+            <a:endParaRPr lang="en-US" dirty="0"/>
+          </a:p>
+        </p:txBody>
+      </p:sp>
+      <p:sp>
+        <p:nvSpPr>
+          <p:cNvPr id="11" name="Rectangle 10">
+            <a:extLst>
+              <a:ext uri="{FF2B5EF4-FFF2-40B4-BE49-F238E27FC236}">
+                <a16:creationId xmlns:a16="http://schemas.microsoft.com/office/drawing/2014/main" id="{C4FE3870-4CCB-FC12-A25C-DFFCADAF1ACF}"/>
+              </a:ext>
+            </a:extLst>
+          </p:cNvPr>
+          <p:cNvSpPr/>
+          <p:nvPr/>
+        </p:nvSpPr>
+        <p:spPr>
+          <a:xfrm>
+            <a:off x="5909480" y="3955742"/>
+            <a:ext cx="1719618" cy="368490"/>
+          </a:xfrm>
+          <a:prstGeom prst="rect">
+            <a:avLst/>
+          </a:prstGeom>
+        </p:spPr>
+        <p:style>
+          <a:lnRef idx="2">
+            <a:schemeClr val="accent1">
+              <a:shade val="15000"/>
+            </a:schemeClr>
+          </a:lnRef>
+          <a:fillRef idx="1">
+            <a:schemeClr val="accent1"/>
+          </a:fillRef>
+          <a:effectRef idx="0">
+            <a:schemeClr val="accent1"/>
+          </a:effectRef>
+          <a:fontRef idx="minor">
+            <a:schemeClr val="lt1"/>
+          </a:fontRef>
+        </p:style>
+        <p:txBody>
+          <a:bodyPr rtlCol="0" anchor="ctr"/>
+          <a:lstStyle/>
+          <a:p>
+            <a:pPr algn="ctr"/>
+            <a:r>
+              <a:rPr lang="en-US" dirty="0" err="1"/>
+              <a:t>OrderButton</a:t>
+            </a:r>
+            <a:endParaRPr lang="en-US" dirty="0"/>
+          </a:p>
+        </p:txBody>
+      </p:sp>
+      <p:sp>
+        <p:nvSpPr>
+          <p:cNvPr id="12" name="Rectangle 11">
+            <a:extLst>
+              <a:ext uri="{FF2B5EF4-FFF2-40B4-BE49-F238E27FC236}">
+                <a16:creationId xmlns:a16="http://schemas.microsoft.com/office/drawing/2014/main" id="{81722188-A917-2775-4B84-2FB8387F4818}"/>
+              </a:ext>
+            </a:extLst>
+          </p:cNvPr>
+          <p:cNvSpPr/>
+          <p:nvPr/>
+        </p:nvSpPr>
+        <p:spPr>
+          <a:xfrm>
+            <a:off x="7997587" y="3395682"/>
+            <a:ext cx="1719618" cy="368490"/>
+          </a:xfrm>
+          <a:prstGeom prst="rect">
+            <a:avLst/>
+          </a:prstGeom>
+        </p:spPr>
+        <p:style>
+          <a:lnRef idx="2">
+            <a:schemeClr val="accent1">
+              <a:shade val="15000"/>
+            </a:schemeClr>
+          </a:lnRef>
+          <a:fillRef idx="1">
+            <a:schemeClr val="accent1"/>
+          </a:fillRef>
+          <a:effectRef idx="0">
+            <a:schemeClr val="accent1"/>
+          </a:effectRef>
+          <a:fontRef idx="minor">
+            <a:schemeClr val="lt1"/>
+          </a:fontRef>
+        </p:style>
+        <p:txBody>
+          <a:bodyPr rtlCol="0" anchor="ctr"/>
+          <a:lstStyle/>
+          <a:p>
+            <a:pPr algn="ctr"/>
+            <a:r>
+              <a:rPr lang="en-US" dirty="0"/>
+              <a:t>Ingredient</a:t>
+            </a:r>
+          </a:p>
+        </p:txBody>
+      </p:sp>
+      <p:sp>
+        <p:nvSpPr>
+          <p:cNvPr id="13" name="Rectangle 12">
+            <a:extLst>
+              <a:ext uri="{FF2B5EF4-FFF2-40B4-BE49-F238E27FC236}">
+                <a16:creationId xmlns:a16="http://schemas.microsoft.com/office/drawing/2014/main" id="{AAAF5671-DB6B-CE98-BD67-560FE5469EE8}"/>
+              </a:ext>
+            </a:extLst>
+          </p:cNvPr>
+          <p:cNvSpPr/>
+          <p:nvPr/>
+        </p:nvSpPr>
+        <p:spPr>
+          <a:xfrm>
+            <a:off x="10112991" y="3361561"/>
+            <a:ext cx="1719618" cy="368490"/>
+          </a:xfrm>
+          <a:prstGeom prst="rect">
+            <a:avLst/>
+          </a:prstGeom>
+        </p:spPr>
+        <p:style>
+          <a:lnRef idx="2">
+            <a:schemeClr val="accent1">
+              <a:shade val="15000"/>
+            </a:schemeClr>
+          </a:lnRef>
+          <a:fillRef idx="1">
+            <a:schemeClr val="accent1"/>
+          </a:fillRef>
+          <a:effectRef idx="0">
+            <a:schemeClr val="accent1"/>
+          </a:effectRef>
+          <a:fontRef idx="minor">
+            <a:schemeClr val="lt1"/>
+          </a:fontRef>
+        </p:style>
+        <p:txBody>
+          <a:bodyPr rtlCol="0" anchor="ctr"/>
+          <a:lstStyle/>
+          <a:p>
+            <a:pPr algn="ctr"/>
+            <a:r>
+              <a:rPr lang="en-US" dirty="0"/>
+              <a:t>{props.children}</a:t>
+            </a:r>
+          </a:p>
+        </p:txBody>
+      </p:sp>
+      <p:sp>
+        <p:nvSpPr>
+          <p:cNvPr id="14" name="TextBox 13">
+            <a:extLst>
+              <a:ext uri="{FF2B5EF4-FFF2-40B4-BE49-F238E27FC236}">
+                <a16:creationId xmlns:a16="http://schemas.microsoft.com/office/drawing/2014/main" id="{51BC6ED4-CDB0-11DC-0D8A-D1CDB153D11A}"/>
+              </a:ext>
+            </a:extLst>
+          </p:cNvPr>
+          <p:cNvSpPr txBox="1"/>
+          <p:nvPr/>
+        </p:nvSpPr>
+        <p:spPr>
+          <a:xfrm>
+            <a:off x="750627" y="1460310"/>
+            <a:ext cx="4071114" cy="1200329"/>
+          </a:xfrm>
+          <a:prstGeom prst="rect">
+            <a:avLst/>
+          </a:prstGeom>
+          <a:noFill/>
+        </p:spPr>
+        <p:txBody>
+          <a:bodyPr wrap="none" rtlCol="0">
+            <a:spAutoFit/>
+          </a:bodyPr>
+          <a:lstStyle/>
+          <a:p>
+            <a:r>
+              <a:rPr lang="en-US" dirty="0"/>
+              <a:t>State</a:t>
+            </a:r>
+          </a:p>
+          <a:p>
+            <a:pPr marL="285750" indent="-285750">
+              <a:buFont typeface="Arial" panose="020B0604020202020204" pitchFamily="34" charset="0"/>
+              <a:buChar char="•"/>
+            </a:pPr>
+            <a:r>
+              <a:rPr lang="en-US" dirty="0"/>
+              <a:t>Ingredients: {meat:3,salad:4,cheese:5}</a:t>
+            </a:r>
+          </a:p>
+          <a:p>
+            <a:pPr marL="285750" indent="-285750">
+              <a:buFont typeface="Arial" panose="020B0604020202020204" pitchFamily="34" charset="0"/>
+              <a:buChar char="•"/>
+            </a:pPr>
+            <a:r>
+              <a:rPr lang="en-US" dirty="0" err="1"/>
+              <a:t>Purchased:true</a:t>
+            </a:r>
+            <a:endParaRPr lang="en-US" dirty="0"/>
+          </a:p>
+          <a:p>
+            <a:pPr marL="285750" indent="-285750">
+              <a:buFont typeface="Arial" panose="020B0604020202020204" pitchFamily="34" charset="0"/>
+              <a:buChar char="•"/>
+            </a:pPr>
+            <a:r>
+              <a:rPr lang="en-US" dirty="0" err="1"/>
+              <a:t>totalPrice</a:t>
+            </a:r>
+            <a:r>
+              <a:rPr lang="en-US" dirty="0"/>
+              <a:t>:$2.99</a:t>
+            </a:r>
+          </a:p>
+        </p:txBody>
+      </p:sp>
+      <mc:AlternateContent xmlns:mc="http://schemas.openxmlformats.org/markup-compatibility/2006" xmlns:p14="http://schemas.microsoft.com/office/powerpoint/2010/main" xmlns:aink="http://schemas.microsoft.com/office/drawing/2016/ink">
+        <mc:Choice Requires="p14 aink">
+          <p:contentPart p14:bwMode="auto" r:id="rId2">
+            <p14:nvContentPartPr>
+              <p14:cNvPr id="15" name="Ink 14">
+                <a:extLst>
+                  <a:ext uri="{FF2B5EF4-FFF2-40B4-BE49-F238E27FC236}">
+                    <a16:creationId xmlns:a16="http://schemas.microsoft.com/office/drawing/2014/main" id="{CB206F88-76B8-9C82-5C50-CF52A5043BF4}"/>
+                  </a:ext>
+                </a:extLst>
+              </p14:cNvPr>
+              <p14:cNvContentPartPr/>
+              <p14:nvPr/>
+            </p14:nvContentPartPr>
+            <p14:xfrm>
+              <a:off x="1446066" y="722547"/>
+              <a:ext cx="9174240" cy="1999800"/>
+            </p14:xfrm>
+          </p:contentPart>
+        </mc:Choice>
+        <mc:Fallback xmlns="">
+          <p:pic>
+            <p:nvPicPr>
+              <p:cNvPr id="15" name="Ink 14">
+                <a:extLst>
+                  <a:ext uri="{FF2B5EF4-FFF2-40B4-BE49-F238E27FC236}">
+                    <a16:creationId xmlns:a16="http://schemas.microsoft.com/office/drawing/2014/main" id="{CB206F88-76B8-9C82-5C50-CF52A5043BF4}"/>
+                  </a:ext>
+                </a:extLst>
+              </p:cNvPr>
+              <p:cNvPicPr/>
+              <p:nvPr/>
+            </p:nvPicPr>
+            <p:blipFill>
+              <a:blip r:embed="rId3"/>
+              <a:stretch>
+                <a:fillRect/>
+              </a:stretch>
+            </p:blipFill>
+            <p:spPr>
+              <a:xfrm>
+                <a:off x="1428426" y="704547"/>
+                <a:ext cx="9209880" cy="2035440"/>
+              </a:xfrm>
+              <a:prstGeom prst="rect">
+                <a:avLst/>
+              </a:prstGeom>
+            </p:spPr>
+          </p:pic>
+        </mc:Fallback>
+      </mc:AlternateContent>
+      <mc:AlternateContent xmlns:mc="http://schemas.openxmlformats.org/markup-compatibility/2006" xmlns:p14="http://schemas.microsoft.com/office/powerpoint/2010/main" xmlns:aink="http://schemas.microsoft.com/office/drawing/2016/ink">
+        <mc:Choice Requires="p14 aink">
+          <p:contentPart p14:bwMode="auto" r:id="rId4">
+            <p14:nvContentPartPr>
+              <p14:cNvPr id="16" name="Ink 15">
+                <a:extLst>
+                  <a:ext uri="{FF2B5EF4-FFF2-40B4-BE49-F238E27FC236}">
+                    <a16:creationId xmlns:a16="http://schemas.microsoft.com/office/drawing/2014/main" id="{2E06EF8E-8BAC-C399-5449-B01A7E7466DA}"/>
+                  </a:ext>
+                </a:extLst>
+              </p14:cNvPr>
+              <p14:cNvContentPartPr/>
+              <p14:nvPr/>
+            </p14:nvContentPartPr>
+            <p14:xfrm>
+              <a:off x="9902106" y="2251467"/>
+              <a:ext cx="515160" cy="383400"/>
+            </p14:xfrm>
+          </p:contentPart>
+        </mc:Choice>
+        <mc:Fallback xmlns="">
+          <p:pic>
+            <p:nvPicPr>
+              <p:cNvPr id="16" name="Ink 15">
+                <a:extLst>
+                  <a:ext uri="{FF2B5EF4-FFF2-40B4-BE49-F238E27FC236}">
+                    <a16:creationId xmlns:a16="http://schemas.microsoft.com/office/drawing/2014/main" id="{2E06EF8E-8BAC-C399-5449-B01A7E7466DA}"/>
+                  </a:ext>
+                </a:extLst>
+              </p:cNvPr>
+              <p:cNvPicPr/>
+              <p:nvPr/>
+            </p:nvPicPr>
+            <p:blipFill>
+              <a:blip r:embed="rId5"/>
+              <a:stretch>
+                <a:fillRect/>
+              </a:stretch>
+            </p:blipFill>
+            <p:spPr>
+              <a:xfrm>
+                <a:off x="9884466" y="2233467"/>
+                <a:ext cx="550800" cy="419040"/>
+              </a:xfrm>
+              <a:prstGeom prst="rect">
+                <a:avLst/>
+              </a:prstGeom>
+            </p:spPr>
+          </p:pic>
+        </mc:Fallback>
+      </mc:AlternateContent>
+    </p:spTree>
+    <p:extLst>
+      <p:ext uri="{BB962C8B-B14F-4D97-AF65-F5344CB8AC3E}">
+        <p14:creationId xmlns:p14="http://schemas.microsoft.com/office/powerpoint/2010/main" val="2161304125"/>
+      </p:ext>
+    </p:extLst>
+  </p:cSld>
+  <p:clrMapOvr>
+    <a:masterClrMapping/>
+  </p:clrMapOvr>
+</p:sld>
+</file>
+
+<file path=ppt/slides/slide22.xml><?xml version="1.0" encoding="utf-8"?>
+<p:sld xmlns:a="http://schemas.openxmlformats.org/drawingml/2006/main" xmlns:r="http://schemas.openxmlformats.org/officeDocument/2006/relationships" xmlns:p="http://schemas.openxmlformats.org/presentationml/2006/main">
+  <p:cSld>
+    <p:spTree>
+      <p:nvGrpSpPr>
+        <p:cNvPr id="1" name=""/>
+        <p:cNvGrpSpPr/>
+        <p:nvPr/>
+      </p:nvGrpSpPr>
+      <p:grpSpPr>
+        <a:xfrm>
+          <a:off x="0" y="0"/>
+          <a:ext cx="0" cy="0"/>
+          <a:chOff x="0" y="0"/>
+          <a:chExt cx="0" cy="0"/>
+        </a:xfrm>
+      </p:grpSpPr>
+      <p:sp>
+        <p:nvSpPr>
+          <p:cNvPr id="3" name="Content Placeholder 2">
+            <a:extLst>
+              <a:ext uri="{FF2B5EF4-FFF2-40B4-BE49-F238E27FC236}">
+                <a16:creationId xmlns:a16="http://schemas.microsoft.com/office/drawing/2014/main" id="{A5033D0F-0219-449C-EC61-DA98439F3E9A}"/>
+              </a:ext>
+            </a:extLst>
+          </p:cNvPr>
+          <p:cNvSpPr>
+            <a:spLocks noGrp="1"/>
+          </p:cNvSpPr>
+          <p:nvPr>
+            <p:ph idx="1"/>
+          </p:nvPr>
+        </p:nvSpPr>
+        <p:spPr>
+          <a:xfrm>
+            <a:off x="838200" y="259307"/>
+            <a:ext cx="10515600" cy="5917656"/>
+          </a:xfrm>
+        </p:spPr>
+        <p:txBody>
+          <a:bodyPr numCol="2">
+            <a:normAutofit/>
+          </a:bodyPr>
+          <a:lstStyle/>
+          <a:p>
+            <a:pPr marL="514350" indent="-514350">
+              <a:buFont typeface="+mj-lt"/>
+              <a:buAutoNum type="arabicPeriod"/>
+            </a:pPr>
+            <a:r>
+              <a:rPr lang="en-US" dirty="0"/>
+              <a:t>Burger app basic intro</a:t>
+            </a:r>
+          </a:p>
+          <a:p>
+            <a:pPr marL="514350" indent="-514350">
+              <a:buFont typeface="+mj-lt"/>
+              <a:buAutoNum type="arabicPeriod"/>
+            </a:pPr>
+            <a:r>
+              <a:rPr lang="en-US" dirty="0"/>
+              <a:t>Planning the app core steps</a:t>
+            </a:r>
+          </a:p>
+          <a:p>
+            <a:pPr marL="514350" indent="-514350">
+              <a:buFont typeface="+mj-lt"/>
+              <a:buAutoNum type="arabicPeriod"/>
+            </a:pPr>
+            <a:r>
+              <a:rPr lang="en-US" dirty="0"/>
+              <a:t>Planning layout and component tree</a:t>
+            </a:r>
+          </a:p>
+          <a:p>
+            <a:pPr marL="514350" indent="-514350">
+              <a:buFont typeface="+mj-lt"/>
+              <a:buAutoNum type="arabicPeriod"/>
+            </a:pPr>
+            <a:r>
+              <a:rPr lang="en-US" dirty="0"/>
+              <a:t>Planning the state</a:t>
+            </a:r>
+          </a:p>
+          <a:p>
+            <a:pPr marL="514350" indent="-514350">
+              <a:buFont typeface="+mj-lt"/>
+              <a:buAutoNum type="arabicPeriod"/>
+            </a:pPr>
+            <a:r>
+              <a:rPr lang="en-US" dirty="0"/>
+              <a:t>Setting up the project</a:t>
+            </a:r>
+          </a:p>
+          <a:p>
+            <a:pPr marL="514350" indent="-514350">
+              <a:buFont typeface="+mj-lt"/>
+              <a:buAutoNum type="arabicPeriod"/>
+            </a:pPr>
+            <a:r>
+              <a:rPr lang="en-US" dirty="0"/>
+              <a:t>Creating the layout component</a:t>
+            </a:r>
+          </a:p>
+          <a:p>
+            <a:pPr marL="514350" indent="-514350">
+              <a:buFont typeface="+mj-lt"/>
+              <a:buAutoNum type="arabicPeriod"/>
+            </a:pPr>
+            <a:r>
+              <a:rPr lang="en-US" dirty="0"/>
+              <a:t>Implementing the burger builder container</a:t>
+            </a:r>
+          </a:p>
+          <a:p>
+            <a:pPr marL="514350" indent="-514350">
+              <a:buFont typeface="+mj-lt"/>
+              <a:buAutoNum type="arabicPeriod"/>
+            </a:pPr>
+            <a:r>
+              <a:rPr lang="en-US" dirty="0"/>
+              <a:t>Adding a dynamic ingredient component</a:t>
+            </a:r>
+          </a:p>
+          <a:p>
+            <a:pPr marL="514350" indent="-514350">
+              <a:buFont typeface="+mj-lt"/>
+              <a:buAutoNum type="arabicPeriod"/>
+            </a:pPr>
+            <a:r>
+              <a:rPr lang="en-US" dirty="0"/>
+              <a:t>Starting the burger component</a:t>
+            </a:r>
+          </a:p>
+          <a:p>
+            <a:pPr marL="514350" indent="-514350">
+              <a:buFont typeface="+mj-lt"/>
+              <a:buAutoNum type="arabicPeriod"/>
+            </a:pPr>
+            <a:r>
+              <a:rPr lang="en-US" dirty="0"/>
+              <a:t>Outputting ingredients dynamically</a:t>
+            </a:r>
+          </a:p>
+          <a:p>
+            <a:pPr marL="514350" indent="-514350">
+              <a:buFont typeface="+mj-lt"/>
+              <a:buAutoNum type="arabicPeriod"/>
+            </a:pPr>
+            <a:r>
+              <a:rPr lang="en-US" dirty="0"/>
+              <a:t>Calculating ingredient sum dynamically</a:t>
+            </a:r>
+          </a:p>
+          <a:p>
+            <a:pPr marL="514350" indent="-514350">
+              <a:buFont typeface="+mj-lt"/>
+              <a:buAutoNum type="arabicPeriod"/>
+            </a:pPr>
+            <a:r>
+              <a:rPr lang="en-US" dirty="0"/>
+              <a:t>Adding the build control component</a:t>
+            </a:r>
+          </a:p>
+          <a:p>
+            <a:pPr marL="514350" indent="-514350">
+              <a:buFont typeface="+mj-lt"/>
+              <a:buAutoNum type="arabicPeriod"/>
+            </a:pPr>
+            <a:r>
+              <a:rPr lang="en-US" dirty="0"/>
+              <a:t>Adding multiple build controls</a:t>
+            </a:r>
+          </a:p>
+        </p:txBody>
+      </p:sp>
+    </p:spTree>
+    <p:extLst>
+      <p:ext uri="{BB962C8B-B14F-4D97-AF65-F5344CB8AC3E}">
+        <p14:creationId xmlns:p14="http://schemas.microsoft.com/office/powerpoint/2010/main" val="2271577579"/>
       </p:ext>
     </p:extLst>
   </p:cSld>

--- a/Reactjs.pptx
+++ b/Reactjs.pptx
@@ -27,6 +27,7 @@
     <p:sldId id="275" r:id="rId21"/>
     <p:sldId id="276" r:id="rId22"/>
     <p:sldId id="277" r:id="rId23"/>
+    <p:sldId id="278" r:id="rId24"/>
   </p:sldIdLst>
   <p:sldSz cx="12192000" cy="6858000"/>
   <p:notesSz cx="6858000" cy="9144000"/>
@@ -5367,7 +5368,7 @@
           <a:p>
             <a:fld id="{56E86694-C861-44A8-AB30-CAA32AC2D8F5}" type="datetimeFigureOut">
               <a:rPr lang="en-US" smtClean="0"/>
-              <a:t>8/16/2023</a:t>
+              <a:t>8/23/2023</a:t>
             </a:fld>
             <a:endParaRPr lang="en-US"/>
           </a:p>
@@ -5565,7 +5566,7 @@
           <a:p>
             <a:fld id="{56E86694-C861-44A8-AB30-CAA32AC2D8F5}" type="datetimeFigureOut">
               <a:rPr lang="en-US" smtClean="0"/>
-              <a:t>8/16/2023</a:t>
+              <a:t>8/23/2023</a:t>
             </a:fld>
             <a:endParaRPr lang="en-US"/>
           </a:p>
@@ -5773,7 +5774,7 @@
           <a:p>
             <a:fld id="{56E86694-C861-44A8-AB30-CAA32AC2D8F5}" type="datetimeFigureOut">
               <a:rPr lang="en-US" smtClean="0"/>
-              <a:t>8/16/2023</a:t>
+              <a:t>8/23/2023</a:t>
             </a:fld>
             <a:endParaRPr lang="en-US"/>
           </a:p>
@@ -5971,7 +5972,7 @@
           <a:p>
             <a:fld id="{56E86694-C861-44A8-AB30-CAA32AC2D8F5}" type="datetimeFigureOut">
               <a:rPr lang="en-US" smtClean="0"/>
-              <a:t>8/16/2023</a:t>
+              <a:t>8/23/2023</a:t>
             </a:fld>
             <a:endParaRPr lang="en-US"/>
           </a:p>
@@ -6246,7 +6247,7 @@
           <a:p>
             <a:fld id="{56E86694-C861-44A8-AB30-CAA32AC2D8F5}" type="datetimeFigureOut">
               <a:rPr lang="en-US" smtClean="0"/>
-              <a:t>8/16/2023</a:t>
+              <a:t>8/23/2023</a:t>
             </a:fld>
             <a:endParaRPr lang="en-US"/>
           </a:p>
@@ -6511,7 +6512,7 @@
           <a:p>
             <a:fld id="{56E86694-C861-44A8-AB30-CAA32AC2D8F5}" type="datetimeFigureOut">
               <a:rPr lang="en-US" smtClean="0"/>
-              <a:t>8/16/2023</a:t>
+              <a:t>8/23/2023</a:t>
             </a:fld>
             <a:endParaRPr lang="en-US"/>
           </a:p>
@@ -6923,7 +6924,7 @@
           <a:p>
             <a:fld id="{56E86694-C861-44A8-AB30-CAA32AC2D8F5}" type="datetimeFigureOut">
               <a:rPr lang="en-US" smtClean="0"/>
-              <a:t>8/16/2023</a:t>
+              <a:t>8/23/2023</a:t>
             </a:fld>
             <a:endParaRPr lang="en-US"/>
           </a:p>
@@ -7064,7 +7065,7 @@
           <a:p>
             <a:fld id="{56E86694-C861-44A8-AB30-CAA32AC2D8F5}" type="datetimeFigureOut">
               <a:rPr lang="en-US" smtClean="0"/>
-              <a:t>8/16/2023</a:t>
+              <a:t>8/23/2023</a:t>
             </a:fld>
             <a:endParaRPr lang="en-US"/>
           </a:p>
@@ -7177,7 +7178,7 @@
           <a:p>
             <a:fld id="{56E86694-C861-44A8-AB30-CAA32AC2D8F5}" type="datetimeFigureOut">
               <a:rPr lang="en-US" smtClean="0"/>
-              <a:t>8/16/2023</a:t>
+              <a:t>8/23/2023</a:t>
             </a:fld>
             <a:endParaRPr lang="en-US"/>
           </a:p>
@@ -7488,7 +7489,7 @@
           <a:p>
             <a:fld id="{56E86694-C861-44A8-AB30-CAA32AC2D8F5}" type="datetimeFigureOut">
               <a:rPr lang="en-US" smtClean="0"/>
-              <a:t>8/16/2023</a:t>
+              <a:t>8/23/2023</a:t>
             </a:fld>
             <a:endParaRPr lang="en-US"/>
           </a:p>
@@ -7776,7 +7777,7 @@
           <a:p>
             <a:fld id="{56E86694-C861-44A8-AB30-CAA32AC2D8F5}" type="datetimeFigureOut">
               <a:rPr lang="en-US" smtClean="0"/>
-              <a:t>8/16/2023</a:t>
+              <a:t>8/23/2023</a:t>
             </a:fld>
             <a:endParaRPr lang="en-US"/>
           </a:p>
@@ -8017,7 +8018,7 @@
           <a:p>
             <a:fld id="{56E86694-C861-44A8-AB30-CAA32AC2D8F5}" type="datetimeFigureOut">
               <a:rPr lang="en-US" smtClean="0"/>
-              <a:t>8/16/2023</a:t>
+              <a:t>8/23/2023</a:t>
             </a:fld>
             <a:endParaRPr lang="en-US"/>
           </a:p>
@@ -18823,7 +18824,7 @@
         </p:spPr>
         <p:txBody>
           <a:bodyPr numCol="2">
-            <a:normAutofit/>
+            <a:normAutofit fontScale="85000" lnSpcReduction="10000"/>
           </a:bodyPr>
           <a:lstStyle/>
           <a:p>
@@ -18954,6 +18955,106 @@
             <a:r>
               <a:rPr lang="en-US" dirty="0"/>
               <a:t>Adding multiple build controls</a:t>
+            </a:r>
+          </a:p>
+          <a:p>
+            <a:pPr marL="514350" indent="-514350">
+              <a:buFont typeface="+mj-lt"/>
+              <a:buAutoNum type="arabicPeriod"/>
+            </a:pPr>
+            <a:r>
+              <a:rPr lang="en-US" dirty="0"/>
+              <a:t>Connecting state to build controls</a:t>
+            </a:r>
+          </a:p>
+          <a:p>
+            <a:pPr marL="514350" indent="-514350">
+              <a:buFont typeface="+mj-lt"/>
+              <a:buAutoNum type="arabicPeriod"/>
+            </a:pPr>
+            <a:r>
+              <a:rPr lang="en-US" dirty="0"/>
+              <a:t>Removing ingredients safely</a:t>
+            </a:r>
+          </a:p>
+          <a:p>
+            <a:pPr marL="514350" indent="-514350">
+              <a:buFont typeface="+mj-lt"/>
+              <a:buAutoNum type="arabicPeriod"/>
+            </a:pPr>
+            <a:r>
+              <a:rPr lang="en-US" dirty="0"/>
+              <a:t>Updating and displaying the burger price</a:t>
+            </a:r>
+          </a:p>
+          <a:p>
+            <a:pPr marL="514350" indent="-514350">
+              <a:buFont typeface="+mj-lt"/>
+              <a:buAutoNum type="arabicPeriod"/>
+            </a:pPr>
+            <a:r>
+              <a:rPr lang="en-US" dirty="0"/>
+              <a:t>Adding the order button</a:t>
+            </a:r>
+          </a:p>
+          <a:p>
+            <a:pPr marL="514350" indent="-514350">
+              <a:buFont typeface="+mj-lt"/>
+              <a:buAutoNum type="arabicPeriod"/>
+            </a:pPr>
+            <a:r>
+              <a:rPr lang="en-US" dirty="0"/>
+              <a:t>Creating the order summary modal</a:t>
+            </a:r>
+          </a:p>
+          <a:p>
+            <a:pPr marL="514350" indent="-514350">
+              <a:buFont typeface="+mj-lt"/>
+              <a:buAutoNum type="arabicPeriod"/>
+            </a:pPr>
+            <a:r>
+              <a:rPr lang="en-US" dirty="0"/>
+              <a:t>Showing and hiding the modal</a:t>
+            </a:r>
+          </a:p>
+          <a:p>
+            <a:pPr marL="514350" indent="-514350">
+              <a:buFont typeface="+mj-lt"/>
+              <a:buAutoNum type="arabicPeriod"/>
+            </a:pPr>
+            <a:r>
+              <a:rPr lang="en-US" dirty="0"/>
+              <a:t>Implementing the backdrop component and styling</a:t>
+            </a:r>
+          </a:p>
+          <a:p>
+            <a:pPr marL="514350" indent="-514350">
+              <a:buFont typeface="+mj-lt"/>
+              <a:buAutoNum type="arabicPeriod"/>
+            </a:pPr>
+            <a:r>
+              <a:rPr lang="en-US" dirty="0"/>
+              <a:t>Adding a custom button component</a:t>
+            </a:r>
+          </a:p>
+          <a:p>
+            <a:pPr marL="514350" indent="-514350">
+              <a:buFont typeface="+mj-lt"/>
+              <a:buAutoNum type="arabicPeriod"/>
+            </a:pPr>
+            <a:r>
+              <a:rPr lang="en-US" dirty="0"/>
+              <a:t>Implementing the button component in the order summary</a:t>
+            </a:r>
+          </a:p>
+          <a:p>
+            <a:pPr marL="514350" indent="-514350">
+              <a:buFont typeface="+mj-lt"/>
+              <a:buAutoNum type="arabicPeriod"/>
+            </a:pPr>
+            <a:r>
+              <a:rPr lang="en-US" dirty="0"/>
+              <a:t>Adding the price to the order summary</a:t>
             </a:r>
           </a:p>
         </p:txBody>
@@ -18962,6 +19063,143 @@
     <p:extLst>
       <p:ext uri="{BB962C8B-B14F-4D97-AF65-F5344CB8AC3E}">
         <p14:creationId xmlns:p14="http://schemas.microsoft.com/office/powerpoint/2010/main" val="2271577579"/>
+      </p:ext>
+    </p:extLst>
+  </p:cSld>
+  <p:clrMapOvr>
+    <a:masterClrMapping/>
+  </p:clrMapOvr>
+</p:sld>
+</file>
+
+<file path=ppt/slides/slide23.xml><?xml version="1.0" encoding="utf-8"?>
+<p:sld xmlns:a="http://schemas.openxmlformats.org/drawingml/2006/main" xmlns:r="http://schemas.openxmlformats.org/officeDocument/2006/relationships" xmlns:p="http://schemas.openxmlformats.org/presentationml/2006/main">
+  <p:cSld>
+    <p:spTree>
+      <p:nvGrpSpPr>
+        <p:cNvPr id="1" name=""/>
+        <p:cNvGrpSpPr/>
+        <p:nvPr/>
+      </p:nvGrpSpPr>
+      <p:grpSpPr>
+        <a:xfrm>
+          <a:off x="0" y="0"/>
+          <a:ext cx="0" cy="0"/>
+          <a:chOff x="0" y="0"/>
+          <a:chExt cx="0" cy="0"/>
+        </a:xfrm>
+      </p:grpSpPr>
+      <p:sp>
+        <p:nvSpPr>
+          <p:cNvPr id="3" name="Content Placeholder 2">
+            <a:extLst>
+              <a:ext uri="{FF2B5EF4-FFF2-40B4-BE49-F238E27FC236}">
+                <a16:creationId xmlns:a16="http://schemas.microsoft.com/office/drawing/2014/main" id="{B379A0C2-A8EA-CA68-719B-A05B41C36782}"/>
+              </a:ext>
+            </a:extLst>
+          </p:cNvPr>
+          <p:cNvSpPr>
+            <a:spLocks noGrp="1"/>
+          </p:cNvSpPr>
+          <p:nvPr>
+            <p:ph idx="1"/>
+          </p:nvPr>
+        </p:nvSpPr>
+        <p:spPr>
+          <a:xfrm>
+            <a:off x="382137" y="204716"/>
+            <a:ext cx="11518711" cy="6441744"/>
+          </a:xfrm>
+        </p:spPr>
+        <p:txBody>
+          <a:bodyPr/>
+          <a:lstStyle/>
+          <a:p>
+            <a:pPr marL="514350" indent="-514350">
+              <a:buFont typeface="+mj-lt"/>
+              <a:buAutoNum type="arabicPeriod"/>
+            </a:pPr>
+            <a:r>
+              <a:rPr lang="en-US" dirty="0"/>
+              <a:t>Adding a toolbar</a:t>
+            </a:r>
+          </a:p>
+          <a:p>
+            <a:pPr marL="514350" indent="-514350">
+              <a:buFont typeface="+mj-lt"/>
+              <a:buAutoNum type="arabicPeriod"/>
+            </a:pPr>
+            <a:r>
+              <a:rPr lang="en-US" dirty="0"/>
+              <a:t>Adding image logo</a:t>
+            </a:r>
+          </a:p>
+          <a:p>
+            <a:pPr marL="514350" indent="-514350">
+              <a:buFont typeface="+mj-lt"/>
+              <a:buAutoNum type="arabicPeriod"/>
+            </a:pPr>
+            <a:r>
+              <a:rPr lang="en-US" dirty="0"/>
+              <a:t>Adding reusable navigation item </a:t>
+            </a:r>
+          </a:p>
+          <a:p>
+            <a:pPr marL="514350" indent="-514350">
+              <a:buFont typeface="+mj-lt"/>
+              <a:buAutoNum type="arabicPeriod"/>
+            </a:pPr>
+            <a:r>
+              <a:rPr lang="en-US" dirty="0"/>
+              <a:t>Responsive side drawer</a:t>
+            </a:r>
+          </a:p>
+          <a:p>
+            <a:pPr marL="514350" indent="-514350">
+              <a:buFont typeface="+mj-lt"/>
+              <a:buAutoNum type="arabicPeriod"/>
+            </a:pPr>
+            <a:r>
+              <a:rPr lang="en-US" dirty="0"/>
+              <a:t>Responsive adjustments</a:t>
+            </a:r>
+          </a:p>
+          <a:p>
+            <a:pPr marL="514350" indent="-514350">
+              <a:buFont typeface="+mj-lt"/>
+              <a:buAutoNum type="arabicPeriod"/>
+            </a:pPr>
+            <a:r>
+              <a:rPr lang="en-US" dirty="0"/>
+              <a:t>More responsive adjustments</a:t>
+            </a:r>
+          </a:p>
+          <a:p>
+            <a:pPr marL="514350" indent="-514350">
+              <a:buFont typeface="+mj-lt"/>
+              <a:buAutoNum type="arabicPeriod"/>
+            </a:pPr>
+            <a:r>
+              <a:rPr lang="en-US" dirty="0"/>
+              <a:t>Reusing the backdrop</a:t>
+            </a:r>
+          </a:p>
+          <a:p>
+            <a:pPr marL="514350" indent="-514350">
+              <a:buFont typeface="+mj-lt"/>
+              <a:buAutoNum type="arabicPeriod"/>
+            </a:pPr>
+            <a:r>
+              <a:rPr lang="en-US" dirty="0"/>
+              <a:t>Adding side drawer toggle button</a:t>
+            </a:r>
+          </a:p>
+        </p:txBody>
+      </p:sp>
+    </p:spTree>
+    <p:extLst>
+      <p:ext uri="{BB962C8B-B14F-4D97-AF65-F5344CB8AC3E}">
+        <p14:creationId xmlns:p14="http://schemas.microsoft.com/office/powerpoint/2010/main" val="1665091946"/>
       </p:ext>
     </p:extLst>
   </p:cSld>

--- a/Reactjs.pptx
+++ b/Reactjs.pptx
@@ -28,6 +28,10 @@
     <p:sldId id="276" r:id="rId22"/>
     <p:sldId id="277" r:id="rId23"/>
     <p:sldId id="278" r:id="rId24"/>
+    <p:sldId id="279" r:id="rId25"/>
+    <p:sldId id="280" r:id="rId26"/>
+    <p:sldId id="281" r:id="rId27"/>
+    <p:sldId id="282" r:id="rId28"/>
   </p:sldIdLst>
   <p:sldSz cx="12192000" cy="6858000"/>
   <p:notesSz cx="6858000" cy="9144000"/>
@@ -5368,7 +5372,7 @@
           <a:p>
             <a:fld id="{56E86694-C861-44A8-AB30-CAA32AC2D8F5}" type="datetimeFigureOut">
               <a:rPr lang="en-US" smtClean="0"/>
-              <a:t>8/23/2023</a:t>
+              <a:t>9/6/2023</a:t>
             </a:fld>
             <a:endParaRPr lang="en-US"/>
           </a:p>
@@ -5566,7 +5570,7 @@
           <a:p>
             <a:fld id="{56E86694-C861-44A8-AB30-CAA32AC2D8F5}" type="datetimeFigureOut">
               <a:rPr lang="en-US" smtClean="0"/>
-              <a:t>8/23/2023</a:t>
+              <a:t>9/6/2023</a:t>
             </a:fld>
             <a:endParaRPr lang="en-US"/>
           </a:p>
@@ -5774,7 +5778,7 @@
           <a:p>
             <a:fld id="{56E86694-C861-44A8-AB30-CAA32AC2D8F5}" type="datetimeFigureOut">
               <a:rPr lang="en-US" smtClean="0"/>
-              <a:t>8/23/2023</a:t>
+              <a:t>9/6/2023</a:t>
             </a:fld>
             <a:endParaRPr lang="en-US"/>
           </a:p>
@@ -5972,7 +5976,7 @@
           <a:p>
             <a:fld id="{56E86694-C861-44A8-AB30-CAA32AC2D8F5}" type="datetimeFigureOut">
               <a:rPr lang="en-US" smtClean="0"/>
-              <a:t>8/23/2023</a:t>
+              <a:t>9/6/2023</a:t>
             </a:fld>
             <a:endParaRPr lang="en-US"/>
           </a:p>
@@ -6247,7 +6251,7 @@
           <a:p>
             <a:fld id="{56E86694-C861-44A8-AB30-CAA32AC2D8F5}" type="datetimeFigureOut">
               <a:rPr lang="en-US" smtClean="0"/>
-              <a:t>8/23/2023</a:t>
+              <a:t>9/6/2023</a:t>
             </a:fld>
             <a:endParaRPr lang="en-US"/>
           </a:p>
@@ -6512,7 +6516,7 @@
           <a:p>
             <a:fld id="{56E86694-C861-44A8-AB30-CAA32AC2D8F5}" type="datetimeFigureOut">
               <a:rPr lang="en-US" smtClean="0"/>
-              <a:t>8/23/2023</a:t>
+              <a:t>9/6/2023</a:t>
             </a:fld>
             <a:endParaRPr lang="en-US"/>
           </a:p>
@@ -6924,7 +6928,7 @@
           <a:p>
             <a:fld id="{56E86694-C861-44A8-AB30-CAA32AC2D8F5}" type="datetimeFigureOut">
               <a:rPr lang="en-US" smtClean="0"/>
-              <a:t>8/23/2023</a:t>
+              <a:t>9/6/2023</a:t>
             </a:fld>
             <a:endParaRPr lang="en-US"/>
           </a:p>
@@ -7065,7 +7069,7 @@
           <a:p>
             <a:fld id="{56E86694-C861-44A8-AB30-CAA32AC2D8F5}" type="datetimeFigureOut">
               <a:rPr lang="en-US" smtClean="0"/>
-              <a:t>8/23/2023</a:t>
+              <a:t>9/6/2023</a:t>
             </a:fld>
             <a:endParaRPr lang="en-US"/>
           </a:p>
@@ -7178,7 +7182,7 @@
           <a:p>
             <a:fld id="{56E86694-C861-44A8-AB30-CAA32AC2D8F5}" type="datetimeFigureOut">
               <a:rPr lang="en-US" smtClean="0"/>
-              <a:t>8/23/2023</a:t>
+              <a:t>9/6/2023</a:t>
             </a:fld>
             <a:endParaRPr lang="en-US"/>
           </a:p>
@@ -7489,7 +7493,7 @@
           <a:p>
             <a:fld id="{56E86694-C861-44A8-AB30-CAA32AC2D8F5}" type="datetimeFigureOut">
               <a:rPr lang="en-US" smtClean="0"/>
-              <a:t>8/23/2023</a:t>
+              <a:t>9/6/2023</a:t>
             </a:fld>
             <a:endParaRPr lang="en-US"/>
           </a:p>
@@ -7777,7 +7781,7 @@
           <a:p>
             <a:fld id="{56E86694-C861-44A8-AB30-CAA32AC2D8F5}" type="datetimeFigureOut">
               <a:rPr lang="en-US" smtClean="0"/>
-              <a:t>8/23/2023</a:t>
+              <a:t>9/6/2023</a:t>
             </a:fld>
             <a:endParaRPr lang="en-US"/>
           </a:p>
@@ -8018,7 +8022,7 @@
           <a:p>
             <a:fld id="{56E86694-C861-44A8-AB30-CAA32AC2D8F5}" type="datetimeFigureOut">
               <a:rPr lang="en-US" smtClean="0"/>
-              <a:t>8/23/2023</a:t>
+              <a:t>9/6/2023</a:t>
             </a:fld>
             <a:endParaRPr lang="en-US"/>
           </a:p>
@@ -19209,6 +19213,1145 @@
 </p:sld>
 </file>
 
+<file path=ppt/slides/slide24.xml><?xml version="1.0" encoding="utf-8"?>
+<p:sld xmlns:a="http://schemas.openxmlformats.org/drawingml/2006/main" xmlns:r="http://schemas.openxmlformats.org/officeDocument/2006/relationships" xmlns:p="http://schemas.openxmlformats.org/presentationml/2006/main">
+  <p:cSld>
+    <p:spTree>
+      <p:nvGrpSpPr>
+        <p:cNvPr id="1" name=""/>
+        <p:cNvGrpSpPr/>
+        <p:nvPr/>
+      </p:nvGrpSpPr>
+      <p:grpSpPr>
+        <a:xfrm>
+          <a:off x="0" y="0"/>
+          <a:ext cx="0" cy="0"/>
+          <a:chOff x="0" y="0"/>
+          <a:chExt cx="0" cy="0"/>
+        </a:xfrm>
+      </p:grpSpPr>
+      <p:sp>
+        <p:nvSpPr>
+          <p:cNvPr id="3" name="Content Placeholder 2">
+            <a:extLst>
+              <a:ext uri="{FF2B5EF4-FFF2-40B4-BE49-F238E27FC236}">
+                <a16:creationId xmlns:a16="http://schemas.microsoft.com/office/drawing/2014/main" id="{CE2CE16F-3A9A-107E-51C5-9839D60D802D}"/>
+              </a:ext>
+            </a:extLst>
+          </p:cNvPr>
+          <p:cNvSpPr>
+            <a:spLocks noGrp="1"/>
+          </p:cNvSpPr>
+          <p:nvPr>
+            <p:ph idx="1"/>
+          </p:nvPr>
+        </p:nvSpPr>
+        <p:spPr>
+          <a:xfrm>
+            <a:off x="838200" y="204716"/>
+            <a:ext cx="10515600" cy="5972247"/>
+          </a:xfrm>
+        </p:spPr>
+        <p:txBody>
+          <a:bodyPr/>
+          <a:lstStyle/>
+          <a:p>
+            <a:r>
+              <a:rPr lang="en-US" dirty="0"/>
+              <a:t>Creating firebase project – </a:t>
+            </a:r>
+            <a:r>
+              <a:rPr lang="en-US" dirty="0" err="1"/>
+              <a:t>realtime</a:t>
+            </a:r>
+            <a:r>
+              <a:rPr lang="en-US" dirty="0"/>
+              <a:t> database</a:t>
+            </a:r>
+          </a:p>
+          <a:p>
+            <a:r>
+              <a:rPr lang="en-US" dirty="0"/>
+              <a:t>Creating axios instance</a:t>
+            </a:r>
+          </a:p>
+          <a:p>
+            <a:r>
+              <a:rPr lang="en-US" dirty="0"/>
+              <a:t>Sending post request</a:t>
+            </a:r>
+          </a:p>
+          <a:p>
+            <a:r>
+              <a:rPr lang="en-US" dirty="0"/>
+              <a:t>Showing a spinner while sending a request</a:t>
+            </a:r>
+          </a:p>
+          <a:p>
+            <a:r>
+              <a:rPr lang="en-US" dirty="0"/>
+              <a:t>Handling errors with a hoc</a:t>
+            </a:r>
+          </a:p>
+          <a:p>
+            <a:r>
+              <a:rPr lang="en-US" dirty="0"/>
+              <a:t>Getting data from the backend</a:t>
+            </a:r>
+          </a:p>
+          <a:p>
+            <a:r>
+              <a:rPr lang="en-US" dirty="0"/>
+              <a:t>Removing old interceptors</a:t>
+            </a:r>
+          </a:p>
+          <a:p>
+            <a:endParaRPr lang="en-US" dirty="0"/>
+          </a:p>
+        </p:txBody>
+      </p:sp>
+    </p:spTree>
+    <p:extLst>
+      <p:ext uri="{BB962C8B-B14F-4D97-AF65-F5344CB8AC3E}">
+        <p14:creationId xmlns:p14="http://schemas.microsoft.com/office/powerpoint/2010/main" val="2239586886"/>
+      </p:ext>
+    </p:extLst>
+  </p:cSld>
+  <p:clrMapOvr>
+    <a:masterClrMapping/>
+  </p:clrMapOvr>
+</p:sld>
+</file>
+
+<file path=ppt/slides/slide25.xml><?xml version="1.0" encoding="utf-8"?>
+<p:sld xmlns:a="http://schemas.openxmlformats.org/drawingml/2006/main" xmlns:r="http://schemas.openxmlformats.org/officeDocument/2006/relationships" xmlns:p="http://schemas.openxmlformats.org/presentationml/2006/main">
+  <p:cSld>
+    <p:spTree>
+      <p:nvGrpSpPr>
+        <p:cNvPr id="1" name=""/>
+        <p:cNvGrpSpPr/>
+        <p:nvPr/>
+      </p:nvGrpSpPr>
+      <p:grpSpPr>
+        <a:xfrm>
+          <a:off x="0" y="0"/>
+          <a:ext cx="0" cy="0"/>
+          <a:chOff x="0" y="0"/>
+          <a:chExt cx="0" cy="0"/>
+        </a:xfrm>
+      </p:grpSpPr>
+      <p:sp>
+        <p:nvSpPr>
+          <p:cNvPr id="2" name="Title 1">
+            <a:extLst>
+              <a:ext uri="{FF2B5EF4-FFF2-40B4-BE49-F238E27FC236}">
+                <a16:creationId xmlns:a16="http://schemas.microsoft.com/office/drawing/2014/main" id="{1C128690-C984-5DB7-3906-C1CC7252C44E}"/>
+              </a:ext>
+            </a:extLst>
+          </p:cNvPr>
+          <p:cNvSpPr>
+            <a:spLocks noGrp="1"/>
+          </p:cNvSpPr>
+          <p:nvPr>
+            <p:ph type="title"/>
+          </p:nvPr>
+        </p:nvSpPr>
+        <p:spPr/>
+        <p:txBody>
+          <a:bodyPr/>
+          <a:lstStyle/>
+          <a:p>
+            <a:pPr algn="ctr"/>
+            <a:r>
+              <a:rPr lang="en-US" dirty="0"/>
+              <a:t>Routing</a:t>
+            </a:r>
+          </a:p>
+        </p:txBody>
+      </p:sp>
+      <p:sp>
+        <p:nvSpPr>
+          <p:cNvPr id="3" name="Content Placeholder 2">
+            <a:extLst>
+              <a:ext uri="{FF2B5EF4-FFF2-40B4-BE49-F238E27FC236}">
+                <a16:creationId xmlns:a16="http://schemas.microsoft.com/office/drawing/2014/main" id="{3BE5DFE5-A630-C955-8B99-5A2C8C230236}"/>
+              </a:ext>
+            </a:extLst>
+          </p:cNvPr>
+          <p:cNvSpPr>
+            <a:spLocks noGrp="1"/>
+          </p:cNvSpPr>
+          <p:nvPr>
+            <p:ph idx="1"/>
+          </p:nvPr>
+        </p:nvSpPr>
+        <p:spPr/>
+        <p:txBody>
+          <a:bodyPr/>
+          <a:lstStyle/>
+          <a:p>
+            <a:pPr marL="0" indent="0" algn="ctr">
+              <a:buNone/>
+            </a:pPr>
+            <a:r>
+              <a:rPr lang="en-US" dirty="0"/>
+              <a:t>To Really Build  A Single-Page Application</a:t>
+            </a:r>
+          </a:p>
+        </p:txBody>
+      </p:sp>
+    </p:spTree>
+    <p:extLst>
+      <p:ext uri="{BB962C8B-B14F-4D97-AF65-F5344CB8AC3E}">
+        <p14:creationId xmlns:p14="http://schemas.microsoft.com/office/powerpoint/2010/main" val="534142038"/>
+      </p:ext>
+    </p:extLst>
+  </p:cSld>
+  <p:clrMapOvr>
+    <a:masterClrMapping/>
+  </p:clrMapOvr>
+</p:sld>
+</file>
+
+<file path=ppt/slides/slide26.xml><?xml version="1.0" encoding="utf-8"?>
+<p:sld xmlns:a="http://schemas.openxmlformats.org/drawingml/2006/main" xmlns:r="http://schemas.openxmlformats.org/officeDocument/2006/relationships" xmlns:p="http://schemas.openxmlformats.org/presentationml/2006/main">
+  <p:cSld>
+    <p:spTree>
+      <p:nvGrpSpPr>
+        <p:cNvPr id="1" name=""/>
+        <p:cNvGrpSpPr/>
+        <p:nvPr/>
+      </p:nvGrpSpPr>
+      <p:grpSpPr>
+        <a:xfrm>
+          <a:off x="0" y="0"/>
+          <a:ext cx="0" cy="0"/>
+          <a:chOff x="0" y="0"/>
+          <a:chExt cx="0" cy="0"/>
+        </a:xfrm>
+      </p:grpSpPr>
+      <p:sp>
+        <p:nvSpPr>
+          <p:cNvPr id="2" name="Title 1">
+            <a:extLst>
+              <a:ext uri="{FF2B5EF4-FFF2-40B4-BE49-F238E27FC236}">
+                <a16:creationId xmlns:a16="http://schemas.microsoft.com/office/drawing/2014/main" id="{F285A6E3-477D-FAF0-D52B-019E359D1831}"/>
+              </a:ext>
+            </a:extLst>
+          </p:cNvPr>
+          <p:cNvSpPr>
+            <a:spLocks noGrp="1"/>
+          </p:cNvSpPr>
+          <p:nvPr>
+            <p:ph type="title"/>
+          </p:nvPr>
+        </p:nvSpPr>
+        <p:spPr>
+          <a:xfrm>
+            <a:off x="-117143" y="0"/>
+            <a:ext cx="5589896" cy="1325563"/>
+          </a:xfrm>
+        </p:spPr>
+        <p:txBody>
+          <a:bodyPr/>
+          <a:lstStyle/>
+          <a:p>
+            <a:r>
+              <a:rPr lang="en-US" dirty="0"/>
+              <a:t>Multiple Pages in a SPA?</a:t>
+            </a:r>
+          </a:p>
+        </p:txBody>
+      </p:sp>
+      <p:sp>
+        <p:nvSpPr>
+          <p:cNvPr id="4" name="Rectangle 3">
+            <a:extLst>
+              <a:ext uri="{FF2B5EF4-FFF2-40B4-BE49-F238E27FC236}">
+                <a16:creationId xmlns:a16="http://schemas.microsoft.com/office/drawing/2014/main" id="{CB14C413-ABB0-BDA2-8EBE-7D1F73E527ED}"/>
+              </a:ext>
+            </a:extLst>
+          </p:cNvPr>
+          <p:cNvSpPr/>
+          <p:nvPr/>
+        </p:nvSpPr>
+        <p:spPr>
+          <a:xfrm>
+            <a:off x="4831307" y="1091821"/>
+            <a:ext cx="1264693" cy="1064525"/>
+          </a:xfrm>
+          <a:prstGeom prst="rect">
+            <a:avLst/>
+          </a:prstGeom>
+        </p:spPr>
+        <p:style>
+          <a:lnRef idx="2">
+            <a:schemeClr val="accent1">
+              <a:shade val="15000"/>
+            </a:schemeClr>
+          </a:lnRef>
+          <a:fillRef idx="1">
+            <a:schemeClr val="accent1"/>
+          </a:fillRef>
+          <a:effectRef idx="0">
+            <a:schemeClr val="accent1"/>
+          </a:effectRef>
+          <a:fontRef idx="minor">
+            <a:schemeClr val="lt1"/>
+          </a:fontRef>
+        </p:style>
+        <p:txBody>
+          <a:bodyPr rtlCol="0" anchor="ctr"/>
+          <a:lstStyle/>
+          <a:p>
+            <a:pPr algn="ctr"/>
+            <a:r>
+              <a:rPr lang="en-US" dirty="0"/>
+              <a:t>Single Page </a:t>
+            </a:r>
+          </a:p>
+          <a:p>
+            <a:pPr algn="ctr"/>
+            <a:r>
+              <a:rPr lang="en-US" dirty="0"/>
+              <a:t>(HTML File)</a:t>
+            </a:r>
+          </a:p>
+        </p:txBody>
+      </p:sp>
+      <p:sp>
+        <p:nvSpPr>
+          <p:cNvPr id="5" name="Rectangle 4">
+            <a:extLst>
+              <a:ext uri="{FF2B5EF4-FFF2-40B4-BE49-F238E27FC236}">
+                <a16:creationId xmlns:a16="http://schemas.microsoft.com/office/drawing/2014/main" id="{7DC3F002-BF7E-43F1-760C-07BFED312715}"/>
+              </a:ext>
+            </a:extLst>
+          </p:cNvPr>
+          <p:cNvSpPr/>
+          <p:nvPr/>
+        </p:nvSpPr>
+        <p:spPr>
+          <a:xfrm>
+            <a:off x="177421" y="2579427"/>
+            <a:ext cx="11818961" cy="1325563"/>
+          </a:xfrm>
+          <a:prstGeom prst="rect">
+            <a:avLst/>
+          </a:prstGeom>
+        </p:spPr>
+        <p:style>
+          <a:lnRef idx="2">
+            <a:schemeClr val="accent1">
+              <a:shade val="15000"/>
+            </a:schemeClr>
+          </a:lnRef>
+          <a:fillRef idx="1">
+            <a:schemeClr val="accent1"/>
+          </a:fillRef>
+          <a:effectRef idx="0">
+            <a:schemeClr val="accent1"/>
+          </a:effectRef>
+          <a:fontRef idx="minor">
+            <a:schemeClr val="lt1"/>
+          </a:fontRef>
+        </p:style>
+        <p:txBody>
+          <a:bodyPr rtlCol="0" anchor="ctr"/>
+          <a:lstStyle/>
+          <a:p>
+            <a:pPr algn="ctr"/>
+            <a:endParaRPr lang="en-US" dirty="0"/>
+          </a:p>
+          <a:p>
+            <a:pPr algn="ctr"/>
+            <a:r>
+              <a:rPr lang="en-US" dirty="0"/>
+              <a:t>Not real Files but re-rendered Single Page!</a:t>
+            </a:r>
+          </a:p>
+        </p:txBody>
+      </p:sp>
+      <p:sp>
+        <p:nvSpPr>
+          <p:cNvPr id="6" name="Rectangle 5">
+            <a:extLst>
+              <a:ext uri="{FF2B5EF4-FFF2-40B4-BE49-F238E27FC236}">
+                <a16:creationId xmlns:a16="http://schemas.microsoft.com/office/drawing/2014/main" id="{A2EA7B11-5D72-3F53-92EB-26599BE5365F}"/>
+              </a:ext>
+            </a:extLst>
+          </p:cNvPr>
+          <p:cNvSpPr/>
+          <p:nvPr/>
+        </p:nvSpPr>
+        <p:spPr>
+          <a:xfrm>
+            <a:off x="3399430" y="2655354"/>
+            <a:ext cx="1626642" cy="586853"/>
+          </a:xfrm>
+          <a:prstGeom prst="rect">
+            <a:avLst/>
+          </a:prstGeom>
+          <a:solidFill>
+            <a:schemeClr val="accent2"/>
+          </a:solidFill>
+        </p:spPr>
+        <p:style>
+          <a:lnRef idx="2">
+            <a:schemeClr val="accent1">
+              <a:shade val="15000"/>
+            </a:schemeClr>
+          </a:lnRef>
+          <a:fillRef idx="1">
+            <a:schemeClr val="accent1"/>
+          </a:fillRef>
+          <a:effectRef idx="0">
+            <a:schemeClr val="accent1"/>
+          </a:effectRef>
+          <a:fontRef idx="minor">
+            <a:schemeClr val="lt1"/>
+          </a:fontRef>
+        </p:style>
+        <p:txBody>
+          <a:bodyPr rtlCol="0" anchor="ctr"/>
+          <a:lstStyle/>
+          <a:p>
+            <a:pPr algn="ctr"/>
+            <a:r>
+              <a:rPr lang="en-US" dirty="0">
+                <a:ln w="0"/>
+                <a:solidFill>
+                  <a:schemeClr val="tx1"/>
+                </a:solidFill>
+                <a:effectLst>
+                  <a:outerShdw blurRad="38100" dist="19050" dir="2700000" algn="tl" rotWithShape="0">
+                    <a:schemeClr val="dk1">
+                      <a:alpha val="40000"/>
+                    </a:schemeClr>
+                  </a:outerShdw>
+                </a:effectLst>
+              </a:rPr>
+              <a:t>/blog/post/1</a:t>
+            </a:r>
+          </a:p>
+        </p:txBody>
+      </p:sp>
+      <p:sp>
+        <p:nvSpPr>
+          <p:cNvPr id="7" name="Rectangle 6">
+            <a:extLst>
+              <a:ext uri="{FF2B5EF4-FFF2-40B4-BE49-F238E27FC236}">
+                <a16:creationId xmlns:a16="http://schemas.microsoft.com/office/drawing/2014/main" id="{03F9BB1E-1F1C-CFEA-5184-5F1CD486B7C5}"/>
+              </a:ext>
+            </a:extLst>
+          </p:cNvPr>
+          <p:cNvSpPr/>
+          <p:nvPr/>
+        </p:nvSpPr>
+        <p:spPr>
+          <a:xfrm>
+            <a:off x="293286" y="2655353"/>
+            <a:ext cx="1378424" cy="586853"/>
+          </a:xfrm>
+          <a:prstGeom prst="rect">
+            <a:avLst/>
+          </a:prstGeom>
+          <a:solidFill>
+            <a:schemeClr val="accent2"/>
+          </a:solidFill>
+        </p:spPr>
+        <p:style>
+          <a:lnRef idx="2">
+            <a:schemeClr val="accent1">
+              <a:shade val="15000"/>
+            </a:schemeClr>
+          </a:lnRef>
+          <a:fillRef idx="1">
+            <a:schemeClr val="accent1"/>
+          </a:fillRef>
+          <a:effectRef idx="0">
+            <a:schemeClr val="accent1"/>
+          </a:effectRef>
+          <a:fontRef idx="minor">
+            <a:schemeClr val="lt1"/>
+          </a:fontRef>
+        </p:style>
+        <p:txBody>
+          <a:bodyPr rtlCol="0" anchor="ctr"/>
+          <a:lstStyle/>
+          <a:p>
+            <a:pPr algn="ctr"/>
+            <a:r>
+              <a:rPr lang="en-US" dirty="0">
+                <a:ln w="0"/>
+                <a:solidFill>
+                  <a:schemeClr val="tx1"/>
+                </a:solidFill>
+                <a:effectLst>
+                  <a:outerShdw blurRad="38100" dist="19050" dir="2700000" algn="tl" rotWithShape="0">
+                    <a:schemeClr val="dk1">
+                      <a:alpha val="40000"/>
+                    </a:schemeClr>
+                  </a:outerShdw>
+                </a:effectLst>
+              </a:rPr>
+              <a:t>/</a:t>
+            </a:r>
+          </a:p>
+        </p:txBody>
+      </p:sp>
+      <p:sp>
+        <p:nvSpPr>
+          <p:cNvPr id="8" name="Rectangle 7">
+            <a:extLst>
+              <a:ext uri="{FF2B5EF4-FFF2-40B4-BE49-F238E27FC236}">
+                <a16:creationId xmlns:a16="http://schemas.microsoft.com/office/drawing/2014/main" id="{5A75CDAA-0A24-1890-CBE1-057B75D4EC71}"/>
+              </a:ext>
+            </a:extLst>
+          </p:cNvPr>
+          <p:cNvSpPr/>
+          <p:nvPr/>
+        </p:nvSpPr>
+        <p:spPr>
+          <a:xfrm>
+            <a:off x="1818849" y="2655353"/>
+            <a:ext cx="1378424" cy="586853"/>
+          </a:xfrm>
+          <a:prstGeom prst="rect">
+            <a:avLst/>
+          </a:prstGeom>
+          <a:solidFill>
+            <a:schemeClr val="accent2"/>
+          </a:solidFill>
+        </p:spPr>
+        <p:style>
+          <a:lnRef idx="2">
+            <a:schemeClr val="accent1">
+              <a:shade val="15000"/>
+            </a:schemeClr>
+          </a:lnRef>
+          <a:fillRef idx="1">
+            <a:schemeClr val="accent1"/>
+          </a:fillRef>
+          <a:effectRef idx="0">
+            <a:schemeClr val="accent1"/>
+          </a:effectRef>
+          <a:fontRef idx="minor">
+            <a:schemeClr val="lt1"/>
+          </a:fontRef>
+        </p:style>
+        <p:txBody>
+          <a:bodyPr rtlCol="0" anchor="ctr"/>
+          <a:lstStyle/>
+          <a:p>
+            <a:pPr algn="ctr"/>
+            <a:r>
+              <a:rPr lang="en-US" dirty="0">
+                <a:ln w="0"/>
+                <a:solidFill>
+                  <a:schemeClr val="tx1"/>
+                </a:solidFill>
+                <a:effectLst>
+                  <a:outerShdw blurRad="38100" dist="19050" dir="2700000" algn="tl" rotWithShape="0">
+                    <a:schemeClr val="dk1">
+                      <a:alpha val="40000"/>
+                    </a:schemeClr>
+                  </a:outerShdw>
+                </a:effectLst>
+              </a:rPr>
+              <a:t>/blog</a:t>
+            </a:r>
+          </a:p>
+        </p:txBody>
+      </p:sp>
+      <p:sp>
+        <p:nvSpPr>
+          <p:cNvPr id="9" name="Rectangle 8">
+            <a:extLst>
+              <a:ext uri="{FF2B5EF4-FFF2-40B4-BE49-F238E27FC236}">
+                <a16:creationId xmlns:a16="http://schemas.microsoft.com/office/drawing/2014/main" id="{74BFBDE4-C44C-F6E4-4D9D-F46C65864578}"/>
+              </a:ext>
+            </a:extLst>
+          </p:cNvPr>
+          <p:cNvSpPr/>
+          <p:nvPr/>
+        </p:nvSpPr>
+        <p:spPr>
+          <a:xfrm>
+            <a:off x="9932443" y="2655355"/>
+            <a:ext cx="1378424" cy="586853"/>
+          </a:xfrm>
+          <a:prstGeom prst="rect">
+            <a:avLst/>
+          </a:prstGeom>
+          <a:solidFill>
+            <a:schemeClr val="accent2"/>
+          </a:solidFill>
+        </p:spPr>
+        <p:style>
+          <a:lnRef idx="2">
+            <a:schemeClr val="accent1">
+              <a:shade val="15000"/>
+            </a:schemeClr>
+          </a:lnRef>
+          <a:fillRef idx="1">
+            <a:schemeClr val="accent1"/>
+          </a:fillRef>
+          <a:effectRef idx="0">
+            <a:schemeClr val="accent1"/>
+          </a:effectRef>
+          <a:fontRef idx="minor">
+            <a:schemeClr val="lt1"/>
+          </a:fontRef>
+        </p:style>
+        <p:txBody>
+          <a:bodyPr rtlCol="0" anchor="ctr"/>
+          <a:lstStyle/>
+          <a:p>
+            <a:pPr algn="ctr"/>
+            <a:r>
+              <a:rPr lang="en-US" dirty="0">
+                <a:ln w="0"/>
+                <a:solidFill>
+                  <a:schemeClr val="tx1"/>
+                </a:solidFill>
+                <a:effectLst>
+                  <a:outerShdw blurRad="38100" dist="19050" dir="2700000" algn="tl" rotWithShape="0">
+                    <a:schemeClr val="dk1">
+                      <a:alpha val="40000"/>
+                    </a:schemeClr>
+                  </a:outerShdw>
+                </a:effectLst>
+              </a:rPr>
+              <a:t>/orders</a:t>
+            </a:r>
+          </a:p>
+        </p:txBody>
+      </p:sp>
+      <p:sp>
+        <p:nvSpPr>
+          <p:cNvPr id="10" name="Rectangle 9">
+            <a:extLst>
+              <a:ext uri="{FF2B5EF4-FFF2-40B4-BE49-F238E27FC236}">
+                <a16:creationId xmlns:a16="http://schemas.microsoft.com/office/drawing/2014/main" id="{7EC80083-4A7A-60E1-8006-FC2E8473BF64}"/>
+              </a:ext>
+            </a:extLst>
+          </p:cNvPr>
+          <p:cNvSpPr/>
+          <p:nvPr/>
+        </p:nvSpPr>
+        <p:spPr>
+          <a:xfrm>
+            <a:off x="5545257" y="2655354"/>
+            <a:ext cx="1378424" cy="586853"/>
+          </a:xfrm>
+          <a:prstGeom prst="rect">
+            <a:avLst/>
+          </a:prstGeom>
+          <a:solidFill>
+            <a:schemeClr val="accent2"/>
+          </a:solidFill>
+        </p:spPr>
+        <p:style>
+          <a:lnRef idx="2">
+            <a:schemeClr val="accent1">
+              <a:shade val="15000"/>
+            </a:schemeClr>
+          </a:lnRef>
+          <a:fillRef idx="1">
+            <a:schemeClr val="accent1"/>
+          </a:fillRef>
+          <a:effectRef idx="0">
+            <a:schemeClr val="accent1"/>
+          </a:effectRef>
+          <a:fontRef idx="minor">
+            <a:schemeClr val="lt1"/>
+          </a:fontRef>
+        </p:style>
+        <p:txBody>
+          <a:bodyPr rtlCol="0" anchor="ctr"/>
+          <a:lstStyle/>
+          <a:p>
+            <a:pPr algn="ctr"/>
+            <a:r>
+              <a:rPr lang="en-US" dirty="0">
+                <a:ln w="0"/>
+                <a:solidFill>
+                  <a:schemeClr val="tx1"/>
+                </a:solidFill>
+                <a:effectLst>
+                  <a:outerShdw blurRad="38100" dist="19050" dir="2700000" algn="tl" rotWithShape="0">
+                    <a:schemeClr val="dk1">
+                      <a:alpha val="40000"/>
+                    </a:schemeClr>
+                  </a:outerShdw>
+                </a:effectLst>
+              </a:rPr>
+              <a:t>/users</a:t>
+            </a:r>
+          </a:p>
+        </p:txBody>
+      </p:sp>
+      <p:sp>
+        <p:nvSpPr>
+          <p:cNvPr id="11" name="Rectangle 10">
+            <a:extLst>
+              <a:ext uri="{FF2B5EF4-FFF2-40B4-BE49-F238E27FC236}">
+                <a16:creationId xmlns:a16="http://schemas.microsoft.com/office/drawing/2014/main" id="{E79E6A25-B7CB-287C-D67C-F8DDAC8F1E94}"/>
+              </a:ext>
+            </a:extLst>
+          </p:cNvPr>
+          <p:cNvSpPr/>
+          <p:nvPr/>
+        </p:nvSpPr>
+        <p:spPr>
+          <a:xfrm>
+            <a:off x="7868504" y="2655354"/>
+            <a:ext cx="1378424" cy="586853"/>
+          </a:xfrm>
+          <a:prstGeom prst="rect">
+            <a:avLst/>
+          </a:prstGeom>
+          <a:solidFill>
+            <a:schemeClr val="accent2"/>
+          </a:solidFill>
+        </p:spPr>
+        <p:style>
+          <a:lnRef idx="2">
+            <a:schemeClr val="accent1">
+              <a:shade val="15000"/>
+            </a:schemeClr>
+          </a:lnRef>
+          <a:fillRef idx="1">
+            <a:schemeClr val="accent1"/>
+          </a:fillRef>
+          <a:effectRef idx="0">
+            <a:schemeClr val="accent1"/>
+          </a:effectRef>
+          <a:fontRef idx="minor">
+            <a:schemeClr val="lt1"/>
+          </a:fontRef>
+        </p:style>
+        <p:txBody>
+          <a:bodyPr rtlCol="0" anchor="ctr"/>
+          <a:lstStyle/>
+          <a:p>
+            <a:pPr algn="ctr"/>
+            <a:r>
+              <a:rPr lang="en-US" dirty="0">
+                <a:ln w="0"/>
+                <a:solidFill>
+                  <a:schemeClr val="tx1"/>
+                </a:solidFill>
+                <a:effectLst>
+                  <a:outerShdw blurRad="38100" dist="19050" dir="2700000" algn="tl" rotWithShape="0">
+                    <a:schemeClr val="dk1">
+                      <a:alpha val="40000"/>
+                    </a:schemeClr>
+                  </a:outerShdw>
+                </a:effectLst>
+              </a:rPr>
+              <a:t>/account</a:t>
+            </a:r>
+          </a:p>
+        </p:txBody>
+      </p:sp>
+      <p:sp>
+        <p:nvSpPr>
+          <p:cNvPr id="12" name="Rectangle 11">
+            <a:extLst>
+              <a:ext uri="{FF2B5EF4-FFF2-40B4-BE49-F238E27FC236}">
+                <a16:creationId xmlns:a16="http://schemas.microsoft.com/office/drawing/2014/main" id="{31F1A18F-286C-D107-69F1-4DF84351AE97}"/>
+              </a:ext>
+            </a:extLst>
+          </p:cNvPr>
+          <p:cNvSpPr/>
+          <p:nvPr/>
+        </p:nvSpPr>
+        <p:spPr>
+          <a:xfrm>
+            <a:off x="4476466" y="4094328"/>
+            <a:ext cx="2634018" cy="955344"/>
+          </a:xfrm>
+          <a:prstGeom prst="rect">
+            <a:avLst/>
+          </a:prstGeom>
+        </p:spPr>
+        <p:style>
+          <a:lnRef idx="2">
+            <a:schemeClr val="accent1">
+              <a:shade val="15000"/>
+            </a:schemeClr>
+          </a:lnRef>
+          <a:fillRef idx="1">
+            <a:schemeClr val="accent1"/>
+          </a:fillRef>
+          <a:effectRef idx="0">
+            <a:schemeClr val="accent1"/>
+          </a:effectRef>
+          <a:fontRef idx="minor">
+            <a:schemeClr val="lt1"/>
+          </a:fontRef>
+        </p:style>
+        <p:txBody>
+          <a:bodyPr rtlCol="0" anchor="ctr"/>
+          <a:lstStyle/>
+          <a:p>
+            <a:pPr algn="ctr"/>
+            <a:r>
+              <a:rPr lang="en-US" dirty="0"/>
+              <a:t>Router Package</a:t>
+            </a:r>
+          </a:p>
+        </p:txBody>
+      </p:sp>
+      <p:sp>
+        <p:nvSpPr>
+          <p:cNvPr id="13" name="Rectangle 12">
+            <a:extLst>
+              <a:ext uri="{FF2B5EF4-FFF2-40B4-BE49-F238E27FC236}">
+                <a16:creationId xmlns:a16="http://schemas.microsoft.com/office/drawing/2014/main" id="{B89BE048-F385-EBD5-9F3D-919F22994913}"/>
+              </a:ext>
+            </a:extLst>
+          </p:cNvPr>
+          <p:cNvSpPr/>
+          <p:nvPr/>
+        </p:nvSpPr>
+        <p:spPr>
+          <a:xfrm>
+            <a:off x="501840" y="5349922"/>
+            <a:ext cx="2634018" cy="955344"/>
+          </a:xfrm>
+          <a:prstGeom prst="rect">
+            <a:avLst/>
+          </a:prstGeom>
+        </p:spPr>
+        <p:style>
+          <a:lnRef idx="2">
+            <a:schemeClr val="accent1">
+              <a:shade val="15000"/>
+            </a:schemeClr>
+          </a:lnRef>
+          <a:fillRef idx="1">
+            <a:schemeClr val="accent1"/>
+          </a:fillRef>
+          <a:effectRef idx="0">
+            <a:schemeClr val="accent1"/>
+          </a:effectRef>
+          <a:fontRef idx="minor">
+            <a:schemeClr val="lt1"/>
+          </a:fontRef>
+        </p:style>
+        <p:txBody>
+          <a:bodyPr rtlCol="0" anchor="ctr"/>
+          <a:lstStyle/>
+          <a:p>
+            <a:pPr algn="ctr"/>
+            <a:r>
+              <a:rPr lang="en-US" dirty="0"/>
+              <a:t>Parse URL / Path</a:t>
+            </a:r>
+          </a:p>
+        </p:txBody>
+      </p:sp>
+      <p:sp>
+        <p:nvSpPr>
+          <p:cNvPr id="14" name="Rectangle 13">
+            <a:extLst>
+              <a:ext uri="{FF2B5EF4-FFF2-40B4-BE49-F238E27FC236}">
+                <a16:creationId xmlns:a16="http://schemas.microsoft.com/office/drawing/2014/main" id="{62800FAA-7849-FEDA-5022-BE756A4BCF72}"/>
+              </a:ext>
+            </a:extLst>
+          </p:cNvPr>
+          <p:cNvSpPr/>
+          <p:nvPr/>
+        </p:nvSpPr>
+        <p:spPr>
+          <a:xfrm>
+            <a:off x="9056142" y="5349922"/>
+            <a:ext cx="2634018" cy="955344"/>
+          </a:xfrm>
+          <a:prstGeom prst="rect">
+            <a:avLst/>
+          </a:prstGeom>
+        </p:spPr>
+        <p:style>
+          <a:lnRef idx="2">
+            <a:schemeClr val="accent1">
+              <a:shade val="15000"/>
+            </a:schemeClr>
+          </a:lnRef>
+          <a:fillRef idx="1">
+            <a:schemeClr val="accent1"/>
+          </a:fillRef>
+          <a:effectRef idx="0">
+            <a:schemeClr val="accent1"/>
+          </a:effectRef>
+          <a:fontRef idx="minor">
+            <a:schemeClr val="lt1"/>
+          </a:fontRef>
+        </p:style>
+        <p:txBody>
+          <a:bodyPr rtlCol="0" anchor="ctr"/>
+          <a:lstStyle/>
+          <a:p>
+            <a:pPr algn="ctr"/>
+            <a:r>
+              <a:rPr lang="en-US" dirty="0"/>
+              <a:t>Render/ Load appropriate JSX/ Component</a:t>
+            </a:r>
+          </a:p>
+        </p:txBody>
+      </p:sp>
+      <p:sp>
+        <p:nvSpPr>
+          <p:cNvPr id="15" name="Rectangle 14">
+            <a:extLst>
+              <a:ext uri="{FF2B5EF4-FFF2-40B4-BE49-F238E27FC236}">
+                <a16:creationId xmlns:a16="http://schemas.microsoft.com/office/drawing/2014/main" id="{DAF39F9E-BD70-8071-E9F6-8C9B1770A737}"/>
+              </a:ext>
+            </a:extLst>
+          </p:cNvPr>
+          <p:cNvSpPr/>
+          <p:nvPr/>
+        </p:nvSpPr>
+        <p:spPr>
+          <a:xfrm>
+            <a:off x="5021523" y="5349922"/>
+            <a:ext cx="2634018" cy="955344"/>
+          </a:xfrm>
+          <a:prstGeom prst="rect">
+            <a:avLst/>
+          </a:prstGeom>
+        </p:spPr>
+        <p:style>
+          <a:lnRef idx="2">
+            <a:schemeClr val="accent1">
+              <a:shade val="15000"/>
+            </a:schemeClr>
+          </a:lnRef>
+          <a:fillRef idx="1">
+            <a:schemeClr val="accent1"/>
+          </a:fillRef>
+          <a:effectRef idx="0">
+            <a:schemeClr val="accent1"/>
+          </a:effectRef>
+          <a:fontRef idx="minor">
+            <a:schemeClr val="lt1"/>
+          </a:fontRef>
+        </p:style>
+        <p:txBody>
+          <a:bodyPr rtlCol="0" anchor="ctr"/>
+          <a:lstStyle/>
+          <a:p>
+            <a:pPr algn="ctr"/>
+            <a:r>
+              <a:rPr lang="en-US" dirty="0"/>
+              <a:t>Read Config</a:t>
+            </a:r>
+          </a:p>
+        </p:txBody>
+      </p:sp>
+      <p:sp>
+        <p:nvSpPr>
+          <p:cNvPr id="16" name="Arrow: Right 15">
+            <a:extLst>
+              <a:ext uri="{FF2B5EF4-FFF2-40B4-BE49-F238E27FC236}">
+                <a16:creationId xmlns:a16="http://schemas.microsoft.com/office/drawing/2014/main" id="{15D5EADB-79C8-CDA3-9DFB-CAB59A192C39}"/>
+              </a:ext>
+            </a:extLst>
+          </p:cNvPr>
+          <p:cNvSpPr/>
+          <p:nvPr/>
+        </p:nvSpPr>
+        <p:spPr>
+          <a:xfrm>
+            <a:off x="3562066" y="5704764"/>
+            <a:ext cx="1146412" cy="423081"/>
+          </a:xfrm>
+          <a:prstGeom prst="rightArrow">
+            <a:avLst/>
+          </a:prstGeom>
+        </p:spPr>
+        <p:style>
+          <a:lnRef idx="2">
+            <a:schemeClr val="accent1">
+              <a:shade val="15000"/>
+            </a:schemeClr>
+          </a:lnRef>
+          <a:fillRef idx="1">
+            <a:schemeClr val="accent1"/>
+          </a:fillRef>
+          <a:effectRef idx="0">
+            <a:schemeClr val="accent1"/>
+          </a:effectRef>
+          <a:fontRef idx="minor">
+            <a:schemeClr val="lt1"/>
+          </a:fontRef>
+        </p:style>
+        <p:txBody>
+          <a:bodyPr rtlCol="0" anchor="ctr"/>
+          <a:lstStyle/>
+          <a:p>
+            <a:pPr algn="ctr"/>
+            <a:endParaRPr lang="en-US"/>
+          </a:p>
+        </p:txBody>
+      </p:sp>
+      <p:sp>
+        <p:nvSpPr>
+          <p:cNvPr id="17" name="Arrow: Right 16">
+            <a:extLst>
+              <a:ext uri="{FF2B5EF4-FFF2-40B4-BE49-F238E27FC236}">
+                <a16:creationId xmlns:a16="http://schemas.microsoft.com/office/drawing/2014/main" id="{44DBCBD9-3A24-3AAE-D5CA-D03B18B6A08D}"/>
+              </a:ext>
+            </a:extLst>
+          </p:cNvPr>
+          <p:cNvSpPr/>
+          <p:nvPr/>
+        </p:nvSpPr>
+        <p:spPr>
+          <a:xfrm>
+            <a:off x="7823579" y="5704763"/>
+            <a:ext cx="1146412" cy="423081"/>
+          </a:xfrm>
+          <a:prstGeom prst="rightArrow">
+            <a:avLst/>
+          </a:prstGeom>
+        </p:spPr>
+        <p:style>
+          <a:lnRef idx="2">
+            <a:schemeClr val="accent1">
+              <a:shade val="15000"/>
+            </a:schemeClr>
+          </a:lnRef>
+          <a:fillRef idx="1">
+            <a:schemeClr val="accent1"/>
+          </a:fillRef>
+          <a:effectRef idx="0">
+            <a:schemeClr val="accent1"/>
+          </a:effectRef>
+          <a:fontRef idx="minor">
+            <a:schemeClr val="lt1"/>
+          </a:fontRef>
+        </p:style>
+        <p:txBody>
+          <a:bodyPr rtlCol="0" anchor="ctr"/>
+          <a:lstStyle/>
+          <a:p>
+            <a:pPr algn="ctr"/>
+            <a:endParaRPr lang="en-US"/>
+          </a:p>
+        </p:txBody>
+      </p:sp>
+    </p:spTree>
+    <p:extLst>
+      <p:ext uri="{BB962C8B-B14F-4D97-AF65-F5344CB8AC3E}">
+        <p14:creationId xmlns:p14="http://schemas.microsoft.com/office/powerpoint/2010/main" val="3796450021"/>
+      </p:ext>
+    </p:extLst>
+  </p:cSld>
+  <p:clrMapOvr>
+    <a:masterClrMapping/>
+  </p:clrMapOvr>
+</p:sld>
+</file>
+
+<file path=ppt/slides/slide27.xml><?xml version="1.0" encoding="utf-8"?>
+<p:sld xmlns:a="http://schemas.openxmlformats.org/drawingml/2006/main" xmlns:r="http://schemas.openxmlformats.org/officeDocument/2006/relationships" xmlns:p="http://schemas.openxmlformats.org/presentationml/2006/main">
+  <p:cSld>
+    <p:spTree>
+      <p:nvGrpSpPr>
+        <p:cNvPr id="1" name=""/>
+        <p:cNvGrpSpPr/>
+        <p:nvPr/>
+      </p:nvGrpSpPr>
+      <p:grpSpPr>
+        <a:xfrm>
+          <a:off x="0" y="0"/>
+          <a:ext cx="0" cy="0"/>
+          <a:chOff x="0" y="0"/>
+          <a:chExt cx="0" cy="0"/>
+        </a:xfrm>
+      </p:grpSpPr>
+      <p:sp>
+        <p:nvSpPr>
+          <p:cNvPr id="2" name="Title 1">
+            <a:extLst>
+              <a:ext uri="{FF2B5EF4-FFF2-40B4-BE49-F238E27FC236}">
+                <a16:creationId xmlns:a16="http://schemas.microsoft.com/office/drawing/2014/main" id="{7B37312B-D113-C3A4-E8DF-F9F4BEE7E7B3}"/>
+              </a:ext>
+            </a:extLst>
+          </p:cNvPr>
+          <p:cNvSpPr>
+            <a:spLocks noGrp="1"/>
+          </p:cNvSpPr>
+          <p:nvPr>
+            <p:ph type="title"/>
+          </p:nvPr>
+        </p:nvSpPr>
+        <p:spPr/>
+        <p:txBody>
+          <a:bodyPr/>
+          <a:lstStyle/>
+          <a:p>
+            <a:endParaRPr lang="en-US"/>
+          </a:p>
+        </p:txBody>
+      </p:sp>
+      <p:sp>
+        <p:nvSpPr>
+          <p:cNvPr id="3" name="Content Placeholder 2">
+            <a:extLst>
+              <a:ext uri="{FF2B5EF4-FFF2-40B4-BE49-F238E27FC236}">
+                <a16:creationId xmlns:a16="http://schemas.microsoft.com/office/drawing/2014/main" id="{669556D5-C64B-1286-78C0-5F160B6B1106}"/>
+              </a:ext>
+            </a:extLst>
+          </p:cNvPr>
+          <p:cNvSpPr>
+            <a:spLocks noGrp="1"/>
+          </p:cNvSpPr>
+          <p:nvPr>
+            <p:ph idx="1"/>
+          </p:nvPr>
+        </p:nvSpPr>
+        <p:spPr/>
+        <p:txBody>
+          <a:bodyPr/>
+          <a:lstStyle/>
+          <a:p>
+            <a:r>
+              <a:rPr lang="en-US" dirty="0"/>
+              <a:t>Setting up links</a:t>
+            </a:r>
+          </a:p>
+          <a:p>
+            <a:r>
+              <a:rPr lang="en-US" dirty="0"/>
+              <a:t>Setting up the router package</a:t>
+            </a:r>
+          </a:p>
+          <a:p>
+            <a:r>
+              <a:rPr lang="en-US" dirty="0"/>
+              <a:t>Preparing the project for routing</a:t>
+            </a:r>
+          </a:p>
+        </p:txBody>
+      </p:sp>
+    </p:spTree>
+    <p:extLst>
+      <p:ext uri="{BB962C8B-B14F-4D97-AF65-F5344CB8AC3E}">
+        <p14:creationId xmlns:p14="http://schemas.microsoft.com/office/powerpoint/2010/main" val="3477864804"/>
+      </p:ext>
+    </p:extLst>
+  </p:cSld>
+  <p:clrMapOvr>
+    <a:masterClrMapping/>
+  </p:clrMapOvr>
+</p:sld>
+</file>
+
 <file path=ppt/slides/slide3.xml><?xml version="1.0" encoding="utf-8"?>
 <p:sld xmlns:a="http://schemas.openxmlformats.org/drawingml/2006/main" xmlns:r="http://schemas.openxmlformats.org/officeDocument/2006/relationships" xmlns:p="http://schemas.openxmlformats.org/presentationml/2006/main">
   <p:cSld>

--- a/Reactjs.pptx
+++ b/Reactjs.pptx
@@ -5372,7 +5372,7 @@
           <a:p>
             <a:fld id="{56E86694-C861-44A8-AB30-CAA32AC2D8F5}" type="datetimeFigureOut">
               <a:rPr lang="en-US" smtClean="0"/>
-              <a:t>9/6/2023</a:t>
+              <a:t>9/7/2023</a:t>
             </a:fld>
             <a:endParaRPr lang="en-US"/>
           </a:p>
@@ -5570,7 +5570,7 @@
           <a:p>
             <a:fld id="{56E86694-C861-44A8-AB30-CAA32AC2D8F5}" type="datetimeFigureOut">
               <a:rPr lang="en-US" smtClean="0"/>
-              <a:t>9/6/2023</a:t>
+              <a:t>9/7/2023</a:t>
             </a:fld>
             <a:endParaRPr lang="en-US"/>
           </a:p>
@@ -5778,7 +5778,7 @@
           <a:p>
             <a:fld id="{56E86694-C861-44A8-AB30-CAA32AC2D8F5}" type="datetimeFigureOut">
               <a:rPr lang="en-US" smtClean="0"/>
-              <a:t>9/6/2023</a:t>
+              <a:t>9/7/2023</a:t>
             </a:fld>
             <a:endParaRPr lang="en-US"/>
           </a:p>
@@ -5976,7 +5976,7 @@
           <a:p>
             <a:fld id="{56E86694-C861-44A8-AB30-CAA32AC2D8F5}" type="datetimeFigureOut">
               <a:rPr lang="en-US" smtClean="0"/>
-              <a:t>9/6/2023</a:t>
+              <a:t>9/7/2023</a:t>
             </a:fld>
             <a:endParaRPr lang="en-US"/>
           </a:p>
@@ -6251,7 +6251,7 @@
           <a:p>
             <a:fld id="{56E86694-C861-44A8-AB30-CAA32AC2D8F5}" type="datetimeFigureOut">
               <a:rPr lang="en-US" smtClean="0"/>
-              <a:t>9/6/2023</a:t>
+              <a:t>9/7/2023</a:t>
             </a:fld>
             <a:endParaRPr lang="en-US"/>
           </a:p>
@@ -6516,7 +6516,7 @@
           <a:p>
             <a:fld id="{56E86694-C861-44A8-AB30-CAA32AC2D8F5}" type="datetimeFigureOut">
               <a:rPr lang="en-US" smtClean="0"/>
-              <a:t>9/6/2023</a:t>
+              <a:t>9/7/2023</a:t>
             </a:fld>
             <a:endParaRPr lang="en-US"/>
           </a:p>
@@ -6928,7 +6928,7 @@
           <a:p>
             <a:fld id="{56E86694-C861-44A8-AB30-CAA32AC2D8F5}" type="datetimeFigureOut">
               <a:rPr lang="en-US" smtClean="0"/>
-              <a:t>9/6/2023</a:t>
+              <a:t>9/7/2023</a:t>
             </a:fld>
             <a:endParaRPr lang="en-US"/>
           </a:p>
@@ -7069,7 +7069,7 @@
           <a:p>
             <a:fld id="{56E86694-C861-44A8-AB30-CAA32AC2D8F5}" type="datetimeFigureOut">
               <a:rPr lang="en-US" smtClean="0"/>
-              <a:t>9/6/2023</a:t>
+              <a:t>9/7/2023</a:t>
             </a:fld>
             <a:endParaRPr lang="en-US"/>
           </a:p>
@@ -7182,7 +7182,7 @@
           <a:p>
             <a:fld id="{56E86694-C861-44A8-AB30-CAA32AC2D8F5}" type="datetimeFigureOut">
               <a:rPr lang="en-US" smtClean="0"/>
-              <a:t>9/6/2023</a:t>
+              <a:t>9/7/2023</a:t>
             </a:fld>
             <a:endParaRPr lang="en-US"/>
           </a:p>
@@ -7493,7 +7493,7 @@
           <a:p>
             <a:fld id="{56E86694-C861-44A8-AB30-CAA32AC2D8F5}" type="datetimeFigureOut">
               <a:rPr lang="en-US" smtClean="0"/>
-              <a:t>9/6/2023</a:t>
+              <a:t>9/7/2023</a:t>
             </a:fld>
             <a:endParaRPr lang="en-US"/>
           </a:p>
@@ -7781,7 +7781,7 @@
           <a:p>
             <a:fld id="{56E86694-C861-44A8-AB30-CAA32AC2D8F5}" type="datetimeFigureOut">
               <a:rPr lang="en-US" smtClean="0"/>
-              <a:t>9/6/2023</a:t>
+              <a:t>9/7/2023</a:t>
             </a:fld>
             <a:endParaRPr lang="en-US"/>
           </a:p>
@@ -8022,7 +8022,7 @@
           <a:p>
             <a:fld id="{56E86694-C861-44A8-AB30-CAA32AC2D8F5}" type="datetimeFigureOut">
               <a:rPr lang="en-US" smtClean="0"/>
-              <a:t>9/6/2023</a:t>
+              <a:t>9/7/2023</a:t>
             </a:fld>
             <a:endParaRPr lang="en-US"/>
           </a:p>
@@ -20337,6 +20337,36 @@
               <a:t>Preparing the project for routing</a:t>
             </a:r>
           </a:p>
+          <a:p>
+            <a:r>
+              <a:rPr lang="en-US" dirty="0"/>
+              <a:t>Setting up and rendering routes</a:t>
+            </a:r>
+          </a:p>
+          <a:p>
+            <a:r>
+              <a:rPr lang="en-US" dirty="0"/>
+              <a:t>Rendering components</a:t>
+            </a:r>
+          </a:p>
+          <a:p>
+            <a:r>
+              <a:rPr lang="en-US" dirty="0"/>
+              <a:t>Switching between pages</a:t>
+            </a:r>
+          </a:p>
+          <a:p>
+            <a:r>
+              <a:rPr lang="en-US" dirty="0"/>
+              <a:t>Using links</a:t>
+            </a:r>
+          </a:p>
+          <a:p>
+            <a:r>
+              <a:rPr lang="en-US" dirty="0"/>
+              <a:t>Route related props</a:t>
+            </a:r>
+          </a:p>
         </p:txBody>
       </p:sp>
     </p:spTree>
